--- a/Document/Vehicle Management Presentation.pptx
+++ b/Document/Vehicle Management Presentation.pptx
@@ -9,6 +9,12 @@
     <p:sldId id="258" r:id="rId3"/>
     <p:sldId id="261" r:id="rId4"/>
     <p:sldId id="262" r:id="rId5"/>
+    <p:sldId id="264" r:id="rId6"/>
+    <p:sldId id="265" r:id="rId7"/>
+    <p:sldId id="267" r:id="rId8"/>
+    <p:sldId id="263" r:id="rId9"/>
+    <p:sldId id="266" r:id="rId10"/>
+    <p:sldId id="268" r:id="rId11"/>
   </p:sldIdLst>
   <p:sldSz cx="12192000" cy="6858000"/>
   <p:notesSz cx="6858000" cy="9144000"/>
@@ -3049,23 +3055,7 @@
                   <a:srgbClr val="002060"/>
                 </a:solidFill>
               </a:rPr>
-              <a:t> </a:t>
-            </a:r>
-            <a:r>
-              <a:rPr lang="en-US" b="1" dirty="0" smtClean="0">
-                <a:solidFill>
-                  <a:srgbClr val="002060"/>
-                </a:solidFill>
-              </a:rPr>
-              <a:t>To </a:t>
-            </a:r>
-            <a:r>
-              <a:rPr lang="en-US" b="1" dirty="0" smtClean="0">
-                <a:solidFill>
-                  <a:srgbClr val="002060"/>
-                </a:solidFill>
-              </a:rPr>
-              <a:t/>
+              <a:t> To </a:t>
             </a:r>
             <a:br>
               <a:rPr lang="en-US" b="1" dirty="0" smtClean="0">
@@ -3145,6 +3135,198 @@
         <p:cTn id="1" dur="indefinite" restart="never" nodeType="tmRoot"/>
       </p:par>
     </p:tnLst>
+  </p:timing>
+</p:sld>
+</file>
+
+<file path=ppt/slides/slide10.xml><?xml version="1.0" encoding="utf-8"?>
+<p:sld xmlns:a="http://schemas.openxmlformats.org/drawingml/2006/main" xmlns:r="http://schemas.openxmlformats.org/officeDocument/2006/relationships" xmlns:p="http://schemas.openxmlformats.org/presentationml/2006/main">
+  <p:cSld>
+    <p:bg>
+      <p:bgPr>
+        <a:gradFill flip="none" rotWithShape="1">
+          <a:gsLst>
+            <a:gs pos="0">
+              <a:schemeClr val="accent4">
+                <a:lumMod val="89000"/>
+              </a:schemeClr>
+            </a:gs>
+            <a:gs pos="23000">
+              <a:schemeClr val="accent4">
+                <a:lumMod val="89000"/>
+              </a:schemeClr>
+            </a:gs>
+            <a:gs pos="69000">
+              <a:schemeClr val="accent4">
+                <a:lumMod val="75000"/>
+              </a:schemeClr>
+            </a:gs>
+            <a:gs pos="97000">
+              <a:schemeClr val="accent4">
+                <a:lumMod val="70000"/>
+              </a:schemeClr>
+            </a:gs>
+          </a:gsLst>
+          <a:path path="circle">
+            <a:fillToRect l="50000" t="50000" r="50000" b="50000"/>
+          </a:path>
+          <a:tileRect/>
+        </a:gradFill>
+        <a:effectLst/>
+      </p:bgPr>
+    </p:bg>
+    <p:spTree>
+      <p:nvGrpSpPr>
+        <p:cNvPr id="1" name=""/>
+        <p:cNvGrpSpPr/>
+        <p:nvPr/>
+      </p:nvGrpSpPr>
+      <p:grpSpPr>
+        <a:xfrm>
+          <a:off x="0" y="0"/>
+          <a:ext cx="0" cy="0"/>
+          <a:chOff x="0" y="0"/>
+          <a:chExt cx="0" cy="0"/>
+        </a:xfrm>
+      </p:grpSpPr>
+      <p:sp>
+        <p:nvSpPr>
+          <p:cNvPr id="2" name="Title 1"/>
+          <p:cNvSpPr>
+            <a:spLocks noGrp="1"/>
+          </p:cNvSpPr>
+          <p:nvPr>
+            <p:ph type="ctrTitle"/>
+          </p:nvPr>
+        </p:nvSpPr>
+        <p:spPr>
+          <a:xfrm>
+            <a:off x="1524000" y="1122363"/>
+            <a:ext cx="9144000" cy="4153022"/>
+          </a:xfrm>
+          <a:solidFill>
+            <a:schemeClr val="accent4">
+              <a:lumMod val="75000"/>
+            </a:schemeClr>
+          </a:solidFill>
+        </p:spPr>
+        <p:txBody>
+          <a:bodyPr anchor="ctr">
+            <a:noAutofit/>
+          </a:bodyPr>
+          <a:lstStyle/>
+          <a:p>
+            <a:r>
+              <a:rPr lang="en-US" sz="11500" dirty="0">
+                <a:solidFill>
+                  <a:srgbClr val="FFFF00"/>
+                </a:solidFill>
+              </a:rPr>
+              <a:t>Thanks To All</a:t>
+            </a:r>
+            <a:endParaRPr lang="en-US" sz="11500" dirty="0">
+              <a:solidFill>
+                <a:srgbClr val="FFFF00"/>
+              </a:solidFill>
+            </a:endParaRPr>
+          </a:p>
+        </p:txBody>
+      </p:sp>
+    </p:spTree>
+    <p:extLst>
+      <p:ext uri="{BB962C8B-B14F-4D97-AF65-F5344CB8AC3E}">
+        <p14:creationId xmlns:p14="http://schemas.microsoft.com/office/powerpoint/2010/main" val="849137660"/>
+      </p:ext>
+    </p:extLst>
+  </p:cSld>
+  <p:clrMapOvr>
+    <a:masterClrMapping/>
+  </p:clrMapOvr>
+  <p:timing>
+    <p:tnLst>
+      <p:par>
+        <p:cTn id="1" dur="indefinite" restart="never" nodeType="tmRoot">
+          <p:childTnLst>
+            <p:seq concurrent="1" nextAc="seek">
+              <p:cTn id="2" dur="indefinite" nodeType="mainSeq">
+                <p:childTnLst>
+                  <p:par>
+                    <p:cTn id="3" fill="hold">
+                      <p:stCondLst>
+                        <p:cond delay="indefinite"/>
+                      </p:stCondLst>
+                      <p:childTnLst>
+                        <p:par>
+                          <p:cTn id="4" fill="hold">
+                            <p:stCondLst>
+                              <p:cond delay="0"/>
+                            </p:stCondLst>
+                            <p:childTnLst>
+                              <p:par>
+                                <p:cTn id="5" presetID="16" presetClass="entr" presetSubtype="21" fill="hold" grpId="0" nodeType="clickEffect">
+                                  <p:stCondLst>
+                                    <p:cond delay="0"/>
+                                  </p:stCondLst>
+                                  <p:childTnLst>
+                                    <p:set>
+                                      <p:cBhvr>
+                                        <p:cTn id="6" dur="1" fill="hold">
+                                          <p:stCondLst>
+                                            <p:cond delay="0"/>
+                                          </p:stCondLst>
+                                        </p:cTn>
+                                        <p:tgtEl>
+                                          <p:spTgt spid="2"/>
+                                        </p:tgtEl>
+                                        <p:attrNameLst>
+                                          <p:attrName>style.visibility</p:attrName>
+                                        </p:attrNameLst>
+                                      </p:cBhvr>
+                                      <p:to>
+                                        <p:strVal val="visible"/>
+                                      </p:to>
+                                    </p:set>
+                                    <p:animEffect transition="in" filter="barn(inVertical)">
+                                      <p:cBhvr>
+                                        <p:cTn id="7" dur="500"/>
+                                        <p:tgtEl>
+                                          <p:spTgt spid="2"/>
+                                        </p:tgtEl>
+                                      </p:cBhvr>
+                                    </p:animEffect>
+                                  </p:childTnLst>
+                                </p:cTn>
+                              </p:par>
+                            </p:childTnLst>
+                          </p:cTn>
+                        </p:par>
+                      </p:childTnLst>
+                    </p:cTn>
+                  </p:par>
+                </p:childTnLst>
+              </p:cTn>
+              <p:prevCondLst>
+                <p:cond evt="onPrev" delay="0">
+                  <p:tgtEl>
+                    <p:sldTgt/>
+                  </p:tgtEl>
+                </p:cond>
+              </p:prevCondLst>
+              <p:nextCondLst>
+                <p:cond evt="onNext" delay="0">
+                  <p:tgtEl>
+                    <p:sldTgt/>
+                  </p:tgtEl>
+                </p:cond>
+              </p:nextCondLst>
+            </p:seq>
+          </p:childTnLst>
+        </p:cTn>
+      </p:par>
+    </p:tnLst>
+    <p:bldLst>
+      <p:bldP spid="2" grpId="0" animBg="1"/>
+    </p:bldLst>
   </p:timing>
 </p:sld>
 </file>
@@ -4280,15 +4462,7 @@
                   <a:prstClr val="white"/>
                 </a:solidFill>
               </a:rPr>
-              <a:t>Back Log for </a:t>
-            </a:r>
-            <a:r>
-              <a:rPr lang="en-US" sz="3600" dirty="0" smtClean="0">
-                <a:solidFill>
-                  <a:prstClr val="white"/>
-                </a:solidFill>
-              </a:rPr>
-              <a:t>Controller</a:t>
+              <a:t>Back Log for Controller</a:t>
             </a:r>
             <a:endParaRPr lang="en-US" sz="3600" dirty="0">
               <a:solidFill>
@@ -4411,7 +4585,11 @@
             <p:ph idx="1"/>
           </p:nvPr>
         </p:nvSpPr>
-        <p:spPr/>
+        <p:spPr>
+          <a:ln>
+            <a:noFill/>
+          </a:ln>
+        </p:spPr>
         <p:txBody>
           <a:bodyPr>
             <a:normAutofit/>
@@ -4655,20 +4833,6 @@
               <a:rPr lang="en-US" dirty="0" smtClean="0"/>
               <a:t>.</a:t>
             </a:r>
-            <a:endParaRPr lang="en-US" dirty="0"/>
-          </a:p>
-          <a:p>
-            <a:pPr marL="514350" indent="-514350">
-              <a:buFont typeface="Arial" panose="020B0604020202020204" pitchFamily="34" charset="0"/>
-              <a:buAutoNum type="arabicPeriod" startAt="6"/>
-            </a:pPr>
-            <a:endParaRPr lang="en-US" dirty="0"/>
-          </a:p>
-          <a:p>
-            <a:pPr marL="514350" indent="-514350">
-              <a:buFont typeface="Arial" panose="020B0604020202020204" pitchFamily="34" charset="0"/>
-              <a:buAutoNum type="arabicPeriod" startAt="6"/>
-            </a:pPr>
             <a:endParaRPr lang="en-US" dirty="0"/>
           </a:p>
           <a:p>
@@ -4759,6 +4923,2826 @@
     <p:extLst>
       <p:ext uri="{BB962C8B-B14F-4D97-AF65-F5344CB8AC3E}">
         <p14:creationId xmlns:p14="http://schemas.microsoft.com/office/powerpoint/2010/main" val="4108372936"/>
+      </p:ext>
+    </p:extLst>
+  </p:cSld>
+  <p:clrMapOvr>
+    <a:masterClrMapping/>
+  </p:clrMapOvr>
+  <p:timing>
+    <p:tnLst>
+      <p:par>
+        <p:cTn id="1" dur="indefinite" restart="never" nodeType="tmRoot"/>
+      </p:par>
+    </p:tnLst>
+  </p:timing>
+</p:sld>
+</file>
+
+<file path=ppt/slides/slide5.xml><?xml version="1.0" encoding="utf-8"?>
+<p:sld xmlns:a="http://schemas.openxmlformats.org/drawingml/2006/main" xmlns:r="http://schemas.openxmlformats.org/officeDocument/2006/relationships" xmlns:p="http://schemas.openxmlformats.org/presentationml/2006/main">
+  <p:cSld>
+    <p:bg>
+      <p:bgPr>
+        <a:solidFill>
+          <a:schemeClr val="accent4">
+            <a:lumMod val="75000"/>
+          </a:schemeClr>
+        </a:solidFill>
+        <a:effectLst/>
+      </p:bgPr>
+    </p:bg>
+    <p:spTree>
+      <p:nvGrpSpPr>
+        <p:cNvPr id="1" name=""/>
+        <p:cNvGrpSpPr/>
+        <p:nvPr/>
+      </p:nvGrpSpPr>
+      <p:grpSpPr>
+        <a:xfrm>
+          <a:off x="0" y="0"/>
+          <a:ext cx="0" cy="0"/>
+          <a:chOff x="0" y="0"/>
+          <a:chExt cx="0" cy="0"/>
+        </a:xfrm>
+      </p:grpSpPr>
+      <p:sp>
+        <p:nvSpPr>
+          <p:cNvPr id="2" name="Title 1"/>
+          <p:cNvSpPr>
+            <a:spLocks noGrp="1"/>
+          </p:cNvSpPr>
+          <p:nvPr>
+            <p:ph type="title"/>
+          </p:nvPr>
+        </p:nvSpPr>
+        <p:spPr>
+          <a:gradFill>
+            <a:gsLst>
+              <a:gs pos="0">
+                <a:schemeClr val="accent4">
+                  <a:lumMod val="89000"/>
+                </a:schemeClr>
+              </a:gs>
+              <a:gs pos="23000">
+                <a:schemeClr val="accent4">
+                  <a:lumMod val="89000"/>
+                </a:schemeClr>
+              </a:gs>
+              <a:gs pos="69000">
+                <a:schemeClr val="accent4">
+                  <a:lumMod val="75000"/>
+                </a:schemeClr>
+              </a:gs>
+              <a:gs pos="97000">
+                <a:schemeClr val="accent4">
+                  <a:lumMod val="70000"/>
+                </a:schemeClr>
+              </a:gs>
+            </a:gsLst>
+            <a:path path="circle">
+              <a:fillToRect l="50000" t="50000" r="50000" b="50000"/>
+            </a:path>
+          </a:gradFill>
+        </p:spPr>
+        <p:txBody>
+          <a:bodyPr/>
+          <a:lstStyle/>
+          <a:p>
+            <a:pPr algn="ctr"/>
+            <a:r>
+              <a:rPr lang="en-US" b="1" dirty="0" smtClean="0"/>
+              <a:t>Vehicle Entry Form (Controller)</a:t>
+            </a:r>
+            <a:endParaRPr lang="en-US" b="1" dirty="0"/>
+          </a:p>
+        </p:txBody>
+      </p:sp>
+      <p:sp>
+        <p:nvSpPr>
+          <p:cNvPr id="3" name="Content Placeholder 2"/>
+          <p:cNvSpPr>
+            <a:spLocks noGrp="1"/>
+          </p:cNvSpPr>
+          <p:nvPr>
+            <p:ph sz="half" idx="1"/>
+          </p:nvPr>
+        </p:nvSpPr>
+        <p:spPr>
+          <a:noFill/>
+        </p:spPr>
+        <p:txBody>
+          <a:bodyPr>
+            <a:normAutofit fontScale="77500" lnSpcReduction="20000"/>
+          </a:bodyPr>
+          <a:lstStyle/>
+          <a:p>
+            <a:r>
+              <a:rPr lang="en-US" dirty="0"/>
+              <a:t>Object: </a:t>
+            </a:r>
+            <a:r>
+              <a:rPr lang="en-US" dirty="0" err="1" smtClean="0"/>
+              <a:t>VehicleEntry</a:t>
+            </a:r>
+            <a:endParaRPr lang="en-US" dirty="0"/>
+          </a:p>
+          <a:p>
+            <a:r>
+              <a:rPr lang="en-US" dirty="0" smtClean="0"/>
+              <a:t>Attribute</a:t>
+            </a:r>
+          </a:p>
+          <a:p>
+            <a:pPr marL="457200" lvl="1" indent="0">
+              <a:buNone/>
+            </a:pPr>
+            <a:r>
+              <a:rPr lang="en-US" dirty="0" smtClean="0"/>
+              <a:t>	Id;</a:t>
+            </a:r>
+          </a:p>
+          <a:p>
+            <a:pPr marL="0" indent="0">
+              <a:buNone/>
+            </a:pPr>
+            <a:r>
+              <a:rPr lang="en-US" dirty="0"/>
+              <a:t>	Name;</a:t>
+            </a:r>
+          </a:p>
+          <a:p>
+            <a:pPr marL="0" indent="0">
+              <a:buNone/>
+            </a:pPr>
+            <a:r>
+              <a:rPr lang="en-US" dirty="0"/>
+              <a:t>	</a:t>
+            </a:r>
+            <a:r>
+              <a:rPr lang="en-US" dirty="0" err="1" smtClean="0"/>
+              <a:t>RegNo</a:t>
+            </a:r>
+            <a:r>
+              <a:rPr lang="en-US" dirty="0" smtClean="0"/>
+              <a:t>;</a:t>
+            </a:r>
+          </a:p>
+          <a:p>
+            <a:pPr marL="0" indent="0">
+              <a:buNone/>
+            </a:pPr>
+            <a:r>
+              <a:rPr lang="en-US" dirty="0"/>
+              <a:t>	</a:t>
+            </a:r>
+            <a:r>
+              <a:rPr lang="en-US" dirty="0" smtClean="0"/>
+              <a:t>Description;</a:t>
+            </a:r>
+          </a:p>
+          <a:p>
+            <a:pPr marL="0" indent="0">
+              <a:buNone/>
+            </a:pPr>
+            <a:r>
+              <a:rPr lang="en-US" dirty="0"/>
+              <a:t>	</a:t>
+            </a:r>
+            <a:r>
+              <a:rPr lang="en-US" dirty="0" err="1" smtClean="0"/>
+              <a:t>IsDelete</a:t>
+            </a:r>
+            <a:r>
+              <a:rPr lang="en-US" dirty="0" smtClean="0"/>
+              <a:t>;</a:t>
+            </a:r>
+            <a:endParaRPr lang="en-US" dirty="0"/>
+          </a:p>
+          <a:p>
+            <a:r>
+              <a:rPr lang="en-US" dirty="0"/>
+              <a:t>Activity:</a:t>
+            </a:r>
+          </a:p>
+          <a:p>
+            <a:pPr marL="0" indent="0">
+              <a:buNone/>
+            </a:pPr>
+            <a:r>
+              <a:rPr lang="en-US" dirty="0"/>
+              <a:t>	</a:t>
+            </a:r>
+            <a:r>
+              <a:rPr lang="en-US" dirty="0" err="1" smtClean="0"/>
+              <a:t>CreateVehicle</a:t>
+            </a:r>
+            <a:r>
+              <a:rPr lang="en-US" dirty="0" smtClean="0"/>
+              <a:t>();</a:t>
+            </a:r>
+            <a:endParaRPr lang="en-US" dirty="0"/>
+          </a:p>
+          <a:p>
+            <a:pPr marL="0" indent="0">
+              <a:buNone/>
+            </a:pPr>
+            <a:r>
+              <a:rPr lang="en-US" dirty="0" smtClean="0"/>
+              <a:t>	</a:t>
+            </a:r>
+            <a:r>
+              <a:rPr lang="en-US" dirty="0" err="1" smtClean="0"/>
+              <a:t>VehicleList</a:t>
+            </a:r>
+            <a:r>
+              <a:rPr lang="en-US" dirty="0" smtClean="0"/>
+              <a:t>();</a:t>
+            </a:r>
+          </a:p>
+          <a:p>
+            <a:pPr marL="0" indent="0">
+              <a:buNone/>
+            </a:pPr>
+            <a:r>
+              <a:rPr lang="en-US" dirty="0"/>
+              <a:t>	</a:t>
+            </a:r>
+            <a:r>
+              <a:rPr lang="en-US" dirty="0" err="1" smtClean="0"/>
+              <a:t>EditVehicle</a:t>
+            </a:r>
+            <a:r>
+              <a:rPr lang="en-US" dirty="0" smtClean="0"/>
+              <a:t>();</a:t>
+            </a:r>
+          </a:p>
+          <a:p>
+            <a:pPr marL="0" indent="0">
+              <a:buNone/>
+            </a:pPr>
+            <a:r>
+              <a:rPr lang="en-US" dirty="0"/>
+              <a:t>	</a:t>
+            </a:r>
+            <a:r>
+              <a:rPr lang="en-US" dirty="0" err="1" smtClean="0"/>
+              <a:t>DeleteVehicle</a:t>
+            </a:r>
+            <a:r>
+              <a:rPr lang="en-US" dirty="0" smtClean="0"/>
+              <a:t>();</a:t>
+            </a:r>
+          </a:p>
+          <a:p>
+            <a:pPr marL="0" indent="0">
+              <a:buNone/>
+            </a:pPr>
+            <a:endParaRPr lang="en-US" dirty="0"/>
+          </a:p>
+          <a:p>
+            <a:endParaRPr lang="en-US" dirty="0"/>
+          </a:p>
+        </p:txBody>
+      </p:sp>
+      <p:graphicFrame>
+        <p:nvGraphicFramePr>
+          <p:cNvPr id="7" name="Content Placeholder 6"/>
+          <p:cNvGraphicFramePr>
+            <a:graphicFrameLocks noGrp="1"/>
+          </p:cNvGraphicFramePr>
+          <p:nvPr>
+            <p:ph sz="half" idx="2"/>
+            <p:extLst>
+              <p:ext uri="{D42A27DB-BD31-4B8C-83A1-F6EECF244321}">
+                <p14:modId xmlns:p14="http://schemas.microsoft.com/office/powerpoint/2010/main" val="2080387988"/>
+              </p:ext>
+            </p:extLst>
+          </p:nvPr>
+        </p:nvGraphicFramePr>
+        <p:xfrm>
+          <a:off x="6172200" y="1825625"/>
+          <a:ext cx="5181600" cy="2703112"/>
+        </p:xfrm>
+        <a:graphic>
+          <a:graphicData uri="http://schemas.openxmlformats.org/drawingml/2006/table">
+            <a:tbl>
+              <a:tblPr firstRow="1" bandRow="1">
+                <a:tableStyleId>{5C22544A-7EE6-4342-B048-85BDC9FD1C3A}</a:tableStyleId>
+              </a:tblPr>
+              <a:tblGrid>
+                <a:gridCol w="2590800"/>
+                <a:gridCol w="2590800"/>
+              </a:tblGrid>
+              <a:tr h="675778">
+                <a:tc>
+                  <a:txBody>
+                    <a:bodyPr/>
+                    <a:lstStyle/>
+                    <a:p>
+                      <a:r>
+                        <a:rPr lang="en-US" dirty="0" smtClean="0"/>
+                        <a:t>Title</a:t>
+                      </a:r>
+                      <a:endParaRPr lang="en-US" dirty="0"/>
+                    </a:p>
+                  </a:txBody>
+                  <a:tcPr/>
+                </a:tc>
+                <a:tc>
+                  <a:txBody>
+                    <a:bodyPr/>
+                    <a:lstStyle/>
+                    <a:p>
+                      <a:r>
+                        <a:rPr lang="en-US" dirty="0" smtClean="0"/>
+                        <a:t>Text Box		</a:t>
+                      </a:r>
+                      <a:endParaRPr lang="en-US" dirty="0"/>
+                    </a:p>
+                  </a:txBody>
+                  <a:tcPr/>
+                </a:tc>
+              </a:tr>
+              <a:tr h="675778">
+                <a:tc>
+                  <a:txBody>
+                    <a:bodyPr/>
+                    <a:lstStyle/>
+                    <a:p>
+                      <a:r>
+                        <a:rPr lang="en-US" dirty="0" smtClean="0"/>
+                        <a:t>Name</a:t>
+                      </a:r>
+                      <a:endParaRPr lang="en-US" dirty="0"/>
+                    </a:p>
+                  </a:txBody>
+                  <a:tcPr/>
+                </a:tc>
+                <a:tc>
+                  <a:txBody>
+                    <a:bodyPr/>
+                    <a:lstStyle/>
+                    <a:p>
+                      <a:endParaRPr lang="en-US" dirty="0"/>
+                    </a:p>
+                  </a:txBody>
+                  <a:tcPr/>
+                </a:tc>
+              </a:tr>
+              <a:tr h="675778">
+                <a:tc>
+                  <a:txBody>
+                    <a:bodyPr/>
+                    <a:lstStyle/>
+                    <a:p>
+                      <a:pPr marL="0" marR="0" indent="0" algn="l" defTabSz="914400" rtl="0" eaLnBrk="1" fontAlgn="auto" latinLnBrk="0" hangingPunct="1">
+                        <a:lnSpc>
+                          <a:spcPct val="100000"/>
+                        </a:lnSpc>
+                        <a:spcBef>
+                          <a:spcPts val="0"/>
+                        </a:spcBef>
+                        <a:spcAft>
+                          <a:spcPts val="0"/>
+                        </a:spcAft>
+                        <a:buClrTx/>
+                        <a:buSzTx/>
+                        <a:buFontTx/>
+                        <a:buNone/>
+                        <a:tabLst/>
+                        <a:defRPr/>
+                      </a:pPr>
+                      <a:r>
+                        <a:rPr lang="en-US" dirty="0" smtClean="0"/>
+                        <a:t>Registration</a:t>
+                      </a:r>
+                      <a:r>
+                        <a:rPr lang="en-US" baseline="0" dirty="0" smtClean="0"/>
+                        <a:t> No</a:t>
+                      </a:r>
+                      <a:endParaRPr lang="en-US" dirty="0" smtClean="0"/>
+                    </a:p>
+                    <a:p>
+                      <a:endParaRPr lang="en-US" dirty="0"/>
+                    </a:p>
+                  </a:txBody>
+                  <a:tcPr/>
+                </a:tc>
+                <a:tc>
+                  <a:txBody>
+                    <a:bodyPr/>
+                    <a:lstStyle/>
+                    <a:p>
+                      <a:endParaRPr lang="en-US" dirty="0"/>
+                    </a:p>
+                  </a:txBody>
+                  <a:tcPr/>
+                </a:tc>
+              </a:tr>
+              <a:tr h="675778">
+                <a:tc>
+                  <a:txBody>
+                    <a:bodyPr/>
+                    <a:lstStyle/>
+                    <a:p>
+                      <a:pPr marL="0" marR="0" indent="0" algn="l" defTabSz="914400" rtl="0" eaLnBrk="1" fontAlgn="auto" latinLnBrk="0" hangingPunct="1">
+                        <a:lnSpc>
+                          <a:spcPct val="100000"/>
+                        </a:lnSpc>
+                        <a:spcBef>
+                          <a:spcPts val="0"/>
+                        </a:spcBef>
+                        <a:spcAft>
+                          <a:spcPts val="0"/>
+                        </a:spcAft>
+                        <a:buClrTx/>
+                        <a:buSzTx/>
+                        <a:buFontTx/>
+                        <a:buNone/>
+                        <a:tabLst/>
+                        <a:defRPr/>
+                      </a:pPr>
+                      <a:r>
+                        <a:rPr lang="en-US" dirty="0" smtClean="0"/>
+                        <a:t>Description</a:t>
+                      </a:r>
+                    </a:p>
+                    <a:p>
+                      <a:endParaRPr lang="en-US" dirty="0"/>
+                    </a:p>
+                  </a:txBody>
+                  <a:tcPr/>
+                </a:tc>
+                <a:tc>
+                  <a:txBody>
+                    <a:bodyPr/>
+                    <a:lstStyle/>
+                    <a:p>
+                      <a:endParaRPr lang="en-US" dirty="0"/>
+                    </a:p>
+                  </a:txBody>
+                  <a:tcPr/>
+                </a:tc>
+              </a:tr>
+            </a:tbl>
+          </a:graphicData>
+        </a:graphic>
+      </p:graphicFrame>
+    </p:spTree>
+    <p:extLst>
+      <p:ext uri="{BB962C8B-B14F-4D97-AF65-F5344CB8AC3E}">
+        <p14:creationId xmlns:p14="http://schemas.microsoft.com/office/powerpoint/2010/main" val="2831550741"/>
+      </p:ext>
+    </p:extLst>
+  </p:cSld>
+  <p:clrMapOvr>
+    <a:masterClrMapping/>
+  </p:clrMapOvr>
+  <p:timing>
+    <p:tnLst>
+      <p:par>
+        <p:cTn id="1" dur="indefinite" restart="never" nodeType="tmRoot"/>
+      </p:par>
+    </p:tnLst>
+  </p:timing>
+</p:sld>
+</file>
+
+<file path=ppt/slides/slide6.xml><?xml version="1.0" encoding="utf-8"?>
+<p:sld xmlns:a="http://schemas.openxmlformats.org/drawingml/2006/main" xmlns:r="http://schemas.openxmlformats.org/officeDocument/2006/relationships" xmlns:p="http://schemas.openxmlformats.org/presentationml/2006/main">
+  <p:cSld>
+    <p:bg>
+      <p:bgPr>
+        <a:solidFill>
+          <a:schemeClr val="accent4">
+            <a:lumMod val="75000"/>
+          </a:schemeClr>
+        </a:solidFill>
+        <a:effectLst/>
+      </p:bgPr>
+    </p:bg>
+    <p:spTree>
+      <p:nvGrpSpPr>
+        <p:cNvPr id="1" name=""/>
+        <p:cNvGrpSpPr/>
+        <p:nvPr/>
+      </p:nvGrpSpPr>
+      <p:grpSpPr>
+        <a:xfrm>
+          <a:off x="0" y="0"/>
+          <a:ext cx="0" cy="0"/>
+          <a:chOff x="0" y="0"/>
+          <a:chExt cx="0" cy="0"/>
+        </a:xfrm>
+      </p:grpSpPr>
+      <p:sp>
+        <p:nvSpPr>
+          <p:cNvPr id="2" name="Title 1"/>
+          <p:cNvSpPr>
+            <a:spLocks noGrp="1"/>
+          </p:cNvSpPr>
+          <p:nvPr>
+            <p:ph type="title"/>
+          </p:nvPr>
+        </p:nvSpPr>
+        <p:spPr>
+          <a:gradFill>
+            <a:gsLst>
+              <a:gs pos="0">
+                <a:schemeClr val="accent4">
+                  <a:lumMod val="89000"/>
+                </a:schemeClr>
+              </a:gs>
+              <a:gs pos="23000">
+                <a:schemeClr val="accent4">
+                  <a:lumMod val="89000"/>
+                </a:schemeClr>
+              </a:gs>
+              <a:gs pos="69000">
+                <a:schemeClr val="accent4">
+                  <a:lumMod val="75000"/>
+                </a:schemeClr>
+              </a:gs>
+              <a:gs pos="97000">
+                <a:schemeClr val="accent4">
+                  <a:lumMod val="70000"/>
+                </a:schemeClr>
+              </a:gs>
+            </a:gsLst>
+            <a:path path="circle">
+              <a:fillToRect l="50000" t="50000" r="50000" b="50000"/>
+            </a:path>
+          </a:gradFill>
+        </p:spPr>
+        <p:txBody>
+          <a:bodyPr/>
+          <a:lstStyle/>
+          <a:p>
+            <a:pPr algn="ctr"/>
+            <a:r>
+              <a:rPr lang="en-US" b="1" dirty="0" smtClean="0"/>
+              <a:t>Driver Entry Form (Controller)</a:t>
+            </a:r>
+            <a:endParaRPr lang="en-US" b="1" dirty="0"/>
+          </a:p>
+        </p:txBody>
+      </p:sp>
+      <p:sp>
+        <p:nvSpPr>
+          <p:cNvPr id="3" name="Content Placeholder 2"/>
+          <p:cNvSpPr>
+            <a:spLocks noGrp="1"/>
+          </p:cNvSpPr>
+          <p:nvPr>
+            <p:ph sz="half" idx="1"/>
+          </p:nvPr>
+        </p:nvSpPr>
+        <p:spPr>
+          <a:noFill/>
+        </p:spPr>
+        <p:txBody>
+          <a:bodyPr>
+            <a:normAutofit fontScale="70000" lnSpcReduction="20000"/>
+          </a:bodyPr>
+          <a:lstStyle/>
+          <a:p>
+            <a:r>
+              <a:rPr lang="en-US" dirty="0"/>
+              <a:t>Object: </a:t>
+            </a:r>
+            <a:r>
+              <a:rPr lang="en-US" dirty="0" err="1" smtClean="0"/>
+              <a:t>DriverEntry</a:t>
+            </a:r>
+            <a:endParaRPr lang="en-US" dirty="0"/>
+          </a:p>
+          <a:p>
+            <a:r>
+              <a:rPr lang="en-US" dirty="0" smtClean="0"/>
+              <a:t>Attribute</a:t>
+            </a:r>
+          </a:p>
+          <a:p>
+            <a:pPr marL="457200" lvl="1" indent="0">
+              <a:buNone/>
+            </a:pPr>
+            <a:r>
+              <a:rPr lang="en-US" dirty="0" smtClean="0"/>
+              <a:t>	Id;</a:t>
+            </a:r>
+          </a:p>
+          <a:p>
+            <a:pPr marL="0" indent="0">
+              <a:buNone/>
+            </a:pPr>
+            <a:r>
+              <a:rPr lang="en-US" dirty="0"/>
+              <a:t>	Name</a:t>
+            </a:r>
+            <a:r>
+              <a:rPr lang="en-US" dirty="0" smtClean="0"/>
+              <a:t>;</a:t>
+            </a:r>
+          </a:p>
+          <a:p>
+            <a:pPr marL="0" indent="0">
+              <a:buNone/>
+            </a:pPr>
+            <a:r>
+              <a:rPr lang="en-US" dirty="0"/>
+              <a:t>	</a:t>
+            </a:r>
+            <a:r>
+              <a:rPr lang="en-US" dirty="0" smtClean="0"/>
+              <a:t>Designation;</a:t>
+            </a:r>
+            <a:endParaRPr lang="en-US" dirty="0"/>
+          </a:p>
+          <a:p>
+            <a:pPr marL="0" indent="0">
+              <a:buNone/>
+            </a:pPr>
+            <a:r>
+              <a:rPr lang="en-US" dirty="0"/>
+              <a:t>	</a:t>
+            </a:r>
+            <a:r>
+              <a:rPr lang="en-US" dirty="0" err="1" smtClean="0"/>
+              <a:t>MobileNo</a:t>
+            </a:r>
+            <a:r>
+              <a:rPr lang="en-US" dirty="0" smtClean="0"/>
+              <a:t>;</a:t>
+            </a:r>
+          </a:p>
+          <a:p>
+            <a:pPr marL="0" indent="0">
+              <a:buNone/>
+            </a:pPr>
+            <a:r>
+              <a:rPr lang="en-US" dirty="0"/>
+              <a:t>	</a:t>
+            </a:r>
+            <a:r>
+              <a:rPr lang="en-US" dirty="0" smtClean="0"/>
+              <a:t>Address;</a:t>
+            </a:r>
+          </a:p>
+          <a:p>
+            <a:pPr marL="0" indent="0">
+              <a:buNone/>
+            </a:pPr>
+            <a:r>
+              <a:rPr lang="en-US" dirty="0"/>
+              <a:t>	</a:t>
+            </a:r>
+            <a:r>
+              <a:rPr lang="en-US" dirty="0" err="1" smtClean="0"/>
+              <a:t>IsDelete</a:t>
+            </a:r>
+            <a:r>
+              <a:rPr lang="en-US" dirty="0" smtClean="0"/>
+              <a:t>;</a:t>
+            </a:r>
+            <a:endParaRPr lang="en-US" dirty="0"/>
+          </a:p>
+          <a:p>
+            <a:r>
+              <a:rPr lang="en-US" dirty="0"/>
+              <a:t>Activity:</a:t>
+            </a:r>
+          </a:p>
+          <a:p>
+            <a:pPr marL="0" indent="0">
+              <a:buNone/>
+            </a:pPr>
+            <a:r>
+              <a:rPr lang="en-US" dirty="0"/>
+              <a:t>	</a:t>
+            </a:r>
+            <a:r>
+              <a:rPr lang="en-US" dirty="0" err="1" smtClean="0"/>
+              <a:t>CreateDriver</a:t>
+            </a:r>
+            <a:r>
+              <a:rPr lang="en-US" dirty="0" smtClean="0"/>
+              <a:t>();</a:t>
+            </a:r>
+            <a:endParaRPr lang="en-US" dirty="0"/>
+          </a:p>
+          <a:p>
+            <a:pPr marL="0" indent="0">
+              <a:buNone/>
+            </a:pPr>
+            <a:r>
+              <a:rPr lang="en-US" dirty="0" smtClean="0"/>
+              <a:t>	</a:t>
+            </a:r>
+            <a:r>
+              <a:rPr lang="en-US" dirty="0" err="1" smtClean="0"/>
+              <a:t>DriverList</a:t>
+            </a:r>
+            <a:r>
+              <a:rPr lang="en-US" dirty="0" smtClean="0"/>
+              <a:t>();</a:t>
+            </a:r>
+          </a:p>
+          <a:p>
+            <a:pPr marL="0" indent="0">
+              <a:buNone/>
+            </a:pPr>
+            <a:r>
+              <a:rPr lang="en-US" dirty="0"/>
+              <a:t>	</a:t>
+            </a:r>
+            <a:r>
+              <a:rPr lang="en-US" dirty="0" err="1" smtClean="0"/>
+              <a:t>EditDriver</a:t>
+            </a:r>
+            <a:r>
+              <a:rPr lang="en-US" dirty="0" smtClean="0"/>
+              <a:t>();</a:t>
+            </a:r>
+          </a:p>
+          <a:p>
+            <a:pPr marL="0" indent="0">
+              <a:buNone/>
+            </a:pPr>
+            <a:r>
+              <a:rPr lang="en-US" dirty="0"/>
+              <a:t>	</a:t>
+            </a:r>
+            <a:r>
+              <a:rPr lang="en-US" dirty="0" err="1" smtClean="0"/>
+              <a:t>DeleteDriver</a:t>
+            </a:r>
+            <a:r>
+              <a:rPr lang="en-US" dirty="0" smtClean="0"/>
+              <a:t>();</a:t>
+            </a:r>
+          </a:p>
+          <a:p>
+            <a:pPr marL="0" indent="0">
+              <a:buNone/>
+            </a:pPr>
+            <a:endParaRPr lang="en-US" dirty="0"/>
+          </a:p>
+          <a:p>
+            <a:endParaRPr lang="en-US" dirty="0"/>
+          </a:p>
+        </p:txBody>
+      </p:sp>
+      <p:graphicFrame>
+        <p:nvGraphicFramePr>
+          <p:cNvPr id="7" name="Content Placeholder 6"/>
+          <p:cNvGraphicFramePr>
+            <a:graphicFrameLocks noGrp="1"/>
+          </p:cNvGraphicFramePr>
+          <p:nvPr>
+            <p:ph sz="half" idx="2"/>
+            <p:extLst>
+              <p:ext uri="{D42A27DB-BD31-4B8C-83A1-F6EECF244321}">
+                <p14:modId xmlns:p14="http://schemas.microsoft.com/office/powerpoint/2010/main" val="2092718394"/>
+              </p:ext>
+            </p:extLst>
+          </p:nvPr>
+        </p:nvGraphicFramePr>
+        <p:xfrm>
+          <a:off x="6172200" y="1825625"/>
+          <a:ext cx="5181600" cy="4054668"/>
+        </p:xfrm>
+        <a:graphic>
+          <a:graphicData uri="http://schemas.openxmlformats.org/drawingml/2006/table">
+            <a:tbl>
+              <a:tblPr firstRow="1" bandRow="1">
+                <a:tableStyleId>{5C22544A-7EE6-4342-B048-85BDC9FD1C3A}</a:tableStyleId>
+              </a:tblPr>
+              <a:tblGrid>
+                <a:gridCol w="2590800"/>
+                <a:gridCol w="2590800"/>
+              </a:tblGrid>
+              <a:tr h="675778">
+                <a:tc>
+                  <a:txBody>
+                    <a:bodyPr/>
+                    <a:lstStyle/>
+                    <a:p>
+                      <a:r>
+                        <a:rPr lang="en-US" dirty="0" smtClean="0"/>
+                        <a:t>Title</a:t>
+                      </a:r>
+                      <a:endParaRPr lang="en-US" dirty="0"/>
+                    </a:p>
+                  </a:txBody>
+                  <a:tcPr/>
+                </a:tc>
+                <a:tc>
+                  <a:txBody>
+                    <a:bodyPr/>
+                    <a:lstStyle/>
+                    <a:p>
+                      <a:r>
+                        <a:rPr lang="en-US" dirty="0" smtClean="0"/>
+                        <a:t>Text Box		</a:t>
+                      </a:r>
+                      <a:endParaRPr lang="en-US" dirty="0"/>
+                    </a:p>
+                  </a:txBody>
+                  <a:tcPr/>
+                </a:tc>
+              </a:tr>
+              <a:tr h="675778">
+                <a:tc>
+                  <a:txBody>
+                    <a:bodyPr/>
+                    <a:lstStyle/>
+                    <a:p>
+                      <a:r>
+                        <a:rPr lang="en-US" dirty="0" smtClean="0"/>
+                        <a:t>Name</a:t>
+                      </a:r>
+                      <a:endParaRPr lang="en-US" dirty="0"/>
+                    </a:p>
+                  </a:txBody>
+                  <a:tcPr/>
+                </a:tc>
+                <a:tc>
+                  <a:txBody>
+                    <a:bodyPr/>
+                    <a:lstStyle/>
+                    <a:p>
+                      <a:endParaRPr lang="en-US" dirty="0"/>
+                    </a:p>
+                  </a:txBody>
+                  <a:tcPr/>
+                </a:tc>
+              </a:tr>
+              <a:tr h="675778">
+                <a:tc>
+                  <a:txBody>
+                    <a:bodyPr/>
+                    <a:lstStyle/>
+                    <a:p>
+                      <a:pPr marL="0" marR="0" indent="0" algn="l" defTabSz="914400" rtl="0" eaLnBrk="1" fontAlgn="auto" latinLnBrk="0" hangingPunct="1">
+                        <a:lnSpc>
+                          <a:spcPct val="100000"/>
+                        </a:lnSpc>
+                        <a:spcBef>
+                          <a:spcPts val="0"/>
+                        </a:spcBef>
+                        <a:spcAft>
+                          <a:spcPts val="0"/>
+                        </a:spcAft>
+                        <a:buClrTx/>
+                        <a:buSzTx/>
+                        <a:buFontTx/>
+                        <a:buNone/>
+                        <a:tabLst/>
+                        <a:defRPr/>
+                      </a:pPr>
+                      <a:r>
+                        <a:rPr lang="en-US" dirty="0" smtClean="0"/>
+                        <a:t>Mobile</a:t>
+                      </a:r>
+                      <a:r>
+                        <a:rPr lang="en-US" baseline="0" dirty="0" smtClean="0"/>
+                        <a:t> No</a:t>
+                      </a:r>
+                      <a:endParaRPr lang="en-US" dirty="0" smtClean="0"/>
+                    </a:p>
+                    <a:p>
+                      <a:endParaRPr lang="en-US" dirty="0"/>
+                    </a:p>
+                  </a:txBody>
+                  <a:tcPr/>
+                </a:tc>
+                <a:tc>
+                  <a:txBody>
+                    <a:bodyPr/>
+                    <a:lstStyle/>
+                    <a:p>
+                      <a:endParaRPr lang="en-US" dirty="0"/>
+                    </a:p>
+                  </a:txBody>
+                  <a:tcPr/>
+                </a:tc>
+              </a:tr>
+              <a:tr h="675778">
+                <a:tc>
+                  <a:txBody>
+                    <a:bodyPr/>
+                    <a:lstStyle/>
+                    <a:p>
+                      <a:r>
+                        <a:rPr lang="en-US" dirty="0" smtClean="0"/>
+                        <a:t>License No</a:t>
+                      </a:r>
+                      <a:endParaRPr lang="en-US" dirty="0"/>
+                    </a:p>
+                  </a:txBody>
+                  <a:tcPr/>
+                </a:tc>
+                <a:tc>
+                  <a:txBody>
+                    <a:bodyPr/>
+                    <a:lstStyle/>
+                    <a:p>
+                      <a:endParaRPr lang="en-US" dirty="0"/>
+                    </a:p>
+                  </a:txBody>
+                  <a:tcPr/>
+                </a:tc>
+              </a:tr>
+              <a:tr h="675778">
+                <a:tc>
+                  <a:txBody>
+                    <a:bodyPr/>
+                    <a:lstStyle/>
+                    <a:p>
+                      <a:pPr marL="0" marR="0" indent="0" algn="l" defTabSz="914400" rtl="0" eaLnBrk="1" fontAlgn="auto" latinLnBrk="0" hangingPunct="1">
+                        <a:lnSpc>
+                          <a:spcPct val="100000"/>
+                        </a:lnSpc>
+                        <a:spcBef>
+                          <a:spcPts val="0"/>
+                        </a:spcBef>
+                        <a:spcAft>
+                          <a:spcPts val="0"/>
+                        </a:spcAft>
+                        <a:buClrTx/>
+                        <a:buSzTx/>
+                        <a:buFontTx/>
+                        <a:buNone/>
+                        <a:tabLst/>
+                        <a:defRPr/>
+                      </a:pPr>
+                      <a:r>
+                        <a:rPr lang="en-US" dirty="0" smtClean="0"/>
+                        <a:t>Designation</a:t>
+                      </a:r>
+                    </a:p>
+                    <a:p>
+                      <a:endParaRPr lang="en-US" dirty="0"/>
+                    </a:p>
+                  </a:txBody>
+                  <a:tcPr/>
+                </a:tc>
+                <a:tc>
+                  <a:txBody>
+                    <a:bodyPr/>
+                    <a:lstStyle/>
+                    <a:p>
+                      <a:endParaRPr lang="en-US" dirty="0"/>
+                    </a:p>
+                  </a:txBody>
+                  <a:tcPr/>
+                </a:tc>
+              </a:tr>
+              <a:tr h="675778">
+                <a:tc>
+                  <a:txBody>
+                    <a:bodyPr/>
+                    <a:lstStyle/>
+                    <a:p>
+                      <a:r>
+                        <a:rPr lang="en-US" dirty="0" smtClean="0"/>
+                        <a:t>Address</a:t>
+                      </a:r>
+                      <a:endParaRPr lang="en-US" dirty="0"/>
+                    </a:p>
+                  </a:txBody>
+                  <a:tcPr/>
+                </a:tc>
+                <a:tc>
+                  <a:txBody>
+                    <a:bodyPr/>
+                    <a:lstStyle/>
+                    <a:p>
+                      <a:endParaRPr lang="en-US" dirty="0"/>
+                    </a:p>
+                  </a:txBody>
+                  <a:tcPr/>
+                </a:tc>
+              </a:tr>
+            </a:tbl>
+          </a:graphicData>
+        </a:graphic>
+      </p:graphicFrame>
+    </p:spTree>
+    <p:extLst>
+      <p:ext uri="{BB962C8B-B14F-4D97-AF65-F5344CB8AC3E}">
+        <p14:creationId xmlns:p14="http://schemas.microsoft.com/office/powerpoint/2010/main" val="2907444629"/>
+      </p:ext>
+    </p:extLst>
+  </p:cSld>
+  <p:clrMapOvr>
+    <a:masterClrMapping/>
+  </p:clrMapOvr>
+  <p:timing>
+    <p:tnLst>
+      <p:par>
+        <p:cTn id="1" dur="indefinite" restart="never" nodeType="tmRoot"/>
+      </p:par>
+    </p:tnLst>
+  </p:timing>
+</p:sld>
+</file>
+
+<file path=ppt/slides/slide7.xml><?xml version="1.0" encoding="utf-8"?>
+<p:sld xmlns:a="http://schemas.openxmlformats.org/drawingml/2006/main" xmlns:r="http://schemas.openxmlformats.org/officeDocument/2006/relationships" xmlns:p="http://schemas.openxmlformats.org/presentationml/2006/main">
+  <p:cSld>
+    <p:bg>
+      <p:bgPr>
+        <a:solidFill>
+          <a:schemeClr val="accent4">
+            <a:lumMod val="75000"/>
+          </a:schemeClr>
+        </a:solidFill>
+        <a:effectLst/>
+      </p:bgPr>
+    </p:bg>
+    <p:spTree>
+      <p:nvGrpSpPr>
+        <p:cNvPr id="1" name=""/>
+        <p:cNvGrpSpPr/>
+        <p:nvPr/>
+      </p:nvGrpSpPr>
+      <p:grpSpPr>
+        <a:xfrm>
+          <a:off x="0" y="0"/>
+          <a:ext cx="0" cy="0"/>
+          <a:chOff x="0" y="0"/>
+          <a:chExt cx="0" cy="0"/>
+        </a:xfrm>
+      </p:grpSpPr>
+      <p:sp>
+        <p:nvSpPr>
+          <p:cNvPr id="2" name="Title 1"/>
+          <p:cNvSpPr>
+            <a:spLocks noGrp="1"/>
+          </p:cNvSpPr>
+          <p:nvPr>
+            <p:ph type="title"/>
+          </p:nvPr>
+        </p:nvSpPr>
+        <p:spPr>
+          <a:gradFill>
+            <a:gsLst>
+              <a:gs pos="0">
+                <a:schemeClr val="accent4">
+                  <a:lumMod val="89000"/>
+                </a:schemeClr>
+              </a:gs>
+              <a:gs pos="23000">
+                <a:schemeClr val="accent4">
+                  <a:lumMod val="89000"/>
+                </a:schemeClr>
+              </a:gs>
+              <a:gs pos="69000">
+                <a:schemeClr val="accent4">
+                  <a:lumMod val="75000"/>
+                </a:schemeClr>
+              </a:gs>
+              <a:gs pos="97000">
+                <a:schemeClr val="accent4">
+                  <a:lumMod val="70000"/>
+                </a:schemeClr>
+              </a:gs>
+            </a:gsLst>
+            <a:path path="circle">
+              <a:fillToRect l="50000" t="50000" r="50000" b="50000"/>
+            </a:path>
+          </a:gradFill>
+        </p:spPr>
+        <p:txBody>
+          <a:bodyPr/>
+          <a:lstStyle/>
+          <a:p>
+            <a:pPr algn="ctr"/>
+            <a:r>
+              <a:rPr lang="en-US" b="1" dirty="0" smtClean="0"/>
+              <a:t>Action Form (Controller)</a:t>
+            </a:r>
+            <a:endParaRPr lang="en-US" b="1" dirty="0"/>
+          </a:p>
+        </p:txBody>
+      </p:sp>
+      <p:sp>
+        <p:nvSpPr>
+          <p:cNvPr id="3" name="Content Placeholder 2"/>
+          <p:cNvSpPr>
+            <a:spLocks noGrp="1"/>
+          </p:cNvSpPr>
+          <p:nvPr>
+            <p:ph sz="half" idx="1"/>
+          </p:nvPr>
+        </p:nvSpPr>
+        <p:spPr>
+          <a:noFill/>
+        </p:spPr>
+        <p:txBody>
+          <a:bodyPr>
+            <a:normAutofit lnSpcReduction="10000"/>
+          </a:bodyPr>
+          <a:lstStyle/>
+          <a:p>
+            <a:r>
+              <a:rPr lang="en-US" dirty="0"/>
+              <a:t>Object: </a:t>
+            </a:r>
+            <a:r>
+              <a:rPr lang="en-US" dirty="0" err="1" smtClean="0"/>
+              <a:t>RequisitionInfo</a:t>
+            </a:r>
+            <a:endParaRPr lang="en-US" dirty="0"/>
+          </a:p>
+          <a:p>
+            <a:r>
+              <a:rPr lang="en-US" dirty="0" smtClean="0"/>
+              <a:t>Attribute</a:t>
+            </a:r>
+          </a:p>
+          <a:p>
+            <a:pPr marL="457200" lvl="1" indent="0">
+              <a:buNone/>
+            </a:pPr>
+            <a:r>
+              <a:rPr lang="en-US" dirty="0" smtClean="0"/>
+              <a:t>	Id;</a:t>
+            </a:r>
+          </a:p>
+          <a:p>
+            <a:pPr marL="0" indent="0">
+              <a:buNone/>
+            </a:pPr>
+            <a:r>
+              <a:rPr lang="en-US" dirty="0"/>
+              <a:t>	</a:t>
+            </a:r>
+            <a:r>
+              <a:rPr lang="en-US" dirty="0" err="1" smtClean="0"/>
+              <a:t>UserInfo</a:t>
+            </a:r>
+            <a:r>
+              <a:rPr lang="en-US" dirty="0" smtClean="0"/>
+              <a:t>;</a:t>
+            </a:r>
+          </a:p>
+          <a:p>
+            <a:pPr marL="0" indent="0">
+              <a:buNone/>
+            </a:pPr>
+            <a:r>
+              <a:rPr lang="en-US" dirty="0" smtClean="0"/>
+              <a:t>	</a:t>
+            </a:r>
+            <a:r>
+              <a:rPr lang="en-US" dirty="0" err="1" smtClean="0"/>
+              <a:t>RequisitionInfo</a:t>
+            </a:r>
+            <a:r>
+              <a:rPr lang="en-US" dirty="0" smtClean="0"/>
+              <a:t>;</a:t>
+            </a:r>
+          </a:p>
+          <a:p>
+            <a:pPr marL="0" indent="0">
+              <a:buNone/>
+            </a:pPr>
+            <a:r>
+              <a:rPr lang="en-US" dirty="0" smtClean="0"/>
+              <a:t>	</a:t>
+            </a:r>
+            <a:r>
+              <a:rPr lang="en-US" dirty="0" err="1" smtClean="0"/>
+              <a:t>VehicleInfo</a:t>
+            </a:r>
+            <a:r>
+              <a:rPr lang="en-US" dirty="0" smtClean="0"/>
+              <a:t>;</a:t>
+            </a:r>
+          </a:p>
+          <a:p>
+            <a:pPr marL="0" indent="0">
+              <a:buNone/>
+            </a:pPr>
+            <a:r>
+              <a:rPr lang="en-US" dirty="0" smtClean="0"/>
+              <a:t>	</a:t>
+            </a:r>
+            <a:r>
+              <a:rPr lang="en-US" dirty="0" err="1" smtClean="0"/>
+              <a:t>DriverInfo</a:t>
+            </a:r>
+            <a:r>
+              <a:rPr lang="en-US" dirty="0" smtClean="0"/>
+              <a:t>;</a:t>
+            </a:r>
+          </a:p>
+          <a:p>
+            <a:pPr marL="0" indent="0">
+              <a:buNone/>
+            </a:pPr>
+            <a:r>
+              <a:rPr lang="en-US" dirty="0" smtClean="0"/>
+              <a:t>	</a:t>
+            </a:r>
+            <a:r>
+              <a:rPr lang="en-US" dirty="0" err="1" smtClean="0"/>
+              <a:t>CancelRequisition</a:t>
+            </a:r>
+            <a:r>
+              <a:rPr lang="en-US" dirty="0" smtClean="0"/>
+              <a:t>;</a:t>
+            </a:r>
+          </a:p>
+          <a:p>
+            <a:pPr marL="0" indent="0">
+              <a:buNone/>
+            </a:pPr>
+            <a:r>
+              <a:rPr lang="en-US" dirty="0"/>
+              <a:t>	</a:t>
+            </a:r>
+            <a:r>
+              <a:rPr lang="en-US" dirty="0" err="1" smtClean="0"/>
+              <a:t>ReassainRequisition</a:t>
+            </a:r>
+            <a:r>
+              <a:rPr lang="en-US" dirty="0" smtClean="0"/>
+              <a:t>;</a:t>
+            </a:r>
+          </a:p>
+          <a:p>
+            <a:pPr marL="0" indent="0">
+              <a:buNone/>
+            </a:pPr>
+            <a:endParaRPr lang="en-US" dirty="0"/>
+          </a:p>
+          <a:p>
+            <a:endParaRPr lang="en-US" dirty="0"/>
+          </a:p>
+        </p:txBody>
+      </p:sp>
+      <p:sp>
+        <p:nvSpPr>
+          <p:cNvPr id="4" name="Content Placeholder 3"/>
+          <p:cNvSpPr>
+            <a:spLocks noGrp="1"/>
+          </p:cNvSpPr>
+          <p:nvPr>
+            <p:ph sz="half" idx="2"/>
+          </p:nvPr>
+        </p:nvSpPr>
+        <p:spPr/>
+        <p:txBody>
+          <a:bodyPr>
+            <a:normAutofit lnSpcReduction="10000"/>
+          </a:bodyPr>
+          <a:lstStyle/>
+          <a:p>
+            <a:endParaRPr lang="en-US" dirty="0" smtClean="0"/>
+          </a:p>
+          <a:p>
+            <a:r>
+              <a:rPr lang="en-US" dirty="0" smtClean="0"/>
+              <a:t>Activity</a:t>
+            </a:r>
+            <a:r>
+              <a:rPr lang="en-US" dirty="0"/>
+              <a:t>:</a:t>
+            </a:r>
+          </a:p>
+          <a:p>
+            <a:pPr marL="0" indent="0">
+              <a:buNone/>
+            </a:pPr>
+            <a:r>
+              <a:rPr lang="en-US" dirty="0"/>
+              <a:t>	</a:t>
+            </a:r>
+            <a:r>
+              <a:rPr lang="en-US" dirty="0" err="1"/>
+              <a:t>RequisitionList</a:t>
+            </a:r>
+            <a:r>
+              <a:rPr lang="en-US" dirty="0"/>
+              <a:t>();</a:t>
+            </a:r>
+          </a:p>
+          <a:p>
+            <a:pPr marL="0" indent="0">
+              <a:buNone/>
+            </a:pPr>
+            <a:r>
+              <a:rPr lang="en-US" dirty="0"/>
+              <a:t>	</a:t>
+            </a:r>
+            <a:r>
+              <a:rPr lang="en-US" dirty="0" err="1"/>
+              <a:t>SearchRequisition</a:t>
+            </a:r>
+            <a:r>
+              <a:rPr lang="en-US" dirty="0"/>
+              <a:t>();</a:t>
+            </a:r>
+          </a:p>
+          <a:p>
+            <a:pPr marL="0" indent="0">
+              <a:buNone/>
+            </a:pPr>
+            <a:r>
+              <a:rPr lang="en-US" dirty="0"/>
+              <a:t>	</a:t>
+            </a:r>
+            <a:r>
+              <a:rPr lang="en-US" dirty="0" err="1"/>
+              <a:t>ApproveRequisition</a:t>
+            </a:r>
+            <a:r>
+              <a:rPr lang="en-US" dirty="0"/>
+              <a:t>();</a:t>
+            </a:r>
+          </a:p>
+          <a:p>
+            <a:pPr marL="0" indent="0">
+              <a:buNone/>
+            </a:pPr>
+            <a:r>
+              <a:rPr lang="en-US" dirty="0"/>
+              <a:t>	</a:t>
+            </a:r>
+            <a:r>
+              <a:rPr lang="en-US" dirty="0" err="1"/>
+              <a:t>CancelRequisition</a:t>
+            </a:r>
+            <a:r>
+              <a:rPr lang="en-US" dirty="0"/>
+              <a:t>();</a:t>
+            </a:r>
+          </a:p>
+          <a:p>
+            <a:pPr marL="0" indent="0">
+              <a:buNone/>
+            </a:pPr>
+            <a:r>
+              <a:rPr lang="en-US" dirty="0"/>
+              <a:t>	</a:t>
+            </a:r>
+            <a:r>
+              <a:rPr lang="en-US" dirty="0" err="1"/>
+              <a:t>CheckInTime</a:t>
+            </a:r>
+            <a:r>
+              <a:rPr lang="en-US" dirty="0"/>
+              <a:t>();</a:t>
+            </a:r>
+          </a:p>
+          <a:p>
+            <a:pPr marL="0" indent="0">
+              <a:buNone/>
+            </a:pPr>
+            <a:r>
+              <a:rPr lang="en-US" dirty="0"/>
+              <a:t>	</a:t>
+            </a:r>
+            <a:r>
+              <a:rPr lang="en-US" dirty="0" err="1"/>
+              <a:t>CheckOutTime</a:t>
+            </a:r>
+            <a:r>
+              <a:rPr lang="en-US" dirty="0"/>
+              <a:t>();</a:t>
+            </a:r>
+          </a:p>
+        </p:txBody>
+      </p:sp>
+    </p:spTree>
+    <p:extLst>
+      <p:ext uri="{BB962C8B-B14F-4D97-AF65-F5344CB8AC3E}">
+        <p14:creationId xmlns:p14="http://schemas.microsoft.com/office/powerpoint/2010/main" val="3827304921"/>
+      </p:ext>
+    </p:extLst>
+  </p:cSld>
+  <p:clrMapOvr>
+    <a:masterClrMapping/>
+  </p:clrMapOvr>
+  <p:timing>
+    <p:tnLst>
+      <p:par>
+        <p:cTn id="1" dur="indefinite" restart="never" nodeType="tmRoot"/>
+      </p:par>
+    </p:tnLst>
+  </p:timing>
+</p:sld>
+</file>
+
+<file path=ppt/slides/slide8.xml><?xml version="1.0" encoding="utf-8"?>
+<p:sld xmlns:a="http://schemas.openxmlformats.org/drawingml/2006/main" xmlns:r="http://schemas.openxmlformats.org/officeDocument/2006/relationships" xmlns:p="http://schemas.openxmlformats.org/presentationml/2006/main">
+  <p:cSld>
+    <p:bg>
+      <p:bgPr>
+        <a:solidFill>
+          <a:schemeClr val="accent4">
+            <a:lumMod val="75000"/>
+          </a:schemeClr>
+        </a:solidFill>
+        <a:effectLst/>
+      </p:bgPr>
+    </p:bg>
+    <p:spTree>
+      <p:nvGrpSpPr>
+        <p:cNvPr id="1" name=""/>
+        <p:cNvGrpSpPr/>
+        <p:nvPr/>
+      </p:nvGrpSpPr>
+      <p:grpSpPr>
+        <a:xfrm>
+          <a:off x="0" y="0"/>
+          <a:ext cx="0" cy="0"/>
+          <a:chOff x="0" y="0"/>
+          <a:chExt cx="0" cy="0"/>
+        </a:xfrm>
+      </p:grpSpPr>
+      <p:sp>
+        <p:nvSpPr>
+          <p:cNvPr id="2" name="Title 1"/>
+          <p:cNvSpPr>
+            <a:spLocks noGrp="1"/>
+          </p:cNvSpPr>
+          <p:nvPr>
+            <p:ph type="title"/>
+          </p:nvPr>
+        </p:nvSpPr>
+        <p:spPr>
+          <a:gradFill>
+            <a:gsLst>
+              <a:gs pos="0">
+                <a:schemeClr val="accent4">
+                  <a:lumMod val="89000"/>
+                </a:schemeClr>
+              </a:gs>
+              <a:gs pos="23000">
+                <a:schemeClr val="accent4">
+                  <a:lumMod val="89000"/>
+                </a:schemeClr>
+              </a:gs>
+              <a:gs pos="69000">
+                <a:schemeClr val="accent4">
+                  <a:lumMod val="75000"/>
+                </a:schemeClr>
+              </a:gs>
+              <a:gs pos="97000">
+                <a:schemeClr val="accent4">
+                  <a:lumMod val="70000"/>
+                </a:schemeClr>
+              </a:gs>
+            </a:gsLst>
+            <a:path path="circle">
+              <a:fillToRect l="50000" t="50000" r="50000" b="50000"/>
+            </a:path>
+          </a:gradFill>
+        </p:spPr>
+        <p:txBody>
+          <a:bodyPr/>
+          <a:lstStyle/>
+          <a:p>
+            <a:pPr algn="ctr"/>
+            <a:r>
+              <a:rPr lang="en-US" b="1" dirty="0" smtClean="0"/>
+              <a:t>Registration Form (User)</a:t>
+            </a:r>
+            <a:endParaRPr lang="en-US" b="1" dirty="0"/>
+          </a:p>
+        </p:txBody>
+      </p:sp>
+      <p:sp>
+        <p:nvSpPr>
+          <p:cNvPr id="3" name="Content Placeholder 2"/>
+          <p:cNvSpPr>
+            <a:spLocks noGrp="1"/>
+          </p:cNvSpPr>
+          <p:nvPr>
+            <p:ph sz="half" idx="1"/>
+          </p:nvPr>
+        </p:nvSpPr>
+        <p:spPr>
+          <a:noFill/>
+        </p:spPr>
+        <p:txBody>
+          <a:bodyPr>
+            <a:normAutofit fontScale="70000" lnSpcReduction="20000"/>
+          </a:bodyPr>
+          <a:lstStyle/>
+          <a:p>
+            <a:r>
+              <a:rPr lang="en-US" dirty="0"/>
+              <a:t>Object: </a:t>
+            </a:r>
+            <a:r>
+              <a:rPr lang="en-US" dirty="0" err="1" smtClean="0"/>
+              <a:t>UserInfo</a:t>
+            </a:r>
+            <a:endParaRPr lang="en-US" dirty="0"/>
+          </a:p>
+          <a:p>
+            <a:r>
+              <a:rPr lang="en-US" dirty="0" smtClean="0"/>
+              <a:t>Attribute</a:t>
+            </a:r>
+          </a:p>
+          <a:p>
+            <a:pPr marL="457200" lvl="1" indent="0">
+              <a:buNone/>
+            </a:pPr>
+            <a:r>
+              <a:rPr lang="en-US" dirty="0" smtClean="0"/>
+              <a:t>	Id;</a:t>
+            </a:r>
+          </a:p>
+          <a:p>
+            <a:pPr marL="0" indent="0">
+              <a:buNone/>
+            </a:pPr>
+            <a:r>
+              <a:rPr lang="en-US" dirty="0"/>
+              <a:t>	Name;</a:t>
+            </a:r>
+          </a:p>
+          <a:p>
+            <a:pPr marL="0" indent="0">
+              <a:buNone/>
+            </a:pPr>
+            <a:r>
+              <a:rPr lang="en-US" dirty="0"/>
+              <a:t>	</a:t>
+            </a:r>
+            <a:r>
+              <a:rPr lang="en-US" dirty="0" smtClean="0"/>
+              <a:t>Designation;</a:t>
+            </a:r>
+          </a:p>
+          <a:p>
+            <a:pPr marL="0" indent="0">
+              <a:buNone/>
+            </a:pPr>
+            <a:r>
+              <a:rPr lang="en-US" dirty="0"/>
+              <a:t>	</a:t>
+            </a:r>
+            <a:r>
+              <a:rPr lang="en-US" dirty="0" smtClean="0"/>
+              <a:t>Email;</a:t>
+            </a:r>
+            <a:endParaRPr lang="en-US" dirty="0"/>
+          </a:p>
+          <a:p>
+            <a:pPr marL="0" indent="0">
+              <a:buNone/>
+            </a:pPr>
+            <a:r>
+              <a:rPr lang="en-US" dirty="0"/>
+              <a:t>	</a:t>
+            </a:r>
+            <a:r>
+              <a:rPr lang="en-US" dirty="0" err="1"/>
+              <a:t>ContactNo</a:t>
+            </a:r>
+            <a:r>
+              <a:rPr lang="en-US" dirty="0"/>
+              <a:t>;</a:t>
+            </a:r>
+          </a:p>
+          <a:p>
+            <a:pPr marL="0" indent="0">
+              <a:buNone/>
+            </a:pPr>
+            <a:r>
+              <a:rPr lang="en-US" dirty="0"/>
+              <a:t>	Logo/Image;</a:t>
+            </a:r>
+          </a:p>
+          <a:p>
+            <a:pPr marL="0" indent="0">
+              <a:buNone/>
+            </a:pPr>
+            <a:r>
+              <a:rPr lang="en-US" dirty="0"/>
+              <a:t>	Address;</a:t>
+            </a:r>
+          </a:p>
+          <a:p>
+            <a:r>
+              <a:rPr lang="en-US" dirty="0"/>
+              <a:t>Activity:</a:t>
+            </a:r>
+          </a:p>
+          <a:p>
+            <a:pPr marL="0" indent="0">
+              <a:buNone/>
+            </a:pPr>
+            <a:r>
+              <a:rPr lang="en-US" dirty="0"/>
+              <a:t>	</a:t>
+            </a:r>
+            <a:r>
+              <a:rPr lang="en-US" dirty="0" err="1" smtClean="0"/>
+              <a:t>CreateUser</a:t>
+            </a:r>
+            <a:r>
+              <a:rPr lang="en-US" dirty="0" smtClean="0"/>
+              <a:t>();</a:t>
+            </a:r>
+            <a:endParaRPr lang="en-US" dirty="0"/>
+          </a:p>
+          <a:p>
+            <a:pPr marL="0" indent="0">
+              <a:buNone/>
+            </a:pPr>
+            <a:r>
+              <a:rPr lang="en-US" dirty="0" smtClean="0"/>
+              <a:t>	</a:t>
+            </a:r>
+            <a:r>
+              <a:rPr lang="en-US" dirty="0" err="1" smtClean="0"/>
+              <a:t>GetRegInfo</a:t>
+            </a:r>
+            <a:r>
+              <a:rPr lang="en-US" dirty="0" smtClean="0"/>
+              <a:t>();</a:t>
+            </a:r>
+          </a:p>
+          <a:p>
+            <a:pPr marL="0" indent="0">
+              <a:buNone/>
+            </a:pPr>
+            <a:r>
+              <a:rPr lang="en-US" dirty="0"/>
+              <a:t>	</a:t>
+            </a:r>
+            <a:r>
+              <a:rPr lang="en-US" dirty="0" err="1" smtClean="0"/>
+              <a:t>EditInfo</a:t>
+            </a:r>
+            <a:r>
+              <a:rPr lang="en-US" dirty="0" smtClean="0"/>
+              <a:t>();</a:t>
+            </a:r>
+          </a:p>
+          <a:p>
+            <a:pPr marL="0" indent="0">
+              <a:buNone/>
+            </a:pPr>
+            <a:endParaRPr lang="en-US" dirty="0"/>
+          </a:p>
+          <a:p>
+            <a:endParaRPr lang="en-US" dirty="0"/>
+          </a:p>
+        </p:txBody>
+      </p:sp>
+      <p:graphicFrame>
+        <p:nvGraphicFramePr>
+          <p:cNvPr id="7" name="Content Placeholder 6"/>
+          <p:cNvGraphicFramePr>
+            <a:graphicFrameLocks noGrp="1"/>
+          </p:cNvGraphicFramePr>
+          <p:nvPr>
+            <p:ph sz="half" idx="2"/>
+            <p:extLst>
+              <p:ext uri="{D42A27DB-BD31-4B8C-83A1-F6EECF244321}">
+                <p14:modId xmlns:p14="http://schemas.microsoft.com/office/powerpoint/2010/main" val="1020137389"/>
+              </p:ext>
+            </p:extLst>
+          </p:nvPr>
+        </p:nvGraphicFramePr>
+        <p:xfrm>
+          <a:off x="6172200" y="1825625"/>
+          <a:ext cx="5181600" cy="4054668"/>
+        </p:xfrm>
+        <a:graphic>
+          <a:graphicData uri="http://schemas.openxmlformats.org/drawingml/2006/table">
+            <a:tbl>
+              <a:tblPr firstRow="1" bandRow="1">
+                <a:tableStyleId>{5C22544A-7EE6-4342-B048-85BDC9FD1C3A}</a:tableStyleId>
+              </a:tblPr>
+              <a:tblGrid>
+                <a:gridCol w="2590800"/>
+                <a:gridCol w="2590800"/>
+              </a:tblGrid>
+              <a:tr h="675778">
+                <a:tc>
+                  <a:txBody>
+                    <a:bodyPr/>
+                    <a:lstStyle/>
+                    <a:p>
+                      <a:r>
+                        <a:rPr lang="en-US" dirty="0" smtClean="0"/>
+                        <a:t>Title</a:t>
+                      </a:r>
+                      <a:endParaRPr lang="en-US" dirty="0"/>
+                    </a:p>
+                  </a:txBody>
+                  <a:tcPr/>
+                </a:tc>
+                <a:tc>
+                  <a:txBody>
+                    <a:bodyPr/>
+                    <a:lstStyle/>
+                    <a:p>
+                      <a:r>
+                        <a:rPr lang="en-US" dirty="0" smtClean="0"/>
+                        <a:t>Text Box		</a:t>
+                      </a:r>
+                      <a:endParaRPr lang="en-US" dirty="0"/>
+                    </a:p>
+                  </a:txBody>
+                  <a:tcPr/>
+                </a:tc>
+              </a:tr>
+              <a:tr h="675778">
+                <a:tc>
+                  <a:txBody>
+                    <a:bodyPr/>
+                    <a:lstStyle/>
+                    <a:p>
+                      <a:r>
+                        <a:rPr lang="en-US" dirty="0" smtClean="0"/>
+                        <a:t>Name</a:t>
+                      </a:r>
+                      <a:endParaRPr lang="en-US" dirty="0"/>
+                    </a:p>
+                  </a:txBody>
+                  <a:tcPr/>
+                </a:tc>
+                <a:tc>
+                  <a:txBody>
+                    <a:bodyPr/>
+                    <a:lstStyle/>
+                    <a:p>
+                      <a:endParaRPr lang="en-US" dirty="0"/>
+                    </a:p>
+                  </a:txBody>
+                  <a:tcPr/>
+                </a:tc>
+              </a:tr>
+              <a:tr h="675778">
+                <a:tc>
+                  <a:txBody>
+                    <a:bodyPr/>
+                    <a:lstStyle/>
+                    <a:p>
+                      <a:r>
+                        <a:rPr lang="en-US" dirty="0" smtClean="0"/>
+                        <a:t>Designation</a:t>
+                      </a:r>
+                      <a:endParaRPr lang="en-US" dirty="0"/>
+                    </a:p>
+                  </a:txBody>
+                  <a:tcPr/>
+                </a:tc>
+                <a:tc>
+                  <a:txBody>
+                    <a:bodyPr/>
+                    <a:lstStyle/>
+                    <a:p>
+                      <a:endParaRPr lang="en-US" dirty="0"/>
+                    </a:p>
+                  </a:txBody>
+                  <a:tcPr/>
+                </a:tc>
+              </a:tr>
+              <a:tr h="675778">
+                <a:tc>
+                  <a:txBody>
+                    <a:bodyPr/>
+                    <a:lstStyle/>
+                    <a:p>
+                      <a:r>
+                        <a:rPr lang="en-US" dirty="0" smtClean="0"/>
+                        <a:t>Email</a:t>
+                      </a:r>
+                      <a:endParaRPr lang="en-US" dirty="0"/>
+                    </a:p>
+                  </a:txBody>
+                  <a:tcPr/>
+                </a:tc>
+                <a:tc>
+                  <a:txBody>
+                    <a:bodyPr/>
+                    <a:lstStyle/>
+                    <a:p>
+                      <a:endParaRPr lang="en-US" dirty="0"/>
+                    </a:p>
+                  </a:txBody>
+                  <a:tcPr/>
+                </a:tc>
+              </a:tr>
+              <a:tr h="675778">
+                <a:tc>
+                  <a:txBody>
+                    <a:bodyPr/>
+                    <a:lstStyle/>
+                    <a:p>
+                      <a:r>
+                        <a:rPr lang="en-US" dirty="0" smtClean="0"/>
+                        <a:t>Mobile N</a:t>
+                      </a:r>
+                      <a:endParaRPr lang="en-US" dirty="0"/>
+                    </a:p>
+                  </a:txBody>
+                  <a:tcPr/>
+                </a:tc>
+                <a:tc>
+                  <a:txBody>
+                    <a:bodyPr/>
+                    <a:lstStyle/>
+                    <a:p>
+                      <a:endParaRPr lang="en-US" dirty="0"/>
+                    </a:p>
+                  </a:txBody>
+                  <a:tcPr/>
+                </a:tc>
+              </a:tr>
+              <a:tr h="675778">
+                <a:tc>
+                  <a:txBody>
+                    <a:bodyPr/>
+                    <a:lstStyle/>
+                    <a:p>
+                      <a:r>
+                        <a:rPr lang="en-US" dirty="0" smtClean="0"/>
+                        <a:t>Office Address</a:t>
+                      </a:r>
+                      <a:endParaRPr lang="en-US" dirty="0"/>
+                    </a:p>
+                  </a:txBody>
+                  <a:tcPr/>
+                </a:tc>
+                <a:tc>
+                  <a:txBody>
+                    <a:bodyPr/>
+                    <a:lstStyle/>
+                    <a:p>
+                      <a:endParaRPr lang="en-US" dirty="0"/>
+                    </a:p>
+                  </a:txBody>
+                  <a:tcPr/>
+                </a:tc>
+              </a:tr>
+            </a:tbl>
+          </a:graphicData>
+        </a:graphic>
+      </p:graphicFrame>
+    </p:spTree>
+    <p:extLst>
+      <p:ext uri="{BB962C8B-B14F-4D97-AF65-F5344CB8AC3E}">
+        <p14:creationId xmlns:p14="http://schemas.microsoft.com/office/powerpoint/2010/main" val="2198716805"/>
+      </p:ext>
+    </p:extLst>
+  </p:cSld>
+  <p:clrMapOvr>
+    <a:masterClrMapping/>
+  </p:clrMapOvr>
+  <p:timing>
+    <p:tnLst>
+      <p:par>
+        <p:cTn id="1" dur="indefinite" restart="never" nodeType="tmRoot"/>
+      </p:par>
+    </p:tnLst>
+  </p:timing>
+</p:sld>
+</file>
+
+<file path=ppt/slides/slide9.xml><?xml version="1.0" encoding="utf-8"?>
+<p:sld xmlns:a="http://schemas.openxmlformats.org/drawingml/2006/main" xmlns:r="http://schemas.openxmlformats.org/officeDocument/2006/relationships" xmlns:p="http://schemas.openxmlformats.org/presentationml/2006/main">
+  <p:cSld>
+    <p:bg>
+      <p:bgPr>
+        <a:solidFill>
+          <a:schemeClr val="accent4">
+            <a:lumMod val="75000"/>
+          </a:schemeClr>
+        </a:solidFill>
+        <a:effectLst/>
+      </p:bgPr>
+    </p:bg>
+    <p:spTree>
+      <p:nvGrpSpPr>
+        <p:cNvPr id="1" name=""/>
+        <p:cNvGrpSpPr/>
+        <p:nvPr/>
+      </p:nvGrpSpPr>
+      <p:grpSpPr>
+        <a:xfrm>
+          <a:off x="0" y="0"/>
+          <a:ext cx="0" cy="0"/>
+          <a:chOff x="0" y="0"/>
+          <a:chExt cx="0" cy="0"/>
+        </a:xfrm>
+      </p:grpSpPr>
+      <p:sp>
+        <p:nvSpPr>
+          <p:cNvPr id="2" name="Title 1"/>
+          <p:cNvSpPr>
+            <a:spLocks noGrp="1"/>
+          </p:cNvSpPr>
+          <p:nvPr>
+            <p:ph type="title"/>
+          </p:nvPr>
+        </p:nvSpPr>
+        <p:spPr>
+          <a:gradFill>
+            <a:gsLst>
+              <a:gs pos="0">
+                <a:schemeClr val="accent4">
+                  <a:lumMod val="89000"/>
+                </a:schemeClr>
+              </a:gs>
+              <a:gs pos="23000">
+                <a:schemeClr val="accent4">
+                  <a:lumMod val="89000"/>
+                </a:schemeClr>
+              </a:gs>
+              <a:gs pos="69000">
+                <a:schemeClr val="accent4">
+                  <a:lumMod val="75000"/>
+                </a:schemeClr>
+              </a:gs>
+              <a:gs pos="97000">
+                <a:schemeClr val="accent4">
+                  <a:lumMod val="70000"/>
+                </a:schemeClr>
+              </a:gs>
+            </a:gsLst>
+            <a:path path="circle">
+              <a:fillToRect l="50000" t="50000" r="50000" b="50000"/>
+            </a:path>
+          </a:gradFill>
+        </p:spPr>
+        <p:txBody>
+          <a:bodyPr/>
+          <a:lstStyle/>
+          <a:p>
+            <a:pPr algn="ctr"/>
+            <a:r>
+              <a:rPr lang="en-US" b="1" dirty="0" smtClean="0"/>
+              <a:t>Requisition Form (User)</a:t>
+            </a:r>
+            <a:endParaRPr lang="en-US" b="1" dirty="0"/>
+          </a:p>
+        </p:txBody>
+      </p:sp>
+      <p:sp>
+        <p:nvSpPr>
+          <p:cNvPr id="3" name="Content Placeholder 2"/>
+          <p:cNvSpPr>
+            <a:spLocks noGrp="1"/>
+          </p:cNvSpPr>
+          <p:nvPr>
+            <p:ph sz="half" idx="1"/>
+          </p:nvPr>
+        </p:nvSpPr>
+        <p:spPr>
+          <a:xfrm>
+            <a:off x="838200" y="1825625"/>
+            <a:ext cx="2706858" cy="3871790"/>
+          </a:xfrm>
+          <a:noFill/>
+        </p:spPr>
+        <p:txBody>
+          <a:bodyPr>
+            <a:normAutofit fontScale="55000" lnSpcReduction="20000"/>
+          </a:bodyPr>
+          <a:lstStyle/>
+          <a:p>
+            <a:r>
+              <a:rPr lang="en-US" sz="2900" dirty="0"/>
+              <a:t>Object: </a:t>
+            </a:r>
+            <a:r>
+              <a:rPr lang="en-US" sz="2900" dirty="0" smtClean="0"/>
+              <a:t>Requisition</a:t>
+            </a:r>
+            <a:endParaRPr lang="en-US" sz="2900" dirty="0"/>
+          </a:p>
+          <a:p>
+            <a:r>
+              <a:rPr lang="en-US" sz="2900" dirty="0" smtClean="0"/>
+              <a:t>Attribute</a:t>
+            </a:r>
+          </a:p>
+          <a:p>
+            <a:pPr marL="457200" lvl="1" indent="0">
+              <a:buNone/>
+            </a:pPr>
+            <a:r>
+              <a:rPr lang="en-US" sz="2900" dirty="0" smtClean="0"/>
+              <a:t>	Id;</a:t>
+            </a:r>
+          </a:p>
+          <a:p>
+            <a:pPr marL="0" indent="0">
+              <a:buNone/>
+            </a:pPr>
+            <a:r>
+              <a:rPr lang="en-US" sz="2900" dirty="0"/>
+              <a:t>	</a:t>
+            </a:r>
+            <a:r>
+              <a:rPr lang="en-US" sz="2900" dirty="0" err="1" smtClean="0"/>
+              <a:t>RequisitorName</a:t>
+            </a:r>
+            <a:r>
+              <a:rPr lang="en-US" sz="2900" dirty="0" smtClean="0"/>
+              <a:t>;</a:t>
+            </a:r>
+            <a:endParaRPr lang="en-US" sz="2900" dirty="0"/>
+          </a:p>
+          <a:p>
+            <a:pPr marL="0" indent="0">
+              <a:buNone/>
+            </a:pPr>
+            <a:r>
+              <a:rPr lang="en-US" sz="2900" dirty="0"/>
+              <a:t>	</a:t>
+            </a:r>
+            <a:r>
+              <a:rPr lang="en-US" sz="2900" dirty="0" smtClean="0"/>
+              <a:t>Designation;</a:t>
+            </a:r>
+          </a:p>
+          <a:p>
+            <a:pPr marL="0" indent="0">
+              <a:buNone/>
+            </a:pPr>
+            <a:r>
+              <a:rPr lang="en-US" sz="2900" dirty="0"/>
+              <a:t>	</a:t>
+            </a:r>
+            <a:r>
+              <a:rPr lang="en-US" sz="2900" dirty="0" smtClean="0"/>
+              <a:t>Email;</a:t>
+            </a:r>
+            <a:endParaRPr lang="en-US" sz="2900" dirty="0"/>
+          </a:p>
+          <a:p>
+            <a:pPr marL="0" indent="0">
+              <a:buNone/>
+            </a:pPr>
+            <a:r>
+              <a:rPr lang="en-US" sz="2900" dirty="0"/>
+              <a:t>	</a:t>
+            </a:r>
+            <a:r>
+              <a:rPr lang="en-US" sz="2900" dirty="0" err="1"/>
+              <a:t>ContactNo</a:t>
+            </a:r>
+            <a:r>
+              <a:rPr lang="en-US" sz="2900" dirty="0"/>
+              <a:t>;</a:t>
+            </a:r>
+          </a:p>
+          <a:p>
+            <a:pPr marL="0" indent="0">
+              <a:buNone/>
+            </a:pPr>
+            <a:r>
+              <a:rPr lang="en-US" sz="2900" dirty="0"/>
+              <a:t>	</a:t>
+            </a:r>
+            <a:r>
+              <a:rPr lang="en-US" sz="2900" dirty="0" err="1" smtClean="0"/>
+              <a:t>JourneyDateTime</a:t>
+            </a:r>
+            <a:r>
+              <a:rPr lang="en-US" sz="2900" dirty="0" smtClean="0"/>
+              <a:t>;</a:t>
+            </a:r>
+            <a:endParaRPr lang="en-US" sz="2900" dirty="0"/>
+          </a:p>
+          <a:p>
+            <a:pPr marL="0" indent="0">
+              <a:buNone/>
+            </a:pPr>
+            <a:r>
+              <a:rPr lang="en-US" sz="2900" dirty="0"/>
+              <a:t>	</a:t>
+            </a:r>
+            <a:r>
+              <a:rPr lang="en-US" sz="2900" dirty="0" smtClean="0"/>
+              <a:t>Place;</a:t>
+            </a:r>
+          </a:p>
+          <a:p>
+            <a:pPr marL="0" indent="0">
+              <a:buNone/>
+            </a:pPr>
+            <a:r>
+              <a:rPr lang="en-US" sz="2900" dirty="0"/>
+              <a:t>	</a:t>
+            </a:r>
+            <a:r>
+              <a:rPr lang="en-US" sz="2900" dirty="0" smtClean="0"/>
+              <a:t>Description;</a:t>
+            </a:r>
+          </a:p>
+          <a:p>
+            <a:pPr marL="0" indent="0">
+              <a:buNone/>
+            </a:pPr>
+            <a:r>
+              <a:rPr lang="en-US" sz="2900" dirty="0"/>
+              <a:t>	</a:t>
+            </a:r>
+            <a:r>
+              <a:rPr lang="en-US" sz="2900" dirty="0" err="1" smtClean="0"/>
+              <a:t>JourneyStartTiem</a:t>
+            </a:r>
+            <a:r>
+              <a:rPr lang="en-US" sz="2900" dirty="0" smtClean="0"/>
+              <a:t>;</a:t>
+            </a:r>
+          </a:p>
+          <a:p>
+            <a:pPr marL="0" indent="0">
+              <a:buNone/>
+            </a:pPr>
+            <a:r>
+              <a:rPr lang="en-US" sz="2900" dirty="0"/>
+              <a:t>	</a:t>
+            </a:r>
+            <a:r>
+              <a:rPr lang="en-US" sz="2900" dirty="0" err="1" smtClean="0"/>
+              <a:t>VehicleName</a:t>
+            </a:r>
+            <a:r>
+              <a:rPr lang="en-US" sz="2900" dirty="0" smtClean="0"/>
+              <a:t>;</a:t>
+            </a:r>
+          </a:p>
+          <a:p>
+            <a:pPr marL="0" indent="0">
+              <a:buNone/>
+            </a:pPr>
+            <a:r>
+              <a:rPr lang="en-US" sz="2900" dirty="0"/>
+              <a:t>	</a:t>
+            </a:r>
+            <a:r>
+              <a:rPr lang="en-US" sz="2900" dirty="0" err="1" smtClean="0"/>
+              <a:t>DriverName</a:t>
+            </a:r>
+            <a:r>
+              <a:rPr lang="en-US" sz="2900" dirty="0" smtClean="0"/>
+              <a:t>;</a:t>
+            </a:r>
+          </a:p>
+          <a:p>
+            <a:pPr marL="0" indent="0">
+              <a:buNone/>
+            </a:pPr>
+            <a:endParaRPr lang="en-US" dirty="0"/>
+          </a:p>
+          <a:p>
+            <a:endParaRPr lang="en-US" dirty="0"/>
+          </a:p>
+        </p:txBody>
+      </p:sp>
+      <p:graphicFrame>
+        <p:nvGraphicFramePr>
+          <p:cNvPr id="7" name="Content Placeholder 6"/>
+          <p:cNvGraphicFramePr>
+            <a:graphicFrameLocks noGrp="1"/>
+          </p:cNvGraphicFramePr>
+          <p:nvPr>
+            <p:ph sz="half" idx="2"/>
+            <p:extLst>
+              <p:ext uri="{D42A27DB-BD31-4B8C-83A1-F6EECF244321}">
+                <p14:modId xmlns:p14="http://schemas.microsoft.com/office/powerpoint/2010/main" val="1426166606"/>
+              </p:ext>
+            </p:extLst>
+          </p:nvPr>
+        </p:nvGraphicFramePr>
+        <p:xfrm>
+          <a:off x="7272996" y="1825625"/>
+          <a:ext cx="4080804" cy="4274446"/>
+        </p:xfrm>
+        <a:graphic>
+          <a:graphicData uri="http://schemas.openxmlformats.org/drawingml/2006/table">
+            <a:tbl>
+              <a:tblPr firstRow="1" bandRow="1">
+                <a:tableStyleId>{5C22544A-7EE6-4342-B048-85BDC9FD1C3A}</a:tableStyleId>
+              </a:tblPr>
+              <a:tblGrid>
+                <a:gridCol w="2040402"/>
+                <a:gridCol w="2040402"/>
+              </a:tblGrid>
+              <a:tr h="388586">
+                <a:tc>
+                  <a:txBody>
+                    <a:bodyPr/>
+                    <a:lstStyle/>
+                    <a:p>
+                      <a:r>
+                        <a:rPr lang="en-US" dirty="0" smtClean="0"/>
+                        <a:t>Title</a:t>
+                      </a:r>
+                      <a:endParaRPr lang="en-US" dirty="0"/>
+                    </a:p>
+                  </a:txBody>
+                  <a:tcPr/>
+                </a:tc>
+                <a:tc>
+                  <a:txBody>
+                    <a:bodyPr/>
+                    <a:lstStyle/>
+                    <a:p>
+                      <a:r>
+                        <a:rPr lang="en-US" dirty="0" smtClean="0"/>
+                        <a:t>Text Box		</a:t>
+                      </a:r>
+                      <a:endParaRPr lang="en-US" dirty="0"/>
+                    </a:p>
+                  </a:txBody>
+                  <a:tcPr/>
+                </a:tc>
+              </a:tr>
+              <a:tr h="388586">
+                <a:tc>
+                  <a:txBody>
+                    <a:bodyPr/>
+                    <a:lstStyle/>
+                    <a:p>
+                      <a:r>
+                        <a:rPr lang="en-US" dirty="0" err="1" smtClean="0"/>
+                        <a:t>Requisitor</a:t>
+                      </a:r>
+                      <a:r>
+                        <a:rPr lang="en-US" dirty="0" smtClean="0"/>
+                        <a:t> Name</a:t>
+                      </a:r>
+                      <a:endParaRPr lang="en-US" dirty="0"/>
+                    </a:p>
+                  </a:txBody>
+                  <a:tcPr/>
+                </a:tc>
+                <a:tc>
+                  <a:txBody>
+                    <a:bodyPr/>
+                    <a:lstStyle/>
+                    <a:p>
+                      <a:endParaRPr lang="en-US" dirty="0"/>
+                    </a:p>
+                  </a:txBody>
+                  <a:tcPr/>
+                </a:tc>
+              </a:tr>
+              <a:tr h="388586">
+                <a:tc>
+                  <a:txBody>
+                    <a:bodyPr/>
+                    <a:lstStyle/>
+                    <a:p>
+                      <a:r>
+                        <a:rPr lang="en-US" dirty="0" smtClean="0"/>
+                        <a:t>Designation</a:t>
+                      </a:r>
+                      <a:endParaRPr lang="en-US" dirty="0"/>
+                    </a:p>
+                  </a:txBody>
+                  <a:tcPr/>
+                </a:tc>
+                <a:tc>
+                  <a:txBody>
+                    <a:bodyPr/>
+                    <a:lstStyle/>
+                    <a:p>
+                      <a:endParaRPr lang="en-US" dirty="0"/>
+                    </a:p>
+                  </a:txBody>
+                  <a:tcPr/>
+                </a:tc>
+              </a:tr>
+              <a:tr h="388586">
+                <a:tc>
+                  <a:txBody>
+                    <a:bodyPr/>
+                    <a:lstStyle/>
+                    <a:p>
+                      <a:r>
+                        <a:rPr lang="en-US" dirty="0" smtClean="0"/>
+                        <a:t>Email</a:t>
+                      </a:r>
+                      <a:endParaRPr lang="en-US" dirty="0"/>
+                    </a:p>
+                  </a:txBody>
+                  <a:tcPr/>
+                </a:tc>
+                <a:tc>
+                  <a:txBody>
+                    <a:bodyPr/>
+                    <a:lstStyle/>
+                    <a:p>
+                      <a:endParaRPr lang="en-US" dirty="0"/>
+                    </a:p>
+                  </a:txBody>
+                  <a:tcPr/>
+                </a:tc>
+              </a:tr>
+              <a:tr h="388586">
+                <a:tc>
+                  <a:txBody>
+                    <a:bodyPr/>
+                    <a:lstStyle/>
+                    <a:p>
+                      <a:r>
+                        <a:rPr lang="en-US" dirty="0" smtClean="0"/>
+                        <a:t>Mobile No</a:t>
+                      </a:r>
+                      <a:endParaRPr lang="en-US" dirty="0"/>
+                    </a:p>
+                  </a:txBody>
+                  <a:tcPr/>
+                </a:tc>
+                <a:tc>
+                  <a:txBody>
+                    <a:bodyPr/>
+                    <a:lstStyle/>
+                    <a:p>
+                      <a:endParaRPr lang="en-US" dirty="0"/>
+                    </a:p>
+                  </a:txBody>
+                  <a:tcPr/>
+                </a:tc>
+              </a:tr>
+              <a:tr h="388586">
+                <a:tc>
+                  <a:txBody>
+                    <a:bodyPr/>
+                    <a:lstStyle/>
+                    <a:p>
+                      <a:r>
+                        <a:rPr lang="en-US" dirty="0" smtClean="0"/>
+                        <a:t>Journey </a:t>
+                      </a:r>
+                      <a:r>
+                        <a:rPr lang="en-US" dirty="0" err="1" smtClean="0"/>
+                        <a:t>DateTime</a:t>
+                      </a:r>
+                      <a:endParaRPr lang="en-US" dirty="0"/>
+                    </a:p>
+                  </a:txBody>
+                  <a:tcPr/>
+                </a:tc>
+                <a:tc>
+                  <a:txBody>
+                    <a:bodyPr/>
+                    <a:lstStyle/>
+                    <a:p>
+                      <a:endParaRPr lang="en-US" dirty="0"/>
+                    </a:p>
+                  </a:txBody>
+                  <a:tcPr/>
+                </a:tc>
+              </a:tr>
+              <a:tr h="388586">
+                <a:tc>
+                  <a:txBody>
+                    <a:bodyPr/>
+                    <a:lstStyle/>
+                    <a:p>
+                      <a:r>
+                        <a:rPr lang="en-US" dirty="0" smtClean="0"/>
+                        <a:t>Place</a:t>
+                      </a:r>
+                      <a:endParaRPr lang="en-US" dirty="0"/>
+                    </a:p>
+                  </a:txBody>
+                  <a:tcPr/>
+                </a:tc>
+                <a:tc>
+                  <a:txBody>
+                    <a:bodyPr/>
+                    <a:lstStyle/>
+                    <a:p>
+                      <a:endParaRPr lang="en-US" dirty="0"/>
+                    </a:p>
+                  </a:txBody>
+                  <a:tcPr/>
+                </a:tc>
+              </a:tr>
+              <a:tr h="388586">
+                <a:tc>
+                  <a:txBody>
+                    <a:bodyPr/>
+                    <a:lstStyle/>
+                    <a:p>
+                      <a:r>
+                        <a:rPr lang="en-US" dirty="0" smtClean="0"/>
+                        <a:t>Journey Description</a:t>
+                      </a:r>
+                      <a:endParaRPr lang="en-US" dirty="0"/>
+                    </a:p>
+                  </a:txBody>
+                  <a:tcPr/>
+                </a:tc>
+                <a:tc>
+                  <a:txBody>
+                    <a:bodyPr/>
+                    <a:lstStyle/>
+                    <a:p>
+                      <a:endParaRPr lang="en-US" dirty="0"/>
+                    </a:p>
+                  </a:txBody>
+                  <a:tcPr/>
+                </a:tc>
+              </a:tr>
+              <a:tr h="388586">
+                <a:tc>
+                  <a:txBody>
+                    <a:bodyPr/>
+                    <a:lstStyle/>
+                    <a:p>
+                      <a:r>
+                        <a:rPr lang="en-US" dirty="0" smtClean="0"/>
+                        <a:t>Journey</a:t>
+                      </a:r>
+                      <a:r>
+                        <a:rPr lang="en-US" baseline="0" dirty="0" smtClean="0"/>
+                        <a:t> Start Time</a:t>
+                      </a:r>
+                      <a:endParaRPr lang="en-US" dirty="0"/>
+                    </a:p>
+                  </a:txBody>
+                  <a:tcPr/>
+                </a:tc>
+                <a:tc>
+                  <a:txBody>
+                    <a:bodyPr/>
+                    <a:lstStyle/>
+                    <a:p>
+                      <a:endParaRPr lang="en-US" dirty="0"/>
+                    </a:p>
+                  </a:txBody>
+                  <a:tcPr/>
+                </a:tc>
+              </a:tr>
+              <a:tr h="388586">
+                <a:tc>
+                  <a:txBody>
+                    <a:bodyPr/>
+                    <a:lstStyle/>
+                    <a:p>
+                      <a:r>
+                        <a:rPr lang="en-US" dirty="0" smtClean="0"/>
+                        <a:t>Vehicle Name</a:t>
+                      </a:r>
+                      <a:endParaRPr lang="en-US" dirty="0"/>
+                    </a:p>
+                  </a:txBody>
+                  <a:tcPr/>
+                </a:tc>
+                <a:tc>
+                  <a:txBody>
+                    <a:bodyPr/>
+                    <a:lstStyle/>
+                    <a:p>
+                      <a:endParaRPr lang="en-US" dirty="0"/>
+                    </a:p>
+                  </a:txBody>
+                  <a:tcPr/>
+                </a:tc>
+              </a:tr>
+              <a:tr h="388586">
+                <a:tc>
+                  <a:txBody>
+                    <a:bodyPr/>
+                    <a:lstStyle/>
+                    <a:p>
+                      <a:pPr marL="0" marR="0" indent="0" algn="l" defTabSz="914400" rtl="0" eaLnBrk="1" fontAlgn="auto" latinLnBrk="0" hangingPunct="1">
+                        <a:lnSpc>
+                          <a:spcPct val="100000"/>
+                        </a:lnSpc>
+                        <a:spcBef>
+                          <a:spcPts val="0"/>
+                        </a:spcBef>
+                        <a:spcAft>
+                          <a:spcPts val="0"/>
+                        </a:spcAft>
+                        <a:buClrTx/>
+                        <a:buSzTx/>
+                        <a:buFontTx/>
+                        <a:buNone/>
+                        <a:tabLst/>
+                        <a:defRPr/>
+                      </a:pPr>
+                      <a:r>
+                        <a:rPr lang="en-US" dirty="0" smtClean="0"/>
+                        <a:t>Driver Name</a:t>
+                      </a:r>
+                    </a:p>
+                  </a:txBody>
+                  <a:tcPr/>
+                </a:tc>
+                <a:tc>
+                  <a:txBody>
+                    <a:bodyPr/>
+                    <a:lstStyle/>
+                    <a:p>
+                      <a:endParaRPr lang="en-US" dirty="0"/>
+                    </a:p>
+                  </a:txBody>
+                  <a:tcPr/>
+                </a:tc>
+              </a:tr>
+            </a:tbl>
+          </a:graphicData>
+        </a:graphic>
+      </p:graphicFrame>
+      <p:sp>
+        <p:nvSpPr>
+          <p:cNvPr id="5" name="Content Placeholder 2"/>
+          <p:cNvSpPr txBox="1">
+            <a:spLocks/>
+          </p:cNvSpPr>
+          <p:nvPr/>
+        </p:nvSpPr>
+        <p:spPr>
+          <a:xfrm>
+            <a:off x="3713870" y="1825625"/>
+            <a:ext cx="3319975" cy="3871790"/>
+          </a:xfrm>
+          <a:prstGeom prst="rect">
+            <a:avLst/>
+          </a:prstGeom>
+          <a:noFill/>
+        </p:spPr>
+        <p:txBody>
+          <a:bodyPr vert="horz" lIns="91440" tIns="45720" rIns="91440" bIns="45720" rtlCol="0">
+            <a:normAutofit/>
+          </a:bodyPr>
+          <a:lstStyle>
+            <a:lvl1pPr marL="228600" indent="-228600" algn="l" defTabSz="914400" rtl="0" eaLnBrk="1" latinLnBrk="0" hangingPunct="1">
+              <a:lnSpc>
+                <a:spcPct val="90000"/>
+              </a:lnSpc>
+              <a:spcBef>
+                <a:spcPts val="1000"/>
+              </a:spcBef>
+              <a:buFont typeface="Arial" panose="020B0604020202020204" pitchFamily="34" charset="0"/>
+              <a:buChar char="•"/>
+              <a:defRPr sz="2800" kern="1200">
+                <a:solidFill>
+                  <a:schemeClr val="tx1"/>
+                </a:solidFill>
+                <a:latin typeface="+mn-lt"/>
+                <a:ea typeface="+mn-ea"/>
+                <a:cs typeface="+mn-cs"/>
+              </a:defRPr>
+            </a:lvl1pPr>
+            <a:lvl2pPr marL="685800" indent="-228600" algn="l" defTabSz="914400" rtl="0" eaLnBrk="1" latinLnBrk="0" hangingPunct="1">
+              <a:lnSpc>
+                <a:spcPct val="90000"/>
+              </a:lnSpc>
+              <a:spcBef>
+                <a:spcPts val="500"/>
+              </a:spcBef>
+              <a:buFont typeface="Arial" panose="020B0604020202020204" pitchFamily="34" charset="0"/>
+              <a:buChar char="•"/>
+              <a:defRPr sz="2400" kern="1200">
+                <a:solidFill>
+                  <a:schemeClr val="tx1"/>
+                </a:solidFill>
+                <a:latin typeface="+mn-lt"/>
+                <a:ea typeface="+mn-ea"/>
+                <a:cs typeface="+mn-cs"/>
+              </a:defRPr>
+            </a:lvl2pPr>
+            <a:lvl3pPr marL="1143000" indent="-228600" algn="l" defTabSz="914400" rtl="0" eaLnBrk="1" latinLnBrk="0" hangingPunct="1">
+              <a:lnSpc>
+                <a:spcPct val="90000"/>
+              </a:lnSpc>
+              <a:spcBef>
+                <a:spcPts val="500"/>
+              </a:spcBef>
+              <a:buFont typeface="Arial" panose="020B0604020202020204" pitchFamily="34" charset="0"/>
+              <a:buChar char="•"/>
+              <a:defRPr sz="2000" kern="1200">
+                <a:solidFill>
+                  <a:schemeClr val="tx1"/>
+                </a:solidFill>
+                <a:latin typeface="+mn-lt"/>
+                <a:ea typeface="+mn-ea"/>
+                <a:cs typeface="+mn-cs"/>
+              </a:defRPr>
+            </a:lvl3pPr>
+            <a:lvl4pPr marL="1600200" indent="-228600" algn="l" defTabSz="914400" rtl="0" eaLnBrk="1" latinLnBrk="0" hangingPunct="1">
+              <a:lnSpc>
+                <a:spcPct val="90000"/>
+              </a:lnSpc>
+              <a:spcBef>
+                <a:spcPts val="500"/>
+              </a:spcBef>
+              <a:buFont typeface="Arial" panose="020B0604020202020204" pitchFamily="34" charset="0"/>
+              <a:buChar char="•"/>
+              <a:defRPr sz="1800" kern="1200">
+                <a:solidFill>
+                  <a:schemeClr val="tx1"/>
+                </a:solidFill>
+                <a:latin typeface="+mn-lt"/>
+                <a:ea typeface="+mn-ea"/>
+                <a:cs typeface="+mn-cs"/>
+              </a:defRPr>
+            </a:lvl4pPr>
+            <a:lvl5pPr marL="2057400" indent="-228600" algn="l" defTabSz="914400" rtl="0" eaLnBrk="1" latinLnBrk="0" hangingPunct="1">
+              <a:lnSpc>
+                <a:spcPct val="90000"/>
+              </a:lnSpc>
+              <a:spcBef>
+                <a:spcPts val="500"/>
+              </a:spcBef>
+              <a:buFont typeface="Arial" panose="020B0604020202020204" pitchFamily="34" charset="0"/>
+              <a:buChar char="•"/>
+              <a:defRPr sz="1800" kern="1200">
+                <a:solidFill>
+                  <a:schemeClr val="tx1"/>
+                </a:solidFill>
+                <a:latin typeface="+mn-lt"/>
+                <a:ea typeface="+mn-ea"/>
+                <a:cs typeface="+mn-cs"/>
+              </a:defRPr>
+            </a:lvl5pPr>
+            <a:lvl6pPr marL="2514600" indent="-228600" algn="l" defTabSz="914400" rtl="0" eaLnBrk="1" latinLnBrk="0" hangingPunct="1">
+              <a:lnSpc>
+                <a:spcPct val="90000"/>
+              </a:lnSpc>
+              <a:spcBef>
+                <a:spcPts val="500"/>
+              </a:spcBef>
+              <a:buFont typeface="Arial" panose="020B0604020202020204" pitchFamily="34" charset="0"/>
+              <a:buChar char="•"/>
+              <a:defRPr sz="1800" kern="1200">
+                <a:solidFill>
+                  <a:schemeClr val="tx1"/>
+                </a:solidFill>
+                <a:latin typeface="+mn-lt"/>
+                <a:ea typeface="+mn-ea"/>
+                <a:cs typeface="+mn-cs"/>
+              </a:defRPr>
+            </a:lvl6pPr>
+            <a:lvl7pPr marL="2971800" indent="-228600" algn="l" defTabSz="914400" rtl="0" eaLnBrk="1" latinLnBrk="0" hangingPunct="1">
+              <a:lnSpc>
+                <a:spcPct val="90000"/>
+              </a:lnSpc>
+              <a:spcBef>
+                <a:spcPts val="500"/>
+              </a:spcBef>
+              <a:buFont typeface="Arial" panose="020B0604020202020204" pitchFamily="34" charset="0"/>
+              <a:buChar char="•"/>
+              <a:defRPr sz="1800" kern="1200">
+                <a:solidFill>
+                  <a:schemeClr val="tx1"/>
+                </a:solidFill>
+                <a:latin typeface="+mn-lt"/>
+                <a:ea typeface="+mn-ea"/>
+                <a:cs typeface="+mn-cs"/>
+              </a:defRPr>
+            </a:lvl7pPr>
+            <a:lvl8pPr marL="3429000" indent="-228600" algn="l" defTabSz="914400" rtl="0" eaLnBrk="1" latinLnBrk="0" hangingPunct="1">
+              <a:lnSpc>
+                <a:spcPct val="90000"/>
+              </a:lnSpc>
+              <a:spcBef>
+                <a:spcPts val="500"/>
+              </a:spcBef>
+              <a:buFont typeface="Arial" panose="020B0604020202020204" pitchFamily="34" charset="0"/>
+              <a:buChar char="•"/>
+              <a:defRPr sz="1800" kern="1200">
+                <a:solidFill>
+                  <a:schemeClr val="tx1"/>
+                </a:solidFill>
+                <a:latin typeface="+mn-lt"/>
+                <a:ea typeface="+mn-ea"/>
+                <a:cs typeface="+mn-cs"/>
+              </a:defRPr>
+            </a:lvl8pPr>
+            <a:lvl9pPr marL="3886200" indent="-228600" algn="l" defTabSz="914400" rtl="0" eaLnBrk="1" latinLnBrk="0" hangingPunct="1">
+              <a:lnSpc>
+                <a:spcPct val="90000"/>
+              </a:lnSpc>
+              <a:spcBef>
+                <a:spcPts val="500"/>
+              </a:spcBef>
+              <a:buFont typeface="Arial" panose="020B0604020202020204" pitchFamily="34" charset="0"/>
+              <a:buChar char="•"/>
+              <a:defRPr sz="1800" kern="1200">
+                <a:solidFill>
+                  <a:schemeClr val="tx1"/>
+                </a:solidFill>
+                <a:latin typeface="+mn-lt"/>
+                <a:ea typeface="+mn-ea"/>
+                <a:cs typeface="+mn-cs"/>
+              </a:defRPr>
+            </a:lvl9pPr>
+          </a:lstStyle>
+          <a:p>
+            <a:pPr marL="0" indent="0">
+              <a:buFont typeface="Arial" panose="020B0604020202020204" pitchFamily="34" charset="0"/>
+              <a:buNone/>
+            </a:pPr>
+            <a:endParaRPr lang="en-US" dirty="0" smtClean="0"/>
+          </a:p>
+          <a:p>
+            <a:r>
+              <a:rPr lang="en-US" sz="1600" dirty="0" smtClean="0"/>
+              <a:t>Activity:</a:t>
+            </a:r>
+          </a:p>
+          <a:p>
+            <a:pPr marL="0" indent="0">
+              <a:buFont typeface="Arial" panose="020B0604020202020204" pitchFamily="34" charset="0"/>
+              <a:buNone/>
+            </a:pPr>
+            <a:r>
+              <a:rPr lang="en-US" sz="1600" dirty="0" smtClean="0"/>
+              <a:t>	</a:t>
+            </a:r>
+            <a:r>
+              <a:rPr lang="en-US" sz="1600" dirty="0" err="1" smtClean="0"/>
+              <a:t>CreateRequisition</a:t>
+            </a:r>
+            <a:r>
+              <a:rPr lang="en-US" sz="1600" dirty="0" smtClean="0"/>
+              <a:t>();</a:t>
+            </a:r>
+          </a:p>
+          <a:p>
+            <a:pPr marL="0" indent="0">
+              <a:buFont typeface="Arial" panose="020B0604020202020204" pitchFamily="34" charset="0"/>
+              <a:buNone/>
+            </a:pPr>
+            <a:r>
+              <a:rPr lang="en-US" sz="1600" dirty="0" smtClean="0"/>
+              <a:t>	</a:t>
+            </a:r>
+            <a:r>
+              <a:rPr lang="en-US" sz="1600" dirty="0" err="1" smtClean="0"/>
+              <a:t>SearchVehicle</a:t>
+            </a:r>
+            <a:r>
+              <a:rPr lang="en-US" sz="1600" dirty="0" smtClean="0"/>
+              <a:t>();</a:t>
+            </a:r>
+          </a:p>
+          <a:p>
+            <a:pPr marL="0" indent="0">
+              <a:buFont typeface="Arial" panose="020B0604020202020204" pitchFamily="34" charset="0"/>
+              <a:buNone/>
+            </a:pPr>
+            <a:r>
+              <a:rPr lang="en-US" sz="1600" dirty="0" smtClean="0"/>
+              <a:t>	</a:t>
+            </a:r>
+            <a:r>
+              <a:rPr lang="en-US" sz="1600" dirty="0" err="1" smtClean="0"/>
+              <a:t>RequisitionList</a:t>
+            </a:r>
+            <a:r>
+              <a:rPr lang="en-US" sz="1600" dirty="0" smtClean="0"/>
+              <a:t>();</a:t>
+            </a:r>
+          </a:p>
+          <a:p>
+            <a:pPr marL="0" indent="0">
+              <a:buFont typeface="Arial" panose="020B0604020202020204" pitchFamily="34" charset="0"/>
+              <a:buNone/>
+            </a:pPr>
+            <a:r>
+              <a:rPr lang="en-US" sz="1600" dirty="0" smtClean="0"/>
+              <a:t>	</a:t>
+            </a:r>
+            <a:r>
+              <a:rPr lang="en-US" sz="1600" dirty="0" err="1" smtClean="0"/>
+              <a:t>CancelRequisition</a:t>
+            </a:r>
+            <a:r>
+              <a:rPr lang="en-US" sz="1600" dirty="0" smtClean="0"/>
+              <a:t>();</a:t>
+            </a:r>
+          </a:p>
+          <a:p>
+            <a:pPr marL="0" indent="0">
+              <a:buNone/>
+            </a:pPr>
+            <a:endParaRPr lang="en-US" dirty="0"/>
+          </a:p>
+        </p:txBody>
+      </p:sp>
+    </p:spTree>
+    <p:extLst>
+      <p:ext uri="{BB962C8B-B14F-4D97-AF65-F5344CB8AC3E}">
+        <p14:creationId xmlns:p14="http://schemas.microsoft.com/office/powerpoint/2010/main" val="1522459881"/>
       </p:ext>
     </p:extLst>
   </p:cSld>

--- a/Document/Vehicle Management Presentation.pptx
+++ b/Document/Vehicle Management Presentation.pptx
@@ -6,15 +6,16 @@
   </p:sldMasterIdLst>
   <p:sldIdLst>
     <p:sldId id="256" r:id="rId2"/>
-    <p:sldId id="258" r:id="rId3"/>
-    <p:sldId id="261" r:id="rId4"/>
-    <p:sldId id="262" r:id="rId5"/>
-    <p:sldId id="264" r:id="rId6"/>
-    <p:sldId id="265" r:id="rId7"/>
-    <p:sldId id="267" r:id="rId8"/>
-    <p:sldId id="263" r:id="rId9"/>
-    <p:sldId id="266" r:id="rId10"/>
-    <p:sldId id="268" r:id="rId11"/>
+    <p:sldId id="269" r:id="rId3"/>
+    <p:sldId id="258" r:id="rId4"/>
+    <p:sldId id="261" r:id="rId5"/>
+    <p:sldId id="262" r:id="rId6"/>
+    <p:sldId id="264" r:id="rId7"/>
+    <p:sldId id="265" r:id="rId8"/>
+    <p:sldId id="267" r:id="rId9"/>
+    <p:sldId id="263" r:id="rId10"/>
+    <p:sldId id="266" r:id="rId11"/>
+    <p:sldId id="268" r:id="rId12"/>
   </p:sldIdLst>
   <p:sldSz cx="12192000" cy="6858000"/>
   <p:notesSz cx="6858000" cy="9144000"/>
@@ -252,7 +253,7 @@
           <a:p>
             <a:fld id="{6CEDDB51-4372-4FB4-AF49-668D4DCAAC25}" type="datetimeFigureOut">
               <a:rPr lang="en-US" smtClean="0"/>
-              <a:t>5/22/2018</a:t>
+              <a:t>5/23/2018</a:t>
             </a:fld>
             <a:endParaRPr lang="en-US"/>
           </a:p>
@@ -422,7 +423,7 @@
           <a:p>
             <a:fld id="{6CEDDB51-4372-4FB4-AF49-668D4DCAAC25}" type="datetimeFigureOut">
               <a:rPr lang="en-US" smtClean="0"/>
-              <a:t>5/22/2018</a:t>
+              <a:t>5/23/2018</a:t>
             </a:fld>
             <a:endParaRPr lang="en-US"/>
           </a:p>
@@ -602,7 +603,7 @@
           <a:p>
             <a:fld id="{6CEDDB51-4372-4FB4-AF49-668D4DCAAC25}" type="datetimeFigureOut">
               <a:rPr lang="en-US" smtClean="0"/>
-              <a:t>5/22/2018</a:t>
+              <a:t>5/23/2018</a:t>
             </a:fld>
             <a:endParaRPr lang="en-US"/>
           </a:p>
@@ -772,7 +773,7 @@
           <a:p>
             <a:fld id="{6CEDDB51-4372-4FB4-AF49-668D4DCAAC25}" type="datetimeFigureOut">
               <a:rPr lang="en-US" smtClean="0"/>
-              <a:t>5/22/2018</a:t>
+              <a:t>5/23/2018</a:t>
             </a:fld>
             <a:endParaRPr lang="en-US"/>
           </a:p>
@@ -1018,7 +1019,7 @@
           <a:p>
             <a:fld id="{6CEDDB51-4372-4FB4-AF49-668D4DCAAC25}" type="datetimeFigureOut">
               <a:rPr lang="en-US" smtClean="0"/>
-              <a:t>5/22/2018</a:t>
+              <a:t>5/23/2018</a:t>
             </a:fld>
             <a:endParaRPr lang="en-US"/>
           </a:p>
@@ -1250,7 +1251,7 @@
           <a:p>
             <a:fld id="{6CEDDB51-4372-4FB4-AF49-668D4DCAAC25}" type="datetimeFigureOut">
               <a:rPr lang="en-US" smtClean="0"/>
-              <a:t>5/22/2018</a:t>
+              <a:t>5/23/2018</a:t>
             </a:fld>
             <a:endParaRPr lang="en-US"/>
           </a:p>
@@ -1617,7 +1618,7 @@
           <a:p>
             <a:fld id="{6CEDDB51-4372-4FB4-AF49-668D4DCAAC25}" type="datetimeFigureOut">
               <a:rPr lang="en-US" smtClean="0"/>
-              <a:t>5/22/2018</a:t>
+              <a:t>5/23/2018</a:t>
             </a:fld>
             <a:endParaRPr lang="en-US"/>
           </a:p>
@@ -1735,7 +1736,7 @@
           <a:p>
             <a:fld id="{6CEDDB51-4372-4FB4-AF49-668D4DCAAC25}" type="datetimeFigureOut">
               <a:rPr lang="en-US" smtClean="0"/>
-              <a:t>5/22/2018</a:t>
+              <a:t>5/23/2018</a:t>
             </a:fld>
             <a:endParaRPr lang="en-US"/>
           </a:p>
@@ -1830,7 +1831,7 @@
           <a:p>
             <a:fld id="{6CEDDB51-4372-4FB4-AF49-668D4DCAAC25}" type="datetimeFigureOut">
               <a:rPr lang="en-US" smtClean="0"/>
-              <a:t>5/22/2018</a:t>
+              <a:t>5/23/2018</a:t>
             </a:fld>
             <a:endParaRPr lang="en-US"/>
           </a:p>
@@ -2107,7 +2108,7 @@
           <a:p>
             <a:fld id="{6CEDDB51-4372-4FB4-AF49-668D4DCAAC25}" type="datetimeFigureOut">
               <a:rPr lang="en-US" smtClean="0"/>
-              <a:t>5/22/2018</a:t>
+              <a:t>5/23/2018</a:t>
             </a:fld>
             <a:endParaRPr lang="en-US"/>
           </a:p>
@@ -2360,7 +2361,7 @@
           <a:p>
             <a:fld id="{6CEDDB51-4372-4FB4-AF49-668D4DCAAC25}" type="datetimeFigureOut">
               <a:rPr lang="en-US" smtClean="0"/>
-              <a:t>5/22/2018</a:t>
+              <a:t>5/23/2018</a:t>
             </a:fld>
             <a:endParaRPr lang="en-US"/>
           </a:p>
@@ -2573,7 +2574,7 @@
           <a:p>
             <a:fld id="{6CEDDB51-4372-4FB4-AF49-668D4DCAAC25}" type="datetimeFigureOut">
               <a:rPr lang="en-US" smtClean="0"/>
-              <a:t>5/22/2018</a:t>
+              <a:t>5/23/2018</a:t>
             </a:fld>
             <a:endParaRPr lang="en-US"/>
           </a:p>
@@ -3144,3681 +3145,6 @@
   <p:cSld>
     <p:bg>
       <p:bgPr>
-        <a:gradFill flip="none" rotWithShape="1">
-          <a:gsLst>
-            <a:gs pos="0">
-              <a:schemeClr val="accent4">
-                <a:lumMod val="89000"/>
-              </a:schemeClr>
-            </a:gs>
-            <a:gs pos="23000">
-              <a:schemeClr val="accent4">
-                <a:lumMod val="89000"/>
-              </a:schemeClr>
-            </a:gs>
-            <a:gs pos="69000">
-              <a:schemeClr val="accent4">
-                <a:lumMod val="75000"/>
-              </a:schemeClr>
-            </a:gs>
-            <a:gs pos="97000">
-              <a:schemeClr val="accent4">
-                <a:lumMod val="70000"/>
-              </a:schemeClr>
-            </a:gs>
-          </a:gsLst>
-          <a:path path="circle">
-            <a:fillToRect l="50000" t="50000" r="50000" b="50000"/>
-          </a:path>
-          <a:tileRect/>
-        </a:gradFill>
-        <a:effectLst/>
-      </p:bgPr>
-    </p:bg>
-    <p:spTree>
-      <p:nvGrpSpPr>
-        <p:cNvPr id="1" name=""/>
-        <p:cNvGrpSpPr/>
-        <p:nvPr/>
-      </p:nvGrpSpPr>
-      <p:grpSpPr>
-        <a:xfrm>
-          <a:off x="0" y="0"/>
-          <a:ext cx="0" cy="0"/>
-          <a:chOff x="0" y="0"/>
-          <a:chExt cx="0" cy="0"/>
-        </a:xfrm>
-      </p:grpSpPr>
-      <p:sp>
-        <p:nvSpPr>
-          <p:cNvPr id="2" name="Title 1"/>
-          <p:cNvSpPr>
-            <a:spLocks noGrp="1"/>
-          </p:cNvSpPr>
-          <p:nvPr>
-            <p:ph type="ctrTitle"/>
-          </p:nvPr>
-        </p:nvSpPr>
-        <p:spPr>
-          <a:xfrm>
-            <a:off x="1524000" y="1122363"/>
-            <a:ext cx="9144000" cy="4153022"/>
-          </a:xfrm>
-          <a:solidFill>
-            <a:schemeClr val="accent4">
-              <a:lumMod val="75000"/>
-            </a:schemeClr>
-          </a:solidFill>
-        </p:spPr>
-        <p:txBody>
-          <a:bodyPr anchor="ctr">
-            <a:noAutofit/>
-          </a:bodyPr>
-          <a:lstStyle/>
-          <a:p>
-            <a:r>
-              <a:rPr lang="en-US" sz="11500" dirty="0">
-                <a:solidFill>
-                  <a:srgbClr val="FFFF00"/>
-                </a:solidFill>
-              </a:rPr>
-              <a:t>Thanks To All</a:t>
-            </a:r>
-            <a:endParaRPr lang="en-US" sz="11500" dirty="0">
-              <a:solidFill>
-                <a:srgbClr val="FFFF00"/>
-              </a:solidFill>
-            </a:endParaRPr>
-          </a:p>
-        </p:txBody>
-      </p:sp>
-    </p:spTree>
-    <p:extLst>
-      <p:ext uri="{BB962C8B-B14F-4D97-AF65-F5344CB8AC3E}">
-        <p14:creationId xmlns:p14="http://schemas.microsoft.com/office/powerpoint/2010/main" val="849137660"/>
-      </p:ext>
-    </p:extLst>
-  </p:cSld>
-  <p:clrMapOvr>
-    <a:masterClrMapping/>
-  </p:clrMapOvr>
-  <p:timing>
-    <p:tnLst>
-      <p:par>
-        <p:cTn id="1" dur="indefinite" restart="never" nodeType="tmRoot">
-          <p:childTnLst>
-            <p:seq concurrent="1" nextAc="seek">
-              <p:cTn id="2" dur="indefinite" nodeType="mainSeq">
-                <p:childTnLst>
-                  <p:par>
-                    <p:cTn id="3" fill="hold">
-                      <p:stCondLst>
-                        <p:cond delay="indefinite"/>
-                      </p:stCondLst>
-                      <p:childTnLst>
-                        <p:par>
-                          <p:cTn id="4" fill="hold">
-                            <p:stCondLst>
-                              <p:cond delay="0"/>
-                            </p:stCondLst>
-                            <p:childTnLst>
-                              <p:par>
-                                <p:cTn id="5" presetID="16" presetClass="entr" presetSubtype="21" fill="hold" grpId="0" nodeType="clickEffect">
-                                  <p:stCondLst>
-                                    <p:cond delay="0"/>
-                                  </p:stCondLst>
-                                  <p:childTnLst>
-                                    <p:set>
-                                      <p:cBhvr>
-                                        <p:cTn id="6" dur="1" fill="hold">
-                                          <p:stCondLst>
-                                            <p:cond delay="0"/>
-                                          </p:stCondLst>
-                                        </p:cTn>
-                                        <p:tgtEl>
-                                          <p:spTgt spid="2"/>
-                                        </p:tgtEl>
-                                        <p:attrNameLst>
-                                          <p:attrName>style.visibility</p:attrName>
-                                        </p:attrNameLst>
-                                      </p:cBhvr>
-                                      <p:to>
-                                        <p:strVal val="visible"/>
-                                      </p:to>
-                                    </p:set>
-                                    <p:animEffect transition="in" filter="barn(inVertical)">
-                                      <p:cBhvr>
-                                        <p:cTn id="7" dur="500"/>
-                                        <p:tgtEl>
-                                          <p:spTgt spid="2"/>
-                                        </p:tgtEl>
-                                      </p:cBhvr>
-                                    </p:animEffect>
-                                  </p:childTnLst>
-                                </p:cTn>
-                              </p:par>
-                            </p:childTnLst>
-                          </p:cTn>
-                        </p:par>
-                      </p:childTnLst>
-                    </p:cTn>
-                  </p:par>
-                </p:childTnLst>
-              </p:cTn>
-              <p:prevCondLst>
-                <p:cond evt="onPrev" delay="0">
-                  <p:tgtEl>
-                    <p:sldTgt/>
-                  </p:tgtEl>
-                </p:cond>
-              </p:prevCondLst>
-              <p:nextCondLst>
-                <p:cond evt="onNext" delay="0">
-                  <p:tgtEl>
-                    <p:sldTgt/>
-                  </p:tgtEl>
-                </p:cond>
-              </p:nextCondLst>
-            </p:seq>
-          </p:childTnLst>
-        </p:cTn>
-      </p:par>
-    </p:tnLst>
-    <p:bldLst>
-      <p:bldP spid="2" grpId="0" animBg="1"/>
-    </p:bldLst>
-  </p:timing>
-</p:sld>
-</file>
-
-<file path=ppt/slides/slide2.xml><?xml version="1.0" encoding="utf-8"?>
-<p:sld xmlns:a="http://schemas.openxmlformats.org/drawingml/2006/main" xmlns:r="http://schemas.openxmlformats.org/officeDocument/2006/relationships" xmlns:p="http://schemas.openxmlformats.org/presentationml/2006/main">
-  <p:cSld>
-    <p:bg>
-      <p:bgPr>
-        <a:solidFill>
-          <a:schemeClr val="accent4">
-            <a:lumMod val="75000"/>
-          </a:schemeClr>
-        </a:solidFill>
-        <a:effectLst/>
-      </p:bgPr>
-    </p:bg>
-    <p:spTree>
-      <p:nvGrpSpPr>
-        <p:cNvPr id="1" name=""/>
-        <p:cNvGrpSpPr/>
-        <p:nvPr/>
-      </p:nvGrpSpPr>
-      <p:grpSpPr>
-        <a:xfrm>
-          <a:off x="0" y="0"/>
-          <a:ext cx="0" cy="0"/>
-          <a:chOff x="0" y="0"/>
-          <a:chExt cx="0" cy="0"/>
-        </a:xfrm>
-      </p:grpSpPr>
-      <p:sp>
-        <p:nvSpPr>
-          <p:cNvPr id="2" name="Title 1"/>
-          <p:cNvSpPr>
-            <a:spLocks noGrp="1"/>
-          </p:cNvSpPr>
-          <p:nvPr>
-            <p:ph type="title"/>
-          </p:nvPr>
-        </p:nvSpPr>
-        <p:spPr>
-          <a:xfrm>
-            <a:off x="838199" y="239151"/>
-            <a:ext cx="10556631" cy="858129"/>
-          </a:xfrm>
-          <a:gradFill>
-            <a:gsLst>
-              <a:gs pos="0">
-                <a:schemeClr val="accent4">
-                  <a:lumMod val="89000"/>
-                </a:schemeClr>
-              </a:gs>
-              <a:gs pos="23000">
-                <a:schemeClr val="accent4">
-                  <a:lumMod val="89000"/>
-                </a:schemeClr>
-              </a:gs>
-              <a:gs pos="69000">
-                <a:schemeClr val="accent4">
-                  <a:lumMod val="75000"/>
-                </a:schemeClr>
-              </a:gs>
-              <a:gs pos="97000">
-                <a:schemeClr val="accent4">
-                  <a:lumMod val="70000"/>
-                </a:schemeClr>
-              </a:gs>
-            </a:gsLst>
-            <a:path path="circle">
-              <a:fillToRect l="50000" t="50000" r="50000" b="50000"/>
-            </a:path>
-          </a:gradFill>
-        </p:spPr>
-        <p:txBody>
-          <a:bodyPr/>
-          <a:lstStyle/>
-          <a:p>
-            <a:pPr algn="ctr"/>
-            <a:r>
-              <a:rPr lang="en-US" b="1" dirty="0" smtClean="0"/>
-              <a:t>User Stories</a:t>
-            </a:r>
-            <a:endParaRPr lang="en-US" b="1" dirty="0"/>
-          </a:p>
-        </p:txBody>
-      </p:sp>
-      <p:sp>
-        <p:nvSpPr>
-          <p:cNvPr id="3" name="Content Placeholder 2"/>
-          <p:cNvSpPr>
-            <a:spLocks noGrp="1"/>
-          </p:cNvSpPr>
-          <p:nvPr>
-            <p:ph idx="1"/>
-          </p:nvPr>
-        </p:nvSpPr>
-        <p:spPr/>
-        <p:txBody>
-          <a:bodyPr>
-            <a:normAutofit fontScale="92500" lnSpcReduction="10000"/>
-          </a:bodyPr>
-          <a:lstStyle/>
-          <a:p>
-            <a:pPr marL="514350" indent="-514350">
-              <a:buFont typeface="Arial" panose="020B0604020202020204" pitchFamily="34" charset="0"/>
-              <a:buAutoNum type="arabicPeriod"/>
-            </a:pPr>
-            <a:r>
-              <a:rPr lang="en-US" dirty="0"/>
-              <a:t>As a </a:t>
-            </a:r>
-            <a:r>
-              <a:rPr lang="en-US" dirty="0">
-                <a:solidFill>
-                  <a:schemeClr val="accent1">
-                    <a:lumMod val="75000"/>
-                  </a:schemeClr>
-                </a:solidFill>
-              </a:rPr>
-              <a:t>user</a:t>
-            </a:r>
-            <a:r>
-              <a:rPr lang="en-US" dirty="0"/>
-              <a:t> I want to </a:t>
-            </a:r>
-            <a:r>
-              <a:rPr lang="en-US" dirty="0" smtClean="0">
-                <a:solidFill>
-                  <a:schemeClr val="accent1">
-                    <a:lumMod val="75000"/>
-                  </a:schemeClr>
-                </a:solidFill>
-              </a:rPr>
-              <a:t>login</a:t>
-            </a:r>
-            <a:r>
-              <a:rPr lang="en-US" dirty="0" smtClean="0"/>
-              <a:t>. </a:t>
-            </a:r>
-            <a:r>
-              <a:rPr lang="en-US" dirty="0"/>
-              <a:t>So that </a:t>
-            </a:r>
-            <a:r>
-              <a:rPr lang="en-US" dirty="0">
-                <a:solidFill>
-                  <a:schemeClr val="accent1">
-                    <a:lumMod val="75000"/>
-                  </a:schemeClr>
-                </a:solidFill>
-              </a:rPr>
-              <a:t>create </a:t>
-            </a:r>
-            <a:r>
-              <a:rPr lang="en-US" dirty="0" smtClean="0">
-                <a:solidFill>
-                  <a:schemeClr val="accent1">
-                    <a:lumMod val="75000"/>
-                  </a:schemeClr>
-                </a:solidFill>
-              </a:rPr>
-              <a:t>login </a:t>
-            </a:r>
-            <a:r>
-              <a:rPr lang="en-US" dirty="0">
-                <a:solidFill>
-                  <a:schemeClr val="accent1">
-                    <a:lumMod val="75000"/>
-                  </a:schemeClr>
-                </a:solidFill>
-              </a:rPr>
-              <a:t>form</a:t>
-            </a:r>
-            <a:r>
-              <a:rPr lang="en-US" dirty="0" smtClean="0"/>
-              <a:t>.</a:t>
-            </a:r>
-          </a:p>
-          <a:p>
-            <a:pPr marL="514350" indent="-514350">
-              <a:buFont typeface="Arial" panose="020B0604020202020204" pitchFamily="34" charset="0"/>
-              <a:buAutoNum type="arabicPeriod"/>
-            </a:pPr>
-            <a:r>
-              <a:rPr lang="en-US" dirty="0"/>
-              <a:t>As a </a:t>
-            </a:r>
-            <a:r>
-              <a:rPr lang="en-US" dirty="0">
-                <a:solidFill>
-                  <a:schemeClr val="accent1">
-                    <a:lumMod val="75000"/>
-                  </a:schemeClr>
-                </a:solidFill>
-              </a:rPr>
-              <a:t>user</a:t>
-            </a:r>
-            <a:r>
-              <a:rPr lang="en-US" dirty="0"/>
-              <a:t> I want to </a:t>
-            </a:r>
-            <a:r>
-              <a:rPr lang="en-US" dirty="0" smtClean="0">
-                <a:solidFill>
-                  <a:schemeClr val="accent1">
-                    <a:lumMod val="75000"/>
-                  </a:schemeClr>
-                </a:solidFill>
-              </a:rPr>
-              <a:t>search vehicle</a:t>
-            </a:r>
-            <a:r>
-              <a:rPr lang="en-US" dirty="0" smtClean="0"/>
-              <a:t>. </a:t>
-            </a:r>
-            <a:r>
-              <a:rPr lang="en-US" dirty="0"/>
-              <a:t>So that </a:t>
-            </a:r>
-            <a:r>
-              <a:rPr lang="en-US" dirty="0">
-                <a:solidFill>
-                  <a:schemeClr val="accent1">
-                    <a:lumMod val="75000"/>
-                  </a:schemeClr>
-                </a:solidFill>
-              </a:rPr>
-              <a:t>create </a:t>
-            </a:r>
-            <a:r>
-              <a:rPr lang="en-US" dirty="0" smtClean="0">
-                <a:solidFill>
-                  <a:schemeClr val="accent1">
-                    <a:lumMod val="75000"/>
-                  </a:schemeClr>
-                </a:solidFill>
-              </a:rPr>
-              <a:t>search option</a:t>
-            </a:r>
-            <a:r>
-              <a:rPr lang="en-US" dirty="0" smtClean="0"/>
-              <a:t>.</a:t>
-            </a:r>
-          </a:p>
-          <a:p>
-            <a:pPr marL="514350" indent="-514350">
-              <a:buAutoNum type="arabicPeriod"/>
-            </a:pPr>
-            <a:r>
-              <a:rPr lang="en-US" dirty="0" smtClean="0"/>
-              <a:t>As a </a:t>
-            </a:r>
-            <a:r>
-              <a:rPr lang="en-US" dirty="0" smtClean="0">
-                <a:solidFill>
-                  <a:schemeClr val="accent1">
-                    <a:lumMod val="75000"/>
-                  </a:schemeClr>
-                </a:solidFill>
-              </a:rPr>
-              <a:t>user</a:t>
-            </a:r>
-            <a:r>
-              <a:rPr lang="en-US" dirty="0" smtClean="0"/>
-              <a:t> I want to </a:t>
-            </a:r>
-            <a:r>
-              <a:rPr lang="en-US" dirty="0" smtClean="0">
-                <a:solidFill>
-                  <a:schemeClr val="accent1">
-                    <a:lumMod val="75000"/>
-                  </a:schemeClr>
-                </a:solidFill>
-              </a:rPr>
-              <a:t>send a requisition for vehicle</a:t>
-            </a:r>
-            <a:r>
-              <a:rPr lang="en-US" dirty="0" smtClean="0"/>
-              <a:t>. So that </a:t>
-            </a:r>
-            <a:r>
-              <a:rPr lang="en-US" dirty="0" smtClean="0">
-                <a:solidFill>
-                  <a:schemeClr val="accent1">
-                    <a:lumMod val="75000"/>
-                  </a:schemeClr>
-                </a:solidFill>
-              </a:rPr>
-              <a:t>create requisition form</a:t>
-            </a:r>
-            <a:r>
-              <a:rPr lang="en-US" dirty="0" smtClean="0"/>
-              <a:t>.</a:t>
-            </a:r>
-          </a:p>
-          <a:p>
-            <a:pPr marL="514350" indent="-514350">
-              <a:buFont typeface="Arial" panose="020B0604020202020204" pitchFamily="34" charset="0"/>
-              <a:buAutoNum type="arabicPeriod"/>
-            </a:pPr>
-            <a:r>
-              <a:rPr lang="en-US" dirty="0"/>
-              <a:t>As a </a:t>
-            </a:r>
-            <a:r>
-              <a:rPr lang="en-US" dirty="0">
-                <a:solidFill>
-                  <a:schemeClr val="accent1">
-                    <a:lumMod val="75000"/>
-                  </a:schemeClr>
-                </a:solidFill>
-              </a:rPr>
-              <a:t>user</a:t>
-            </a:r>
-            <a:r>
-              <a:rPr lang="en-US" dirty="0"/>
-              <a:t> I want to </a:t>
-            </a:r>
-            <a:r>
-              <a:rPr lang="en-US" dirty="0" smtClean="0">
-                <a:solidFill>
-                  <a:schemeClr val="accent1">
-                    <a:lumMod val="75000"/>
-                  </a:schemeClr>
-                </a:solidFill>
-              </a:rPr>
-              <a:t>cancel requisition</a:t>
-            </a:r>
-            <a:r>
-              <a:rPr lang="en-US" dirty="0" smtClean="0"/>
-              <a:t>. </a:t>
-            </a:r>
-            <a:r>
-              <a:rPr lang="en-US" dirty="0"/>
-              <a:t>So that </a:t>
-            </a:r>
-            <a:r>
-              <a:rPr lang="en-US" dirty="0">
-                <a:solidFill>
-                  <a:schemeClr val="accent1">
-                    <a:lumMod val="75000"/>
-                  </a:schemeClr>
-                </a:solidFill>
-              </a:rPr>
-              <a:t>create </a:t>
-            </a:r>
-            <a:r>
-              <a:rPr lang="en-US" dirty="0" smtClean="0">
-                <a:solidFill>
-                  <a:schemeClr val="accent1">
-                    <a:lumMod val="75000"/>
-                  </a:schemeClr>
-                </a:solidFill>
-              </a:rPr>
-              <a:t>cancel button</a:t>
-            </a:r>
-            <a:r>
-              <a:rPr lang="en-US" dirty="0" smtClean="0"/>
-              <a:t>.</a:t>
-            </a:r>
-          </a:p>
-          <a:p>
-            <a:pPr marL="514350" indent="-514350">
-              <a:buFont typeface="Arial" panose="020B0604020202020204" pitchFamily="34" charset="0"/>
-              <a:buAutoNum type="arabicPeriod"/>
-            </a:pPr>
-            <a:r>
-              <a:rPr lang="en-US" dirty="0"/>
-              <a:t>As a </a:t>
-            </a:r>
-            <a:r>
-              <a:rPr lang="en-US" dirty="0">
-                <a:solidFill>
-                  <a:schemeClr val="accent1">
-                    <a:lumMod val="75000"/>
-                  </a:schemeClr>
-                </a:solidFill>
-              </a:rPr>
-              <a:t>user</a:t>
-            </a:r>
-            <a:r>
-              <a:rPr lang="en-US" dirty="0"/>
-              <a:t> I want </a:t>
-            </a:r>
-            <a:r>
-              <a:rPr lang="en-US" dirty="0" smtClean="0"/>
-              <a:t>to </a:t>
-            </a:r>
-            <a:r>
-              <a:rPr lang="en-US" dirty="0" smtClean="0">
-                <a:solidFill>
-                  <a:schemeClr val="accent1">
-                    <a:lumMod val="75000"/>
-                  </a:schemeClr>
-                </a:solidFill>
-              </a:rPr>
-              <a:t>select vehicle and driver</a:t>
-            </a:r>
-            <a:r>
-              <a:rPr lang="en-US" dirty="0" smtClean="0"/>
-              <a:t>. </a:t>
-            </a:r>
-            <a:r>
-              <a:rPr lang="en-US" dirty="0"/>
-              <a:t>So that </a:t>
-            </a:r>
-            <a:r>
-              <a:rPr lang="en-US" dirty="0" smtClean="0">
-                <a:solidFill>
-                  <a:schemeClr val="accent1">
-                    <a:lumMod val="75000"/>
-                  </a:schemeClr>
-                </a:solidFill>
-              </a:rPr>
-              <a:t>create a option for select</a:t>
-            </a:r>
-            <a:r>
-              <a:rPr lang="en-US" dirty="0"/>
-              <a:t>.</a:t>
-            </a:r>
-          </a:p>
-          <a:p>
-            <a:pPr marL="514350" indent="-514350">
-              <a:buFont typeface="Arial" panose="020B0604020202020204" pitchFamily="34" charset="0"/>
-              <a:buAutoNum type="arabicPeriod"/>
-            </a:pPr>
-            <a:r>
-              <a:rPr lang="en-US" dirty="0"/>
-              <a:t>As a </a:t>
-            </a:r>
-            <a:r>
-              <a:rPr lang="en-US" dirty="0">
-                <a:solidFill>
-                  <a:schemeClr val="accent1">
-                    <a:lumMod val="75000"/>
-                  </a:schemeClr>
-                </a:solidFill>
-              </a:rPr>
-              <a:t>user</a:t>
-            </a:r>
-            <a:r>
-              <a:rPr lang="en-US" dirty="0"/>
-              <a:t> I want to </a:t>
-            </a:r>
-            <a:r>
-              <a:rPr lang="en-US" dirty="0" smtClean="0">
-                <a:solidFill>
-                  <a:schemeClr val="accent1">
-                    <a:lumMod val="75000"/>
-                  </a:schemeClr>
-                </a:solidFill>
-              </a:rPr>
-              <a:t>get a conformation message in mail or mobile</a:t>
-            </a:r>
-            <a:r>
-              <a:rPr lang="en-US" dirty="0" smtClean="0"/>
-              <a:t>. </a:t>
-            </a:r>
-            <a:r>
-              <a:rPr lang="en-US" dirty="0"/>
-              <a:t>So that </a:t>
-            </a:r>
-            <a:r>
-              <a:rPr lang="en-US" dirty="0" smtClean="0">
-                <a:solidFill>
-                  <a:schemeClr val="accent1">
-                    <a:lumMod val="75000"/>
-                  </a:schemeClr>
-                </a:solidFill>
-              </a:rPr>
-              <a:t>create a info option</a:t>
-            </a:r>
-            <a:r>
-              <a:rPr lang="en-US" dirty="0" smtClean="0"/>
-              <a:t>.</a:t>
-            </a:r>
-          </a:p>
-          <a:p>
-            <a:pPr marL="514350" indent="-514350">
-              <a:buFont typeface="Arial" panose="020B0604020202020204" pitchFamily="34" charset="0"/>
-              <a:buAutoNum type="arabicPeriod"/>
-            </a:pPr>
-            <a:r>
-              <a:rPr lang="en-US" dirty="0"/>
-              <a:t>As a </a:t>
-            </a:r>
-            <a:r>
-              <a:rPr lang="en-US" dirty="0">
-                <a:solidFill>
-                  <a:schemeClr val="accent1">
-                    <a:lumMod val="75000"/>
-                  </a:schemeClr>
-                </a:solidFill>
-              </a:rPr>
-              <a:t>user</a:t>
-            </a:r>
-            <a:r>
-              <a:rPr lang="en-US" dirty="0"/>
-              <a:t> I want to </a:t>
-            </a:r>
-            <a:r>
-              <a:rPr lang="en-US" dirty="0" smtClean="0">
-                <a:solidFill>
-                  <a:schemeClr val="accent1">
-                    <a:lumMod val="75000"/>
-                  </a:schemeClr>
-                </a:solidFill>
-              </a:rPr>
-              <a:t>print requisition copy </a:t>
-            </a:r>
-            <a:r>
-              <a:rPr lang="en-US" dirty="0" smtClean="0"/>
-              <a:t>. </a:t>
-            </a:r>
-            <a:r>
-              <a:rPr lang="en-US" dirty="0"/>
-              <a:t>So that </a:t>
-            </a:r>
-            <a:r>
-              <a:rPr lang="en-US" dirty="0">
-                <a:solidFill>
-                  <a:schemeClr val="accent1">
-                    <a:lumMod val="75000"/>
-                  </a:schemeClr>
-                </a:solidFill>
-              </a:rPr>
-              <a:t>create a </a:t>
-            </a:r>
-            <a:r>
-              <a:rPr lang="en-US" dirty="0" smtClean="0">
-                <a:solidFill>
-                  <a:schemeClr val="accent1">
-                    <a:lumMod val="75000"/>
-                  </a:schemeClr>
-                </a:solidFill>
-              </a:rPr>
-              <a:t>print </a:t>
-            </a:r>
-            <a:r>
-              <a:rPr lang="en-US" dirty="0">
-                <a:solidFill>
-                  <a:schemeClr val="accent1">
-                    <a:lumMod val="75000"/>
-                  </a:schemeClr>
-                </a:solidFill>
-              </a:rPr>
-              <a:t>option</a:t>
-            </a:r>
-            <a:r>
-              <a:rPr lang="en-US" dirty="0"/>
-              <a:t>.</a:t>
-            </a:r>
-          </a:p>
-          <a:p>
-            <a:pPr marL="0" indent="0">
-              <a:buNone/>
-            </a:pPr>
-            <a:endParaRPr lang="en-US" dirty="0"/>
-          </a:p>
-          <a:p>
-            <a:pPr marL="514350" indent="-514350">
-              <a:buAutoNum type="arabicPeriod"/>
-            </a:pPr>
-            <a:endParaRPr lang="en-US" dirty="0"/>
-          </a:p>
-        </p:txBody>
-      </p:sp>
-      <p:sp>
-        <p:nvSpPr>
-          <p:cNvPr id="4" name="Title 1"/>
-          <p:cNvSpPr txBox="1">
-            <a:spLocks/>
-          </p:cNvSpPr>
-          <p:nvPr/>
-        </p:nvSpPr>
-        <p:spPr>
-          <a:xfrm>
-            <a:off x="817684" y="1122240"/>
-            <a:ext cx="10556631" cy="703385"/>
-          </a:xfrm>
-          <a:prstGeom prst="rect">
-            <a:avLst/>
-          </a:prstGeom>
-          <a:noFill/>
-        </p:spPr>
-        <p:txBody>
-          <a:bodyPr vert="horz" lIns="91440" tIns="45720" rIns="91440" bIns="45720" rtlCol="0" anchor="ctr">
-            <a:normAutofit/>
-          </a:bodyPr>
-          <a:lstStyle>
-            <a:lvl1pPr algn="l" defTabSz="914400" rtl="0" eaLnBrk="1" latinLnBrk="0" hangingPunct="1">
-              <a:lnSpc>
-                <a:spcPct val="90000"/>
-              </a:lnSpc>
-              <a:spcBef>
-                <a:spcPct val="0"/>
-              </a:spcBef>
-              <a:buNone/>
-              <a:defRPr sz="4400" kern="1200">
-                <a:solidFill>
-                  <a:schemeClr val="tx1"/>
-                </a:solidFill>
-                <a:latin typeface="+mj-lt"/>
-                <a:ea typeface="+mj-ea"/>
-                <a:cs typeface="+mj-cs"/>
-              </a:defRPr>
-            </a:lvl1pPr>
-          </a:lstStyle>
-          <a:p>
-            <a:r>
-              <a:rPr lang="en-US" sz="3600" dirty="0" smtClean="0">
-                <a:solidFill>
-                  <a:schemeClr val="bg1"/>
-                </a:solidFill>
-              </a:rPr>
-              <a:t>Back Log for user</a:t>
-            </a:r>
-            <a:endParaRPr lang="en-US" sz="3600" dirty="0">
-              <a:solidFill>
-                <a:schemeClr val="bg1"/>
-              </a:solidFill>
-            </a:endParaRPr>
-          </a:p>
-        </p:txBody>
-      </p:sp>
-    </p:spTree>
-    <p:extLst>
-      <p:ext uri="{BB962C8B-B14F-4D97-AF65-F5344CB8AC3E}">
-        <p14:creationId xmlns:p14="http://schemas.microsoft.com/office/powerpoint/2010/main" val="1445338898"/>
-      </p:ext>
-    </p:extLst>
-  </p:cSld>
-  <p:clrMapOvr>
-    <a:masterClrMapping/>
-  </p:clrMapOvr>
-  <p:timing>
-    <p:tnLst>
-      <p:par>
-        <p:cTn id="1" dur="indefinite" restart="never" nodeType="tmRoot"/>
-      </p:par>
-    </p:tnLst>
-  </p:timing>
-</p:sld>
-</file>
-
-<file path=ppt/slides/slide3.xml><?xml version="1.0" encoding="utf-8"?>
-<p:sld xmlns:a="http://schemas.openxmlformats.org/drawingml/2006/main" xmlns:r="http://schemas.openxmlformats.org/officeDocument/2006/relationships" xmlns:p="http://schemas.openxmlformats.org/presentationml/2006/main">
-  <p:cSld>
-    <p:bg>
-      <p:bgPr>
-        <a:solidFill>
-          <a:schemeClr val="accent4">
-            <a:lumMod val="75000"/>
-          </a:schemeClr>
-        </a:solidFill>
-        <a:effectLst/>
-      </p:bgPr>
-    </p:bg>
-    <p:spTree>
-      <p:nvGrpSpPr>
-        <p:cNvPr id="1" name=""/>
-        <p:cNvGrpSpPr/>
-        <p:nvPr/>
-      </p:nvGrpSpPr>
-      <p:grpSpPr>
-        <a:xfrm>
-          <a:off x="0" y="0"/>
-          <a:ext cx="0" cy="0"/>
-          <a:chOff x="0" y="0"/>
-          <a:chExt cx="0" cy="0"/>
-        </a:xfrm>
-      </p:grpSpPr>
-      <p:sp>
-        <p:nvSpPr>
-          <p:cNvPr id="2" name="Title 1"/>
-          <p:cNvSpPr>
-            <a:spLocks noGrp="1"/>
-          </p:cNvSpPr>
-          <p:nvPr>
-            <p:ph type="title"/>
-          </p:nvPr>
-        </p:nvSpPr>
-        <p:spPr>
-          <a:xfrm>
-            <a:off x="838199" y="239151"/>
-            <a:ext cx="10556631" cy="858129"/>
-          </a:xfrm>
-          <a:gradFill>
-            <a:gsLst>
-              <a:gs pos="0">
-                <a:schemeClr val="accent4">
-                  <a:lumMod val="89000"/>
-                </a:schemeClr>
-              </a:gs>
-              <a:gs pos="23000">
-                <a:schemeClr val="accent4">
-                  <a:lumMod val="89000"/>
-                </a:schemeClr>
-              </a:gs>
-              <a:gs pos="69000">
-                <a:schemeClr val="accent4">
-                  <a:lumMod val="75000"/>
-                </a:schemeClr>
-              </a:gs>
-              <a:gs pos="97000">
-                <a:schemeClr val="accent4">
-                  <a:lumMod val="70000"/>
-                </a:schemeClr>
-              </a:gs>
-            </a:gsLst>
-            <a:path path="circle">
-              <a:fillToRect l="50000" t="50000" r="50000" b="50000"/>
-            </a:path>
-          </a:gradFill>
-        </p:spPr>
-        <p:txBody>
-          <a:bodyPr/>
-          <a:lstStyle/>
-          <a:p>
-            <a:pPr algn="ctr"/>
-            <a:r>
-              <a:rPr lang="en-US" b="1" dirty="0" smtClean="0"/>
-              <a:t>User Stories</a:t>
-            </a:r>
-            <a:endParaRPr lang="en-US" b="1" dirty="0"/>
-          </a:p>
-        </p:txBody>
-      </p:sp>
-      <p:sp>
-        <p:nvSpPr>
-          <p:cNvPr id="3" name="Content Placeholder 2"/>
-          <p:cNvSpPr>
-            <a:spLocks noGrp="1"/>
-          </p:cNvSpPr>
-          <p:nvPr>
-            <p:ph idx="1"/>
-          </p:nvPr>
-        </p:nvSpPr>
-        <p:spPr/>
-        <p:txBody>
-          <a:bodyPr/>
-          <a:lstStyle/>
-          <a:p>
-            <a:pPr marL="514350" indent="-514350">
-              <a:buAutoNum type="arabicPeriod"/>
-            </a:pPr>
-            <a:r>
-              <a:rPr lang="en-US" dirty="0" smtClean="0"/>
-              <a:t>As a </a:t>
-            </a:r>
-            <a:r>
-              <a:rPr lang="en-US" dirty="0" smtClean="0">
-                <a:solidFill>
-                  <a:schemeClr val="accent1">
-                    <a:lumMod val="75000"/>
-                  </a:schemeClr>
-                </a:solidFill>
-              </a:rPr>
-              <a:t>admin </a:t>
-            </a:r>
-            <a:r>
-              <a:rPr lang="en-US" dirty="0" smtClean="0"/>
-              <a:t>I want to </a:t>
-            </a:r>
-            <a:r>
-              <a:rPr lang="en-US" dirty="0" smtClean="0">
-                <a:solidFill>
-                  <a:schemeClr val="accent1">
-                    <a:lumMod val="75000"/>
-                  </a:schemeClr>
-                </a:solidFill>
-              </a:rPr>
-              <a:t>get user list</a:t>
-            </a:r>
-            <a:r>
-              <a:rPr lang="en-US" dirty="0" smtClean="0"/>
-              <a:t>. So that </a:t>
-            </a:r>
-            <a:r>
-              <a:rPr lang="en-US" dirty="0" smtClean="0">
-                <a:solidFill>
-                  <a:schemeClr val="accent1">
-                    <a:lumMod val="75000"/>
-                  </a:schemeClr>
-                </a:solidFill>
-              </a:rPr>
-              <a:t>create a user list</a:t>
-            </a:r>
-            <a:r>
-              <a:rPr lang="en-US" dirty="0" smtClean="0"/>
-              <a:t>.</a:t>
-            </a:r>
-          </a:p>
-          <a:p>
-            <a:pPr marL="514350" indent="-514350">
-              <a:buFont typeface="Arial" panose="020B0604020202020204" pitchFamily="34" charset="0"/>
-              <a:buAutoNum type="arabicPeriod"/>
-            </a:pPr>
-            <a:r>
-              <a:rPr lang="en-US" dirty="0"/>
-              <a:t>As a </a:t>
-            </a:r>
-            <a:r>
-              <a:rPr lang="en-US" dirty="0" smtClean="0">
-                <a:solidFill>
-                  <a:schemeClr val="accent1">
-                    <a:lumMod val="75000"/>
-                  </a:schemeClr>
-                </a:solidFill>
-              </a:rPr>
-              <a:t>admin</a:t>
-            </a:r>
-            <a:r>
-              <a:rPr lang="en-US" dirty="0" smtClean="0"/>
-              <a:t> </a:t>
-            </a:r>
-            <a:r>
-              <a:rPr lang="en-US" dirty="0"/>
-              <a:t>I want </a:t>
-            </a:r>
-            <a:r>
-              <a:rPr lang="en-US" dirty="0" smtClean="0"/>
-              <a:t>to </a:t>
-            </a:r>
-            <a:r>
-              <a:rPr lang="en-US" dirty="0" smtClean="0">
-                <a:solidFill>
-                  <a:schemeClr val="accent1">
-                    <a:lumMod val="75000"/>
-                  </a:schemeClr>
-                </a:solidFill>
-              </a:rPr>
-              <a:t>create vehicle list</a:t>
-            </a:r>
-            <a:r>
-              <a:rPr lang="en-US" dirty="0" smtClean="0"/>
-              <a:t>. </a:t>
-            </a:r>
-            <a:r>
-              <a:rPr lang="en-US" dirty="0"/>
-              <a:t>So that </a:t>
-            </a:r>
-            <a:r>
-              <a:rPr lang="en-US" dirty="0" smtClean="0">
-                <a:solidFill>
-                  <a:schemeClr val="accent1">
-                    <a:lumMod val="75000"/>
-                  </a:schemeClr>
-                </a:solidFill>
-              </a:rPr>
-              <a:t>create a option for vehicle entry</a:t>
-            </a:r>
-            <a:r>
-              <a:rPr lang="en-US" dirty="0" smtClean="0"/>
-              <a:t>.</a:t>
-            </a:r>
-            <a:endParaRPr lang="en-US" dirty="0"/>
-          </a:p>
-          <a:p>
-            <a:pPr marL="514350" indent="-514350">
-              <a:buFont typeface="Arial" panose="020B0604020202020204" pitchFamily="34" charset="0"/>
-              <a:buAutoNum type="arabicPeriod"/>
-            </a:pPr>
-            <a:r>
-              <a:rPr lang="en-US" dirty="0"/>
-              <a:t>As a </a:t>
-            </a:r>
-            <a:r>
-              <a:rPr lang="en-US" dirty="0" smtClean="0">
-                <a:solidFill>
-                  <a:schemeClr val="accent1">
-                    <a:lumMod val="75000"/>
-                  </a:schemeClr>
-                </a:solidFill>
-              </a:rPr>
-              <a:t>admin</a:t>
-            </a:r>
-            <a:r>
-              <a:rPr lang="en-US" dirty="0" smtClean="0"/>
-              <a:t> </a:t>
-            </a:r>
-            <a:r>
-              <a:rPr lang="en-US" dirty="0"/>
-              <a:t>I want to </a:t>
-            </a:r>
-            <a:r>
-              <a:rPr lang="en-US" dirty="0" smtClean="0">
-                <a:solidFill>
-                  <a:schemeClr val="accent1">
-                    <a:lumMod val="75000"/>
-                  </a:schemeClr>
-                </a:solidFill>
-              </a:rPr>
-              <a:t>create a driver list</a:t>
-            </a:r>
-            <a:r>
-              <a:rPr lang="en-US" dirty="0" smtClean="0"/>
-              <a:t>. </a:t>
-            </a:r>
-            <a:r>
-              <a:rPr lang="en-US" dirty="0"/>
-              <a:t>So that </a:t>
-            </a:r>
-            <a:r>
-              <a:rPr lang="en-US" dirty="0" smtClean="0">
-                <a:solidFill>
-                  <a:schemeClr val="accent1">
-                    <a:lumMod val="75000"/>
-                  </a:schemeClr>
-                </a:solidFill>
-              </a:rPr>
-              <a:t>create a option for driver entry</a:t>
-            </a:r>
-            <a:r>
-              <a:rPr lang="en-US" dirty="0" smtClean="0"/>
-              <a:t>.</a:t>
-            </a:r>
-          </a:p>
-          <a:p>
-            <a:pPr marL="514350" indent="-514350">
-              <a:buFont typeface="Arial" panose="020B0604020202020204" pitchFamily="34" charset="0"/>
-              <a:buAutoNum type="arabicPeriod"/>
-            </a:pPr>
-            <a:r>
-              <a:rPr lang="en-US" dirty="0"/>
-              <a:t>As a </a:t>
-            </a:r>
-            <a:r>
-              <a:rPr lang="en-US" dirty="0" smtClean="0">
-                <a:solidFill>
-                  <a:schemeClr val="accent1">
-                    <a:lumMod val="75000"/>
-                  </a:schemeClr>
-                </a:solidFill>
-              </a:rPr>
-              <a:t>admin</a:t>
-            </a:r>
-            <a:r>
-              <a:rPr lang="en-US" dirty="0" smtClean="0"/>
-              <a:t> </a:t>
-            </a:r>
-            <a:r>
-              <a:rPr lang="en-US" dirty="0"/>
-              <a:t>I want to </a:t>
-            </a:r>
-            <a:r>
-              <a:rPr lang="en-US" dirty="0" smtClean="0">
-                <a:solidFill>
-                  <a:schemeClr val="accent1">
-                    <a:lumMod val="75000"/>
-                  </a:schemeClr>
-                </a:solidFill>
-              </a:rPr>
-              <a:t>requisition search option</a:t>
-            </a:r>
-            <a:r>
-              <a:rPr lang="en-US" dirty="0" smtClean="0"/>
-              <a:t>. </a:t>
-            </a:r>
-            <a:r>
-              <a:rPr lang="en-US" dirty="0"/>
-              <a:t>So that </a:t>
-            </a:r>
-            <a:r>
-              <a:rPr lang="en-US" dirty="0">
-                <a:solidFill>
-                  <a:schemeClr val="accent1">
-                    <a:lumMod val="75000"/>
-                  </a:schemeClr>
-                </a:solidFill>
-              </a:rPr>
-              <a:t>create a </a:t>
-            </a:r>
-            <a:r>
-              <a:rPr lang="en-US" dirty="0" smtClean="0">
-                <a:solidFill>
-                  <a:schemeClr val="accent1">
-                    <a:lumMod val="75000"/>
-                  </a:schemeClr>
-                </a:solidFill>
-              </a:rPr>
-              <a:t>requisition list</a:t>
-            </a:r>
-            <a:r>
-              <a:rPr lang="en-US" dirty="0" smtClean="0"/>
-              <a:t>.</a:t>
-            </a:r>
-          </a:p>
-          <a:p>
-            <a:pPr marL="514350" indent="-514350">
-              <a:buFont typeface="Arial" panose="020B0604020202020204" pitchFamily="34" charset="0"/>
-              <a:buAutoNum type="arabicPeriod"/>
-            </a:pPr>
-            <a:r>
-              <a:rPr lang="en-US" dirty="0"/>
-              <a:t>As a </a:t>
-            </a:r>
-            <a:r>
-              <a:rPr lang="en-US" dirty="0">
-                <a:solidFill>
-                  <a:schemeClr val="accent1">
-                    <a:lumMod val="75000"/>
-                  </a:schemeClr>
-                </a:solidFill>
-              </a:rPr>
-              <a:t>admin</a:t>
-            </a:r>
-            <a:r>
-              <a:rPr lang="en-US" dirty="0"/>
-              <a:t> I want to </a:t>
-            </a:r>
-            <a:r>
-              <a:rPr lang="en-US" dirty="0" smtClean="0">
-                <a:solidFill>
-                  <a:schemeClr val="accent1">
-                    <a:lumMod val="75000"/>
-                  </a:schemeClr>
-                </a:solidFill>
-              </a:rPr>
-              <a:t>approve requisition </a:t>
-            </a:r>
-            <a:r>
-              <a:rPr lang="en-US" dirty="0"/>
-              <a:t>. So that </a:t>
-            </a:r>
-            <a:r>
-              <a:rPr lang="en-US" dirty="0">
-                <a:solidFill>
-                  <a:schemeClr val="accent1">
-                    <a:lumMod val="75000"/>
-                  </a:schemeClr>
-                </a:solidFill>
-              </a:rPr>
-              <a:t>create a </a:t>
-            </a:r>
-            <a:r>
-              <a:rPr lang="en-US" dirty="0" smtClean="0">
-                <a:solidFill>
-                  <a:schemeClr val="accent1">
-                    <a:lumMod val="75000"/>
-                  </a:schemeClr>
-                </a:solidFill>
-              </a:rPr>
-              <a:t>requisition approve field in </a:t>
-            </a:r>
-            <a:r>
-              <a:rPr lang="en-US" dirty="0">
-                <a:solidFill>
-                  <a:schemeClr val="accent1">
-                    <a:lumMod val="75000"/>
-                  </a:schemeClr>
-                </a:solidFill>
-              </a:rPr>
-              <a:t>list</a:t>
-            </a:r>
-            <a:r>
-              <a:rPr lang="en-US" dirty="0"/>
-              <a:t>.</a:t>
-            </a:r>
-          </a:p>
-          <a:p>
-            <a:pPr marL="0" indent="0">
-              <a:buNone/>
-            </a:pPr>
-            <a:endParaRPr lang="en-US" dirty="0" smtClean="0"/>
-          </a:p>
-          <a:p>
-            <a:pPr marL="514350" indent="-514350">
-              <a:buFont typeface="Arial" panose="020B0604020202020204" pitchFamily="34" charset="0"/>
-              <a:buAutoNum type="arabicPeriod"/>
-            </a:pPr>
-            <a:endParaRPr lang="en-US" dirty="0"/>
-          </a:p>
-          <a:p>
-            <a:pPr marL="0" indent="0">
-              <a:buNone/>
-            </a:pPr>
-            <a:endParaRPr lang="en-US" dirty="0"/>
-          </a:p>
-          <a:p>
-            <a:pPr marL="514350" indent="-514350">
-              <a:buAutoNum type="arabicPeriod"/>
-            </a:pPr>
-            <a:endParaRPr lang="en-US" dirty="0"/>
-          </a:p>
-        </p:txBody>
-      </p:sp>
-      <p:sp>
-        <p:nvSpPr>
-          <p:cNvPr id="4" name="Title 1"/>
-          <p:cNvSpPr txBox="1">
-            <a:spLocks/>
-          </p:cNvSpPr>
-          <p:nvPr/>
-        </p:nvSpPr>
-        <p:spPr>
-          <a:xfrm>
-            <a:off x="817684" y="1122240"/>
-            <a:ext cx="10556631" cy="703385"/>
-          </a:xfrm>
-          <a:prstGeom prst="rect">
-            <a:avLst/>
-          </a:prstGeom>
-        </p:spPr>
-        <p:txBody>
-          <a:bodyPr vert="horz" lIns="91440" tIns="45720" rIns="91440" bIns="45720" rtlCol="0" anchor="ctr">
-            <a:normAutofit/>
-          </a:bodyPr>
-          <a:lstStyle>
-            <a:lvl1pPr algn="l" defTabSz="914400" rtl="0" eaLnBrk="1" latinLnBrk="0" hangingPunct="1">
-              <a:lnSpc>
-                <a:spcPct val="90000"/>
-              </a:lnSpc>
-              <a:spcBef>
-                <a:spcPct val="0"/>
-              </a:spcBef>
-              <a:buNone/>
-              <a:defRPr sz="4400" kern="1200">
-                <a:solidFill>
-                  <a:schemeClr val="tx1"/>
-                </a:solidFill>
-                <a:latin typeface="+mj-lt"/>
-                <a:ea typeface="+mj-ea"/>
-                <a:cs typeface="+mj-cs"/>
-              </a:defRPr>
-            </a:lvl1pPr>
-          </a:lstStyle>
-          <a:p>
-            <a:r>
-              <a:rPr lang="en-US" sz="3600" dirty="0" smtClean="0">
-                <a:solidFill>
-                  <a:prstClr val="white"/>
-                </a:solidFill>
-              </a:rPr>
-              <a:t>Back Log for Controller</a:t>
-            </a:r>
-            <a:endParaRPr lang="en-US" sz="3600" dirty="0">
-              <a:solidFill>
-                <a:prstClr val="white"/>
-              </a:solidFill>
-            </a:endParaRPr>
-          </a:p>
-        </p:txBody>
-      </p:sp>
-    </p:spTree>
-    <p:extLst>
-      <p:ext uri="{BB962C8B-B14F-4D97-AF65-F5344CB8AC3E}">
-        <p14:creationId xmlns:p14="http://schemas.microsoft.com/office/powerpoint/2010/main" val="1057660879"/>
-      </p:ext>
-    </p:extLst>
-  </p:cSld>
-  <p:clrMapOvr>
-    <a:masterClrMapping/>
-  </p:clrMapOvr>
-  <p:timing>
-    <p:tnLst>
-      <p:par>
-        <p:cTn id="1" dur="indefinite" restart="never" nodeType="tmRoot"/>
-      </p:par>
-    </p:tnLst>
-  </p:timing>
-</p:sld>
-</file>
-
-<file path=ppt/slides/slide4.xml><?xml version="1.0" encoding="utf-8"?>
-<p:sld xmlns:a="http://schemas.openxmlformats.org/drawingml/2006/main" xmlns:r="http://schemas.openxmlformats.org/officeDocument/2006/relationships" xmlns:p="http://schemas.openxmlformats.org/presentationml/2006/main">
-  <p:cSld>
-    <p:bg>
-      <p:bgPr>
-        <a:solidFill>
-          <a:schemeClr val="accent4">
-            <a:lumMod val="75000"/>
-          </a:schemeClr>
-        </a:solidFill>
-        <a:effectLst/>
-      </p:bgPr>
-    </p:bg>
-    <p:spTree>
-      <p:nvGrpSpPr>
-        <p:cNvPr id="1" name=""/>
-        <p:cNvGrpSpPr/>
-        <p:nvPr/>
-      </p:nvGrpSpPr>
-      <p:grpSpPr>
-        <a:xfrm>
-          <a:off x="0" y="0"/>
-          <a:ext cx="0" cy="0"/>
-          <a:chOff x="0" y="0"/>
-          <a:chExt cx="0" cy="0"/>
-        </a:xfrm>
-      </p:grpSpPr>
-      <p:sp>
-        <p:nvSpPr>
-          <p:cNvPr id="2" name="Title 1"/>
-          <p:cNvSpPr>
-            <a:spLocks noGrp="1"/>
-          </p:cNvSpPr>
-          <p:nvPr>
-            <p:ph type="title"/>
-          </p:nvPr>
-        </p:nvSpPr>
-        <p:spPr>
-          <a:xfrm>
-            <a:off x="838199" y="239151"/>
-            <a:ext cx="10556631" cy="858129"/>
-          </a:xfrm>
-          <a:gradFill>
-            <a:gsLst>
-              <a:gs pos="0">
-                <a:schemeClr val="accent4">
-                  <a:lumMod val="89000"/>
-                </a:schemeClr>
-              </a:gs>
-              <a:gs pos="23000">
-                <a:schemeClr val="accent4">
-                  <a:lumMod val="89000"/>
-                </a:schemeClr>
-              </a:gs>
-              <a:gs pos="69000">
-                <a:schemeClr val="accent4">
-                  <a:lumMod val="75000"/>
-                </a:schemeClr>
-              </a:gs>
-              <a:gs pos="97000">
-                <a:schemeClr val="accent4">
-                  <a:lumMod val="70000"/>
-                </a:schemeClr>
-              </a:gs>
-            </a:gsLst>
-            <a:path path="circle">
-              <a:fillToRect l="50000" t="50000" r="50000" b="50000"/>
-            </a:path>
-          </a:gradFill>
-        </p:spPr>
-        <p:txBody>
-          <a:bodyPr/>
-          <a:lstStyle/>
-          <a:p>
-            <a:pPr algn="ctr"/>
-            <a:r>
-              <a:rPr lang="en-US" b="1" dirty="0" smtClean="0"/>
-              <a:t>User Stories</a:t>
-            </a:r>
-            <a:endParaRPr lang="en-US" b="1" dirty="0"/>
-          </a:p>
-        </p:txBody>
-      </p:sp>
-      <p:sp>
-        <p:nvSpPr>
-          <p:cNvPr id="3" name="Content Placeholder 2"/>
-          <p:cNvSpPr>
-            <a:spLocks noGrp="1"/>
-          </p:cNvSpPr>
-          <p:nvPr>
-            <p:ph idx="1"/>
-          </p:nvPr>
-        </p:nvSpPr>
-        <p:spPr>
-          <a:ln>
-            <a:noFill/>
-          </a:ln>
-        </p:spPr>
-        <p:txBody>
-          <a:bodyPr>
-            <a:normAutofit/>
-          </a:bodyPr>
-          <a:lstStyle/>
-          <a:p>
-            <a:pPr marL="514350" indent="-514350">
-              <a:buAutoNum type="arabicPeriod" startAt="6"/>
-            </a:pPr>
-            <a:r>
-              <a:rPr lang="en-US" dirty="0" smtClean="0"/>
-              <a:t>As a </a:t>
-            </a:r>
-            <a:r>
-              <a:rPr lang="en-US" dirty="0" smtClean="0">
-                <a:solidFill>
-                  <a:schemeClr val="accent1">
-                    <a:lumMod val="75000"/>
-                  </a:schemeClr>
-                </a:solidFill>
-              </a:rPr>
-              <a:t>admin </a:t>
-            </a:r>
-            <a:r>
-              <a:rPr lang="en-US" dirty="0" smtClean="0"/>
-              <a:t>I want to </a:t>
-            </a:r>
-            <a:r>
-              <a:rPr lang="en-US" dirty="0" smtClean="0">
-                <a:solidFill>
-                  <a:schemeClr val="accent1">
-                    <a:lumMod val="75000"/>
-                  </a:schemeClr>
-                </a:solidFill>
-              </a:rPr>
-              <a:t>send conformation mail or message to user</a:t>
-            </a:r>
-            <a:r>
-              <a:rPr lang="en-US" dirty="0" smtClean="0"/>
-              <a:t>. So that </a:t>
-            </a:r>
-            <a:r>
-              <a:rPr lang="en-US" dirty="0" smtClean="0">
-                <a:solidFill>
-                  <a:schemeClr val="accent1">
-                    <a:lumMod val="75000"/>
-                  </a:schemeClr>
-                </a:solidFill>
-              </a:rPr>
-              <a:t>create conformation info</a:t>
-            </a:r>
-            <a:r>
-              <a:rPr lang="en-US" dirty="0" smtClean="0"/>
-              <a:t>.</a:t>
-            </a:r>
-          </a:p>
-          <a:p>
-            <a:pPr marL="514350" indent="-514350">
-              <a:buFont typeface="Arial" panose="020B0604020202020204" pitchFamily="34" charset="0"/>
-              <a:buAutoNum type="arabicPeriod" startAt="6"/>
-            </a:pPr>
-            <a:r>
-              <a:rPr lang="en-US" dirty="0"/>
-              <a:t>As a </a:t>
-            </a:r>
-            <a:r>
-              <a:rPr lang="en-US" dirty="0">
-                <a:solidFill>
-                  <a:schemeClr val="accent1">
-                    <a:lumMod val="75000"/>
-                  </a:schemeClr>
-                </a:solidFill>
-              </a:rPr>
-              <a:t>admin </a:t>
-            </a:r>
-            <a:r>
-              <a:rPr lang="en-US" dirty="0"/>
-              <a:t>I want to </a:t>
-            </a:r>
-            <a:r>
-              <a:rPr lang="en-US" dirty="0" smtClean="0">
-                <a:solidFill>
-                  <a:schemeClr val="accent1">
-                    <a:lumMod val="75000"/>
-                  </a:schemeClr>
-                </a:solidFill>
-              </a:rPr>
-              <a:t>deactivate vehicle and driver</a:t>
-            </a:r>
-            <a:r>
-              <a:rPr lang="en-US" dirty="0" smtClean="0"/>
-              <a:t>. </a:t>
-            </a:r>
-            <a:r>
-              <a:rPr lang="en-US" dirty="0"/>
-              <a:t>So that </a:t>
-            </a:r>
-            <a:r>
-              <a:rPr lang="en-US" dirty="0" smtClean="0">
-                <a:solidFill>
-                  <a:schemeClr val="accent1">
-                    <a:lumMod val="75000"/>
-                  </a:schemeClr>
-                </a:solidFill>
-              </a:rPr>
-              <a:t>create a option in vehicle and driver list</a:t>
-            </a:r>
-            <a:r>
-              <a:rPr lang="en-US" dirty="0" smtClean="0"/>
-              <a:t>.</a:t>
-            </a:r>
-          </a:p>
-          <a:p>
-            <a:pPr marL="514350" indent="-514350">
-              <a:buFont typeface="Arial" panose="020B0604020202020204" pitchFamily="34" charset="0"/>
-              <a:buAutoNum type="arabicPeriod" startAt="6"/>
-            </a:pPr>
-            <a:r>
-              <a:rPr lang="en-US" dirty="0"/>
-              <a:t>As a </a:t>
-            </a:r>
-            <a:r>
-              <a:rPr lang="en-US" dirty="0">
-                <a:solidFill>
-                  <a:schemeClr val="accent1">
-                    <a:lumMod val="75000"/>
-                  </a:schemeClr>
-                </a:solidFill>
-              </a:rPr>
-              <a:t>admin </a:t>
-            </a:r>
-            <a:r>
-              <a:rPr lang="en-US" dirty="0"/>
-              <a:t>I want to </a:t>
-            </a:r>
-            <a:r>
-              <a:rPr lang="en-US" dirty="0" smtClean="0">
-                <a:solidFill>
-                  <a:schemeClr val="accent1">
-                    <a:lumMod val="75000"/>
-                  </a:schemeClr>
-                </a:solidFill>
-              </a:rPr>
-              <a:t>create check-in or check-out </a:t>
-            </a:r>
-            <a:r>
-              <a:rPr lang="en-US" dirty="0" smtClean="0"/>
-              <a:t>. </a:t>
-            </a:r>
-            <a:r>
-              <a:rPr lang="en-US" dirty="0"/>
-              <a:t>So that </a:t>
-            </a:r>
-            <a:r>
-              <a:rPr lang="en-US" dirty="0">
-                <a:solidFill>
-                  <a:schemeClr val="accent1">
-                    <a:lumMod val="75000"/>
-                  </a:schemeClr>
-                </a:solidFill>
-              </a:rPr>
-              <a:t>create a </a:t>
-            </a:r>
-            <a:r>
-              <a:rPr lang="en-US" dirty="0" smtClean="0">
-                <a:solidFill>
-                  <a:schemeClr val="accent1">
-                    <a:lumMod val="75000"/>
-                  </a:schemeClr>
-                </a:solidFill>
-              </a:rPr>
-              <a:t>option</a:t>
-            </a:r>
-            <a:r>
-              <a:rPr lang="en-US" dirty="0" smtClean="0"/>
-              <a:t>.</a:t>
-            </a:r>
-          </a:p>
-          <a:p>
-            <a:pPr marL="514350" indent="-514350">
-              <a:buFont typeface="Arial" panose="020B0604020202020204" pitchFamily="34" charset="0"/>
-              <a:buAutoNum type="arabicPeriod" startAt="6"/>
-            </a:pPr>
-            <a:r>
-              <a:rPr lang="en-US" dirty="0"/>
-              <a:t>As a </a:t>
-            </a:r>
-            <a:r>
-              <a:rPr lang="en-US" dirty="0">
-                <a:solidFill>
-                  <a:schemeClr val="accent1">
-                    <a:lumMod val="75000"/>
-                  </a:schemeClr>
-                </a:solidFill>
-              </a:rPr>
-              <a:t>admin </a:t>
-            </a:r>
-            <a:r>
-              <a:rPr lang="en-US" dirty="0"/>
-              <a:t>I want to </a:t>
-            </a:r>
-            <a:r>
-              <a:rPr lang="en-US" dirty="0" smtClean="0">
-                <a:solidFill>
-                  <a:schemeClr val="accent1">
-                    <a:lumMod val="75000"/>
-                  </a:schemeClr>
-                </a:solidFill>
-              </a:rPr>
-              <a:t>reassign requisition</a:t>
-            </a:r>
-            <a:r>
-              <a:rPr lang="en-US" dirty="0" smtClean="0"/>
-              <a:t>. </a:t>
-            </a:r>
-            <a:r>
-              <a:rPr lang="en-US" dirty="0"/>
-              <a:t>So that </a:t>
-            </a:r>
-            <a:r>
-              <a:rPr lang="en-US" dirty="0">
-                <a:solidFill>
-                  <a:schemeClr val="accent1">
-                    <a:lumMod val="75000"/>
-                  </a:schemeClr>
-                </a:solidFill>
-              </a:rPr>
-              <a:t>create a </a:t>
-            </a:r>
-            <a:r>
-              <a:rPr lang="en-US" dirty="0" smtClean="0">
-                <a:solidFill>
-                  <a:schemeClr val="accent1">
-                    <a:lumMod val="75000"/>
-                  </a:schemeClr>
-                </a:solidFill>
-              </a:rPr>
-              <a:t>option</a:t>
-            </a:r>
-            <a:r>
-              <a:rPr lang="en-US" dirty="0" smtClean="0"/>
-              <a:t>.</a:t>
-            </a:r>
-            <a:endParaRPr lang="en-US" dirty="0"/>
-          </a:p>
-          <a:p>
-            <a:pPr marL="514350" indent="-514350">
-              <a:buAutoNum type="arabicPeriod" startAt="6"/>
-            </a:pPr>
-            <a:endParaRPr lang="en-US" dirty="0" smtClean="0"/>
-          </a:p>
-          <a:p>
-            <a:pPr marL="514350" indent="-514350">
-              <a:buFont typeface="Arial" panose="020B0604020202020204" pitchFamily="34" charset="0"/>
-              <a:buAutoNum type="arabicPeriod"/>
-            </a:pPr>
-            <a:endParaRPr lang="en-US" dirty="0"/>
-          </a:p>
-          <a:p>
-            <a:pPr marL="0" indent="0">
-              <a:buNone/>
-            </a:pPr>
-            <a:endParaRPr lang="en-US" dirty="0"/>
-          </a:p>
-          <a:p>
-            <a:pPr marL="514350" indent="-514350">
-              <a:buAutoNum type="arabicPeriod"/>
-            </a:pPr>
-            <a:endParaRPr lang="en-US" dirty="0"/>
-          </a:p>
-        </p:txBody>
-      </p:sp>
-      <p:sp>
-        <p:nvSpPr>
-          <p:cNvPr id="4" name="Title 1"/>
-          <p:cNvSpPr txBox="1">
-            <a:spLocks/>
-          </p:cNvSpPr>
-          <p:nvPr/>
-        </p:nvSpPr>
-        <p:spPr>
-          <a:xfrm>
-            <a:off x="817684" y="1122240"/>
-            <a:ext cx="10556631" cy="703385"/>
-          </a:xfrm>
-          <a:prstGeom prst="rect">
-            <a:avLst/>
-          </a:prstGeom>
-        </p:spPr>
-        <p:txBody>
-          <a:bodyPr vert="horz" lIns="91440" tIns="45720" rIns="91440" bIns="45720" rtlCol="0" anchor="ctr">
-            <a:normAutofit/>
-          </a:bodyPr>
-          <a:lstStyle>
-            <a:lvl1pPr algn="l" defTabSz="914400" rtl="0" eaLnBrk="1" latinLnBrk="0" hangingPunct="1">
-              <a:lnSpc>
-                <a:spcPct val="90000"/>
-              </a:lnSpc>
-              <a:spcBef>
-                <a:spcPct val="0"/>
-              </a:spcBef>
-              <a:buNone/>
-              <a:defRPr sz="4400" kern="1200">
-                <a:solidFill>
-                  <a:schemeClr val="tx1"/>
-                </a:solidFill>
-                <a:latin typeface="+mj-lt"/>
-                <a:ea typeface="+mj-ea"/>
-                <a:cs typeface="+mj-cs"/>
-              </a:defRPr>
-            </a:lvl1pPr>
-          </a:lstStyle>
-          <a:p>
-            <a:r>
-              <a:rPr lang="en-US" sz="3600" dirty="0" smtClean="0">
-                <a:solidFill>
-                  <a:prstClr val="white"/>
-                </a:solidFill>
-              </a:rPr>
-              <a:t>Back Log for Controller</a:t>
-            </a:r>
-            <a:endParaRPr lang="en-US" sz="3600" dirty="0">
-              <a:solidFill>
-                <a:prstClr val="white"/>
-              </a:solidFill>
-            </a:endParaRPr>
-          </a:p>
-        </p:txBody>
-      </p:sp>
-    </p:spTree>
-    <p:extLst>
-      <p:ext uri="{BB962C8B-B14F-4D97-AF65-F5344CB8AC3E}">
-        <p14:creationId xmlns:p14="http://schemas.microsoft.com/office/powerpoint/2010/main" val="4108372936"/>
-      </p:ext>
-    </p:extLst>
-  </p:cSld>
-  <p:clrMapOvr>
-    <a:masterClrMapping/>
-  </p:clrMapOvr>
-  <p:timing>
-    <p:tnLst>
-      <p:par>
-        <p:cTn id="1" dur="indefinite" restart="never" nodeType="tmRoot"/>
-      </p:par>
-    </p:tnLst>
-  </p:timing>
-</p:sld>
-</file>
-
-<file path=ppt/slides/slide5.xml><?xml version="1.0" encoding="utf-8"?>
-<p:sld xmlns:a="http://schemas.openxmlformats.org/drawingml/2006/main" xmlns:r="http://schemas.openxmlformats.org/officeDocument/2006/relationships" xmlns:p="http://schemas.openxmlformats.org/presentationml/2006/main">
-  <p:cSld>
-    <p:bg>
-      <p:bgPr>
-        <a:solidFill>
-          <a:schemeClr val="accent4">
-            <a:lumMod val="75000"/>
-          </a:schemeClr>
-        </a:solidFill>
-        <a:effectLst/>
-      </p:bgPr>
-    </p:bg>
-    <p:spTree>
-      <p:nvGrpSpPr>
-        <p:cNvPr id="1" name=""/>
-        <p:cNvGrpSpPr/>
-        <p:nvPr/>
-      </p:nvGrpSpPr>
-      <p:grpSpPr>
-        <a:xfrm>
-          <a:off x="0" y="0"/>
-          <a:ext cx="0" cy="0"/>
-          <a:chOff x="0" y="0"/>
-          <a:chExt cx="0" cy="0"/>
-        </a:xfrm>
-      </p:grpSpPr>
-      <p:sp>
-        <p:nvSpPr>
-          <p:cNvPr id="2" name="Title 1"/>
-          <p:cNvSpPr>
-            <a:spLocks noGrp="1"/>
-          </p:cNvSpPr>
-          <p:nvPr>
-            <p:ph type="title"/>
-          </p:nvPr>
-        </p:nvSpPr>
-        <p:spPr>
-          <a:gradFill>
-            <a:gsLst>
-              <a:gs pos="0">
-                <a:schemeClr val="accent4">
-                  <a:lumMod val="89000"/>
-                </a:schemeClr>
-              </a:gs>
-              <a:gs pos="23000">
-                <a:schemeClr val="accent4">
-                  <a:lumMod val="89000"/>
-                </a:schemeClr>
-              </a:gs>
-              <a:gs pos="69000">
-                <a:schemeClr val="accent4">
-                  <a:lumMod val="75000"/>
-                </a:schemeClr>
-              </a:gs>
-              <a:gs pos="97000">
-                <a:schemeClr val="accent4">
-                  <a:lumMod val="70000"/>
-                </a:schemeClr>
-              </a:gs>
-            </a:gsLst>
-            <a:path path="circle">
-              <a:fillToRect l="50000" t="50000" r="50000" b="50000"/>
-            </a:path>
-          </a:gradFill>
-        </p:spPr>
-        <p:txBody>
-          <a:bodyPr/>
-          <a:lstStyle/>
-          <a:p>
-            <a:pPr algn="ctr"/>
-            <a:r>
-              <a:rPr lang="en-US" b="1" dirty="0" smtClean="0"/>
-              <a:t>Vehicle Entry Form (Controller)</a:t>
-            </a:r>
-            <a:endParaRPr lang="en-US" b="1" dirty="0"/>
-          </a:p>
-        </p:txBody>
-      </p:sp>
-      <p:sp>
-        <p:nvSpPr>
-          <p:cNvPr id="3" name="Content Placeholder 2"/>
-          <p:cNvSpPr>
-            <a:spLocks noGrp="1"/>
-          </p:cNvSpPr>
-          <p:nvPr>
-            <p:ph sz="half" idx="1"/>
-          </p:nvPr>
-        </p:nvSpPr>
-        <p:spPr>
-          <a:noFill/>
-        </p:spPr>
-        <p:txBody>
-          <a:bodyPr>
-            <a:normAutofit fontScale="77500" lnSpcReduction="20000"/>
-          </a:bodyPr>
-          <a:lstStyle/>
-          <a:p>
-            <a:r>
-              <a:rPr lang="en-US" dirty="0"/>
-              <a:t>Object: </a:t>
-            </a:r>
-            <a:r>
-              <a:rPr lang="en-US" dirty="0" err="1" smtClean="0"/>
-              <a:t>VehicleEntry</a:t>
-            </a:r>
-            <a:endParaRPr lang="en-US" dirty="0"/>
-          </a:p>
-          <a:p>
-            <a:r>
-              <a:rPr lang="en-US" dirty="0" smtClean="0"/>
-              <a:t>Attribute</a:t>
-            </a:r>
-          </a:p>
-          <a:p>
-            <a:pPr marL="457200" lvl="1" indent="0">
-              <a:buNone/>
-            </a:pPr>
-            <a:r>
-              <a:rPr lang="en-US" dirty="0" smtClean="0"/>
-              <a:t>	Id;</a:t>
-            </a:r>
-          </a:p>
-          <a:p>
-            <a:pPr marL="0" indent="0">
-              <a:buNone/>
-            </a:pPr>
-            <a:r>
-              <a:rPr lang="en-US" dirty="0"/>
-              <a:t>	Name;</a:t>
-            </a:r>
-          </a:p>
-          <a:p>
-            <a:pPr marL="0" indent="0">
-              <a:buNone/>
-            </a:pPr>
-            <a:r>
-              <a:rPr lang="en-US" dirty="0"/>
-              <a:t>	</a:t>
-            </a:r>
-            <a:r>
-              <a:rPr lang="en-US" dirty="0" err="1" smtClean="0"/>
-              <a:t>RegNo</a:t>
-            </a:r>
-            <a:r>
-              <a:rPr lang="en-US" dirty="0" smtClean="0"/>
-              <a:t>;</a:t>
-            </a:r>
-          </a:p>
-          <a:p>
-            <a:pPr marL="0" indent="0">
-              <a:buNone/>
-            </a:pPr>
-            <a:r>
-              <a:rPr lang="en-US" dirty="0"/>
-              <a:t>	</a:t>
-            </a:r>
-            <a:r>
-              <a:rPr lang="en-US" dirty="0" smtClean="0"/>
-              <a:t>Description;</a:t>
-            </a:r>
-          </a:p>
-          <a:p>
-            <a:pPr marL="0" indent="0">
-              <a:buNone/>
-            </a:pPr>
-            <a:r>
-              <a:rPr lang="en-US" dirty="0"/>
-              <a:t>	</a:t>
-            </a:r>
-            <a:r>
-              <a:rPr lang="en-US" dirty="0" err="1" smtClean="0"/>
-              <a:t>IsDelete</a:t>
-            </a:r>
-            <a:r>
-              <a:rPr lang="en-US" dirty="0" smtClean="0"/>
-              <a:t>;</a:t>
-            </a:r>
-            <a:endParaRPr lang="en-US" dirty="0"/>
-          </a:p>
-          <a:p>
-            <a:r>
-              <a:rPr lang="en-US" dirty="0"/>
-              <a:t>Activity:</a:t>
-            </a:r>
-          </a:p>
-          <a:p>
-            <a:pPr marL="0" indent="0">
-              <a:buNone/>
-            </a:pPr>
-            <a:r>
-              <a:rPr lang="en-US" dirty="0"/>
-              <a:t>	</a:t>
-            </a:r>
-            <a:r>
-              <a:rPr lang="en-US" dirty="0" err="1" smtClean="0"/>
-              <a:t>CreateVehicle</a:t>
-            </a:r>
-            <a:r>
-              <a:rPr lang="en-US" dirty="0" smtClean="0"/>
-              <a:t>();</a:t>
-            </a:r>
-            <a:endParaRPr lang="en-US" dirty="0"/>
-          </a:p>
-          <a:p>
-            <a:pPr marL="0" indent="0">
-              <a:buNone/>
-            </a:pPr>
-            <a:r>
-              <a:rPr lang="en-US" dirty="0" smtClean="0"/>
-              <a:t>	</a:t>
-            </a:r>
-            <a:r>
-              <a:rPr lang="en-US" dirty="0" err="1" smtClean="0"/>
-              <a:t>VehicleList</a:t>
-            </a:r>
-            <a:r>
-              <a:rPr lang="en-US" dirty="0" smtClean="0"/>
-              <a:t>();</a:t>
-            </a:r>
-          </a:p>
-          <a:p>
-            <a:pPr marL="0" indent="0">
-              <a:buNone/>
-            </a:pPr>
-            <a:r>
-              <a:rPr lang="en-US" dirty="0"/>
-              <a:t>	</a:t>
-            </a:r>
-            <a:r>
-              <a:rPr lang="en-US" dirty="0" err="1" smtClean="0"/>
-              <a:t>EditVehicle</a:t>
-            </a:r>
-            <a:r>
-              <a:rPr lang="en-US" dirty="0" smtClean="0"/>
-              <a:t>();</a:t>
-            </a:r>
-          </a:p>
-          <a:p>
-            <a:pPr marL="0" indent="0">
-              <a:buNone/>
-            </a:pPr>
-            <a:r>
-              <a:rPr lang="en-US" dirty="0"/>
-              <a:t>	</a:t>
-            </a:r>
-            <a:r>
-              <a:rPr lang="en-US" dirty="0" err="1" smtClean="0"/>
-              <a:t>DeleteVehicle</a:t>
-            </a:r>
-            <a:r>
-              <a:rPr lang="en-US" dirty="0" smtClean="0"/>
-              <a:t>();</a:t>
-            </a:r>
-          </a:p>
-          <a:p>
-            <a:pPr marL="0" indent="0">
-              <a:buNone/>
-            </a:pPr>
-            <a:endParaRPr lang="en-US" dirty="0"/>
-          </a:p>
-          <a:p>
-            <a:endParaRPr lang="en-US" dirty="0"/>
-          </a:p>
-        </p:txBody>
-      </p:sp>
-      <p:graphicFrame>
-        <p:nvGraphicFramePr>
-          <p:cNvPr id="7" name="Content Placeholder 6"/>
-          <p:cNvGraphicFramePr>
-            <a:graphicFrameLocks noGrp="1"/>
-          </p:cNvGraphicFramePr>
-          <p:nvPr>
-            <p:ph sz="half" idx="2"/>
-            <p:extLst>
-              <p:ext uri="{D42A27DB-BD31-4B8C-83A1-F6EECF244321}">
-                <p14:modId xmlns:p14="http://schemas.microsoft.com/office/powerpoint/2010/main" val="2080387988"/>
-              </p:ext>
-            </p:extLst>
-          </p:nvPr>
-        </p:nvGraphicFramePr>
-        <p:xfrm>
-          <a:off x="6172200" y="1825625"/>
-          <a:ext cx="5181600" cy="2703112"/>
-        </p:xfrm>
-        <a:graphic>
-          <a:graphicData uri="http://schemas.openxmlformats.org/drawingml/2006/table">
-            <a:tbl>
-              <a:tblPr firstRow="1" bandRow="1">
-                <a:tableStyleId>{5C22544A-7EE6-4342-B048-85BDC9FD1C3A}</a:tableStyleId>
-              </a:tblPr>
-              <a:tblGrid>
-                <a:gridCol w="2590800"/>
-                <a:gridCol w="2590800"/>
-              </a:tblGrid>
-              <a:tr h="675778">
-                <a:tc>
-                  <a:txBody>
-                    <a:bodyPr/>
-                    <a:lstStyle/>
-                    <a:p>
-                      <a:r>
-                        <a:rPr lang="en-US" dirty="0" smtClean="0"/>
-                        <a:t>Title</a:t>
-                      </a:r>
-                      <a:endParaRPr lang="en-US" dirty="0"/>
-                    </a:p>
-                  </a:txBody>
-                  <a:tcPr/>
-                </a:tc>
-                <a:tc>
-                  <a:txBody>
-                    <a:bodyPr/>
-                    <a:lstStyle/>
-                    <a:p>
-                      <a:r>
-                        <a:rPr lang="en-US" dirty="0" smtClean="0"/>
-                        <a:t>Text Box		</a:t>
-                      </a:r>
-                      <a:endParaRPr lang="en-US" dirty="0"/>
-                    </a:p>
-                  </a:txBody>
-                  <a:tcPr/>
-                </a:tc>
-              </a:tr>
-              <a:tr h="675778">
-                <a:tc>
-                  <a:txBody>
-                    <a:bodyPr/>
-                    <a:lstStyle/>
-                    <a:p>
-                      <a:r>
-                        <a:rPr lang="en-US" dirty="0" smtClean="0"/>
-                        <a:t>Name</a:t>
-                      </a:r>
-                      <a:endParaRPr lang="en-US" dirty="0"/>
-                    </a:p>
-                  </a:txBody>
-                  <a:tcPr/>
-                </a:tc>
-                <a:tc>
-                  <a:txBody>
-                    <a:bodyPr/>
-                    <a:lstStyle/>
-                    <a:p>
-                      <a:endParaRPr lang="en-US" dirty="0"/>
-                    </a:p>
-                  </a:txBody>
-                  <a:tcPr/>
-                </a:tc>
-              </a:tr>
-              <a:tr h="675778">
-                <a:tc>
-                  <a:txBody>
-                    <a:bodyPr/>
-                    <a:lstStyle/>
-                    <a:p>
-                      <a:pPr marL="0" marR="0" indent="0" algn="l" defTabSz="914400" rtl="0" eaLnBrk="1" fontAlgn="auto" latinLnBrk="0" hangingPunct="1">
-                        <a:lnSpc>
-                          <a:spcPct val="100000"/>
-                        </a:lnSpc>
-                        <a:spcBef>
-                          <a:spcPts val="0"/>
-                        </a:spcBef>
-                        <a:spcAft>
-                          <a:spcPts val="0"/>
-                        </a:spcAft>
-                        <a:buClrTx/>
-                        <a:buSzTx/>
-                        <a:buFontTx/>
-                        <a:buNone/>
-                        <a:tabLst/>
-                        <a:defRPr/>
-                      </a:pPr>
-                      <a:r>
-                        <a:rPr lang="en-US" dirty="0" smtClean="0"/>
-                        <a:t>Registration</a:t>
-                      </a:r>
-                      <a:r>
-                        <a:rPr lang="en-US" baseline="0" dirty="0" smtClean="0"/>
-                        <a:t> No</a:t>
-                      </a:r>
-                      <a:endParaRPr lang="en-US" dirty="0" smtClean="0"/>
-                    </a:p>
-                    <a:p>
-                      <a:endParaRPr lang="en-US" dirty="0"/>
-                    </a:p>
-                  </a:txBody>
-                  <a:tcPr/>
-                </a:tc>
-                <a:tc>
-                  <a:txBody>
-                    <a:bodyPr/>
-                    <a:lstStyle/>
-                    <a:p>
-                      <a:endParaRPr lang="en-US" dirty="0"/>
-                    </a:p>
-                  </a:txBody>
-                  <a:tcPr/>
-                </a:tc>
-              </a:tr>
-              <a:tr h="675778">
-                <a:tc>
-                  <a:txBody>
-                    <a:bodyPr/>
-                    <a:lstStyle/>
-                    <a:p>
-                      <a:pPr marL="0" marR="0" indent="0" algn="l" defTabSz="914400" rtl="0" eaLnBrk="1" fontAlgn="auto" latinLnBrk="0" hangingPunct="1">
-                        <a:lnSpc>
-                          <a:spcPct val="100000"/>
-                        </a:lnSpc>
-                        <a:spcBef>
-                          <a:spcPts val="0"/>
-                        </a:spcBef>
-                        <a:spcAft>
-                          <a:spcPts val="0"/>
-                        </a:spcAft>
-                        <a:buClrTx/>
-                        <a:buSzTx/>
-                        <a:buFontTx/>
-                        <a:buNone/>
-                        <a:tabLst/>
-                        <a:defRPr/>
-                      </a:pPr>
-                      <a:r>
-                        <a:rPr lang="en-US" dirty="0" smtClean="0"/>
-                        <a:t>Description</a:t>
-                      </a:r>
-                    </a:p>
-                    <a:p>
-                      <a:endParaRPr lang="en-US" dirty="0"/>
-                    </a:p>
-                  </a:txBody>
-                  <a:tcPr/>
-                </a:tc>
-                <a:tc>
-                  <a:txBody>
-                    <a:bodyPr/>
-                    <a:lstStyle/>
-                    <a:p>
-                      <a:endParaRPr lang="en-US" dirty="0"/>
-                    </a:p>
-                  </a:txBody>
-                  <a:tcPr/>
-                </a:tc>
-              </a:tr>
-            </a:tbl>
-          </a:graphicData>
-        </a:graphic>
-      </p:graphicFrame>
-    </p:spTree>
-    <p:extLst>
-      <p:ext uri="{BB962C8B-B14F-4D97-AF65-F5344CB8AC3E}">
-        <p14:creationId xmlns:p14="http://schemas.microsoft.com/office/powerpoint/2010/main" val="2831550741"/>
-      </p:ext>
-    </p:extLst>
-  </p:cSld>
-  <p:clrMapOvr>
-    <a:masterClrMapping/>
-  </p:clrMapOvr>
-  <p:timing>
-    <p:tnLst>
-      <p:par>
-        <p:cTn id="1" dur="indefinite" restart="never" nodeType="tmRoot"/>
-      </p:par>
-    </p:tnLst>
-  </p:timing>
-</p:sld>
-</file>
-
-<file path=ppt/slides/slide6.xml><?xml version="1.0" encoding="utf-8"?>
-<p:sld xmlns:a="http://schemas.openxmlformats.org/drawingml/2006/main" xmlns:r="http://schemas.openxmlformats.org/officeDocument/2006/relationships" xmlns:p="http://schemas.openxmlformats.org/presentationml/2006/main">
-  <p:cSld>
-    <p:bg>
-      <p:bgPr>
-        <a:solidFill>
-          <a:schemeClr val="accent4">
-            <a:lumMod val="75000"/>
-          </a:schemeClr>
-        </a:solidFill>
-        <a:effectLst/>
-      </p:bgPr>
-    </p:bg>
-    <p:spTree>
-      <p:nvGrpSpPr>
-        <p:cNvPr id="1" name=""/>
-        <p:cNvGrpSpPr/>
-        <p:nvPr/>
-      </p:nvGrpSpPr>
-      <p:grpSpPr>
-        <a:xfrm>
-          <a:off x="0" y="0"/>
-          <a:ext cx="0" cy="0"/>
-          <a:chOff x="0" y="0"/>
-          <a:chExt cx="0" cy="0"/>
-        </a:xfrm>
-      </p:grpSpPr>
-      <p:sp>
-        <p:nvSpPr>
-          <p:cNvPr id="2" name="Title 1"/>
-          <p:cNvSpPr>
-            <a:spLocks noGrp="1"/>
-          </p:cNvSpPr>
-          <p:nvPr>
-            <p:ph type="title"/>
-          </p:nvPr>
-        </p:nvSpPr>
-        <p:spPr>
-          <a:gradFill>
-            <a:gsLst>
-              <a:gs pos="0">
-                <a:schemeClr val="accent4">
-                  <a:lumMod val="89000"/>
-                </a:schemeClr>
-              </a:gs>
-              <a:gs pos="23000">
-                <a:schemeClr val="accent4">
-                  <a:lumMod val="89000"/>
-                </a:schemeClr>
-              </a:gs>
-              <a:gs pos="69000">
-                <a:schemeClr val="accent4">
-                  <a:lumMod val="75000"/>
-                </a:schemeClr>
-              </a:gs>
-              <a:gs pos="97000">
-                <a:schemeClr val="accent4">
-                  <a:lumMod val="70000"/>
-                </a:schemeClr>
-              </a:gs>
-            </a:gsLst>
-            <a:path path="circle">
-              <a:fillToRect l="50000" t="50000" r="50000" b="50000"/>
-            </a:path>
-          </a:gradFill>
-        </p:spPr>
-        <p:txBody>
-          <a:bodyPr/>
-          <a:lstStyle/>
-          <a:p>
-            <a:pPr algn="ctr"/>
-            <a:r>
-              <a:rPr lang="en-US" b="1" dirty="0" smtClean="0"/>
-              <a:t>Driver Entry Form (Controller)</a:t>
-            </a:r>
-            <a:endParaRPr lang="en-US" b="1" dirty="0"/>
-          </a:p>
-        </p:txBody>
-      </p:sp>
-      <p:sp>
-        <p:nvSpPr>
-          <p:cNvPr id="3" name="Content Placeholder 2"/>
-          <p:cNvSpPr>
-            <a:spLocks noGrp="1"/>
-          </p:cNvSpPr>
-          <p:nvPr>
-            <p:ph sz="half" idx="1"/>
-          </p:nvPr>
-        </p:nvSpPr>
-        <p:spPr>
-          <a:noFill/>
-        </p:spPr>
-        <p:txBody>
-          <a:bodyPr>
-            <a:normAutofit fontScale="70000" lnSpcReduction="20000"/>
-          </a:bodyPr>
-          <a:lstStyle/>
-          <a:p>
-            <a:r>
-              <a:rPr lang="en-US" dirty="0"/>
-              <a:t>Object: </a:t>
-            </a:r>
-            <a:r>
-              <a:rPr lang="en-US" dirty="0" err="1" smtClean="0"/>
-              <a:t>DriverEntry</a:t>
-            </a:r>
-            <a:endParaRPr lang="en-US" dirty="0"/>
-          </a:p>
-          <a:p>
-            <a:r>
-              <a:rPr lang="en-US" dirty="0" smtClean="0"/>
-              <a:t>Attribute</a:t>
-            </a:r>
-          </a:p>
-          <a:p>
-            <a:pPr marL="457200" lvl="1" indent="0">
-              <a:buNone/>
-            </a:pPr>
-            <a:r>
-              <a:rPr lang="en-US" dirty="0" smtClean="0"/>
-              <a:t>	Id;</a:t>
-            </a:r>
-          </a:p>
-          <a:p>
-            <a:pPr marL="0" indent="0">
-              <a:buNone/>
-            </a:pPr>
-            <a:r>
-              <a:rPr lang="en-US" dirty="0"/>
-              <a:t>	Name</a:t>
-            </a:r>
-            <a:r>
-              <a:rPr lang="en-US" dirty="0" smtClean="0"/>
-              <a:t>;</a:t>
-            </a:r>
-          </a:p>
-          <a:p>
-            <a:pPr marL="0" indent="0">
-              <a:buNone/>
-            </a:pPr>
-            <a:r>
-              <a:rPr lang="en-US" dirty="0"/>
-              <a:t>	</a:t>
-            </a:r>
-            <a:r>
-              <a:rPr lang="en-US" dirty="0" smtClean="0"/>
-              <a:t>Designation;</a:t>
-            </a:r>
-            <a:endParaRPr lang="en-US" dirty="0"/>
-          </a:p>
-          <a:p>
-            <a:pPr marL="0" indent="0">
-              <a:buNone/>
-            </a:pPr>
-            <a:r>
-              <a:rPr lang="en-US" dirty="0"/>
-              <a:t>	</a:t>
-            </a:r>
-            <a:r>
-              <a:rPr lang="en-US" dirty="0" err="1" smtClean="0"/>
-              <a:t>MobileNo</a:t>
-            </a:r>
-            <a:r>
-              <a:rPr lang="en-US" dirty="0" smtClean="0"/>
-              <a:t>;</a:t>
-            </a:r>
-          </a:p>
-          <a:p>
-            <a:pPr marL="0" indent="0">
-              <a:buNone/>
-            </a:pPr>
-            <a:r>
-              <a:rPr lang="en-US" dirty="0"/>
-              <a:t>	</a:t>
-            </a:r>
-            <a:r>
-              <a:rPr lang="en-US" dirty="0" smtClean="0"/>
-              <a:t>Address;</a:t>
-            </a:r>
-          </a:p>
-          <a:p>
-            <a:pPr marL="0" indent="0">
-              <a:buNone/>
-            </a:pPr>
-            <a:r>
-              <a:rPr lang="en-US" dirty="0"/>
-              <a:t>	</a:t>
-            </a:r>
-            <a:r>
-              <a:rPr lang="en-US" dirty="0" err="1" smtClean="0"/>
-              <a:t>IsDelete</a:t>
-            </a:r>
-            <a:r>
-              <a:rPr lang="en-US" dirty="0" smtClean="0"/>
-              <a:t>;</a:t>
-            </a:r>
-            <a:endParaRPr lang="en-US" dirty="0"/>
-          </a:p>
-          <a:p>
-            <a:r>
-              <a:rPr lang="en-US" dirty="0"/>
-              <a:t>Activity:</a:t>
-            </a:r>
-          </a:p>
-          <a:p>
-            <a:pPr marL="0" indent="0">
-              <a:buNone/>
-            </a:pPr>
-            <a:r>
-              <a:rPr lang="en-US" dirty="0"/>
-              <a:t>	</a:t>
-            </a:r>
-            <a:r>
-              <a:rPr lang="en-US" dirty="0" err="1" smtClean="0"/>
-              <a:t>CreateDriver</a:t>
-            </a:r>
-            <a:r>
-              <a:rPr lang="en-US" dirty="0" smtClean="0"/>
-              <a:t>();</a:t>
-            </a:r>
-            <a:endParaRPr lang="en-US" dirty="0"/>
-          </a:p>
-          <a:p>
-            <a:pPr marL="0" indent="0">
-              <a:buNone/>
-            </a:pPr>
-            <a:r>
-              <a:rPr lang="en-US" dirty="0" smtClean="0"/>
-              <a:t>	</a:t>
-            </a:r>
-            <a:r>
-              <a:rPr lang="en-US" dirty="0" err="1" smtClean="0"/>
-              <a:t>DriverList</a:t>
-            </a:r>
-            <a:r>
-              <a:rPr lang="en-US" dirty="0" smtClean="0"/>
-              <a:t>();</a:t>
-            </a:r>
-          </a:p>
-          <a:p>
-            <a:pPr marL="0" indent="0">
-              <a:buNone/>
-            </a:pPr>
-            <a:r>
-              <a:rPr lang="en-US" dirty="0"/>
-              <a:t>	</a:t>
-            </a:r>
-            <a:r>
-              <a:rPr lang="en-US" dirty="0" err="1" smtClean="0"/>
-              <a:t>EditDriver</a:t>
-            </a:r>
-            <a:r>
-              <a:rPr lang="en-US" dirty="0" smtClean="0"/>
-              <a:t>();</a:t>
-            </a:r>
-          </a:p>
-          <a:p>
-            <a:pPr marL="0" indent="0">
-              <a:buNone/>
-            </a:pPr>
-            <a:r>
-              <a:rPr lang="en-US" dirty="0"/>
-              <a:t>	</a:t>
-            </a:r>
-            <a:r>
-              <a:rPr lang="en-US" dirty="0" err="1" smtClean="0"/>
-              <a:t>DeleteDriver</a:t>
-            </a:r>
-            <a:r>
-              <a:rPr lang="en-US" dirty="0" smtClean="0"/>
-              <a:t>();</a:t>
-            </a:r>
-          </a:p>
-          <a:p>
-            <a:pPr marL="0" indent="0">
-              <a:buNone/>
-            </a:pPr>
-            <a:endParaRPr lang="en-US" dirty="0"/>
-          </a:p>
-          <a:p>
-            <a:endParaRPr lang="en-US" dirty="0"/>
-          </a:p>
-        </p:txBody>
-      </p:sp>
-      <p:graphicFrame>
-        <p:nvGraphicFramePr>
-          <p:cNvPr id="7" name="Content Placeholder 6"/>
-          <p:cNvGraphicFramePr>
-            <a:graphicFrameLocks noGrp="1"/>
-          </p:cNvGraphicFramePr>
-          <p:nvPr>
-            <p:ph sz="half" idx="2"/>
-            <p:extLst>
-              <p:ext uri="{D42A27DB-BD31-4B8C-83A1-F6EECF244321}">
-                <p14:modId xmlns:p14="http://schemas.microsoft.com/office/powerpoint/2010/main" val="2092718394"/>
-              </p:ext>
-            </p:extLst>
-          </p:nvPr>
-        </p:nvGraphicFramePr>
-        <p:xfrm>
-          <a:off x="6172200" y="1825625"/>
-          <a:ext cx="5181600" cy="4054668"/>
-        </p:xfrm>
-        <a:graphic>
-          <a:graphicData uri="http://schemas.openxmlformats.org/drawingml/2006/table">
-            <a:tbl>
-              <a:tblPr firstRow="1" bandRow="1">
-                <a:tableStyleId>{5C22544A-7EE6-4342-B048-85BDC9FD1C3A}</a:tableStyleId>
-              </a:tblPr>
-              <a:tblGrid>
-                <a:gridCol w="2590800"/>
-                <a:gridCol w="2590800"/>
-              </a:tblGrid>
-              <a:tr h="675778">
-                <a:tc>
-                  <a:txBody>
-                    <a:bodyPr/>
-                    <a:lstStyle/>
-                    <a:p>
-                      <a:r>
-                        <a:rPr lang="en-US" dirty="0" smtClean="0"/>
-                        <a:t>Title</a:t>
-                      </a:r>
-                      <a:endParaRPr lang="en-US" dirty="0"/>
-                    </a:p>
-                  </a:txBody>
-                  <a:tcPr/>
-                </a:tc>
-                <a:tc>
-                  <a:txBody>
-                    <a:bodyPr/>
-                    <a:lstStyle/>
-                    <a:p>
-                      <a:r>
-                        <a:rPr lang="en-US" dirty="0" smtClean="0"/>
-                        <a:t>Text Box		</a:t>
-                      </a:r>
-                      <a:endParaRPr lang="en-US" dirty="0"/>
-                    </a:p>
-                  </a:txBody>
-                  <a:tcPr/>
-                </a:tc>
-              </a:tr>
-              <a:tr h="675778">
-                <a:tc>
-                  <a:txBody>
-                    <a:bodyPr/>
-                    <a:lstStyle/>
-                    <a:p>
-                      <a:r>
-                        <a:rPr lang="en-US" dirty="0" smtClean="0"/>
-                        <a:t>Name</a:t>
-                      </a:r>
-                      <a:endParaRPr lang="en-US" dirty="0"/>
-                    </a:p>
-                  </a:txBody>
-                  <a:tcPr/>
-                </a:tc>
-                <a:tc>
-                  <a:txBody>
-                    <a:bodyPr/>
-                    <a:lstStyle/>
-                    <a:p>
-                      <a:endParaRPr lang="en-US" dirty="0"/>
-                    </a:p>
-                  </a:txBody>
-                  <a:tcPr/>
-                </a:tc>
-              </a:tr>
-              <a:tr h="675778">
-                <a:tc>
-                  <a:txBody>
-                    <a:bodyPr/>
-                    <a:lstStyle/>
-                    <a:p>
-                      <a:pPr marL="0" marR="0" indent="0" algn="l" defTabSz="914400" rtl="0" eaLnBrk="1" fontAlgn="auto" latinLnBrk="0" hangingPunct="1">
-                        <a:lnSpc>
-                          <a:spcPct val="100000"/>
-                        </a:lnSpc>
-                        <a:spcBef>
-                          <a:spcPts val="0"/>
-                        </a:spcBef>
-                        <a:spcAft>
-                          <a:spcPts val="0"/>
-                        </a:spcAft>
-                        <a:buClrTx/>
-                        <a:buSzTx/>
-                        <a:buFontTx/>
-                        <a:buNone/>
-                        <a:tabLst/>
-                        <a:defRPr/>
-                      </a:pPr>
-                      <a:r>
-                        <a:rPr lang="en-US" dirty="0" smtClean="0"/>
-                        <a:t>Mobile</a:t>
-                      </a:r>
-                      <a:r>
-                        <a:rPr lang="en-US" baseline="0" dirty="0" smtClean="0"/>
-                        <a:t> No</a:t>
-                      </a:r>
-                      <a:endParaRPr lang="en-US" dirty="0" smtClean="0"/>
-                    </a:p>
-                    <a:p>
-                      <a:endParaRPr lang="en-US" dirty="0"/>
-                    </a:p>
-                  </a:txBody>
-                  <a:tcPr/>
-                </a:tc>
-                <a:tc>
-                  <a:txBody>
-                    <a:bodyPr/>
-                    <a:lstStyle/>
-                    <a:p>
-                      <a:endParaRPr lang="en-US" dirty="0"/>
-                    </a:p>
-                  </a:txBody>
-                  <a:tcPr/>
-                </a:tc>
-              </a:tr>
-              <a:tr h="675778">
-                <a:tc>
-                  <a:txBody>
-                    <a:bodyPr/>
-                    <a:lstStyle/>
-                    <a:p>
-                      <a:r>
-                        <a:rPr lang="en-US" dirty="0" smtClean="0"/>
-                        <a:t>License No</a:t>
-                      </a:r>
-                      <a:endParaRPr lang="en-US" dirty="0"/>
-                    </a:p>
-                  </a:txBody>
-                  <a:tcPr/>
-                </a:tc>
-                <a:tc>
-                  <a:txBody>
-                    <a:bodyPr/>
-                    <a:lstStyle/>
-                    <a:p>
-                      <a:endParaRPr lang="en-US" dirty="0"/>
-                    </a:p>
-                  </a:txBody>
-                  <a:tcPr/>
-                </a:tc>
-              </a:tr>
-              <a:tr h="675778">
-                <a:tc>
-                  <a:txBody>
-                    <a:bodyPr/>
-                    <a:lstStyle/>
-                    <a:p>
-                      <a:pPr marL="0" marR="0" indent="0" algn="l" defTabSz="914400" rtl="0" eaLnBrk="1" fontAlgn="auto" latinLnBrk="0" hangingPunct="1">
-                        <a:lnSpc>
-                          <a:spcPct val="100000"/>
-                        </a:lnSpc>
-                        <a:spcBef>
-                          <a:spcPts val="0"/>
-                        </a:spcBef>
-                        <a:spcAft>
-                          <a:spcPts val="0"/>
-                        </a:spcAft>
-                        <a:buClrTx/>
-                        <a:buSzTx/>
-                        <a:buFontTx/>
-                        <a:buNone/>
-                        <a:tabLst/>
-                        <a:defRPr/>
-                      </a:pPr>
-                      <a:r>
-                        <a:rPr lang="en-US" dirty="0" smtClean="0"/>
-                        <a:t>Designation</a:t>
-                      </a:r>
-                    </a:p>
-                    <a:p>
-                      <a:endParaRPr lang="en-US" dirty="0"/>
-                    </a:p>
-                  </a:txBody>
-                  <a:tcPr/>
-                </a:tc>
-                <a:tc>
-                  <a:txBody>
-                    <a:bodyPr/>
-                    <a:lstStyle/>
-                    <a:p>
-                      <a:endParaRPr lang="en-US" dirty="0"/>
-                    </a:p>
-                  </a:txBody>
-                  <a:tcPr/>
-                </a:tc>
-              </a:tr>
-              <a:tr h="675778">
-                <a:tc>
-                  <a:txBody>
-                    <a:bodyPr/>
-                    <a:lstStyle/>
-                    <a:p>
-                      <a:r>
-                        <a:rPr lang="en-US" dirty="0" smtClean="0"/>
-                        <a:t>Address</a:t>
-                      </a:r>
-                      <a:endParaRPr lang="en-US" dirty="0"/>
-                    </a:p>
-                  </a:txBody>
-                  <a:tcPr/>
-                </a:tc>
-                <a:tc>
-                  <a:txBody>
-                    <a:bodyPr/>
-                    <a:lstStyle/>
-                    <a:p>
-                      <a:endParaRPr lang="en-US" dirty="0"/>
-                    </a:p>
-                  </a:txBody>
-                  <a:tcPr/>
-                </a:tc>
-              </a:tr>
-            </a:tbl>
-          </a:graphicData>
-        </a:graphic>
-      </p:graphicFrame>
-    </p:spTree>
-    <p:extLst>
-      <p:ext uri="{BB962C8B-B14F-4D97-AF65-F5344CB8AC3E}">
-        <p14:creationId xmlns:p14="http://schemas.microsoft.com/office/powerpoint/2010/main" val="2907444629"/>
-      </p:ext>
-    </p:extLst>
-  </p:cSld>
-  <p:clrMapOvr>
-    <a:masterClrMapping/>
-  </p:clrMapOvr>
-  <p:timing>
-    <p:tnLst>
-      <p:par>
-        <p:cTn id="1" dur="indefinite" restart="never" nodeType="tmRoot"/>
-      </p:par>
-    </p:tnLst>
-  </p:timing>
-</p:sld>
-</file>
-
-<file path=ppt/slides/slide7.xml><?xml version="1.0" encoding="utf-8"?>
-<p:sld xmlns:a="http://schemas.openxmlformats.org/drawingml/2006/main" xmlns:r="http://schemas.openxmlformats.org/officeDocument/2006/relationships" xmlns:p="http://schemas.openxmlformats.org/presentationml/2006/main">
-  <p:cSld>
-    <p:bg>
-      <p:bgPr>
-        <a:solidFill>
-          <a:schemeClr val="accent4">
-            <a:lumMod val="75000"/>
-          </a:schemeClr>
-        </a:solidFill>
-        <a:effectLst/>
-      </p:bgPr>
-    </p:bg>
-    <p:spTree>
-      <p:nvGrpSpPr>
-        <p:cNvPr id="1" name=""/>
-        <p:cNvGrpSpPr/>
-        <p:nvPr/>
-      </p:nvGrpSpPr>
-      <p:grpSpPr>
-        <a:xfrm>
-          <a:off x="0" y="0"/>
-          <a:ext cx="0" cy="0"/>
-          <a:chOff x="0" y="0"/>
-          <a:chExt cx="0" cy="0"/>
-        </a:xfrm>
-      </p:grpSpPr>
-      <p:sp>
-        <p:nvSpPr>
-          <p:cNvPr id="2" name="Title 1"/>
-          <p:cNvSpPr>
-            <a:spLocks noGrp="1"/>
-          </p:cNvSpPr>
-          <p:nvPr>
-            <p:ph type="title"/>
-          </p:nvPr>
-        </p:nvSpPr>
-        <p:spPr>
-          <a:gradFill>
-            <a:gsLst>
-              <a:gs pos="0">
-                <a:schemeClr val="accent4">
-                  <a:lumMod val="89000"/>
-                </a:schemeClr>
-              </a:gs>
-              <a:gs pos="23000">
-                <a:schemeClr val="accent4">
-                  <a:lumMod val="89000"/>
-                </a:schemeClr>
-              </a:gs>
-              <a:gs pos="69000">
-                <a:schemeClr val="accent4">
-                  <a:lumMod val="75000"/>
-                </a:schemeClr>
-              </a:gs>
-              <a:gs pos="97000">
-                <a:schemeClr val="accent4">
-                  <a:lumMod val="70000"/>
-                </a:schemeClr>
-              </a:gs>
-            </a:gsLst>
-            <a:path path="circle">
-              <a:fillToRect l="50000" t="50000" r="50000" b="50000"/>
-            </a:path>
-          </a:gradFill>
-        </p:spPr>
-        <p:txBody>
-          <a:bodyPr/>
-          <a:lstStyle/>
-          <a:p>
-            <a:pPr algn="ctr"/>
-            <a:r>
-              <a:rPr lang="en-US" b="1" dirty="0" smtClean="0"/>
-              <a:t>Action Form (Controller)</a:t>
-            </a:r>
-            <a:endParaRPr lang="en-US" b="1" dirty="0"/>
-          </a:p>
-        </p:txBody>
-      </p:sp>
-      <p:sp>
-        <p:nvSpPr>
-          <p:cNvPr id="3" name="Content Placeholder 2"/>
-          <p:cNvSpPr>
-            <a:spLocks noGrp="1"/>
-          </p:cNvSpPr>
-          <p:nvPr>
-            <p:ph sz="half" idx="1"/>
-          </p:nvPr>
-        </p:nvSpPr>
-        <p:spPr>
-          <a:noFill/>
-        </p:spPr>
-        <p:txBody>
-          <a:bodyPr>
-            <a:normAutofit lnSpcReduction="10000"/>
-          </a:bodyPr>
-          <a:lstStyle/>
-          <a:p>
-            <a:r>
-              <a:rPr lang="en-US" dirty="0"/>
-              <a:t>Object: </a:t>
-            </a:r>
-            <a:r>
-              <a:rPr lang="en-US" dirty="0" err="1" smtClean="0"/>
-              <a:t>RequisitionInfo</a:t>
-            </a:r>
-            <a:endParaRPr lang="en-US" dirty="0"/>
-          </a:p>
-          <a:p>
-            <a:r>
-              <a:rPr lang="en-US" dirty="0" smtClean="0"/>
-              <a:t>Attribute</a:t>
-            </a:r>
-          </a:p>
-          <a:p>
-            <a:pPr marL="457200" lvl="1" indent="0">
-              <a:buNone/>
-            </a:pPr>
-            <a:r>
-              <a:rPr lang="en-US" dirty="0" smtClean="0"/>
-              <a:t>	Id;</a:t>
-            </a:r>
-          </a:p>
-          <a:p>
-            <a:pPr marL="0" indent="0">
-              <a:buNone/>
-            </a:pPr>
-            <a:r>
-              <a:rPr lang="en-US" dirty="0"/>
-              <a:t>	</a:t>
-            </a:r>
-            <a:r>
-              <a:rPr lang="en-US" dirty="0" err="1" smtClean="0"/>
-              <a:t>UserInfo</a:t>
-            </a:r>
-            <a:r>
-              <a:rPr lang="en-US" dirty="0" smtClean="0"/>
-              <a:t>;</a:t>
-            </a:r>
-          </a:p>
-          <a:p>
-            <a:pPr marL="0" indent="0">
-              <a:buNone/>
-            </a:pPr>
-            <a:r>
-              <a:rPr lang="en-US" dirty="0" smtClean="0"/>
-              <a:t>	</a:t>
-            </a:r>
-            <a:r>
-              <a:rPr lang="en-US" dirty="0" err="1" smtClean="0"/>
-              <a:t>RequisitionInfo</a:t>
-            </a:r>
-            <a:r>
-              <a:rPr lang="en-US" dirty="0" smtClean="0"/>
-              <a:t>;</a:t>
-            </a:r>
-          </a:p>
-          <a:p>
-            <a:pPr marL="0" indent="0">
-              <a:buNone/>
-            </a:pPr>
-            <a:r>
-              <a:rPr lang="en-US" dirty="0" smtClean="0"/>
-              <a:t>	</a:t>
-            </a:r>
-            <a:r>
-              <a:rPr lang="en-US" dirty="0" err="1" smtClean="0"/>
-              <a:t>VehicleInfo</a:t>
-            </a:r>
-            <a:r>
-              <a:rPr lang="en-US" dirty="0" smtClean="0"/>
-              <a:t>;</a:t>
-            </a:r>
-          </a:p>
-          <a:p>
-            <a:pPr marL="0" indent="0">
-              <a:buNone/>
-            </a:pPr>
-            <a:r>
-              <a:rPr lang="en-US" dirty="0" smtClean="0"/>
-              <a:t>	</a:t>
-            </a:r>
-            <a:r>
-              <a:rPr lang="en-US" dirty="0" err="1" smtClean="0"/>
-              <a:t>DriverInfo</a:t>
-            </a:r>
-            <a:r>
-              <a:rPr lang="en-US" dirty="0" smtClean="0"/>
-              <a:t>;</a:t>
-            </a:r>
-          </a:p>
-          <a:p>
-            <a:pPr marL="0" indent="0">
-              <a:buNone/>
-            </a:pPr>
-            <a:r>
-              <a:rPr lang="en-US" dirty="0" smtClean="0"/>
-              <a:t>	</a:t>
-            </a:r>
-            <a:r>
-              <a:rPr lang="en-US" dirty="0" err="1" smtClean="0"/>
-              <a:t>CancelRequisition</a:t>
-            </a:r>
-            <a:r>
-              <a:rPr lang="en-US" dirty="0" smtClean="0"/>
-              <a:t>;</a:t>
-            </a:r>
-          </a:p>
-          <a:p>
-            <a:pPr marL="0" indent="0">
-              <a:buNone/>
-            </a:pPr>
-            <a:r>
-              <a:rPr lang="en-US" dirty="0"/>
-              <a:t>	</a:t>
-            </a:r>
-            <a:r>
-              <a:rPr lang="en-US" dirty="0" err="1" smtClean="0"/>
-              <a:t>ReassainRequisition</a:t>
-            </a:r>
-            <a:r>
-              <a:rPr lang="en-US" dirty="0" smtClean="0"/>
-              <a:t>;</a:t>
-            </a:r>
-          </a:p>
-          <a:p>
-            <a:pPr marL="0" indent="0">
-              <a:buNone/>
-            </a:pPr>
-            <a:endParaRPr lang="en-US" dirty="0"/>
-          </a:p>
-          <a:p>
-            <a:endParaRPr lang="en-US" dirty="0"/>
-          </a:p>
-        </p:txBody>
-      </p:sp>
-      <p:sp>
-        <p:nvSpPr>
-          <p:cNvPr id="4" name="Content Placeholder 3"/>
-          <p:cNvSpPr>
-            <a:spLocks noGrp="1"/>
-          </p:cNvSpPr>
-          <p:nvPr>
-            <p:ph sz="half" idx="2"/>
-          </p:nvPr>
-        </p:nvSpPr>
-        <p:spPr/>
-        <p:txBody>
-          <a:bodyPr>
-            <a:normAutofit lnSpcReduction="10000"/>
-          </a:bodyPr>
-          <a:lstStyle/>
-          <a:p>
-            <a:endParaRPr lang="en-US" dirty="0" smtClean="0"/>
-          </a:p>
-          <a:p>
-            <a:r>
-              <a:rPr lang="en-US" dirty="0" smtClean="0"/>
-              <a:t>Activity</a:t>
-            </a:r>
-            <a:r>
-              <a:rPr lang="en-US" dirty="0"/>
-              <a:t>:</a:t>
-            </a:r>
-          </a:p>
-          <a:p>
-            <a:pPr marL="0" indent="0">
-              <a:buNone/>
-            </a:pPr>
-            <a:r>
-              <a:rPr lang="en-US" dirty="0"/>
-              <a:t>	</a:t>
-            </a:r>
-            <a:r>
-              <a:rPr lang="en-US" dirty="0" err="1"/>
-              <a:t>RequisitionList</a:t>
-            </a:r>
-            <a:r>
-              <a:rPr lang="en-US" dirty="0"/>
-              <a:t>();</a:t>
-            </a:r>
-          </a:p>
-          <a:p>
-            <a:pPr marL="0" indent="0">
-              <a:buNone/>
-            </a:pPr>
-            <a:r>
-              <a:rPr lang="en-US" dirty="0"/>
-              <a:t>	</a:t>
-            </a:r>
-            <a:r>
-              <a:rPr lang="en-US" dirty="0" err="1"/>
-              <a:t>SearchRequisition</a:t>
-            </a:r>
-            <a:r>
-              <a:rPr lang="en-US" dirty="0"/>
-              <a:t>();</a:t>
-            </a:r>
-          </a:p>
-          <a:p>
-            <a:pPr marL="0" indent="0">
-              <a:buNone/>
-            </a:pPr>
-            <a:r>
-              <a:rPr lang="en-US" dirty="0"/>
-              <a:t>	</a:t>
-            </a:r>
-            <a:r>
-              <a:rPr lang="en-US" dirty="0" err="1"/>
-              <a:t>ApproveRequisition</a:t>
-            </a:r>
-            <a:r>
-              <a:rPr lang="en-US" dirty="0"/>
-              <a:t>();</a:t>
-            </a:r>
-          </a:p>
-          <a:p>
-            <a:pPr marL="0" indent="0">
-              <a:buNone/>
-            </a:pPr>
-            <a:r>
-              <a:rPr lang="en-US" dirty="0"/>
-              <a:t>	</a:t>
-            </a:r>
-            <a:r>
-              <a:rPr lang="en-US" dirty="0" err="1"/>
-              <a:t>CancelRequisition</a:t>
-            </a:r>
-            <a:r>
-              <a:rPr lang="en-US" dirty="0"/>
-              <a:t>();</a:t>
-            </a:r>
-          </a:p>
-          <a:p>
-            <a:pPr marL="0" indent="0">
-              <a:buNone/>
-            </a:pPr>
-            <a:r>
-              <a:rPr lang="en-US" dirty="0"/>
-              <a:t>	</a:t>
-            </a:r>
-            <a:r>
-              <a:rPr lang="en-US" dirty="0" err="1"/>
-              <a:t>CheckInTime</a:t>
-            </a:r>
-            <a:r>
-              <a:rPr lang="en-US" dirty="0"/>
-              <a:t>();</a:t>
-            </a:r>
-          </a:p>
-          <a:p>
-            <a:pPr marL="0" indent="0">
-              <a:buNone/>
-            </a:pPr>
-            <a:r>
-              <a:rPr lang="en-US" dirty="0"/>
-              <a:t>	</a:t>
-            </a:r>
-            <a:r>
-              <a:rPr lang="en-US" dirty="0" err="1"/>
-              <a:t>CheckOutTime</a:t>
-            </a:r>
-            <a:r>
-              <a:rPr lang="en-US" dirty="0"/>
-              <a:t>();</a:t>
-            </a:r>
-          </a:p>
-        </p:txBody>
-      </p:sp>
-    </p:spTree>
-    <p:extLst>
-      <p:ext uri="{BB962C8B-B14F-4D97-AF65-F5344CB8AC3E}">
-        <p14:creationId xmlns:p14="http://schemas.microsoft.com/office/powerpoint/2010/main" val="3827304921"/>
-      </p:ext>
-    </p:extLst>
-  </p:cSld>
-  <p:clrMapOvr>
-    <a:masterClrMapping/>
-  </p:clrMapOvr>
-  <p:timing>
-    <p:tnLst>
-      <p:par>
-        <p:cTn id="1" dur="indefinite" restart="never" nodeType="tmRoot"/>
-      </p:par>
-    </p:tnLst>
-  </p:timing>
-</p:sld>
-</file>
-
-<file path=ppt/slides/slide8.xml><?xml version="1.0" encoding="utf-8"?>
-<p:sld xmlns:a="http://schemas.openxmlformats.org/drawingml/2006/main" xmlns:r="http://schemas.openxmlformats.org/officeDocument/2006/relationships" xmlns:p="http://schemas.openxmlformats.org/presentationml/2006/main">
-  <p:cSld>
-    <p:bg>
-      <p:bgPr>
-        <a:solidFill>
-          <a:schemeClr val="accent4">
-            <a:lumMod val="75000"/>
-          </a:schemeClr>
-        </a:solidFill>
-        <a:effectLst/>
-      </p:bgPr>
-    </p:bg>
-    <p:spTree>
-      <p:nvGrpSpPr>
-        <p:cNvPr id="1" name=""/>
-        <p:cNvGrpSpPr/>
-        <p:nvPr/>
-      </p:nvGrpSpPr>
-      <p:grpSpPr>
-        <a:xfrm>
-          <a:off x="0" y="0"/>
-          <a:ext cx="0" cy="0"/>
-          <a:chOff x="0" y="0"/>
-          <a:chExt cx="0" cy="0"/>
-        </a:xfrm>
-      </p:grpSpPr>
-      <p:sp>
-        <p:nvSpPr>
-          <p:cNvPr id="2" name="Title 1"/>
-          <p:cNvSpPr>
-            <a:spLocks noGrp="1"/>
-          </p:cNvSpPr>
-          <p:nvPr>
-            <p:ph type="title"/>
-          </p:nvPr>
-        </p:nvSpPr>
-        <p:spPr>
-          <a:gradFill>
-            <a:gsLst>
-              <a:gs pos="0">
-                <a:schemeClr val="accent4">
-                  <a:lumMod val="89000"/>
-                </a:schemeClr>
-              </a:gs>
-              <a:gs pos="23000">
-                <a:schemeClr val="accent4">
-                  <a:lumMod val="89000"/>
-                </a:schemeClr>
-              </a:gs>
-              <a:gs pos="69000">
-                <a:schemeClr val="accent4">
-                  <a:lumMod val="75000"/>
-                </a:schemeClr>
-              </a:gs>
-              <a:gs pos="97000">
-                <a:schemeClr val="accent4">
-                  <a:lumMod val="70000"/>
-                </a:schemeClr>
-              </a:gs>
-            </a:gsLst>
-            <a:path path="circle">
-              <a:fillToRect l="50000" t="50000" r="50000" b="50000"/>
-            </a:path>
-          </a:gradFill>
-        </p:spPr>
-        <p:txBody>
-          <a:bodyPr/>
-          <a:lstStyle/>
-          <a:p>
-            <a:pPr algn="ctr"/>
-            <a:r>
-              <a:rPr lang="en-US" b="1" dirty="0" smtClean="0"/>
-              <a:t>Registration Form (User)</a:t>
-            </a:r>
-            <a:endParaRPr lang="en-US" b="1" dirty="0"/>
-          </a:p>
-        </p:txBody>
-      </p:sp>
-      <p:sp>
-        <p:nvSpPr>
-          <p:cNvPr id="3" name="Content Placeholder 2"/>
-          <p:cNvSpPr>
-            <a:spLocks noGrp="1"/>
-          </p:cNvSpPr>
-          <p:nvPr>
-            <p:ph sz="half" idx="1"/>
-          </p:nvPr>
-        </p:nvSpPr>
-        <p:spPr>
-          <a:noFill/>
-        </p:spPr>
-        <p:txBody>
-          <a:bodyPr>
-            <a:normAutofit fontScale="70000" lnSpcReduction="20000"/>
-          </a:bodyPr>
-          <a:lstStyle/>
-          <a:p>
-            <a:r>
-              <a:rPr lang="en-US" dirty="0"/>
-              <a:t>Object: </a:t>
-            </a:r>
-            <a:r>
-              <a:rPr lang="en-US" dirty="0" err="1" smtClean="0"/>
-              <a:t>UserInfo</a:t>
-            </a:r>
-            <a:endParaRPr lang="en-US" dirty="0"/>
-          </a:p>
-          <a:p>
-            <a:r>
-              <a:rPr lang="en-US" dirty="0" smtClean="0"/>
-              <a:t>Attribute</a:t>
-            </a:r>
-          </a:p>
-          <a:p>
-            <a:pPr marL="457200" lvl="1" indent="0">
-              <a:buNone/>
-            </a:pPr>
-            <a:r>
-              <a:rPr lang="en-US" dirty="0" smtClean="0"/>
-              <a:t>	Id;</a:t>
-            </a:r>
-          </a:p>
-          <a:p>
-            <a:pPr marL="0" indent="0">
-              <a:buNone/>
-            </a:pPr>
-            <a:r>
-              <a:rPr lang="en-US" dirty="0"/>
-              <a:t>	Name;</a:t>
-            </a:r>
-          </a:p>
-          <a:p>
-            <a:pPr marL="0" indent="0">
-              <a:buNone/>
-            </a:pPr>
-            <a:r>
-              <a:rPr lang="en-US" dirty="0"/>
-              <a:t>	</a:t>
-            </a:r>
-            <a:r>
-              <a:rPr lang="en-US" dirty="0" smtClean="0"/>
-              <a:t>Designation;</a:t>
-            </a:r>
-          </a:p>
-          <a:p>
-            <a:pPr marL="0" indent="0">
-              <a:buNone/>
-            </a:pPr>
-            <a:r>
-              <a:rPr lang="en-US" dirty="0"/>
-              <a:t>	</a:t>
-            </a:r>
-            <a:r>
-              <a:rPr lang="en-US" dirty="0" smtClean="0"/>
-              <a:t>Email;</a:t>
-            </a:r>
-            <a:endParaRPr lang="en-US" dirty="0"/>
-          </a:p>
-          <a:p>
-            <a:pPr marL="0" indent="0">
-              <a:buNone/>
-            </a:pPr>
-            <a:r>
-              <a:rPr lang="en-US" dirty="0"/>
-              <a:t>	</a:t>
-            </a:r>
-            <a:r>
-              <a:rPr lang="en-US" dirty="0" err="1"/>
-              <a:t>ContactNo</a:t>
-            </a:r>
-            <a:r>
-              <a:rPr lang="en-US" dirty="0"/>
-              <a:t>;</a:t>
-            </a:r>
-          </a:p>
-          <a:p>
-            <a:pPr marL="0" indent="0">
-              <a:buNone/>
-            </a:pPr>
-            <a:r>
-              <a:rPr lang="en-US" dirty="0"/>
-              <a:t>	Logo/Image;</a:t>
-            </a:r>
-          </a:p>
-          <a:p>
-            <a:pPr marL="0" indent="0">
-              <a:buNone/>
-            </a:pPr>
-            <a:r>
-              <a:rPr lang="en-US" dirty="0"/>
-              <a:t>	Address;</a:t>
-            </a:r>
-          </a:p>
-          <a:p>
-            <a:r>
-              <a:rPr lang="en-US" dirty="0"/>
-              <a:t>Activity:</a:t>
-            </a:r>
-          </a:p>
-          <a:p>
-            <a:pPr marL="0" indent="0">
-              <a:buNone/>
-            </a:pPr>
-            <a:r>
-              <a:rPr lang="en-US" dirty="0"/>
-              <a:t>	</a:t>
-            </a:r>
-            <a:r>
-              <a:rPr lang="en-US" dirty="0" err="1" smtClean="0"/>
-              <a:t>CreateUser</a:t>
-            </a:r>
-            <a:r>
-              <a:rPr lang="en-US" dirty="0" smtClean="0"/>
-              <a:t>();</a:t>
-            </a:r>
-            <a:endParaRPr lang="en-US" dirty="0"/>
-          </a:p>
-          <a:p>
-            <a:pPr marL="0" indent="0">
-              <a:buNone/>
-            </a:pPr>
-            <a:r>
-              <a:rPr lang="en-US" dirty="0" smtClean="0"/>
-              <a:t>	</a:t>
-            </a:r>
-            <a:r>
-              <a:rPr lang="en-US" dirty="0" err="1" smtClean="0"/>
-              <a:t>GetRegInfo</a:t>
-            </a:r>
-            <a:r>
-              <a:rPr lang="en-US" dirty="0" smtClean="0"/>
-              <a:t>();</a:t>
-            </a:r>
-          </a:p>
-          <a:p>
-            <a:pPr marL="0" indent="0">
-              <a:buNone/>
-            </a:pPr>
-            <a:r>
-              <a:rPr lang="en-US" dirty="0"/>
-              <a:t>	</a:t>
-            </a:r>
-            <a:r>
-              <a:rPr lang="en-US" dirty="0" err="1" smtClean="0"/>
-              <a:t>EditInfo</a:t>
-            </a:r>
-            <a:r>
-              <a:rPr lang="en-US" dirty="0" smtClean="0"/>
-              <a:t>();</a:t>
-            </a:r>
-          </a:p>
-          <a:p>
-            <a:pPr marL="0" indent="0">
-              <a:buNone/>
-            </a:pPr>
-            <a:endParaRPr lang="en-US" dirty="0"/>
-          </a:p>
-          <a:p>
-            <a:endParaRPr lang="en-US" dirty="0"/>
-          </a:p>
-        </p:txBody>
-      </p:sp>
-      <p:graphicFrame>
-        <p:nvGraphicFramePr>
-          <p:cNvPr id="7" name="Content Placeholder 6"/>
-          <p:cNvGraphicFramePr>
-            <a:graphicFrameLocks noGrp="1"/>
-          </p:cNvGraphicFramePr>
-          <p:nvPr>
-            <p:ph sz="half" idx="2"/>
-            <p:extLst>
-              <p:ext uri="{D42A27DB-BD31-4B8C-83A1-F6EECF244321}">
-                <p14:modId xmlns:p14="http://schemas.microsoft.com/office/powerpoint/2010/main" val="1020137389"/>
-              </p:ext>
-            </p:extLst>
-          </p:nvPr>
-        </p:nvGraphicFramePr>
-        <p:xfrm>
-          <a:off x="6172200" y="1825625"/>
-          <a:ext cx="5181600" cy="4054668"/>
-        </p:xfrm>
-        <a:graphic>
-          <a:graphicData uri="http://schemas.openxmlformats.org/drawingml/2006/table">
-            <a:tbl>
-              <a:tblPr firstRow="1" bandRow="1">
-                <a:tableStyleId>{5C22544A-7EE6-4342-B048-85BDC9FD1C3A}</a:tableStyleId>
-              </a:tblPr>
-              <a:tblGrid>
-                <a:gridCol w="2590800"/>
-                <a:gridCol w="2590800"/>
-              </a:tblGrid>
-              <a:tr h="675778">
-                <a:tc>
-                  <a:txBody>
-                    <a:bodyPr/>
-                    <a:lstStyle/>
-                    <a:p>
-                      <a:r>
-                        <a:rPr lang="en-US" dirty="0" smtClean="0"/>
-                        <a:t>Title</a:t>
-                      </a:r>
-                      <a:endParaRPr lang="en-US" dirty="0"/>
-                    </a:p>
-                  </a:txBody>
-                  <a:tcPr/>
-                </a:tc>
-                <a:tc>
-                  <a:txBody>
-                    <a:bodyPr/>
-                    <a:lstStyle/>
-                    <a:p>
-                      <a:r>
-                        <a:rPr lang="en-US" dirty="0" smtClean="0"/>
-                        <a:t>Text Box		</a:t>
-                      </a:r>
-                      <a:endParaRPr lang="en-US" dirty="0"/>
-                    </a:p>
-                  </a:txBody>
-                  <a:tcPr/>
-                </a:tc>
-              </a:tr>
-              <a:tr h="675778">
-                <a:tc>
-                  <a:txBody>
-                    <a:bodyPr/>
-                    <a:lstStyle/>
-                    <a:p>
-                      <a:r>
-                        <a:rPr lang="en-US" dirty="0" smtClean="0"/>
-                        <a:t>Name</a:t>
-                      </a:r>
-                      <a:endParaRPr lang="en-US" dirty="0"/>
-                    </a:p>
-                  </a:txBody>
-                  <a:tcPr/>
-                </a:tc>
-                <a:tc>
-                  <a:txBody>
-                    <a:bodyPr/>
-                    <a:lstStyle/>
-                    <a:p>
-                      <a:endParaRPr lang="en-US" dirty="0"/>
-                    </a:p>
-                  </a:txBody>
-                  <a:tcPr/>
-                </a:tc>
-              </a:tr>
-              <a:tr h="675778">
-                <a:tc>
-                  <a:txBody>
-                    <a:bodyPr/>
-                    <a:lstStyle/>
-                    <a:p>
-                      <a:r>
-                        <a:rPr lang="en-US" dirty="0" smtClean="0"/>
-                        <a:t>Designation</a:t>
-                      </a:r>
-                      <a:endParaRPr lang="en-US" dirty="0"/>
-                    </a:p>
-                  </a:txBody>
-                  <a:tcPr/>
-                </a:tc>
-                <a:tc>
-                  <a:txBody>
-                    <a:bodyPr/>
-                    <a:lstStyle/>
-                    <a:p>
-                      <a:endParaRPr lang="en-US" dirty="0"/>
-                    </a:p>
-                  </a:txBody>
-                  <a:tcPr/>
-                </a:tc>
-              </a:tr>
-              <a:tr h="675778">
-                <a:tc>
-                  <a:txBody>
-                    <a:bodyPr/>
-                    <a:lstStyle/>
-                    <a:p>
-                      <a:r>
-                        <a:rPr lang="en-US" dirty="0" smtClean="0"/>
-                        <a:t>Email</a:t>
-                      </a:r>
-                      <a:endParaRPr lang="en-US" dirty="0"/>
-                    </a:p>
-                  </a:txBody>
-                  <a:tcPr/>
-                </a:tc>
-                <a:tc>
-                  <a:txBody>
-                    <a:bodyPr/>
-                    <a:lstStyle/>
-                    <a:p>
-                      <a:endParaRPr lang="en-US" dirty="0"/>
-                    </a:p>
-                  </a:txBody>
-                  <a:tcPr/>
-                </a:tc>
-              </a:tr>
-              <a:tr h="675778">
-                <a:tc>
-                  <a:txBody>
-                    <a:bodyPr/>
-                    <a:lstStyle/>
-                    <a:p>
-                      <a:r>
-                        <a:rPr lang="en-US" dirty="0" smtClean="0"/>
-                        <a:t>Mobile N</a:t>
-                      </a:r>
-                      <a:endParaRPr lang="en-US" dirty="0"/>
-                    </a:p>
-                  </a:txBody>
-                  <a:tcPr/>
-                </a:tc>
-                <a:tc>
-                  <a:txBody>
-                    <a:bodyPr/>
-                    <a:lstStyle/>
-                    <a:p>
-                      <a:endParaRPr lang="en-US" dirty="0"/>
-                    </a:p>
-                  </a:txBody>
-                  <a:tcPr/>
-                </a:tc>
-              </a:tr>
-              <a:tr h="675778">
-                <a:tc>
-                  <a:txBody>
-                    <a:bodyPr/>
-                    <a:lstStyle/>
-                    <a:p>
-                      <a:r>
-                        <a:rPr lang="en-US" dirty="0" smtClean="0"/>
-                        <a:t>Office Address</a:t>
-                      </a:r>
-                      <a:endParaRPr lang="en-US" dirty="0"/>
-                    </a:p>
-                  </a:txBody>
-                  <a:tcPr/>
-                </a:tc>
-                <a:tc>
-                  <a:txBody>
-                    <a:bodyPr/>
-                    <a:lstStyle/>
-                    <a:p>
-                      <a:endParaRPr lang="en-US" dirty="0"/>
-                    </a:p>
-                  </a:txBody>
-                  <a:tcPr/>
-                </a:tc>
-              </a:tr>
-            </a:tbl>
-          </a:graphicData>
-        </a:graphic>
-      </p:graphicFrame>
-    </p:spTree>
-    <p:extLst>
-      <p:ext uri="{BB962C8B-B14F-4D97-AF65-F5344CB8AC3E}">
-        <p14:creationId xmlns:p14="http://schemas.microsoft.com/office/powerpoint/2010/main" val="2198716805"/>
-      </p:ext>
-    </p:extLst>
-  </p:cSld>
-  <p:clrMapOvr>
-    <a:masterClrMapping/>
-  </p:clrMapOvr>
-  <p:timing>
-    <p:tnLst>
-      <p:par>
-        <p:cTn id="1" dur="indefinite" restart="never" nodeType="tmRoot"/>
-      </p:par>
-    </p:tnLst>
-  </p:timing>
-</p:sld>
-</file>
-
-<file path=ppt/slides/slide9.xml><?xml version="1.0" encoding="utf-8"?>
-<p:sld xmlns:a="http://schemas.openxmlformats.org/drawingml/2006/main" xmlns:r="http://schemas.openxmlformats.org/officeDocument/2006/relationships" xmlns:p="http://schemas.openxmlformats.org/presentationml/2006/main">
-  <p:cSld>
-    <p:bg>
-      <p:bgPr>
         <a:solidFill>
           <a:schemeClr val="accent4">
             <a:lumMod val="75000"/>
@@ -7759,6 +4085,3776 @@
 </p:sld>
 </file>
 
+<file path=ppt/slides/slide11.xml><?xml version="1.0" encoding="utf-8"?>
+<p:sld xmlns:a="http://schemas.openxmlformats.org/drawingml/2006/main" xmlns:r="http://schemas.openxmlformats.org/officeDocument/2006/relationships" xmlns:p="http://schemas.openxmlformats.org/presentationml/2006/main">
+  <p:cSld>
+    <p:bg>
+      <p:bgPr>
+        <a:gradFill flip="none" rotWithShape="1">
+          <a:gsLst>
+            <a:gs pos="0">
+              <a:schemeClr val="accent4">
+                <a:lumMod val="89000"/>
+              </a:schemeClr>
+            </a:gs>
+            <a:gs pos="23000">
+              <a:schemeClr val="accent4">
+                <a:lumMod val="89000"/>
+              </a:schemeClr>
+            </a:gs>
+            <a:gs pos="69000">
+              <a:schemeClr val="accent4">
+                <a:lumMod val="75000"/>
+              </a:schemeClr>
+            </a:gs>
+            <a:gs pos="97000">
+              <a:schemeClr val="accent4">
+                <a:lumMod val="70000"/>
+              </a:schemeClr>
+            </a:gs>
+          </a:gsLst>
+          <a:path path="circle">
+            <a:fillToRect l="50000" t="50000" r="50000" b="50000"/>
+          </a:path>
+          <a:tileRect/>
+        </a:gradFill>
+        <a:effectLst/>
+      </p:bgPr>
+    </p:bg>
+    <p:spTree>
+      <p:nvGrpSpPr>
+        <p:cNvPr id="1" name=""/>
+        <p:cNvGrpSpPr/>
+        <p:nvPr/>
+      </p:nvGrpSpPr>
+      <p:grpSpPr>
+        <a:xfrm>
+          <a:off x="0" y="0"/>
+          <a:ext cx="0" cy="0"/>
+          <a:chOff x="0" y="0"/>
+          <a:chExt cx="0" cy="0"/>
+        </a:xfrm>
+      </p:grpSpPr>
+      <p:sp>
+        <p:nvSpPr>
+          <p:cNvPr id="2" name="Title 1"/>
+          <p:cNvSpPr>
+            <a:spLocks noGrp="1"/>
+          </p:cNvSpPr>
+          <p:nvPr>
+            <p:ph type="ctrTitle"/>
+          </p:nvPr>
+        </p:nvSpPr>
+        <p:spPr>
+          <a:xfrm>
+            <a:off x="1524000" y="1122363"/>
+            <a:ext cx="9144000" cy="4153022"/>
+          </a:xfrm>
+          <a:solidFill>
+            <a:schemeClr val="accent4">
+              <a:lumMod val="75000"/>
+            </a:schemeClr>
+          </a:solidFill>
+        </p:spPr>
+        <p:txBody>
+          <a:bodyPr anchor="ctr">
+            <a:noAutofit/>
+          </a:bodyPr>
+          <a:lstStyle/>
+          <a:p>
+            <a:r>
+              <a:rPr lang="en-US" sz="11500" dirty="0">
+                <a:solidFill>
+                  <a:srgbClr val="FFFF00"/>
+                </a:solidFill>
+              </a:rPr>
+              <a:t>Thanks To All</a:t>
+            </a:r>
+          </a:p>
+        </p:txBody>
+      </p:sp>
+    </p:spTree>
+    <p:extLst>
+      <p:ext uri="{BB962C8B-B14F-4D97-AF65-F5344CB8AC3E}">
+        <p14:creationId xmlns:p14="http://schemas.microsoft.com/office/powerpoint/2010/main" val="849137660"/>
+      </p:ext>
+    </p:extLst>
+  </p:cSld>
+  <p:clrMapOvr>
+    <a:masterClrMapping/>
+  </p:clrMapOvr>
+  <p:timing>
+    <p:tnLst>
+      <p:par>
+        <p:cTn id="1" dur="indefinite" restart="never" nodeType="tmRoot">
+          <p:childTnLst>
+            <p:seq concurrent="1" nextAc="seek">
+              <p:cTn id="2" dur="indefinite" nodeType="mainSeq">
+                <p:childTnLst>
+                  <p:par>
+                    <p:cTn id="3" fill="hold">
+                      <p:stCondLst>
+                        <p:cond delay="indefinite"/>
+                      </p:stCondLst>
+                      <p:childTnLst>
+                        <p:par>
+                          <p:cTn id="4" fill="hold">
+                            <p:stCondLst>
+                              <p:cond delay="0"/>
+                            </p:stCondLst>
+                            <p:childTnLst>
+                              <p:par>
+                                <p:cTn id="5" presetID="16" presetClass="entr" presetSubtype="21" fill="hold" grpId="0" nodeType="clickEffect">
+                                  <p:stCondLst>
+                                    <p:cond delay="0"/>
+                                  </p:stCondLst>
+                                  <p:childTnLst>
+                                    <p:set>
+                                      <p:cBhvr>
+                                        <p:cTn id="6" dur="1" fill="hold">
+                                          <p:stCondLst>
+                                            <p:cond delay="0"/>
+                                          </p:stCondLst>
+                                        </p:cTn>
+                                        <p:tgtEl>
+                                          <p:spTgt spid="2"/>
+                                        </p:tgtEl>
+                                        <p:attrNameLst>
+                                          <p:attrName>style.visibility</p:attrName>
+                                        </p:attrNameLst>
+                                      </p:cBhvr>
+                                      <p:to>
+                                        <p:strVal val="visible"/>
+                                      </p:to>
+                                    </p:set>
+                                    <p:animEffect transition="in" filter="barn(inVertical)">
+                                      <p:cBhvr>
+                                        <p:cTn id="7" dur="500"/>
+                                        <p:tgtEl>
+                                          <p:spTgt spid="2"/>
+                                        </p:tgtEl>
+                                      </p:cBhvr>
+                                    </p:animEffect>
+                                  </p:childTnLst>
+                                </p:cTn>
+                              </p:par>
+                            </p:childTnLst>
+                          </p:cTn>
+                        </p:par>
+                      </p:childTnLst>
+                    </p:cTn>
+                  </p:par>
+                </p:childTnLst>
+              </p:cTn>
+              <p:prevCondLst>
+                <p:cond evt="onPrev" delay="0">
+                  <p:tgtEl>
+                    <p:sldTgt/>
+                  </p:tgtEl>
+                </p:cond>
+              </p:prevCondLst>
+              <p:nextCondLst>
+                <p:cond evt="onNext" delay="0">
+                  <p:tgtEl>
+                    <p:sldTgt/>
+                  </p:tgtEl>
+                </p:cond>
+              </p:nextCondLst>
+            </p:seq>
+          </p:childTnLst>
+        </p:cTn>
+      </p:par>
+    </p:tnLst>
+    <p:bldLst>
+      <p:bldP spid="2" grpId="0" animBg="1"/>
+    </p:bldLst>
+  </p:timing>
+</p:sld>
+</file>
+
+<file path=ppt/slides/slide2.xml><?xml version="1.0" encoding="utf-8"?>
+<p:sld xmlns:a="http://schemas.openxmlformats.org/drawingml/2006/main" xmlns:r="http://schemas.openxmlformats.org/officeDocument/2006/relationships" xmlns:p="http://schemas.openxmlformats.org/presentationml/2006/main">
+  <p:cSld>
+    <p:bg>
+      <p:bgPr>
+        <a:gradFill flip="none" rotWithShape="1">
+          <a:gsLst>
+            <a:gs pos="0">
+              <a:schemeClr val="accent4">
+                <a:lumMod val="89000"/>
+              </a:schemeClr>
+            </a:gs>
+            <a:gs pos="23000">
+              <a:schemeClr val="accent4">
+                <a:lumMod val="89000"/>
+              </a:schemeClr>
+            </a:gs>
+            <a:gs pos="69000">
+              <a:schemeClr val="accent4">
+                <a:lumMod val="75000"/>
+              </a:schemeClr>
+            </a:gs>
+            <a:gs pos="97000">
+              <a:schemeClr val="accent4">
+                <a:lumMod val="70000"/>
+              </a:schemeClr>
+            </a:gs>
+          </a:gsLst>
+          <a:path path="circle">
+            <a:fillToRect l="50000" t="50000" r="50000" b="50000"/>
+          </a:path>
+          <a:tileRect/>
+        </a:gradFill>
+        <a:effectLst/>
+      </p:bgPr>
+    </p:bg>
+    <p:spTree>
+      <p:nvGrpSpPr>
+        <p:cNvPr id="1" name=""/>
+        <p:cNvGrpSpPr/>
+        <p:nvPr/>
+      </p:nvGrpSpPr>
+      <p:grpSpPr>
+        <a:xfrm>
+          <a:off x="0" y="0"/>
+          <a:ext cx="0" cy="0"/>
+          <a:chOff x="0" y="0"/>
+          <a:chExt cx="0" cy="0"/>
+        </a:xfrm>
+      </p:grpSpPr>
+      <p:pic>
+        <p:nvPicPr>
+          <p:cNvPr id="4" name="Picture 3"/>
+          <p:cNvPicPr>
+            <a:picLocks noChangeAspect="1"/>
+          </p:cNvPicPr>
+          <p:nvPr/>
+        </p:nvPicPr>
+        <p:blipFill>
+          <a:blip r:embed="rId2">
+            <a:extLst>
+              <a:ext uri="{28A0092B-C50C-407E-A947-70E740481C1C}">
+                <a14:useLocalDpi xmlns:a14="http://schemas.microsoft.com/office/drawing/2010/main" val="0"/>
+              </a:ext>
+            </a:extLst>
+          </a:blip>
+          <a:stretch>
+            <a:fillRect/>
+          </a:stretch>
+        </p:blipFill>
+        <p:spPr>
+          <a:xfrm>
+            <a:off x="423081" y="342410"/>
+            <a:ext cx="11307992" cy="6140278"/>
+          </a:xfrm>
+          <a:prstGeom prst="rect">
+            <a:avLst/>
+          </a:prstGeom>
+        </p:spPr>
+      </p:pic>
+    </p:spTree>
+    <p:extLst>
+      <p:ext uri="{BB962C8B-B14F-4D97-AF65-F5344CB8AC3E}">
+        <p14:creationId xmlns:p14="http://schemas.microsoft.com/office/powerpoint/2010/main" val="2853610896"/>
+      </p:ext>
+    </p:extLst>
+  </p:cSld>
+  <p:clrMapOvr>
+    <a:masterClrMapping/>
+  </p:clrMapOvr>
+  <p:timing>
+    <p:tnLst>
+      <p:par>
+        <p:cTn id="1" dur="indefinite" restart="never" nodeType="tmRoot"/>
+      </p:par>
+    </p:tnLst>
+  </p:timing>
+</p:sld>
+</file>
+
+<file path=ppt/slides/slide3.xml><?xml version="1.0" encoding="utf-8"?>
+<p:sld xmlns:a="http://schemas.openxmlformats.org/drawingml/2006/main" xmlns:r="http://schemas.openxmlformats.org/officeDocument/2006/relationships" xmlns:p="http://schemas.openxmlformats.org/presentationml/2006/main">
+  <p:cSld>
+    <p:bg>
+      <p:bgPr>
+        <a:solidFill>
+          <a:schemeClr val="accent4">
+            <a:lumMod val="75000"/>
+          </a:schemeClr>
+        </a:solidFill>
+        <a:effectLst/>
+      </p:bgPr>
+    </p:bg>
+    <p:spTree>
+      <p:nvGrpSpPr>
+        <p:cNvPr id="1" name=""/>
+        <p:cNvGrpSpPr/>
+        <p:nvPr/>
+      </p:nvGrpSpPr>
+      <p:grpSpPr>
+        <a:xfrm>
+          <a:off x="0" y="0"/>
+          <a:ext cx="0" cy="0"/>
+          <a:chOff x="0" y="0"/>
+          <a:chExt cx="0" cy="0"/>
+        </a:xfrm>
+      </p:grpSpPr>
+      <p:sp>
+        <p:nvSpPr>
+          <p:cNvPr id="2" name="Title 1"/>
+          <p:cNvSpPr>
+            <a:spLocks noGrp="1"/>
+          </p:cNvSpPr>
+          <p:nvPr>
+            <p:ph type="title"/>
+          </p:nvPr>
+        </p:nvSpPr>
+        <p:spPr>
+          <a:xfrm>
+            <a:off x="838199" y="239151"/>
+            <a:ext cx="10556631" cy="858129"/>
+          </a:xfrm>
+          <a:gradFill>
+            <a:gsLst>
+              <a:gs pos="0">
+                <a:schemeClr val="accent4">
+                  <a:lumMod val="89000"/>
+                </a:schemeClr>
+              </a:gs>
+              <a:gs pos="23000">
+                <a:schemeClr val="accent4">
+                  <a:lumMod val="89000"/>
+                </a:schemeClr>
+              </a:gs>
+              <a:gs pos="69000">
+                <a:schemeClr val="accent4">
+                  <a:lumMod val="75000"/>
+                </a:schemeClr>
+              </a:gs>
+              <a:gs pos="97000">
+                <a:schemeClr val="accent4">
+                  <a:lumMod val="70000"/>
+                </a:schemeClr>
+              </a:gs>
+            </a:gsLst>
+            <a:path path="circle">
+              <a:fillToRect l="50000" t="50000" r="50000" b="50000"/>
+            </a:path>
+          </a:gradFill>
+        </p:spPr>
+        <p:txBody>
+          <a:bodyPr/>
+          <a:lstStyle/>
+          <a:p>
+            <a:pPr algn="ctr"/>
+            <a:r>
+              <a:rPr lang="en-US" b="1" dirty="0" smtClean="0"/>
+              <a:t>User Stories</a:t>
+            </a:r>
+            <a:endParaRPr lang="en-US" b="1" dirty="0"/>
+          </a:p>
+        </p:txBody>
+      </p:sp>
+      <p:sp>
+        <p:nvSpPr>
+          <p:cNvPr id="3" name="Content Placeholder 2"/>
+          <p:cNvSpPr>
+            <a:spLocks noGrp="1"/>
+          </p:cNvSpPr>
+          <p:nvPr>
+            <p:ph idx="1"/>
+          </p:nvPr>
+        </p:nvSpPr>
+        <p:spPr/>
+        <p:txBody>
+          <a:bodyPr>
+            <a:normAutofit fontScale="92500" lnSpcReduction="10000"/>
+          </a:bodyPr>
+          <a:lstStyle/>
+          <a:p>
+            <a:pPr marL="514350" indent="-514350">
+              <a:buFont typeface="Arial" panose="020B0604020202020204" pitchFamily="34" charset="0"/>
+              <a:buAutoNum type="arabicPeriod"/>
+            </a:pPr>
+            <a:r>
+              <a:rPr lang="en-US" dirty="0"/>
+              <a:t>As a </a:t>
+            </a:r>
+            <a:r>
+              <a:rPr lang="en-US" dirty="0">
+                <a:solidFill>
+                  <a:schemeClr val="accent1">
+                    <a:lumMod val="75000"/>
+                  </a:schemeClr>
+                </a:solidFill>
+              </a:rPr>
+              <a:t>user</a:t>
+            </a:r>
+            <a:r>
+              <a:rPr lang="en-US" dirty="0"/>
+              <a:t> I want to </a:t>
+            </a:r>
+            <a:r>
+              <a:rPr lang="en-US" dirty="0" smtClean="0">
+                <a:solidFill>
+                  <a:schemeClr val="accent1">
+                    <a:lumMod val="75000"/>
+                  </a:schemeClr>
+                </a:solidFill>
+              </a:rPr>
+              <a:t>login</a:t>
+            </a:r>
+            <a:r>
+              <a:rPr lang="en-US" dirty="0" smtClean="0"/>
+              <a:t>. </a:t>
+            </a:r>
+            <a:r>
+              <a:rPr lang="en-US" dirty="0"/>
+              <a:t>So that </a:t>
+            </a:r>
+            <a:r>
+              <a:rPr lang="en-US" dirty="0">
+                <a:solidFill>
+                  <a:schemeClr val="accent1">
+                    <a:lumMod val="75000"/>
+                  </a:schemeClr>
+                </a:solidFill>
+              </a:rPr>
+              <a:t>create </a:t>
+            </a:r>
+            <a:r>
+              <a:rPr lang="en-US" dirty="0" smtClean="0">
+                <a:solidFill>
+                  <a:schemeClr val="accent1">
+                    <a:lumMod val="75000"/>
+                  </a:schemeClr>
+                </a:solidFill>
+              </a:rPr>
+              <a:t>login </a:t>
+            </a:r>
+            <a:r>
+              <a:rPr lang="en-US" dirty="0">
+                <a:solidFill>
+                  <a:schemeClr val="accent1">
+                    <a:lumMod val="75000"/>
+                  </a:schemeClr>
+                </a:solidFill>
+              </a:rPr>
+              <a:t>form</a:t>
+            </a:r>
+            <a:r>
+              <a:rPr lang="en-US" dirty="0" smtClean="0"/>
+              <a:t>.</a:t>
+            </a:r>
+          </a:p>
+          <a:p>
+            <a:pPr marL="514350" indent="-514350">
+              <a:buFont typeface="Arial" panose="020B0604020202020204" pitchFamily="34" charset="0"/>
+              <a:buAutoNum type="arabicPeriod"/>
+            </a:pPr>
+            <a:r>
+              <a:rPr lang="en-US" dirty="0"/>
+              <a:t>As a </a:t>
+            </a:r>
+            <a:r>
+              <a:rPr lang="en-US" dirty="0">
+                <a:solidFill>
+                  <a:schemeClr val="accent1">
+                    <a:lumMod val="75000"/>
+                  </a:schemeClr>
+                </a:solidFill>
+              </a:rPr>
+              <a:t>user</a:t>
+            </a:r>
+            <a:r>
+              <a:rPr lang="en-US" dirty="0"/>
+              <a:t> I want to </a:t>
+            </a:r>
+            <a:r>
+              <a:rPr lang="en-US" dirty="0" smtClean="0">
+                <a:solidFill>
+                  <a:schemeClr val="accent1">
+                    <a:lumMod val="75000"/>
+                  </a:schemeClr>
+                </a:solidFill>
+              </a:rPr>
+              <a:t>search vehicle</a:t>
+            </a:r>
+            <a:r>
+              <a:rPr lang="en-US" dirty="0" smtClean="0"/>
+              <a:t>. </a:t>
+            </a:r>
+            <a:r>
+              <a:rPr lang="en-US" dirty="0"/>
+              <a:t>So that </a:t>
+            </a:r>
+            <a:r>
+              <a:rPr lang="en-US" dirty="0">
+                <a:solidFill>
+                  <a:schemeClr val="accent1">
+                    <a:lumMod val="75000"/>
+                  </a:schemeClr>
+                </a:solidFill>
+              </a:rPr>
+              <a:t>create </a:t>
+            </a:r>
+            <a:r>
+              <a:rPr lang="en-US" dirty="0" smtClean="0">
+                <a:solidFill>
+                  <a:schemeClr val="accent1">
+                    <a:lumMod val="75000"/>
+                  </a:schemeClr>
+                </a:solidFill>
+              </a:rPr>
+              <a:t>search option</a:t>
+            </a:r>
+            <a:r>
+              <a:rPr lang="en-US" dirty="0" smtClean="0"/>
+              <a:t>.</a:t>
+            </a:r>
+          </a:p>
+          <a:p>
+            <a:pPr marL="514350" indent="-514350">
+              <a:buAutoNum type="arabicPeriod"/>
+            </a:pPr>
+            <a:r>
+              <a:rPr lang="en-US" dirty="0" smtClean="0"/>
+              <a:t>As a </a:t>
+            </a:r>
+            <a:r>
+              <a:rPr lang="en-US" dirty="0" smtClean="0">
+                <a:solidFill>
+                  <a:schemeClr val="accent1">
+                    <a:lumMod val="75000"/>
+                  </a:schemeClr>
+                </a:solidFill>
+              </a:rPr>
+              <a:t>user</a:t>
+            </a:r>
+            <a:r>
+              <a:rPr lang="en-US" dirty="0" smtClean="0"/>
+              <a:t> I want to </a:t>
+            </a:r>
+            <a:r>
+              <a:rPr lang="en-US" dirty="0" smtClean="0">
+                <a:solidFill>
+                  <a:schemeClr val="accent1">
+                    <a:lumMod val="75000"/>
+                  </a:schemeClr>
+                </a:solidFill>
+              </a:rPr>
+              <a:t>send a requisition for vehicle</a:t>
+            </a:r>
+            <a:r>
+              <a:rPr lang="en-US" dirty="0" smtClean="0"/>
+              <a:t>. So that </a:t>
+            </a:r>
+            <a:r>
+              <a:rPr lang="en-US" dirty="0" smtClean="0">
+                <a:solidFill>
+                  <a:schemeClr val="accent1">
+                    <a:lumMod val="75000"/>
+                  </a:schemeClr>
+                </a:solidFill>
+              </a:rPr>
+              <a:t>create requisition form</a:t>
+            </a:r>
+            <a:r>
+              <a:rPr lang="en-US" dirty="0" smtClean="0"/>
+              <a:t>.</a:t>
+            </a:r>
+          </a:p>
+          <a:p>
+            <a:pPr marL="514350" indent="-514350">
+              <a:buFont typeface="Arial" panose="020B0604020202020204" pitchFamily="34" charset="0"/>
+              <a:buAutoNum type="arabicPeriod"/>
+            </a:pPr>
+            <a:r>
+              <a:rPr lang="en-US" dirty="0"/>
+              <a:t>As a </a:t>
+            </a:r>
+            <a:r>
+              <a:rPr lang="en-US" dirty="0">
+                <a:solidFill>
+                  <a:schemeClr val="accent1">
+                    <a:lumMod val="75000"/>
+                  </a:schemeClr>
+                </a:solidFill>
+              </a:rPr>
+              <a:t>user</a:t>
+            </a:r>
+            <a:r>
+              <a:rPr lang="en-US" dirty="0"/>
+              <a:t> I want to </a:t>
+            </a:r>
+            <a:r>
+              <a:rPr lang="en-US" dirty="0" smtClean="0">
+                <a:solidFill>
+                  <a:schemeClr val="accent1">
+                    <a:lumMod val="75000"/>
+                  </a:schemeClr>
+                </a:solidFill>
+              </a:rPr>
+              <a:t>cancel requisition</a:t>
+            </a:r>
+            <a:r>
+              <a:rPr lang="en-US" dirty="0" smtClean="0"/>
+              <a:t>. </a:t>
+            </a:r>
+            <a:r>
+              <a:rPr lang="en-US" dirty="0"/>
+              <a:t>So that </a:t>
+            </a:r>
+            <a:r>
+              <a:rPr lang="en-US" dirty="0">
+                <a:solidFill>
+                  <a:schemeClr val="accent1">
+                    <a:lumMod val="75000"/>
+                  </a:schemeClr>
+                </a:solidFill>
+              </a:rPr>
+              <a:t>create </a:t>
+            </a:r>
+            <a:r>
+              <a:rPr lang="en-US" dirty="0" smtClean="0">
+                <a:solidFill>
+                  <a:schemeClr val="accent1">
+                    <a:lumMod val="75000"/>
+                  </a:schemeClr>
+                </a:solidFill>
+              </a:rPr>
+              <a:t>cancel button</a:t>
+            </a:r>
+            <a:r>
+              <a:rPr lang="en-US" dirty="0" smtClean="0"/>
+              <a:t>.</a:t>
+            </a:r>
+          </a:p>
+          <a:p>
+            <a:pPr marL="514350" indent="-514350">
+              <a:buFont typeface="Arial" panose="020B0604020202020204" pitchFamily="34" charset="0"/>
+              <a:buAutoNum type="arabicPeriod"/>
+            </a:pPr>
+            <a:r>
+              <a:rPr lang="en-US" dirty="0"/>
+              <a:t>As a </a:t>
+            </a:r>
+            <a:r>
+              <a:rPr lang="en-US" dirty="0">
+                <a:solidFill>
+                  <a:schemeClr val="accent1">
+                    <a:lumMod val="75000"/>
+                  </a:schemeClr>
+                </a:solidFill>
+              </a:rPr>
+              <a:t>user</a:t>
+            </a:r>
+            <a:r>
+              <a:rPr lang="en-US" dirty="0"/>
+              <a:t> I want </a:t>
+            </a:r>
+            <a:r>
+              <a:rPr lang="en-US" dirty="0" smtClean="0"/>
+              <a:t>to </a:t>
+            </a:r>
+            <a:r>
+              <a:rPr lang="en-US" dirty="0" smtClean="0">
+                <a:solidFill>
+                  <a:schemeClr val="accent1">
+                    <a:lumMod val="75000"/>
+                  </a:schemeClr>
+                </a:solidFill>
+              </a:rPr>
+              <a:t>select vehicle and driver</a:t>
+            </a:r>
+            <a:r>
+              <a:rPr lang="en-US" dirty="0" smtClean="0"/>
+              <a:t>. </a:t>
+            </a:r>
+            <a:r>
+              <a:rPr lang="en-US" dirty="0"/>
+              <a:t>So that </a:t>
+            </a:r>
+            <a:r>
+              <a:rPr lang="en-US" dirty="0" smtClean="0">
+                <a:solidFill>
+                  <a:schemeClr val="accent1">
+                    <a:lumMod val="75000"/>
+                  </a:schemeClr>
+                </a:solidFill>
+              </a:rPr>
+              <a:t>create a option for select</a:t>
+            </a:r>
+            <a:r>
+              <a:rPr lang="en-US" dirty="0"/>
+              <a:t>.</a:t>
+            </a:r>
+          </a:p>
+          <a:p>
+            <a:pPr marL="514350" indent="-514350">
+              <a:buFont typeface="Arial" panose="020B0604020202020204" pitchFamily="34" charset="0"/>
+              <a:buAutoNum type="arabicPeriod"/>
+            </a:pPr>
+            <a:r>
+              <a:rPr lang="en-US" dirty="0"/>
+              <a:t>As a </a:t>
+            </a:r>
+            <a:r>
+              <a:rPr lang="en-US" dirty="0">
+                <a:solidFill>
+                  <a:schemeClr val="accent1">
+                    <a:lumMod val="75000"/>
+                  </a:schemeClr>
+                </a:solidFill>
+              </a:rPr>
+              <a:t>user</a:t>
+            </a:r>
+            <a:r>
+              <a:rPr lang="en-US" dirty="0"/>
+              <a:t> I want to </a:t>
+            </a:r>
+            <a:r>
+              <a:rPr lang="en-US" dirty="0" smtClean="0">
+                <a:solidFill>
+                  <a:schemeClr val="accent1">
+                    <a:lumMod val="75000"/>
+                  </a:schemeClr>
+                </a:solidFill>
+              </a:rPr>
+              <a:t>get a conformation message in mail or mobile</a:t>
+            </a:r>
+            <a:r>
+              <a:rPr lang="en-US" dirty="0" smtClean="0"/>
+              <a:t>. </a:t>
+            </a:r>
+            <a:r>
+              <a:rPr lang="en-US" dirty="0"/>
+              <a:t>So that </a:t>
+            </a:r>
+            <a:r>
+              <a:rPr lang="en-US" dirty="0" smtClean="0">
+                <a:solidFill>
+                  <a:schemeClr val="accent1">
+                    <a:lumMod val="75000"/>
+                  </a:schemeClr>
+                </a:solidFill>
+              </a:rPr>
+              <a:t>create a info option</a:t>
+            </a:r>
+            <a:r>
+              <a:rPr lang="en-US" dirty="0" smtClean="0"/>
+              <a:t>.</a:t>
+            </a:r>
+          </a:p>
+          <a:p>
+            <a:pPr marL="514350" indent="-514350">
+              <a:buFont typeface="Arial" panose="020B0604020202020204" pitchFamily="34" charset="0"/>
+              <a:buAutoNum type="arabicPeriod"/>
+            </a:pPr>
+            <a:r>
+              <a:rPr lang="en-US" dirty="0"/>
+              <a:t>As a </a:t>
+            </a:r>
+            <a:r>
+              <a:rPr lang="en-US" dirty="0">
+                <a:solidFill>
+                  <a:schemeClr val="accent1">
+                    <a:lumMod val="75000"/>
+                  </a:schemeClr>
+                </a:solidFill>
+              </a:rPr>
+              <a:t>user</a:t>
+            </a:r>
+            <a:r>
+              <a:rPr lang="en-US" dirty="0"/>
+              <a:t> I want to </a:t>
+            </a:r>
+            <a:r>
+              <a:rPr lang="en-US" dirty="0" smtClean="0">
+                <a:solidFill>
+                  <a:schemeClr val="accent1">
+                    <a:lumMod val="75000"/>
+                  </a:schemeClr>
+                </a:solidFill>
+              </a:rPr>
+              <a:t>print requisition copy </a:t>
+            </a:r>
+            <a:r>
+              <a:rPr lang="en-US" dirty="0" smtClean="0"/>
+              <a:t>. </a:t>
+            </a:r>
+            <a:r>
+              <a:rPr lang="en-US" dirty="0"/>
+              <a:t>So that </a:t>
+            </a:r>
+            <a:r>
+              <a:rPr lang="en-US" dirty="0">
+                <a:solidFill>
+                  <a:schemeClr val="accent1">
+                    <a:lumMod val="75000"/>
+                  </a:schemeClr>
+                </a:solidFill>
+              </a:rPr>
+              <a:t>create a </a:t>
+            </a:r>
+            <a:r>
+              <a:rPr lang="en-US" dirty="0" smtClean="0">
+                <a:solidFill>
+                  <a:schemeClr val="accent1">
+                    <a:lumMod val="75000"/>
+                  </a:schemeClr>
+                </a:solidFill>
+              </a:rPr>
+              <a:t>print </a:t>
+            </a:r>
+            <a:r>
+              <a:rPr lang="en-US" dirty="0">
+                <a:solidFill>
+                  <a:schemeClr val="accent1">
+                    <a:lumMod val="75000"/>
+                  </a:schemeClr>
+                </a:solidFill>
+              </a:rPr>
+              <a:t>option</a:t>
+            </a:r>
+            <a:r>
+              <a:rPr lang="en-US" dirty="0"/>
+              <a:t>.</a:t>
+            </a:r>
+          </a:p>
+          <a:p>
+            <a:pPr marL="0" indent="0">
+              <a:buNone/>
+            </a:pPr>
+            <a:endParaRPr lang="en-US" dirty="0"/>
+          </a:p>
+          <a:p>
+            <a:pPr marL="514350" indent="-514350">
+              <a:buAutoNum type="arabicPeriod"/>
+            </a:pPr>
+            <a:endParaRPr lang="en-US" dirty="0"/>
+          </a:p>
+        </p:txBody>
+      </p:sp>
+      <p:sp>
+        <p:nvSpPr>
+          <p:cNvPr id="4" name="Title 1"/>
+          <p:cNvSpPr txBox="1">
+            <a:spLocks/>
+          </p:cNvSpPr>
+          <p:nvPr/>
+        </p:nvSpPr>
+        <p:spPr>
+          <a:xfrm>
+            <a:off x="817684" y="1122240"/>
+            <a:ext cx="10556631" cy="703385"/>
+          </a:xfrm>
+          <a:prstGeom prst="rect">
+            <a:avLst/>
+          </a:prstGeom>
+          <a:noFill/>
+        </p:spPr>
+        <p:txBody>
+          <a:bodyPr vert="horz" lIns="91440" tIns="45720" rIns="91440" bIns="45720" rtlCol="0" anchor="ctr">
+            <a:normAutofit/>
+          </a:bodyPr>
+          <a:lstStyle>
+            <a:lvl1pPr algn="l" defTabSz="914400" rtl="0" eaLnBrk="1" latinLnBrk="0" hangingPunct="1">
+              <a:lnSpc>
+                <a:spcPct val="90000"/>
+              </a:lnSpc>
+              <a:spcBef>
+                <a:spcPct val="0"/>
+              </a:spcBef>
+              <a:buNone/>
+              <a:defRPr sz="4400" kern="1200">
+                <a:solidFill>
+                  <a:schemeClr val="tx1"/>
+                </a:solidFill>
+                <a:latin typeface="+mj-lt"/>
+                <a:ea typeface="+mj-ea"/>
+                <a:cs typeface="+mj-cs"/>
+              </a:defRPr>
+            </a:lvl1pPr>
+          </a:lstStyle>
+          <a:p>
+            <a:r>
+              <a:rPr lang="en-US" sz="3600" dirty="0" smtClean="0">
+                <a:solidFill>
+                  <a:schemeClr val="bg1"/>
+                </a:solidFill>
+              </a:rPr>
+              <a:t>Back Log for user</a:t>
+            </a:r>
+            <a:endParaRPr lang="en-US" sz="3600" dirty="0">
+              <a:solidFill>
+                <a:schemeClr val="bg1"/>
+              </a:solidFill>
+            </a:endParaRPr>
+          </a:p>
+        </p:txBody>
+      </p:sp>
+    </p:spTree>
+    <p:extLst>
+      <p:ext uri="{BB962C8B-B14F-4D97-AF65-F5344CB8AC3E}">
+        <p14:creationId xmlns:p14="http://schemas.microsoft.com/office/powerpoint/2010/main" val="1445338898"/>
+      </p:ext>
+    </p:extLst>
+  </p:cSld>
+  <p:clrMapOvr>
+    <a:masterClrMapping/>
+  </p:clrMapOvr>
+  <p:timing>
+    <p:tnLst>
+      <p:par>
+        <p:cTn id="1" dur="indefinite" restart="never" nodeType="tmRoot"/>
+      </p:par>
+    </p:tnLst>
+  </p:timing>
+</p:sld>
+</file>
+
+<file path=ppt/slides/slide4.xml><?xml version="1.0" encoding="utf-8"?>
+<p:sld xmlns:a="http://schemas.openxmlformats.org/drawingml/2006/main" xmlns:r="http://schemas.openxmlformats.org/officeDocument/2006/relationships" xmlns:p="http://schemas.openxmlformats.org/presentationml/2006/main">
+  <p:cSld>
+    <p:bg>
+      <p:bgPr>
+        <a:solidFill>
+          <a:schemeClr val="accent4">
+            <a:lumMod val="75000"/>
+          </a:schemeClr>
+        </a:solidFill>
+        <a:effectLst/>
+      </p:bgPr>
+    </p:bg>
+    <p:spTree>
+      <p:nvGrpSpPr>
+        <p:cNvPr id="1" name=""/>
+        <p:cNvGrpSpPr/>
+        <p:nvPr/>
+      </p:nvGrpSpPr>
+      <p:grpSpPr>
+        <a:xfrm>
+          <a:off x="0" y="0"/>
+          <a:ext cx="0" cy="0"/>
+          <a:chOff x="0" y="0"/>
+          <a:chExt cx="0" cy="0"/>
+        </a:xfrm>
+      </p:grpSpPr>
+      <p:sp>
+        <p:nvSpPr>
+          <p:cNvPr id="2" name="Title 1"/>
+          <p:cNvSpPr>
+            <a:spLocks noGrp="1"/>
+          </p:cNvSpPr>
+          <p:nvPr>
+            <p:ph type="title"/>
+          </p:nvPr>
+        </p:nvSpPr>
+        <p:spPr>
+          <a:xfrm>
+            <a:off x="838199" y="239151"/>
+            <a:ext cx="10556631" cy="858129"/>
+          </a:xfrm>
+          <a:gradFill>
+            <a:gsLst>
+              <a:gs pos="0">
+                <a:schemeClr val="accent4">
+                  <a:lumMod val="89000"/>
+                </a:schemeClr>
+              </a:gs>
+              <a:gs pos="23000">
+                <a:schemeClr val="accent4">
+                  <a:lumMod val="89000"/>
+                </a:schemeClr>
+              </a:gs>
+              <a:gs pos="69000">
+                <a:schemeClr val="accent4">
+                  <a:lumMod val="75000"/>
+                </a:schemeClr>
+              </a:gs>
+              <a:gs pos="97000">
+                <a:schemeClr val="accent4">
+                  <a:lumMod val="70000"/>
+                </a:schemeClr>
+              </a:gs>
+            </a:gsLst>
+            <a:path path="circle">
+              <a:fillToRect l="50000" t="50000" r="50000" b="50000"/>
+            </a:path>
+          </a:gradFill>
+        </p:spPr>
+        <p:txBody>
+          <a:bodyPr/>
+          <a:lstStyle/>
+          <a:p>
+            <a:pPr algn="ctr"/>
+            <a:r>
+              <a:rPr lang="en-US" b="1" dirty="0" smtClean="0"/>
+              <a:t>User Stories</a:t>
+            </a:r>
+            <a:endParaRPr lang="en-US" b="1" dirty="0"/>
+          </a:p>
+        </p:txBody>
+      </p:sp>
+      <p:sp>
+        <p:nvSpPr>
+          <p:cNvPr id="3" name="Content Placeholder 2"/>
+          <p:cNvSpPr>
+            <a:spLocks noGrp="1"/>
+          </p:cNvSpPr>
+          <p:nvPr>
+            <p:ph idx="1"/>
+          </p:nvPr>
+        </p:nvSpPr>
+        <p:spPr/>
+        <p:txBody>
+          <a:bodyPr/>
+          <a:lstStyle/>
+          <a:p>
+            <a:pPr marL="514350" indent="-514350">
+              <a:buAutoNum type="arabicPeriod"/>
+            </a:pPr>
+            <a:r>
+              <a:rPr lang="en-US" dirty="0" smtClean="0"/>
+              <a:t>As a </a:t>
+            </a:r>
+            <a:r>
+              <a:rPr lang="en-US" dirty="0" smtClean="0">
+                <a:solidFill>
+                  <a:schemeClr val="accent1">
+                    <a:lumMod val="75000"/>
+                  </a:schemeClr>
+                </a:solidFill>
+              </a:rPr>
+              <a:t>admin </a:t>
+            </a:r>
+            <a:r>
+              <a:rPr lang="en-US" dirty="0" smtClean="0"/>
+              <a:t>I want to </a:t>
+            </a:r>
+            <a:r>
+              <a:rPr lang="en-US" dirty="0" smtClean="0">
+                <a:solidFill>
+                  <a:schemeClr val="accent1">
+                    <a:lumMod val="75000"/>
+                  </a:schemeClr>
+                </a:solidFill>
+              </a:rPr>
+              <a:t>get user list</a:t>
+            </a:r>
+            <a:r>
+              <a:rPr lang="en-US" dirty="0" smtClean="0"/>
+              <a:t>. So that </a:t>
+            </a:r>
+            <a:r>
+              <a:rPr lang="en-US" dirty="0" smtClean="0">
+                <a:solidFill>
+                  <a:schemeClr val="accent1">
+                    <a:lumMod val="75000"/>
+                  </a:schemeClr>
+                </a:solidFill>
+              </a:rPr>
+              <a:t>create a user list</a:t>
+            </a:r>
+            <a:r>
+              <a:rPr lang="en-US" dirty="0" smtClean="0"/>
+              <a:t>.</a:t>
+            </a:r>
+          </a:p>
+          <a:p>
+            <a:pPr marL="514350" indent="-514350">
+              <a:buFont typeface="Arial" panose="020B0604020202020204" pitchFamily="34" charset="0"/>
+              <a:buAutoNum type="arabicPeriod"/>
+            </a:pPr>
+            <a:r>
+              <a:rPr lang="en-US" dirty="0"/>
+              <a:t>As a </a:t>
+            </a:r>
+            <a:r>
+              <a:rPr lang="en-US" dirty="0" smtClean="0">
+                <a:solidFill>
+                  <a:schemeClr val="accent1">
+                    <a:lumMod val="75000"/>
+                  </a:schemeClr>
+                </a:solidFill>
+              </a:rPr>
+              <a:t>admin</a:t>
+            </a:r>
+            <a:r>
+              <a:rPr lang="en-US" dirty="0" smtClean="0"/>
+              <a:t> </a:t>
+            </a:r>
+            <a:r>
+              <a:rPr lang="en-US" dirty="0"/>
+              <a:t>I want </a:t>
+            </a:r>
+            <a:r>
+              <a:rPr lang="en-US" dirty="0" smtClean="0"/>
+              <a:t>to </a:t>
+            </a:r>
+            <a:r>
+              <a:rPr lang="en-US" dirty="0" smtClean="0">
+                <a:solidFill>
+                  <a:schemeClr val="accent1">
+                    <a:lumMod val="75000"/>
+                  </a:schemeClr>
+                </a:solidFill>
+              </a:rPr>
+              <a:t>create vehicle list</a:t>
+            </a:r>
+            <a:r>
+              <a:rPr lang="en-US" dirty="0" smtClean="0"/>
+              <a:t>. </a:t>
+            </a:r>
+            <a:r>
+              <a:rPr lang="en-US" dirty="0"/>
+              <a:t>So that </a:t>
+            </a:r>
+            <a:r>
+              <a:rPr lang="en-US" dirty="0" smtClean="0">
+                <a:solidFill>
+                  <a:schemeClr val="accent1">
+                    <a:lumMod val="75000"/>
+                  </a:schemeClr>
+                </a:solidFill>
+              </a:rPr>
+              <a:t>create a option for vehicle entry</a:t>
+            </a:r>
+            <a:r>
+              <a:rPr lang="en-US" dirty="0" smtClean="0"/>
+              <a:t>.</a:t>
+            </a:r>
+            <a:endParaRPr lang="en-US" dirty="0"/>
+          </a:p>
+          <a:p>
+            <a:pPr marL="514350" indent="-514350">
+              <a:buFont typeface="Arial" panose="020B0604020202020204" pitchFamily="34" charset="0"/>
+              <a:buAutoNum type="arabicPeriod"/>
+            </a:pPr>
+            <a:r>
+              <a:rPr lang="en-US" dirty="0"/>
+              <a:t>As a </a:t>
+            </a:r>
+            <a:r>
+              <a:rPr lang="en-US" dirty="0" smtClean="0">
+                <a:solidFill>
+                  <a:schemeClr val="accent1">
+                    <a:lumMod val="75000"/>
+                  </a:schemeClr>
+                </a:solidFill>
+              </a:rPr>
+              <a:t>admin</a:t>
+            </a:r>
+            <a:r>
+              <a:rPr lang="en-US" dirty="0" smtClean="0"/>
+              <a:t> </a:t>
+            </a:r>
+            <a:r>
+              <a:rPr lang="en-US" dirty="0"/>
+              <a:t>I want to </a:t>
+            </a:r>
+            <a:r>
+              <a:rPr lang="en-US" dirty="0" smtClean="0">
+                <a:solidFill>
+                  <a:schemeClr val="accent1">
+                    <a:lumMod val="75000"/>
+                  </a:schemeClr>
+                </a:solidFill>
+              </a:rPr>
+              <a:t>create a driver list</a:t>
+            </a:r>
+            <a:r>
+              <a:rPr lang="en-US" dirty="0" smtClean="0"/>
+              <a:t>. </a:t>
+            </a:r>
+            <a:r>
+              <a:rPr lang="en-US" dirty="0"/>
+              <a:t>So that </a:t>
+            </a:r>
+            <a:r>
+              <a:rPr lang="en-US" dirty="0" smtClean="0">
+                <a:solidFill>
+                  <a:schemeClr val="accent1">
+                    <a:lumMod val="75000"/>
+                  </a:schemeClr>
+                </a:solidFill>
+              </a:rPr>
+              <a:t>create a option for driver entry</a:t>
+            </a:r>
+            <a:r>
+              <a:rPr lang="en-US" dirty="0" smtClean="0"/>
+              <a:t>.</a:t>
+            </a:r>
+          </a:p>
+          <a:p>
+            <a:pPr marL="514350" indent="-514350">
+              <a:buFont typeface="Arial" panose="020B0604020202020204" pitchFamily="34" charset="0"/>
+              <a:buAutoNum type="arabicPeriod"/>
+            </a:pPr>
+            <a:r>
+              <a:rPr lang="en-US" dirty="0"/>
+              <a:t>As a </a:t>
+            </a:r>
+            <a:r>
+              <a:rPr lang="en-US" dirty="0" smtClean="0">
+                <a:solidFill>
+                  <a:schemeClr val="accent1">
+                    <a:lumMod val="75000"/>
+                  </a:schemeClr>
+                </a:solidFill>
+              </a:rPr>
+              <a:t>admin</a:t>
+            </a:r>
+            <a:r>
+              <a:rPr lang="en-US" dirty="0" smtClean="0"/>
+              <a:t> </a:t>
+            </a:r>
+            <a:r>
+              <a:rPr lang="en-US" dirty="0"/>
+              <a:t>I want to </a:t>
+            </a:r>
+            <a:r>
+              <a:rPr lang="en-US" dirty="0" smtClean="0">
+                <a:solidFill>
+                  <a:schemeClr val="accent1">
+                    <a:lumMod val="75000"/>
+                  </a:schemeClr>
+                </a:solidFill>
+              </a:rPr>
+              <a:t>requisition search option</a:t>
+            </a:r>
+            <a:r>
+              <a:rPr lang="en-US" dirty="0" smtClean="0"/>
+              <a:t>. </a:t>
+            </a:r>
+            <a:r>
+              <a:rPr lang="en-US" dirty="0"/>
+              <a:t>So that </a:t>
+            </a:r>
+            <a:r>
+              <a:rPr lang="en-US" dirty="0">
+                <a:solidFill>
+                  <a:schemeClr val="accent1">
+                    <a:lumMod val="75000"/>
+                  </a:schemeClr>
+                </a:solidFill>
+              </a:rPr>
+              <a:t>create a </a:t>
+            </a:r>
+            <a:r>
+              <a:rPr lang="en-US" dirty="0" smtClean="0">
+                <a:solidFill>
+                  <a:schemeClr val="accent1">
+                    <a:lumMod val="75000"/>
+                  </a:schemeClr>
+                </a:solidFill>
+              </a:rPr>
+              <a:t>requisition list</a:t>
+            </a:r>
+            <a:r>
+              <a:rPr lang="en-US" dirty="0" smtClean="0"/>
+              <a:t>.</a:t>
+            </a:r>
+          </a:p>
+          <a:p>
+            <a:pPr marL="514350" indent="-514350">
+              <a:buFont typeface="Arial" panose="020B0604020202020204" pitchFamily="34" charset="0"/>
+              <a:buAutoNum type="arabicPeriod"/>
+            </a:pPr>
+            <a:r>
+              <a:rPr lang="en-US" dirty="0"/>
+              <a:t>As a </a:t>
+            </a:r>
+            <a:r>
+              <a:rPr lang="en-US" dirty="0">
+                <a:solidFill>
+                  <a:schemeClr val="accent1">
+                    <a:lumMod val="75000"/>
+                  </a:schemeClr>
+                </a:solidFill>
+              </a:rPr>
+              <a:t>admin</a:t>
+            </a:r>
+            <a:r>
+              <a:rPr lang="en-US" dirty="0"/>
+              <a:t> I want to </a:t>
+            </a:r>
+            <a:r>
+              <a:rPr lang="en-US" dirty="0" smtClean="0">
+                <a:solidFill>
+                  <a:schemeClr val="accent1">
+                    <a:lumMod val="75000"/>
+                  </a:schemeClr>
+                </a:solidFill>
+              </a:rPr>
+              <a:t>approve requisition </a:t>
+            </a:r>
+            <a:r>
+              <a:rPr lang="en-US" dirty="0"/>
+              <a:t>. So that </a:t>
+            </a:r>
+            <a:r>
+              <a:rPr lang="en-US" dirty="0">
+                <a:solidFill>
+                  <a:schemeClr val="accent1">
+                    <a:lumMod val="75000"/>
+                  </a:schemeClr>
+                </a:solidFill>
+              </a:rPr>
+              <a:t>create a </a:t>
+            </a:r>
+            <a:r>
+              <a:rPr lang="en-US" dirty="0" smtClean="0">
+                <a:solidFill>
+                  <a:schemeClr val="accent1">
+                    <a:lumMod val="75000"/>
+                  </a:schemeClr>
+                </a:solidFill>
+              </a:rPr>
+              <a:t>requisition approve field in </a:t>
+            </a:r>
+            <a:r>
+              <a:rPr lang="en-US" dirty="0">
+                <a:solidFill>
+                  <a:schemeClr val="accent1">
+                    <a:lumMod val="75000"/>
+                  </a:schemeClr>
+                </a:solidFill>
+              </a:rPr>
+              <a:t>list</a:t>
+            </a:r>
+            <a:r>
+              <a:rPr lang="en-US" dirty="0"/>
+              <a:t>.</a:t>
+            </a:r>
+          </a:p>
+          <a:p>
+            <a:pPr marL="0" indent="0">
+              <a:buNone/>
+            </a:pPr>
+            <a:endParaRPr lang="en-US" dirty="0" smtClean="0"/>
+          </a:p>
+          <a:p>
+            <a:pPr marL="514350" indent="-514350">
+              <a:buFont typeface="Arial" panose="020B0604020202020204" pitchFamily="34" charset="0"/>
+              <a:buAutoNum type="arabicPeriod"/>
+            </a:pPr>
+            <a:endParaRPr lang="en-US" dirty="0"/>
+          </a:p>
+          <a:p>
+            <a:pPr marL="0" indent="0">
+              <a:buNone/>
+            </a:pPr>
+            <a:endParaRPr lang="en-US" dirty="0"/>
+          </a:p>
+          <a:p>
+            <a:pPr marL="514350" indent="-514350">
+              <a:buAutoNum type="arabicPeriod"/>
+            </a:pPr>
+            <a:endParaRPr lang="en-US" dirty="0"/>
+          </a:p>
+        </p:txBody>
+      </p:sp>
+      <p:sp>
+        <p:nvSpPr>
+          <p:cNvPr id="4" name="Title 1"/>
+          <p:cNvSpPr txBox="1">
+            <a:spLocks/>
+          </p:cNvSpPr>
+          <p:nvPr/>
+        </p:nvSpPr>
+        <p:spPr>
+          <a:xfrm>
+            <a:off x="817684" y="1122240"/>
+            <a:ext cx="10556631" cy="703385"/>
+          </a:xfrm>
+          <a:prstGeom prst="rect">
+            <a:avLst/>
+          </a:prstGeom>
+        </p:spPr>
+        <p:txBody>
+          <a:bodyPr vert="horz" lIns="91440" tIns="45720" rIns="91440" bIns="45720" rtlCol="0" anchor="ctr">
+            <a:normAutofit/>
+          </a:bodyPr>
+          <a:lstStyle>
+            <a:lvl1pPr algn="l" defTabSz="914400" rtl="0" eaLnBrk="1" latinLnBrk="0" hangingPunct="1">
+              <a:lnSpc>
+                <a:spcPct val="90000"/>
+              </a:lnSpc>
+              <a:spcBef>
+                <a:spcPct val="0"/>
+              </a:spcBef>
+              <a:buNone/>
+              <a:defRPr sz="4400" kern="1200">
+                <a:solidFill>
+                  <a:schemeClr val="tx1"/>
+                </a:solidFill>
+                <a:latin typeface="+mj-lt"/>
+                <a:ea typeface="+mj-ea"/>
+                <a:cs typeface="+mj-cs"/>
+              </a:defRPr>
+            </a:lvl1pPr>
+          </a:lstStyle>
+          <a:p>
+            <a:r>
+              <a:rPr lang="en-US" sz="3600" dirty="0" smtClean="0">
+                <a:solidFill>
+                  <a:prstClr val="white"/>
+                </a:solidFill>
+              </a:rPr>
+              <a:t>Back Log for Controller</a:t>
+            </a:r>
+            <a:endParaRPr lang="en-US" sz="3600" dirty="0">
+              <a:solidFill>
+                <a:prstClr val="white"/>
+              </a:solidFill>
+            </a:endParaRPr>
+          </a:p>
+        </p:txBody>
+      </p:sp>
+    </p:spTree>
+    <p:extLst>
+      <p:ext uri="{BB962C8B-B14F-4D97-AF65-F5344CB8AC3E}">
+        <p14:creationId xmlns:p14="http://schemas.microsoft.com/office/powerpoint/2010/main" val="1057660879"/>
+      </p:ext>
+    </p:extLst>
+  </p:cSld>
+  <p:clrMapOvr>
+    <a:masterClrMapping/>
+  </p:clrMapOvr>
+  <p:timing>
+    <p:tnLst>
+      <p:par>
+        <p:cTn id="1" dur="indefinite" restart="never" nodeType="tmRoot"/>
+      </p:par>
+    </p:tnLst>
+  </p:timing>
+</p:sld>
+</file>
+
+<file path=ppt/slides/slide5.xml><?xml version="1.0" encoding="utf-8"?>
+<p:sld xmlns:a="http://schemas.openxmlformats.org/drawingml/2006/main" xmlns:r="http://schemas.openxmlformats.org/officeDocument/2006/relationships" xmlns:p="http://schemas.openxmlformats.org/presentationml/2006/main">
+  <p:cSld>
+    <p:bg>
+      <p:bgPr>
+        <a:solidFill>
+          <a:schemeClr val="accent4">
+            <a:lumMod val="75000"/>
+          </a:schemeClr>
+        </a:solidFill>
+        <a:effectLst/>
+      </p:bgPr>
+    </p:bg>
+    <p:spTree>
+      <p:nvGrpSpPr>
+        <p:cNvPr id="1" name=""/>
+        <p:cNvGrpSpPr/>
+        <p:nvPr/>
+      </p:nvGrpSpPr>
+      <p:grpSpPr>
+        <a:xfrm>
+          <a:off x="0" y="0"/>
+          <a:ext cx="0" cy="0"/>
+          <a:chOff x="0" y="0"/>
+          <a:chExt cx="0" cy="0"/>
+        </a:xfrm>
+      </p:grpSpPr>
+      <p:sp>
+        <p:nvSpPr>
+          <p:cNvPr id="2" name="Title 1"/>
+          <p:cNvSpPr>
+            <a:spLocks noGrp="1"/>
+          </p:cNvSpPr>
+          <p:nvPr>
+            <p:ph type="title"/>
+          </p:nvPr>
+        </p:nvSpPr>
+        <p:spPr>
+          <a:xfrm>
+            <a:off x="838199" y="239151"/>
+            <a:ext cx="10556631" cy="858129"/>
+          </a:xfrm>
+          <a:gradFill>
+            <a:gsLst>
+              <a:gs pos="0">
+                <a:schemeClr val="accent4">
+                  <a:lumMod val="89000"/>
+                </a:schemeClr>
+              </a:gs>
+              <a:gs pos="23000">
+                <a:schemeClr val="accent4">
+                  <a:lumMod val="89000"/>
+                </a:schemeClr>
+              </a:gs>
+              <a:gs pos="69000">
+                <a:schemeClr val="accent4">
+                  <a:lumMod val="75000"/>
+                </a:schemeClr>
+              </a:gs>
+              <a:gs pos="97000">
+                <a:schemeClr val="accent4">
+                  <a:lumMod val="70000"/>
+                </a:schemeClr>
+              </a:gs>
+            </a:gsLst>
+            <a:path path="circle">
+              <a:fillToRect l="50000" t="50000" r="50000" b="50000"/>
+            </a:path>
+          </a:gradFill>
+        </p:spPr>
+        <p:txBody>
+          <a:bodyPr/>
+          <a:lstStyle/>
+          <a:p>
+            <a:pPr algn="ctr"/>
+            <a:r>
+              <a:rPr lang="en-US" b="1" dirty="0" smtClean="0"/>
+              <a:t>User Stories</a:t>
+            </a:r>
+            <a:endParaRPr lang="en-US" b="1" dirty="0"/>
+          </a:p>
+        </p:txBody>
+      </p:sp>
+      <p:sp>
+        <p:nvSpPr>
+          <p:cNvPr id="3" name="Content Placeholder 2"/>
+          <p:cNvSpPr>
+            <a:spLocks noGrp="1"/>
+          </p:cNvSpPr>
+          <p:nvPr>
+            <p:ph idx="1"/>
+          </p:nvPr>
+        </p:nvSpPr>
+        <p:spPr>
+          <a:ln>
+            <a:noFill/>
+          </a:ln>
+        </p:spPr>
+        <p:txBody>
+          <a:bodyPr>
+            <a:normAutofit/>
+          </a:bodyPr>
+          <a:lstStyle/>
+          <a:p>
+            <a:pPr marL="514350" indent="-514350">
+              <a:buAutoNum type="arabicPeriod" startAt="6"/>
+            </a:pPr>
+            <a:r>
+              <a:rPr lang="en-US" dirty="0" smtClean="0"/>
+              <a:t>As a </a:t>
+            </a:r>
+            <a:r>
+              <a:rPr lang="en-US" dirty="0" smtClean="0">
+                <a:solidFill>
+                  <a:schemeClr val="accent1">
+                    <a:lumMod val="75000"/>
+                  </a:schemeClr>
+                </a:solidFill>
+              </a:rPr>
+              <a:t>admin </a:t>
+            </a:r>
+            <a:r>
+              <a:rPr lang="en-US" dirty="0" smtClean="0"/>
+              <a:t>I want to </a:t>
+            </a:r>
+            <a:r>
+              <a:rPr lang="en-US" dirty="0" smtClean="0">
+                <a:solidFill>
+                  <a:schemeClr val="accent1">
+                    <a:lumMod val="75000"/>
+                  </a:schemeClr>
+                </a:solidFill>
+              </a:rPr>
+              <a:t>send conformation mail or message to user</a:t>
+            </a:r>
+            <a:r>
+              <a:rPr lang="en-US" dirty="0" smtClean="0"/>
+              <a:t>. So that </a:t>
+            </a:r>
+            <a:r>
+              <a:rPr lang="en-US" dirty="0" smtClean="0">
+                <a:solidFill>
+                  <a:schemeClr val="accent1">
+                    <a:lumMod val="75000"/>
+                  </a:schemeClr>
+                </a:solidFill>
+              </a:rPr>
+              <a:t>create conformation info</a:t>
+            </a:r>
+            <a:r>
+              <a:rPr lang="en-US" dirty="0" smtClean="0"/>
+              <a:t>.</a:t>
+            </a:r>
+          </a:p>
+          <a:p>
+            <a:pPr marL="514350" indent="-514350">
+              <a:buFont typeface="Arial" panose="020B0604020202020204" pitchFamily="34" charset="0"/>
+              <a:buAutoNum type="arabicPeriod" startAt="6"/>
+            </a:pPr>
+            <a:r>
+              <a:rPr lang="en-US" dirty="0"/>
+              <a:t>As a </a:t>
+            </a:r>
+            <a:r>
+              <a:rPr lang="en-US" dirty="0">
+                <a:solidFill>
+                  <a:schemeClr val="accent1">
+                    <a:lumMod val="75000"/>
+                  </a:schemeClr>
+                </a:solidFill>
+              </a:rPr>
+              <a:t>admin </a:t>
+            </a:r>
+            <a:r>
+              <a:rPr lang="en-US" dirty="0"/>
+              <a:t>I want to </a:t>
+            </a:r>
+            <a:r>
+              <a:rPr lang="en-US" dirty="0" smtClean="0">
+                <a:solidFill>
+                  <a:schemeClr val="accent1">
+                    <a:lumMod val="75000"/>
+                  </a:schemeClr>
+                </a:solidFill>
+              </a:rPr>
+              <a:t>deactivate vehicle and driver</a:t>
+            </a:r>
+            <a:r>
+              <a:rPr lang="en-US" dirty="0" smtClean="0"/>
+              <a:t>. </a:t>
+            </a:r>
+            <a:r>
+              <a:rPr lang="en-US" dirty="0"/>
+              <a:t>So that </a:t>
+            </a:r>
+            <a:r>
+              <a:rPr lang="en-US" dirty="0" smtClean="0">
+                <a:solidFill>
+                  <a:schemeClr val="accent1">
+                    <a:lumMod val="75000"/>
+                  </a:schemeClr>
+                </a:solidFill>
+              </a:rPr>
+              <a:t>create a option in vehicle and driver list</a:t>
+            </a:r>
+            <a:r>
+              <a:rPr lang="en-US" dirty="0" smtClean="0"/>
+              <a:t>.</a:t>
+            </a:r>
+          </a:p>
+          <a:p>
+            <a:pPr marL="514350" indent="-514350">
+              <a:buFont typeface="Arial" panose="020B0604020202020204" pitchFamily="34" charset="0"/>
+              <a:buAutoNum type="arabicPeriod" startAt="6"/>
+            </a:pPr>
+            <a:r>
+              <a:rPr lang="en-US" dirty="0"/>
+              <a:t>As a </a:t>
+            </a:r>
+            <a:r>
+              <a:rPr lang="en-US" dirty="0">
+                <a:solidFill>
+                  <a:schemeClr val="accent1">
+                    <a:lumMod val="75000"/>
+                  </a:schemeClr>
+                </a:solidFill>
+              </a:rPr>
+              <a:t>admin </a:t>
+            </a:r>
+            <a:r>
+              <a:rPr lang="en-US" dirty="0"/>
+              <a:t>I want to </a:t>
+            </a:r>
+            <a:r>
+              <a:rPr lang="en-US" dirty="0" smtClean="0">
+                <a:solidFill>
+                  <a:schemeClr val="accent1">
+                    <a:lumMod val="75000"/>
+                  </a:schemeClr>
+                </a:solidFill>
+              </a:rPr>
+              <a:t>create check-in or check-out </a:t>
+            </a:r>
+            <a:r>
+              <a:rPr lang="en-US" dirty="0" smtClean="0"/>
+              <a:t>. </a:t>
+            </a:r>
+            <a:r>
+              <a:rPr lang="en-US" dirty="0"/>
+              <a:t>So that </a:t>
+            </a:r>
+            <a:r>
+              <a:rPr lang="en-US" dirty="0">
+                <a:solidFill>
+                  <a:schemeClr val="accent1">
+                    <a:lumMod val="75000"/>
+                  </a:schemeClr>
+                </a:solidFill>
+              </a:rPr>
+              <a:t>create a </a:t>
+            </a:r>
+            <a:r>
+              <a:rPr lang="en-US" dirty="0" smtClean="0">
+                <a:solidFill>
+                  <a:schemeClr val="accent1">
+                    <a:lumMod val="75000"/>
+                  </a:schemeClr>
+                </a:solidFill>
+              </a:rPr>
+              <a:t>option</a:t>
+            </a:r>
+            <a:r>
+              <a:rPr lang="en-US" dirty="0" smtClean="0"/>
+              <a:t>.</a:t>
+            </a:r>
+          </a:p>
+          <a:p>
+            <a:pPr marL="514350" indent="-514350">
+              <a:buFont typeface="Arial" panose="020B0604020202020204" pitchFamily="34" charset="0"/>
+              <a:buAutoNum type="arabicPeriod" startAt="6"/>
+            </a:pPr>
+            <a:r>
+              <a:rPr lang="en-US" dirty="0"/>
+              <a:t>As a </a:t>
+            </a:r>
+            <a:r>
+              <a:rPr lang="en-US" dirty="0">
+                <a:solidFill>
+                  <a:schemeClr val="accent1">
+                    <a:lumMod val="75000"/>
+                  </a:schemeClr>
+                </a:solidFill>
+              </a:rPr>
+              <a:t>admin </a:t>
+            </a:r>
+            <a:r>
+              <a:rPr lang="en-US" dirty="0"/>
+              <a:t>I want to </a:t>
+            </a:r>
+            <a:r>
+              <a:rPr lang="en-US" dirty="0" smtClean="0">
+                <a:solidFill>
+                  <a:schemeClr val="accent1">
+                    <a:lumMod val="75000"/>
+                  </a:schemeClr>
+                </a:solidFill>
+              </a:rPr>
+              <a:t>reassign requisition</a:t>
+            </a:r>
+            <a:r>
+              <a:rPr lang="en-US" dirty="0" smtClean="0"/>
+              <a:t>. </a:t>
+            </a:r>
+            <a:r>
+              <a:rPr lang="en-US" dirty="0"/>
+              <a:t>So that </a:t>
+            </a:r>
+            <a:r>
+              <a:rPr lang="en-US" dirty="0">
+                <a:solidFill>
+                  <a:schemeClr val="accent1">
+                    <a:lumMod val="75000"/>
+                  </a:schemeClr>
+                </a:solidFill>
+              </a:rPr>
+              <a:t>create a </a:t>
+            </a:r>
+            <a:r>
+              <a:rPr lang="en-US" dirty="0" smtClean="0">
+                <a:solidFill>
+                  <a:schemeClr val="accent1">
+                    <a:lumMod val="75000"/>
+                  </a:schemeClr>
+                </a:solidFill>
+              </a:rPr>
+              <a:t>option</a:t>
+            </a:r>
+            <a:r>
+              <a:rPr lang="en-US" dirty="0" smtClean="0"/>
+              <a:t>.</a:t>
+            </a:r>
+            <a:endParaRPr lang="en-US" dirty="0"/>
+          </a:p>
+          <a:p>
+            <a:pPr marL="514350" indent="-514350">
+              <a:buAutoNum type="arabicPeriod" startAt="6"/>
+            </a:pPr>
+            <a:endParaRPr lang="en-US" dirty="0" smtClean="0"/>
+          </a:p>
+          <a:p>
+            <a:pPr marL="514350" indent="-514350">
+              <a:buFont typeface="Arial" panose="020B0604020202020204" pitchFamily="34" charset="0"/>
+              <a:buAutoNum type="arabicPeriod"/>
+            </a:pPr>
+            <a:endParaRPr lang="en-US" dirty="0"/>
+          </a:p>
+          <a:p>
+            <a:pPr marL="0" indent="0">
+              <a:buNone/>
+            </a:pPr>
+            <a:endParaRPr lang="en-US" dirty="0"/>
+          </a:p>
+          <a:p>
+            <a:pPr marL="514350" indent="-514350">
+              <a:buAutoNum type="arabicPeriod"/>
+            </a:pPr>
+            <a:endParaRPr lang="en-US" dirty="0"/>
+          </a:p>
+        </p:txBody>
+      </p:sp>
+      <p:sp>
+        <p:nvSpPr>
+          <p:cNvPr id="4" name="Title 1"/>
+          <p:cNvSpPr txBox="1">
+            <a:spLocks/>
+          </p:cNvSpPr>
+          <p:nvPr/>
+        </p:nvSpPr>
+        <p:spPr>
+          <a:xfrm>
+            <a:off x="817684" y="1122240"/>
+            <a:ext cx="10556631" cy="703385"/>
+          </a:xfrm>
+          <a:prstGeom prst="rect">
+            <a:avLst/>
+          </a:prstGeom>
+        </p:spPr>
+        <p:txBody>
+          <a:bodyPr vert="horz" lIns="91440" tIns="45720" rIns="91440" bIns="45720" rtlCol="0" anchor="ctr">
+            <a:normAutofit/>
+          </a:bodyPr>
+          <a:lstStyle>
+            <a:lvl1pPr algn="l" defTabSz="914400" rtl="0" eaLnBrk="1" latinLnBrk="0" hangingPunct="1">
+              <a:lnSpc>
+                <a:spcPct val="90000"/>
+              </a:lnSpc>
+              <a:spcBef>
+                <a:spcPct val="0"/>
+              </a:spcBef>
+              <a:buNone/>
+              <a:defRPr sz="4400" kern="1200">
+                <a:solidFill>
+                  <a:schemeClr val="tx1"/>
+                </a:solidFill>
+                <a:latin typeface="+mj-lt"/>
+                <a:ea typeface="+mj-ea"/>
+                <a:cs typeface="+mj-cs"/>
+              </a:defRPr>
+            </a:lvl1pPr>
+          </a:lstStyle>
+          <a:p>
+            <a:r>
+              <a:rPr lang="en-US" sz="3600" dirty="0" smtClean="0">
+                <a:solidFill>
+                  <a:prstClr val="white"/>
+                </a:solidFill>
+              </a:rPr>
+              <a:t>Back Log for Controller</a:t>
+            </a:r>
+            <a:endParaRPr lang="en-US" sz="3600" dirty="0">
+              <a:solidFill>
+                <a:prstClr val="white"/>
+              </a:solidFill>
+            </a:endParaRPr>
+          </a:p>
+        </p:txBody>
+      </p:sp>
+    </p:spTree>
+    <p:extLst>
+      <p:ext uri="{BB962C8B-B14F-4D97-AF65-F5344CB8AC3E}">
+        <p14:creationId xmlns:p14="http://schemas.microsoft.com/office/powerpoint/2010/main" val="4108372936"/>
+      </p:ext>
+    </p:extLst>
+  </p:cSld>
+  <p:clrMapOvr>
+    <a:masterClrMapping/>
+  </p:clrMapOvr>
+  <p:timing>
+    <p:tnLst>
+      <p:par>
+        <p:cTn id="1" dur="indefinite" restart="never" nodeType="tmRoot"/>
+      </p:par>
+    </p:tnLst>
+  </p:timing>
+</p:sld>
+</file>
+
+<file path=ppt/slides/slide6.xml><?xml version="1.0" encoding="utf-8"?>
+<p:sld xmlns:a="http://schemas.openxmlformats.org/drawingml/2006/main" xmlns:r="http://schemas.openxmlformats.org/officeDocument/2006/relationships" xmlns:p="http://schemas.openxmlformats.org/presentationml/2006/main">
+  <p:cSld>
+    <p:bg>
+      <p:bgPr>
+        <a:solidFill>
+          <a:schemeClr val="accent4">
+            <a:lumMod val="75000"/>
+          </a:schemeClr>
+        </a:solidFill>
+        <a:effectLst/>
+      </p:bgPr>
+    </p:bg>
+    <p:spTree>
+      <p:nvGrpSpPr>
+        <p:cNvPr id="1" name=""/>
+        <p:cNvGrpSpPr/>
+        <p:nvPr/>
+      </p:nvGrpSpPr>
+      <p:grpSpPr>
+        <a:xfrm>
+          <a:off x="0" y="0"/>
+          <a:ext cx="0" cy="0"/>
+          <a:chOff x="0" y="0"/>
+          <a:chExt cx="0" cy="0"/>
+        </a:xfrm>
+      </p:grpSpPr>
+      <p:sp>
+        <p:nvSpPr>
+          <p:cNvPr id="2" name="Title 1"/>
+          <p:cNvSpPr>
+            <a:spLocks noGrp="1"/>
+          </p:cNvSpPr>
+          <p:nvPr>
+            <p:ph type="title"/>
+          </p:nvPr>
+        </p:nvSpPr>
+        <p:spPr>
+          <a:gradFill>
+            <a:gsLst>
+              <a:gs pos="0">
+                <a:schemeClr val="accent4">
+                  <a:lumMod val="89000"/>
+                </a:schemeClr>
+              </a:gs>
+              <a:gs pos="23000">
+                <a:schemeClr val="accent4">
+                  <a:lumMod val="89000"/>
+                </a:schemeClr>
+              </a:gs>
+              <a:gs pos="69000">
+                <a:schemeClr val="accent4">
+                  <a:lumMod val="75000"/>
+                </a:schemeClr>
+              </a:gs>
+              <a:gs pos="97000">
+                <a:schemeClr val="accent4">
+                  <a:lumMod val="70000"/>
+                </a:schemeClr>
+              </a:gs>
+            </a:gsLst>
+            <a:path path="circle">
+              <a:fillToRect l="50000" t="50000" r="50000" b="50000"/>
+            </a:path>
+          </a:gradFill>
+        </p:spPr>
+        <p:txBody>
+          <a:bodyPr/>
+          <a:lstStyle/>
+          <a:p>
+            <a:pPr algn="ctr"/>
+            <a:r>
+              <a:rPr lang="en-US" b="1" dirty="0" smtClean="0"/>
+              <a:t>Vehicle Entry Form (Controller)</a:t>
+            </a:r>
+            <a:endParaRPr lang="en-US" b="1" dirty="0"/>
+          </a:p>
+        </p:txBody>
+      </p:sp>
+      <p:sp>
+        <p:nvSpPr>
+          <p:cNvPr id="3" name="Content Placeholder 2"/>
+          <p:cNvSpPr>
+            <a:spLocks noGrp="1"/>
+          </p:cNvSpPr>
+          <p:nvPr>
+            <p:ph sz="half" idx="1"/>
+          </p:nvPr>
+        </p:nvSpPr>
+        <p:spPr>
+          <a:noFill/>
+        </p:spPr>
+        <p:txBody>
+          <a:bodyPr>
+            <a:normAutofit fontScale="77500" lnSpcReduction="20000"/>
+          </a:bodyPr>
+          <a:lstStyle/>
+          <a:p>
+            <a:r>
+              <a:rPr lang="en-US" dirty="0"/>
+              <a:t>Object: </a:t>
+            </a:r>
+            <a:r>
+              <a:rPr lang="en-US" dirty="0" err="1" smtClean="0"/>
+              <a:t>VehicleEntry</a:t>
+            </a:r>
+            <a:endParaRPr lang="en-US" dirty="0"/>
+          </a:p>
+          <a:p>
+            <a:r>
+              <a:rPr lang="en-US" dirty="0" smtClean="0"/>
+              <a:t>Attribute</a:t>
+            </a:r>
+          </a:p>
+          <a:p>
+            <a:pPr marL="457200" lvl="1" indent="0">
+              <a:buNone/>
+            </a:pPr>
+            <a:r>
+              <a:rPr lang="en-US" dirty="0" smtClean="0"/>
+              <a:t>	Id;</a:t>
+            </a:r>
+          </a:p>
+          <a:p>
+            <a:pPr marL="0" indent="0">
+              <a:buNone/>
+            </a:pPr>
+            <a:r>
+              <a:rPr lang="en-US" dirty="0"/>
+              <a:t>	Name;</a:t>
+            </a:r>
+          </a:p>
+          <a:p>
+            <a:pPr marL="0" indent="0">
+              <a:buNone/>
+            </a:pPr>
+            <a:r>
+              <a:rPr lang="en-US" dirty="0"/>
+              <a:t>	</a:t>
+            </a:r>
+            <a:r>
+              <a:rPr lang="en-US" dirty="0" err="1" smtClean="0"/>
+              <a:t>RegNo</a:t>
+            </a:r>
+            <a:r>
+              <a:rPr lang="en-US" dirty="0" smtClean="0"/>
+              <a:t>;</a:t>
+            </a:r>
+          </a:p>
+          <a:p>
+            <a:pPr marL="0" indent="0">
+              <a:buNone/>
+            </a:pPr>
+            <a:r>
+              <a:rPr lang="en-US" dirty="0"/>
+              <a:t>	</a:t>
+            </a:r>
+            <a:r>
+              <a:rPr lang="en-US" dirty="0" smtClean="0"/>
+              <a:t>Description;</a:t>
+            </a:r>
+          </a:p>
+          <a:p>
+            <a:pPr marL="0" indent="0">
+              <a:buNone/>
+            </a:pPr>
+            <a:r>
+              <a:rPr lang="en-US" dirty="0"/>
+              <a:t>	</a:t>
+            </a:r>
+            <a:r>
+              <a:rPr lang="en-US" dirty="0" err="1" smtClean="0"/>
+              <a:t>IsDelete</a:t>
+            </a:r>
+            <a:r>
+              <a:rPr lang="en-US" dirty="0" smtClean="0"/>
+              <a:t>;</a:t>
+            </a:r>
+            <a:endParaRPr lang="en-US" dirty="0"/>
+          </a:p>
+          <a:p>
+            <a:r>
+              <a:rPr lang="en-US" dirty="0"/>
+              <a:t>Activity:</a:t>
+            </a:r>
+          </a:p>
+          <a:p>
+            <a:pPr marL="0" indent="0">
+              <a:buNone/>
+            </a:pPr>
+            <a:r>
+              <a:rPr lang="en-US" dirty="0"/>
+              <a:t>	</a:t>
+            </a:r>
+            <a:r>
+              <a:rPr lang="en-US" dirty="0" err="1" smtClean="0"/>
+              <a:t>CreateVehicle</a:t>
+            </a:r>
+            <a:r>
+              <a:rPr lang="en-US" dirty="0" smtClean="0"/>
+              <a:t>();</a:t>
+            </a:r>
+            <a:endParaRPr lang="en-US" dirty="0"/>
+          </a:p>
+          <a:p>
+            <a:pPr marL="0" indent="0">
+              <a:buNone/>
+            </a:pPr>
+            <a:r>
+              <a:rPr lang="en-US" dirty="0" smtClean="0"/>
+              <a:t>	</a:t>
+            </a:r>
+            <a:r>
+              <a:rPr lang="en-US" dirty="0" err="1" smtClean="0"/>
+              <a:t>VehicleList</a:t>
+            </a:r>
+            <a:r>
+              <a:rPr lang="en-US" dirty="0" smtClean="0"/>
+              <a:t>();</a:t>
+            </a:r>
+          </a:p>
+          <a:p>
+            <a:pPr marL="0" indent="0">
+              <a:buNone/>
+            </a:pPr>
+            <a:r>
+              <a:rPr lang="en-US" dirty="0"/>
+              <a:t>	</a:t>
+            </a:r>
+            <a:r>
+              <a:rPr lang="en-US" dirty="0" err="1" smtClean="0"/>
+              <a:t>EditVehicle</a:t>
+            </a:r>
+            <a:r>
+              <a:rPr lang="en-US" dirty="0" smtClean="0"/>
+              <a:t>();</a:t>
+            </a:r>
+          </a:p>
+          <a:p>
+            <a:pPr marL="0" indent="0">
+              <a:buNone/>
+            </a:pPr>
+            <a:r>
+              <a:rPr lang="en-US" dirty="0"/>
+              <a:t>	</a:t>
+            </a:r>
+            <a:r>
+              <a:rPr lang="en-US" dirty="0" err="1" smtClean="0"/>
+              <a:t>DeleteVehicle</a:t>
+            </a:r>
+            <a:r>
+              <a:rPr lang="en-US" dirty="0" smtClean="0"/>
+              <a:t>();</a:t>
+            </a:r>
+          </a:p>
+          <a:p>
+            <a:pPr marL="0" indent="0">
+              <a:buNone/>
+            </a:pPr>
+            <a:endParaRPr lang="en-US" dirty="0"/>
+          </a:p>
+          <a:p>
+            <a:endParaRPr lang="en-US" dirty="0"/>
+          </a:p>
+        </p:txBody>
+      </p:sp>
+      <p:graphicFrame>
+        <p:nvGraphicFramePr>
+          <p:cNvPr id="7" name="Content Placeholder 6"/>
+          <p:cNvGraphicFramePr>
+            <a:graphicFrameLocks noGrp="1"/>
+          </p:cNvGraphicFramePr>
+          <p:nvPr>
+            <p:ph sz="half" idx="2"/>
+            <p:extLst>
+              <p:ext uri="{D42A27DB-BD31-4B8C-83A1-F6EECF244321}">
+                <p14:modId xmlns:p14="http://schemas.microsoft.com/office/powerpoint/2010/main" val="2080387988"/>
+              </p:ext>
+            </p:extLst>
+          </p:nvPr>
+        </p:nvGraphicFramePr>
+        <p:xfrm>
+          <a:off x="6172200" y="1825625"/>
+          <a:ext cx="5181600" cy="2703112"/>
+        </p:xfrm>
+        <a:graphic>
+          <a:graphicData uri="http://schemas.openxmlformats.org/drawingml/2006/table">
+            <a:tbl>
+              <a:tblPr firstRow="1" bandRow="1">
+                <a:tableStyleId>{5C22544A-7EE6-4342-B048-85BDC9FD1C3A}</a:tableStyleId>
+              </a:tblPr>
+              <a:tblGrid>
+                <a:gridCol w="2590800"/>
+                <a:gridCol w="2590800"/>
+              </a:tblGrid>
+              <a:tr h="675778">
+                <a:tc>
+                  <a:txBody>
+                    <a:bodyPr/>
+                    <a:lstStyle/>
+                    <a:p>
+                      <a:r>
+                        <a:rPr lang="en-US" dirty="0" smtClean="0"/>
+                        <a:t>Title</a:t>
+                      </a:r>
+                      <a:endParaRPr lang="en-US" dirty="0"/>
+                    </a:p>
+                  </a:txBody>
+                  <a:tcPr/>
+                </a:tc>
+                <a:tc>
+                  <a:txBody>
+                    <a:bodyPr/>
+                    <a:lstStyle/>
+                    <a:p>
+                      <a:r>
+                        <a:rPr lang="en-US" dirty="0" smtClean="0"/>
+                        <a:t>Text Box		</a:t>
+                      </a:r>
+                      <a:endParaRPr lang="en-US" dirty="0"/>
+                    </a:p>
+                  </a:txBody>
+                  <a:tcPr/>
+                </a:tc>
+              </a:tr>
+              <a:tr h="675778">
+                <a:tc>
+                  <a:txBody>
+                    <a:bodyPr/>
+                    <a:lstStyle/>
+                    <a:p>
+                      <a:r>
+                        <a:rPr lang="en-US" dirty="0" smtClean="0"/>
+                        <a:t>Name</a:t>
+                      </a:r>
+                      <a:endParaRPr lang="en-US" dirty="0"/>
+                    </a:p>
+                  </a:txBody>
+                  <a:tcPr/>
+                </a:tc>
+                <a:tc>
+                  <a:txBody>
+                    <a:bodyPr/>
+                    <a:lstStyle/>
+                    <a:p>
+                      <a:endParaRPr lang="en-US" dirty="0"/>
+                    </a:p>
+                  </a:txBody>
+                  <a:tcPr/>
+                </a:tc>
+              </a:tr>
+              <a:tr h="675778">
+                <a:tc>
+                  <a:txBody>
+                    <a:bodyPr/>
+                    <a:lstStyle/>
+                    <a:p>
+                      <a:pPr marL="0" marR="0" indent="0" algn="l" defTabSz="914400" rtl="0" eaLnBrk="1" fontAlgn="auto" latinLnBrk="0" hangingPunct="1">
+                        <a:lnSpc>
+                          <a:spcPct val="100000"/>
+                        </a:lnSpc>
+                        <a:spcBef>
+                          <a:spcPts val="0"/>
+                        </a:spcBef>
+                        <a:spcAft>
+                          <a:spcPts val="0"/>
+                        </a:spcAft>
+                        <a:buClrTx/>
+                        <a:buSzTx/>
+                        <a:buFontTx/>
+                        <a:buNone/>
+                        <a:tabLst/>
+                        <a:defRPr/>
+                      </a:pPr>
+                      <a:r>
+                        <a:rPr lang="en-US" dirty="0" smtClean="0"/>
+                        <a:t>Registration</a:t>
+                      </a:r>
+                      <a:r>
+                        <a:rPr lang="en-US" baseline="0" dirty="0" smtClean="0"/>
+                        <a:t> No</a:t>
+                      </a:r>
+                      <a:endParaRPr lang="en-US" dirty="0" smtClean="0"/>
+                    </a:p>
+                    <a:p>
+                      <a:endParaRPr lang="en-US" dirty="0"/>
+                    </a:p>
+                  </a:txBody>
+                  <a:tcPr/>
+                </a:tc>
+                <a:tc>
+                  <a:txBody>
+                    <a:bodyPr/>
+                    <a:lstStyle/>
+                    <a:p>
+                      <a:endParaRPr lang="en-US" dirty="0"/>
+                    </a:p>
+                  </a:txBody>
+                  <a:tcPr/>
+                </a:tc>
+              </a:tr>
+              <a:tr h="675778">
+                <a:tc>
+                  <a:txBody>
+                    <a:bodyPr/>
+                    <a:lstStyle/>
+                    <a:p>
+                      <a:pPr marL="0" marR="0" indent="0" algn="l" defTabSz="914400" rtl="0" eaLnBrk="1" fontAlgn="auto" latinLnBrk="0" hangingPunct="1">
+                        <a:lnSpc>
+                          <a:spcPct val="100000"/>
+                        </a:lnSpc>
+                        <a:spcBef>
+                          <a:spcPts val="0"/>
+                        </a:spcBef>
+                        <a:spcAft>
+                          <a:spcPts val="0"/>
+                        </a:spcAft>
+                        <a:buClrTx/>
+                        <a:buSzTx/>
+                        <a:buFontTx/>
+                        <a:buNone/>
+                        <a:tabLst/>
+                        <a:defRPr/>
+                      </a:pPr>
+                      <a:r>
+                        <a:rPr lang="en-US" dirty="0" smtClean="0"/>
+                        <a:t>Description</a:t>
+                      </a:r>
+                    </a:p>
+                    <a:p>
+                      <a:endParaRPr lang="en-US" dirty="0"/>
+                    </a:p>
+                  </a:txBody>
+                  <a:tcPr/>
+                </a:tc>
+                <a:tc>
+                  <a:txBody>
+                    <a:bodyPr/>
+                    <a:lstStyle/>
+                    <a:p>
+                      <a:endParaRPr lang="en-US" dirty="0"/>
+                    </a:p>
+                  </a:txBody>
+                  <a:tcPr/>
+                </a:tc>
+              </a:tr>
+            </a:tbl>
+          </a:graphicData>
+        </a:graphic>
+      </p:graphicFrame>
+    </p:spTree>
+    <p:extLst>
+      <p:ext uri="{BB962C8B-B14F-4D97-AF65-F5344CB8AC3E}">
+        <p14:creationId xmlns:p14="http://schemas.microsoft.com/office/powerpoint/2010/main" val="2831550741"/>
+      </p:ext>
+    </p:extLst>
+  </p:cSld>
+  <p:clrMapOvr>
+    <a:masterClrMapping/>
+  </p:clrMapOvr>
+  <p:timing>
+    <p:tnLst>
+      <p:par>
+        <p:cTn id="1" dur="indefinite" restart="never" nodeType="tmRoot"/>
+      </p:par>
+    </p:tnLst>
+  </p:timing>
+</p:sld>
+</file>
+
+<file path=ppt/slides/slide7.xml><?xml version="1.0" encoding="utf-8"?>
+<p:sld xmlns:a="http://schemas.openxmlformats.org/drawingml/2006/main" xmlns:r="http://schemas.openxmlformats.org/officeDocument/2006/relationships" xmlns:p="http://schemas.openxmlformats.org/presentationml/2006/main">
+  <p:cSld>
+    <p:bg>
+      <p:bgPr>
+        <a:solidFill>
+          <a:schemeClr val="accent4">
+            <a:lumMod val="75000"/>
+          </a:schemeClr>
+        </a:solidFill>
+        <a:effectLst/>
+      </p:bgPr>
+    </p:bg>
+    <p:spTree>
+      <p:nvGrpSpPr>
+        <p:cNvPr id="1" name=""/>
+        <p:cNvGrpSpPr/>
+        <p:nvPr/>
+      </p:nvGrpSpPr>
+      <p:grpSpPr>
+        <a:xfrm>
+          <a:off x="0" y="0"/>
+          <a:ext cx="0" cy="0"/>
+          <a:chOff x="0" y="0"/>
+          <a:chExt cx="0" cy="0"/>
+        </a:xfrm>
+      </p:grpSpPr>
+      <p:sp>
+        <p:nvSpPr>
+          <p:cNvPr id="2" name="Title 1"/>
+          <p:cNvSpPr>
+            <a:spLocks noGrp="1"/>
+          </p:cNvSpPr>
+          <p:nvPr>
+            <p:ph type="title"/>
+          </p:nvPr>
+        </p:nvSpPr>
+        <p:spPr>
+          <a:gradFill>
+            <a:gsLst>
+              <a:gs pos="0">
+                <a:schemeClr val="accent4">
+                  <a:lumMod val="89000"/>
+                </a:schemeClr>
+              </a:gs>
+              <a:gs pos="23000">
+                <a:schemeClr val="accent4">
+                  <a:lumMod val="89000"/>
+                </a:schemeClr>
+              </a:gs>
+              <a:gs pos="69000">
+                <a:schemeClr val="accent4">
+                  <a:lumMod val="75000"/>
+                </a:schemeClr>
+              </a:gs>
+              <a:gs pos="97000">
+                <a:schemeClr val="accent4">
+                  <a:lumMod val="70000"/>
+                </a:schemeClr>
+              </a:gs>
+            </a:gsLst>
+            <a:path path="circle">
+              <a:fillToRect l="50000" t="50000" r="50000" b="50000"/>
+            </a:path>
+          </a:gradFill>
+        </p:spPr>
+        <p:txBody>
+          <a:bodyPr/>
+          <a:lstStyle/>
+          <a:p>
+            <a:pPr algn="ctr"/>
+            <a:r>
+              <a:rPr lang="en-US" b="1" dirty="0" smtClean="0"/>
+              <a:t>Driver Entry Form (Controller)</a:t>
+            </a:r>
+            <a:endParaRPr lang="en-US" b="1" dirty="0"/>
+          </a:p>
+        </p:txBody>
+      </p:sp>
+      <p:sp>
+        <p:nvSpPr>
+          <p:cNvPr id="3" name="Content Placeholder 2"/>
+          <p:cNvSpPr>
+            <a:spLocks noGrp="1"/>
+          </p:cNvSpPr>
+          <p:nvPr>
+            <p:ph sz="half" idx="1"/>
+          </p:nvPr>
+        </p:nvSpPr>
+        <p:spPr>
+          <a:noFill/>
+        </p:spPr>
+        <p:txBody>
+          <a:bodyPr>
+            <a:normAutofit fontScale="70000" lnSpcReduction="20000"/>
+          </a:bodyPr>
+          <a:lstStyle/>
+          <a:p>
+            <a:r>
+              <a:rPr lang="en-US" dirty="0"/>
+              <a:t>Object: </a:t>
+            </a:r>
+            <a:r>
+              <a:rPr lang="en-US" dirty="0" err="1" smtClean="0"/>
+              <a:t>DriverEntry</a:t>
+            </a:r>
+            <a:endParaRPr lang="en-US" dirty="0"/>
+          </a:p>
+          <a:p>
+            <a:r>
+              <a:rPr lang="en-US" dirty="0" smtClean="0"/>
+              <a:t>Attribute</a:t>
+            </a:r>
+          </a:p>
+          <a:p>
+            <a:pPr marL="457200" lvl="1" indent="0">
+              <a:buNone/>
+            </a:pPr>
+            <a:r>
+              <a:rPr lang="en-US" dirty="0" smtClean="0"/>
+              <a:t>	Id;</a:t>
+            </a:r>
+          </a:p>
+          <a:p>
+            <a:pPr marL="0" indent="0">
+              <a:buNone/>
+            </a:pPr>
+            <a:r>
+              <a:rPr lang="en-US" dirty="0"/>
+              <a:t>	Name</a:t>
+            </a:r>
+            <a:r>
+              <a:rPr lang="en-US" dirty="0" smtClean="0"/>
+              <a:t>;</a:t>
+            </a:r>
+          </a:p>
+          <a:p>
+            <a:pPr marL="0" indent="0">
+              <a:buNone/>
+            </a:pPr>
+            <a:r>
+              <a:rPr lang="en-US" dirty="0"/>
+              <a:t>	</a:t>
+            </a:r>
+            <a:r>
+              <a:rPr lang="en-US" dirty="0" smtClean="0"/>
+              <a:t>Designation;</a:t>
+            </a:r>
+            <a:endParaRPr lang="en-US" dirty="0"/>
+          </a:p>
+          <a:p>
+            <a:pPr marL="0" indent="0">
+              <a:buNone/>
+            </a:pPr>
+            <a:r>
+              <a:rPr lang="en-US" dirty="0"/>
+              <a:t>	</a:t>
+            </a:r>
+            <a:r>
+              <a:rPr lang="en-US" dirty="0" err="1" smtClean="0"/>
+              <a:t>MobileNo</a:t>
+            </a:r>
+            <a:r>
+              <a:rPr lang="en-US" dirty="0" smtClean="0"/>
+              <a:t>;</a:t>
+            </a:r>
+          </a:p>
+          <a:p>
+            <a:pPr marL="0" indent="0">
+              <a:buNone/>
+            </a:pPr>
+            <a:r>
+              <a:rPr lang="en-US" dirty="0"/>
+              <a:t>	</a:t>
+            </a:r>
+            <a:r>
+              <a:rPr lang="en-US" dirty="0" smtClean="0"/>
+              <a:t>Address;</a:t>
+            </a:r>
+          </a:p>
+          <a:p>
+            <a:pPr marL="0" indent="0">
+              <a:buNone/>
+            </a:pPr>
+            <a:r>
+              <a:rPr lang="en-US" dirty="0"/>
+              <a:t>	</a:t>
+            </a:r>
+            <a:r>
+              <a:rPr lang="en-US" dirty="0" err="1" smtClean="0"/>
+              <a:t>IsDelete</a:t>
+            </a:r>
+            <a:r>
+              <a:rPr lang="en-US" dirty="0" smtClean="0"/>
+              <a:t>;</a:t>
+            </a:r>
+            <a:endParaRPr lang="en-US" dirty="0"/>
+          </a:p>
+          <a:p>
+            <a:r>
+              <a:rPr lang="en-US" dirty="0"/>
+              <a:t>Activity:</a:t>
+            </a:r>
+          </a:p>
+          <a:p>
+            <a:pPr marL="0" indent="0">
+              <a:buNone/>
+            </a:pPr>
+            <a:r>
+              <a:rPr lang="en-US" dirty="0"/>
+              <a:t>	</a:t>
+            </a:r>
+            <a:r>
+              <a:rPr lang="en-US" dirty="0" err="1" smtClean="0"/>
+              <a:t>CreateDriver</a:t>
+            </a:r>
+            <a:r>
+              <a:rPr lang="en-US" dirty="0" smtClean="0"/>
+              <a:t>();</a:t>
+            </a:r>
+            <a:endParaRPr lang="en-US" dirty="0"/>
+          </a:p>
+          <a:p>
+            <a:pPr marL="0" indent="0">
+              <a:buNone/>
+            </a:pPr>
+            <a:r>
+              <a:rPr lang="en-US" dirty="0" smtClean="0"/>
+              <a:t>	</a:t>
+            </a:r>
+            <a:r>
+              <a:rPr lang="en-US" dirty="0" err="1" smtClean="0"/>
+              <a:t>DriverList</a:t>
+            </a:r>
+            <a:r>
+              <a:rPr lang="en-US" dirty="0" smtClean="0"/>
+              <a:t>();</a:t>
+            </a:r>
+          </a:p>
+          <a:p>
+            <a:pPr marL="0" indent="0">
+              <a:buNone/>
+            </a:pPr>
+            <a:r>
+              <a:rPr lang="en-US" dirty="0"/>
+              <a:t>	</a:t>
+            </a:r>
+            <a:r>
+              <a:rPr lang="en-US" dirty="0" err="1" smtClean="0"/>
+              <a:t>EditDriver</a:t>
+            </a:r>
+            <a:r>
+              <a:rPr lang="en-US" dirty="0" smtClean="0"/>
+              <a:t>();</a:t>
+            </a:r>
+          </a:p>
+          <a:p>
+            <a:pPr marL="0" indent="0">
+              <a:buNone/>
+            </a:pPr>
+            <a:r>
+              <a:rPr lang="en-US" dirty="0"/>
+              <a:t>	</a:t>
+            </a:r>
+            <a:r>
+              <a:rPr lang="en-US" dirty="0" err="1" smtClean="0"/>
+              <a:t>DeleteDriver</a:t>
+            </a:r>
+            <a:r>
+              <a:rPr lang="en-US" dirty="0" smtClean="0"/>
+              <a:t>();</a:t>
+            </a:r>
+          </a:p>
+          <a:p>
+            <a:pPr marL="0" indent="0">
+              <a:buNone/>
+            </a:pPr>
+            <a:endParaRPr lang="en-US" dirty="0"/>
+          </a:p>
+          <a:p>
+            <a:endParaRPr lang="en-US" dirty="0"/>
+          </a:p>
+        </p:txBody>
+      </p:sp>
+      <p:graphicFrame>
+        <p:nvGraphicFramePr>
+          <p:cNvPr id="7" name="Content Placeholder 6"/>
+          <p:cNvGraphicFramePr>
+            <a:graphicFrameLocks noGrp="1"/>
+          </p:cNvGraphicFramePr>
+          <p:nvPr>
+            <p:ph sz="half" idx="2"/>
+            <p:extLst>
+              <p:ext uri="{D42A27DB-BD31-4B8C-83A1-F6EECF244321}">
+                <p14:modId xmlns:p14="http://schemas.microsoft.com/office/powerpoint/2010/main" val="2092718394"/>
+              </p:ext>
+            </p:extLst>
+          </p:nvPr>
+        </p:nvGraphicFramePr>
+        <p:xfrm>
+          <a:off x="6172200" y="1825625"/>
+          <a:ext cx="5181600" cy="4054668"/>
+        </p:xfrm>
+        <a:graphic>
+          <a:graphicData uri="http://schemas.openxmlformats.org/drawingml/2006/table">
+            <a:tbl>
+              <a:tblPr firstRow="1" bandRow="1">
+                <a:tableStyleId>{5C22544A-7EE6-4342-B048-85BDC9FD1C3A}</a:tableStyleId>
+              </a:tblPr>
+              <a:tblGrid>
+                <a:gridCol w="2590800"/>
+                <a:gridCol w="2590800"/>
+              </a:tblGrid>
+              <a:tr h="675778">
+                <a:tc>
+                  <a:txBody>
+                    <a:bodyPr/>
+                    <a:lstStyle/>
+                    <a:p>
+                      <a:r>
+                        <a:rPr lang="en-US" dirty="0" smtClean="0"/>
+                        <a:t>Title</a:t>
+                      </a:r>
+                      <a:endParaRPr lang="en-US" dirty="0"/>
+                    </a:p>
+                  </a:txBody>
+                  <a:tcPr/>
+                </a:tc>
+                <a:tc>
+                  <a:txBody>
+                    <a:bodyPr/>
+                    <a:lstStyle/>
+                    <a:p>
+                      <a:r>
+                        <a:rPr lang="en-US" dirty="0" smtClean="0"/>
+                        <a:t>Text Box		</a:t>
+                      </a:r>
+                      <a:endParaRPr lang="en-US" dirty="0"/>
+                    </a:p>
+                  </a:txBody>
+                  <a:tcPr/>
+                </a:tc>
+              </a:tr>
+              <a:tr h="675778">
+                <a:tc>
+                  <a:txBody>
+                    <a:bodyPr/>
+                    <a:lstStyle/>
+                    <a:p>
+                      <a:r>
+                        <a:rPr lang="en-US" dirty="0" smtClean="0"/>
+                        <a:t>Name</a:t>
+                      </a:r>
+                      <a:endParaRPr lang="en-US" dirty="0"/>
+                    </a:p>
+                  </a:txBody>
+                  <a:tcPr/>
+                </a:tc>
+                <a:tc>
+                  <a:txBody>
+                    <a:bodyPr/>
+                    <a:lstStyle/>
+                    <a:p>
+                      <a:endParaRPr lang="en-US" dirty="0"/>
+                    </a:p>
+                  </a:txBody>
+                  <a:tcPr/>
+                </a:tc>
+              </a:tr>
+              <a:tr h="675778">
+                <a:tc>
+                  <a:txBody>
+                    <a:bodyPr/>
+                    <a:lstStyle/>
+                    <a:p>
+                      <a:pPr marL="0" marR="0" indent="0" algn="l" defTabSz="914400" rtl="0" eaLnBrk="1" fontAlgn="auto" latinLnBrk="0" hangingPunct="1">
+                        <a:lnSpc>
+                          <a:spcPct val="100000"/>
+                        </a:lnSpc>
+                        <a:spcBef>
+                          <a:spcPts val="0"/>
+                        </a:spcBef>
+                        <a:spcAft>
+                          <a:spcPts val="0"/>
+                        </a:spcAft>
+                        <a:buClrTx/>
+                        <a:buSzTx/>
+                        <a:buFontTx/>
+                        <a:buNone/>
+                        <a:tabLst/>
+                        <a:defRPr/>
+                      </a:pPr>
+                      <a:r>
+                        <a:rPr lang="en-US" dirty="0" smtClean="0"/>
+                        <a:t>Mobile</a:t>
+                      </a:r>
+                      <a:r>
+                        <a:rPr lang="en-US" baseline="0" dirty="0" smtClean="0"/>
+                        <a:t> No</a:t>
+                      </a:r>
+                      <a:endParaRPr lang="en-US" dirty="0" smtClean="0"/>
+                    </a:p>
+                    <a:p>
+                      <a:endParaRPr lang="en-US" dirty="0"/>
+                    </a:p>
+                  </a:txBody>
+                  <a:tcPr/>
+                </a:tc>
+                <a:tc>
+                  <a:txBody>
+                    <a:bodyPr/>
+                    <a:lstStyle/>
+                    <a:p>
+                      <a:endParaRPr lang="en-US" dirty="0"/>
+                    </a:p>
+                  </a:txBody>
+                  <a:tcPr/>
+                </a:tc>
+              </a:tr>
+              <a:tr h="675778">
+                <a:tc>
+                  <a:txBody>
+                    <a:bodyPr/>
+                    <a:lstStyle/>
+                    <a:p>
+                      <a:r>
+                        <a:rPr lang="en-US" dirty="0" smtClean="0"/>
+                        <a:t>License No</a:t>
+                      </a:r>
+                      <a:endParaRPr lang="en-US" dirty="0"/>
+                    </a:p>
+                  </a:txBody>
+                  <a:tcPr/>
+                </a:tc>
+                <a:tc>
+                  <a:txBody>
+                    <a:bodyPr/>
+                    <a:lstStyle/>
+                    <a:p>
+                      <a:endParaRPr lang="en-US" dirty="0"/>
+                    </a:p>
+                  </a:txBody>
+                  <a:tcPr/>
+                </a:tc>
+              </a:tr>
+              <a:tr h="675778">
+                <a:tc>
+                  <a:txBody>
+                    <a:bodyPr/>
+                    <a:lstStyle/>
+                    <a:p>
+                      <a:pPr marL="0" marR="0" indent="0" algn="l" defTabSz="914400" rtl="0" eaLnBrk="1" fontAlgn="auto" latinLnBrk="0" hangingPunct="1">
+                        <a:lnSpc>
+                          <a:spcPct val="100000"/>
+                        </a:lnSpc>
+                        <a:spcBef>
+                          <a:spcPts val="0"/>
+                        </a:spcBef>
+                        <a:spcAft>
+                          <a:spcPts val="0"/>
+                        </a:spcAft>
+                        <a:buClrTx/>
+                        <a:buSzTx/>
+                        <a:buFontTx/>
+                        <a:buNone/>
+                        <a:tabLst/>
+                        <a:defRPr/>
+                      </a:pPr>
+                      <a:r>
+                        <a:rPr lang="en-US" dirty="0" smtClean="0"/>
+                        <a:t>Designation</a:t>
+                      </a:r>
+                    </a:p>
+                    <a:p>
+                      <a:endParaRPr lang="en-US" dirty="0"/>
+                    </a:p>
+                  </a:txBody>
+                  <a:tcPr/>
+                </a:tc>
+                <a:tc>
+                  <a:txBody>
+                    <a:bodyPr/>
+                    <a:lstStyle/>
+                    <a:p>
+                      <a:endParaRPr lang="en-US" dirty="0"/>
+                    </a:p>
+                  </a:txBody>
+                  <a:tcPr/>
+                </a:tc>
+              </a:tr>
+              <a:tr h="675778">
+                <a:tc>
+                  <a:txBody>
+                    <a:bodyPr/>
+                    <a:lstStyle/>
+                    <a:p>
+                      <a:r>
+                        <a:rPr lang="en-US" dirty="0" smtClean="0"/>
+                        <a:t>Address</a:t>
+                      </a:r>
+                      <a:endParaRPr lang="en-US" dirty="0"/>
+                    </a:p>
+                  </a:txBody>
+                  <a:tcPr/>
+                </a:tc>
+                <a:tc>
+                  <a:txBody>
+                    <a:bodyPr/>
+                    <a:lstStyle/>
+                    <a:p>
+                      <a:endParaRPr lang="en-US" dirty="0"/>
+                    </a:p>
+                  </a:txBody>
+                  <a:tcPr/>
+                </a:tc>
+              </a:tr>
+            </a:tbl>
+          </a:graphicData>
+        </a:graphic>
+      </p:graphicFrame>
+    </p:spTree>
+    <p:extLst>
+      <p:ext uri="{BB962C8B-B14F-4D97-AF65-F5344CB8AC3E}">
+        <p14:creationId xmlns:p14="http://schemas.microsoft.com/office/powerpoint/2010/main" val="2907444629"/>
+      </p:ext>
+    </p:extLst>
+  </p:cSld>
+  <p:clrMapOvr>
+    <a:masterClrMapping/>
+  </p:clrMapOvr>
+  <p:timing>
+    <p:tnLst>
+      <p:par>
+        <p:cTn id="1" dur="indefinite" restart="never" nodeType="tmRoot"/>
+      </p:par>
+    </p:tnLst>
+  </p:timing>
+</p:sld>
+</file>
+
+<file path=ppt/slides/slide8.xml><?xml version="1.0" encoding="utf-8"?>
+<p:sld xmlns:a="http://schemas.openxmlformats.org/drawingml/2006/main" xmlns:r="http://schemas.openxmlformats.org/officeDocument/2006/relationships" xmlns:p="http://schemas.openxmlformats.org/presentationml/2006/main">
+  <p:cSld>
+    <p:bg>
+      <p:bgPr>
+        <a:solidFill>
+          <a:schemeClr val="accent4">
+            <a:lumMod val="75000"/>
+          </a:schemeClr>
+        </a:solidFill>
+        <a:effectLst/>
+      </p:bgPr>
+    </p:bg>
+    <p:spTree>
+      <p:nvGrpSpPr>
+        <p:cNvPr id="1" name=""/>
+        <p:cNvGrpSpPr/>
+        <p:nvPr/>
+      </p:nvGrpSpPr>
+      <p:grpSpPr>
+        <a:xfrm>
+          <a:off x="0" y="0"/>
+          <a:ext cx="0" cy="0"/>
+          <a:chOff x="0" y="0"/>
+          <a:chExt cx="0" cy="0"/>
+        </a:xfrm>
+      </p:grpSpPr>
+      <p:sp>
+        <p:nvSpPr>
+          <p:cNvPr id="2" name="Title 1"/>
+          <p:cNvSpPr>
+            <a:spLocks noGrp="1"/>
+          </p:cNvSpPr>
+          <p:nvPr>
+            <p:ph type="title"/>
+          </p:nvPr>
+        </p:nvSpPr>
+        <p:spPr>
+          <a:gradFill>
+            <a:gsLst>
+              <a:gs pos="0">
+                <a:schemeClr val="accent4">
+                  <a:lumMod val="89000"/>
+                </a:schemeClr>
+              </a:gs>
+              <a:gs pos="23000">
+                <a:schemeClr val="accent4">
+                  <a:lumMod val="89000"/>
+                </a:schemeClr>
+              </a:gs>
+              <a:gs pos="69000">
+                <a:schemeClr val="accent4">
+                  <a:lumMod val="75000"/>
+                </a:schemeClr>
+              </a:gs>
+              <a:gs pos="97000">
+                <a:schemeClr val="accent4">
+                  <a:lumMod val="70000"/>
+                </a:schemeClr>
+              </a:gs>
+            </a:gsLst>
+            <a:path path="circle">
+              <a:fillToRect l="50000" t="50000" r="50000" b="50000"/>
+            </a:path>
+          </a:gradFill>
+        </p:spPr>
+        <p:txBody>
+          <a:bodyPr/>
+          <a:lstStyle/>
+          <a:p>
+            <a:pPr algn="ctr"/>
+            <a:r>
+              <a:rPr lang="en-US" b="1" dirty="0" smtClean="0"/>
+              <a:t>Action Form (Controller)</a:t>
+            </a:r>
+            <a:endParaRPr lang="en-US" b="1" dirty="0"/>
+          </a:p>
+        </p:txBody>
+      </p:sp>
+      <p:sp>
+        <p:nvSpPr>
+          <p:cNvPr id="3" name="Content Placeholder 2"/>
+          <p:cNvSpPr>
+            <a:spLocks noGrp="1"/>
+          </p:cNvSpPr>
+          <p:nvPr>
+            <p:ph sz="half" idx="1"/>
+          </p:nvPr>
+        </p:nvSpPr>
+        <p:spPr>
+          <a:noFill/>
+        </p:spPr>
+        <p:txBody>
+          <a:bodyPr>
+            <a:normAutofit lnSpcReduction="10000"/>
+          </a:bodyPr>
+          <a:lstStyle/>
+          <a:p>
+            <a:r>
+              <a:rPr lang="en-US" dirty="0"/>
+              <a:t>Object: </a:t>
+            </a:r>
+            <a:r>
+              <a:rPr lang="en-US" dirty="0" err="1" smtClean="0"/>
+              <a:t>RequisitionInfo</a:t>
+            </a:r>
+            <a:endParaRPr lang="en-US" dirty="0"/>
+          </a:p>
+          <a:p>
+            <a:r>
+              <a:rPr lang="en-US" dirty="0" smtClean="0"/>
+              <a:t>Attribute</a:t>
+            </a:r>
+          </a:p>
+          <a:p>
+            <a:pPr marL="457200" lvl="1" indent="0">
+              <a:buNone/>
+            </a:pPr>
+            <a:r>
+              <a:rPr lang="en-US" dirty="0" smtClean="0"/>
+              <a:t>	Id;</a:t>
+            </a:r>
+          </a:p>
+          <a:p>
+            <a:pPr marL="0" indent="0">
+              <a:buNone/>
+            </a:pPr>
+            <a:r>
+              <a:rPr lang="en-US" dirty="0"/>
+              <a:t>	</a:t>
+            </a:r>
+            <a:r>
+              <a:rPr lang="en-US" dirty="0" err="1" smtClean="0"/>
+              <a:t>UserInfo</a:t>
+            </a:r>
+            <a:r>
+              <a:rPr lang="en-US" dirty="0" smtClean="0"/>
+              <a:t>;</a:t>
+            </a:r>
+          </a:p>
+          <a:p>
+            <a:pPr marL="0" indent="0">
+              <a:buNone/>
+            </a:pPr>
+            <a:r>
+              <a:rPr lang="en-US" dirty="0" smtClean="0"/>
+              <a:t>	</a:t>
+            </a:r>
+            <a:r>
+              <a:rPr lang="en-US" dirty="0" err="1" smtClean="0"/>
+              <a:t>RequisitionInfo</a:t>
+            </a:r>
+            <a:r>
+              <a:rPr lang="en-US" dirty="0" smtClean="0"/>
+              <a:t>;</a:t>
+            </a:r>
+          </a:p>
+          <a:p>
+            <a:pPr marL="0" indent="0">
+              <a:buNone/>
+            </a:pPr>
+            <a:r>
+              <a:rPr lang="en-US" dirty="0" smtClean="0"/>
+              <a:t>	</a:t>
+            </a:r>
+            <a:r>
+              <a:rPr lang="en-US" dirty="0" err="1" smtClean="0"/>
+              <a:t>VehicleInfo</a:t>
+            </a:r>
+            <a:r>
+              <a:rPr lang="en-US" dirty="0" smtClean="0"/>
+              <a:t>;</a:t>
+            </a:r>
+          </a:p>
+          <a:p>
+            <a:pPr marL="0" indent="0">
+              <a:buNone/>
+            </a:pPr>
+            <a:r>
+              <a:rPr lang="en-US" dirty="0" smtClean="0"/>
+              <a:t>	</a:t>
+            </a:r>
+            <a:r>
+              <a:rPr lang="en-US" dirty="0" err="1" smtClean="0"/>
+              <a:t>DriverInfo</a:t>
+            </a:r>
+            <a:r>
+              <a:rPr lang="en-US" dirty="0" smtClean="0"/>
+              <a:t>;</a:t>
+            </a:r>
+          </a:p>
+          <a:p>
+            <a:pPr marL="0" indent="0">
+              <a:buNone/>
+            </a:pPr>
+            <a:r>
+              <a:rPr lang="en-US" dirty="0" smtClean="0"/>
+              <a:t>	</a:t>
+            </a:r>
+            <a:r>
+              <a:rPr lang="en-US" dirty="0" err="1" smtClean="0"/>
+              <a:t>CancelRequisition</a:t>
+            </a:r>
+            <a:r>
+              <a:rPr lang="en-US" dirty="0" smtClean="0"/>
+              <a:t>;</a:t>
+            </a:r>
+          </a:p>
+          <a:p>
+            <a:pPr marL="0" indent="0">
+              <a:buNone/>
+            </a:pPr>
+            <a:r>
+              <a:rPr lang="en-US" dirty="0"/>
+              <a:t>	</a:t>
+            </a:r>
+            <a:r>
+              <a:rPr lang="en-US" dirty="0" err="1" smtClean="0"/>
+              <a:t>ReassainRequisition</a:t>
+            </a:r>
+            <a:r>
+              <a:rPr lang="en-US" dirty="0" smtClean="0"/>
+              <a:t>;</a:t>
+            </a:r>
+          </a:p>
+          <a:p>
+            <a:pPr marL="0" indent="0">
+              <a:buNone/>
+            </a:pPr>
+            <a:endParaRPr lang="en-US" dirty="0"/>
+          </a:p>
+          <a:p>
+            <a:endParaRPr lang="en-US" dirty="0"/>
+          </a:p>
+        </p:txBody>
+      </p:sp>
+      <p:sp>
+        <p:nvSpPr>
+          <p:cNvPr id="4" name="Content Placeholder 3"/>
+          <p:cNvSpPr>
+            <a:spLocks noGrp="1"/>
+          </p:cNvSpPr>
+          <p:nvPr>
+            <p:ph sz="half" idx="2"/>
+          </p:nvPr>
+        </p:nvSpPr>
+        <p:spPr/>
+        <p:txBody>
+          <a:bodyPr>
+            <a:normAutofit lnSpcReduction="10000"/>
+          </a:bodyPr>
+          <a:lstStyle/>
+          <a:p>
+            <a:endParaRPr lang="en-US" dirty="0" smtClean="0"/>
+          </a:p>
+          <a:p>
+            <a:r>
+              <a:rPr lang="en-US" dirty="0" smtClean="0"/>
+              <a:t>Activity</a:t>
+            </a:r>
+            <a:r>
+              <a:rPr lang="en-US" dirty="0"/>
+              <a:t>:</a:t>
+            </a:r>
+          </a:p>
+          <a:p>
+            <a:pPr marL="0" indent="0">
+              <a:buNone/>
+            </a:pPr>
+            <a:r>
+              <a:rPr lang="en-US" dirty="0"/>
+              <a:t>	</a:t>
+            </a:r>
+            <a:r>
+              <a:rPr lang="en-US" dirty="0" err="1"/>
+              <a:t>RequisitionList</a:t>
+            </a:r>
+            <a:r>
+              <a:rPr lang="en-US" dirty="0"/>
+              <a:t>();</a:t>
+            </a:r>
+          </a:p>
+          <a:p>
+            <a:pPr marL="0" indent="0">
+              <a:buNone/>
+            </a:pPr>
+            <a:r>
+              <a:rPr lang="en-US" dirty="0"/>
+              <a:t>	</a:t>
+            </a:r>
+            <a:r>
+              <a:rPr lang="en-US" dirty="0" err="1"/>
+              <a:t>SearchRequisition</a:t>
+            </a:r>
+            <a:r>
+              <a:rPr lang="en-US" dirty="0"/>
+              <a:t>();</a:t>
+            </a:r>
+          </a:p>
+          <a:p>
+            <a:pPr marL="0" indent="0">
+              <a:buNone/>
+            </a:pPr>
+            <a:r>
+              <a:rPr lang="en-US" dirty="0"/>
+              <a:t>	</a:t>
+            </a:r>
+            <a:r>
+              <a:rPr lang="en-US" dirty="0" err="1"/>
+              <a:t>ApproveRequisition</a:t>
+            </a:r>
+            <a:r>
+              <a:rPr lang="en-US" dirty="0"/>
+              <a:t>();</a:t>
+            </a:r>
+          </a:p>
+          <a:p>
+            <a:pPr marL="0" indent="0">
+              <a:buNone/>
+            </a:pPr>
+            <a:r>
+              <a:rPr lang="en-US" dirty="0"/>
+              <a:t>	</a:t>
+            </a:r>
+            <a:r>
+              <a:rPr lang="en-US" dirty="0" err="1"/>
+              <a:t>CancelRequisition</a:t>
+            </a:r>
+            <a:r>
+              <a:rPr lang="en-US" dirty="0"/>
+              <a:t>();</a:t>
+            </a:r>
+          </a:p>
+          <a:p>
+            <a:pPr marL="0" indent="0">
+              <a:buNone/>
+            </a:pPr>
+            <a:r>
+              <a:rPr lang="en-US" dirty="0"/>
+              <a:t>	</a:t>
+            </a:r>
+            <a:r>
+              <a:rPr lang="en-US" dirty="0" err="1"/>
+              <a:t>CheckInTime</a:t>
+            </a:r>
+            <a:r>
+              <a:rPr lang="en-US" dirty="0"/>
+              <a:t>();</a:t>
+            </a:r>
+          </a:p>
+          <a:p>
+            <a:pPr marL="0" indent="0">
+              <a:buNone/>
+            </a:pPr>
+            <a:r>
+              <a:rPr lang="en-US" dirty="0"/>
+              <a:t>	</a:t>
+            </a:r>
+            <a:r>
+              <a:rPr lang="en-US" dirty="0" err="1"/>
+              <a:t>CheckOutTime</a:t>
+            </a:r>
+            <a:r>
+              <a:rPr lang="en-US" dirty="0"/>
+              <a:t>();</a:t>
+            </a:r>
+          </a:p>
+        </p:txBody>
+      </p:sp>
+    </p:spTree>
+    <p:extLst>
+      <p:ext uri="{BB962C8B-B14F-4D97-AF65-F5344CB8AC3E}">
+        <p14:creationId xmlns:p14="http://schemas.microsoft.com/office/powerpoint/2010/main" val="3827304921"/>
+      </p:ext>
+    </p:extLst>
+  </p:cSld>
+  <p:clrMapOvr>
+    <a:masterClrMapping/>
+  </p:clrMapOvr>
+  <p:timing>
+    <p:tnLst>
+      <p:par>
+        <p:cTn id="1" dur="indefinite" restart="never" nodeType="tmRoot"/>
+      </p:par>
+    </p:tnLst>
+  </p:timing>
+</p:sld>
+</file>
+
+<file path=ppt/slides/slide9.xml><?xml version="1.0" encoding="utf-8"?>
+<p:sld xmlns:a="http://schemas.openxmlformats.org/drawingml/2006/main" xmlns:r="http://schemas.openxmlformats.org/officeDocument/2006/relationships" xmlns:p="http://schemas.openxmlformats.org/presentationml/2006/main">
+  <p:cSld>
+    <p:bg>
+      <p:bgPr>
+        <a:solidFill>
+          <a:schemeClr val="accent4">
+            <a:lumMod val="75000"/>
+          </a:schemeClr>
+        </a:solidFill>
+        <a:effectLst/>
+      </p:bgPr>
+    </p:bg>
+    <p:spTree>
+      <p:nvGrpSpPr>
+        <p:cNvPr id="1" name=""/>
+        <p:cNvGrpSpPr/>
+        <p:nvPr/>
+      </p:nvGrpSpPr>
+      <p:grpSpPr>
+        <a:xfrm>
+          <a:off x="0" y="0"/>
+          <a:ext cx="0" cy="0"/>
+          <a:chOff x="0" y="0"/>
+          <a:chExt cx="0" cy="0"/>
+        </a:xfrm>
+      </p:grpSpPr>
+      <p:sp>
+        <p:nvSpPr>
+          <p:cNvPr id="2" name="Title 1"/>
+          <p:cNvSpPr>
+            <a:spLocks noGrp="1"/>
+          </p:cNvSpPr>
+          <p:nvPr>
+            <p:ph type="title"/>
+          </p:nvPr>
+        </p:nvSpPr>
+        <p:spPr>
+          <a:gradFill>
+            <a:gsLst>
+              <a:gs pos="0">
+                <a:schemeClr val="accent4">
+                  <a:lumMod val="89000"/>
+                </a:schemeClr>
+              </a:gs>
+              <a:gs pos="23000">
+                <a:schemeClr val="accent4">
+                  <a:lumMod val="89000"/>
+                </a:schemeClr>
+              </a:gs>
+              <a:gs pos="69000">
+                <a:schemeClr val="accent4">
+                  <a:lumMod val="75000"/>
+                </a:schemeClr>
+              </a:gs>
+              <a:gs pos="97000">
+                <a:schemeClr val="accent4">
+                  <a:lumMod val="70000"/>
+                </a:schemeClr>
+              </a:gs>
+            </a:gsLst>
+            <a:path path="circle">
+              <a:fillToRect l="50000" t="50000" r="50000" b="50000"/>
+            </a:path>
+          </a:gradFill>
+        </p:spPr>
+        <p:txBody>
+          <a:bodyPr/>
+          <a:lstStyle/>
+          <a:p>
+            <a:pPr algn="ctr"/>
+            <a:r>
+              <a:rPr lang="en-US" b="1" dirty="0" smtClean="0"/>
+              <a:t>Registration Form (User)</a:t>
+            </a:r>
+            <a:endParaRPr lang="en-US" b="1" dirty="0"/>
+          </a:p>
+        </p:txBody>
+      </p:sp>
+      <p:sp>
+        <p:nvSpPr>
+          <p:cNvPr id="3" name="Content Placeholder 2"/>
+          <p:cNvSpPr>
+            <a:spLocks noGrp="1"/>
+          </p:cNvSpPr>
+          <p:nvPr>
+            <p:ph sz="half" idx="1"/>
+          </p:nvPr>
+        </p:nvSpPr>
+        <p:spPr>
+          <a:noFill/>
+        </p:spPr>
+        <p:txBody>
+          <a:bodyPr>
+            <a:normAutofit fontScale="70000" lnSpcReduction="20000"/>
+          </a:bodyPr>
+          <a:lstStyle/>
+          <a:p>
+            <a:r>
+              <a:rPr lang="en-US" dirty="0"/>
+              <a:t>Object: </a:t>
+            </a:r>
+            <a:r>
+              <a:rPr lang="en-US" dirty="0" err="1" smtClean="0"/>
+              <a:t>UserInfo</a:t>
+            </a:r>
+            <a:endParaRPr lang="en-US" dirty="0"/>
+          </a:p>
+          <a:p>
+            <a:r>
+              <a:rPr lang="en-US" dirty="0" smtClean="0"/>
+              <a:t>Attribute</a:t>
+            </a:r>
+          </a:p>
+          <a:p>
+            <a:pPr marL="457200" lvl="1" indent="0">
+              <a:buNone/>
+            </a:pPr>
+            <a:r>
+              <a:rPr lang="en-US" dirty="0" smtClean="0"/>
+              <a:t>	Id;</a:t>
+            </a:r>
+          </a:p>
+          <a:p>
+            <a:pPr marL="0" indent="0">
+              <a:buNone/>
+            </a:pPr>
+            <a:r>
+              <a:rPr lang="en-US" dirty="0"/>
+              <a:t>	Name;</a:t>
+            </a:r>
+          </a:p>
+          <a:p>
+            <a:pPr marL="0" indent="0">
+              <a:buNone/>
+            </a:pPr>
+            <a:r>
+              <a:rPr lang="en-US" dirty="0"/>
+              <a:t>	</a:t>
+            </a:r>
+            <a:r>
+              <a:rPr lang="en-US" dirty="0" smtClean="0"/>
+              <a:t>Designation;</a:t>
+            </a:r>
+          </a:p>
+          <a:p>
+            <a:pPr marL="0" indent="0">
+              <a:buNone/>
+            </a:pPr>
+            <a:r>
+              <a:rPr lang="en-US" dirty="0"/>
+              <a:t>	</a:t>
+            </a:r>
+            <a:r>
+              <a:rPr lang="en-US" dirty="0" smtClean="0"/>
+              <a:t>Email;</a:t>
+            </a:r>
+            <a:endParaRPr lang="en-US" dirty="0"/>
+          </a:p>
+          <a:p>
+            <a:pPr marL="0" indent="0">
+              <a:buNone/>
+            </a:pPr>
+            <a:r>
+              <a:rPr lang="en-US" dirty="0"/>
+              <a:t>	</a:t>
+            </a:r>
+            <a:r>
+              <a:rPr lang="en-US" dirty="0" err="1"/>
+              <a:t>ContactNo</a:t>
+            </a:r>
+            <a:r>
+              <a:rPr lang="en-US" dirty="0"/>
+              <a:t>;</a:t>
+            </a:r>
+          </a:p>
+          <a:p>
+            <a:pPr marL="0" indent="0">
+              <a:buNone/>
+            </a:pPr>
+            <a:r>
+              <a:rPr lang="en-US" dirty="0"/>
+              <a:t>	Logo/Image;</a:t>
+            </a:r>
+          </a:p>
+          <a:p>
+            <a:pPr marL="0" indent="0">
+              <a:buNone/>
+            </a:pPr>
+            <a:r>
+              <a:rPr lang="en-US" dirty="0"/>
+              <a:t>	Address;</a:t>
+            </a:r>
+          </a:p>
+          <a:p>
+            <a:r>
+              <a:rPr lang="en-US" dirty="0"/>
+              <a:t>Activity:</a:t>
+            </a:r>
+          </a:p>
+          <a:p>
+            <a:pPr marL="0" indent="0">
+              <a:buNone/>
+            </a:pPr>
+            <a:r>
+              <a:rPr lang="en-US" dirty="0"/>
+              <a:t>	</a:t>
+            </a:r>
+            <a:r>
+              <a:rPr lang="en-US" dirty="0" err="1" smtClean="0"/>
+              <a:t>CreateUser</a:t>
+            </a:r>
+            <a:r>
+              <a:rPr lang="en-US" dirty="0" smtClean="0"/>
+              <a:t>();</a:t>
+            </a:r>
+            <a:endParaRPr lang="en-US" dirty="0"/>
+          </a:p>
+          <a:p>
+            <a:pPr marL="0" indent="0">
+              <a:buNone/>
+            </a:pPr>
+            <a:r>
+              <a:rPr lang="en-US" dirty="0" smtClean="0"/>
+              <a:t>	</a:t>
+            </a:r>
+            <a:r>
+              <a:rPr lang="en-US" dirty="0" err="1" smtClean="0"/>
+              <a:t>GetRegInfo</a:t>
+            </a:r>
+            <a:r>
+              <a:rPr lang="en-US" dirty="0" smtClean="0"/>
+              <a:t>();</a:t>
+            </a:r>
+          </a:p>
+          <a:p>
+            <a:pPr marL="0" indent="0">
+              <a:buNone/>
+            </a:pPr>
+            <a:r>
+              <a:rPr lang="en-US" dirty="0"/>
+              <a:t>	</a:t>
+            </a:r>
+            <a:r>
+              <a:rPr lang="en-US" dirty="0" err="1" smtClean="0"/>
+              <a:t>EditInfo</a:t>
+            </a:r>
+            <a:r>
+              <a:rPr lang="en-US" dirty="0" smtClean="0"/>
+              <a:t>();</a:t>
+            </a:r>
+          </a:p>
+          <a:p>
+            <a:pPr marL="0" indent="0">
+              <a:buNone/>
+            </a:pPr>
+            <a:endParaRPr lang="en-US" dirty="0"/>
+          </a:p>
+          <a:p>
+            <a:endParaRPr lang="en-US" dirty="0"/>
+          </a:p>
+        </p:txBody>
+      </p:sp>
+      <p:graphicFrame>
+        <p:nvGraphicFramePr>
+          <p:cNvPr id="7" name="Content Placeholder 6"/>
+          <p:cNvGraphicFramePr>
+            <a:graphicFrameLocks noGrp="1"/>
+          </p:cNvGraphicFramePr>
+          <p:nvPr>
+            <p:ph sz="half" idx="2"/>
+            <p:extLst>
+              <p:ext uri="{D42A27DB-BD31-4B8C-83A1-F6EECF244321}">
+                <p14:modId xmlns:p14="http://schemas.microsoft.com/office/powerpoint/2010/main" val="1020137389"/>
+              </p:ext>
+            </p:extLst>
+          </p:nvPr>
+        </p:nvGraphicFramePr>
+        <p:xfrm>
+          <a:off x="6172200" y="1825625"/>
+          <a:ext cx="5181600" cy="4054668"/>
+        </p:xfrm>
+        <a:graphic>
+          <a:graphicData uri="http://schemas.openxmlformats.org/drawingml/2006/table">
+            <a:tbl>
+              <a:tblPr firstRow="1" bandRow="1">
+                <a:tableStyleId>{5C22544A-7EE6-4342-B048-85BDC9FD1C3A}</a:tableStyleId>
+              </a:tblPr>
+              <a:tblGrid>
+                <a:gridCol w="2590800"/>
+                <a:gridCol w="2590800"/>
+              </a:tblGrid>
+              <a:tr h="675778">
+                <a:tc>
+                  <a:txBody>
+                    <a:bodyPr/>
+                    <a:lstStyle/>
+                    <a:p>
+                      <a:r>
+                        <a:rPr lang="en-US" dirty="0" smtClean="0"/>
+                        <a:t>Title</a:t>
+                      </a:r>
+                      <a:endParaRPr lang="en-US" dirty="0"/>
+                    </a:p>
+                  </a:txBody>
+                  <a:tcPr/>
+                </a:tc>
+                <a:tc>
+                  <a:txBody>
+                    <a:bodyPr/>
+                    <a:lstStyle/>
+                    <a:p>
+                      <a:r>
+                        <a:rPr lang="en-US" dirty="0" smtClean="0"/>
+                        <a:t>Text Box		</a:t>
+                      </a:r>
+                      <a:endParaRPr lang="en-US" dirty="0"/>
+                    </a:p>
+                  </a:txBody>
+                  <a:tcPr/>
+                </a:tc>
+              </a:tr>
+              <a:tr h="675778">
+                <a:tc>
+                  <a:txBody>
+                    <a:bodyPr/>
+                    <a:lstStyle/>
+                    <a:p>
+                      <a:r>
+                        <a:rPr lang="en-US" dirty="0" smtClean="0"/>
+                        <a:t>Name</a:t>
+                      </a:r>
+                      <a:endParaRPr lang="en-US" dirty="0"/>
+                    </a:p>
+                  </a:txBody>
+                  <a:tcPr/>
+                </a:tc>
+                <a:tc>
+                  <a:txBody>
+                    <a:bodyPr/>
+                    <a:lstStyle/>
+                    <a:p>
+                      <a:endParaRPr lang="en-US" dirty="0"/>
+                    </a:p>
+                  </a:txBody>
+                  <a:tcPr/>
+                </a:tc>
+              </a:tr>
+              <a:tr h="675778">
+                <a:tc>
+                  <a:txBody>
+                    <a:bodyPr/>
+                    <a:lstStyle/>
+                    <a:p>
+                      <a:r>
+                        <a:rPr lang="en-US" dirty="0" smtClean="0"/>
+                        <a:t>Designation</a:t>
+                      </a:r>
+                      <a:endParaRPr lang="en-US" dirty="0"/>
+                    </a:p>
+                  </a:txBody>
+                  <a:tcPr/>
+                </a:tc>
+                <a:tc>
+                  <a:txBody>
+                    <a:bodyPr/>
+                    <a:lstStyle/>
+                    <a:p>
+                      <a:endParaRPr lang="en-US" dirty="0"/>
+                    </a:p>
+                  </a:txBody>
+                  <a:tcPr/>
+                </a:tc>
+              </a:tr>
+              <a:tr h="675778">
+                <a:tc>
+                  <a:txBody>
+                    <a:bodyPr/>
+                    <a:lstStyle/>
+                    <a:p>
+                      <a:r>
+                        <a:rPr lang="en-US" dirty="0" smtClean="0"/>
+                        <a:t>Email</a:t>
+                      </a:r>
+                      <a:endParaRPr lang="en-US" dirty="0"/>
+                    </a:p>
+                  </a:txBody>
+                  <a:tcPr/>
+                </a:tc>
+                <a:tc>
+                  <a:txBody>
+                    <a:bodyPr/>
+                    <a:lstStyle/>
+                    <a:p>
+                      <a:endParaRPr lang="en-US" dirty="0"/>
+                    </a:p>
+                  </a:txBody>
+                  <a:tcPr/>
+                </a:tc>
+              </a:tr>
+              <a:tr h="675778">
+                <a:tc>
+                  <a:txBody>
+                    <a:bodyPr/>
+                    <a:lstStyle/>
+                    <a:p>
+                      <a:r>
+                        <a:rPr lang="en-US" dirty="0" smtClean="0"/>
+                        <a:t>Mobile N</a:t>
+                      </a:r>
+                      <a:endParaRPr lang="en-US" dirty="0"/>
+                    </a:p>
+                  </a:txBody>
+                  <a:tcPr/>
+                </a:tc>
+                <a:tc>
+                  <a:txBody>
+                    <a:bodyPr/>
+                    <a:lstStyle/>
+                    <a:p>
+                      <a:endParaRPr lang="en-US" dirty="0"/>
+                    </a:p>
+                  </a:txBody>
+                  <a:tcPr/>
+                </a:tc>
+              </a:tr>
+              <a:tr h="675778">
+                <a:tc>
+                  <a:txBody>
+                    <a:bodyPr/>
+                    <a:lstStyle/>
+                    <a:p>
+                      <a:r>
+                        <a:rPr lang="en-US" dirty="0" smtClean="0"/>
+                        <a:t>Office Address</a:t>
+                      </a:r>
+                      <a:endParaRPr lang="en-US" dirty="0"/>
+                    </a:p>
+                  </a:txBody>
+                  <a:tcPr/>
+                </a:tc>
+                <a:tc>
+                  <a:txBody>
+                    <a:bodyPr/>
+                    <a:lstStyle/>
+                    <a:p>
+                      <a:endParaRPr lang="en-US" dirty="0"/>
+                    </a:p>
+                  </a:txBody>
+                  <a:tcPr/>
+                </a:tc>
+              </a:tr>
+            </a:tbl>
+          </a:graphicData>
+        </a:graphic>
+      </p:graphicFrame>
+    </p:spTree>
+    <p:extLst>
+      <p:ext uri="{BB962C8B-B14F-4D97-AF65-F5344CB8AC3E}">
+        <p14:creationId xmlns:p14="http://schemas.microsoft.com/office/powerpoint/2010/main" val="2198716805"/>
+      </p:ext>
+    </p:extLst>
+  </p:cSld>
+  <p:clrMapOvr>
+    <a:masterClrMapping/>
+  </p:clrMapOvr>
+  <p:timing>
+    <p:tnLst>
+      <p:par>
+        <p:cTn id="1" dur="indefinite" restart="never" nodeType="tmRoot"/>
+      </p:par>
+    </p:tnLst>
+  </p:timing>
+</p:sld>
+</file>
+
 <file path=ppt/theme/theme1.xml><?xml version="1.0" encoding="utf-8"?>
 <a:theme xmlns:a="http://schemas.openxmlformats.org/drawingml/2006/main" name="Office Theme">
   <a:themeElements>

--- a/Document/Vehicle Management Presentation.pptx
+++ b/Document/Vehicle Management Presentation.pptx
@@ -11,11 +11,12 @@
     <p:sldId id="261" r:id="rId5"/>
     <p:sldId id="262" r:id="rId6"/>
     <p:sldId id="264" r:id="rId7"/>
-    <p:sldId id="265" r:id="rId8"/>
-    <p:sldId id="267" r:id="rId9"/>
+    <p:sldId id="270" r:id="rId8"/>
+    <p:sldId id="265" r:id="rId9"/>
     <p:sldId id="263" r:id="rId10"/>
-    <p:sldId id="266" r:id="rId11"/>
-    <p:sldId id="268" r:id="rId12"/>
+    <p:sldId id="267" r:id="rId11"/>
+    <p:sldId id="266" r:id="rId12"/>
+    <p:sldId id="268" r:id="rId13"/>
   </p:sldIdLst>
   <p:sldSz cx="12192000" cy="6858000"/>
   <p:notesSz cx="6858000" cy="9144000"/>
@@ -116,7 +117,7 @@
   </p:defaultTextStyle>
   <p:extLst>
     <p:ext uri="{EFAFB233-063F-42B5-8137-9DF3F51BA10A}">
-      <p15:sldGuideLst xmlns:p15="http://schemas.microsoft.com/office/powerpoint/2012/main"/>
+      <p15:sldGuideLst xmlns:p15="http://schemas.microsoft.com/office/powerpoint/2012/main" xmlns=""/>
     </p:ext>
   </p:extLst>
 </p:presentation>
@@ -253,6 +254,7 @@
           <a:p>
             <a:fld id="{6CEDDB51-4372-4FB4-AF49-668D4DCAAC25}" type="datetimeFigureOut">
               <a:rPr lang="en-US" smtClean="0"/>
+              <a:pPr/>
               <a:t>5/23/2018</a:t>
             </a:fld>
             <a:endParaRPr lang="en-US"/>
@@ -295,6 +297,7 @@
           <a:p>
             <a:fld id="{210D1B73-F086-423F-9553-7233A03B8BEA}" type="slidenum">
               <a:rPr lang="en-US" smtClean="0"/>
+              <a:pPr/>
               <a:t>‹#›</a:t>
             </a:fld>
             <a:endParaRPr lang="en-US"/>
@@ -304,7 +307,7 @@
     </p:spTree>
     <p:extLst>
       <p:ext uri="{BB962C8B-B14F-4D97-AF65-F5344CB8AC3E}">
-        <p14:creationId xmlns:p14="http://schemas.microsoft.com/office/powerpoint/2010/main" val="3261322385"/>
+        <p14:creationId xmlns:p14="http://schemas.microsoft.com/office/powerpoint/2010/main" xmlns="" val="3261322385"/>
       </p:ext>
     </p:extLst>
   </p:cSld>
@@ -423,6 +426,7 @@
           <a:p>
             <a:fld id="{6CEDDB51-4372-4FB4-AF49-668D4DCAAC25}" type="datetimeFigureOut">
               <a:rPr lang="en-US" smtClean="0"/>
+              <a:pPr/>
               <a:t>5/23/2018</a:t>
             </a:fld>
             <a:endParaRPr lang="en-US"/>
@@ -465,6 +469,7 @@
           <a:p>
             <a:fld id="{210D1B73-F086-423F-9553-7233A03B8BEA}" type="slidenum">
               <a:rPr lang="en-US" smtClean="0"/>
+              <a:pPr/>
               <a:t>‹#›</a:t>
             </a:fld>
             <a:endParaRPr lang="en-US"/>
@@ -474,7 +479,7 @@
     </p:spTree>
     <p:extLst>
       <p:ext uri="{BB962C8B-B14F-4D97-AF65-F5344CB8AC3E}">
-        <p14:creationId xmlns:p14="http://schemas.microsoft.com/office/powerpoint/2010/main" val="1446185244"/>
+        <p14:creationId xmlns:p14="http://schemas.microsoft.com/office/powerpoint/2010/main" xmlns="" val="1446185244"/>
       </p:ext>
     </p:extLst>
   </p:cSld>
@@ -603,6 +608,7 @@
           <a:p>
             <a:fld id="{6CEDDB51-4372-4FB4-AF49-668D4DCAAC25}" type="datetimeFigureOut">
               <a:rPr lang="en-US" smtClean="0"/>
+              <a:pPr/>
               <a:t>5/23/2018</a:t>
             </a:fld>
             <a:endParaRPr lang="en-US"/>
@@ -645,6 +651,7 @@
           <a:p>
             <a:fld id="{210D1B73-F086-423F-9553-7233A03B8BEA}" type="slidenum">
               <a:rPr lang="en-US" smtClean="0"/>
+              <a:pPr/>
               <a:t>‹#›</a:t>
             </a:fld>
             <a:endParaRPr lang="en-US"/>
@@ -654,7 +661,7 @@
     </p:spTree>
     <p:extLst>
       <p:ext uri="{BB962C8B-B14F-4D97-AF65-F5344CB8AC3E}">
-        <p14:creationId xmlns:p14="http://schemas.microsoft.com/office/powerpoint/2010/main" val="3276760286"/>
+        <p14:creationId xmlns:p14="http://schemas.microsoft.com/office/powerpoint/2010/main" xmlns="" val="3276760286"/>
       </p:ext>
     </p:extLst>
   </p:cSld>
@@ -773,6 +780,7 @@
           <a:p>
             <a:fld id="{6CEDDB51-4372-4FB4-AF49-668D4DCAAC25}" type="datetimeFigureOut">
               <a:rPr lang="en-US" smtClean="0"/>
+              <a:pPr/>
               <a:t>5/23/2018</a:t>
             </a:fld>
             <a:endParaRPr lang="en-US"/>
@@ -815,6 +823,7 @@
           <a:p>
             <a:fld id="{210D1B73-F086-423F-9553-7233A03B8BEA}" type="slidenum">
               <a:rPr lang="en-US" smtClean="0"/>
+              <a:pPr/>
               <a:t>‹#›</a:t>
             </a:fld>
             <a:endParaRPr lang="en-US"/>
@@ -824,7 +833,7 @@
     </p:spTree>
     <p:extLst>
       <p:ext uri="{BB962C8B-B14F-4D97-AF65-F5344CB8AC3E}">
-        <p14:creationId xmlns:p14="http://schemas.microsoft.com/office/powerpoint/2010/main" val="2937646989"/>
+        <p14:creationId xmlns:p14="http://schemas.microsoft.com/office/powerpoint/2010/main" xmlns="" val="2937646989"/>
       </p:ext>
     </p:extLst>
   </p:cSld>
@@ -1019,6 +1028,7 @@
           <a:p>
             <a:fld id="{6CEDDB51-4372-4FB4-AF49-668D4DCAAC25}" type="datetimeFigureOut">
               <a:rPr lang="en-US" smtClean="0"/>
+              <a:pPr/>
               <a:t>5/23/2018</a:t>
             </a:fld>
             <a:endParaRPr lang="en-US"/>
@@ -1061,6 +1071,7 @@
           <a:p>
             <a:fld id="{210D1B73-F086-423F-9553-7233A03B8BEA}" type="slidenum">
               <a:rPr lang="en-US" smtClean="0"/>
+              <a:pPr/>
               <a:t>‹#›</a:t>
             </a:fld>
             <a:endParaRPr lang="en-US"/>
@@ -1070,7 +1081,7 @@
     </p:spTree>
     <p:extLst>
       <p:ext uri="{BB962C8B-B14F-4D97-AF65-F5344CB8AC3E}">
-        <p14:creationId xmlns:p14="http://schemas.microsoft.com/office/powerpoint/2010/main" val="3051430598"/>
+        <p14:creationId xmlns:p14="http://schemas.microsoft.com/office/powerpoint/2010/main" xmlns="" val="3051430598"/>
       </p:ext>
     </p:extLst>
   </p:cSld>
@@ -1251,6 +1262,7 @@
           <a:p>
             <a:fld id="{6CEDDB51-4372-4FB4-AF49-668D4DCAAC25}" type="datetimeFigureOut">
               <a:rPr lang="en-US" smtClean="0"/>
+              <a:pPr/>
               <a:t>5/23/2018</a:t>
             </a:fld>
             <a:endParaRPr lang="en-US"/>
@@ -1293,6 +1305,7 @@
           <a:p>
             <a:fld id="{210D1B73-F086-423F-9553-7233A03B8BEA}" type="slidenum">
               <a:rPr lang="en-US" smtClean="0"/>
+              <a:pPr/>
               <a:t>‹#›</a:t>
             </a:fld>
             <a:endParaRPr lang="en-US"/>
@@ -1302,7 +1315,7 @@
     </p:spTree>
     <p:extLst>
       <p:ext uri="{BB962C8B-B14F-4D97-AF65-F5344CB8AC3E}">
-        <p14:creationId xmlns:p14="http://schemas.microsoft.com/office/powerpoint/2010/main" val="3495486535"/>
+        <p14:creationId xmlns:p14="http://schemas.microsoft.com/office/powerpoint/2010/main" xmlns="" val="3495486535"/>
       </p:ext>
     </p:extLst>
   </p:cSld>
@@ -1618,6 +1631,7 @@
           <a:p>
             <a:fld id="{6CEDDB51-4372-4FB4-AF49-668D4DCAAC25}" type="datetimeFigureOut">
               <a:rPr lang="en-US" smtClean="0"/>
+              <a:pPr/>
               <a:t>5/23/2018</a:t>
             </a:fld>
             <a:endParaRPr lang="en-US"/>
@@ -1660,6 +1674,7 @@
           <a:p>
             <a:fld id="{210D1B73-F086-423F-9553-7233A03B8BEA}" type="slidenum">
               <a:rPr lang="en-US" smtClean="0"/>
+              <a:pPr/>
               <a:t>‹#›</a:t>
             </a:fld>
             <a:endParaRPr lang="en-US"/>
@@ -1669,7 +1684,7 @@
     </p:spTree>
     <p:extLst>
       <p:ext uri="{BB962C8B-B14F-4D97-AF65-F5344CB8AC3E}">
-        <p14:creationId xmlns:p14="http://schemas.microsoft.com/office/powerpoint/2010/main" val="758826873"/>
+        <p14:creationId xmlns:p14="http://schemas.microsoft.com/office/powerpoint/2010/main" xmlns="" val="758826873"/>
       </p:ext>
     </p:extLst>
   </p:cSld>
@@ -1736,6 +1751,7 @@
           <a:p>
             <a:fld id="{6CEDDB51-4372-4FB4-AF49-668D4DCAAC25}" type="datetimeFigureOut">
               <a:rPr lang="en-US" smtClean="0"/>
+              <a:pPr/>
               <a:t>5/23/2018</a:t>
             </a:fld>
             <a:endParaRPr lang="en-US"/>
@@ -1778,6 +1794,7 @@
           <a:p>
             <a:fld id="{210D1B73-F086-423F-9553-7233A03B8BEA}" type="slidenum">
               <a:rPr lang="en-US" smtClean="0"/>
+              <a:pPr/>
               <a:t>‹#›</a:t>
             </a:fld>
             <a:endParaRPr lang="en-US"/>
@@ -1787,7 +1804,7 @@
     </p:spTree>
     <p:extLst>
       <p:ext uri="{BB962C8B-B14F-4D97-AF65-F5344CB8AC3E}">
-        <p14:creationId xmlns:p14="http://schemas.microsoft.com/office/powerpoint/2010/main" val="1184858517"/>
+        <p14:creationId xmlns:p14="http://schemas.microsoft.com/office/powerpoint/2010/main" xmlns="" val="1184858517"/>
       </p:ext>
     </p:extLst>
   </p:cSld>
@@ -1831,6 +1848,7 @@
           <a:p>
             <a:fld id="{6CEDDB51-4372-4FB4-AF49-668D4DCAAC25}" type="datetimeFigureOut">
               <a:rPr lang="en-US" smtClean="0"/>
+              <a:pPr/>
               <a:t>5/23/2018</a:t>
             </a:fld>
             <a:endParaRPr lang="en-US"/>
@@ -1873,6 +1891,7 @@
           <a:p>
             <a:fld id="{210D1B73-F086-423F-9553-7233A03B8BEA}" type="slidenum">
               <a:rPr lang="en-US" smtClean="0"/>
+              <a:pPr/>
               <a:t>‹#›</a:t>
             </a:fld>
             <a:endParaRPr lang="en-US"/>
@@ -1882,7 +1901,7 @@
     </p:spTree>
     <p:extLst>
       <p:ext uri="{BB962C8B-B14F-4D97-AF65-F5344CB8AC3E}">
-        <p14:creationId xmlns:p14="http://schemas.microsoft.com/office/powerpoint/2010/main" val="3601995357"/>
+        <p14:creationId xmlns:p14="http://schemas.microsoft.com/office/powerpoint/2010/main" xmlns="" val="3601995357"/>
       </p:ext>
     </p:extLst>
   </p:cSld>
@@ -2108,6 +2127,7 @@
           <a:p>
             <a:fld id="{6CEDDB51-4372-4FB4-AF49-668D4DCAAC25}" type="datetimeFigureOut">
               <a:rPr lang="en-US" smtClean="0"/>
+              <a:pPr/>
               <a:t>5/23/2018</a:t>
             </a:fld>
             <a:endParaRPr lang="en-US"/>
@@ -2150,6 +2170,7 @@
           <a:p>
             <a:fld id="{210D1B73-F086-423F-9553-7233A03B8BEA}" type="slidenum">
               <a:rPr lang="en-US" smtClean="0"/>
+              <a:pPr/>
               <a:t>‹#›</a:t>
             </a:fld>
             <a:endParaRPr lang="en-US"/>
@@ -2159,7 +2180,7 @@
     </p:spTree>
     <p:extLst>
       <p:ext uri="{BB962C8B-B14F-4D97-AF65-F5344CB8AC3E}">
-        <p14:creationId xmlns:p14="http://schemas.microsoft.com/office/powerpoint/2010/main" val="1437381479"/>
+        <p14:creationId xmlns:p14="http://schemas.microsoft.com/office/powerpoint/2010/main" xmlns="" val="1437381479"/>
       </p:ext>
     </p:extLst>
   </p:cSld>
@@ -2361,6 +2382,7 @@
           <a:p>
             <a:fld id="{6CEDDB51-4372-4FB4-AF49-668D4DCAAC25}" type="datetimeFigureOut">
               <a:rPr lang="en-US" smtClean="0"/>
+              <a:pPr/>
               <a:t>5/23/2018</a:t>
             </a:fld>
             <a:endParaRPr lang="en-US"/>
@@ -2403,6 +2425,7 @@
           <a:p>
             <a:fld id="{210D1B73-F086-423F-9553-7233A03B8BEA}" type="slidenum">
               <a:rPr lang="en-US" smtClean="0"/>
+              <a:pPr/>
               <a:t>‹#›</a:t>
             </a:fld>
             <a:endParaRPr lang="en-US"/>
@@ -2412,7 +2435,7 @@
     </p:spTree>
     <p:extLst>
       <p:ext uri="{BB962C8B-B14F-4D97-AF65-F5344CB8AC3E}">
-        <p14:creationId xmlns:p14="http://schemas.microsoft.com/office/powerpoint/2010/main" val="1477953119"/>
+        <p14:creationId xmlns:p14="http://schemas.microsoft.com/office/powerpoint/2010/main" xmlns="" val="1477953119"/>
       </p:ext>
     </p:extLst>
   </p:cSld>
@@ -2574,6 +2597,7 @@
           <a:p>
             <a:fld id="{6CEDDB51-4372-4FB4-AF49-668D4DCAAC25}" type="datetimeFigureOut">
               <a:rPr lang="en-US" smtClean="0"/>
+              <a:pPr/>
               <a:t>5/23/2018</a:t>
             </a:fld>
             <a:endParaRPr lang="en-US"/>
@@ -2652,6 +2676,7 @@
           <a:p>
             <a:fld id="{210D1B73-F086-423F-9553-7233A03B8BEA}" type="slidenum">
               <a:rPr lang="en-US" smtClean="0"/>
+              <a:pPr/>
               <a:t>‹#›</a:t>
             </a:fld>
             <a:endParaRPr lang="en-US"/>
@@ -2661,7 +2686,7 @@
     </p:spTree>
     <p:extLst>
       <p:ext uri="{BB962C8B-B14F-4D97-AF65-F5344CB8AC3E}">
-        <p14:creationId xmlns:p14="http://schemas.microsoft.com/office/powerpoint/2010/main" val="404558158"/>
+        <p14:creationId xmlns:p14="http://schemas.microsoft.com/office/powerpoint/2010/main" xmlns="" val="404558158"/>
       </p:ext>
     </p:extLst>
   </p:cSld>
@@ -3123,7 +3148,7 @@
     </p:spTree>
     <p:extLst>
       <p:ext uri="{BB962C8B-B14F-4D97-AF65-F5344CB8AC3E}">
-        <p14:creationId xmlns:p14="http://schemas.microsoft.com/office/powerpoint/2010/main" val="895183294"/>
+        <p14:creationId xmlns:p14="http://schemas.microsoft.com/office/powerpoint/2010/main" xmlns="" val="895183294"/>
       </p:ext>
     </p:extLst>
   </p:cSld>
@@ -3213,6 +3238,395 @@
             <a:pPr algn="ctr"/>
             <a:r>
               <a:rPr lang="en-US" b="1" dirty="0" smtClean="0"/>
+              <a:t>Action Form (Controller)</a:t>
+            </a:r>
+            <a:endParaRPr lang="en-US" b="1" dirty="0"/>
+          </a:p>
+        </p:txBody>
+      </p:sp>
+      <p:sp>
+        <p:nvSpPr>
+          <p:cNvPr id="3" name="Content Placeholder 2"/>
+          <p:cNvSpPr>
+            <a:spLocks noGrp="1"/>
+          </p:cNvSpPr>
+          <p:nvPr>
+            <p:ph sz="half" idx="1"/>
+          </p:nvPr>
+        </p:nvSpPr>
+        <p:spPr>
+          <a:noFill/>
+        </p:spPr>
+        <p:txBody>
+          <a:bodyPr>
+            <a:normAutofit lnSpcReduction="10000"/>
+          </a:bodyPr>
+          <a:lstStyle/>
+          <a:p>
+            <a:r>
+              <a:rPr lang="en-US" dirty="0"/>
+              <a:t>Object: </a:t>
+            </a:r>
+            <a:r>
+              <a:rPr lang="en-US" dirty="0" err="1" smtClean="0"/>
+              <a:t>RequisitionInfo</a:t>
+            </a:r>
+            <a:endParaRPr lang="en-US" dirty="0"/>
+          </a:p>
+          <a:p>
+            <a:r>
+              <a:rPr lang="en-US" dirty="0" smtClean="0"/>
+              <a:t>Attribute</a:t>
+            </a:r>
+          </a:p>
+          <a:p>
+            <a:pPr marL="457200" lvl="1" indent="0">
+              <a:buNone/>
+            </a:pPr>
+            <a:r>
+              <a:rPr lang="en-US" dirty="0" smtClean="0"/>
+              <a:t>	Id;</a:t>
+            </a:r>
+          </a:p>
+          <a:p>
+            <a:pPr marL="0" indent="0">
+              <a:buNone/>
+            </a:pPr>
+            <a:r>
+              <a:rPr lang="en-US" dirty="0"/>
+              <a:t>	</a:t>
+            </a:r>
+            <a:r>
+              <a:rPr lang="en-US" dirty="0" err="1" smtClean="0"/>
+              <a:t>UserInfo</a:t>
+            </a:r>
+            <a:r>
+              <a:rPr lang="en-US" dirty="0" smtClean="0"/>
+              <a:t>;</a:t>
+            </a:r>
+          </a:p>
+          <a:p>
+            <a:pPr marL="0" indent="0">
+              <a:buNone/>
+            </a:pPr>
+            <a:r>
+              <a:rPr lang="en-US" dirty="0" smtClean="0"/>
+              <a:t>	</a:t>
+            </a:r>
+            <a:r>
+              <a:rPr lang="en-US" dirty="0" err="1" smtClean="0"/>
+              <a:t>RequisitionInfo</a:t>
+            </a:r>
+            <a:r>
+              <a:rPr lang="en-US" dirty="0" smtClean="0"/>
+              <a:t>;</a:t>
+            </a:r>
+          </a:p>
+          <a:p>
+            <a:pPr marL="0" indent="0">
+              <a:buNone/>
+            </a:pPr>
+            <a:r>
+              <a:rPr lang="en-US" dirty="0" smtClean="0"/>
+              <a:t>	</a:t>
+            </a:r>
+            <a:r>
+              <a:rPr lang="en-US" dirty="0" err="1" smtClean="0"/>
+              <a:t>VehicleInfo</a:t>
+            </a:r>
+            <a:r>
+              <a:rPr lang="en-US" dirty="0" smtClean="0"/>
+              <a:t>;</a:t>
+            </a:r>
+          </a:p>
+          <a:p>
+            <a:pPr marL="0" indent="0">
+              <a:buNone/>
+            </a:pPr>
+            <a:r>
+              <a:rPr lang="en-US" dirty="0" smtClean="0"/>
+              <a:t>	</a:t>
+            </a:r>
+            <a:r>
+              <a:rPr lang="en-US" dirty="0" err="1" smtClean="0"/>
+              <a:t>DriverInfo</a:t>
+            </a:r>
+            <a:r>
+              <a:rPr lang="en-US" dirty="0" smtClean="0"/>
+              <a:t>;</a:t>
+            </a:r>
+          </a:p>
+          <a:p>
+            <a:pPr marL="0" indent="0">
+              <a:buNone/>
+            </a:pPr>
+            <a:r>
+              <a:rPr lang="en-US" dirty="0" smtClean="0"/>
+              <a:t>	</a:t>
+            </a:r>
+            <a:r>
+              <a:rPr lang="en-US" dirty="0" err="1" smtClean="0"/>
+              <a:t>CancelRequisition</a:t>
+            </a:r>
+            <a:r>
+              <a:rPr lang="en-US" dirty="0" smtClean="0"/>
+              <a:t>;</a:t>
+            </a:r>
+          </a:p>
+          <a:p>
+            <a:pPr marL="0" indent="0">
+              <a:buNone/>
+            </a:pPr>
+            <a:r>
+              <a:rPr lang="en-US" dirty="0"/>
+              <a:t>	</a:t>
+            </a:r>
+            <a:r>
+              <a:rPr lang="en-US" dirty="0" err="1" smtClean="0"/>
+              <a:t>ReassainRequisition</a:t>
+            </a:r>
+            <a:r>
+              <a:rPr lang="en-US" dirty="0" smtClean="0"/>
+              <a:t>;</a:t>
+            </a:r>
+          </a:p>
+          <a:p>
+            <a:pPr marL="0" indent="0">
+              <a:buNone/>
+            </a:pPr>
+            <a:endParaRPr lang="en-US" dirty="0"/>
+          </a:p>
+          <a:p>
+            <a:endParaRPr lang="en-US" dirty="0"/>
+          </a:p>
+        </p:txBody>
+      </p:sp>
+      <p:sp>
+        <p:nvSpPr>
+          <p:cNvPr id="4" name="Content Placeholder 3"/>
+          <p:cNvSpPr>
+            <a:spLocks noGrp="1"/>
+          </p:cNvSpPr>
+          <p:nvPr>
+            <p:ph sz="half" idx="2"/>
+          </p:nvPr>
+        </p:nvSpPr>
+        <p:spPr/>
+        <p:txBody>
+          <a:bodyPr>
+            <a:normAutofit lnSpcReduction="10000"/>
+          </a:bodyPr>
+          <a:lstStyle/>
+          <a:p>
+            <a:endParaRPr lang="en-US" dirty="0" smtClean="0"/>
+          </a:p>
+          <a:p>
+            <a:r>
+              <a:rPr lang="en-US" dirty="0" smtClean="0"/>
+              <a:t>Activity</a:t>
+            </a:r>
+            <a:r>
+              <a:rPr lang="en-US" dirty="0"/>
+              <a:t>:</a:t>
+            </a:r>
+          </a:p>
+          <a:p>
+            <a:pPr marL="0" indent="0">
+              <a:buNone/>
+            </a:pPr>
+            <a:r>
+              <a:rPr lang="en-US" dirty="0"/>
+              <a:t>	</a:t>
+            </a:r>
+            <a:r>
+              <a:rPr lang="en-US" dirty="0" err="1"/>
+              <a:t>RequisitionList</a:t>
+            </a:r>
+            <a:r>
+              <a:rPr lang="en-US" dirty="0"/>
+              <a:t>();</a:t>
+            </a:r>
+          </a:p>
+          <a:p>
+            <a:pPr marL="0" indent="0">
+              <a:buNone/>
+            </a:pPr>
+            <a:r>
+              <a:rPr lang="en-US" dirty="0"/>
+              <a:t>	</a:t>
+            </a:r>
+            <a:r>
+              <a:rPr lang="en-US" dirty="0" err="1"/>
+              <a:t>SearchRequisition</a:t>
+            </a:r>
+            <a:r>
+              <a:rPr lang="en-US" dirty="0"/>
+              <a:t>();</a:t>
+            </a:r>
+          </a:p>
+          <a:p>
+            <a:pPr marL="0" indent="0">
+              <a:buNone/>
+            </a:pPr>
+            <a:r>
+              <a:rPr lang="en-US" dirty="0"/>
+              <a:t>	</a:t>
+            </a:r>
+            <a:r>
+              <a:rPr lang="en-US" dirty="0" err="1"/>
+              <a:t>ApproveRequisition</a:t>
+            </a:r>
+            <a:r>
+              <a:rPr lang="en-US" dirty="0"/>
+              <a:t>();</a:t>
+            </a:r>
+          </a:p>
+          <a:p>
+            <a:pPr marL="0" indent="0">
+              <a:buNone/>
+            </a:pPr>
+            <a:r>
+              <a:rPr lang="en-US" dirty="0"/>
+              <a:t>	</a:t>
+            </a:r>
+            <a:r>
+              <a:rPr lang="en-US" dirty="0" err="1"/>
+              <a:t>CancelRequisition</a:t>
+            </a:r>
+            <a:r>
+              <a:rPr lang="en-US" dirty="0"/>
+              <a:t>();</a:t>
+            </a:r>
+          </a:p>
+          <a:p>
+            <a:pPr marL="0" indent="0">
+              <a:buNone/>
+            </a:pPr>
+            <a:r>
+              <a:rPr lang="en-US" dirty="0"/>
+              <a:t>	</a:t>
+            </a:r>
+            <a:r>
+              <a:rPr lang="en-US" dirty="0" err="1"/>
+              <a:t>CheckInTime</a:t>
+            </a:r>
+            <a:r>
+              <a:rPr lang="en-US" dirty="0"/>
+              <a:t>();</a:t>
+            </a:r>
+          </a:p>
+          <a:p>
+            <a:pPr marL="0" indent="0">
+              <a:buNone/>
+            </a:pPr>
+            <a:r>
+              <a:rPr lang="en-US" dirty="0"/>
+              <a:t>	</a:t>
+            </a:r>
+            <a:r>
+              <a:rPr lang="en-US" dirty="0" err="1"/>
+              <a:t>CheckOutTime</a:t>
+            </a:r>
+            <a:r>
+              <a:rPr lang="en-US" dirty="0"/>
+              <a:t>();</a:t>
+            </a:r>
+          </a:p>
+        </p:txBody>
+      </p:sp>
+    </p:spTree>
+    <p:extLst>
+      <p:ext uri="{BB962C8B-B14F-4D97-AF65-F5344CB8AC3E}">
+        <p14:creationId xmlns:p14="http://schemas.microsoft.com/office/powerpoint/2010/main" xmlns="" val="3827304921"/>
+      </p:ext>
+    </p:extLst>
+  </p:cSld>
+  <p:clrMapOvr>
+    <a:masterClrMapping/>
+  </p:clrMapOvr>
+  <p:timing>
+    <p:tnLst>
+      <p:par>
+        <p:cTn id="1" dur="indefinite" restart="never" nodeType="tmRoot"/>
+      </p:par>
+    </p:tnLst>
+  </p:timing>
+</p:sld>
+</file>
+
+<file path=ppt/slides/slide11.xml><?xml version="1.0" encoding="utf-8"?>
+<p:sld xmlns:a="http://schemas.openxmlformats.org/drawingml/2006/main" xmlns:r="http://schemas.openxmlformats.org/officeDocument/2006/relationships" xmlns:p="http://schemas.openxmlformats.org/presentationml/2006/main">
+  <p:cSld>
+    <p:bg>
+      <p:bgPr>
+        <a:solidFill>
+          <a:schemeClr val="accent4">
+            <a:lumMod val="75000"/>
+          </a:schemeClr>
+        </a:solidFill>
+        <a:effectLst/>
+      </p:bgPr>
+    </p:bg>
+    <p:spTree>
+      <p:nvGrpSpPr>
+        <p:cNvPr id="1" name=""/>
+        <p:cNvGrpSpPr/>
+        <p:nvPr/>
+      </p:nvGrpSpPr>
+      <p:grpSpPr>
+        <a:xfrm>
+          <a:off x="0" y="0"/>
+          <a:ext cx="0" cy="0"/>
+          <a:chOff x="0" y="0"/>
+          <a:chExt cx="0" cy="0"/>
+        </a:xfrm>
+      </p:grpSpPr>
+      <p:sp>
+        <p:nvSpPr>
+          <p:cNvPr id="2" name="Title 1"/>
+          <p:cNvSpPr>
+            <a:spLocks noGrp="1"/>
+          </p:cNvSpPr>
+          <p:nvPr>
+            <p:ph type="title"/>
+          </p:nvPr>
+        </p:nvSpPr>
+        <p:spPr>
+          <a:gradFill>
+            <a:gsLst>
+              <a:gs pos="0">
+                <a:schemeClr val="accent4">
+                  <a:lumMod val="89000"/>
+                </a:schemeClr>
+              </a:gs>
+              <a:gs pos="23000">
+                <a:schemeClr val="accent4">
+                  <a:lumMod val="89000"/>
+                </a:schemeClr>
+              </a:gs>
+              <a:gs pos="69000">
+                <a:schemeClr val="accent4">
+                  <a:lumMod val="75000"/>
+                </a:schemeClr>
+              </a:gs>
+              <a:gs pos="97000">
+                <a:schemeClr val="accent4">
+                  <a:lumMod val="70000"/>
+                </a:schemeClr>
+              </a:gs>
+            </a:gsLst>
+            <a:path path="circle">
+              <a:fillToRect l="50000" t="50000" r="50000" b="50000"/>
+            </a:path>
+          </a:gradFill>
+        </p:spPr>
+        <p:txBody>
+          <a:bodyPr/>
+          <a:lstStyle/>
+          <a:p>
+            <a:pPr algn="ctr"/>
+            <a:r>
+              <a:rPr lang="en-US" b="1" dirty="0" smtClean="0"/>
               <a:t>Requisition Form (User)</a:t>
             </a:r>
             <a:endParaRPr lang="en-US" b="1" dirty="0"/>
@@ -3445,7 +3859,7 @@
             <p:ph sz="half" idx="2"/>
             <p:extLst>
               <p:ext uri="{D42A27DB-BD31-4B8C-83A1-F6EECF244321}">
-                <p14:modId xmlns:p14="http://schemas.microsoft.com/office/powerpoint/2010/main" val="1426166606"/>
+                <p14:modId xmlns:p14="http://schemas.microsoft.com/office/powerpoint/2010/main" xmlns="" val="1426166606"/>
               </p:ext>
             </p:extLst>
           </p:nvPr>
@@ -4068,7 +4482,7 @@
     </p:spTree>
     <p:extLst>
       <p:ext uri="{BB962C8B-B14F-4D97-AF65-F5344CB8AC3E}">
-        <p14:creationId xmlns:p14="http://schemas.microsoft.com/office/powerpoint/2010/main" val="1522459881"/>
+        <p14:creationId xmlns:p14="http://schemas.microsoft.com/office/powerpoint/2010/main" xmlns="" val="1522459881"/>
       </p:ext>
     </p:extLst>
   </p:cSld>
@@ -4085,7 +4499,7 @@
 </p:sld>
 </file>
 
-<file path=ppt/slides/slide11.xml><?xml version="1.0" encoding="utf-8"?>
+<file path=ppt/slides/slide12.xml><?xml version="1.0" encoding="utf-8"?>
 <p:sld xmlns:a="http://schemas.openxmlformats.org/drawingml/2006/main" xmlns:r="http://schemas.openxmlformats.org/officeDocument/2006/relationships" xmlns:p="http://schemas.openxmlformats.org/presentationml/2006/main">
   <p:cSld>
     <p:bg>
@@ -4176,7 +4590,7 @@
     </p:spTree>
     <p:extLst>
       <p:ext uri="{BB962C8B-B14F-4D97-AF65-F5344CB8AC3E}">
-        <p14:creationId xmlns:p14="http://schemas.microsoft.com/office/powerpoint/2010/main" val="849137660"/>
+        <p14:creationId xmlns:p14="http://schemas.microsoft.com/office/powerpoint/2010/main" xmlns="" val="849137660"/>
       </p:ext>
     </p:extLst>
   </p:cSld>
@@ -4334,7 +4748,7 @@
           <a:blip r:embed="rId2">
             <a:extLst>
               <a:ext uri="{28A0092B-C50C-407E-A947-70E740481C1C}">
-                <a14:useLocalDpi xmlns:a14="http://schemas.microsoft.com/office/drawing/2010/main" val="0"/>
+                <a14:useLocalDpi xmlns:a14="http://schemas.microsoft.com/office/drawing/2010/main" xmlns="" val="0"/>
               </a:ext>
             </a:extLst>
           </a:blip>
@@ -4355,7 +4769,7 @@
     </p:spTree>
     <p:extLst>
       <p:ext uri="{BB962C8B-B14F-4D97-AF65-F5344CB8AC3E}">
-        <p14:creationId xmlns:p14="http://schemas.microsoft.com/office/powerpoint/2010/main" val="2853610896"/>
+        <p14:creationId xmlns:p14="http://schemas.microsoft.com/office/powerpoint/2010/main" xmlns="" val="2853610896"/>
       </p:ext>
     </p:extLst>
   </p:cSld>
@@ -4997,7 +5411,7 @@
     </p:spTree>
     <p:extLst>
       <p:ext uri="{BB962C8B-B14F-4D97-AF65-F5344CB8AC3E}">
-        <p14:creationId xmlns:p14="http://schemas.microsoft.com/office/powerpoint/2010/main" val="1445338898"/>
+        <p14:creationId xmlns:p14="http://schemas.microsoft.com/office/powerpoint/2010/main" xmlns="" val="1445338898"/>
       </p:ext>
     </p:extLst>
   </p:cSld>
@@ -5516,7 +5930,7 @@
     </p:spTree>
     <p:extLst>
       <p:ext uri="{BB962C8B-B14F-4D97-AF65-F5344CB8AC3E}">
-        <p14:creationId xmlns:p14="http://schemas.microsoft.com/office/powerpoint/2010/main" val="1057660879"/>
+        <p14:creationId xmlns:p14="http://schemas.microsoft.com/office/powerpoint/2010/main" xmlns="" val="1057660879"/>
       </p:ext>
     </p:extLst>
   </p:cSld>
@@ -5963,7 +6377,7 @@
     </p:spTree>
     <p:extLst>
       <p:ext uri="{BB962C8B-B14F-4D97-AF65-F5344CB8AC3E}">
-        <p14:creationId xmlns:p14="http://schemas.microsoft.com/office/powerpoint/2010/main" val="4108372936"/>
+        <p14:creationId xmlns:p14="http://schemas.microsoft.com/office/powerpoint/2010/main" xmlns="" val="4108372936"/>
       </p:ext>
     </p:extLst>
   </p:cSld>
@@ -6052,8 +6466,16 @@
           <a:p>
             <a:pPr algn="ctr"/>
             <a:r>
+              <a:rPr lang="en-US" b="1" dirty="0" err="1" smtClean="0"/>
+              <a:t>VehicleType</a:t>
+            </a:r>
+            <a:r>
               <a:rPr lang="en-US" b="1" dirty="0" smtClean="0"/>
-              <a:t>Vehicle Entry Form (Controller)</a:t>
+              <a:t> </a:t>
+            </a:r>
+            <a:r>
+              <a:rPr lang="en-US" b="1" dirty="0" smtClean="0"/>
+              <a:t>Entry Form (Controller)</a:t>
             </a:r>
             <a:endParaRPr lang="en-US" b="1" dirty="0"/>
           </a:p>
@@ -6074,7 +6496,7 @@
         </p:spPr>
         <p:txBody>
           <a:bodyPr>
-            <a:normAutofit fontScale="77500" lnSpcReduction="20000"/>
+            <a:normAutofit fontScale="92500" lnSpcReduction="10000"/>
           </a:bodyPr>
           <a:lstStyle/>
           <a:p>
@@ -6084,7 +6506,7 @@
             </a:r>
             <a:r>
               <a:rPr lang="en-US" dirty="0" err="1" smtClean="0"/>
-              <a:t>VehicleEntry</a:t>
+              <a:t>VehicleType</a:t>
             </a:r>
             <a:endParaRPr lang="en-US" dirty="0"/>
           </a:p>
@@ -6100,8 +6522,17 @@
             </a:pPr>
             <a:r>
               <a:rPr lang="en-US" dirty="0" smtClean="0"/>
-              <a:t>	Id;</a:t>
-            </a:r>
+              <a:t>	</a:t>
+            </a:r>
+            <a:r>
+              <a:rPr lang="en-US" dirty="0" smtClean="0"/>
+              <a:t>Id</a:t>
+            </a:r>
+            <a:r>
+              <a:rPr lang="en-US" dirty="0" smtClean="0"/>
+              <a:t>;</a:t>
+            </a:r>
+            <a:endParaRPr lang="en-US" dirty="0" smtClean="0"/>
           </a:p>
           <a:p>
             <a:pPr marL="0" indent="0">
@@ -6109,7 +6540,15 @@
             </a:pPr>
             <a:r>
               <a:rPr lang="en-US" dirty="0"/>
-              <a:t>	Name;</a:t>
+              <a:t>	</a:t>
+            </a:r>
+            <a:r>
+              <a:rPr lang="en-US" dirty="0" err="1" smtClean="0"/>
+              <a:t>TypeName</a:t>
+            </a:r>
+            <a:r>
+              <a:rPr lang="en-US" dirty="0" smtClean="0"/>
+              <a:t>;</a:t>
             </a:r>
           </a:p>
           <a:p>
@@ -6117,29 +6556,57 @@
               <a:buNone/>
             </a:pPr>
             <a:r>
-              <a:rPr lang="en-US" dirty="0"/>
+              <a:rPr lang="en-US" dirty="0" smtClean="0"/>
               <a:t>	</a:t>
             </a:r>
             <a:r>
+              <a:rPr lang="en-US" dirty="0" smtClean="0"/>
+              <a:t>Description;</a:t>
+            </a:r>
+          </a:p>
+          <a:p>
+            <a:r>
+              <a:rPr lang="en-US" dirty="0" smtClean="0"/>
+              <a:t>Activity:</a:t>
+            </a:r>
+          </a:p>
+          <a:p>
+            <a:pPr marL="0" indent="0">
+              <a:buNone/>
+            </a:pPr>
+            <a:r>
+              <a:rPr lang="en-US" dirty="0"/>
+              <a:t>	</a:t>
+            </a:r>
+            <a:r>
               <a:rPr lang="en-US" dirty="0" err="1" smtClean="0"/>
-              <a:t>RegNo</a:t>
-            </a:r>
-            <a:r>
-              <a:rPr lang="en-US" dirty="0" smtClean="0"/>
-              <a:t>;</a:t>
-            </a:r>
+              <a:t>CreateType</a:t>
+            </a:r>
+            <a:r>
+              <a:rPr lang="en-US" dirty="0" smtClean="0"/>
+              <a:t>();</a:t>
+            </a:r>
+            <a:endParaRPr lang="en-US" dirty="0"/>
           </a:p>
           <a:p>
             <a:pPr marL="0" indent="0">
               <a:buNone/>
             </a:pPr>
             <a:r>
-              <a:rPr lang="en-US" dirty="0"/>
+              <a:rPr lang="en-US" dirty="0" smtClean="0"/>
               <a:t>	</a:t>
             </a:r>
             <a:r>
-              <a:rPr lang="en-US" dirty="0" smtClean="0"/>
-              <a:t>Description;</a:t>
+              <a:rPr lang="en-US" dirty="0" err="1" smtClean="0"/>
+              <a:t>Type</a:t>
+            </a:r>
+            <a:r>
+              <a:rPr lang="en-US" dirty="0" err="1" smtClean="0"/>
+              <a:t>List</a:t>
+            </a:r>
+            <a:r>
+              <a:rPr lang="en-US" dirty="0" smtClean="0"/>
+              <a:t>();</a:t>
             </a:r>
           </a:p>
           <a:p>
@@ -6152,19 +6619,13 @@
             </a:r>
             <a:r>
               <a:rPr lang="en-US" dirty="0" err="1" smtClean="0"/>
-              <a:t>IsDelete</a:t>
-            </a:r>
-            <a:r>
-              <a:rPr lang="en-US" dirty="0" smtClean="0"/>
-              <a:t>;</a:t>
-            </a:r>
-            <a:endParaRPr lang="en-US" dirty="0"/>
-          </a:p>
-          <a:p>
-            <a:r>
-              <a:rPr lang="en-US" dirty="0"/>
-              <a:t>Activity:</a:t>
-            </a:r>
+              <a:t>EditType</a:t>
+            </a:r>
+            <a:r>
+              <a:rPr lang="en-US" dirty="0" smtClean="0"/>
+              <a:t>();</a:t>
+            </a:r>
+            <a:endParaRPr lang="en-US" dirty="0" smtClean="0"/>
           </a:p>
           <a:p>
             <a:pPr marL="0" indent="0">
@@ -6176,64 +6637,13 @@
             </a:r>
             <a:r>
               <a:rPr lang="en-US" dirty="0" err="1" smtClean="0"/>
-              <a:t>CreateVehicle</a:t>
+              <a:t>DeleteType</a:t>
             </a:r>
             <a:r>
               <a:rPr lang="en-US" dirty="0" smtClean="0"/>
               <a:t>();</a:t>
             </a:r>
-            <a:endParaRPr lang="en-US" dirty="0"/>
-          </a:p>
-          <a:p>
-            <a:pPr marL="0" indent="0">
-              <a:buNone/>
-            </a:pPr>
-            <a:r>
-              <a:rPr lang="en-US" dirty="0" smtClean="0"/>
-              <a:t>	</a:t>
-            </a:r>
-            <a:r>
-              <a:rPr lang="en-US" dirty="0" err="1" smtClean="0"/>
-              <a:t>VehicleList</a:t>
-            </a:r>
-            <a:r>
-              <a:rPr lang="en-US" dirty="0" smtClean="0"/>
-              <a:t>();</a:t>
-            </a:r>
-          </a:p>
-          <a:p>
-            <a:pPr marL="0" indent="0">
-              <a:buNone/>
-            </a:pPr>
-            <a:r>
-              <a:rPr lang="en-US" dirty="0"/>
-              <a:t>	</a:t>
-            </a:r>
-            <a:r>
-              <a:rPr lang="en-US" dirty="0" err="1" smtClean="0"/>
-              <a:t>EditVehicle</a:t>
-            </a:r>
-            <a:r>
-              <a:rPr lang="en-US" dirty="0" smtClean="0"/>
-              <a:t>();</a:t>
-            </a:r>
-          </a:p>
-          <a:p>
-            <a:pPr marL="0" indent="0">
-              <a:buNone/>
-            </a:pPr>
-            <a:r>
-              <a:rPr lang="en-US" dirty="0"/>
-              <a:t>	</a:t>
-            </a:r>
-            <a:r>
-              <a:rPr lang="en-US" dirty="0" err="1" smtClean="0"/>
-              <a:t>DeleteVehicle</a:t>
-            </a:r>
-            <a:r>
-              <a:rPr lang="en-US" dirty="0" smtClean="0"/>
-              <a:t>();</a:t>
-            </a:r>
+            <a:endParaRPr lang="en-US" dirty="0" smtClean="0"/>
           </a:p>
           <a:p>
             <a:pPr marL="0" indent="0">
@@ -6256,14 +6666,14 @@
             <p:ph sz="half" idx="2"/>
             <p:extLst>
               <p:ext uri="{D42A27DB-BD31-4B8C-83A1-F6EECF244321}">
-                <p14:modId xmlns:p14="http://schemas.microsoft.com/office/powerpoint/2010/main" val="2080387988"/>
+                <p14:modId xmlns:p14="http://schemas.microsoft.com/office/powerpoint/2010/main" xmlns="" val="2080387988"/>
               </p:ext>
             </p:extLst>
           </p:nvPr>
         </p:nvGraphicFramePr>
         <p:xfrm>
           <a:off x="6172200" y="1825625"/>
-          <a:ext cx="5181600" cy="2703112"/>
+          <a:ext cx="5181600" cy="2027334"/>
         </p:xfrm>
         <a:graphic>
           <a:graphicData uri="http://schemas.openxmlformats.org/drawingml/2006/table">
@@ -6312,59 +6722,9 @@
                     <a:lstStyle/>
                     <a:p>
                       <a:r>
-                        <a:rPr lang="en-US" dirty="0" smtClean="0"/>
-                        <a:t>Name</a:t>
+                        <a:rPr lang="en-US" dirty="0" err="1" smtClean="0"/>
+                        <a:t>TypeName</a:t>
                       </a:r>
-                      <a:endParaRPr lang="en-US" dirty="0"/>
-                    </a:p>
-                  </a:txBody>
-                  <a:tcPr/>
-                </a:tc>
-                <a:tc>
-                  <a:txBody>
-                    <a:bodyPr/>
-                    <a:lstStyle/>
-                    <a:p>
-                      <a:endParaRPr lang="en-US" dirty="0"/>
-                    </a:p>
-                  </a:txBody>
-                  <a:tcPr/>
-                </a:tc>
-              </a:tr>
-              <a:tr h="675778">
-                <a:tc>
-                  <a:txBody>
-                    <a:bodyPr/>
-                    <a:lstStyle/>
-                    <a:p>
-                      <a:pPr marL="0" marR="0" indent="0" algn="l" defTabSz="914400" rtl="0" eaLnBrk="1" fontAlgn="auto" latinLnBrk="0" hangingPunct="1">
-                        <a:lnSpc>
-                          <a:spcPct val="100000"/>
-                        </a:lnSpc>
-                        <a:spcBef>
-                          <a:spcPts val="0"/>
-                        </a:spcBef>
-                        <a:spcAft>
-                          <a:spcPts val="0"/>
-                        </a:spcAft>
-                        <a:buClrTx/>
-                        <a:buSzTx/>
-                        <a:buFontTx/>
-                        <a:buNone/>
-                        <a:tabLst/>
-                        <a:defRPr/>
-                      </a:pPr>
-                      <a:r>
-                        <a:rPr lang="en-US" dirty="0" smtClean="0"/>
-                        <a:t>Registration</a:t>
-                      </a:r>
-                      <a:r>
-                        <a:rPr lang="en-US" baseline="0" dirty="0" smtClean="0"/>
-                        <a:t> No</a:t>
-                      </a:r>
-                      <a:endParaRPr lang="en-US" dirty="0" smtClean="0"/>
-                    </a:p>
-                    <a:p>
                       <a:endParaRPr lang="en-US" dirty="0"/>
                     </a:p>
                   </a:txBody>
@@ -6433,7 +6793,7 @@
     </p:spTree>
     <p:extLst>
       <p:ext uri="{BB962C8B-B14F-4D97-AF65-F5344CB8AC3E}">
-        <p14:creationId xmlns:p14="http://schemas.microsoft.com/office/powerpoint/2010/main" val="2831550741"/>
+        <p14:creationId xmlns:p14="http://schemas.microsoft.com/office/powerpoint/2010/main" xmlns="" val="2831550741"/>
       </p:ext>
     </p:extLst>
   </p:cSld>
@@ -6523,7 +6883,7 @@
             <a:pPr algn="ctr"/>
             <a:r>
               <a:rPr lang="en-US" b="1" dirty="0" smtClean="0"/>
-              <a:t>Driver Entry Form (Controller)</a:t>
+              <a:t>Vehicle Entry Form (Controller)</a:t>
             </a:r>
             <a:endParaRPr lang="en-US" b="1" dirty="0"/>
           </a:p>
@@ -6554,7 +6914,7 @@
             </a:r>
             <a:r>
               <a:rPr lang="en-US" dirty="0" err="1" smtClean="0"/>
-              <a:t>DriverEntry</a:t>
+              <a:t>VehicleEntry</a:t>
             </a:r>
             <a:endParaRPr lang="en-US" dirty="0"/>
           </a:p>
@@ -6570,16 +6930,46 @@
             </a:pPr>
             <a:r>
               <a:rPr lang="en-US" dirty="0" smtClean="0"/>
-              <a:t>	Id;</a:t>
-            </a:r>
+              <a:t>	Id</a:t>
+            </a:r>
+            <a:r>
+              <a:rPr lang="en-US" dirty="0" smtClean="0"/>
+              <a:t>;</a:t>
+            </a:r>
+          </a:p>
+          <a:p>
+            <a:pPr marL="457200" lvl="1" indent="0">
+              <a:buNone/>
+            </a:pPr>
+            <a:r>
+              <a:rPr lang="en-US" dirty="0" smtClean="0"/>
+              <a:t>	</a:t>
+            </a:r>
+            <a:r>
+              <a:rPr lang="en-US" dirty="0" smtClean="0"/>
+              <a:t> </a:t>
+            </a:r>
+            <a:r>
+              <a:rPr lang="en-US" dirty="0" err="1" smtClean="0"/>
+              <a:t>VehicleTypeId</a:t>
+            </a:r>
+            <a:r>
+              <a:rPr lang="en-US" dirty="0" smtClean="0"/>
+              <a:t>;</a:t>
+            </a:r>
+            <a:endParaRPr lang="en-US" dirty="0" smtClean="0"/>
           </a:p>
           <a:p>
             <a:pPr marL="0" indent="0">
               <a:buNone/>
             </a:pPr>
             <a:r>
-              <a:rPr lang="en-US" dirty="0"/>
-              <a:t>	Name</a:t>
+              <a:rPr lang="en-US" dirty="0" smtClean="0"/>
+              <a:t>	</a:t>
+            </a:r>
+            <a:r>
+              <a:rPr lang="en-US" dirty="0" err="1" smtClean="0"/>
+              <a:t>RegNo</a:t>
             </a:r>
             <a:r>
               <a:rPr lang="en-US" dirty="0" smtClean="0"/>
@@ -6596,39 +6986,30 @@
             </a:r>
             <a:r>
               <a:rPr lang="en-US" dirty="0" smtClean="0"/>
-              <a:t>Designation;</a:t>
-            </a:r>
-            <a:endParaRPr lang="en-US" dirty="0"/>
+              <a:t>Description</a:t>
+            </a:r>
+            <a:r>
+              <a:rPr lang="en-US" dirty="0" smtClean="0"/>
+              <a:t>;</a:t>
+            </a:r>
           </a:p>
           <a:p>
             <a:pPr marL="0" indent="0">
               <a:buNone/>
             </a:pPr>
             <a:r>
-              <a:rPr lang="en-US" dirty="0"/>
+              <a:rPr lang="en-US" dirty="0" smtClean="0"/>
               <a:t>	</a:t>
             </a:r>
             <a:r>
               <a:rPr lang="en-US" dirty="0" err="1" smtClean="0"/>
-              <a:t>MobileNo</a:t>
+              <a:t>DriverId</a:t>
             </a:r>
             <a:r>
               <a:rPr lang="en-US" dirty="0" smtClean="0"/>
               <a:t>;</a:t>
             </a:r>
-          </a:p>
-          <a:p>
-            <a:pPr marL="0" indent="0">
-              <a:buNone/>
-            </a:pPr>
-            <a:r>
-              <a:rPr lang="en-US" dirty="0"/>
-              <a:t>	</a:t>
-            </a:r>
-            <a:r>
-              <a:rPr lang="en-US" dirty="0" smtClean="0"/>
-              <a:t>Address;</a:t>
-            </a:r>
+            <a:endParaRPr lang="en-US" dirty="0" smtClean="0"/>
           </a:p>
           <a:p>
             <a:pPr marL="0" indent="0">
@@ -6664,7 +7045,7 @@
             </a:r>
             <a:r>
               <a:rPr lang="en-US" dirty="0" err="1" smtClean="0"/>
-              <a:t>CreateDriver</a:t>
+              <a:t>CreateVehicle</a:t>
             </a:r>
             <a:r>
               <a:rPr lang="en-US" dirty="0" smtClean="0"/>
@@ -6682,7 +7063,7 @@
             </a:r>
             <a:r>
               <a:rPr lang="en-US" dirty="0" err="1" smtClean="0"/>
-              <a:t>DriverList</a:t>
+              <a:t>VehicleList</a:t>
             </a:r>
             <a:r>
               <a:rPr lang="en-US" dirty="0" smtClean="0"/>
@@ -6699,7 +7080,7 @@
             </a:r>
             <a:r>
               <a:rPr lang="en-US" dirty="0" err="1" smtClean="0"/>
-              <a:t>EditDriver</a:t>
+              <a:t>EditVehicle</a:t>
             </a:r>
             <a:r>
               <a:rPr lang="en-US" dirty="0" smtClean="0"/>
@@ -6716,7 +7097,7 @@
             </a:r>
             <a:r>
               <a:rPr lang="en-US" dirty="0" err="1" smtClean="0"/>
-              <a:t>DeleteDriver</a:t>
+              <a:t>DeleteVehicle</a:t>
             </a:r>
             <a:r>
               <a:rPr lang="en-US" dirty="0" smtClean="0"/>
@@ -6744,14 +7125,575 @@
             <p:ph sz="half" idx="2"/>
             <p:extLst>
               <p:ext uri="{D42A27DB-BD31-4B8C-83A1-F6EECF244321}">
-                <p14:modId xmlns:p14="http://schemas.microsoft.com/office/powerpoint/2010/main" val="2092718394"/>
+                <p14:modId xmlns:p14="http://schemas.microsoft.com/office/powerpoint/2010/main" xmlns="" val="2080387988"/>
               </p:ext>
             </p:extLst>
           </p:nvPr>
         </p:nvGraphicFramePr>
         <p:xfrm>
           <a:off x="6172200" y="1825625"/>
-          <a:ext cx="5181600" cy="4054668"/>
+          <a:ext cx="5181600" cy="3378890"/>
+        </p:xfrm>
+        <a:graphic>
+          <a:graphicData uri="http://schemas.openxmlformats.org/drawingml/2006/table">
+            <a:tbl>
+              <a:tblPr firstRow="1" bandRow="1">
+                <a:tableStyleId>{5C22544A-7EE6-4342-B048-85BDC9FD1C3A}</a:tableStyleId>
+              </a:tblPr>
+              <a:tblGrid>
+                <a:gridCol w="2590800"/>
+                <a:gridCol w="2590800"/>
+              </a:tblGrid>
+              <a:tr h="675778">
+                <a:tc>
+                  <a:txBody>
+                    <a:bodyPr/>
+                    <a:lstStyle/>
+                    <a:p>
+                      <a:r>
+                        <a:rPr lang="en-US" dirty="0" smtClean="0"/>
+                        <a:t>Title</a:t>
+                      </a:r>
+                      <a:endParaRPr lang="en-US" dirty="0"/>
+                    </a:p>
+                  </a:txBody>
+                  <a:tcPr/>
+                </a:tc>
+                <a:tc>
+                  <a:txBody>
+                    <a:bodyPr/>
+                    <a:lstStyle/>
+                    <a:p>
+                      <a:r>
+                        <a:rPr lang="en-US" dirty="0" smtClean="0"/>
+                        <a:t>Text Box		</a:t>
+                      </a:r>
+                      <a:endParaRPr lang="en-US" dirty="0"/>
+                    </a:p>
+                  </a:txBody>
+                  <a:tcPr/>
+                </a:tc>
+              </a:tr>
+              <a:tr h="675778">
+                <a:tc>
+                  <a:txBody>
+                    <a:bodyPr/>
+                    <a:lstStyle/>
+                    <a:p>
+                      <a:r>
+                        <a:rPr lang="en-US" dirty="0" err="1" smtClean="0"/>
+                        <a:t>VehicleType</a:t>
+                      </a:r>
+                      <a:r>
+                        <a:rPr lang="en-US" dirty="0" smtClean="0"/>
+                        <a:t>*</a:t>
+                      </a:r>
+                      <a:endParaRPr lang="en-US" dirty="0"/>
+                    </a:p>
+                  </a:txBody>
+                  <a:tcPr/>
+                </a:tc>
+                <a:tc>
+                  <a:txBody>
+                    <a:bodyPr/>
+                    <a:lstStyle/>
+                    <a:p>
+                      <a:endParaRPr lang="en-US" dirty="0"/>
+                    </a:p>
+                  </a:txBody>
+                  <a:tcPr/>
+                </a:tc>
+              </a:tr>
+              <a:tr h="675778">
+                <a:tc>
+                  <a:txBody>
+                    <a:bodyPr/>
+                    <a:lstStyle/>
+                    <a:p>
+                      <a:pPr marL="0" marR="0" indent="0" algn="l" defTabSz="914400" rtl="0" eaLnBrk="1" fontAlgn="auto" latinLnBrk="0" hangingPunct="1">
+                        <a:lnSpc>
+                          <a:spcPct val="100000"/>
+                        </a:lnSpc>
+                        <a:spcBef>
+                          <a:spcPts val="0"/>
+                        </a:spcBef>
+                        <a:spcAft>
+                          <a:spcPts val="0"/>
+                        </a:spcAft>
+                        <a:buClrTx/>
+                        <a:buSzTx/>
+                        <a:buFontTx/>
+                        <a:buNone/>
+                        <a:tabLst/>
+                        <a:defRPr/>
+                      </a:pPr>
+                      <a:r>
+                        <a:rPr lang="en-US" dirty="0" smtClean="0"/>
+                        <a:t>Registration</a:t>
+                      </a:r>
+                      <a:r>
+                        <a:rPr lang="en-US" baseline="0" dirty="0" smtClean="0"/>
+                        <a:t> </a:t>
+                      </a:r>
+                      <a:r>
+                        <a:rPr lang="en-US" baseline="0" dirty="0" smtClean="0"/>
+                        <a:t>No*</a:t>
+                      </a:r>
+                      <a:endParaRPr lang="en-US" dirty="0" smtClean="0"/>
+                    </a:p>
+                    <a:p>
+                      <a:endParaRPr lang="en-US" dirty="0"/>
+                    </a:p>
+                  </a:txBody>
+                  <a:tcPr/>
+                </a:tc>
+                <a:tc>
+                  <a:txBody>
+                    <a:bodyPr/>
+                    <a:lstStyle/>
+                    <a:p>
+                      <a:endParaRPr lang="en-US" dirty="0"/>
+                    </a:p>
+                  </a:txBody>
+                  <a:tcPr/>
+                </a:tc>
+              </a:tr>
+              <a:tr h="675778">
+                <a:tc>
+                  <a:txBody>
+                    <a:bodyPr/>
+                    <a:lstStyle/>
+                    <a:p>
+                      <a:r>
+                        <a:rPr lang="en-US" dirty="0" smtClean="0"/>
+                        <a:t>Driver</a:t>
+                      </a:r>
+                      <a:endParaRPr lang="en-US" dirty="0"/>
+                    </a:p>
+                  </a:txBody>
+                  <a:tcPr/>
+                </a:tc>
+                <a:tc>
+                  <a:txBody>
+                    <a:bodyPr/>
+                    <a:lstStyle/>
+                    <a:p>
+                      <a:endParaRPr lang="en-US" dirty="0"/>
+                    </a:p>
+                  </a:txBody>
+                  <a:tcPr/>
+                </a:tc>
+              </a:tr>
+              <a:tr h="675778">
+                <a:tc>
+                  <a:txBody>
+                    <a:bodyPr/>
+                    <a:lstStyle/>
+                    <a:p>
+                      <a:pPr marL="0" marR="0" indent="0" algn="l" defTabSz="914400" rtl="0" eaLnBrk="1" fontAlgn="auto" latinLnBrk="0" hangingPunct="1">
+                        <a:lnSpc>
+                          <a:spcPct val="100000"/>
+                        </a:lnSpc>
+                        <a:spcBef>
+                          <a:spcPts val="0"/>
+                        </a:spcBef>
+                        <a:spcAft>
+                          <a:spcPts val="0"/>
+                        </a:spcAft>
+                        <a:buClrTx/>
+                        <a:buSzTx/>
+                        <a:buFontTx/>
+                        <a:buNone/>
+                        <a:tabLst/>
+                        <a:defRPr/>
+                      </a:pPr>
+                      <a:r>
+                        <a:rPr lang="en-US" dirty="0" smtClean="0"/>
+                        <a:t>Description</a:t>
+                      </a:r>
+                    </a:p>
+                    <a:p>
+                      <a:endParaRPr lang="en-US" dirty="0"/>
+                    </a:p>
+                  </a:txBody>
+                  <a:tcPr/>
+                </a:tc>
+                <a:tc>
+                  <a:txBody>
+                    <a:bodyPr/>
+                    <a:lstStyle/>
+                    <a:p>
+                      <a:endParaRPr lang="en-US" dirty="0"/>
+                    </a:p>
+                  </a:txBody>
+                  <a:tcPr/>
+                </a:tc>
+              </a:tr>
+            </a:tbl>
+          </a:graphicData>
+        </a:graphic>
+      </p:graphicFrame>
+    </p:spTree>
+    <p:extLst>
+      <p:ext uri="{BB962C8B-B14F-4D97-AF65-F5344CB8AC3E}">
+        <p14:creationId xmlns:p14="http://schemas.microsoft.com/office/powerpoint/2010/main" xmlns="" val="2831550741"/>
+      </p:ext>
+    </p:extLst>
+  </p:cSld>
+  <p:clrMapOvr>
+    <a:masterClrMapping/>
+  </p:clrMapOvr>
+  <p:timing>
+    <p:tnLst>
+      <p:par>
+        <p:cTn id="1" dur="indefinite" restart="never" nodeType="tmRoot"/>
+      </p:par>
+    </p:tnLst>
+  </p:timing>
+</p:sld>
+</file>
+
+<file path=ppt/slides/slide8.xml><?xml version="1.0" encoding="utf-8"?>
+<p:sld xmlns:a="http://schemas.openxmlformats.org/drawingml/2006/main" xmlns:r="http://schemas.openxmlformats.org/officeDocument/2006/relationships" xmlns:p="http://schemas.openxmlformats.org/presentationml/2006/main">
+  <p:cSld>
+    <p:bg>
+      <p:bgPr>
+        <a:solidFill>
+          <a:schemeClr val="accent4">
+            <a:lumMod val="75000"/>
+          </a:schemeClr>
+        </a:solidFill>
+        <a:effectLst/>
+      </p:bgPr>
+    </p:bg>
+    <p:spTree>
+      <p:nvGrpSpPr>
+        <p:cNvPr id="1" name=""/>
+        <p:cNvGrpSpPr/>
+        <p:nvPr/>
+      </p:nvGrpSpPr>
+      <p:grpSpPr>
+        <a:xfrm>
+          <a:off x="0" y="0"/>
+          <a:ext cx="0" cy="0"/>
+          <a:chOff x="0" y="0"/>
+          <a:chExt cx="0" cy="0"/>
+        </a:xfrm>
+      </p:grpSpPr>
+      <p:sp>
+        <p:nvSpPr>
+          <p:cNvPr id="2" name="Title 1"/>
+          <p:cNvSpPr>
+            <a:spLocks noGrp="1"/>
+          </p:cNvSpPr>
+          <p:nvPr>
+            <p:ph type="title"/>
+          </p:nvPr>
+        </p:nvSpPr>
+        <p:spPr>
+          <a:gradFill>
+            <a:gsLst>
+              <a:gs pos="0">
+                <a:schemeClr val="accent4">
+                  <a:lumMod val="89000"/>
+                </a:schemeClr>
+              </a:gs>
+              <a:gs pos="23000">
+                <a:schemeClr val="accent4">
+                  <a:lumMod val="89000"/>
+                </a:schemeClr>
+              </a:gs>
+              <a:gs pos="69000">
+                <a:schemeClr val="accent4">
+                  <a:lumMod val="75000"/>
+                </a:schemeClr>
+              </a:gs>
+              <a:gs pos="97000">
+                <a:schemeClr val="accent4">
+                  <a:lumMod val="70000"/>
+                </a:schemeClr>
+              </a:gs>
+            </a:gsLst>
+            <a:path path="circle">
+              <a:fillToRect l="50000" t="50000" r="50000" b="50000"/>
+            </a:path>
+          </a:gradFill>
+        </p:spPr>
+        <p:txBody>
+          <a:bodyPr/>
+          <a:lstStyle/>
+          <a:p>
+            <a:pPr algn="ctr"/>
+            <a:r>
+              <a:rPr lang="en-US" b="1" dirty="0" smtClean="0"/>
+              <a:t>Driver Entry Form (Controller)</a:t>
+            </a:r>
+            <a:endParaRPr lang="en-US" b="1" dirty="0"/>
+          </a:p>
+        </p:txBody>
+      </p:sp>
+      <p:sp>
+        <p:nvSpPr>
+          <p:cNvPr id="3" name="Content Placeholder 2"/>
+          <p:cNvSpPr>
+            <a:spLocks noGrp="1"/>
+          </p:cNvSpPr>
+          <p:nvPr>
+            <p:ph sz="half" idx="1"/>
+          </p:nvPr>
+        </p:nvSpPr>
+        <p:spPr>
+          <a:noFill/>
+        </p:spPr>
+        <p:txBody>
+          <a:bodyPr>
+            <a:normAutofit fontScale="55000" lnSpcReduction="20000"/>
+          </a:bodyPr>
+          <a:lstStyle/>
+          <a:p>
+            <a:r>
+              <a:rPr lang="en-US" dirty="0"/>
+              <a:t>Object: </a:t>
+            </a:r>
+            <a:r>
+              <a:rPr lang="en-US" dirty="0" err="1" smtClean="0"/>
+              <a:t>DriverEntry</a:t>
+            </a:r>
+            <a:endParaRPr lang="en-US" dirty="0"/>
+          </a:p>
+          <a:p>
+            <a:r>
+              <a:rPr lang="en-US" dirty="0" smtClean="0"/>
+              <a:t>Attribute</a:t>
+            </a:r>
+          </a:p>
+          <a:p>
+            <a:pPr marL="457200" lvl="1" indent="0">
+              <a:buNone/>
+            </a:pPr>
+            <a:r>
+              <a:rPr lang="en-US" dirty="0" smtClean="0"/>
+              <a:t>	Id;</a:t>
+            </a:r>
+          </a:p>
+          <a:p>
+            <a:pPr marL="0" indent="0">
+              <a:buNone/>
+            </a:pPr>
+            <a:r>
+              <a:rPr lang="en-US" dirty="0"/>
+              <a:t>	Name</a:t>
+            </a:r>
+            <a:r>
+              <a:rPr lang="en-US" dirty="0" smtClean="0"/>
+              <a:t>;</a:t>
+            </a:r>
+          </a:p>
+          <a:p>
+            <a:pPr marL="0" indent="0">
+              <a:buNone/>
+            </a:pPr>
+            <a:r>
+              <a:rPr lang="en-US" dirty="0" smtClean="0"/>
+              <a:t>	</a:t>
+            </a:r>
+            <a:r>
+              <a:rPr lang="en-US" dirty="0" err="1" smtClean="0"/>
+              <a:t>LicenseNo</a:t>
+            </a:r>
+            <a:r>
+              <a:rPr lang="en-US" dirty="0" smtClean="0"/>
+              <a:t>;</a:t>
+            </a:r>
+          </a:p>
+          <a:p>
+            <a:pPr marL="0" indent="0">
+              <a:buNone/>
+            </a:pPr>
+            <a:r>
+              <a:rPr lang="en-US" dirty="0"/>
+              <a:t>	</a:t>
+            </a:r>
+            <a:r>
+              <a:rPr lang="en-US" dirty="0" err="1" smtClean="0"/>
+              <a:t>MobileNo</a:t>
+            </a:r>
+            <a:r>
+              <a:rPr lang="en-US" dirty="0" smtClean="0"/>
+              <a:t>;</a:t>
+            </a:r>
+          </a:p>
+          <a:p>
+            <a:pPr marL="0" indent="0">
+              <a:buNone/>
+            </a:pPr>
+            <a:r>
+              <a:rPr lang="en-US" dirty="0" smtClean="0"/>
+              <a:t>	</a:t>
+            </a:r>
+            <a:r>
+              <a:rPr lang="en-US" dirty="0" smtClean="0"/>
+              <a:t>NID;</a:t>
+            </a:r>
+            <a:endParaRPr lang="en-US" dirty="0" smtClean="0"/>
+          </a:p>
+          <a:p>
+            <a:pPr marL="0" indent="0">
+              <a:buNone/>
+            </a:pPr>
+            <a:r>
+              <a:rPr lang="en-US" dirty="0"/>
+              <a:t>	</a:t>
+            </a:r>
+            <a:r>
+              <a:rPr lang="en-US" dirty="0" smtClean="0"/>
+              <a:t>Address</a:t>
+            </a:r>
+            <a:r>
+              <a:rPr lang="en-US" dirty="0" smtClean="0"/>
+              <a:t>;</a:t>
+            </a:r>
+          </a:p>
+          <a:p>
+            <a:pPr marL="0" indent="0">
+              <a:buNone/>
+            </a:pPr>
+            <a:r>
+              <a:rPr lang="en-US" dirty="0" smtClean="0"/>
+              <a:t>	</a:t>
+            </a:r>
+            <a:r>
+              <a:rPr lang="en-US" dirty="0" err="1" smtClean="0"/>
+              <a:t>VehicleId</a:t>
+            </a:r>
+            <a:r>
+              <a:rPr lang="en-US" dirty="0" smtClean="0"/>
+              <a:t>;</a:t>
+            </a:r>
+            <a:endParaRPr lang="en-US" dirty="0" smtClean="0"/>
+          </a:p>
+          <a:p>
+            <a:pPr marL="0" indent="0">
+              <a:buNone/>
+            </a:pPr>
+            <a:r>
+              <a:rPr lang="en-US" dirty="0"/>
+              <a:t>	</a:t>
+            </a:r>
+            <a:r>
+              <a:rPr lang="en-US" dirty="0" err="1" smtClean="0"/>
+              <a:t>IsDelete</a:t>
+            </a:r>
+            <a:r>
+              <a:rPr lang="en-US" dirty="0" smtClean="0"/>
+              <a:t>;</a:t>
+            </a:r>
+            <a:endParaRPr lang="en-US" dirty="0"/>
+          </a:p>
+          <a:p>
+            <a:r>
+              <a:rPr lang="en-US" dirty="0"/>
+              <a:t>Activity:</a:t>
+            </a:r>
+          </a:p>
+          <a:p>
+            <a:pPr marL="0" indent="0">
+              <a:buNone/>
+            </a:pPr>
+            <a:r>
+              <a:rPr lang="en-US" dirty="0"/>
+              <a:t>	</a:t>
+            </a:r>
+            <a:r>
+              <a:rPr lang="en-US" dirty="0" err="1" smtClean="0"/>
+              <a:t>CreateDriver</a:t>
+            </a:r>
+            <a:r>
+              <a:rPr lang="en-US" dirty="0" smtClean="0"/>
+              <a:t>();</a:t>
+            </a:r>
+            <a:endParaRPr lang="en-US" dirty="0"/>
+          </a:p>
+          <a:p>
+            <a:pPr marL="0" indent="0">
+              <a:buNone/>
+            </a:pPr>
+            <a:r>
+              <a:rPr lang="en-US" dirty="0" smtClean="0"/>
+              <a:t>	</a:t>
+            </a:r>
+            <a:r>
+              <a:rPr lang="en-US" dirty="0" err="1" smtClean="0"/>
+              <a:t>DriverList</a:t>
+            </a:r>
+            <a:r>
+              <a:rPr lang="en-US" dirty="0" smtClean="0"/>
+              <a:t>();</a:t>
+            </a:r>
+          </a:p>
+          <a:p>
+            <a:pPr marL="0" indent="0">
+              <a:buNone/>
+            </a:pPr>
+            <a:r>
+              <a:rPr lang="en-US" dirty="0"/>
+              <a:t>	</a:t>
+            </a:r>
+            <a:r>
+              <a:rPr lang="en-US" dirty="0" err="1" smtClean="0"/>
+              <a:t>EditDriver</a:t>
+            </a:r>
+            <a:r>
+              <a:rPr lang="en-US" dirty="0" smtClean="0"/>
+              <a:t>();</a:t>
+            </a:r>
+          </a:p>
+          <a:p>
+            <a:pPr marL="0" indent="0">
+              <a:buNone/>
+            </a:pPr>
+            <a:r>
+              <a:rPr lang="en-US" dirty="0"/>
+              <a:t>	</a:t>
+            </a:r>
+            <a:r>
+              <a:rPr lang="en-US" dirty="0" err="1" smtClean="0"/>
+              <a:t>DeleteDriver</a:t>
+            </a:r>
+            <a:r>
+              <a:rPr lang="en-US" dirty="0" smtClean="0"/>
+              <a:t>();</a:t>
+            </a:r>
+          </a:p>
+          <a:p>
+            <a:pPr marL="0" indent="0">
+              <a:buNone/>
+            </a:pPr>
+            <a:endParaRPr lang="en-US" dirty="0"/>
+          </a:p>
+          <a:p>
+            <a:endParaRPr lang="en-US" dirty="0"/>
+          </a:p>
+        </p:txBody>
+      </p:sp>
+      <p:graphicFrame>
+        <p:nvGraphicFramePr>
+          <p:cNvPr id="7" name="Content Placeholder 6"/>
+          <p:cNvGraphicFramePr>
+            <a:graphicFrameLocks noGrp="1"/>
+          </p:cNvGraphicFramePr>
+          <p:nvPr>
+            <p:ph sz="half" idx="2"/>
+            <p:extLst>
+              <p:ext uri="{D42A27DB-BD31-4B8C-83A1-F6EECF244321}">
+                <p14:modId xmlns:p14="http://schemas.microsoft.com/office/powerpoint/2010/main" xmlns="" val="2092718394"/>
+              </p:ext>
+            </p:extLst>
+          </p:nvPr>
+        </p:nvGraphicFramePr>
+        <p:xfrm>
+          <a:off x="6172200" y="1825625"/>
+          <a:ext cx="5181600" cy="4730446"/>
         </p:xfrm>
         <a:graphic>
           <a:graphicData uri="http://schemas.openxmlformats.org/drawingml/2006/table">
@@ -6920,10 +7862,37 @@
                       </a:pPr>
                       <a:r>
                         <a:rPr lang="en-US" dirty="0" smtClean="0"/>
-                        <a:t>Designation</a:t>
+                        <a:t>NID</a:t>
                       </a:r>
+                      <a:endParaRPr lang="en-US" dirty="0" smtClean="0"/>
                     </a:p>
                     <a:p>
+                      <a:endParaRPr lang="en-US" dirty="0"/>
+                    </a:p>
+                  </a:txBody>
+                  <a:tcPr/>
+                </a:tc>
+                <a:tc>
+                  <a:txBody>
+                    <a:bodyPr/>
+                    <a:lstStyle/>
+                    <a:p>
+                      <a:endParaRPr lang="en-US" dirty="0"/>
+                    </a:p>
+                  </a:txBody>
+                  <a:tcPr/>
+                </a:tc>
+              </a:tr>
+              <a:tr h="675778">
+                <a:tc>
+                  <a:txBody>
+                    <a:bodyPr/>
+                    <a:lstStyle/>
+                    <a:p>
+                      <a:r>
+                        <a:rPr lang="en-US" dirty="0" err="1" smtClean="0"/>
+                        <a:t>VehicleName</a:t>
+                      </a:r>
                       <a:endParaRPr lang="en-US" dirty="0"/>
                     </a:p>
                   </a:txBody>
@@ -6973,396 +7942,7 @@
     </p:spTree>
     <p:extLst>
       <p:ext uri="{BB962C8B-B14F-4D97-AF65-F5344CB8AC3E}">
-        <p14:creationId xmlns:p14="http://schemas.microsoft.com/office/powerpoint/2010/main" val="2907444629"/>
-      </p:ext>
-    </p:extLst>
-  </p:cSld>
-  <p:clrMapOvr>
-    <a:masterClrMapping/>
-  </p:clrMapOvr>
-  <p:timing>
-    <p:tnLst>
-      <p:par>
-        <p:cTn id="1" dur="indefinite" restart="never" nodeType="tmRoot"/>
-      </p:par>
-    </p:tnLst>
-  </p:timing>
-</p:sld>
-</file>
-
-<file path=ppt/slides/slide8.xml><?xml version="1.0" encoding="utf-8"?>
-<p:sld xmlns:a="http://schemas.openxmlformats.org/drawingml/2006/main" xmlns:r="http://schemas.openxmlformats.org/officeDocument/2006/relationships" xmlns:p="http://schemas.openxmlformats.org/presentationml/2006/main">
-  <p:cSld>
-    <p:bg>
-      <p:bgPr>
-        <a:solidFill>
-          <a:schemeClr val="accent4">
-            <a:lumMod val="75000"/>
-          </a:schemeClr>
-        </a:solidFill>
-        <a:effectLst/>
-      </p:bgPr>
-    </p:bg>
-    <p:spTree>
-      <p:nvGrpSpPr>
-        <p:cNvPr id="1" name=""/>
-        <p:cNvGrpSpPr/>
-        <p:nvPr/>
-      </p:nvGrpSpPr>
-      <p:grpSpPr>
-        <a:xfrm>
-          <a:off x="0" y="0"/>
-          <a:ext cx="0" cy="0"/>
-          <a:chOff x="0" y="0"/>
-          <a:chExt cx="0" cy="0"/>
-        </a:xfrm>
-      </p:grpSpPr>
-      <p:sp>
-        <p:nvSpPr>
-          <p:cNvPr id="2" name="Title 1"/>
-          <p:cNvSpPr>
-            <a:spLocks noGrp="1"/>
-          </p:cNvSpPr>
-          <p:nvPr>
-            <p:ph type="title"/>
-          </p:nvPr>
-        </p:nvSpPr>
-        <p:spPr>
-          <a:gradFill>
-            <a:gsLst>
-              <a:gs pos="0">
-                <a:schemeClr val="accent4">
-                  <a:lumMod val="89000"/>
-                </a:schemeClr>
-              </a:gs>
-              <a:gs pos="23000">
-                <a:schemeClr val="accent4">
-                  <a:lumMod val="89000"/>
-                </a:schemeClr>
-              </a:gs>
-              <a:gs pos="69000">
-                <a:schemeClr val="accent4">
-                  <a:lumMod val="75000"/>
-                </a:schemeClr>
-              </a:gs>
-              <a:gs pos="97000">
-                <a:schemeClr val="accent4">
-                  <a:lumMod val="70000"/>
-                </a:schemeClr>
-              </a:gs>
-            </a:gsLst>
-            <a:path path="circle">
-              <a:fillToRect l="50000" t="50000" r="50000" b="50000"/>
-            </a:path>
-          </a:gradFill>
-        </p:spPr>
-        <p:txBody>
-          <a:bodyPr/>
-          <a:lstStyle/>
-          <a:p>
-            <a:pPr algn="ctr"/>
-            <a:r>
-              <a:rPr lang="en-US" b="1" dirty="0" smtClean="0"/>
-              <a:t>Action Form (Controller)</a:t>
-            </a:r>
-            <a:endParaRPr lang="en-US" b="1" dirty="0"/>
-          </a:p>
-        </p:txBody>
-      </p:sp>
-      <p:sp>
-        <p:nvSpPr>
-          <p:cNvPr id="3" name="Content Placeholder 2"/>
-          <p:cNvSpPr>
-            <a:spLocks noGrp="1"/>
-          </p:cNvSpPr>
-          <p:nvPr>
-            <p:ph sz="half" idx="1"/>
-          </p:nvPr>
-        </p:nvSpPr>
-        <p:spPr>
-          <a:noFill/>
-        </p:spPr>
-        <p:txBody>
-          <a:bodyPr>
-            <a:normAutofit lnSpcReduction="10000"/>
-          </a:bodyPr>
-          <a:lstStyle/>
-          <a:p>
-            <a:r>
-              <a:rPr lang="en-US" dirty="0"/>
-              <a:t>Object: </a:t>
-            </a:r>
-            <a:r>
-              <a:rPr lang="en-US" dirty="0" err="1" smtClean="0"/>
-              <a:t>RequisitionInfo</a:t>
-            </a:r>
-            <a:endParaRPr lang="en-US" dirty="0"/>
-          </a:p>
-          <a:p>
-            <a:r>
-              <a:rPr lang="en-US" dirty="0" smtClean="0"/>
-              <a:t>Attribute</a:t>
-            </a:r>
-          </a:p>
-          <a:p>
-            <a:pPr marL="457200" lvl="1" indent="0">
-              <a:buNone/>
-            </a:pPr>
-            <a:r>
-              <a:rPr lang="en-US" dirty="0" smtClean="0"/>
-              <a:t>	Id;</a:t>
-            </a:r>
-          </a:p>
-          <a:p>
-            <a:pPr marL="0" indent="0">
-              <a:buNone/>
-            </a:pPr>
-            <a:r>
-              <a:rPr lang="en-US" dirty="0"/>
-              <a:t>	</a:t>
-            </a:r>
-            <a:r>
-              <a:rPr lang="en-US" dirty="0" err="1" smtClean="0"/>
-              <a:t>UserInfo</a:t>
-            </a:r>
-            <a:r>
-              <a:rPr lang="en-US" dirty="0" smtClean="0"/>
-              <a:t>;</a:t>
-            </a:r>
-          </a:p>
-          <a:p>
-            <a:pPr marL="0" indent="0">
-              <a:buNone/>
-            </a:pPr>
-            <a:r>
-              <a:rPr lang="en-US" dirty="0" smtClean="0"/>
-              <a:t>	</a:t>
-            </a:r>
-            <a:r>
-              <a:rPr lang="en-US" dirty="0" err="1" smtClean="0"/>
-              <a:t>RequisitionInfo</a:t>
-            </a:r>
-            <a:r>
-              <a:rPr lang="en-US" dirty="0" smtClean="0"/>
-              <a:t>;</a:t>
-            </a:r>
-          </a:p>
-          <a:p>
-            <a:pPr marL="0" indent="0">
-              <a:buNone/>
-            </a:pPr>
-            <a:r>
-              <a:rPr lang="en-US" dirty="0" smtClean="0"/>
-              <a:t>	</a:t>
-            </a:r>
-            <a:r>
-              <a:rPr lang="en-US" dirty="0" err="1" smtClean="0"/>
-              <a:t>VehicleInfo</a:t>
-            </a:r>
-            <a:r>
-              <a:rPr lang="en-US" dirty="0" smtClean="0"/>
-              <a:t>;</a:t>
-            </a:r>
-          </a:p>
-          <a:p>
-            <a:pPr marL="0" indent="0">
-              <a:buNone/>
-            </a:pPr>
-            <a:r>
-              <a:rPr lang="en-US" dirty="0" smtClean="0"/>
-              <a:t>	</a:t>
-            </a:r>
-            <a:r>
-              <a:rPr lang="en-US" dirty="0" err="1" smtClean="0"/>
-              <a:t>DriverInfo</a:t>
-            </a:r>
-            <a:r>
-              <a:rPr lang="en-US" dirty="0" smtClean="0"/>
-              <a:t>;</a:t>
-            </a:r>
-          </a:p>
-          <a:p>
-            <a:pPr marL="0" indent="0">
-              <a:buNone/>
-            </a:pPr>
-            <a:r>
-              <a:rPr lang="en-US" dirty="0" smtClean="0"/>
-              <a:t>	</a:t>
-            </a:r>
-            <a:r>
-              <a:rPr lang="en-US" dirty="0" err="1" smtClean="0"/>
-              <a:t>CancelRequisition</a:t>
-            </a:r>
-            <a:r>
-              <a:rPr lang="en-US" dirty="0" smtClean="0"/>
-              <a:t>;</a:t>
-            </a:r>
-          </a:p>
-          <a:p>
-            <a:pPr marL="0" indent="0">
-              <a:buNone/>
-            </a:pPr>
-            <a:r>
-              <a:rPr lang="en-US" dirty="0"/>
-              <a:t>	</a:t>
-            </a:r>
-            <a:r>
-              <a:rPr lang="en-US" dirty="0" err="1" smtClean="0"/>
-              <a:t>ReassainRequisition</a:t>
-            </a:r>
-            <a:r>
-              <a:rPr lang="en-US" dirty="0" smtClean="0"/>
-              <a:t>;</a:t>
-            </a:r>
-          </a:p>
-          <a:p>
-            <a:pPr marL="0" indent="0">
-              <a:buNone/>
-            </a:pPr>
-            <a:endParaRPr lang="en-US" dirty="0"/>
-          </a:p>
-          <a:p>
-            <a:endParaRPr lang="en-US" dirty="0"/>
-          </a:p>
-        </p:txBody>
-      </p:sp>
-      <p:sp>
-        <p:nvSpPr>
-          <p:cNvPr id="4" name="Content Placeholder 3"/>
-          <p:cNvSpPr>
-            <a:spLocks noGrp="1"/>
-          </p:cNvSpPr>
-          <p:nvPr>
-            <p:ph sz="half" idx="2"/>
-          </p:nvPr>
-        </p:nvSpPr>
-        <p:spPr/>
-        <p:txBody>
-          <a:bodyPr>
-            <a:normAutofit lnSpcReduction="10000"/>
-          </a:bodyPr>
-          <a:lstStyle/>
-          <a:p>
-            <a:endParaRPr lang="en-US" dirty="0" smtClean="0"/>
-          </a:p>
-          <a:p>
-            <a:r>
-              <a:rPr lang="en-US" dirty="0" smtClean="0"/>
-              <a:t>Activity</a:t>
-            </a:r>
-            <a:r>
-              <a:rPr lang="en-US" dirty="0"/>
-              <a:t>:</a:t>
-            </a:r>
-          </a:p>
-          <a:p>
-            <a:pPr marL="0" indent="0">
-              <a:buNone/>
-            </a:pPr>
-            <a:r>
-              <a:rPr lang="en-US" dirty="0"/>
-              <a:t>	</a:t>
-            </a:r>
-            <a:r>
-              <a:rPr lang="en-US" dirty="0" err="1"/>
-              <a:t>RequisitionList</a:t>
-            </a:r>
-            <a:r>
-              <a:rPr lang="en-US" dirty="0"/>
-              <a:t>();</a:t>
-            </a:r>
-          </a:p>
-          <a:p>
-            <a:pPr marL="0" indent="0">
-              <a:buNone/>
-            </a:pPr>
-            <a:r>
-              <a:rPr lang="en-US" dirty="0"/>
-              <a:t>	</a:t>
-            </a:r>
-            <a:r>
-              <a:rPr lang="en-US" dirty="0" err="1"/>
-              <a:t>SearchRequisition</a:t>
-            </a:r>
-            <a:r>
-              <a:rPr lang="en-US" dirty="0"/>
-              <a:t>();</a:t>
-            </a:r>
-          </a:p>
-          <a:p>
-            <a:pPr marL="0" indent="0">
-              <a:buNone/>
-            </a:pPr>
-            <a:r>
-              <a:rPr lang="en-US" dirty="0"/>
-              <a:t>	</a:t>
-            </a:r>
-            <a:r>
-              <a:rPr lang="en-US" dirty="0" err="1"/>
-              <a:t>ApproveRequisition</a:t>
-            </a:r>
-            <a:r>
-              <a:rPr lang="en-US" dirty="0"/>
-              <a:t>();</a:t>
-            </a:r>
-          </a:p>
-          <a:p>
-            <a:pPr marL="0" indent="0">
-              <a:buNone/>
-            </a:pPr>
-            <a:r>
-              <a:rPr lang="en-US" dirty="0"/>
-              <a:t>	</a:t>
-            </a:r>
-            <a:r>
-              <a:rPr lang="en-US" dirty="0" err="1"/>
-              <a:t>CancelRequisition</a:t>
-            </a:r>
-            <a:r>
-              <a:rPr lang="en-US" dirty="0"/>
-              <a:t>();</a:t>
-            </a:r>
-          </a:p>
-          <a:p>
-            <a:pPr marL="0" indent="0">
-              <a:buNone/>
-            </a:pPr>
-            <a:r>
-              <a:rPr lang="en-US" dirty="0"/>
-              <a:t>	</a:t>
-            </a:r>
-            <a:r>
-              <a:rPr lang="en-US" dirty="0" err="1"/>
-              <a:t>CheckInTime</a:t>
-            </a:r>
-            <a:r>
-              <a:rPr lang="en-US" dirty="0"/>
-              <a:t>();</a:t>
-            </a:r>
-          </a:p>
-          <a:p>
-            <a:pPr marL="0" indent="0">
-              <a:buNone/>
-            </a:pPr>
-            <a:r>
-              <a:rPr lang="en-US" dirty="0"/>
-              <a:t>	</a:t>
-            </a:r>
-            <a:r>
-              <a:rPr lang="en-US" dirty="0" err="1"/>
-              <a:t>CheckOutTime</a:t>
-            </a:r>
-            <a:r>
-              <a:rPr lang="en-US" dirty="0"/>
-              <a:t>();</a:t>
-            </a:r>
-          </a:p>
-        </p:txBody>
-      </p:sp>
-    </p:spTree>
-    <p:extLst>
-      <p:ext uri="{BB962C8B-B14F-4D97-AF65-F5344CB8AC3E}">
-        <p14:creationId xmlns:p14="http://schemas.microsoft.com/office/powerpoint/2010/main" val="3827304921"/>
+        <p14:creationId xmlns:p14="http://schemas.microsoft.com/office/powerpoint/2010/main" xmlns="" val="2907444629"/>
       </p:ext>
     </p:extLst>
   </p:cSld>
@@ -7452,7 +8032,15 @@
             <a:pPr algn="ctr"/>
             <a:r>
               <a:rPr lang="en-US" b="1" dirty="0" smtClean="0"/>
-              <a:t>Registration Form (User)</a:t>
+              <a:t>User Registration </a:t>
+            </a:r>
+            <a:r>
+              <a:rPr lang="en-US" b="1" dirty="0" smtClean="0"/>
+              <a:t>Form </a:t>
+            </a:r>
+            <a:r>
+              <a:rPr lang="en-US" b="1" dirty="0" smtClean="0"/>
+              <a:t>(Controller)</a:t>
             </a:r>
             <a:endParaRPr lang="en-US" b="1" dirty="0"/>
           </a:p>
@@ -7652,7 +8240,7 @@
             <p:ph sz="half" idx="2"/>
             <p:extLst>
               <p:ext uri="{D42A27DB-BD31-4B8C-83A1-F6EECF244321}">
-                <p14:modId xmlns:p14="http://schemas.microsoft.com/office/powerpoint/2010/main" val="1020137389"/>
+                <p14:modId xmlns:p14="http://schemas.microsoft.com/office/powerpoint/2010/main" xmlns="" val="1020137389"/>
               </p:ext>
             </p:extLst>
           </p:nvPr>
@@ -7838,7 +8426,7 @@
     </p:spTree>
     <p:extLst>
       <p:ext uri="{BB962C8B-B14F-4D97-AF65-F5344CB8AC3E}">
-        <p14:creationId xmlns:p14="http://schemas.microsoft.com/office/powerpoint/2010/main" val="2198716805"/>
+        <p14:creationId xmlns:p14="http://schemas.microsoft.com/office/powerpoint/2010/main" xmlns="" val="2198716805"/>
       </p:ext>
     </p:extLst>
   </p:cSld>
@@ -7898,7 +8486,7 @@
     </a:clrScheme>
     <a:fontScheme name="Office">
       <a:majorFont>
-        <a:latin typeface="Calibri Light" panose="020F0302020204030204"/>
+        <a:latin typeface="Calibri Light"/>
         <a:ea typeface=""/>
         <a:cs typeface=""/>
         <a:font script="Jpan" typeface="ＭＳ Ｐゴシック"/>
@@ -7933,7 +8521,7 @@
         <a:font script="Geor" typeface="Sylfaen"/>
       </a:majorFont>
       <a:minorFont>
-        <a:latin typeface="Calibri" panose="020F0502020204030204"/>
+        <a:latin typeface="Calibri"/>
         <a:ea typeface=""/>
         <a:cs typeface=""/>
         <a:font script="Jpan" typeface="ＭＳ Ｐゴシック"/>
@@ -8110,7 +8698,7 @@
   <a:extraClrSchemeLst/>
   <a:extLst>
     <a:ext uri="{05A4C25C-085E-4340-85A3-A5531E510DB2}">
-      <thm15:themeFamily xmlns:thm15="http://schemas.microsoft.com/office/thememl/2012/main" name="Office Theme" id="{62F939B6-93AF-4DB8-9C6B-D6C7DFDC589F}" vid="{4A3C46E8-61CC-4603-A589-7422A47A8E4A}"/>
+      <thm15:themeFamily xmlns:thm15="http://schemas.microsoft.com/office/thememl/2012/main" xmlns="" name="Office Theme" id="{62F939B6-93AF-4DB8-9C6B-D6C7DFDC589F}" vid="{4A3C46E8-61CC-4603-A589-7422A47A8E4A}"/>
     </a:ext>
   </a:extLst>
 </a:theme>

--- a/Document/Vehicle Management Presentation.pptx
+++ b/Document/Vehicle Management Presentation.pptx
@@ -13,10 +13,13 @@
     <p:sldId id="264" r:id="rId7"/>
     <p:sldId id="270" r:id="rId8"/>
     <p:sldId id="265" r:id="rId9"/>
-    <p:sldId id="263" r:id="rId10"/>
-    <p:sldId id="267" r:id="rId11"/>
-    <p:sldId id="266" r:id="rId12"/>
-    <p:sldId id="268" r:id="rId13"/>
+    <p:sldId id="273" r:id="rId10"/>
+    <p:sldId id="263" r:id="rId11"/>
+    <p:sldId id="267" r:id="rId12"/>
+    <p:sldId id="266" r:id="rId13"/>
+    <p:sldId id="271" r:id="rId14"/>
+    <p:sldId id="272" r:id="rId15"/>
+    <p:sldId id="268" r:id="rId16"/>
   </p:sldIdLst>
   <p:sldSz cx="12192000" cy="6858000"/>
   <p:notesSz cx="6858000" cy="9144000"/>
@@ -117,7 +120,18 @@
   </p:defaultTextStyle>
   <p:extLst>
     <p:ext uri="{EFAFB233-063F-42B5-8137-9DF3F51BA10A}">
-      <p15:sldGuideLst xmlns:p15="http://schemas.microsoft.com/office/powerpoint/2012/main" xmlns=""/>
+      <p15:sldGuideLst xmlns:p15="http://schemas.microsoft.com/office/powerpoint/2012/main">
+        <p15:guide id="1" orient="horz" pos="2160">
+          <p15:clr>
+            <a:srgbClr val="A4A3A4"/>
+          </p15:clr>
+        </p15:guide>
+        <p15:guide id="2" pos="3840">
+          <p15:clr>
+            <a:srgbClr val="A4A3A4"/>
+          </p15:clr>
+        </p15:guide>
+      </p15:sldGuideLst>
     </p:ext>
   </p:extLst>
 </p:presentation>
@@ -307,7 +321,7 @@
     </p:spTree>
     <p:extLst>
       <p:ext uri="{BB962C8B-B14F-4D97-AF65-F5344CB8AC3E}">
-        <p14:creationId xmlns:p14="http://schemas.microsoft.com/office/powerpoint/2010/main" xmlns="" val="3261322385"/>
+        <p14:creationId xmlns:p14="http://schemas.microsoft.com/office/powerpoint/2010/main" val="3261322385"/>
       </p:ext>
     </p:extLst>
   </p:cSld>
@@ -479,7 +493,7 @@
     </p:spTree>
     <p:extLst>
       <p:ext uri="{BB962C8B-B14F-4D97-AF65-F5344CB8AC3E}">
-        <p14:creationId xmlns:p14="http://schemas.microsoft.com/office/powerpoint/2010/main" xmlns="" val="1446185244"/>
+        <p14:creationId xmlns:p14="http://schemas.microsoft.com/office/powerpoint/2010/main" val="1446185244"/>
       </p:ext>
     </p:extLst>
   </p:cSld>
@@ -661,7 +675,7 @@
     </p:spTree>
     <p:extLst>
       <p:ext uri="{BB962C8B-B14F-4D97-AF65-F5344CB8AC3E}">
-        <p14:creationId xmlns:p14="http://schemas.microsoft.com/office/powerpoint/2010/main" xmlns="" val="3276760286"/>
+        <p14:creationId xmlns:p14="http://schemas.microsoft.com/office/powerpoint/2010/main" val="3276760286"/>
       </p:ext>
     </p:extLst>
   </p:cSld>
@@ -833,7 +847,7 @@
     </p:spTree>
     <p:extLst>
       <p:ext uri="{BB962C8B-B14F-4D97-AF65-F5344CB8AC3E}">
-        <p14:creationId xmlns:p14="http://schemas.microsoft.com/office/powerpoint/2010/main" xmlns="" val="2937646989"/>
+        <p14:creationId xmlns:p14="http://schemas.microsoft.com/office/powerpoint/2010/main" val="2937646989"/>
       </p:ext>
     </p:extLst>
   </p:cSld>
@@ -1081,7 +1095,7 @@
     </p:spTree>
     <p:extLst>
       <p:ext uri="{BB962C8B-B14F-4D97-AF65-F5344CB8AC3E}">
-        <p14:creationId xmlns:p14="http://schemas.microsoft.com/office/powerpoint/2010/main" xmlns="" val="3051430598"/>
+        <p14:creationId xmlns:p14="http://schemas.microsoft.com/office/powerpoint/2010/main" val="3051430598"/>
       </p:ext>
     </p:extLst>
   </p:cSld>
@@ -1315,7 +1329,7 @@
     </p:spTree>
     <p:extLst>
       <p:ext uri="{BB962C8B-B14F-4D97-AF65-F5344CB8AC3E}">
-        <p14:creationId xmlns:p14="http://schemas.microsoft.com/office/powerpoint/2010/main" xmlns="" val="3495486535"/>
+        <p14:creationId xmlns:p14="http://schemas.microsoft.com/office/powerpoint/2010/main" val="3495486535"/>
       </p:ext>
     </p:extLst>
   </p:cSld>
@@ -1684,7 +1698,7 @@
     </p:spTree>
     <p:extLst>
       <p:ext uri="{BB962C8B-B14F-4D97-AF65-F5344CB8AC3E}">
-        <p14:creationId xmlns:p14="http://schemas.microsoft.com/office/powerpoint/2010/main" xmlns="" val="758826873"/>
+        <p14:creationId xmlns:p14="http://schemas.microsoft.com/office/powerpoint/2010/main" val="758826873"/>
       </p:ext>
     </p:extLst>
   </p:cSld>
@@ -1804,7 +1818,7 @@
     </p:spTree>
     <p:extLst>
       <p:ext uri="{BB962C8B-B14F-4D97-AF65-F5344CB8AC3E}">
-        <p14:creationId xmlns:p14="http://schemas.microsoft.com/office/powerpoint/2010/main" xmlns="" val="1184858517"/>
+        <p14:creationId xmlns:p14="http://schemas.microsoft.com/office/powerpoint/2010/main" val="1184858517"/>
       </p:ext>
     </p:extLst>
   </p:cSld>
@@ -1901,7 +1915,7 @@
     </p:spTree>
     <p:extLst>
       <p:ext uri="{BB962C8B-B14F-4D97-AF65-F5344CB8AC3E}">
-        <p14:creationId xmlns:p14="http://schemas.microsoft.com/office/powerpoint/2010/main" xmlns="" val="3601995357"/>
+        <p14:creationId xmlns:p14="http://schemas.microsoft.com/office/powerpoint/2010/main" val="3601995357"/>
       </p:ext>
     </p:extLst>
   </p:cSld>
@@ -2180,7 +2194,7 @@
     </p:spTree>
     <p:extLst>
       <p:ext uri="{BB962C8B-B14F-4D97-AF65-F5344CB8AC3E}">
-        <p14:creationId xmlns:p14="http://schemas.microsoft.com/office/powerpoint/2010/main" xmlns="" val="1437381479"/>
+        <p14:creationId xmlns:p14="http://schemas.microsoft.com/office/powerpoint/2010/main" val="1437381479"/>
       </p:ext>
     </p:extLst>
   </p:cSld>
@@ -2435,7 +2449,7 @@
     </p:spTree>
     <p:extLst>
       <p:ext uri="{BB962C8B-B14F-4D97-AF65-F5344CB8AC3E}">
-        <p14:creationId xmlns:p14="http://schemas.microsoft.com/office/powerpoint/2010/main" xmlns="" val="1477953119"/>
+        <p14:creationId xmlns:p14="http://schemas.microsoft.com/office/powerpoint/2010/main" val="1477953119"/>
       </p:ext>
     </p:extLst>
   </p:cSld>
@@ -2686,7 +2700,7 @@
     </p:spTree>
     <p:extLst>
       <p:ext uri="{BB962C8B-B14F-4D97-AF65-F5344CB8AC3E}">
-        <p14:creationId xmlns:p14="http://schemas.microsoft.com/office/powerpoint/2010/main" xmlns="" val="404558158"/>
+        <p14:creationId xmlns:p14="http://schemas.microsoft.com/office/powerpoint/2010/main" val="404558158"/>
       </p:ext>
     </p:extLst>
   </p:cSld>
@@ -3148,7 +3162,7 @@
     </p:spTree>
     <p:extLst>
       <p:ext uri="{BB962C8B-B14F-4D97-AF65-F5344CB8AC3E}">
-        <p14:creationId xmlns:p14="http://schemas.microsoft.com/office/powerpoint/2010/main" xmlns="" val="895183294"/>
+        <p14:creationId xmlns:p14="http://schemas.microsoft.com/office/powerpoint/2010/main" val="895183294"/>
       </p:ext>
     </p:extLst>
   </p:cSld>
@@ -3238,7 +3252,7 @@
             <a:pPr algn="ctr"/>
             <a:r>
               <a:rPr lang="en-US" b="1" dirty="0" smtClean="0"/>
-              <a:t>Action Form (Controller)</a:t>
+              <a:t>User Registration Form (Controller)</a:t>
             </a:r>
             <a:endParaRPr lang="en-US" b="1" dirty="0"/>
           </a:p>
@@ -3259,7 +3273,7 @@
         </p:spPr>
         <p:txBody>
           <a:bodyPr>
-            <a:normAutofit lnSpcReduction="10000"/>
+            <a:normAutofit fontScale="85000" lnSpcReduction="20000"/>
           </a:bodyPr>
           <a:lstStyle/>
           <a:p>
@@ -3269,7 +3283,7 @@
             </a:r>
             <a:r>
               <a:rPr lang="en-US" dirty="0" err="1" smtClean="0"/>
-              <a:t>RequisitionInfo</a:t>
+              <a:t>UserInfo</a:t>
             </a:r>
             <a:endParaRPr lang="en-US" dirty="0"/>
           </a:p>
@@ -3294,16 +3308,91 @@
             </a:pPr>
             <a:r>
               <a:rPr lang="en-US" dirty="0"/>
+              <a:t>	Name;</a:t>
+            </a:r>
+          </a:p>
+          <a:p>
+            <a:pPr marL="0" indent="0">
+              <a:buNone/>
+            </a:pPr>
+            <a:r>
+              <a:rPr lang="en-US" dirty="0"/>
               <a:t>	</a:t>
             </a:r>
             <a:r>
               <a:rPr lang="en-US" dirty="0" err="1" smtClean="0"/>
-              <a:t>UserInfo</a:t>
+              <a:t>DesignationId</a:t>
             </a:r>
             <a:r>
               <a:rPr lang="en-US" dirty="0" smtClean="0"/>
               <a:t>;</a:t>
             </a:r>
+            <a:endParaRPr lang="en-US" dirty="0" smtClean="0"/>
+          </a:p>
+          <a:p>
+            <a:pPr marL="0" indent="0">
+              <a:buNone/>
+            </a:pPr>
+            <a:r>
+              <a:rPr lang="en-US" dirty="0"/>
+              <a:t>	</a:t>
+            </a:r>
+            <a:r>
+              <a:rPr lang="en-US" dirty="0" smtClean="0"/>
+              <a:t>Email;</a:t>
+            </a:r>
+            <a:endParaRPr lang="en-US" dirty="0"/>
+          </a:p>
+          <a:p>
+            <a:pPr marL="0" indent="0">
+              <a:buNone/>
+            </a:pPr>
+            <a:r>
+              <a:rPr lang="en-US" dirty="0"/>
+              <a:t>	</a:t>
+            </a:r>
+            <a:r>
+              <a:rPr lang="en-US" dirty="0" err="1"/>
+              <a:t>ContactNo</a:t>
+            </a:r>
+            <a:r>
+              <a:rPr lang="en-US" dirty="0" smtClean="0"/>
+              <a:t>;</a:t>
+            </a:r>
+            <a:endParaRPr lang="en-US" dirty="0"/>
+          </a:p>
+          <a:p>
+            <a:pPr marL="0" indent="0">
+              <a:buNone/>
+            </a:pPr>
+            <a:r>
+              <a:rPr lang="en-US" dirty="0"/>
+              <a:t>	Address;</a:t>
+            </a:r>
+          </a:p>
+          <a:p>
+            <a:r>
+              <a:rPr lang="en-US" dirty="0"/>
+              <a:t>Activity:</a:t>
+            </a:r>
+          </a:p>
+          <a:p>
+            <a:pPr marL="0" indent="0">
+              <a:buNone/>
+            </a:pPr>
+            <a:r>
+              <a:rPr lang="en-US" dirty="0"/>
+              <a:t>	</a:t>
+            </a:r>
+            <a:r>
+              <a:rPr lang="en-US" dirty="0" err="1" smtClean="0"/>
+              <a:t>CreateUser</a:t>
+            </a:r>
+            <a:r>
+              <a:rPr lang="en-US" dirty="0" smtClean="0"/>
+              <a:t>();</a:t>
+            </a:r>
+            <a:endParaRPr lang="en-US" dirty="0"/>
           </a:p>
           <a:p>
             <a:pPr marL="0" indent="0">
@@ -3315,80 +3404,13 @@
             </a:r>
             <a:r>
               <a:rPr lang="en-US" dirty="0" err="1" smtClean="0"/>
-              <a:t>RequisitionInfo</a:t>
+              <a:t>UserList</a:t>
             </a:r>
             <a:r>
               <a:rPr lang="en-US" dirty="0" smtClean="0"/>
-              <a:t>;</a:t>
-            </a:r>
-          </a:p>
-          <a:p>
-            <a:pPr marL="0" indent="0">
-              <a:buNone/>
-            </a:pPr>
-            <a:r>
-              <a:rPr lang="en-US" dirty="0" smtClean="0"/>
-              <a:t>	</a:t>
-            </a:r>
-            <a:r>
-              <a:rPr lang="en-US" dirty="0" err="1" smtClean="0"/>
-              <a:t>VehicleInfo</a:t>
-            </a:r>
-            <a:r>
-              <a:rPr lang="en-US" dirty="0" smtClean="0"/>
-              <a:t>;</a:t>
-            </a:r>
-          </a:p>
-          <a:p>
-            <a:pPr marL="0" indent="0">
-              <a:buNone/>
-            </a:pPr>
-            <a:r>
-              <a:rPr lang="en-US" dirty="0" smtClean="0"/>
-              <a:t>	</a:t>
-            </a:r>
-            <a:r>
-              <a:rPr lang="en-US" dirty="0" err="1" smtClean="0"/>
-              <a:t>DriverInfo</a:t>
-            </a:r>
-            <a:r>
-              <a:rPr lang="en-US" dirty="0" smtClean="0"/>
-              <a:t>;</a:t>
-            </a:r>
-          </a:p>
-          <a:p>
-            <a:pPr marL="0" indent="0">
-              <a:buNone/>
-            </a:pPr>
-            <a:r>
-              <a:rPr lang="en-US" dirty="0" smtClean="0"/>
-              <a:t>	</a:t>
-            </a:r>
-            <a:r>
-              <a:rPr lang="en-US" dirty="0" err="1" smtClean="0"/>
-              <a:t>CancelRequisition</a:t>
-            </a:r>
-            <a:r>
-              <a:rPr lang="en-US" dirty="0" smtClean="0"/>
-              <a:t>;</a:t>
-            </a:r>
-          </a:p>
-          <a:p>
-            <a:pPr marL="0" indent="0">
-              <a:buNone/>
-            </a:pPr>
-            <a:r>
-              <a:rPr lang="en-US" dirty="0"/>
-              <a:t>	</a:t>
-            </a:r>
-            <a:r>
-              <a:rPr lang="en-US" dirty="0" err="1" smtClean="0"/>
-              <a:t>ReassainRequisition</a:t>
-            </a:r>
-            <a:r>
-              <a:rPr lang="en-US" dirty="0" smtClean="0"/>
-              <a:t>;</a:t>
-            </a:r>
+              <a:t>();</a:t>
+            </a:r>
+            <a:endParaRPr lang="en-US" dirty="0" smtClean="0"/>
           </a:p>
           <a:p>
             <a:pPr marL="0" indent="0">
@@ -3401,143 +3423,207 @@
           </a:p>
         </p:txBody>
       </p:sp>
-      <p:sp>
-        <p:nvSpPr>
-          <p:cNvPr id="4" name="Content Placeholder 3"/>
-          <p:cNvSpPr>
-            <a:spLocks noGrp="1"/>
-          </p:cNvSpPr>
+      <p:graphicFrame>
+        <p:nvGraphicFramePr>
+          <p:cNvPr id="7" name="Content Placeholder 6"/>
+          <p:cNvGraphicFramePr>
+            <a:graphicFrameLocks noGrp="1"/>
+          </p:cNvGraphicFramePr>
           <p:nvPr>
             <p:ph sz="half" idx="2"/>
+            <p:extLst>
+              <p:ext uri="{D42A27DB-BD31-4B8C-83A1-F6EECF244321}">
+                <p14:modId xmlns:p14="http://schemas.microsoft.com/office/powerpoint/2010/main" val="4122830782"/>
+              </p:ext>
+            </p:extLst>
           </p:nvPr>
-        </p:nvSpPr>
-        <p:spPr/>
-        <p:txBody>
-          <a:bodyPr>
-            <a:normAutofit lnSpcReduction="10000"/>
-          </a:bodyPr>
-          <a:lstStyle/>
-          <a:p>
-            <a:endParaRPr lang="en-US" dirty="0" smtClean="0"/>
-          </a:p>
-          <a:p>
-            <a:r>
-              <a:rPr lang="en-US" dirty="0" smtClean="0"/>
-              <a:t>Activity</a:t>
-            </a:r>
-            <a:r>
-              <a:rPr lang="en-US" dirty="0"/>
-              <a:t>:</a:t>
-            </a:r>
-          </a:p>
-          <a:p>
-            <a:pPr marL="0" indent="0">
-              <a:buNone/>
-            </a:pPr>
-            <a:r>
-              <a:rPr lang="en-US" dirty="0"/>
-              <a:t>	</a:t>
-            </a:r>
-            <a:r>
-              <a:rPr lang="en-US" dirty="0" err="1"/>
-              <a:t>RequisitionList</a:t>
-            </a:r>
-            <a:r>
-              <a:rPr lang="en-US" dirty="0"/>
-              <a:t>();</a:t>
-            </a:r>
-          </a:p>
-          <a:p>
-            <a:pPr marL="0" indent="0">
-              <a:buNone/>
-            </a:pPr>
-            <a:r>
-              <a:rPr lang="en-US" dirty="0"/>
-              <a:t>	</a:t>
-            </a:r>
-            <a:r>
-              <a:rPr lang="en-US" dirty="0" err="1"/>
-              <a:t>SearchRequisition</a:t>
-            </a:r>
-            <a:r>
-              <a:rPr lang="en-US" dirty="0"/>
-              <a:t>();</a:t>
-            </a:r>
-          </a:p>
-          <a:p>
-            <a:pPr marL="0" indent="0">
-              <a:buNone/>
-            </a:pPr>
-            <a:r>
-              <a:rPr lang="en-US" dirty="0"/>
-              <a:t>	</a:t>
-            </a:r>
-            <a:r>
-              <a:rPr lang="en-US" dirty="0" err="1"/>
-              <a:t>ApproveRequisition</a:t>
-            </a:r>
-            <a:r>
-              <a:rPr lang="en-US" dirty="0"/>
-              <a:t>();</a:t>
-            </a:r>
-          </a:p>
-          <a:p>
-            <a:pPr marL="0" indent="0">
-              <a:buNone/>
-            </a:pPr>
-            <a:r>
-              <a:rPr lang="en-US" dirty="0"/>
-              <a:t>	</a:t>
-            </a:r>
-            <a:r>
-              <a:rPr lang="en-US" dirty="0" err="1"/>
-              <a:t>CancelRequisition</a:t>
-            </a:r>
-            <a:r>
-              <a:rPr lang="en-US" dirty="0"/>
-              <a:t>();</a:t>
-            </a:r>
-          </a:p>
-          <a:p>
-            <a:pPr marL="0" indent="0">
-              <a:buNone/>
-            </a:pPr>
-            <a:r>
-              <a:rPr lang="en-US" dirty="0"/>
-              <a:t>	</a:t>
-            </a:r>
-            <a:r>
-              <a:rPr lang="en-US" dirty="0" err="1"/>
-              <a:t>CheckInTime</a:t>
-            </a:r>
-            <a:r>
-              <a:rPr lang="en-US" dirty="0"/>
-              <a:t>();</a:t>
-            </a:r>
-          </a:p>
-          <a:p>
-            <a:pPr marL="0" indent="0">
-              <a:buNone/>
-            </a:pPr>
-            <a:r>
-              <a:rPr lang="en-US" dirty="0"/>
-              <a:t>	</a:t>
-            </a:r>
-            <a:r>
-              <a:rPr lang="en-US" dirty="0" err="1"/>
-              <a:t>CheckOutTime</a:t>
-            </a:r>
-            <a:r>
-              <a:rPr lang="en-US" dirty="0"/>
-              <a:t>();</a:t>
-            </a:r>
-          </a:p>
-        </p:txBody>
-      </p:sp>
+        </p:nvGraphicFramePr>
+        <p:xfrm>
+          <a:off x="6172200" y="1825625"/>
+          <a:ext cx="5181600" cy="4054668"/>
+        </p:xfrm>
+        <a:graphic>
+          <a:graphicData uri="http://schemas.openxmlformats.org/drawingml/2006/table">
+            <a:tbl>
+              <a:tblPr firstRow="1" bandRow="1">
+                <a:tableStyleId>{5C22544A-7EE6-4342-B048-85BDC9FD1C3A}</a:tableStyleId>
+              </a:tblPr>
+              <a:tblGrid>
+                <a:gridCol w="2590800"/>
+                <a:gridCol w="2590800"/>
+              </a:tblGrid>
+              <a:tr h="675778">
+                <a:tc>
+                  <a:txBody>
+                    <a:bodyPr/>
+                    <a:lstStyle/>
+                    <a:p>
+                      <a:r>
+                        <a:rPr lang="en-US" dirty="0" smtClean="0"/>
+                        <a:t>Title</a:t>
+                      </a:r>
+                      <a:endParaRPr lang="en-US" dirty="0"/>
+                    </a:p>
+                  </a:txBody>
+                  <a:tcPr/>
+                </a:tc>
+                <a:tc>
+                  <a:txBody>
+                    <a:bodyPr/>
+                    <a:lstStyle/>
+                    <a:p>
+                      <a:r>
+                        <a:rPr lang="en-US" dirty="0" smtClean="0"/>
+                        <a:t>Text Box		</a:t>
+                      </a:r>
+                      <a:endParaRPr lang="en-US" dirty="0"/>
+                    </a:p>
+                  </a:txBody>
+                  <a:tcPr/>
+                </a:tc>
+              </a:tr>
+              <a:tr h="675778">
+                <a:tc>
+                  <a:txBody>
+                    <a:bodyPr/>
+                    <a:lstStyle/>
+                    <a:p>
+                      <a:r>
+                        <a:rPr lang="en-US" dirty="0" smtClean="0"/>
+                        <a:t>Name</a:t>
+                      </a:r>
+                      <a:endParaRPr lang="en-US" dirty="0"/>
+                    </a:p>
+                  </a:txBody>
+                  <a:tcPr/>
+                </a:tc>
+                <a:tc>
+                  <a:txBody>
+                    <a:bodyPr/>
+                    <a:lstStyle/>
+                    <a:p>
+                      <a:endParaRPr lang="en-US" dirty="0"/>
+                    </a:p>
+                  </a:txBody>
+                  <a:tcPr/>
+                </a:tc>
+              </a:tr>
+              <a:tr h="675778">
+                <a:tc>
+                  <a:txBody>
+                    <a:bodyPr/>
+                    <a:lstStyle/>
+                    <a:p>
+                      <a:r>
+                        <a:rPr lang="en-US" dirty="0" smtClean="0"/>
+                        <a:t>Designation</a:t>
+                      </a:r>
+                      <a:endParaRPr lang="en-US" dirty="0"/>
+                    </a:p>
+                  </a:txBody>
+                  <a:tcPr/>
+                </a:tc>
+                <a:tc>
+                  <a:txBody>
+                    <a:bodyPr/>
+                    <a:lstStyle/>
+                    <a:p>
+                      <a:endParaRPr lang="en-US" dirty="0"/>
+                    </a:p>
+                  </a:txBody>
+                  <a:tcPr/>
+                </a:tc>
+              </a:tr>
+              <a:tr h="675778">
+                <a:tc>
+                  <a:txBody>
+                    <a:bodyPr/>
+                    <a:lstStyle/>
+                    <a:p>
+                      <a:r>
+                        <a:rPr lang="en-US" dirty="0" smtClean="0"/>
+                        <a:t>Email</a:t>
+                      </a:r>
+                      <a:endParaRPr lang="en-US" dirty="0"/>
+                    </a:p>
+                  </a:txBody>
+                  <a:tcPr/>
+                </a:tc>
+                <a:tc>
+                  <a:txBody>
+                    <a:bodyPr/>
+                    <a:lstStyle/>
+                    <a:p>
+                      <a:endParaRPr lang="en-US" dirty="0"/>
+                    </a:p>
+                  </a:txBody>
+                  <a:tcPr/>
+                </a:tc>
+              </a:tr>
+              <a:tr h="675778">
+                <a:tc>
+                  <a:txBody>
+                    <a:bodyPr/>
+                    <a:lstStyle/>
+                    <a:p>
+                      <a:r>
+                        <a:rPr lang="en-US" dirty="0" smtClean="0"/>
+                        <a:t>Mobile </a:t>
+                      </a:r>
+                      <a:r>
+                        <a:rPr lang="en-US" dirty="0" smtClean="0"/>
+                        <a:t>No</a:t>
+                      </a:r>
+                      <a:endParaRPr lang="en-US" dirty="0"/>
+                    </a:p>
+                  </a:txBody>
+                  <a:tcPr/>
+                </a:tc>
+                <a:tc>
+                  <a:txBody>
+                    <a:bodyPr/>
+                    <a:lstStyle/>
+                    <a:p>
+                      <a:endParaRPr lang="en-US" dirty="0"/>
+                    </a:p>
+                  </a:txBody>
+                  <a:tcPr/>
+                </a:tc>
+              </a:tr>
+              <a:tr h="675778">
+                <a:tc>
+                  <a:txBody>
+                    <a:bodyPr/>
+                    <a:lstStyle/>
+                    <a:p>
+                      <a:r>
+                        <a:rPr lang="en-US" dirty="0" smtClean="0"/>
+                        <a:t>Office Address</a:t>
+                      </a:r>
+                      <a:endParaRPr lang="en-US" dirty="0"/>
+                    </a:p>
+                  </a:txBody>
+                  <a:tcPr/>
+                </a:tc>
+                <a:tc>
+                  <a:txBody>
+                    <a:bodyPr/>
+                    <a:lstStyle/>
+                    <a:p>
+                      <a:endParaRPr lang="en-US" dirty="0"/>
+                    </a:p>
+                  </a:txBody>
+                  <a:tcPr/>
+                </a:tc>
+              </a:tr>
+            </a:tbl>
+          </a:graphicData>
+        </a:graphic>
+      </p:graphicFrame>
     </p:spTree>
     <p:extLst>
       <p:ext uri="{BB962C8B-B14F-4D97-AF65-F5344CB8AC3E}">
-        <p14:creationId xmlns:p14="http://schemas.microsoft.com/office/powerpoint/2010/main" xmlns="" val="3827304921"/>
+        <p14:creationId xmlns:p14="http://schemas.microsoft.com/office/powerpoint/2010/main" val="2198716805"/>
       </p:ext>
     </p:extLst>
   </p:cSld>
@@ -3627,6 +3713,395 @@
             <a:pPr algn="ctr"/>
             <a:r>
               <a:rPr lang="en-US" b="1" dirty="0" smtClean="0"/>
+              <a:t>Action Form (Controller)</a:t>
+            </a:r>
+            <a:endParaRPr lang="en-US" b="1" dirty="0"/>
+          </a:p>
+        </p:txBody>
+      </p:sp>
+      <p:sp>
+        <p:nvSpPr>
+          <p:cNvPr id="3" name="Content Placeholder 2"/>
+          <p:cNvSpPr>
+            <a:spLocks noGrp="1"/>
+          </p:cNvSpPr>
+          <p:nvPr>
+            <p:ph sz="half" idx="1"/>
+          </p:nvPr>
+        </p:nvSpPr>
+        <p:spPr>
+          <a:noFill/>
+        </p:spPr>
+        <p:txBody>
+          <a:bodyPr>
+            <a:normAutofit lnSpcReduction="10000"/>
+          </a:bodyPr>
+          <a:lstStyle/>
+          <a:p>
+            <a:r>
+              <a:rPr lang="en-US" dirty="0"/>
+              <a:t>Object: </a:t>
+            </a:r>
+            <a:r>
+              <a:rPr lang="en-US" dirty="0" err="1" smtClean="0"/>
+              <a:t>RequisitionInfo</a:t>
+            </a:r>
+            <a:endParaRPr lang="en-US" dirty="0"/>
+          </a:p>
+          <a:p>
+            <a:r>
+              <a:rPr lang="en-US" dirty="0" smtClean="0"/>
+              <a:t>Attribute</a:t>
+            </a:r>
+          </a:p>
+          <a:p>
+            <a:pPr marL="457200" lvl="1" indent="0">
+              <a:buNone/>
+            </a:pPr>
+            <a:r>
+              <a:rPr lang="en-US" dirty="0" smtClean="0"/>
+              <a:t>	Id;</a:t>
+            </a:r>
+          </a:p>
+          <a:p>
+            <a:pPr marL="0" indent="0">
+              <a:buNone/>
+            </a:pPr>
+            <a:r>
+              <a:rPr lang="en-US" dirty="0"/>
+              <a:t>	</a:t>
+            </a:r>
+            <a:r>
+              <a:rPr lang="en-US" dirty="0" err="1" smtClean="0"/>
+              <a:t>UserInfo</a:t>
+            </a:r>
+            <a:r>
+              <a:rPr lang="en-US" dirty="0" smtClean="0"/>
+              <a:t>;</a:t>
+            </a:r>
+          </a:p>
+          <a:p>
+            <a:pPr marL="0" indent="0">
+              <a:buNone/>
+            </a:pPr>
+            <a:r>
+              <a:rPr lang="en-US" dirty="0" smtClean="0"/>
+              <a:t>	</a:t>
+            </a:r>
+            <a:r>
+              <a:rPr lang="en-US" dirty="0" err="1" smtClean="0"/>
+              <a:t>RequisitionInfo</a:t>
+            </a:r>
+            <a:r>
+              <a:rPr lang="en-US" dirty="0" smtClean="0"/>
+              <a:t>;</a:t>
+            </a:r>
+          </a:p>
+          <a:p>
+            <a:pPr marL="0" indent="0">
+              <a:buNone/>
+            </a:pPr>
+            <a:r>
+              <a:rPr lang="en-US" dirty="0" smtClean="0"/>
+              <a:t>	</a:t>
+            </a:r>
+            <a:r>
+              <a:rPr lang="en-US" dirty="0" err="1" smtClean="0"/>
+              <a:t>VehicleInfo</a:t>
+            </a:r>
+            <a:r>
+              <a:rPr lang="en-US" dirty="0" smtClean="0"/>
+              <a:t>;</a:t>
+            </a:r>
+          </a:p>
+          <a:p>
+            <a:pPr marL="0" indent="0">
+              <a:buNone/>
+            </a:pPr>
+            <a:r>
+              <a:rPr lang="en-US" dirty="0" smtClean="0"/>
+              <a:t>	</a:t>
+            </a:r>
+            <a:r>
+              <a:rPr lang="en-US" dirty="0" err="1" smtClean="0"/>
+              <a:t>DriverInfo</a:t>
+            </a:r>
+            <a:r>
+              <a:rPr lang="en-US" dirty="0" smtClean="0"/>
+              <a:t>;</a:t>
+            </a:r>
+          </a:p>
+          <a:p>
+            <a:pPr marL="0" indent="0">
+              <a:buNone/>
+            </a:pPr>
+            <a:r>
+              <a:rPr lang="en-US" dirty="0" smtClean="0"/>
+              <a:t>	</a:t>
+            </a:r>
+            <a:r>
+              <a:rPr lang="en-US" dirty="0" err="1" smtClean="0"/>
+              <a:t>CancelRequisition</a:t>
+            </a:r>
+            <a:r>
+              <a:rPr lang="en-US" dirty="0" smtClean="0"/>
+              <a:t>;</a:t>
+            </a:r>
+          </a:p>
+          <a:p>
+            <a:pPr marL="0" indent="0">
+              <a:buNone/>
+            </a:pPr>
+            <a:r>
+              <a:rPr lang="en-US" dirty="0"/>
+              <a:t>	</a:t>
+            </a:r>
+            <a:r>
+              <a:rPr lang="en-US" dirty="0" err="1" smtClean="0"/>
+              <a:t>ReassainRequisition</a:t>
+            </a:r>
+            <a:r>
+              <a:rPr lang="en-US" dirty="0" smtClean="0"/>
+              <a:t>;</a:t>
+            </a:r>
+          </a:p>
+          <a:p>
+            <a:pPr marL="0" indent="0">
+              <a:buNone/>
+            </a:pPr>
+            <a:endParaRPr lang="en-US" dirty="0"/>
+          </a:p>
+          <a:p>
+            <a:endParaRPr lang="en-US" dirty="0"/>
+          </a:p>
+        </p:txBody>
+      </p:sp>
+      <p:sp>
+        <p:nvSpPr>
+          <p:cNvPr id="4" name="Content Placeholder 3"/>
+          <p:cNvSpPr>
+            <a:spLocks noGrp="1"/>
+          </p:cNvSpPr>
+          <p:nvPr>
+            <p:ph sz="half" idx="2"/>
+          </p:nvPr>
+        </p:nvSpPr>
+        <p:spPr/>
+        <p:txBody>
+          <a:bodyPr>
+            <a:normAutofit lnSpcReduction="10000"/>
+          </a:bodyPr>
+          <a:lstStyle/>
+          <a:p>
+            <a:endParaRPr lang="en-US" dirty="0" smtClean="0"/>
+          </a:p>
+          <a:p>
+            <a:r>
+              <a:rPr lang="en-US" dirty="0" smtClean="0"/>
+              <a:t>Activity</a:t>
+            </a:r>
+            <a:r>
+              <a:rPr lang="en-US" dirty="0"/>
+              <a:t>:</a:t>
+            </a:r>
+          </a:p>
+          <a:p>
+            <a:pPr marL="0" indent="0">
+              <a:buNone/>
+            </a:pPr>
+            <a:r>
+              <a:rPr lang="en-US" dirty="0"/>
+              <a:t>	</a:t>
+            </a:r>
+            <a:r>
+              <a:rPr lang="en-US" dirty="0" err="1"/>
+              <a:t>RequisitionList</a:t>
+            </a:r>
+            <a:r>
+              <a:rPr lang="en-US" dirty="0"/>
+              <a:t>();</a:t>
+            </a:r>
+          </a:p>
+          <a:p>
+            <a:pPr marL="0" indent="0">
+              <a:buNone/>
+            </a:pPr>
+            <a:r>
+              <a:rPr lang="en-US" dirty="0"/>
+              <a:t>	</a:t>
+            </a:r>
+            <a:r>
+              <a:rPr lang="en-US" dirty="0" err="1"/>
+              <a:t>SearchRequisition</a:t>
+            </a:r>
+            <a:r>
+              <a:rPr lang="en-US" dirty="0"/>
+              <a:t>();</a:t>
+            </a:r>
+          </a:p>
+          <a:p>
+            <a:pPr marL="0" indent="0">
+              <a:buNone/>
+            </a:pPr>
+            <a:r>
+              <a:rPr lang="en-US" dirty="0"/>
+              <a:t>	</a:t>
+            </a:r>
+            <a:r>
+              <a:rPr lang="en-US" dirty="0" err="1"/>
+              <a:t>ApproveRequisition</a:t>
+            </a:r>
+            <a:r>
+              <a:rPr lang="en-US" dirty="0"/>
+              <a:t>();</a:t>
+            </a:r>
+          </a:p>
+          <a:p>
+            <a:pPr marL="0" indent="0">
+              <a:buNone/>
+            </a:pPr>
+            <a:r>
+              <a:rPr lang="en-US" dirty="0"/>
+              <a:t>	</a:t>
+            </a:r>
+            <a:r>
+              <a:rPr lang="en-US" dirty="0" err="1"/>
+              <a:t>CancelRequisition</a:t>
+            </a:r>
+            <a:r>
+              <a:rPr lang="en-US" dirty="0"/>
+              <a:t>();</a:t>
+            </a:r>
+          </a:p>
+          <a:p>
+            <a:pPr marL="0" indent="0">
+              <a:buNone/>
+            </a:pPr>
+            <a:r>
+              <a:rPr lang="en-US" dirty="0"/>
+              <a:t>	</a:t>
+            </a:r>
+            <a:r>
+              <a:rPr lang="en-US" dirty="0" err="1"/>
+              <a:t>CheckInTime</a:t>
+            </a:r>
+            <a:r>
+              <a:rPr lang="en-US" dirty="0"/>
+              <a:t>();</a:t>
+            </a:r>
+          </a:p>
+          <a:p>
+            <a:pPr marL="0" indent="0">
+              <a:buNone/>
+            </a:pPr>
+            <a:r>
+              <a:rPr lang="en-US" dirty="0"/>
+              <a:t>	</a:t>
+            </a:r>
+            <a:r>
+              <a:rPr lang="en-US" dirty="0" err="1"/>
+              <a:t>CheckOutTime</a:t>
+            </a:r>
+            <a:r>
+              <a:rPr lang="en-US" dirty="0"/>
+              <a:t>();</a:t>
+            </a:r>
+          </a:p>
+        </p:txBody>
+      </p:sp>
+    </p:spTree>
+    <p:extLst>
+      <p:ext uri="{BB962C8B-B14F-4D97-AF65-F5344CB8AC3E}">
+        <p14:creationId xmlns:p14="http://schemas.microsoft.com/office/powerpoint/2010/main" val="3827304921"/>
+      </p:ext>
+    </p:extLst>
+  </p:cSld>
+  <p:clrMapOvr>
+    <a:masterClrMapping/>
+  </p:clrMapOvr>
+  <p:timing>
+    <p:tnLst>
+      <p:par>
+        <p:cTn id="1" dur="indefinite" restart="never" nodeType="tmRoot"/>
+      </p:par>
+    </p:tnLst>
+  </p:timing>
+</p:sld>
+</file>
+
+<file path=ppt/slides/slide12.xml><?xml version="1.0" encoding="utf-8"?>
+<p:sld xmlns:a="http://schemas.openxmlformats.org/drawingml/2006/main" xmlns:r="http://schemas.openxmlformats.org/officeDocument/2006/relationships" xmlns:p="http://schemas.openxmlformats.org/presentationml/2006/main">
+  <p:cSld>
+    <p:bg>
+      <p:bgPr>
+        <a:solidFill>
+          <a:schemeClr val="accent4">
+            <a:lumMod val="75000"/>
+          </a:schemeClr>
+        </a:solidFill>
+        <a:effectLst/>
+      </p:bgPr>
+    </p:bg>
+    <p:spTree>
+      <p:nvGrpSpPr>
+        <p:cNvPr id="1" name=""/>
+        <p:cNvGrpSpPr/>
+        <p:nvPr/>
+      </p:nvGrpSpPr>
+      <p:grpSpPr>
+        <a:xfrm>
+          <a:off x="0" y="0"/>
+          <a:ext cx="0" cy="0"/>
+          <a:chOff x="0" y="0"/>
+          <a:chExt cx="0" cy="0"/>
+        </a:xfrm>
+      </p:grpSpPr>
+      <p:sp>
+        <p:nvSpPr>
+          <p:cNvPr id="2" name="Title 1"/>
+          <p:cNvSpPr>
+            <a:spLocks noGrp="1"/>
+          </p:cNvSpPr>
+          <p:nvPr>
+            <p:ph type="title"/>
+          </p:nvPr>
+        </p:nvSpPr>
+        <p:spPr>
+          <a:gradFill>
+            <a:gsLst>
+              <a:gs pos="0">
+                <a:schemeClr val="accent4">
+                  <a:lumMod val="89000"/>
+                </a:schemeClr>
+              </a:gs>
+              <a:gs pos="23000">
+                <a:schemeClr val="accent4">
+                  <a:lumMod val="89000"/>
+                </a:schemeClr>
+              </a:gs>
+              <a:gs pos="69000">
+                <a:schemeClr val="accent4">
+                  <a:lumMod val="75000"/>
+                </a:schemeClr>
+              </a:gs>
+              <a:gs pos="97000">
+                <a:schemeClr val="accent4">
+                  <a:lumMod val="70000"/>
+                </a:schemeClr>
+              </a:gs>
+            </a:gsLst>
+            <a:path path="circle">
+              <a:fillToRect l="50000" t="50000" r="50000" b="50000"/>
+            </a:path>
+          </a:gradFill>
+        </p:spPr>
+        <p:txBody>
+          <a:bodyPr/>
+          <a:lstStyle/>
+          <a:p>
+            <a:pPr algn="ctr"/>
+            <a:r>
+              <a:rPr lang="en-US" b="1" dirty="0" smtClean="0"/>
               <a:t>Requisition Form (User)</a:t>
             </a:r>
             <a:endParaRPr lang="en-US" b="1" dirty="0"/>
@@ -3859,7 +4334,7 @@
             <p:ph sz="half" idx="2"/>
             <p:extLst>
               <p:ext uri="{D42A27DB-BD31-4B8C-83A1-F6EECF244321}">
-                <p14:modId xmlns:p14="http://schemas.microsoft.com/office/powerpoint/2010/main" xmlns="" val="1426166606"/>
+                <p14:modId xmlns:p14="http://schemas.microsoft.com/office/powerpoint/2010/main" val="1426166606"/>
               </p:ext>
             </p:extLst>
           </p:nvPr>
@@ -4482,7 +4957,7 @@
     </p:spTree>
     <p:extLst>
       <p:ext uri="{BB962C8B-B14F-4D97-AF65-F5344CB8AC3E}">
-        <p14:creationId xmlns:p14="http://schemas.microsoft.com/office/powerpoint/2010/main" xmlns="" val="1522459881"/>
+        <p14:creationId xmlns:p14="http://schemas.microsoft.com/office/powerpoint/2010/main" val="1522459881"/>
       </p:ext>
     </p:extLst>
   </p:cSld>
@@ -4499,7 +4974,1240 @@
 </p:sld>
 </file>
 
-<file path=ppt/slides/slide12.xml><?xml version="1.0" encoding="utf-8"?>
+<file path=ppt/slides/slide13.xml><?xml version="1.0" encoding="utf-8"?>
+<p:sld xmlns:a="http://schemas.openxmlformats.org/drawingml/2006/main" xmlns:r="http://schemas.openxmlformats.org/officeDocument/2006/relationships" xmlns:p="http://schemas.openxmlformats.org/presentationml/2006/main">
+  <p:cSld>
+    <p:bg>
+      <p:bgPr>
+        <a:solidFill>
+          <a:schemeClr val="accent4">
+            <a:lumMod val="75000"/>
+          </a:schemeClr>
+        </a:solidFill>
+        <a:effectLst/>
+      </p:bgPr>
+    </p:bg>
+    <p:spTree>
+      <p:nvGrpSpPr>
+        <p:cNvPr id="1" name=""/>
+        <p:cNvGrpSpPr/>
+        <p:nvPr/>
+      </p:nvGrpSpPr>
+      <p:grpSpPr>
+        <a:xfrm>
+          <a:off x="0" y="0"/>
+          <a:ext cx="0" cy="0"/>
+          <a:chOff x="0" y="0"/>
+          <a:chExt cx="0" cy="0"/>
+        </a:xfrm>
+      </p:grpSpPr>
+      <p:sp>
+        <p:nvSpPr>
+          <p:cNvPr id="2" name="Title 1"/>
+          <p:cNvSpPr>
+            <a:spLocks noGrp="1"/>
+          </p:cNvSpPr>
+          <p:nvPr>
+            <p:ph type="title"/>
+          </p:nvPr>
+        </p:nvSpPr>
+        <p:spPr>
+          <a:gradFill>
+            <a:gsLst>
+              <a:gs pos="0">
+                <a:schemeClr val="accent4">
+                  <a:lumMod val="89000"/>
+                </a:schemeClr>
+              </a:gs>
+              <a:gs pos="23000">
+                <a:schemeClr val="accent4">
+                  <a:lumMod val="89000"/>
+                </a:schemeClr>
+              </a:gs>
+              <a:gs pos="69000">
+                <a:schemeClr val="accent4">
+                  <a:lumMod val="75000"/>
+                </a:schemeClr>
+              </a:gs>
+              <a:gs pos="97000">
+                <a:schemeClr val="accent4">
+                  <a:lumMod val="70000"/>
+                </a:schemeClr>
+              </a:gs>
+            </a:gsLst>
+            <a:path path="circle">
+              <a:fillToRect l="50000" t="50000" r="50000" b="50000"/>
+            </a:path>
+          </a:gradFill>
+        </p:spPr>
+        <p:txBody>
+          <a:bodyPr/>
+          <a:lstStyle/>
+          <a:p>
+            <a:pPr algn="ctr"/>
+            <a:r>
+              <a:rPr lang="en-US" b="1" dirty="0" smtClean="0"/>
+              <a:t>User Diagram</a:t>
+            </a:r>
+            <a:endParaRPr lang="en-US" b="1" dirty="0"/>
+          </a:p>
+        </p:txBody>
+      </p:sp>
+      <p:graphicFrame>
+        <p:nvGraphicFramePr>
+          <p:cNvPr id="11" name="Content Placeholder 10"/>
+          <p:cNvGraphicFramePr>
+            <a:graphicFrameLocks noGrp="1"/>
+          </p:cNvGraphicFramePr>
+          <p:nvPr>
+            <p:ph sz="half" idx="1"/>
+            <p:extLst>
+              <p:ext uri="{D42A27DB-BD31-4B8C-83A1-F6EECF244321}">
+                <p14:modId xmlns:p14="http://schemas.microsoft.com/office/powerpoint/2010/main" val="3869647136"/>
+              </p:ext>
+            </p:extLst>
+          </p:nvPr>
+        </p:nvGraphicFramePr>
+        <p:xfrm>
+          <a:off x="838200" y="1825625"/>
+          <a:ext cx="10515604" cy="1545372"/>
+        </p:xfrm>
+        <a:graphic>
+          <a:graphicData uri="http://schemas.openxmlformats.org/drawingml/2006/table">
+            <a:tbl>
+              <a:tblPr firstRow="1" bandRow="1">
+                <a:tableStyleId>{5C22544A-7EE6-4342-B048-85BDC9FD1C3A}</a:tableStyleId>
+              </a:tblPr>
+              <a:tblGrid>
+                <a:gridCol w="1502229"/>
+                <a:gridCol w="1502230"/>
+                <a:gridCol w="1357138"/>
+                <a:gridCol w="896205"/>
+                <a:gridCol w="751115"/>
+                <a:gridCol w="1502229"/>
+                <a:gridCol w="1502229"/>
+                <a:gridCol w="1502229"/>
+              </a:tblGrid>
+              <a:tr h="515124">
+                <a:tc gridSpan="8">
+                  <a:txBody>
+                    <a:bodyPr/>
+                    <a:lstStyle/>
+                    <a:p>
+                      <a:pPr algn="ctr"/>
+                      <a:r>
+                        <a:rPr lang="en-US" dirty="0" smtClean="0"/>
+                        <a:t>Login</a:t>
+                      </a:r>
+                      <a:endParaRPr lang="en-US" dirty="0"/>
+                    </a:p>
+                  </a:txBody>
+                  <a:tcPr/>
+                </a:tc>
+                <a:tc hMerge="1">
+                  <a:txBody>
+                    <a:bodyPr/>
+                    <a:lstStyle/>
+                    <a:p>
+                      <a:endParaRPr lang="en-US"/>
+                    </a:p>
+                  </a:txBody>
+                  <a:tcPr/>
+                </a:tc>
+                <a:tc hMerge="1">
+                  <a:txBody>
+                    <a:bodyPr/>
+                    <a:lstStyle/>
+                    <a:p>
+                      <a:endParaRPr lang="en-US"/>
+                    </a:p>
+                  </a:txBody>
+                  <a:tcPr/>
+                </a:tc>
+                <a:tc hMerge="1">
+                  <a:txBody>
+                    <a:bodyPr/>
+                    <a:lstStyle/>
+                    <a:p>
+                      <a:endParaRPr lang="en-US"/>
+                    </a:p>
+                  </a:txBody>
+                  <a:tcPr/>
+                </a:tc>
+                <a:tc hMerge="1">
+                  <a:txBody>
+                    <a:bodyPr/>
+                    <a:lstStyle/>
+                    <a:p>
+                      <a:endParaRPr lang="en-US"/>
+                    </a:p>
+                  </a:txBody>
+                  <a:tcPr/>
+                </a:tc>
+                <a:tc hMerge="1">
+                  <a:txBody>
+                    <a:bodyPr/>
+                    <a:lstStyle/>
+                    <a:p>
+                      <a:endParaRPr lang="en-US"/>
+                    </a:p>
+                  </a:txBody>
+                  <a:tcPr/>
+                </a:tc>
+                <a:tc hMerge="1">
+                  <a:txBody>
+                    <a:bodyPr/>
+                    <a:lstStyle/>
+                    <a:p>
+                      <a:endParaRPr lang="en-US"/>
+                    </a:p>
+                  </a:txBody>
+                  <a:tcPr/>
+                </a:tc>
+                <a:tc hMerge="1">
+                  <a:txBody>
+                    <a:bodyPr/>
+                    <a:lstStyle/>
+                    <a:p>
+                      <a:pPr algn="ctr"/>
+                      <a:endParaRPr lang="en-US" dirty="0"/>
+                    </a:p>
+                  </a:txBody>
+                  <a:tcPr/>
+                </a:tc>
+              </a:tr>
+              <a:tr h="515124">
+                <a:tc gridSpan="4">
+                  <a:txBody>
+                    <a:bodyPr/>
+                    <a:lstStyle/>
+                    <a:p>
+                      <a:pPr algn="r"/>
+                      <a:r>
+                        <a:rPr lang="en-US" dirty="0" smtClean="0"/>
+                        <a:t>Search Box:</a:t>
+                      </a:r>
+                      <a:endParaRPr lang="en-US" dirty="0"/>
+                    </a:p>
+                  </a:txBody>
+                  <a:tcPr>
+                    <a:solidFill>
+                      <a:schemeClr val="tx2"/>
+                    </a:solidFill>
+                  </a:tcPr>
+                </a:tc>
+                <a:tc hMerge="1">
+                  <a:txBody>
+                    <a:bodyPr/>
+                    <a:lstStyle/>
+                    <a:p>
+                      <a:endParaRPr lang="en-US"/>
+                    </a:p>
+                  </a:txBody>
+                  <a:tcPr/>
+                </a:tc>
+                <a:tc hMerge="1">
+                  <a:txBody>
+                    <a:bodyPr/>
+                    <a:lstStyle/>
+                    <a:p>
+                      <a:endParaRPr lang="en-US"/>
+                    </a:p>
+                  </a:txBody>
+                  <a:tcPr/>
+                </a:tc>
+                <a:tc hMerge="1">
+                  <a:txBody>
+                    <a:bodyPr/>
+                    <a:lstStyle/>
+                    <a:p>
+                      <a:pPr algn="l"/>
+                      <a:endParaRPr lang="en-US" dirty="0"/>
+                    </a:p>
+                  </a:txBody>
+                  <a:tcPr/>
+                </a:tc>
+                <a:tc gridSpan="4">
+                  <a:txBody>
+                    <a:bodyPr/>
+                    <a:lstStyle/>
+                    <a:p>
+                      <a:pPr algn="r"/>
+                      <a:endParaRPr lang="en-US" dirty="0"/>
+                    </a:p>
+                  </a:txBody>
+                  <a:tcPr>
+                    <a:solidFill>
+                      <a:schemeClr val="tx2"/>
+                    </a:solidFill>
+                  </a:tcPr>
+                </a:tc>
+                <a:tc hMerge="1">
+                  <a:txBody>
+                    <a:bodyPr/>
+                    <a:lstStyle/>
+                    <a:p>
+                      <a:endParaRPr lang="en-US"/>
+                    </a:p>
+                  </a:txBody>
+                  <a:tcPr/>
+                </a:tc>
+                <a:tc hMerge="1">
+                  <a:txBody>
+                    <a:bodyPr/>
+                    <a:lstStyle/>
+                    <a:p>
+                      <a:pPr algn="l"/>
+                      <a:endParaRPr lang="en-US" dirty="0"/>
+                    </a:p>
+                  </a:txBody>
+                  <a:tcPr/>
+                </a:tc>
+                <a:tc hMerge="1">
+                  <a:txBody>
+                    <a:bodyPr/>
+                    <a:lstStyle/>
+                    <a:p>
+                      <a:pPr algn="l"/>
+                      <a:endParaRPr lang="en-US" dirty="0"/>
+                    </a:p>
+                  </a:txBody>
+                  <a:tcPr/>
+                </a:tc>
+              </a:tr>
+              <a:tr h="515124">
+                <a:tc>
+                  <a:txBody>
+                    <a:bodyPr/>
+                    <a:lstStyle/>
+                    <a:p>
+                      <a:pPr algn="l"/>
+                      <a:r>
+                        <a:rPr lang="en-US" dirty="0" smtClean="0"/>
+                        <a:t>Home</a:t>
+                      </a:r>
+                      <a:endParaRPr lang="en-US" dirty="0"/>
+                    </a:p>
+                  </a:txBody>
+                  <a:tcPr/>
+                </a:tc>
+                <a:tc>
+                  <a:txBody>
+                    <a:bodyPr/>
+                    <a:lstStyle/>
+                    <a:p>
+                      <a:pPr algn="l"/>
+                      <a:r>
+                        <a:rPr lang="en-US" dirty="0" smtClean="0"/>
+                        <a:t>My Profile</a:t>
+                      </a:r>
+                      <a:endParaRPr lang="en-US" dirty="0"/>
+                    </a:p>
+                  </a:txBody>
+                  <a:tcPr/>
+                </a:tc>
+                <a:tc>
+                  <a:txBody>
+                    <a:bodyPr/>
+                    <a:lstStyle/>
+                    <a:p>
+                      <a:pPr algn="l"/>
+                      <a:r>
+                        <a:rPr lang="en-US" dirty="0" smtClean="0"/>
+                        <a:t>Requisition</a:t>
+                      </a:r>
+                      <a:endParaRPr lang="en-US" dirty="0"/>
+                    </a:p>
+                  </a:txBody>
+                  <a:tcPr/>
+                </a:tc>
+                <a:tc gridSpan="2">
+                  <a:txBody>
+                    <a:bodyPr/>
+                    <a:lstStyle/>
+                    <a:p>
+                      <a:pPr algn="l"/>
+                      <a:r>
+                        <a:rPr lang="en-US" dirty="0" smtClean="0"/>
+                        <a:t>Vehicle Search</a:t>
+                      </a:r>
+                      <a:endParaRPr lang="en-US" dirty="0"/>
+                    </a:p>
+                  </a:txBody>
+                  <a:tcPr/>
+                </a:tc>
+                <a:tc hMerge="1">
+                  <a:txBody>
+                    <a:bodyPr/>
+                    <a:lstStyle/>
+                    <a:p>
+                      <a:endParaRPr lang="en-US"/>
+                    </a:p>
+                  </a:txBody>
+                  <a:tcPr/>
+                </a:tc>
+                <a:tc>
+                  <a:txBody>
+                    <a:bodyPr/>
+                    <a:lstStyle/>
+                    <a:p>
+                      <a:pPr algn="l"/>
+                      <a:r>
+                        <a:rPr lang="en-US" dirty="0" smtClean="0"/>
+                        <a:t>My Request</a:t>
+                      </a:r>
+                      <a:endParaRPr lang="en-US" dirty="0"/>
+                    </a:p>
+                  </a:txBody>
+                  <a:tcPr/>
+                </a:tc>
+                <a:tc>
+                  <a:txBody>
+                    <a:bodyPr/>
+                    <a:lstStyle/>
+                    <a:p>
+                      <a:pPr algn="l"/>
+                      <a:r>
+                        <a:rPr lang="en-US" dirty="0" smtClean="0"/>
+                        <a:t>Feedback</a:t>
+                      </a:r>
+                      <a:endParaRPr lang="en-US" dirty="0"/>
+                    </a:p>
+                  </a:txBody>
+                  <a:tcPr/>
+                </a:tc>
+                <a:tc>
+                  <a:txBody>
+                    <a:bodyPr/>
+                    <a:lstStyle/>
+                    <a:p>
+                      <a:pPr algn="l"/>
+                      <a:r>
+                        <a:rPr lang="en-US" dirty="0" smtClean="0"/>
+                        <a:t>Logout</a:t>
+                      </a:r>
+                      <a:endParaRPr lang="en-US" dirty="0"/>
+                    </a:p>
+                  </a:txBody>
+                  <a:tcPr/>
+                </a:tc>
+              </a:tr>
+            </a:tbl>
+          </a:graphicData>
+        </a:graphic>
+      </p:graphicFrame>
+    </p:spTree>
+    <p:extLst>
+      <p:ext uri="{BB962C8B-B14F-4D97-AF65-F5344CB8AC3E}">
+        <p14:creationId xmlns:p14="http://schemas.microsoft.com/office/powerpoint/2010/main" val="3363859786"/>
+      </p:ext>
+    </p:extLst>
+  </p:cSld>
+  <p:clrMapOvr>
+    <a:masterClrMapping/>
+  </p:clrMapOvr>
+  <p:timing>
+    <p:tnLst>
+      <p:par>
+        <p:cTn id="1" dur="indefinite" restart="never" nodeType="tmRoot"/>
+      </p:par>
+    </p:tnLst>
+  </p:timing>
+</p:sld>
+</file>
+
+<file path=ppt/slides/slide14.xml><?xml version="1.0" encoding="utf-8"?>
+<p:sld xmlns:a="http://schemas.openxmlformats.org/drawingml/2006/main" xmlns:r="http://schemas.openxmlformats.org/officeDocument/2006/relationships" xmlns:p="http://schemas.openxmlformats.org/presentationml/2006/main">
+  <p:cSld>
+    <p:bg>
+      <p:bgPr>
+        <a:solidFill>
+          <a:schemeClr val="accent4">
+            <a:lumMod val="75000"/>
+          </a:schemeClr>
+        </a:solidFill>
+        <a:effectLst/>
+      </p:bgPr>
+    </p:bg>
+    <p:spTree>
+      <p:nvGrpSpPr>
+        <p:cNvPr id="1" name=""/>
+        <p:cNvGrpSpPr/>
+        <p:nvPr/>
+      </p:nvGrpSpPr>
+      <p:grpSpPr>
+        <a:xfrm>
+          <a:off x="0" y="0"/>
+          <a:ext cx="0" cy="0"/>
+          <a:chOff x="0" y="0"/>
+          <a:chExt cx="0" cy="0"/>
+        </a:xfrm>
+      </p:grpSpPr>
+      <p:sp>
+        <p:nvSpPr>
+          <p:cNvPr id="2" name="Title 1"/>
+          <p:cNvSpPr>
+            <a:spLocks noGrp="1"/>
+          </p:cNvSpPr>
+          <p:nvPr>
+            <p:ph type="title"/>
+          </p:nvPr>
+        </p:nvSpPr>
+        <p:spPr>
+          <a:gradFill>
+            <a:gsLst>
+              <a:gs pos="0">
+                <a:schemeClr val="accent4">
+                  <a:lumMod val="89000"/>
+                </a:schemeClr>
+              </a:gs>
+              <a:gs pos="23000">
+                <a:schemeClr val="accent4">
+                  <a:lumMod val="89000"/>
+                </a:schemeClr>
+              </a:gs>
+              <a:gs pos="69000">
+                <a:schemeClr val="accent4">
+                  <a:lumMod val="75000"/>
+                </a:schemeClr>
+              </a:gs>
+              <a:gs pos="97000">
+                <a:schemeClr val="accent4">
+                  <a:lumMod val="70000"/>
+                </a:schemeClr>
+              </a:gs>
+            </a:gsLst>
+            <a:path path="circle">
+              <a:fillToRect l="50000" t="50000" r="50000" b="50000"/>
+            </a:path>
+          </a:gradFill>
+        </p:spPr>
+        <p:txBody>
+          <a:bodyPr/>
+          <a:lstStyle/>
+          <a:p>
+            <a:pPr algn="ctr"/>
+            <a:r>
+              <a:rPr lang="en-US" b="1" dirty="0" smtClean="0"/>
+              <a:t>Controller</a:t>
+            </a:r>
+            <a:r>
+              <a:rPr lang="en-US" b="1" dirty="0" smtClean="0"/>
+              <a:t> Diagram</a:t>
+            </a:r>
+            <a:endParaRPr lang="en-US" b="1" dirty="0"/>
+          </a:p>
+        </p:txBody>
+      </p:sp>
+      <p:graphicFrame>
+        <p:nvGraphicFramePr>
+          <p:cNvPr id="11" name="Content Placeholder 10"/>
+          <p:cNvGraphicFramePr>
+            <a:graphicFrameLocks noGrp="1"/>
+          </p:cNvGraphicFramePr>
+          <p:nvPr>
+            <p:ph sz="half" idx="1"/>
+            <p:extLst>
+              <p:ext uri="{D42A27DB-BD31-4B8C-83A1-F6EECF244321}">
+                <p14:modId xmlns:p14="http://schemas.microsoft.com/office/powerpoint/2010/main" val="2152530972"/>
+              </p:ext>
+            </p:extLst>
+          </p:nvPr>
+        </p:nvGraphicFramePr>
+        <p:xfrm>
+          <a:off x="838200" y="1825625"/>
+          <a:ext cx="10515600" cy="3578890"/>
+        </p:xfrm>
+        <a:graphic>
+          <a:graphicData uri="http://schemas.openxmlformats.org/drawingml/2006/table">
+            <a:tbl>
+              <a:tblPr firstRow="1" bandRow="1">
+                <a:tableStyleId>{5C22544A-7EE6-4342-B048-85BDC9FD1C3A}</a:tableStyleId>
+              </a:tblPr>
+              <a:tblGrid>
+                <a:gridCol w="1752600"/>
+                <a:gridCol w="1752600"/>
+                <a:gridCol w="1752600"/>
+                <a:gridCol w="1752600"/>
+                <a:gridCol w="1752600"/>
+                <a:gridCol w="1752600"/>
+              </a:tblGrid>
+              <a:tr h="511270">
+                <a:tc gridSpan="6">
+                  <a:txBody>
+                    <a:bodyPr/>
+                    <a:lstStyle/>
+                    <a:p>
+                      <a:pPr algn="ctr"/>
+                      <a:r>
+                        <a:rPr lang="en-US" dirty="0" smtClean="0"/>
+                        <a:t>Login</a:t>
+                      </a:r>
+                      <a:endParaRPr lang="en-US" dirty="0"/>
+                    </a:p>
+                  </a:txBody>
+                  <a:tcPr/>
+                </a:tc>
+                <a:tc hMerge="1">
+                  <a:txBody>
+                    <a:bodyPr/>
+                    <a:lstStyle/>
+                    <a:p>
+                      <a:endParaRPr lang="en-US"/>
+                    </a:p>
+                  </a:txBody>
+                  <a:tcPr/>
+                </a:tc>
+                <a:tc hMerge="1">
+                  <a:txBody>
+                    <a:bodyPr/>
+                    <a:lstStyle/>
+                    <a:p>
+                      <a:endParaRPr lang="en-US"/>
+                    </a:p>
+                  </a:txBody>
+                  <a:tcPr/>
+                </a:tc>
+                <a:tc hMerge="1">
+                  <a:txBody>
+                    <a:bodyPr/>
+                    <a:lstStyle/>
+                    <a:p>
+                      <a:endParaRPr lang="en-US"/>
+                    </a:p>
+                  </a:txBody>
+                  <a:tcPr/>
+                </a:tc>
+                <a:tc hMerge="1">
+                  <a:txBody>
+                    <a:bodyPr/>
+                    <a:lstStyle/>
+                    <a:p>
+                      <a:endParaRPr lang="en-US"/>
+                    </a:p>
+                  </a:txBody>
+                  <a:tcPr/>
+                </a:tc>
+                <a:tc hMerge="1">
+                  <a:txBody>
+                    <a:bodyPr/>
+                    <a:lstStyle/>
+                    <a:p>
+                      <a:endParaRPr lang="en-US"/>
+                    </a:p>
+                  </a:txBody>
+                  <a:tcPr/>
+                </a:tc>
+              </a:tr>
+              <a:tr h="511270">
+                <a:tc gridSpan="3">
+                  <a:txBody>
+                    <a:bodyPr/>
+                    <a:lstStyle/>
+                    <a:p>
+                      <a:pPr algn="r"/>
+                      <a:r>
+                        <a:rPr lang="en-US" dirty="0" smtClean="0"/>
+                        <a:t>Search Box:</a:t>
+                      </a:r>
+                      <a:endParaRPr lang="en-US" dirty="0"/>
+                    </a:p>
+                  </a:txBody>
+                  <a:tcPr/>
+                </a:tc>
+                <a:tc hMerge="1">
+                  <a:txBody>
+                    <a:bodyPr/>
+                    <a:lstStyle/>
+                    <a:p>
+                      <a:endParaRPr lang="en-US"/>
+                    </a:p>
+                  </a:txBody>
+                  <a:tcPr/>
+                </a:tc>
+                <a:tc hMerge="1">
+                  <a:txBody>
+                    <a:bodyPr/>
+                    <a:lstStyle/>
+                    <a:p>
+                      <a:endParaRPr lang="en-US"/>
+                    </a:p>
+                  </a:txBody>
+                  <a:tcPr/>
+                </a:tc>
+                <a:tc gridSpan="3">
+                  <a:txBody>
+                    <a:bodyPr/>
+                    <a:lstStyle/>
+                    <a:p>
+                      <a:pPr algn="l"/>
+                      <a:endParaRPr lang="en-US" dirty="0"/>
+                    </a:p>
+                  </a:txBody>
+                  <a:tcPr/>
+                </a:tc>
+                <a:tc hMerge="1">
+                  <a:txBody>
+                    <a:bodyPr/>
+                    <a:lstStyle/>
+                    <a:p>
+                      <a:endParaRPr lang="en-US"/>
+                    </a:p>
+                  </a:txBody>
+                  <a:tcPr/>
+                </a:tc>
+                <a:tc hMerge="1">
+                  <a:txBody>
+                    <a:bodyPr/>
+                    <a:lstStyle/>
+                    <a:p>
+                      <a:endParaRPr lang="en-US"/>
+                    </a:p>
+                  </a:txBody>
+                  <a:tcPr/>
+                </a:tc>
+              </a:tr>
+              <a:tr h="511270">
+                <a:tc>
+                  <a:txBody>
+                    <a:bodyPr/>
+                    <a:lstStyle/>
+                    <a:p>
+                      <a:pPr algn="l"/>
+                      <a:r>
+                        <a:rPr lang="en-US" dirty="0" smtClean="0"/>
+                        <a:t>Home</a:t>
+                      </a:r>
+                      <a:endParaRPr lang="en-US" dirty="0"/>
+                    </a:p>
+                  </a:txBody>
+                  <a:tcPr/>
+                </a:tc>
+                <a:tc>
+                  <a:txBody>
+                    <a:bodyPr/>
+                    <a:lstStyle/>
+                    <a:p>
+                      <a:pPr algn="l"/>
+                      <a:r>
+                        <a:rPr lang="en-US" dirty="0" smtClean="0"/>
+                        <a:t>Vehicle</a:t>
+                      </a:r>
+                      <a:endParaRPr lang="en-US" dirty="0"/>
+                    </a:p>
+                  </a:txBody>
+                  <a:tcPr>
+                    <a:solidFill>
+                      <a:schemeClr val="accent1">
+                        <a:lumMod val="75000"/>
+                      </a:schemeClr>
+                    </a:solidFill>
+                  </a:tcPr>
+                </a:tc>
+                <a:tc>
+                  <a:txBody>
+                    <a:bodyPr/>
+                    <a:lstStyle/>
+                    <a:p>
+                      <a:pPr algn="l"/>
+                      <a:r>
+                        <a:rPr lang="en-US" dirty="0" smtClean="0"/>
+                        <a:t>Driver</a:t>
+                      </a:r>
+                      <a:endParaRPr lang="en-US" dirty="0"/>
+                    </a:p>
+                  </a:txBody>
+                  <a:tcPr>
+                    <a:solidFill>
+                      <a:schemeClr val="accent4"/>
+                    </a:solidFill>
+                  </a:tcPr>
+                </a:tc>
+                <a:tc>
+                  <a:txBody>
+                    <a:bodyPr/>
+                    <a:lstStyle/>
+                    <a:p>
+                      <a:pPr algn="l"/>
+                      <a:r>
+                        <a:rPr lang="en-US" dirty="0" smtClean="0"/>
+                        <a:t>User</a:t>
+                      </a:r>
+                      <a:endParaRPr lang="en-US" dirty="0"/>
+                    </a:p>
+                  </a:txBody>
+                  <a:tcPr>
+                    <a:solidFill>
+                      <a:schemeClr val="accent6">
+                        <a:lumMod val="75000"/>
+                      </a:schemeClr>
+                    </a:solidFill>
+                  </a:tcPr>
+                </a:tc>
+                <a:tc>
+                  <a:txBody>
+                    <a:bodyPr/>
+                    <a:lstStyle/>
+                    <a:p>
+                      <a:pPr algn="l"/>
+                      <a:r>
+                        <a:rPr lang="en-US" dirty="0" smtClean="0"/>
+                        <a:t>Action</a:t>
+                      </a:r>
+                      <a:endParaRPr lang="en-US" dirty="0"/>
+                    </a:p>
+                  </a:txBody>
+                  <a:tcPr>
+                    <a:solidFill>
+                      <a:schemeClr val="accent2">
+                        <a:lumMod val="75000"/>
+                      </a:schemeClr>
+                    </a:solidFill>
+                  </a:tcPr>
+                </a:tc>
+                <a:tc>
+                  <a:txBody>
+                    <a:bodyPr/>
+                    <a:lstStyle/>
+                    <a:p>
+                      <a:pPr algn="l"/>
+                      <a:r>
+                        <a:rPr lang="en-US" dirty="0" smtClean="0"/>
+                        <a:t>Logout</a:t>
+                      </a:r>
+                      <a:endParaRPr lang="en-US" dirty="0"/>
+                    </a:p>
+                  </a:txBody>
+                  <a:tcPr>
+                    <a:solidFill>
+                      <a:srgbClr val="00B0F0"/>
+                    </a:solidFill>
+                  </a:tcPr>
+                </a:tc>
+              </a:tr>
+              <a:tr h="511270">
+                <a:tc gridSpan="2">
+                  <a:txBody>
+                    <a:bodyPr/>
+                    <a:lstStyle/>
+                    <a:p>
+                      <a:pPr algn="l"/>
+                      <a:r>
+                        <a:rPr lang="en-US" dirty="0" smtClean="0"/>
+                        <a:t>Vehicle Type</a:t>
+                      </a:r>
+                      <a:endParaRPr lang="en-US" dirty="0"/>
+                    </a:p>
+                  </a:txBody>
+                  <a:tcPr>
+                    <a:solidFill>
+                      <a:schemeClr val="accent1">
+                        <a:lumMod val="75000"/>
+                      </a:schemeClr>
+                    </a:solidFill>
+                  </a:tcPr>
+                </a:tc>
+                <a:tc hMerge="1">
+                  <a:txBody>
+                    <a:bodyPr/>
+                    <a:lstStyle/>
+                    <a:p>
+                      <a:pPr algn="l"/>
+                      <a:endParaRPr lang="en-US" dirty="0"/>
+                    </a:p>
+                  </a:txBody>
+                  <a:tcPr>
+                    <a:solidFill>
+                      <a:schemeClr val="accent1">
+                        <a:lumMod val="75000"/>
+                      </a:schemeClr>
+                    </a:solidFill>
+                  </a:tcPr>
+                </a:tc>
+                <a:tc gridSpan="2">
+                  <a:txBody>
+                    <a:bodyPr/>
+                    <a:lstStyle/>
+                    <a:p>
+                      <a:pPr algn="l"/>
+                      <a:r>
+                        <a:rPr lang="en-US" dirty="0" smtClean="0"/>
+                        <a:t>Add Vehicle</a:t>
+                      </a:r>
+                      <a:endParaRPr lang="en-US" dirty="0"/>
+                    </a:p>
+                  </a:txBody>
+                  <a:tcPr>
+                    <a:solidFill>
+                      <a:schemeClr val="accent1">
+                        <a:lumMod val="75000"/>
+                      </a:schemeClr>
+                    </a:solidFill>
+                  </a:tcPr>
+                </a:tc>
+                <a:tc hMerge="1">
+                  <a:txBody>
+                    <a:bodyPr/>
+                    <a:lstStyle/>
+                    <a:p>
+                      <a:pPr algn="l"/>
+                      <a:endParaRPr lang="en-US" dirty="0"/>
+                    </a:p>
+                  </a:txBody>
+                  <a:tcPr>
+                    <a:solidFill>
+                      <a:schemeClr val="accent1">
+                        <a:lumMod val="75000"/>
+                      </a:schemeClr>
+                    </a:solidFill>
+                  </a:tcPr>
+                </a:tc>
+                <a:tc gridSpan="2">
+                  <a:txBody>
+                    <a:bodyPr/>
+                    <a:lstStyle/>
+                    <a:p>
+                      <a:pPr algn="l"/>
+                      <a:r>
+                        <a:rPr lang="en-US" dirty="0" smtClean="0"/>
+                        <a:t>Vehicle List</a:t>
+                      </a:r>
+                      <a:endParaRPr lang="en-US" dirty="0"/>
+                    </a:p>
+                  </a:txBody>
+                  <a:tcPr>
+                    <a:solidFill>
+                      <a:schemeClr val="accent1">
+                        <a:lumMod val="75000"/>
+                      </a:schemeClr>
+                    </a:solidFill>
+                  </a:tcPr>
+                </a:tc>
+                <a:tc hMerge="1">
+                  <a:txBody>
+                    <a:bodyPr/>
+                    <a:lstStyle/>
+                    <a:p>
+                      <a:pPr algn="l"/>
+                      <a:endParaRPr lang="en-US" dirty="0"/>
+                    </a:p>
+                  </a:txBody>
+                  <a:tcPr>
+                    <a:solidFill>
+                      <a:schemeClr val="accent1">
+                        <a:lumMod val="75000"/>
+                      </a:schemeClr>
+                    </a:solidFill>
+                  </a:tcPr>
+                </a:tc>
+              </a:tr>
+              <a:tr h="511270">
+                <a:tc gridSpan="3">
+                  <a:txBody>
+                    <a:bodyPr/>
+                    <a:lstStyle/>
+                    <a:p>
+                      <a:pPr algn="l"/>
+                      <a:r>
+                        <a:rPr lang="en-US" dirty="0" smtClean="0"/>
+                        <a:t>Add Driver</a:t>
+                      </a:r>
+                      <a:endParaRPr lang="en-US" dirty="0"/>
+                    </a:p>
+                  </a:txBody>
+                  <a:tcPr>
+                    <a:solidFill>
+                      <a:schemeClr val="accent4"/>
+                    </a:solidFill>
+                  </a:tcPr>
+                </a:tc>
+                <a:tc hMerge="1">
+                  <a:txBody>
+                    <a:bodyPr/>
+                    <a:lstStyle/>
+                    <a:p>
+                      <a:endParaRPr lang="en-US"/>
+                    </a:p>
+                  </a:txBody>
+                  <a:tcPr/>
+                </a:tc>
+                <a:tc hMerge="1">
+                  <a:txBody>
+                    <a:bodyPr/>
+                    <a:lstStyle/>
+                    <a:p>
+                      <a:pPr algn="l"/>
+                      <a:endParaRPr lang="en-US" dirty="0"/>
+                    </a:p>
+                  </a:txBody>
+                  <a:tcPr>
+                    <a:solidFill>
+                      <a:schemeClr val="accent4"/>
+                    </a:solidFill>
+                  </a:tcPr>
+                </a:tc>
+                <a:tc gridSpan="3">
+                  <a:txBody>
+                    <a:bodyPr/>
+                    <a:lstStyle/>
+                    <a:p>
+                      <a:pPr algn="l"/>
+                      <a:r>
+                        <a:rPr lang="en-US" dirty="0" smtClean="0"/>
+                        <a:t>Driver List </a:t>
+                      </a:r>
+                    </a:p>
+                  </a:txBody>
+                  <a:tcPr>
+                    <a:solidFill>
+                      <a:schemeClr val="accent4"/>
+                    </a:solidFill>
+                  </a:tcPr>
+                </a:tc>
+                <a:tc hMerge="1">
+                  <a:txBody>
+                    <a:bodyPr/>
+                    <a:lstStyle/>
+                    <a:p>
+                      <a:pPr algn="l"/>
+                      <a:endParaRPr lang="en-US" dirty="0"/>
+                    </a:p>
+                  </a:txBody>
+                  <a:tcPr>
+                    <a:solidFill>
+                      <a:schemeClr val="accent4"/>
+                    </a:solidFill>
+                  </a:tcPr>
+                </a:tc>
+                <a:tc hMerge="1">
+                  <a:txBody>
+                    <a:bodyPr/>
+                    <a:lstStyle/>
+                    <a:p>
+                      <a:endParaRPr lang="en-US"/>
+                    </a:p>
+                  </a:txBody>
+                  <a:tcPr/>
+                </a:tc>
+              </a:tr>
+              <a:tr h="511270">
+                <a:tc gridSpan="2">
+                  <a:txBody>
+                    <a:bodyPr/>
+                    <a:lstStyle/>
+                    <a:p>
+                      <a:pPr algn="l"/>
+                      <a:r>
+                        <a:rPr lang="en-US" dirty="0" smtClean="0"/>
+                        <a:t>Add Designation</a:t>
+                      </a:r>
+                      <a:endParaRPr lang="en-US" dirty="0"/>
+                    </a:p>
+                  </a:txBody>
+                  <a:tcPr>
+                    <a:solidFill>
+                      <a:schemeClr val="accent6">
+                        <a:lumMod val="75000"/>
+                      </a:schemeClr>
+                    </a:solidFill>
+                  </a:tcPr>
+                </a:tc>
+                <a:tc hMerge="1">
+                  <a:txBody>
+                    <a:bodyPr/>
+                    <a:lstStyle/>
+                    <a:p>
+                      <a:endParaRPr lang="en-US"/>
+                    </a:p>
+                  </a:txBody>
+                  <a:tcPr/>
+                </a:tc>
+                <a:tc gridSpan="2">
+                  <a:txBody>
+                    <a:bodyPr/>
+                    <a:lstStyle/>
+                    <a:p>
+                      <a:pPr algn="l"/>
+                      <a:r>
+                        <a:rPr lang="en-US" dirty="0" smtClean="0"/>
+                        <a:t>Add </a:t>
+                      </a:r>
+                      <a:r>
+                        <a:rPr lang="en-US" baseline="0" dirty="0" smtClean="0"/>
+                        <a:t> User</a:t>
+                      </a:r>
+                      <a:endParaRPr lang="en-US" dirty="0"/>
+                    </a:p>
+                  </a:txBody>
+                  <a:tcPr>
+                    <a:solidFill>
+                      <a:schemeClr val="accent6">
+                        <a:lumMod val="75000"/>
+                      </a:schemeClr>
+                    </a:solidFill>
+                  </a:tcPr>
+                </a:tc>
+                <a:tc hMerge="1">
+                  <a:txBody>
+                    <a:bodyPr/>
+                    <a:lstStyle/>
+                    <a:p>
+                      <a:pPr algn="l"/>
+                      <a:endParaRPr lang="en-US" dirty="0" smtClean="0"/>
+                    </a:p>
+                  </a:txBody>
+                  <a:tcPr>
+                    <a:solidFill>
+                      <a:schemeClr val="accent6">
+                        <a:lumMod val="75000"/>
+                      </a:schemeClr>
+                    </a:solidFill>
+                  </a:tcPr>
+                </a:tc>
+                <a:tc gridSpan="2">
+                  <a:txBody>
+                    <a:bodyPr/>
+                    <a:lstStyle/>
+                    <a:p>
+                      <a:pPr algn="l"/>
+                      <a:r>
+                        <a:rPr lang="en-US" dirty="0" smtClean="0"/>
+                        <a:t>User List</a:t>
+                      </a:r>
+                      <a:endParaRPr lang="en-US" dirty="0"/>
+                    </a:p>
+                  </a:txBody>
+                  <a:tcPr>
+                    <a:solidFill>
+                      <a:schemeClr val="accent6">
+                        <a:lumMod val="75000"/>
+                      </a:schemeClr>
+                    </a:solidFill>
+                  </a:tcPr>
+                </a:tc>
+                <a:tc hMerge="1">
+                  <a:txBody>
+                    <a:bodyPr/>
+                    <a:lstStyle/>
+                    <a:p>
+                      <a:endParaRPr lang="en-US"/>
+                    </a:p>
+                  </a:txBody>
+                  <a:tcPr/>
+                </a:tc>
+              </a:tr>
+              <a:tr h="511270">
+                <a:tc gridSpan="6">
+                  <a:txBody>
+                    <a:bodyPr/>
+                    <a:lstStyle/>
+                    <a:p>
+                      <a:pPr algn="l"/>
+                      <a:r>
+                        <a:rPr lang="en-US" dirty="0" smtClean="0"/>
+                        <a:t>Action Details</a:t>
+                      </a:r>
+                      <a:endParaRPr lang="en-US" dirty="0"/>
+                    </a:p>
+                  </a:txBody>
+                  <a:tcPr>
+                    <a:solidFill>
+                      <a:schemeClr val="accent2">
+                        <a:lumMod val="75000"/>
+                      </a:schemeClr>
+                    </a:solidFill>
+                  </a:tcPr>
+                </a:tc>
+                <a:tc hMerge="1">
+                  <a:txBody>
+                    <a:bodyPr/>
+                    <a:lstStyle/>
+                    <a:p>
+                      <a:endParaRPr lang="en-US"/>
+                    </a:p>
+                  </a:txBody>
+                  <a:tcPr/>
+                </a:tc>
+                <a:tc hMerge="1">
+                  <a:txBody>
+                    <a:bodyPr/>
+                    <a:lstStyle/>
+                    <a:p>
+                      <a:pPr algn="l"/>
+                      <a:endParaRPr lang="en-US" dirty="0"/>
+                    </a:p>
+                  </a:txBody>
+                  <a:tcPr>
+                    <a:solidFill>
+                      <a:schemeClr val="accent2">
+                        <a:lumMod val="75000"/>
+                      </a:schemeClr>
+                    </a:solidFill>
+                  </a:tcPr>
+                </a:tc>
+                <a:tc hMerge="1">
+                  <a:txBody>
+                    <a:bodyPr/>
+                    <a:lstStyle/>
+                    <a:p>
+                      <a:endParaRPr lang="en-US"/>
+                    </a:p>
+                  </a:txBody>
+                  <a:tcPr/>
+                </a:tc>
+                <a:tc hMerge="1">
+                  <a:txBody>
+                    <a:bodyPr/>
+                    <a:lstStyle/>
+                    <a:p>
+                      <a:pPr algn="l"/>
+                      <a:endParaRPr lang="en-US" dirty="0"/>
+                    </a:p>
+                  </a:txBody>
+                  <a:tcPr>
+                    <a:solidFill>
+                      <a:schemeClr val="accent2">
+                        <a:lumMod val="75000"/>
+                      </a:schemeClr>
+                    </a:solidFill>
+                  </a:tcPr>
+                </a:tc>
+                <a:tc hMerge="1">
+                  <a:txBody>
+                    <a:bodyPr/>
+                    <a:lstStyle/>
+                    <a:p>
+                      <a:endParaRPr lang="en-US"/>
+                    </a:p>
+                  </a:txBody>
+                  <a:tcPr/>
+                </a:tc>
+              </a:tr>
+            </a:tbl>
+          </a:graphicData>
+        </a:graphic>
+      </p:graphicFrame>
+    </p:spTree>
+    <p:extLst>
+      <p:ext uri="{BB962C8B-B14F-4D97-AF65-F5344CB8AC3E}">
+        <p14:creationId xmlns:p14="http://schemas.microsoft.com/office/powerpoint/2010/main" val="3513687348"/>
+      </p:ext>
+    </p:extLst>
+  </p:cSld>
+  <p:clrMapOvr>
+    <a:masterClrMapping/>
+  </p:clrMapOvr>
+  <p:timing>
+    <p:tnLst>
+      <p:par>
+        <p:cTn id="1" dur="indefinite" restart="never" nodeType="tmRoot"/>
+      </p:par>
+    </p:tnLst>
+  </p:timing>
+</p:sld>
+</file>
+
+<file path=ppt/slides/slide15.xml><?xml version="1.0" encoding="utf-8"?>
 <p:sld xmlns:a="http://schemas.openxmlformats.org/drawingml/2006/main" xmlns:r="http://schemas.openxmlformats.org/officeDocument/2006/relationships" xmlns:p="http://schemas.openxmlformats.org/presentationml/2006/main">
   <p:cSld>
     <p:bg>
@@ -4590,7 +6298,7 @@
     </p:spTree>
     <p:extLst>
       <p:ext uri="{BB962C8B-B14F-4D97-AF65-F5344CB8AC3E}">
-        <p14:creationId xmlns:p14="http://schemas.microsoft.com/office/powerpoint/2010/main" xmlns="" val="849137660"/>
+        <p14:creationId xmlns:p14="http://schemas.microsoft.com/office/powerpoint/2010/main" val="849137660"/>
       </p:ext>
     </p:extLst>
   </p:cSld>
@@ -4748,7 +6456,7 @@
           <a:blip r:embed="rId2">
             <a:extLst>
               <a:ext uri="{28A0092B-C50C-407E-A947-70E740481C1C}">
-                <a14:useLocalDpi xmlns:a14="http://schemas.microsoft.com/office/drawing/2010/main" xmlns="" val="0"/>
+                <a14:useLocalDpi xmlns:a14="http://schemas.microsoft.com/office/drawing/2010/main" val="0"/>
               </a:ext>
             </a:extLst>
           </a:blip>
@@ -4769,7 +6477,7 @@
     </p:spTree>
     <p:extLst>
       <p:ext uri="{BB962C8B-B14F-4D97-AF65-F5344CB8AC3E}">
-        <p14:creationId xmlns:p14="http://schemas.microsoft.com/office/powerpoint/2010/main" xmlns="" val="2853610896"/>
+        <p14:creationId xmlns:p14="http://schemas.microsoft.com/office/powerpoint/2010/main" val="2853610896"/>
       </p:ext>
     </p:extLst>
   </p:cSld>
@@ -5411,7 +7119,7 @@
     </p:spTree>
     <p:extLst>
       <p:ext uri="{BB962C8B-B14F-4D97-AF65-F5344CB8AC3E}">
-        <p14:creationId xmlns:p14="http://schemas.microsoft.com/office/powerpoint/2010/main" xmlns="" val="1445338898"/>
+        <p14:creationId xmlns:p14="http://schemas.microsoft.com/office/powerpoint/2010/main" val="1445338898"/>
       </p:ext>
     </p:extLst>
   </p:cSld>
@@ -5930,7 +7638,7 @@
     </p:spTree>
     <p:extLst>
       <p:ext uri="{BB962C8B-B14F-4D97-AF65-F5344CB8AC3E}">
-        <p14:creationId xmlns:p14="http://schemas.microsoft.com/office/powerpoint/2010/main" xmlns="" val="1057660879"/>
+        <p14:creationId xmlns:p14="http://schemas.microsoft.com/office/powerpoint/2010/main" val="1057660879"/>
       </p:ext>
     </p:extLst>
   </p:cSld>
@@ -6377,7 +8085,7 @@
     </p:spTree>
     <p:extLst>
       <p:ext uri="{BB962C8B-B14F-4D97-AF65-F5344CB8AC3E}">
-        <p14:creationId xmlns:p14="http://schemas.microsoft.com/office/powerpoint/2010/main" xmlns="" val="4108372936"/>
+        <p14:creationId xmlns:p14="http://schemas.microsoft.com/office/powerpoint/2010/main" val="4108372936"/>
       </p:ext>
     </p:extLst>
   </p:cSld>
@@ -6471,11 +8179,7 @@
             </a:r>
             <a:r>
               <a:rPr lang="en-US" b="1" dirty="0" smtClean="0"/>
-              <a:t> </a:t>
-            </a:r>
-            <a:r>
-              <a:rPr lang="en-US" b="1" dirty="0" smtClean="0"/>
-              <a:t>Entry Form (Controller)</a:t>
+              <a:t> Entry Form (Controller)</a:t>
             </a:r>
             <a:endParaRPr lang="en-US" b="1" dirty="0"/>
           </a:p>
@@ -6496,7 +8200,7 @@
         </p:spPr>
         <p:txBody>
           <a:bodyPr>
-            <a:normAutofit fontScale="92500" lnSpcReduction="10000"/>
+            <a:normAutofit/>
           </a:bodyPr>
           <a:lstStyle/>
           <a:p>
@@ -6522,17 +8226,40 @@
             </a:pPr>
             <a:r>
               <a:rPr lang="en-US" dirty="0" smtClean="0"/>
+              <a:t>	Id;</a:t>
+            </a:r>
+          </a:p>
+          <a:p>
+            <a:pPr marL="0" indent="0">
+              <a:buNone/>
+            </a:pPr>
+            <a:r>
+              <a:rPr lang="en-US" dirty="0"/>
               <a:t>	</a:t>
             </a:r>
             <a:r>
-              <a:rPr lang="en-US" dirty="0" smtClean="0"/>
-              <a:t>Id</a:t>
+              <a:rPr lang="en-US" dirty="0" err="1" smtClean="0"/>
+              <a:t>TypeName</a:t>
             </a:r>
             <a:r>
               <a:rPr lang="en-US" dirty="0" smtClean="0"/>
               <a:t>;</a:t>
             </a:r>
-            <a:endParaRPr lang="en-US" dirty="0" smtClean="0"/>
+          </a:p>
+          <a:p>
+            <a:pPr marL="0" indent="0">
+              <a:buNone/>
+            </a:pPr>
+            <a:r>
+              <a:rPr lang="en-US" dirty="0" smtClean="0"/>
+              <a:t>	Description;</a:t>
+            </a:r>
+          </a:p>
+          <a:p>
+            <a:r>
+              <a:rPr lang="en-US" dirty="0" smtClean="0"/>
+              <a:t>Activity:</a:t>
+            </a:r>
           </a:p>
           <a:p>
             <a:pPr marL="0" indent="0">
@@ -6544,12 +8271,13 @@
             </a:r>
             <a:r>
               <a:rPr lang="en-US" dirty="0" err="1" smtClean="0"/>
-              <a:t>TypeName</a:t>
+              <a:t>CreateType</a:t>
             </a:r>
             <a:r>
               <a:rPr lang="en-US" dirty="0" smtClean="0"/>
-              <a:t>;</a:t>
-            </a:r>
+              <a:t>();</a:t>
+            </a:r>
+            <a:endParaRPr lang="en-US" dirty="0"/>
           </a:p>
           <a:p>
             <a:pPr marL="0" indent="0">
@@ -6560,84 +8288,8 @@
               <a:t>	</a:t>
             </a:r>
             <a:r>
-              <a:rPr lang="en-US" dirty="0" smtClean="0"/>
-              <a:t>Description;</a:t>
-            </a:r>
-          </a:p>
-          <a:p>
-            <a:r>
-              <a:rPr lang="en-US" dirty="0" smtClean="0"/>
-              <a:t>Activity:</a:t>
-            </a:r>
-          </a:p>
-          <a:p>
-            <a:pPr marL="0" indent="0">
-              <a:buNone/>
-            </a:pPr>
-            <a:r>
-              <a:rPr lang="en-US" dirty="0"/>
-              <a:t>	</a:t>
-            </a:r>
-            <a:r>
               <a:rPr lang="en-US" dirty="0" err="1" smtClean="0"/>
-              <a:t>CreateType</a:t>
-            </a:r>
-            <a:r>
-              <a:rPr lang="en-US" dirty="0" smtClean="0"/>
-              <a:t>();</a:t>
-            </a:r>
-            <a:endParaRPr lang="en-US" dirty="0"/>
-          </a:p>
-          <a:p>
-            <a:pPr marL="0" indent="0">
-              <a:buNone/>
-            </a:pPr>
-            <a:r>
-              <a:rPr lang="en-US" dirty="0" smtClean="0"/>
-              <a:t>	</a:t>
-            </a:r>
-            <a:r>
-              <a:rPr lang="en-US" dirty="0" err="1" smtClean="0"/>
-              <a:t>Type</a:t>
-            </a:r>
-            <a:r>
-              <a:rPr lang="en-US" dirty="0" err="1" smtClean="0"/>
-              <a:t>List</a:t>
-            </a:r>
-            <a:r>
-              <a:rPr lang="en-US" dirty="0" smtClean="0"/>
-              <a:t>();</a:t>
-            </a:r>
-          </a:p>
-          <a:p>
-            <a:pPr marL="0" indent="0">
-              <a:buNone/>
-            </a:pPr>
-            <a:r>
-              <a:rPr lang="en-US" dirty="0"/>
-              <a:t>	</a:t>
-            </a:r>
-            <a:r>
-              <a:rPr lang="en-US" dirty="0" err="1" smtClean="0"/>
-              <a:t>EditType</a:t>
-            </a:r>
-            <a:r>
-              <a:rPr lang="en-US" dirty="0" smtClean="0"/>
-              <a:t>();</a:t>
-            </a:r>
-            <a:endParaRPr lang="en-US" dirty="0" smtClean="0"/>
-          </a:p>
-          <a:p>
-            <a:pPr marL="0" indent="0">
-              <a:buNone/>
-            </a:pPr>
-            <a:r>
-              <a:rPr lang="en-US" dirty="0"/>
-              <a:t>	</a:t>
-            </a:r>
-            <a:r>
-              <a:rPr lang="en-US" dirty="0" err="1" smtClean="0"/>
-              <a:t>DeleteType</a:t>
+              <a:t>TypeList</a:t>
             </a:r>
             <a:r>
               <a:rPr lang="en-US" dirty="0" smtClean="0"/>
@@ -6666,7 +8318,7 @@
             <p:ph sz="half" idx="2"/>
             <p:extLst>
               <p:ext uri="{D42A27DB-BD31-4B8C-83A1-F6EECF244321}">
-                <p14:modId xmlns:p14="http://schemas.microsoft.com/office/powerpoint/2010/main" xmlns="" val="2080387988"/>
+                <p14:modId xmlns:p14="http://schemas.microsoft.com/office/powerpoint/2010/main" val="3563222527"/>
               </p:ext>
             </p:extLst>
           </p:nvPr>
@@ -6724,6 +8376,10 @@
                       <a:r>
                         <a:rPr lang="en-US" dirty="0" err="1" smtClean="0"/>
                         <a:t>TypeName</a:t>
+                      </a:r>
+                      <a:r>
+                        <a:rPr lang="en-US" dirty="0" smtClean="0"/>
+                        <a:t>*</a:t>
                       </a:r>
                       <a:endParaRPr lang="en-US" dirty="0"/>
                     </a:p>
@@ -6793,7 +8449,7 @@
     </p:spTree>
     <p:extLst>
       <p:ext uri="{BB962C8B-B14F-4D97-AF65-F5344CB8AC3E}">
-        <p14:creationId xmlns:p14="http://schemas.microsoft.com/office/powerpoint/2010/main" xmlns="" val="2831550741"/>
+        <p14:creationId xmlns:p14="http://schemas.microsoft.com/office/powerpoint/2010/main" val="2831550741"/>
       </p:ext>
     </p:extLst>
   </p:cSld>
@@ -6904,7 +8560,7 @@
         </p:spPr>
         <p:txBody>
           <a:bodyPr>
-            <a:normAutofit fontScale="70000" lnSpcReduction="20000"/>
+            <a:normAutofit fontScale="85000" lnSpcReduction="20000"/>
           </a:bodyPr>
           <a:lstStyle/>
           <a:p>
@@ -6930,7 +8586,20 @@
             </a:pPr>
             <a:r>
               <a:rPr lang="en-US" dirty="0" smtClean="0"/>
-              <a:t>	Id</a:t>
+              <a:t>	Id;</a:t>
+            </a:r>
+          </a:p>
+          <a:p>
+            <a:pPr marL="457200" lvl="1" indent="0">
+              <a:buNone/>
+            </a:pPr>
+            <a:r>
+              <a:rPr lang="en-US" dirty="0" smtClean="0"/>
+              <a:t>	 </a:t>
+            </a:r>
+            <a:r>
+              <a:rPr lang="en-US" dirty="0" err="1" smtClean="0"/>
+              <a:t>VehicleTypeId</a:t>
             </a:r>
             <a:r>
               <a:rPr lang="en-US" dirty="0" smtClean="0"/>
@@ -6938,7 +8607,7 @@
             </a:r>
           </a:p>
           <a:p>
-            <a:pPr marL="457200" lvl="1" indent="0">
+            <a:pPr marL="0" indent="0">
               <a:buNone/>
             </a:pPr>
             <a:r>
@@ -6946,18 +8615,26 @@
               <a:t>	</a:t>
             </a:r>
             <a:r>
-              <a:rPr lang="en-US" dirty="0" smtClean="0"/>
-              <a:t> </a:t>
-            </a:r>
-            <a:r>
               <a:rPr lang="en-US" dirty="0" err="1" smtClean="0"/>
-              <a:t>VehicleTypeId</a:t>
+              <a:t>RegNo</a:t>
             </a:r>
             <a:r>
               <a:rPr lang="en-US" dirty="0" smtClean="0"/>
               <a:t>;</a:t>
             </a:r>
-            <a:endParaRPr lang="en-US" dirty="0" smtClean="0"/>
+          </a:p>
+          <a:p>
+            <a:pPr marL="0" indent="0">
+              <a:buNone/>
+            </a:pPr>
+            <a:r>
+              <a:rPr lang="en-US" dirty="0"/>
+              <a:t>	</a:t>
+            </a:r>
+            <a:r>
+              <a:rPr lang="en-US" dirty="0" smtClean="0"/>
+              <a:t>Description;</a:t>
+            </a:r>
           </a:p>
           <a:p>
             <a:pPr marL="0" indent="0">
@@ -6969,7 +8646,7 @@
             </a:r>
             <a:r>
               <a:rPr lang="en-US" dirty="0" err="1" smtClean="0"/>
-              <a:t>RegNo</a:t>
+              <a:t>DriverId</a:t>
             </a:r>
             <a:r>
               <a:rPr lang="en-US" dirty="0" smtClean="0"/>
@@ -6985,13 +8662,38 @@
               <a:t>	</a:t>
             </a:r>
             <a:r>
-              <a:rPr lang="en-US" dirty="0" smtClean="0"/>
-              <a:t>Description</a:t>
+              <a:rPr lang="en-US" dirty="0" err="1" smtClean="0"/>
+              <a:t>IsDelete</a:t>
             </a:r>
             <a:r>
               <a:rPr lang="en-US" dirty="0" smtClean="0"/>
               <a:t>;</a:t>
             </a:r>
+            <a:endParaRPr lang="en-US" dirty="0"/>
+          </a:p>
+          <a:p>
+            <a:r>
+              <a:rPr lang="en-US" dirty="0"/>
+              <a:t>Activity:</a:t>
+            </a:r>
+          </a:p>
+          <a:p>
+            <a:pPr marL="0" indent="0">
+              <a:buNone/>
+            </a:pPr>
+            <a:r>
+              <a:rPr lang="en-US" dirty="0"/>
+              <a:t>	</a:t>
+            </a:r>
+            <a:r>
+              <a:rPr lang="en-US" dirty="0" err="1" smtClean="0"/>
+              <a:t>CreateVehicle</a:t>
+            </a:r>
+            <a:r>
+              <a:rPr lang="en-US" dirty="0" smtClean="0"/>
+              <a:t>();</a:t>
+            </a:r>
+            <a:endParaRPr lang="en-US" dirty="0"/>
           </a:p>
           <a:p>
             <a:pPr marL="0" indent="0">
@@ -7003,106 +8705,13 @@
             </a:r>
             <a:r>
               <a:rPr lang="en-US" dirty="0" err="1" smtClean="0"/>
-              <a:t>DriverId</a:t>
-            </a:r>
-            <a:r>
-              <a:rPr lang="en-US" dirty="0" smtClean="0"/>
-              <a:t>;</a:t>
-            </a:r>
-            <a:endParaRPr lang="en-US" dirty="0" smtClean="0"/>
-          </a:p>
-          <a:p>
-            <a:pPr marL="0" indent="0">
-              <a:buNone/>
-            </a:pPr>
-            <a:r>
-              <a:rPr lang="en-US" dirty="0"/>
-              <a:t>	</a:t>
-            </a:r>
-            <a:r>
-              <a:rPr lang="en-US" dirty="0" err="1" smtClean="0"/>
-              <a:t>IsDelete</a:t>
-            </a:r>
-            <a:r>
-              <a:rPr lang="en-US" dirty="0" smtClean="0"/>
-              <a:t>;</a:t>
-            </a:r>
-            <a:endParaRPr lang="en-US" dirty="0"/>
-          </a:p>
-          <a:p>
-            <a:r>
-              <a:rPr lang="en-US" dirty="0"/>
-              <a:t>Activity:</a:t>
-            </a:r>
-          </a:p>
-          <a:p>
-            <a:pPr marL="0" indent="0">
-              <a:buNone/>
-            </a:pPr>
-            <a:r>
-              <a:rPr lang="en-US" dirty="0"/>
-              <a:t>	</a:t>
-            </a:r>
-            <a:r>
-              <a:rPr lang="en-US" dirty="0" err="1" smtClean="0"/>
-              <a:t>CreateVehicle</a:t>
+              <a:t>VehicleList</a:t>
             </a:r>
             <a:r>
               <a:rPr lang="en-US" dirty="0" smtClean="0"/>
               <a:t>();</a:t>
             </a:r>
-            <a:endParaRPr lang="en-US" dirty="0"/>
-          </a:p>
-          <a:p>
-            <a:pPr marL="0" indent="0">
-              <a:buNone/>
-            </a:pPr>
-            <a:r>
-              <a:rPr lang="en-US" dirty="0" smtClean="0"/>
-              <a:t>	</a:t>
-            </a:r>
-            <a:r>
-              <a:rPr lang="en-US" dirty="0" err="1" smtClean="0"/>
-              <a:t>VehicleList</a:t>
-            </a:r>
-            <a:r>
-              <a:rPr lang="en-US" dirty="0" smtClean="0"/>
-              <a:t>();</a:t>
-            </a:r>
-          </a:p>
-          <a:p>
-            <a:pPr marL="0" indent="0">
-              <a:buNone/>
-            </a:pPr>
-            <a:r>
-              <a:rPr lang="en-US" dirty="0"/>
-              <a:t>	</a:t>
-            </a:r>
-            <a:r>
-              <a:rPr lang="en-US" dirty="0" err="1" smtClean="0"/>
-              <a:t>EditVehicle</a:t>
-            </a:r>
-            <a:r>
-              <a:rPr lang="en-US" dirty="0" smtClean="0"/>
-              <a:t>();</a:t>
-            </a:r>
-          </a:p>
-          <a:p>
-            <a:pPr marL="0" indent="0">
-              <a:buNone/>
-            </a:pPr>
-            <a:r>
-              <a:rPr lang="en-US" dirty="0"/>
-              <a:t>	</a:t>
-            </a:r>
-            <a:r>
-              <a:rPr lang="en-US" dirty="0" err="1" smtClean="0"/>
-              <a:t>DeleteVehicle</a:t>
-            </a:r>
-            <a:r>
-              <a:rPr lang="en-US" dirty="0" smtClean="0"/>
-              <a:t>();</a:t>
-            </a:r>
+            <a:endParaRPr lang="en-US" dirty="0" smtClean="0"/>
           </a:p>
           <a:p>
             <a:pPr marL="0" indent="0">
@@ -7125,7 +8734,7 @@
             <p:ph sz="half" idx="2"/>
             <p:extLst>
               <p:ext uri="{D42A27DB-BD31-4B8C-83A1-F6EECF244321}">
-                <p14:modId xmlns:p14="http://schemas.microsoft.com/office/powerpoint/2010/main" xmlns="" val="2080387988"/>
+                <p14:modId xmlns:p14="http://schemas.microsoft.com/office/powerpoint/2010/main" val="2080387988"/>
               </p:ext>
             </p:extLst>
           </p:nvPr>
@@ -7233,11 +8842,7 @@
                       </a:r>
                       <a:r>
                         <a:rPr lang="en-US" baseline="0" dirty="0" smtClean="0"/>
-                        <a:t> </a:t>
-                      </a:r>
-                      <a:r>
-                        <a:rPr lang="en-US" baseline="0" dirty="0" smtClean="0"/>
-                        <a:t>No*</a:t>
+                        <a:t> No*</a:t>
                       </a:r>
                       <a:endParaRPr lang="en-US" dirty="0" smtClean="0"/>
                     </a:p>
@@ -7336,7 +8941,7 @@
     </p:spTree>
     <p:extLst>
       <p:ext uri="{BB962C8B-B14F-4D97-AF65-F5344CB8AC3E}">
-        <p14:creationId xmlns:p14="http://schemas.microsoft.com/office/powerpoint/2010/main" xmlns="" val="2831550741"/>
+        <p14:creationId xmlns:p14="http://schemas.microsoft.com/office/powerpoint/2010/main" val="2831550741"/>
       </p:ext>
     </p:extLst>
   </p:cSld>
@@ -7447,7 +9052,7 @@
         </p:spPr>
         <p:txBody>
           <a:bodyPr>
-            <a:normAutofit fontScale="55000" lnSpcReduction="20000"/>
+            <a:normAutofit fontScale="70000" lnSpcReduction="20000"/>
           </a:bodyPr>
           <a:lstStyle/>
           <a:p>
@@ -7529,13 +9134,8 @@
             </a:pPr>
             <a:r>
               <a:rPr lang="en-US" dirty="0" smtClean="0"/>
-              <a:t>	</a:t>
-            </a:r>
-            <a:r>
-              <a:rPr lang="en-US" dirty="0" smtClean="0"/>
-              <a:t>NID;</a:t>
-            </a:r>
-            <a:endParaRPr lang="en-US" dirty="0" smtClean="0"/>
+              <a:t>	NID;</a:t>
+            </a:r>
           </a:p>
           <a:p>
             <a:pPr marL="0" indent="0">
@@ -7547,7 +9147,20 @@
             </a:r>
             <a:r>
               <a:rPr lang="en-US" dirty="0" smtClean="0"/>
-              <a:t>Address</a:t>
+              <a:t>Address;</a:t>
+            </a:r>
+          </a:p>
+          <a:p>
+            <a:pPr marL="0" indent="0">
+              <a:buNone/>
+            </a:pPr>
+            <a:r>
+              <a:rPr lang="en-US" dirty="0" smtClean="0"/>
+              <a:t>	</a:t>
+            </a:r>
+            <a:r>
+              <a:rPr lang="en-US" dirty="0" err="1" smtClean="0"/>
+              <a:t>VehicleId</a:t>
             </a:r>
             <a:r>
               <a:rPr lang="en-US" dirty="0" smtClean="0"/>
@@ -7559,106 +9172,54 @@
               <a:buNone/>
             </a:pPr>
             <a:r>
+              <a:rPr lang="en-US" dirty="0"/>
+              <a:t>	</a:t>
+            </a:r>
+            <a:r>
+              <a:rPr lang="en-US" dirty="0" err="1" smtClean="0"/>
+              <a:t>IsDelete</a:t>
+            </a:r>
+            <a:r>
+              <a:rPr lang="en-US" dirty="0" smtClean="0"/>
+              <a:t>;</a:t>
+            </a:r>
+            <a:endParaRPr lang="en-US" dirty="0"/>
+          </a:p>
+          <a:p>
+            <a:r>
+              <a:rPr lang="en-US" dirty="0"/>
+              <a:t>Activity:</a:t>
+            </a:r>
+          </a:p>
+          <a:p>
+            <a:pPr marL="0" indent="0">
+              <a:buNone/>
+            </a:pPr>
+            <a:r>
+              <a:rPr lang="en-US" dirty="0"/>
+              <a:t>	</a:t>
+            </a:r>
+            <a:r>
+              <a:rPr lang="en-US" dirty="0" err="1" smtClean="0"/>
+              <a:t>CreateDriver</a:t>
+            </a:r>
+            <a:r>
+              <a:rPr lang="en-US" dirty="0" smtClean="0"/>
+              <a:t>();</a:t>
+            </a:r>
+            <a:endParaRPr lang="en-US" dirty="0"/>
+          </a:p>
+          <a:p>
+            <a:pPr marL="0" indent="0">
+              <a:buNone/>
+            </a:pPr>
+            <a:r>
               <a:rPr lang="en-US" dirty="0" smtClean="0"/>
               <a:t>	</a:t>
             </a:r>
             <a:r>
               <a:rPr lang="en-US" dirty="0" err="1" smtClean="0"/>
-              <a:t>VehicleId</a:t>
-            </a:r>
-            <a:r>
-              <a:rPr lang="en-US" dirty="0" smtClean="0"/>
-              <a:t>;</a:t>
-            </a:r>
-            <a:endParaRPr lang="en-US" dirty="0" smtClean="0"/>
-          </a:p>
-          <a:p>
-            <a:pPr marL="0" indent="0">
-              <a:buNone/>
-            </a:pPr>
-            <a:r>
-              <a:rPr lang="en-US" dirty="0"/>
-              <a:t>	</a:t>
-            </a:r>
-            <a:r>
-              <a:rPr lang="en-US" dirty="0" err="1" smtClean="0"/>
-              <a:t>IsDelete</a:t>
-            </a:r>
-            <a:r>
-              <a:rPr lang="en-US" dirty="0" smtClean="0"/>
-              <a:t>;</a:t>
-            </a:r>
-            <a:endParaRPr lang="en-US" dirty="0"/>
-          </a:p>
-          <a:p>
-            <a:r>
-              <a:rPr lang="en-US" dirty="0"/>
-              <a:t>Activity:</a:t>
-            </a:r>
-          </a:p>
-          <a:p>
-            <a:pPr marL="0" indent="0">
-              <a:buNone/>
-            </a:pPr>
-            <a:r>
-              <a:rPr lang="en-US" dirty="0"/>
-              <a:t>	</a:t>
-            </a:r>
-            <a:r>
-              <a:rPr lang="en-US" dirty="0" err="1" smtClean="0"/>
-              <a:t>CreateDriver</a:t>
-            </a:r>
-            <a:r>
-              <a:rPr lang="en-US" dirty="0" smtClean="0"/>
-              <a:t>();</a:t>
-            </a:r>
-            <a:endParaRPr lang="en-US" dirty="0"/>
-          </a:p>
-          <a:p>
-            <a:pPr marL="0" indent="0">
-              <a:buNone/>
-            </a:pPr>
-            <a:r>
-              <a:rPr lang="en-US" dirty="0" smtClean="0"/>
-              <a:t>	</a:t>
-            </a:r>
-            <a:r>
-              <a:rPr lang="en-US" dirty="0" err="1" smtClean="0"/>
               <a:t>DriverList</a:t>
-            </a:r>
-            <a:r>
-              <a:rPr lang="en-US" dirty="0" smtClean="0"/>
-              <a:t>();</a:t>
-            </a:r>
-          </a:p>
-          <a:p>
-            <a:pPr marL="0" indent="0">
-              <a:buNone/>
-            </a:pPr>
-            <a:r>
-              <a:rPr lang="en-US" dirty="0"/>
-              <a:t>	</a:t>
-            </a:r>
-            <a:r>
-              <a:rPr lang="en-US" dirty="0" err="1" smtClean="0"/>
-              <a:t>EditDriver</a:t>
-            </a:r>
-            <a:r>
-              <a:rPr lang="en-US" dirty="0" smtClean="0"/>
-              <a:t>();</a:t>
-            </a:r>
-          </a:p>
-          <a:p>
-            <a:pPr marL="0" indent="0">
-              <a:buNone/>
-            </a:pPr>
-            <a:r>
-              <a:rPr lang="en-US" dirty="0"/>
-              <a:t>	</a:t>
-            </a:r>
-            <a:r>
-              <a:rPr lang="en-US" dirty="0" err="1" smtClean="0"/>
-              <a:t>DeleteDriver</a:t>
             </a:r>
             <a:r>
               <a:rPr lang="en-US" dirty="0" smtClean="0"/>
@@ -7686,7 +9247,7 @@
             <p:ph sz="half" idx="2"/>
             <p:extLst>
               <p:ext uri="{D42A27DB-BD31-4B8C-83A1-F6EECF244321}">
-                <p14:modId xmlns:p14="http://schemas.microsoft.com/office/powerpoint/2010/main" xmlns="" val="2092718394"/>
+                <p14:modId xmlns:p14="http://schemas.microsoft.com/office/powerpoint/2010/main" val="2092718394"/>
               </p:ext>
             </p:extLst>
           </p:nvPr>
@@ -7864,7 +9425,6 @@
                         <a:rPr lang="en-US" dirty="0" smtClean="0"/>
                         <a:t>NID</a:t>
                       </a:r>
-                      <a:endParaRPr lang="en-US" dirty="0" smtClean="0"/>
                     </a:p>
                     <a:p>
                       <a:endParaRPr lang="en-US" dirty="0"/>
@@ -7942,7 +9502,7 @@
     </p:spTree>
     <p:extLst>
       <p:ext uri="{BB962C8B-B14F-4D97-AF65-F5344CB8AC3E}">
-        <p14:creationId xmlns:p14="http://schemas.microsoft.com/office/powerpoint/2010/main" xmlns="" val="2907444629"/>
+        <p14:creationId xmlns:p14="http://schemas.microsoft.com/office/powerpoint/2010/main" val="2907444629"/>
       </p:ext>
     </p:extLst>
   </p:cSld>
@@ -8032,15 +9592,15 @@
             <a:pPr algn="ctr"/>
             <a:r>
               <a:rPr lang="en-US" b="1" dirty="0" smtClean="0"/>
-              <a:t>User Registration </a:t>
+              <a:t>User </a:t>
             </a:r>
             <a:r>
               <a:rPr lang="en-US" b="1" dirty="0" smtClean="0"/>
-              <a:t>Form </a:t>
+              <a:t>Designation </a:t>
             </a:r>
             <a:r>
               <a:rPr lang="en-US" b="1" dirty="0" smtClean="0"/>
-              <a:t>(Controller)</a:t>
+              <a:t>Form (Controller)</a:t>
             </a:r>
             <a:endParaRPr lang="en-US" b="1" dirty="0"/>
           </a:p>
@@ -8061,7 +9621,7 @@
         </p:spPr>
         <p:txBody>
           <a:bodyPr>
-            <a:normAutofit fontScale="70000" lnSpcReduction="20000"/>
+            <a:normAutofit/>
           </a:bodyPr>
           <a:lstStyle/>
           <a:p>
@@ -8071,7 +9631,7 @@
             </a:r>
             <a:r>
               <a:rPr lang="en-US" dirty="0" err="1" smtClean="0"/>
-              <a:t>UserInfo</a:t>
+              <a:t>UserDesisgnation</a:t>
             </a:r>
             <a:endParaRPr lang="en-US" dirty="0"/>
           </a:p>
@@ -8087,20 +9647,15 @@
             </a:pPr>
             <a:r>
               <a:rPr lang="en-US" dirty="0" smtClean="0"/>
-              <a:t>	Id;</a:t>
-            </a:r>
-          </a:p>
-          <a:p>
-            <a:pPr marL="0" indent="0">
-              <a:buNone/>
-            </a:pPr>
-            <a:r>
-              <a:rPr lang="en-US" dirty="0"/>
-              <a:t>	Name;</a:t>
-            </a:r>
-          </a:p>
-          <a:p>
-            <a:pPr marL="0" indent="0">
+              <a:t>	Id</a:t>
+            </a:r>
+            <a:r>
+              <a:rPr lang="en-US" dirty="0" smtClean="0"/>
+              <a:t>;</a:t>
+            </a:r>
+          </a:p>
+          <a:p>
+            <a:pPr marL="457200" lvl="1" indent="0">
               <a:buNone/>
             </a:pPr>
             <a:r>
@@ -8109,7 +9664,18 @@
             </a:r>
             <a:r>
               <a:rPr lang="en-US" dirty="0" smtClean="0"/>
-              <a:t>Designation;</a:t>
+              <a:t>Designation</a:t>
+            </a:r>
+            <a:r>
+              <a:rPr lang="en-US" dirty="0" smtClean="0"/>
+              <a:t>;</a:t>
+            </a:r>
+            <a:endParaRPr lang="en-US" dirty="0"/>
+          </a:p>
+          <a:p>
+            <a:r>
+              <a:rPr lang="en-US" dirty="0"/>
+              <a:t>Activity:</a:t>
             </a:r>
           </a:p>
           <a:p>
@@ -8121,10 +9687,13 @@
               <a:t>	</a:t>
             </a:r>
             <a:r>
+              <a:rPr lang="en-US" dirty="0" err="1" smtClean="0"/>
+              <a:t>CreateDesignation</a:t>
+            </a:r>
+            <a:r>
               <a:rPr lang="en-US" dirty="0" smtClean="0"/>
-              <a:t>Email;</a:t>
-            </a:r>
-            <a:endParaRPr lang="en-US" dirty="0"/>
+              <a:t>();</a:t>
+            </a:r>
           </a:p>
           <a:p>
             <a:pPr marL="0" indent="0">
@@ -8135,89 +9704,14 @@
               <a:t>	</a:t>
             </a:r>
             <a:r>
-              <a:rPr lang="en-US" dirty="0" err="1"/>
-              <a:t>ContactNo</a:t>
-            </a:r>
-            <a:r>
-              <a:rPr lang="en-US" dirty="0"/>
-              <a:t>;</a:t>
-            </a:r>
-          </a:p>
-          <a:p>
-            <a:pPr marL="0" indent="0">
-              <a:buNone/>
-            </a:pPr>
-            <a:r>
-              <a:rPr lang="en-US" dirty="0"/>
-              <a:t>	Logo/Image;</a:t>
-            </a:r>
-          </a:p>
-          <a:p>
-            <a:pPr marL="0" indent="0">
-              <a:buNone/>
-            </a:pPr>
-            <a:r>
-              <a:rPr lang="en-US" dirty="0"/>
-              <a:t>	Address;</a:t>
-            </a:r>
-          </a:p>
-          <a:p>
-            <a:r>
-              <a:rPr lang="en-US" dirty="0"/>
-              <a:t>Activity:</a:t>
-            </a:r>
-          </a:p>
-          <a:p>
-            <a:pPr marL="0" indent="0">
-              <a:buNone/>
-            </a:pPr>
-            <a:r>
-              <a:rPr lang="en-US" dirty="0"/>
-              <a:t>	</a:t>
-            </a:r>
-            <a:r>
               <a:rPr lang="en-US" dirty="0" err="1" smtClean="0"/>
-              <a:t>CreateUser</a:t>
+              <a:t>DesignationList</a:t>
             </a:r>
             <a:r>
               <a:rPr lang="en-US" dirty="0" smtClean="0"/>
               <a:t>();</a:t>
             </a:r>
-            <a:endParaRPr lang="en-US" dirty="0"/>
-          </a:p>
-          <a:p>
-            <a:pPr marL="0" indent="0">
-              <a:buNone/>
-            </a:pPr>
-            <a:r>
-              <a:rPr lang="en-US" dirty="0" smtClean="0"/>
-              <a:t>	</a:t>
-            </a:r>
-            <a:r>
-              <a:rPr lang="en-US" dirty="0" err="1" smtClean="0"/>
-              <a:t>GetRegInfo</a:t>
-            </a:r>
-            <a:r>
-              <a:rPr lang="en-US" dirty="0" smtClean="0"/>
-              <a:t>();</a:t>
-            </a:r>
-          </a:p>
-          <a:p>
-            <a:pPr marL="0" indent="0">
-              <a:buNone/>
-            </a:pPr>
-            <a:r>
-              <a:rPr lang="en-US" dirty="0"/>
-              <a:t>	</a:t>
-            </a:r>
-            <a:r>
-              <a:rPr lang="en-US" dirty="0" err="1" smtClean="0"/>
-              <a:t>EditInfo</a:t>
-            </a:r>
-            <a:r>
-              <a:rPr lang="en-US" dirty="0" smtClean="0"/>
-              <a:t>();</a:t>
-            </a:r>
+            <a:endParaRPr lang="en-US" dirty="0" smtClean="0"/>
           </a:p>
           <a:p>
             <a:pPr marL="0" indent="0">
@@ -8240,14 +9734,14 @@
             <p:ph sz="half" idx="2"/>
             <p:extLst>
               <p:ext uri="{D42A27DB-BD31-4B8C-83A1-F6EECF244321}">
-                <p14:modId xmlns:p14="http://schemas.microsoft.com/office/powerpoint/2010/main" xmlns="" val="1020137389"/>
+                <p14:modId xmlns:p14="http://schemas.microsoft.com/office/powerpoint/2010/main" val="2434012625"/>
               </p:ext>
             </p:extLst>
           </p:nvPr>
         </p:nvGraphicFramePr>
         <p:xfrm>
           <a:off x="6172200" y="1825625"/>
-          <a:ext cx="5181600" cy="4054668"/>
+          <a:ext cx="5181600" cy="2027334"/>
         </p:xfrm>
         <a:graphic>
           <a:graphicData uri="http://schemas.openxmlformats.org/drawingml/2006/table">
@@ -8297,7 +9791,7 @@
                     <a:p>
                       <a:r>
                         <a:rPr lang="en-US" dirty="0" smtClean="0"/>
-                        <a:t>Name</a:t>
+                        <a:t>Designation</a:t>
                       </a:r>
                       <a:endParaRPr lang="en-US" dirty="0"/>
                     </a:p>
@@ -8323,85 +9817,7 @@
                     <a:p>
                       <a:r>
                         <a:rPr lang="en-US" dirty="0" smtClean="0"/>
-                        <a:t>Designation</a:t>
-                      </a:r>
-                      <a:endParaRPr lang="en-US" dirty="0"/>
-                    </a:p>
-                  </a:txBody>
-                  <a:tcPr/>
-                </a:tc>
-                <a:tc>
-                  <a:txBody>
-                    <a:bodyPr/>
-                    <a:lstStyle/>
-                    <a:p>
-                      <a:endParaRPr lang="en-US" dirty="0"/>
-                    </a:p>
-                  </a:txBody>
-                  <a:tcPr/>
-                </a:tc>
-              </a:tr>
-              <a:tr h="675778">
-                <a:tc>
-                  <a:txBody>
-                    <a:bodyPr/>
-                    <a:lstStyle/>
-                    <a:p>
-                      <a:r>
-                        <a:rPr lang="en-US" dirty="0" smtClean="0"/>
-                        <a:t>Email</a:t>
-                      </a:r>
-                      <a:endParaRPr lang="en-US" dirty="0"/>
-                    </a:p>
-                  </a:txBody>
-                  <a:tcPr/>
-                </a:tc>
-                <a:tc>
-                  <a:txBody>
-                    <a:bodyPr/>
-                    <a:lstStyle/>
-                    <a:p>
-                      <a:endParaRPr lang="en-US" dirty="0"/>
-                    </a:p>
-                  </a:txBody>
-                  <a:tcPr/>
-                </a:tc>
-              </a:tr>
-              <a:tr h="675778">
-                <a:tc>
-                  <a:txBody>
-                    <a:bodyPr/>
-                    <a:lstStyle/>
-                    <a:p>
-                      <a:r>
-                        <a:rPr lang="en-US" dirty="0" smtClean="0"/>
-                        <a:t>Mobile N</a:t>
-                      </a:r>
-                      <a:endParaRPr lang="en-US" dirty="0"/>
-                    </a:p>
-                  </a:txBody>
-                  <a:tcPr/>
-                </a:tc>
-                <a:tc>
-                  <a:txBody>
-                    <a:bodyPr/>
-                    <a:lstStyle/>
-                    <a:p>
-                      <a:endParaRPr lang="en-US" dirty="0"/>
-                    </a:p>
-                  </a:txBody>
-                  <a:tcPr/>
-                </a:tc>
-              </a:tr>
-              <a:tr h="675778">
-                <a:tc>
-                  <a:txBody>
-                    <a:bodyPr/>
-                    <a:lstStyle/>
-                    <a:p>
-                      <a:r>
-                        <a:rPr lang="en-US" dirty="0" smtClean="0"/>
-                        <a:t>Office Address</a:t>
+                        <a:t>Description</a:t>
                       </a:r>
                       <a:endParaRPr lang="en-US" dirty="0"/>
                     </a:p>
@@ -8426,7 +9842,7 @@
     </p:spTree>
     <p:extLst>
       <p:ext uri="{BB962C8B-B14F-4D97-AF65-F5344CB8AC3E}">
-        <p14:creationId xmlns:p14="http://schemas.microsoft.com/office/powerpoint/2010/main" xmlns="" val="2198716805"/>
+        <p14:creationId xmlns:p14="http://schemas.microsoft.com/office/powerpoint/2010/main" val="3932370638"/>
       </p:ext>
     </p:extLst>
   </p:cSld>
@@ -8698,7 +10114,7 @@
   <a:extraClrSchemeLst/>
   <a:extLst>
     <a:ext uri="{05A4C25C-085E-4340-85A3-A5531E510DB2}">
-      <thm15:themeFamily xmlns:thm15="http://schemas.microsoft.com/office/thememl/2012/main" xmlns="" name="Office Theme" id="{62F939B6-93AF-4DB8-9C6B-D6C7DFDC589F}" vid="{4A3C46E8-61CC-4603-A589-7422A47A8E4A}"/>
+      <thm15:themeFamily xmlns:thm15="http://schemas.microsoft.com/office/thememl/2012/main" name="Office Theme" id="{62F939B6-93AF-4DB8-9C6B-D6C7DFDC589F}" vid="{4A3C46E8-61CC-4603-A589-7422A47A8E4A}"/>
     </a:ext>
   </a:extLst>
 </a:theme>

--- a/Document/Vehicle Management Presentation.pptx
+++ b/Document/Vehicle Management Presentation.pptx
@@ -269,7 +269,7 @@
             <a:fld id="{6CEDDB51-4372-4FB4-AF49-668D4DCAAC25}" type="datetimeFigureOut">
               <a:rPr lang="en-US" smtClean="0"/>
               <a:pPr/>
-              <a:t>5/23/2018</a:t>
+              <a:t>7/13/2018</a:t>
             </a:fld>
             <a:endParaRPr lang="en-US"/>
           </a:p>
@@ -441,7 +441,7 @@
             <a:fld id="{6CEDDB51-4372-4FB4-AF49-668D4DCAAC25}" type="datetimeFigureOut">
               <a:rPr lang="en-US" smtClean="0"/>
               <a:pPr/>
-              <a:t>5/23/2018</a:t>
+              <a:t>7/13/2018</a:t>
             </a:fld>
             <a:endParaRPr lang="en-US"/>
           </a:p>
@@ -623,7 +623,7 @@
             <a:fld id="{6CEDDB51-4372-4FB4-AF49-668D4DCAAC25}" type="datetimeFigureOut">
               <a:rPr lang="en-US" smtClean="0"/>
               <a:pPr/>
-              <a:t>5/23/2018</a:t>
+              <a:t>7/13/2018</a:t>
             </a:fld>
             <a:endParaRPr lang="en-US"/>
           </a:p>
@@ -795,7 +795,7 @@
             <a:fld id="{6CEDDB51-4372-4FB4-AF49-668D4DCAAC25}" type="datetimeFigureOut">
               <a:rPr lang="en-US" smtClean="0"/>
               <a:pPr/>
-              <a:t>5/23/2018</a:t>
+              <a:t>7/13/2018</a:t>
             </a:fld>
             <a:endParaRPr lang="en-US"/>
           </a:p>
@@ -1043,7 +1043,7 @@
             <a:fld id="{6CEDDB51-4372-4FB4-AF49-668D4DCAAC25}" type="datetimeFigureOut">
               <a:rPr lang="en-US" smtClean="0"/>
               <a:pPr/>
-              <a:t>5/23/2018</a:t>
+              <a:t>7/13/2018</a:t>
             </a:fld>
             <a:endParaRPr lang="en-US"/>
           </a:p>
@@ -1277,7 +1277,7 @@
             <a:fld id="{6CEDDB51-4372-4FB4-AF49-668D4DCAAC25}" type="datetimeFigureOut">
               <a:rPr lang="en-US" smtClean="0"/>
               <a:pPr/>
-              <a:t>5/23/2018</a:t>
+              <a:t>7/13/2018</a:t>
             </a:fld>
             <a:endParaRPr lang="en-US"/>
           </a:p>
@@ -1646,7 +1646,7 @@
             <a:fld id="{6CEDDB51-4372-4FB4-AF49-668D4DCAAC25}" type="datetimeFigureOut">
               <a:rPr lang="en-US" smtClean="0"/>
               <a:pPr/>
-              <a:t>5/23/2018</a:t>
+              <a:t>7/13/2018</a:t>
             </a:fld>
             <a:endParaRPr lang="en-US"/>
           </a:p>
@@ -1766,7 +1766,7 @@
             <a:fld id="{6CEDDB51-4372-4FB4-AF49-668D4DCAAC25}" type="datetimeFigureOut">
               <a:rPr lang="en-US" smtClean="0"/>
               <a:pPr/>
-              <a:t>5/23/2018</a:t>
+              <a:t>7/13/2018</a:t>
             </a:fld>
             <a:endParaRPr lang="en-US"/>
           </a:p>
@@ -1863,7 +1863,7 @@
             <a:fld id="{6CEDDB51-4372-4FB4-AF49-668D4DCAAC25}" type="datetimeFigureOut">
               <a:rPr lang="en-US" smtClean="0"/>
               <a:pPr/>
-              <a:t>5/23/2018</a:t>
+              <a:t>7/13/2018</a:t>
             </a:fld>
             <a:endParaRPr lang="en-US"/>
           </a:p>
@@ -2142,7 +2142,7 @@
             <a:fld id="{6CEDDB51-4372-4FB4-AF49-668D4DCAAC25}" type="datetimeFigureOut">
               <a:rPr lang="en-US" smtClean="0"/>
               <a:pPr/>
-              <a:t>5/23/2018</a:t>
+              <a:t>7/13/2018</a:t>
             </a:fld>
             <a:endParaRPr lang="en-US"/>
           </a:p>
@@ -2397,7 +2397,7 @@
             <a:fld id="{6CEDDB51-4372-4FB4-AF49-668D4DCAAC25}" type="datetimeFigureOut">
               <a:rPr lang="en-US" smtClean="0"/>
               <a:pPr/>
-              <a:t>5/23/2018</a:t>
+              <a:t>7/13/2018</a:t>
             </a:fld>
             <a:endParaRPr lang="en-US"/>
           </a:p>
@@ -2612,7 +2612,7 @@
             <a:fld id="{6CEDDB51-4372-4FB4-AF49-668D4DCAAC25}" type="datetimeFigureOut">
               <a:rPr lang="en-US" smtClean="0"/>
               <a:pPr/>
-              <a:t>5/23/2018</a:t>
+              <a:t>7/13/2018</a:t>
             </a:fld>
             <a:endParaRPr lang="en-US"/>
           </a:p>
@@ -3327,7 +3327,6 @@
               <a:rPr lang="en-US" dirty="0" smtClean="0"/>
               <a:t>;</a:t>
             </a:r>
-            <a:endParaRPr lang="en-US" dirty="0" smtClean="0"/>
           </a:p>
           <a:p>
             <a:pPr marL="0" indent="0">
@@ -3410,7 +3409,6 @@
               <a:rPr lang="en-US" dirty="0" smtClean="0"/>
               <a:t>();</a:t>
             </a:r>
-            <a:endParaRPr lang="en-US" dirty="0" smtClean="0"/>
           </a:p>
           <a:p>
             <a:pPr marL="0" indent="0">
@@ -3568,11 +3566,7 @@
                     <a:p>
                       <a:r>
                         <a:rPr lang="en-US" dirty="0" smtClean="0"/>
-                        <a:t>Mobile </a:t>
-                      </a:r>
-                      <a:r>
-                        <a:rPr lang="en-US" dirty="0" smtClean="0"/>
-                        <a:t>No</a:t>
+                        <a:t>Mobile No</a:t>
                       </a:r>
                       <a:endParaRPr lang="en-US" dirty="0"/>
                     </a:p>
@@ -3760,115 +3754,8 @@
             </a:pPr>
             <a:r>
               <a:rPr lang="en-US" dirty="0" smtClean="0"/>
-              <a:t>	Id;</a:t>
-            </a:r>
-          </a:p>
-          <a:p>
-            <a:pPr marL="0" indent="0">
-              <a:buNone/>
-            </a:pPr>
-            <a:r>
-              <a:rPr lang="en-US" dirty="0"/>
-              <a:t>	</a:t>
-            </a:r>
-            <a:r>
-              <a:rPr lang="en-US" dirty="0" err="1" smtClean="0"/>
-              <a:t>UserInfo</a:t>
-            </a:r>
-            <a:r>
-              <a:rPr lang="en-US" dirty="0" smtClean="0"/>
-              <a:t>;</a:t>
-            </a:r>
-          </a:p>
-          <a:p>
-            <a:pPr marL="0" indent="0">
-              <a:buNone/>
-            </a:pPr>
-            <a:r>
-              <a:rPr lang="en-US" dirty="0" smtClean="0"/>
-              <a:t>	</a:t>
-            </a:r>
-            <a:r>
-              <a:rPr lang="en-US" dirty="0" err="1" smtClean="0"/>
-              <a:t>RequisitionInfo</a:t>
-            </a:r>
-            <a:r>
-              <a:rPr lang="en-US" dirty="0" smtClean="0"/>
-              <a:t>;</a:t>
-            </a:r>
-          </a:p>
-          <a:p>
-            <a:pPr marL="0" indent="0">
-              <a:buNone/>
-            </a:pPr>
-            <a:r>
-              <a:rPr lang="en-US" dirty="0" smtClean="0"/>
-              <a:t>	</a:t>
-            </a:r>
-            <a:r>
-              <a:rPr lang="en-US" dirty="0" err="1" smtClean="0"/>
-              <a:t>VehicleInfo</a:t>
-            </a:r>
-            <a:r>
-              <a:rPr lang="en-US" dirty="0" smtClean="0"/>
-              <a:t>;</a:t>
-            </a:r>
-          </a:p>
-          <a:p>
-            <a:pPr marL="0" indent="0">
-              <a:buNone/>
-            </a:pPr>
-            <a:r>
-              <a:rPr lang="en-US" dirty="0" smtClean="0"/>
-              <a:t>	</a:t>
-            </a:r>
-            <a:r>
-              <a:rPr lang="en-US" dirty="0" err="1" smtClean="0"/>
-              <a:t>DriverInfo</a:t>
-            </a:r>
-            <a:r>
-              <a:rPr lang="en-US" dirty="0" smtClean="0"/>
-              <a:t>;</a:t>
-            </a:r>
-          </a:p>
-          <a:p>
-            <a:pPr marL="0" indent="0">
-              <a:buNone/>
-            </a:pPr>
-            <a:r>
-              <a:rPr lang="en-US" dirty="0" smtClean="0"/>
-              <a:t>	</a:t>
-            </a:r>
-            <a:r>
-              <a:rPr lang="en-US" dirty="0" err="1" smtClean="0"/>
-              <a:t>CancelRequisition</a:t>
-            </a:r>
-            <a:r>
-              <a:rPr lang="en-US" dirty="0" smtClean="0"/>
-              <a:t>;</a:t>
-            </a:r>
-          </a:p>
-          <a:p>
-            <a:pPr marL="0" indent="0">
-              <a:buNone/>
-            </a:pPr>
-            <a:r>
-              <a:rPr lang="en-US" dirty="0"/>
-              <a:t>	</a:t>
-            </a:r>
-            <a:r>
-              <a:rPr lang="en-US" dirty="0" err="1" smtClean="0"/>
-              <a:t>ReassainRequisition</a:t>
-            </a:r>
-            <a:r>
-              <a:rPr lang="en-US" dirty="0" smtClean="0"/>
-              <a:t>;</a:t>
-            </a:r>
-          </a:p>
-          <a:p>
-            <a:pPr marL="0" indent="0">
-              <a:buNone/>
-            </a:pPr>
+              <a:t>		</a:t>
+            </a:r>
             <a:endParaRPr lang="en-US" dirty="0"/>
           </a:p>
           <a:p>
@@ -3969,6 +3856,41 @@
               <a:t>CancelRequisition</a:t>
             </a:r>
             <a:r>
+              <a:rPr lang="en-US" dirty="0" smtClean="0"/>
+              <a:t>();</a:t>
+            </a:r>
+          </a:p>
+          <a:p>
+            <a:pPr marL="0" indent="0">
+              <a:buNone/>
+            </a:pPr>
+            <a:r>
+              <a:rPr lang="en-US" dirty="0" smtClean="0"/>
+              <a:t>	</a:t>
+            </a:r>
+            <a:r>
+              <a:rPr lang="en-US" dirty="0" err="1" smtClean="0"/>
+              <a:t>ReassainRequisition</a:t>
+            </a:r>
+            <a:r>
+              <a:rPr lang="en-US" dirty="0"/>
+              <a:t>;</a:t>
+            </a:r>
+            <a:endParaRPr lang="en-US" dirty="0"/>
+          </a:p>
+          <a:p>
+            <a:pPr marL="0" indent="0">
+              <a:buNone/>
+            </a:pPr>
+            <a:r>
+              <a:rPr lang="en-US" dirty="0"/>
+              <a:t>	</a:t>
+            </a:r>
+            <a:r>
+              <a:rPr lang="en-US" dirty="0" err="1"/>
+              <a:t>CheckInTime</a:t>
+            </a:r>
+            <a:r>
               <a:rPr lang="en-US" dirty="0"/>
               <a:t>();</a:t>
             </a:r>
@@ -3983,29 +3905,22 @@
             </a:r>
             <a:r>
               <a:rPr lang="en-US" dirty="0" err="1"/>
-              <a:t>CheckInTime</a:t>
-            </a:r>
-            <a:r>
-              <a:rPr lang="en-US" dirty="0"/>
+              <a:t>CheckOutTime</a:t>
+            </a:r>
+            <a:r>
+              <a:rPr lang="en-US" dirty="0" smtClean="0"/>
               <a:t>();</a:t>
             </a:r>
-          </a:p>
-          <a:p>
-            <a:pPr marL="0" indent="0">
-              <a:buNone/>
-            </a:pPr>
             <a:r>
               <a:rPr lang="en-US" dirty="0"/>
               <a:t>	</a:t>
             </a:r>
-            <a:r>
-              <a:rPr lang="en-US" dirty="0" err="1"/>
-              <a:t>CheckOutTime</a:t>
-            </a:r>
-            <a:r>
-              <a:rPr lang="en-US" dirty="0"/>
-              <a:t>();</a:t>
-            </a:r>
+          </a:p>
+          <a:p>
+            <a:pPr marL="0" indent="0">
+              <a:buNone/>
+            </a:pPr>
+            <a:endParaRPr lang="en-US" dirty="0"/>
           </a:p>
         </p:txBody>
       </p:sp>
@@ -5489,11 +5404,7 @@
             <a:pPr algn="ctr"/>
             <a:r>
               <a:rPr lang="en-US" b="1" dirty="0" smtClean="0"/>
-              <a:t>Controller</a:t>
-            </a:r>
-            <a:r>
-              <a:rPr lang="en-US" b="1" dirty="0" smtClean="0"/>
-              <a:t> Diagram</a:t>
+              <a:t>Controller Diagram</a:t>
             </a:r>
             <a:endParaRPr lang="en-US" b="1" dirty="0"/>
           </a:p>
@@ -8295,7 +8206,6 @@
               <a:rPr lang="en-US" dirty="0" smtClean="0"/>
               <a:t>();</a:t>
             </a:r>
-            <a:endParaRPr lang="en-US" dirty="0" smtClean="0"/>
           </a:p>
           <a:p>
             <a:pPr marL="0" indent="0">
@@ -8711,7 +8621,6 @@
               <a:rPr lang="en-US" dirty="0" smtClean="0"/>
               <a:t>();</a:t>
             </a:r>
-            <a:endParaRPr lang="en-US" dirty="0" smtClean="0"/>
           </a:p>
           <a:p>
             <a:pPr marL="0" indent="0">
@@ -9592,15 +9501,7 @@
             <a:pPr algn="ctr"/>
             <a:r>
               <a:rPr lang="en-US" b="1" dirty="0" smtClean="0"/>
-              <a:t>User </a:t>
-            </a:r>
-            <a:r>
-              <a:rPr lang="en-US" b="1" dirty="0" smtClean="0"/>
-              <a:t>Designation </a:t>
-            </a:r>
-            <a:r>
-              <a:rPr lang="en-US" b="1" dirty="0" smtClean="0"/>
-              <a:t>Form (Controller)</a:t>
+              <a:t>User Designation Form (Controller)</a:t>
             </a:r>
             <a:endParaRPr lang="en-US" b="1" dirty="0"/>
           </a:p>
@@ -9647,11 +9548,7 @@
             </a:pPr>
             <a:r>
               <a:rPr lang="en-US" dirty="0" smtClean="0"/>
-              <a:t>	Id</a:t>
-            </a:r>
-            <a:r>
-              <a:rPr lang="en-US" dirty="0" smtClean="0"/>
-              <a:t>;</a:t>
+              <a:t>	Id;</a:t>
             </a:r>
           </a:p>
           <a:p>
@@ -9664,11 +9561,7 @@
             </a:r>
             <a:r>
               <a:rPr lang="en-US" dirty="0" smtClean="0"/>
-              <a:t>Designation</a:t>
-            </a:r>
-            <a:r>
-              <a:rPr lang="en-US" dirty="0" smtClean="0"/>
-              <a:t>;</a:t>
+              <a:t>Designation;</a:t>
             </a:r>
             <a:endParaRPr lang="en-US" dirty="0"/>
           </a:p>
@@ -9711,7 +9604,6 @@
               <a:rPr lang="en-US" dirty="0" smtClean="0"/>
               <a:t>();</a:t>
             </a:r>
-            <a:endParaRPr lang="en-US" dirty="0" smtClean="0"/>
           </a:p>
           <a:p>
             <a:pPr marL="0" indent="0">

--- a/Document/Vehicle Management Presentation.pptx
+++ b/Document/Vehicle Management Presentation.pptx
@@ -4,6 +4,9 @@
   <p:sldMasterIdLst>
     <p:sldMasterId id="2147483648" r:id="rId1"/>
   </p:sldMasterIdLst>
+  <p:notesMasterIdLst>
+    <p:notesMasterId r:id="rId31"/>
+  </p:notesMasterIdLst>
   <p:sldIdLst>
     <p:sldId id="256" r:id="rId2"/>
     <p:sldId id="269" r:id="rId3"/>
@@ -26,10 +29,14 @@
     <p:sldId id="267" r:id="rId20"/>
     <p:sldId id="266" r:id="rId21"/>
     <p:sldId id="271" r:id="rId22"/>
-    <p:sldId id="272" r:id="rId23"/>
-    <p:sldId id="282" r:id="rId24"/>
-    <p:sldId id="283" r:id="rId25"/>
-    <p:sldId id="268" r:id="rId26"/>
+    <p:sldId id="284" r:id="rId23"/>
+    <p:sldId id="285" r:id="rId24"/>
+    <p:sldId id="286" r:id="rId25"/>
+    <p:sldId id="287" r:id="rId26"/>
+    <p:sldId id="272" r:id="rId27"/>
+    <p:sldId id="282" r:id="rId28"/>
+    <p:sldId id="283" r:id="rId29"/>
+    <p:sldId id="268" r:id="rId30"/>
   </p:sldIdLst>
   <p:sldSz cx="12192000" cy="6858000"/>
   <p:notesSz cx="6858000" cy="9144000"/>
@@ -147,6 +154,812 @@
 </p:presentation>
 </file>
 
+<file path=ppt/notesMasters/notesMaster1.xml><?xml version="1.0" encoding="utf-8"?>
+<p:notesMaster xmlns:a="http://schemas.openxmlformats.org/drawingml/2006/main" xmlns:r="http://schemas.openxmlformats.org/officeDocument/2006/relationships" xmlns:p="http://schemas.openxmlformats.org/presentationml/2006/main">
+  <p:cSld>
+    <p:bg>
+      <p:bgRef idx="1001">
+        <a:schemeClr val="bg1"/>
+      </p:bgRef>
+    </p:bg>
+    <p:spTree>
+      <p:nvGrpSpPr>
+        <p:cNvPr id="1" name=""/>
+        <p:cNvGrpSpPr/>
+        <p:nvPr/>
+      </p:nvGrpSpPr>
+      <p:grpSpPr>
+        <a:xfrm>
+          <a:off x="0" y="0"/>
+          <a:ext cx="0" cy="0"/>
+          <a:chOff x="0" y="0"/>
+          <a:chExt cx="0" cy="0"/>
+        </a:xfrm>
+      </p:grpSpPr>
+      <p:sp>
+        <p:nvSpPr>
+          <p:cNvPr id="2" name="Header Placeholder 1"/>
+          <p:cNvSpPr>
+            <a:spLocks noGrp="1"/>
+          </p:cNvSpPr>
+          <p:nvPr>
+            <p:ph type="hdr" sz="quarter"/>
+          </p:nvPr>
+        </p:nvSpPr>
+        <p:spPr>
+          <a:xfrm>
+            <a:off x="0" y="0"/>
+            <a:ext cx="2971800" cy="458788"/>
+          </a:xfrm>
+          <a:prstGeom prst="rect">
+            <a:avLst/>
+          </a:prstGeom>
+        </p:spPr>
+        <p:txBody>
+          <a:bodyPr vert="horz" lIns="91440" tIns="45720" rIns="91440" bIns="45720" rtlCol="0"/>
+          <a:lstStyle>
+            <a:lvl1pPr algn="l">
+              <a:defRPr sz="1200"/>
+            </a:lvl1pPr>
+          </a:lstStyle>
+          <a:p>
+            <a:endParaRPr lang="en-US"/>
+          </a:p>
+        </p:txBody>
+      </p:sp>
+      <p:sp>
+        <p:nvSpPr>
+          <p:cNvPr id="3" name="Date Placeholder 2"/>
+          <p:cNvSpPr>
+            <a:spLocks noGrp="1"/>
+          </p:cNvSpPr>
+          <p:nvPr>
+            <p:ph type="dt" idx="1"/>
+          </p:nvPr>
+        </p:nvSpPr>
+        <p:spPr>
+          <a:xfrm>
+            <a:off x="3884613" y="0"/>
+            <a:ext cx="2971800" cy="458788"/>
+          </a:xfrm>
+          <a:prstGeom prst="rect">
+            <a:avLst/>
+          </a:prstGeom>
+        </p:spPr>
+        <p:txBody>
+          <a:bodyPr vert="horz" lIns="91440" tIns="45720" rIns="91440" bIns="45720" rtlCol="0"/>
+          <a:lstStyle>
+            <a:lvl1pPr algn="r">
+              <a:defRPr sz="1200"/>
+            </a:lvl1pPr>
+          </a:lstStyle>
+          <a:p>
+            <a:fld id="{B3A1784E-1F85-4E8D-9EDC-7D0FEC781572}" type="datetimeFigureOut">
+              <a:rPr lang="en-US" smtClean="0"/>
+              <a:t>7/16/2018</a:t>
+            </a:fld>
+            <a:endParaRPr lang="en-US"/>
+          </a:p>
+        </p:txBody>
+      </p:sp>
+      <p:sp>
+        <p:nvSpPr>
+          <p:cNvPr id="4" name="Slide Image Placeholder 3"/>
+          <p:cNvSpPr>
+            <a:spLocks noGrp="1" noRot="1" noChangeAspect="1"/>
+          </p:cNvSpPr>
+          <p:nvPr>
+            <p:ph type="sldImg" idx="2"/>
+          </p:nvPr>
+        </p:nvSpPr>
+        <p:spPr>
+          <a:xfrm>
+            <a:off x="685800" y="1143000"/>
+            <a:ext cx="5486400" cy="3086100"/>
+          </a:xfrm>
+          <a:prstGeom prst="rect">
+            <a:avLst/>
+          </a:prstGeom>
+          <a:noFill/>
+          <a:ln w="12700">
+            <a:solidFill>
+              <a:prstClr val="black"/>
+            </a:solidFill>
+          </a:ln>
+        </p:spPr>
+        <p:txBody>
+          <a:bodyPr vert="horz" lIns="91440" tIns="45720" rIns="91440" bIns="45720" rtlCol="0" anchor="ctr"/>
+          <a:lstStyle/>
+          <a:p>
+            <a:endParaRPr lang="en-US"/>
+          </a:p>
+        </p:txBody>
+      </p:sp>
+      <p:sp>
+        <p:nvSpPr>
+          <p:cNvPr id="5" name="Notes Placeholder 4"/>
+          <p:cNvSpPr>
+            <a:spLocks noGrp="1"/>
+          </p:cNvSpPr>
+          <p:nvPr>
+            <p:ph type="body" sz="quarter" idx="3"/>
+          </p:nvPr>
+        </p:nvSpPr>
+        <p:spPr>
+          <a:xfrm>
+            <a:off x="685800" y="4400550"/>
+            <a:ext cx="5486400" cy="3600450"/>
+          </a:xfrm>
+          <a:prstGeom prst="rect">
+            <a:avLst/>
+          </a:prstGeom>
+        </p:spPr>
+        <p:txBody>
+          <a:bodyPr vert="horz" lIns="91440" tIns="45720" rIns="91440" bIns="45720" rtlCol="0"/>
+          <a:lstStyle/>
+          <a:p>
+            <a:pPr lvl="0"/>
+            <a:r>
+              <a:rPr lang="en-US" smtClean="0"/>
+              <a:t>Click to edit Master text styles</a:t>
+            </a:r>
+          </a:p>
+          <a:p>
+            <a:pPr lvl="1"/>
+            <a:r>
+              <a:rPr lang="en-US" smtClean="0"/>
+              <a:t>Second level</a:t>
+            </a:r>
+          </a:p>
+          <a:p>
+            <a:pPr lvl="2"/>
+            <a:r>
+              <a:rPr lang="en-US" smtClean="0"/>
+              <a:t>Third level</a:t>
+            </a:r>
+          </a:p>
+          <a:p>
+            <a:pPr lvl="3"/>
+            <a:r>
+              <a:rPr lang="en-US" smtClean="0"/>
+              <a:t>Fourth level</a:t>
+            </a:r>
+          </a:p>
+          <a:p>
+            <a:pPr lvl="4"/>
+            <a:r>
+              <a:rPr lang="en-US" smtClean="0"/>
+              <a:t>Fifth level</a:t>
+            </a:r>
+            <a:endParaRPr lang="en-US"/>
+          </a:p>
+        </p:txBody>
+      </p:sp>
+      <p:sp>
+        <p:nvSpPr>
+          <p:cNvPr id="6" name="Footer Placeholder 5"/>
+          <p:cNvSpPr>
+            <a:spLocks noGrp="1"/>
+          </p:cNvSpPr>
+          <p:nvPr>
+            <p:ph type="ftr" sz="quarter" idx="4"/>
+          </p:nvPr>
+        </p:nvSpPr>
+        <p:spPr>
+          <a:xfrm>
+            <a:off x="0" y="8685213"/>
+            <a:ext cx="2971800" cy="458787"/>
+          </a:xfrm>
+          <a:prstGeom prst="rect">
+            <a:avLst/>
+          </a:prstGeom>
+        </p:spPr>
+        <p:txBody>
+          <a:bodyPr vert="horz" lIns="91440" tIns="45720" rIns="91440" bIns="45720" rtlCol="0" anchor="b"/>
+          <a:lstStyle>
+            <a:lvl1pPr algn="l">
+              <a:defRPr sz="1200"/>
+            </a:lvl1pPr>
+          </a:lstStyle>
+          <a:p>
+            <a:endParaRPr lang="en-US"/>
+          </a:p>
+        </p:txBody>
+      </p:sp>
+      <p:sp>
+        <p:nvSpPr>
+          <p:cNvPr id="7" name="Slide Number Placeholder 6"/>
+          <p:cNvSpPr>
+            <a:spLocks noGrp="1"/>
+          </p:cNvSpPr>
+          <p:nvPr>
+            <p:ph type="sldNum" sz="quarter" idx="5"/>
+          </p:nvPr>
+        </p:nvSpPr>
+        <p:spPr>
+          <a:xfrm>
+            <a:off x="3884613" y="8685213"/>
+            <a:ext cx="2971800" cy="458787"/>
+          </a:xfrm>
+          <a:prstGeom prst="rect">
+            <a:avLst/>
+          </a:prstGeom>
+        </p:spPr>
+        <p:txBody>
+          <a:bodyPr vert="horz" lIns="91440" tIns="45720" rIns="91440" bIns="45720" rtlCol="0" anchor="b"/>
+          <a:lstStyle>
+            <a:lvl1pPr algn="r">
+              <a:defRPr sz="1200"/>
+            </a:lvl1pPr>
+          </a:lstStyle>
+          <a:p>
+            <a:fld id="{860219D5-68C2-45E8-A87E-5CD834021840}" type="slidenum">
+              <a:rPr lang="en-US" smtClean="0"/>
+              <a:t>‹#›</a:t>
+            </a:fld>
+            <a:endParaRPr lang="en-US"/>
+          </a:p>
+        </p:txBody>
+      </p:sp>
+    </p:spTree>
+    <p:extLst>
+      <p:ext uri="{BB962C8B-B14F-4D97-AF65-F5344CB8AC3E}">
+        <p14:creationId xmlns:p14="http://schemas.microsoft.com/office/powerpoint/2010/main" val="4278509411"/>
+      </p:ext>
+    </p:extLst>
+  </p:cSld>
+  <p:clrMap bg1="lt1" tx1="dk1" bg2="lt2" tx2="dk2" accent1="accent1" accent2="accent2" accent3="accent3" accent4="accent4" accent5="accent5" accent6="accent6" hlink="hlink" folHlink="folHlink"/>
+  <p:notesStyle>
+    <a:lvl1pPr marL="0" algn="l" defTabSz="914400" rtl="0" eaLnBrk="1" latinLnBrk="0" hangingPunct="1">
+      <a:defRPr sz="1200" kern="1200">
+        <a:solidFill>
+          <a:schemeClr val="tx1"/>
+        </a:solidFill>
+        <a:latin typeface="+mn-lt"/>
+        <a:ea typeface="+mn-ea"/>
+        <a:cs typeface="+mn-cs"/>
+      </a:defRPr>
+    </a:lvl1pPr>
+    <a:lvl2pPr marL="457200" algn="l" defTabSz="914400" rtl="0" eaLnBrk="1" latinLnBrk="0" hangingPunct="1">
+      <a:defRPr sz="1200" kern="1200">
+        <a:solidFill>
+          <a:schemeClr val="tx1"/>
+        </a:solidFill>
+        <a:latin typeface="+mn-lt"/>
+        <a:ea typeface="+mn-ea"/>
+        <a:cs typeface="+mn-cs"/>
+      </a:defRPr>
+    </a:lvl2pPr>
+    <a:lvl3pPr marL="914400" algn="l" defTabSz="914400" rtl="0" eaLnBrk="1" latinLnBrk="0" hangingPunct="1">
+      <a:defRPr sz="1200" kern="1200">
+        <a:solidFill>
+          <a:schemeClr val="tx1"/>
+        </a:solidFill>
+        <a:latin typeface="+mn-lt"/>
+        <a:ea typeface="+mn-ea"/>
+        <a:cs typeface="+mn-cs"/>
+      </a:defRPr>
+    </a:lvl3pPr>
+    <a:lvl4pPr marL="1371600" algn="l" defTabSz="914400" rtl="0" eaLnBrk="1" latinLnBrk="0" hangingPunct="1">
+      <a:defRPr sz="1200" kern="1200">
+        <a:solidFill>
+          <a:schemeClr val="tx1"/>
+        </a:solidFill>
+        <a:latin typeface="+mn-lt"/>
+        <a:ea typeface="+mn-ea"/>
+        <a:cs typeface="+mn-cs"/>
+      </a:defRPr>
+    </a:lvl4pPr>
+    <a:lvl5pPr marL="1828800" algn="l" defTabSz="914400" rtl="0" eaLnBrk="1" latinLnBrk="0" hangingPunct="1">
+      <a:defRPr sz="1200" kern="1200">
+        <a:solidFill>
+          <a:schemeClr val="tx1"/>
+        </a:solidFill>
+        <a:latin typeface="+mn-lt"/>
+        <a:ea typeface="+mn-ea"/>
+        <a:cs typeface="+mn-cs"/>
+      </a:defRPr>
+    </a:lvl5pPr>
+    <a:lvl6pPr marL="2286000" algn="l" defTabSz="914400" rtl="0" eaLnBrk="1" latinLnBrk="0" hangingPunct="1">
+      <a:defRPr sz="1200" kern="1200">
+        <a:solidFill>
+          <a:schemeClr val="tx1"/>
+        </a:solidFill>
+        <a:latin typeface="+mn-lt"/>
+        <a:ea typeface="+mn-ea"/>
+        <a:cs typeface="+mn-cs"/>
+      </a:defRPr>
+    </a:lvl6pPr>
+    <a:lvl7pPr marL="2743200" algn="l" defTabSz="914400" rtl="0" eaLnBrk="1" latinLnBrk="0" hangingPunct="1">
+      <a:defRPr sz="1200" kern="1200">
+        <a:solidFill>
+          <a:schemeClr val="tx1"/>
+        </a:solidFill>
+        <a:latin typeface="+mn-lt"/>
+        <a:ea typeface="+mn-ea"/>
+        <a:cs typeface="+mn-cs"/>
+      </a:defRPr>
+    </a:lvl7pPr>
+    <a:lvl8pPr marL="3200400" algn="l" defTabSz="914400" rtl="0" eaLnBrk="1" latinLnBrk="0" hangingPunct="1">
+      <a:defRPr sz="1200" kern="1200">
+        <a:solidFill>
+          <a:schemeClr val="tx1"/>
+        </a:solidFill>
+        <a:latin typeface="+mn-lt"/>
+        <a:ea typeface="+mn-ea"/>
+        <a:cs typeface="+mn-cs"/>
+      </a:defRPr>
+    </a:lvl8pPr>
+    <a:lvl9pPr marL="3657600" algn="l" defTabSz="914400" rtl="0" eaLnBrk="1" latinLnBrk="0" hangingPunct="1">
+      <a:defRPr sz="1200" kern="1200">
+        <a:solidFill>
+          <a:schemeClr val="tx1"/>
+        </a:solidFill>
+        <a:latin typeface="+mn-lt"/>
+        <a:ea typeface="+mn-ea"/>
+        <a:cs typeface="+mn-cs"/>
+      </a:defRPr>
+    </a:lvl9pPr>
+  </p:notesStyle>
+</p:notesMaster>
+</file>
+
+<file path=ppt/notesSlides/notesSlide1.xml><?xml version="1.0" encoding="utf-8"?>
+<p:notes xmlns:a="http://schemas.openxmlformats.org/drawingml/2006/main" xmlns:r="http://schemas.openxmlformats.org/officeDocument/2006/relationships" xmlns:p="http://schemas.openxmlformats.org/presentationml/2006/main">
+  <p:cSld>
+    <p:spTree>
+      <p:nvGrpSpPr>
+        <p:cNvPr id="1" name=""/>
+        <p:cNvGrpSpPr/>
+        <p:nvPr/>
+      </p:nvGrpSpPr>
+      <p:grpSpPr>
+        <a:xfrm>
+          <a:off x="0" y="0"/>
+          <a:ext cx="0" cy="0"/>
+          <a:chOff x="0" y="0"/>
+          <a:chExt cx="0" cy="0"/>
+        </a:xfrm>
+      </p:grpSpPr>
+      <p:sp>
+        <p:nvSpPr>
+          <p:cNvPr id="2" name="Slide Image Placeholder 1"/>
+          <p:cNvSpPr>
+            <a:spLocks noGrp="1" noRot="1" noChangeAspect="1"/>
+          </p:cNvSpPr>
+          <p:nvPr>
+            <p:ph type="sldImg"/>
+          </p:nvPr>
+        </p:nvSpPr>
+        <p:spPr/>
+      </p:sp>
+      <p:sp>
+        <p:nvSpPr>
+          <p:cNvPr id="3" name="Notes Placeholder 2"/>
+          <p:cNvSpPr>
+            <a:spLocks noGrp="1"/>
+          </p:cNvSpPr>
+          <p:nvPr>
+            <p:ph type="body" idx="1"/>
+          </p:nvPr>
+        </p:nvSpPr>
+        <p:spPr/>
+        <p:txBody>
+          <a:bodyPr/>
+          <a:lstStyle/>
+          <a:p>
+            <a:endParaRPr lang="en-US" dirty="0"/>
+          </a:p>
+        </p:txBody>
+      </p:sp>
+      <p:sp>
+        <p:nvSpPr>
+          <p:cNvPr id="4" name="Slide Number Placeholder 3"/>
+          <p:cNvSpPr>
+            <a:spLocks noGrp="1"/>
+          </p:cNvSpPr>
+          <p:nvPr>
+            <p:ph type="sldNum" sz="quarter" idx="10"/>
+          </p:nvPr>
+        </p:nvSpPr>
+        <p:spPr/>
+        <p:txBody>
+          <a:bodyPr/>
+          <a:lstStyle/>
+          <a:p>
+            <a:fld id="{860219D5-68C2-45E8-A87E-5CD834021840}" type="slidenum">
+              <a:rPr lang="en-US" smtClean="0"/>
+              <a:t>21</a:t>
+            </a:fld>
+            <a:endParaRPr lang="en-US"/>
+          </a:p>
+        </p:txBody>
+      </p:sp>
+    </p:spTree>
+    <p:extLst>
+      <p:ext uri="{BB962C8B-B14F-4D97-AF65-F5344CB8AC3E}">
+        <p14:creationId xmlns:p14="http://schemas.microsoft.com/office/powerpoint/2010/main" val="1318260107"/>
+      </p:ext>
+    </p:extLst>
+  </p:cSld>
+  <p:clrMapOvr>
+    <a:masterClrMapping/>
+  </p:clrMapOvr>
+</p:notes>
+</file>
+
+<file path=ppt/notesSlides/notesSlide2.xml><?xml version="1.0" encoding="utf-8"?>
+<p:notes xmlns:a="http://schemas.openxmlformats.org/drawingml/2006/main" xmlns:r="http://schemas.openxmlformats.org/officeDocument/2006/relationships" xmlns:p="http://schemas.openxmlformats.org/presentationml/2006/main">
+  <p:cSld>
+    <p:spTree>
+      <p:nvGrpSpPr>
+        <p:cNvPr id="1" name=""/>
+        <p:cNvGrpSpPr/>
+        <p:nvPr/>
+      </p:nvGrpSpPr>
+      <p:grpSpPr>
+        <a:xfrm>
+          <a:off x="0" y="0"/>
+          <a:ext cx="0" cy="0"/>
+          <a:chOff x="0" y="0"/>
+          <a:chExt cx="0" cy="0"/>
+        </a:xfrm>
+      </p:grpSpPr>
+      <p:sp>
+        <p:nvSpPr>
+          <p:cNvPr id="2" name="Slide Image Placeholder 1"/>
+          <p:cNvSpPr>
+            <a:spLocks noGrp="1" noRot="1" noChangeAspect="1"/>
+          </p:cNvSpPr>
+          <p:nvPr>
+            <p:ph type="sldImg"/>
+          </p:nvPr>
+        </p:nvSpPr>
+        <p:spPr/>
+      </p:sp>
+      <p:sp>
+        <p:nvSpPr>
+          <p:cNvPr id="3" name="Notes Placeholder 2"/>
+          <p:cNvSpPr>
+            <a:spLocks noGrp="1"/>
+          </p:cNvSpPr>
+          <p:nvPr>
+            <p:ph type="body" idx="1"/>
+          </p:nvPr>
+        </p:nvSpPr>
+        <p:spPr/>
+        <p:txBody>
+          <a:bodyPr/>
+          <a:lstStyle/>
+          <a:p>
+            <a:endParaRPr lang="en-US" dirty="0"/>
+          </a:p>
+        </p:txBody>
+      </p:sp>
+      <p:sp>
+        <p:nvSpPr>
+          <p:cNvPr id="4" name="Slide Number Placeholder 3"/>
+          <p:cNvSpPr>
+            <a:spLocks noGrp="1"/>
+          </p:cNvSpPr>
+          <p:nvPr>
+            <p:ph type="sldNum" sz="quarter" idx="10"/>
+          </p:nvPr>
+        </p:nvSpPr>
+        <p:spPr/>
+        <p:txBody>
+          <a:bodyPr/>
+          <a:lstStyle/>
+          <a:p>
+            <a:fld id="{860219D5-68C2-45E8-A87E-5CD834021840}" type="slidenum">
+              <a:rPr lang="en-US" smtClean="0">
+                <a:solidFill>
+                  <a:prstClr val="black"/>
+                </a:solidFill>
+              </a:rPr>
+              <a:pPr/>
+              <a:t>22</a:t>
+            </a:fld>
+            <a:endParaRPr lang="en-US">
+              <a:solidFill>
+                <a:prstClr val="black"/>
+              </a:solidFill>
+            </a:endParaRPr>
+          </a:p>
+        </p:txBody>
+      </p:sp>
+    </p:spTree>
+    <p:extLst>
+      <p:ext uri="{BB962C8B-B14F-4D97-AF65-F5344CB8AC3E}">
+        <p14:creationId xmlns:p14="http://schemas.microsoft.com/office/powerpoint/2010/main" val="4090437031"/>
+      </p:ext>
+    </p:extLst>
+  </p:cSld>
+  <p:clrMapOvr>
+    <a:masterClrMapping/>
+  </p:clrMapOvr>
+</p:notes>
+</file>
+
+<file path=ppt/notesSlides/notesSlide3.xml><?xml version="1.0" encoding="utf-8"?>
+<p:notes xmlns:a="http://schemas.openxmlformats.org/drawingml/2006/main" xmlns:r="http://schemas.openxmlformats.org/officeDocument/2006/relationships" xmlns:p="http://schemas.openxmlformats.org/presentationml/2006/main">
+  <p:cSld>
+    <p:spTree>
+      <p:nvGrpSpPr>
+        <p:cNvPr id="1" name=""/>
+        <p:cNvGrpSpPr/>
+        <p:nvPr/>
+      </p:nvGrpSpPr>
+      <p:grpSpPr>
+        <a:xfrm>
+          <a:off x="0" y="0"/>
+          <a:ext cx="0" cy="0"/>
+          <a:chOff x="0" y="0"/>
+          <a:chExt cx="0" cy="0"/>
+        </a:xfrm>
+      </p:grpSpPr>
+      <p:sp>
+        <p:nvSpPr>
+          <p:cNvPr id="2" name="Slide Image Placeholder 1"/>
+          <p:cNvSpPr>
+            <a:spLocks noGrp="1" noRot="1" noChangeAspect="1"/>
+          </p:cNvSpPr>
+          <p:nvPr>
+            <p:ph type="sldImg"/>
+          </p:nvPr>
+        </p:nvSpPr>
+        <p:spPr/>
+      </p:sp>
+      <p:sp>
+        <p:nvSpPr>
+          <p:cNvPr id="3" name="Notes Placeholder 2"/>
+          <p:cNvSpPr>
+            <a:spLocks noGrp="1"/>
+          </p:cNvSpPr>
+          <p:nvPr>
+            <p:ph type="body" idx="1"/>
+          </p:nvPr>
+        </p:nvSpPr>
+        <p:spPr/>
+        <p:txBody>
+          <a:bodyPr/>
+          <a:lstStyle/>
+          <a:p>
+            <a:endParaRPr lang="en-US" dirty="0"/>
+          </a:p>
+        </p:txBody>
+      </p:sp>
+      <p:sp>
+        <p:nvSpPr>
+          <p:cNvPr id="4" name="Slide Number Placeholder 3"/>
+          <p:cNvSpPr>
+            <a:spLocks noGrp="1"/>
+          </p:cNvSpPr>
+          <p:nvPr>
+            <p:ph type="sldNum" sz="quarter" idx="10"/>
+          </p:nvPr>
+        </p:nvSpPr>
+        <p:spPr/>
+        <p:txBody>
+          <a:bodyPr/>
+          <a:lstStyle/>
+          <a:p>
+            <a:fld id="{860219D5-68C2-45E8-A87E-5CD834021840}" type="slidenum">
+              <a:rPr lang="en-US" smtClean="0">
+                <a:solidFill>
+                  <a:prstClr val="black"/>
+                </a:solidFill>
+              </a:rPr>
+              <a:pPr/>
+              <a:t>23</a:t>
+            </a:fld>
+            <a:endParaRPr lang="en-US">
+              <a:solidFill>
+                <a:prstClr val="black"/>
+              </a:solidFill>
+            </a:endParaRPr>
+          </a:p>
+        </p:txBody>
+      </p:sp>
+    </p:spTree>
+    <p:extLst>
+      <p:ext uri="{BB962C8B-B14F-4D97-AF65-F5344CB8AC3E}">
+        <p14:creationId xmlns:p14="http://schemas.microsoft.com/office/powerpoint/2010/main" val="3042214918"/>
+      </p:ext>
+    </p:extLst>
+  </p:cSld>
+  <p:clrMapOvr>
+    <a:masterClrMapping/>
+  </p:clrMapOvr>
+</p:notes>
+</file>
+
+<file path=ppt/notesSlides/notesSlide4.xml><?xml version="1.0" encoding="utf-8"?>
+<p:notes xmlns:a="http://schemas.openxmlformats.org/drawingml/2006/main" xmlns:r="http://schemas.openxmlformats.org/officeDocument/2006/relationships" xmlns:p="http://schemas.openxmlformats.org/presentationml/2006/main">
+  <p:cSld>
+    <p:spTree>
+      <p:nvGrpSpPr>
+        <p:cNvPr id="1" name=""/>
+        <p:cNvGrpSpPr/>
+        <p:nvPr/>
+      </p:nvGrpSpPr>
+      <p:grpSpPr>
+        <a:xfrm>
+          <a:off x="0" y="0"/>
+          <a:ext cx="0" cy="0"/>
+          <a:chOff x="0" y="0"/>
+          <a:chExt cx="0" cy="0"/>
+        </a:xfrm>
+      </p:grpSpPr>
+      <p:sp>
+        <p:nvSpPr>
+          <p:cNvPr id="2" name="Slide Image Placeholder 1"/>
+          <p:cNvSpPr>
+            <a:spLocks noGrp="1" noRot="1" noChangeAspect="1"/>
+          </p:cNvSpPr>
+          <p:nvPr>
+            <p:ph type="sldImg"/>
+          </p:nvPr>
+        </p:nvSpPr>
+        <p:spPr/>
+      </p:sp>
+      <p:sp>
+        <p:nvSpPr>
+          <p:cNvPr id="3" name="Notes Placeholder 2"/>
+          <p:cNvSpPr>
+            <a:spLocks noGrp="1"/>
+          </p:cNvSpPr>
+          <p:nvPr>
+            <p:ph type="body" idx="1"/>
+          </p:nvPr>
+        </p:nvSpPr>
+        <p:spPr/>
+        <p:txBody>
+          <a:bodyPr/>
+          <a:lstStyle/>
+          <a:p>
+            <a:endParaRPr lang="en-US" dirty="0"/>
+          </a:p>
+        </p:txBody>
+      </p:sp>
+      <p:sp>
+        <p:nvSpPr>
+          <p:cNvPr id="4" name="Slide Number Placeholder 3"/>
+          <p:cNvSpPr>
+            <a:spLocks noGrp="1"/>
+          </p:cNvSpPr>
+          <p:nvPr>
+            <p:ph type="sldNum" sz="quarter" idx="10"/>
+          </p:nvPr>
+        </p:nvSpPr>
+        <p:spPr/>
+        <p:txBody>
+          <a:bodyPr/>
+          <a:lstStyle/>
+          <a:p>
+            <a:fld id="{860219D5-68C2-45E8-A87E-5CD834021840}" type="slidenum">
+              <a:rPr lang="en-US" smtClean="0">
+                <a:solidFill>
+                  <a:prstClr val="black"/>
+                </a:solidFill>
+              </a:rPr>
+              <a:pPr/>
+              <a:t>24</a:t>
+            </a:fld>
+            <a:endParaRPr lang="en-US">
+              <a:solidFill>
+                <a:prstClr val="black"/>
+              </a:solidFill>
+            </a:endParaRPr>
+          </a:p>
+        </p:txBody>
+      </p:sp>
+    </p:spTree>
+    <p:extLst>
+      <p:ext uri="{BB962C8B-B14F-4D97-AF65-F5344CB8AC3E}">
+        <p14:creationId xmlns:p14="http://schemas.microsoft.com/office/powerpoint/2010/main" val="3424618025"/>
+      </p:ext>
+    </p:extLst>
+  </p:cSld>
+  <p:clrMapOvr>
+    <a:masterClrMapping/>
+  </p:clrMapOvr>
+</p:notes>
+</file>
+
+<file path=ppt/notesSlides/notesSlide5.xml><?xml version="1.0" encoding="utf-8"?>
+<p:notes xmlns:a="http://schemas.openxmlformats.org/drawingml/2006/main" xmlns:r="http://schemas.openxmlformats.org/officeDocument/2006/relationships" xmlns:p="http://schemas.openxmlformats.org/presentationml/2006/main">
+  <p:cSld>
+    <p:spTree>
+      <p:nvGrpSpPr>
+        <p:cNvPr id="1" name=""/>
+        <p:cNvGrpSpPr/>
+        <p:nvPr/>
+      </p:nvGrpSpPr>
+      <p:grpSpPr>
+        <a:xfrm>
+          <a:off x="0" y="0"/>
+          <a:ext cx="0" cy="0"/>
+          <a:chOff x="0" y="0"/>
+          <a:chExt cx="0" cy="0"/>
+        </a:xfrm>
+      </p:grpSpPr>
+      <p:sp>
+        <p:nvSpPr>
+          <p:cNvPr id="2" name="Slide Image Placeholder 1"/>
+          <p:cNvSpPr>
+            <a:spLocks noGrp="1" noRot="1" noChangeAspect="1"/>
+          </p:cNvSpPr>
+          <p:nvPr>
+            <p:ph type="sldImg"/>
+          </p:nvPr>
+        </p:nvSpPr>
+        <p:spPr/>
+      </p:sp>
+      <p:sp>
+        <p:nvSpPr>
+          <p:cNvPr id="3" name="Notes Placeholder 2"/>
+          <p:cNvSpPr>
+            <a:spLocks noGrp="1"/>
+          </p:cNvSpPr>
+          <p:nvPr>
+            <p:ph type="body" idx="1"/>
+          </p:nvPr>
+        </p:nvSpPr>
+        <p:spPr/>
+        <p:txBody>
+          <a:bodyPr/>
+          <a:lstStyle/>
+          <a:p>
+            <a:endParaRPr lang="en-US" dirty="0"/>
+          </a:p>
+        </p:txBody>
+      </p:sp>
+      <p:sp>
+        <p:nvSpPr>
+          <p:cNvPr id="4" name="Slide Number Placeholder 3"/>
+          <p:cNvSpPr>
+            <a:spLocks noGrp="1"/>
+          </p:cNvSpPr>
+          <p:nvPr>
+            <p:ph type="sldNum" sz="quarter" idx="10"/>
+          </p:nvPr>
+        </p:nvSpPr>
+        <p:spPr/>
+        <p:txBody>
+          <a:bodyPr/>
+          <a:lstStyle/>
+          <a:p>
+            <a:fld id="{860219D5-68C2-45E8-A87E-5CD834021840}" type="slidenum">
+              <a:rPr lang="en-US" smtClean="0">
+                <a:solidFill>
+                  <a:prstClr val="black"/>
+                </a:solidFill>
+              </a:rPr>
+              <a:pPr/>
+              <a:t>25</a:t>
+            </a:fld>
+            <a:endParaRPr lang="en-US">
+              <a:solidFill>
+                <a:prstClr val="black"/>
+              </a:solidFill>
+            </a:endParaRPr>
+          </a:p>
+        </p:txBody>
+      </p:sp>
+    </p:spTree>
+    <p:extLst>
+      <p:ext uri="{BB962C8B-B14F-4D97-AF65-F5344CB8AC3E}">
+        <p14:creationId xmlns:p14="http://schemas.microsoft.com/office/powerpoint/2010/main" val="162216765"/>
+      </p:ext>
+    </p:extLst>
+  </p:cSld>
+  <p:clrMapOvr>
+    <a:masterClrMapping/>
+  </p:clrMapOvr>
+</p:notes>
+</file>
+
 <file path=ppt/slideLayouts/slideLayout1.xml><?xml version="1.0" encoding="utf-8"?>
 <p:sldLayout xmlns:a="http://schemas.openxmlformats.org/drawingml/2006/main" xmlns:r="http://schemas.openxmlformats.org/officeDocument/2006/relationships" xmlns:p="http://schemas.openxmlformats.org/presentationml/2006/main" type="title" preserve="1">
   <p:cSld name="Title Slide">
@@ -279,7 +1092,7 @@
             <a:fld id="{6CEDDB51-4372-4FB4-AF49-668D4DCAAC25}" type="datetimeFigureOut">
               <a:rPr lang="en-US" smtClean="0"/>
               <a:pPr/>
-              <a:t>7/15/2018</a:t>
+              <a:t>7/16/2018</a:t>
             </a:fld>
             <a:endParaRPr lang="en-US"/>
           </a:p>
@@ -451,7 +1264,7 @@
             <a:fld id="{6CEDDB51-4372-4FB4-AF49-668D4DCAAC25}" type="datetimeFigureOut">
               <a:rPr lang="en-US" smtClean="0"/>
               <a:pPr/>
-              <a:t>7/15/2018</a:t>
+              <a:t>7/16/2018</a:t>
             </a:fld>
             <a:endParaRPr lang="en-US"/>
           </a:p>
@@ -633,7 +1446,7 @@
             <a:fld id="{6CEDDB51-4372-4FB4-AF49-668D4DCAAC25}" type="datetimeFigureOut">
               <a:rPr lang="en-US" smtClean="0"/>
               <a:pPr/>
-              <a:t>7/15/2018</a:t>
+              <a:t>7/16/2018</a:t>
             </a:fld>
             <a:endParaRPr lang="en-US"/>
           </a:p>
@@ -805,7 +1618,7 @@
             <a:fld id="{6CEDDB51-4372-4FB4-AF49-668D4DCAAC25}" type="datetimeFigureOut">
               <a:rPr lang="en-US" smtClean="0"/>
               <a:pPr/>
-              <a:t>7/15/2018</a:t>
+              <a:t>7/16/2018</a:t>
             </a:fld>
             <a:endParaRPr lang="en-US"/>
           </a:p>
@@ -1053,7 +1866,7 @@
             <a:fld id="{6CEDDB51-4372-4FB4-AF49-668D4DCAAC25}" type="datetimeFigureOut">
               <a:rPr lang="en-US" smtClean="0"/>
               <a:pPr/>
-              <a:t>7/15/2018</a:t>
+              <a:t>7/16/2018</a:t>
             </a:fld>
             <a:endParaRPr lang="en-US"/>
           </a:p>
@@ -1287,7 +2100,7 @@
             <a:fld id="{6CEDDB51-4372-4FB4-AF49-668D4DCAAC25}" type="datetimeFigureOut">
               <a:rPr lang="en-US" smtClean="0"/>
               <a:pPr/>
-              <a:t>7/15/2018</a:t>
+              <a:t>7/16/2018</a:t>
             </a:fld>
             <a:endParaRPr lang="en-US"/>
           </a:p>
@@ -1656,7 +2469,7 @@
             <a:fld id="{6CEDDB51-4372-4FB4-AF49-668D4DCAAC25}" type="datetimeFigureOut">
               <a:rPr lang="en-US" smtClean="0"/>
               <a:pPr/>
-              <a:t>7/15/2018</a:t>
+              <a:t>7/16/2018</a:t>
             </a:fld>
             <a:endParaRPr lang="en-US"/>
           </a:p>
@@ -1776,7 +2589,7 @@
             <a:fld id="{6CEDDB51-4372-4FB4-AF49-668D4DCAAC25}" type="datetimeFigureOut">
               <a:rPr lang="en-US" smtClean="0"/>
               <a:pPr/>
-              <a:t>7/15/2018</a:t>
+              <a:t>7/16/2018</a:t>
             </a:fld>
             <a:endParaRPr lang="en-US"/>
           </a:p>
@@ -1873,7 +2686,7 @@
             <a:fld id="{6CEDDB51-4372-4FB4-AF49-668D4DCAAC25}" type="datetimeFigureOut">
               <a:rPr lang="en-US" smtClean="0"/>
               <a:pPr/>
-              <a:t>7/15/2018</a:t>
+              <a:t>7/16/2018</a:t>
             </a:fld>
             <a:endParaRPr lang="en-US"/>
           </a:p>
@@ -2152,7 +2965,7 @@
             <a:fld id="{6CEDDB51-4372-4FB4-AF49-668D4DCAAC25}" type="datetimeFigureOut">
               <a:rPr lang="en-US" smtClean="0"/>
               <a:pPr/>
-              <a:t>7/15/2018</a:t>
+              <a:t>7/16/2018</a:t>
             </a:fld>
             <a:endParaRPr lang="en-US"/>
           </a:p>
@@ -2407,7 +3220,7 @@
             <a:fld id="{6CEDDB51-4372-4FB4-AF49-668D4DCAAC25}" type="datetimeFigureOut">
               <a:rPr lang="en-US" smtClean="0"/>
               <a:pPr/>
-              <a:t>7/15/2018</a:t>
+              <a:t>7/16/2018</a:t>
             </a:fld>
             <a:endParaRPr lang="en-US"/>
           </a:p>
@@ -2622,7 +3435,7 @@
             <a:fld id="{6CEDDB51-4372-4FB4-AF49-668D4DCAAC25}" type="datetimeFigureOut">
               <a:rPr lang="en-US" smtClean="0"/>
               <a:pPr/>
-              <a:t>7/15/2018</a:t>
+              <a:t>7/16/2018</a:t>
             </a:fld>
             <a:endParaRPr lang="en-US"/>
           </a:p>
@@ -8710,7 +9523,6 @@
               <a:rPr lang="en-US" dirty="0" smtClean="0"/>
               <a:t>;</a:t>
             </a:r>
-            <a:endParaRPr lang="en-US" dirty="0" smtClean="0"/>
           </a:p>
           <a:p>
             <a:pPr marL="457200" lvl="1" indent="0">
@@ -9823,21 +10635,18 @@
       </p:sp>
       <p:sp>
         <p:nvSpPr>
-          <p:cNvPr id="4" name="Rounded Rectangle 3"/>
+          <p:cNvPr id="5" name="Rounded Rectangle 4"/>
           <p:cNvSpPr/>
           <p:nvPr/>
         </p:nvSpPr>
         <p:spPr>
           <a:xfrm>
-            <a:off x="8529852" y="2485580"/>
-            <a:ext cx="2661315" cy="368489"/>
+            <a:off x="9717209" y="1943882"/>
+            <a:ext cx="1473958" cy="300251"/>
           </a:xfrm>
           <a:prstGeom prst="roundRect">
             <a:avLst/>
           </a:prstGeom>
-          <a:solidFill>
-            <a:schemeClr val="bg1"/>
-          </a:solidFill>
         </p:spPr>
         <p:style>
           <a:lnRef idx="2">
@@ -9859,32 +10668,25 @@
           <a:bodyPr rtlCol="0" anchor="ctr"/>
           <a:lstStyle/>
           <a:p>
-            <a:r>
-              <a:rPr lang="en-US" sz="1600" dirty="0" smtClean="0">
-                <a:solidFill>
-                  <a:schemeClr val="tx1"/>
-                </a:solidFill>
-              </a:rPr>
-              <a:t>Search</a:t>
-            </a:r>
-            <a:endParaRPr lang="en-US" sz="1600" dirty="0">
-              <a:solidFill>
-                <a:schemeClr val="tx1"/>
-              </a:solidFill>
-            </a:endParaRPr>
-          </a:p>
-        </p:txBody>
-      </p:sp>
-      <p:sp>
-        <p:nvSpPr>
-          <p:cNvPr id="5" name="Rounded Rectangle 4"/>
+            <a:pPr algn="ctr"/>
+            <a:r>
+              <a:rPr lang="en-US" dirty="0" smtClean="0"/>
+              <a:t>Logout</a:t>
+            </a:r>
+            <a:endParaRPr lang="en-US" dirty="0"/>
+          </a:p>
+        </p:txBody>
+      </p:sp>
+      <p:sp>
+        <p:nvSpPr>
+          <p:cNvPr id="9" name="Rounded Rectangle 8"/>
           <p:cNvSpPr/>
           <p:nvPr/>
         </p:nvSpPr>
         <p:spPr>
           <a:xfrm>
-            <a:off x="9717209" y="1943882"/>
-            <a:ext cx="1473958" cy="300251"/>
+            <a:off x="6893262" y="1938986"/>
+            <a:ext cx="2661315" cy="298618"/>
           </a:xfrm>
           <a:prstGeom prst="roundRect">
             <a:avLst/>
@@ -9913,7 +10715,7 @@
             <a:pPr algn="ctr"/>
             <a:r>
               <a:rPr lang="en-US" dirty="0" smtClean="0"/>
-              <a:t>Logout</a:t>
+              <a:t>Hi! user@mail.com</a:t>
             </a:r>
             <a:endParaRPr lang="en-US" dirty="0"/>
           </a:p>
@@ -9921,14 +10723,14 @@
       </p:sp>
       <p:sp>
         <p:nvSpPr>
-          <p:cNvPr id="9" name="Rounded Rectangle 8"/>
+          <p:cNvPr id="12" name="Rounded Rectangle 11"/>
           <p:cNvSpPr/>
           <p:nvPr/>
         </p:nvSpPr>
         <p:spPr>
           <a:xfrm>
-            <a:off x="6893262" y="1938986"/>
-            <a:ext cx="2661315" cy="298618"/>
+            <a:off x="838200" y="1897040"/>
+            <a:ext cx="1290851" cy="393936"/>
           </a:xfrm>
           <a:prstGeom prst="roundRect">
             <a:avLst/>
@@ -9957,7 +10759,7 @@
             <a:pPr algn="ctr"/>
             <a:r>
               <a:rPr lang="en-US" dirty="0" smtClean="0"/>
-              <a:t>Hi! user@mail.com</a:t>
+              <a:t>Dash Board</a:t>
             </a:r>
             <a:endParaRPr lang="en-US" dirty="0"/>
           </a:p>
@@ -9965,18 +10767,21 @@
       </p:sp>
       <p:sp>
         <p:nvSpPr>
-          <p:cNvPr id="12" name="Rounded Rectangle 11"/>
+          <p:cNvPr id="13" name="Rounded Rectangle 12"/>
           <p:cNvSpPr/>
           <p:nvPr/>
         </p:nvSpPr>
         <p:spPr>
           <a:xfrm>
-            <a:off x="838200" y="1897040"/>
-            <a:ext cx="1290851" cy="393936"/>
+            <a:off x="838200" y="2528211"/>
+            <a:ext cx="1290851" cy="283229"/>
           </a:xfrm>
           <a:prstGeom prst="roundRect">
             <a:avLst/>
           </a:prstGeom>
+          <a:solidFill>
+            <a:schemeClr val="bg1"/>
+          </a:solidFill>
         </p:spPr>
         <p:style>
           <a:lnRef idx="2">
@@ -10000,22 +10805,30 @@
           <a:p>
             <a:pPr algn="ctr"/>
             <a:r>
-              <a:rPr lang="en-US" dirty="0" smtClean="0"/>
-              <a:t>Dash Board</a:t>
-            </a:r>
-            <a:endParaRPr lang="en-US" dirty="0"/>
-          </a:p>
-        </p:txBody>
-      </p:sp>
-      <p:sp>
-        <p:nvSpPr>
-          <p:cNvPr id="13" name="Rounded Rectangle 12"/>
+              <a:rPr lang="en-US" dirty="0" smtClean="0">
+                <a:solidFill>
+                  <a:schemeClr val="tx1"/>
+                </a:solidFill>
+              </a:rPr>
+              <a:t>My Profile</a:t>
+            </a:r>
+            <a:endParaRPr lang="en-US" dirty="0">
+              <a:solidFill>
+                <a:schemeClr val="tx1"/>
+              </a:solidFill>
+            </a:endParaRPr>
+          </a:p>
+        </p:txBody>
+      </p:sp>
+      <p:sp>
+        <p:nvSpPr>
+          <p:cNvPr id="17" name="Rounded Rectangle 16"/>
           <p:cNvSpPr/>
           <p:nvPr/>
         </p:nvSpPr>
         <p:spPr>
           <a:xfrm>
-            <a:off x="838200" y="2528211"/>
+            <a:off x="838200" y="2935904"/>
             <a:ext cx="1290851" cy="283229"/>
           </a:xfrm>
           <a:prstGeom prst="roundRect">
@@ -10052,7 +10865,7 @@
                   <a:schemeClr val="tx1"/>
                 </a:solidFill>
               </a:rPr>
-              <a:t>My Profile</a:t>
+              <a:t>Requisition</a:t>
             </a:r>
             <a:endParaRPr lang="en-US" dirty="0">
               <a:solidFill>
@@ -10064,13 +10877,13 @@
       </p:sp>
       <p:sp>
         <p:nvSpPr>
-          <p:cNvPr id="17" name="Rounded Rectangle 16"/>
+          <p:cNvPr id="18" name="Rounded Rectangle 17"/>
           <p:cNvSpPr/>
           <p:nvPr/>
         </p:nvSpPr>
         <p:spPr>
           <a:xfrm>
-            <a:off x="838200" y="2935904"/>
+            <a:off x="838200" y="3391313"/>
             <a:ext cx="1290851" cy="283229"/>
           </a:xfrm>
           <a:prstGeom prst="roundRect">
@@ -10102,14 +10915,14 @@
           <a:p>
             <a:pPr algn="ctr"/>
             <a:r>
-              <a:rPr lang="en-US" dirty="0" smtClean="0">
+              <a:rPr lang="en-US" sz="1600" dirty="0" smtClean="0">
                 <a:solidFill>
                   <a:schemeClr val="tx1"/>
                 </a:solidFill>
               </a:rPr>
-              <a:t>Requisition</a:t>
-            </a:r>
-            <a:endParaRPr lang="en-US" dirty="0">
+              <a:t>My Request</a:t>
+            </a:r>
+            <a:endParaRPr lang="en-US" sz="1600" dirty="0">
               <a:solidFill>
                 <a:schemeClr val="tx1"/>
               </a:solidFill>
@@ -10119,14 +10932,14 @@
       </p:sp>
       <p:sp>
         <p:nvSpPr>
-          <p:cNvPr id="18" name="Rounded Rectangle 17"/>
+          <p:cNvPr id="19" name="Rounded Rectangle 18"/>
           <p:cNvSpPr/>
           <p:nvPr/>
         </p:nvSpPr>
         <p:spPr>
           <a:xfrm>
-            <a:off x="838200" y="3391313"/>
-            <a:ext cx="1290851" cy="283229"/>
+            <a:off x="838199" y="3819421"/>
+            <a:ext cx="1290852" cy="506921"/>
           </a:xfrm>
           <a:prstGeom prst="roundRect">
             <a:avLst/>
@@ -10162,7 +10975,7 @@
                   <a:schemeClr val="tx1"/>
                 </a:solidFill>
               </a:rPr>
-              <a:t>My Request</a:t>
+              <a:t>Vehicle Search</a:t>
             </a:r>
             <a:endParaRPr lang="en-US" sz="1600" dirty="0">
               <a:solidFill>
@@ -10174,21 +10987,18 @@
       </p:sp>
       <p:sp>
         <p:nvSpPr>
-          <p:cNvPr id="19" name="Rounded Rectangle 18"/>
+          <p:cNvPr id="14" name="Rounded Rectangle 13"/>
           <p:cNvSpPr/>
           <p:nvPr/>
         </p:nvSpPr>
         <p:spPr>
           <a:xfrm>
-            <a:off x="838199" y="3819421"/>
-            <a:ext cx="1290852" cy="506921"/>
+            <a:off x="2279177" y="2472856"/>
+            <a:ext cx="2169994" cy="393936"/>
           </a:xfrm>
           <a:prstGeom prst="roundRect">
             <a:avLst/>
           </a:prstGeom>
-          <a:solidFill>
-            <a:schemeClr val="bg1"/>
-          </a:solidFill>
         </p:spPr>
         <p:style>
           <a:lnRef idx="2">
@@ -10212,14 +11022,26 @@
           <a:p>
             <a:pPr algn="ctr"/>
             <a:r>
-              <a:rPr lang="en-US" sz="1600" dirty="0" smtClean="0">
+              <a:rPr lang="en-US" dirty="0" smtClean="0"/>
+              <a:t>Home &gt; </a:t>
+            </a:r>
+            <a:r>
+              <a:rPr lang="en-US" dirty="0" smtClean="0">
                 <a:solidFill>
                   <a:schemeClr val="tx1"/>
                 </a:solidFill>
               </a:rPr>
-              <a:t>Vehicle Search</a:t>
-            </a:r>
-            <a:endParaRPr lang="en-US" sz="1600" dirty="0">
+              <a:t>Dash </a:t>
+            </a:r>
+            <a:r>
+              <a:rPr lang="en-US" dirty="0" smtClean="0">
+                <a:solidFill>
+                  <a:schemeClr val="tx1"/>
+                </a:solidFill>
+              </a:rPr>
+              <a:t>Board</a:t>
+            </a:r>
+            <a:endParaRPr lang="en-US" dirty="0">
               <a:solidFill>
                 <a:schemeClr val="tx1"/>
               </a:solidFill>
@@ -10227,6 +11049,191 @@
           </a:p>
         </p:txBody>
       </p:sp>
+      <p:graphicFrame>
+        <p:nvGraphicFramePr>
+          <p:cNvPr id="6" name="Table 5"/>
+          <p:cNvGraphicFramePr>
+            <a:graphicFrameLocks noGrp="1"/>
+          </p:cNvGraphicFramePr>
+          <p:nvPr>
+            <p:extLst>
+              <p:ext uri="{D42A27DB-BD31-4B8C-83A1-F6EECF244321}">
+                <p14:modId xmlns:p14="http://schemas.microsoft.com/office/powerpoint/2010/main" val="2980147619"/>
+              </p:ext>
+            </p:extLst>
+          </p:nvPr>
+        </p:nvGraphicFramePr>
+        <p:xfrm>
+          <a:off x="2291683" y="3063335"/>
+          <a:ext cx="6251816" cy="1890800"/>
+        </p:xfrm>
+        <a:graphic>
+          <a:graphicData uri="http://schemas.openxmlformats.org/drawingml/2006/table">
+            <a:tbl>
+              <a:tblPr firstRow="1" bandRow="1">
+                <a:tableStyleId>{5C22544A-7EE6-4342-B048-85BDC9FD1C3A}</a:tableStyleId>
+              </a:tblPr>
+              <a:tblGrid>
+                <a:gridCol w="6251816"/>
+              </a:tblGrid>
+              <a:tr h="378160">
+                <a:tc>
+                  <a:txBody>
+                    <a:bodyPr/>
+                    <a:lstStyle/>
+                    <a:p>
+                      <a:pPr marL="0" marR="0" indent="0" algn="l" defTabSz="914400" rtl="0" eaLnBrk="1" fontAlgn="auto" latinLnBrk="0" hangingPunct="1">
+                        <a:lnSpc>
+                          <a:spcPct val="100000"/>
+                        </a:lnSpc>
+                        <a:spcBef>
+                          <a:spcPts val="0"/>
+                        </a:spcBef>
+                        <a:spcAft>
+                          <a:spcPts val="0"/>
+                        </a:spcAft>
+                        <a:buClrTx/>
+                        <a:buSzTx/>
+                        <a:buFontTx/>
+                        <a:buNone/>
+                        <a:tabLst/>
+                        <a:defRPr/>
+                      </a:pPr>
+                      <a:r>
+                        <a:rPr lang="en-US" b="1" dirty="0" smtClean="0"/>
+                        <a:t>Personal Info</a:t>
+                      </a:r>
+                    </a:p>
+                  </a:txBody>
+                  <a:tcPr/>
+                </a:tc>
+              </a:tr>
+              <a:tr h="378160">
+                <a:tc>
+                  <a:txBody>
+                    <a:bodyPr/>
+                    <a:lstStyle/>
+                    <a:p>
+                      <a:r>
+                        <a:rPr lang="en-US" dirty="0" smtClean="0"/>
+                        <a:t>Name: </a:t>
+                      </a:r>
+                      <a:r>
+                        <a:rPr lang="en-US" baseline="0" dirty="0" smtClean="0"/>
+                        <a:t>  </a:t>
+                      </a:r>
+                      <a:r>
+                        <a:rPr lang="en-US" dirty="0" smtClean="0"/>
+                        <a:t>Chitto Ranjan Sarker </a:t>
+                      </a:r>
+                    </a:p>
+                  </a:txBody>
+                  <a:tcPr/>
+                </a:tc>
+              </a:tr>
+              <a:tr h="378160">
+                <a:tc>
+                  <a:txBody>
+                    <a:bodyPr/>
+                    <a:lstStyle/>
+                    <a:p>
+                      <a:r>
+                        <a:rPr lang="en-US" dirty="0" smtClean="0"/>
+                        <a:t>Cell: </a:t>
+                      </a:r>
+                      <a:r>
+                        <a:rPr lang="en-US" baseline="0" dirty="0" smtClean="0"/>
+                        <a:t>      </a:t>
+                      </a:r>
+                      <a:r>
+                        <a:rPr lang="en-US" dirty="0" smtClean="0"/>
+                        <a:t>+8801714863917 </a:t>
+                      </a:r>
+                    </a:p>
+                  </a:txBody>
+                  <a:tcPr/>
+                </a:tc>
+              </a:tr>
+              <a:tr h="378160">
+                <a:tc>
+                  <a:txBody>
+                    <a:bodyPr/>
+                    <a:lstStyle/>
+                    <a:p>
+                      <a:r>
+                        <a:rPr lang="en-US" dirty="0" smtClean="0"/>
+                        <a:t>Email: </a:t>
+                      </a:r>
+                      <a:r>
+                        <a:rPr lang="en-US" baseline="0" dirty="0" smtClean="0"/>
+                        <a:t>   </a:t>
+                      </a:r>
+                      <a:r>
+                        <a:rPr lang="en-US" dirty="0" smtClean="0"/>
+                        <a:t>chittoranjan.sarker@gmail.com </a:t>
+                      </a:r>
+                    </a:p>
+                  </a:txBody>
+                  <a:tcPr/>
+                </a:tc>
+              </a:tr>
+              <a:tr h="378160">
+                <a:tc>
+                  <a:txBody>
+                    <a:bodyPr/>
+                    <a:lstStyle/>
+                    <a:p>
+                      <a:r>
+                        <a:rPr lang="en-US" dirty="0" smtClean="0"/>
+                        <a:t>Gender: </a:t>
+                      </a:r>
+                      <a:r>
+                        <a:rPr lang="en-US" baseline="0" dirty="0" smtClean="0"/>
+                        <a:t> </a:t>
+                      </a:r>
+                      <a:r>
+                        <a:rPr lang="en-US" dirty="0" smtClean="0"/>
+                        <a:t>Male </a:t>
+                      </a:r>
+                    </a:p>
+                  </a:txBody>
+                  <a:tcPr/>
+                </a:tc>
+              </a:tr>
+            </a:tbl>
+          </a:graphicData>
+        </a:graphic>
+      </p:graphicFrame>
+      <p:pic>
+        <p:nvPicPr>
+          <p:cNvPr id="7" name="Picture 6"/>
+          <p:cNvPicPr>
+            <a:picLocks noChangeAspect="1"/>
+          </p:cNvPicPr>
+          <p:nvPr/>
+        </p:nvPicPr>
+        <p:blipFill>
+          <a:blip r:embed="rId3" cstate="print">
+            <a:extLst>
+              <a:ext uri="{28A0092B-C50C-407E-A947-70E740481C1C}">
+                <a14:useLocalDpi xmlns:a14="http://schemas.microsoft.com/office/drawing/2010/main" val="0"/>
+              </a:ext>
+            </a:extLst>
+          </a:blip>
+          <a:stretch>
+            <a:fillRect/>
+          </a:stretch>
+        </p:blipFill>
+        <p:spPr>
+          <a:xfrm>
+            <a:off x="10202202" y="2528211"/>
+            <a:ext cx="988965" cy="914832"/>
+          </a:xfrm>
+          <a:prstGeom prst="rect">
+            <a:avLst/>
+          </a:prstGeom>
+        </p:spPr>
+      </p:pic>
     </p:spTree>
     <p:extLst>
       <p:ext uri="{BB962C8B-B14F-4D97-AF65-F5344CB8AC3E}">
@@ -10320,7 +11327,7 @@
             <a:pPr algn="ctr"/>
             <a:r>
               <a:rPr lang="en-US" b="1" dirty="0" smtClean="0"/>
-              <a:t>System Controller Diagram</a:t>
+              <a:t>Employee View Diagram</a:t>
             </a:r>
             <a:endParaRPr lang="en-US" b="1" dirty="0"/>
           </a:p>
@@ -10328,7 +11335,7 @@
       </p:sp>
       <p:sp>
         <p:nvSpPr>
-          <p:cNvPr id="4" name="Flowchart: Internal Storage 3"/>
+          <p:cNvPr id="3" name="Flowchart: Internal Storage 2"/>
           <p:cNvSpPr/>
           <p:nvPr/>
         </p:nvSpPr>
@@ -10367,7 +11374,11 @@
           <a:lstStyle/>
           <a:p>
             <a:pPr algn="ctr"/>
-            <a:endParaRPr lang="en-US"/>
+            <a:endParaRPr lang="en-US">
+              <a:solidFill>
+                <a:prstClr val="white"/>
+              </a:solidFill>
+            </a:endParaRPr>
           </a:p>
         </p:txBody>
       </p:sp>
@@ -10379,15 +11390,12 @@
         </p:nvSpPr>
         <p:spPr>
           <a:xfrm>
-            <a:off x="8529852" y="2485580"/>
-            <a:ext cx="2661315" cy="368489"/>
+            <a:off x="9717209" y="1943882"/>
+            <a:ext cx="1473958" cy="300251"/>
           </a:xfrm>
           <a:prstGeom prst="roundRect">
             <a:avLst/>
           </a:prstGeom>
-          <a:solidFill>
-            <a:schemeClr val="bg1"/>
-          </a:solidFill>
         </p:spPr>
         <p:style>
           <a:lnRef idx="2">
@@ -10409,17 +11417,18 @@
           <a:bodyPr rtlCol="0" anchor="ctr"/>
           <a:lstStyle/>
           <a:p>
-            <a:r>
-              <a:rPr lang="en-US" sz="1600" dirty="0" smtClean="0">
-                <a:solidFill>
-                  <a:schemeClr val="tx1"/>
+            <a:pPr algn="ctr"/>
+            <a:r>
+              <a:rPr lang="en-US" dirty="0" smtClean="0">
+                <a:solidFill>
+                  <a:prstClr val="white"/>
                 </a:solidFill>
               </a:rPr>
-              <a:t>Search</a:t>
-            </a:r>
-            <a:endParaRPr lang="en-US" sz="1600" dirty="0">
+              <a:t>Logout</a:t>
+            </a:r>
+            <a:endParaRPr lang="en-US" dirty="0">
               <a:solidFill>
-                <a:schemeClr val="tx1"/>
+                <a:prstClr val="white"/>
               </a:solidFill>
             </a:endParaRPr>
           </a:p>
@@ -10427,14 +11436,14 @@
       </p:sp>
       <p:sp>
         <p:nvSpPr>
-          <p:cNvPr id="6" name="Rounded Rectangle 5"/>
+          <p:cNvPr id="9" name="Rounded Rectangle 8"/>
           <p:cNvSpPr/>
           <p:nvPr/>
         </p:nvSpPr>
         <p:spPr>
           <a:xfrm>
-            <a:off x="9717209" y="1943882"/>
-            <a:ext cx="1473958" cy="300251"/>
+            <a:off x="6893262" y="1938986"/>
+            <a:ext cx="2661315" cy="298618"/>
           </a:xfrm>
           <a:prstGeom prst="roundRect">
             <a:avLst/>
@@ -10462,23 +11471,31 @@
           <a:p>
             <a:pPr algn="ctr"/>
             <a:r>
-              <a:rPr lang="en-US" dirty="0" smtClean="0"/>
-              <a:t>Logout</a:t>
-            </a:r>
-            <a:endParaRPr lang="en-US" dirty="0"/>
-          </a:p>
-        </p:txBody>
-      </p:sp>
-      <p:sp>
-        <p:nvSpPr>
-          <p:cNvPr id="7" name="Rounded Rectangle 6"/>
+              <a:rPr lang="en-US" dirty="0" smtClean="0">
+                <a:solidFill>
+                  <a:prstClr val="white"/>
+                </a:solidFill>
+              </a:rPr>
+              <a:t>Hi! user@mail.com</a:t>
+            </a:r>
+            <a:endParaRPr lang="en-US" dirty="0">
+              <a:solidFill>
+                <a:prstClr val="white"/>
+              </a:solidFill>
+            </a:endParaRPr>
+          </a:p>
+        </p:txBody>
+      </p:sp>
+      <p:sp>
+        <p:nvSpPr>
+          <p:cNvPr id="12" name="Rounded Rectangle 11"/>
           <p:cNvSpPr/>
           <p:nvPr/>
         </p:nvSpPr>
         <p:spPr>
           <a:xfrm>
-            <a:off x="6893262" y="1938986"/>
-            <a:ext cx="2661315" cy="298618"/>
+            <a:off x="838200" y="1897040"/>
+            <a:ext cx="1290851" cy="393936"/>
           </a:xfrm>
           <a:prstGeom prst="roundRect">
             <a:avLst/>
@@ -10506,27 +11523,38 @@
           <a:p>
             <a:pPr algn="ctr"/>
             <a:r>
-              <a:rPr lang="en-US" dirty="0" smtClean="0"/>
-              <a:t>Hi! user@mail.com</a:t>
-            </a:r>
-            <a:endParaRPr lang="en-US" dirty="0"/>
-          </a:p>
-        </p:txBody>
-      </p:sp>
-      <p:sp>
-        <p:nvSpPr>
-          <p:cNvPr id="8" name="Rounded Rectangle 7"/>
+              <a:rPr lang="en-US" dirty="0" smtClean="0">
+                <a:solidFill>
+                  <a:prstClr val="white"/>
+                </a:solidFill>
+              </a:rPr>
+              <a:t>Dash Board</a:t>
+            </a:r>
+            <a:endParaRPr lang="en-US" dirty="0">
+              <a:solidFill>
+                <a:prstClr val="white"/>
+              </a:solidFill>
+            </a:endParaRPr>
+          </a:p>
+        </p:txBody>
+      </p:sp>
+      <p:sp>
+        <p:nvSpPr>
+          <p:cNvPr id="13" name="Rounded Rectangle 12"/>
           <p:cNvSpPr/>
           <p:nvPr/>
         </p:nvSpPr>
         <p:spPr>
           <a:xfrm>
-            <a:off x="838200" y="1897040"/>
-            <a:ext cx="1290851" cy="393936"/>
+            <a:off x="838200" y="2528211"/>
+            <a:ext cx="1290851" cy="283229"/>
           </a:xfrm>
           <a:prstGeom prst="roundRect">
             <a:avLst/>
           </a:prstGeom>
+          <a:solidFill>
+            <a:schemeClr val="bg1"/>
+          </a:solidFill>
         </p:spPr>
         <p:style>
           <a:lnRef idx="2">
@@ -10550,22 +11578,30 @@
           <a:p>
             <a:pPr algn="ctr"/>
             <a:r>
-              <a:rPr lang="en-US" dirty="0" smtClean="0"/>
-              <a:t>Dash Board</a:t>
-            </a:r>
-            <a:endParaRPr lang="en-US" dirty="0"/>
-          </a:p>
-        </p:txBody>
-      </p:sp>
-      <p:sp>
-        <p:nvSpPr>
-          <p:cNvPr id="9" name="Rounded Rectangle 8"/>
+              <a:rPr lang="en-US" dirty="0" smtClean="0">
+                <a:solidFill>
+                  <a:prstClr val="black"/>
+                </a:solidFill>
+              </a:rPr>
+              <a:t>My Profile</a:t>
+            </a:r>
+            <a:endParaRPr lang="en-US" dirty="0">
+              <a:solidFill>
+                <a:prstClr val="black"/>
+              </a:solidFill>
+            </a:endParaRPr>
+          </a:p>
+        </p:txBody>
+      </p:sp>
+      <p:sp>
+        <p:nvSpPr>
+          <p:cNvPr id="17" name="Rounded Rectangle 16"/>
           <p:cNvSpPr/>
           <p:nvPr/>
         </p:nvSpPr>
         <p:spPr>
           <a:xfrm>
-            <a:off x="838200" y="2528211"/>
+            <a:off x="838200" y="2935904"/>
             <a:ext cx="1290851" cy="283229"/>
           </a:xfrm>
           <a:prstGeom prst="roundRect">
@@ -10597,16 +11633,16 @@
           <a:p>
             <a:pPr algn="ctr"/>
             <a:r>
-              <a:rPr lang="en-US" sz="1600" dirty="0" smtClean="0">
-                <a:solidFill>
-                  <a:schemeClr val="tx1"/>
+              <a:rPr lang="en-US" dirty="0" smtClean="0">
+                <a:solidFill>
+                  <a:prstClr val="black"/>
                 </a:solidFill>
               </a:rPr>
-              <a:t>Add Vehicle</a:t>
-            </a:r>
-            <a:endParaRPr lang="en-US" sz="1600" dirty="0">
+              <a:t>Requisition</a:t>
+            </a:r>
+            <a:endParaRPr lang="en-US" dirty="0">
               <a:solidFill>
-                <a:schemeClr val="tx1"/>
+                <a:prstClr val="black"/>
               </a:solidFill>
             </a:endParaRPr>
           </a:p>
@@ -10614,13 +11650,13 @@
       </p:sp>
       <p:sp>
         <p:nvSpPr>
-          <p:cNvPr id="10" name="Rounded Rectangle 9"/>
+          <p:cNvPr id="18" name="Rounded Rectangle 17"/>
           <p:cNvSpPr/>
           <p:nvPr/>
         </p:nvSpPr>
         <p:spPr>
           <a:xfrm>
-            <a:off x="838200" y="2935904"/>
+            <a:off x="838200" y="3391313"/>
             <a:ext cx="1290851" cy="283229"/>
           </a:xfrm>
           <a:prstGeom prst="roundRect">
@@ -10654,14 +11690,14 @@
             <a:r>
               <a:rPr lang="en-US" sz="1600" dirty="0" smtClean="0">
                 <a:solidFill>
-                  <a:schemeClr val="tx1"/>
+                  <a:prstClr val="black"/>
                 </a:solidFill>
               </a:rPr>
-              <a:t>ADD Driver</a:t>
+              <a:t>My Request</a:t>
             </a:r>
             <a:endParaRPr lang="en-US" sz="1600" dirty="0">
               <a:solidFill>
-                <a:schemeClr val="tx1"/>
+                <a:prstClr val="black"/>
               </a:solidFill>
             </a:endParaRPr>
           </a:p>
@@ -10669,14 +11705,14 @@
       </p:sp>
       <p:sp>
         <p:nvSpPr>
-          <p:cNvPr id="12" name="Rounded Rectangle 11"/>
+          <p:cNvPr id="19" name="Rounded Rectangle 18"/>
           <p:cNvSpPr/>
           <p:nvPr/>
         </p:nvSpPr>
         <p:spPr>
           <a:xfrm>
-            <a:off x="838200" y="3391313"/>
-            <a:ext cx="1290851" cy="511947"/>
+            <a:off x="838199" y="3819421"/>
+            <a:ext cx="1290852" cy="506921"/>
           </a:xfrm>
           <a:prstGeom prst="roundRect">
             <a:avLst/>
@@ -10709,14 +11745,377 @@
             <a:r>
               <a:rPr lang="en-US" sz="1600" dirty="0" smtClean="0">
                 <a:solidFill>
-                  <a:schemeClr val="tx1"/>
+                  <a:prstClr val="black"/>
                 </a:solidFill>
               </a:rPr>
-              <a:t>Add Employee</a:t>
+              <a:t>Vehicle Search</a:t>
             </a:r>
             <a:endParaRPr lang="en-US" sz="1600" dirty="0">
               <a:solidFill>
-                <a:schemeClr val="tx1"/>
+                <a:prstClr val="black"/>
+              </a:solidFill>
+            </a:endParaRPr>
+          </a:p>
+        </p:txBody>
+      </p:sp>
+      <p:sp>
+        <p:nvSpPr>
+          <p:cNvPr id="14" name="Rounded Rectangle 13"/>
+          <p:cNvSpPr/>
+          <p:nvPr/>
+        </p:nvSpPr>
+        <p:spPr>
+          <a:xfrm>
+            <a:off x="2279177" y="2472856"/>
+            <a:ext cx="2169994" cy="393936"/>
+          </a:xfrm>
+          <a:prstGeom prst="roundRect">
+            <a:avLst/>
+          </a:prstGeom>
+        </p:spPr>
+        <p:style>
+          <a:lnRef idx="2">
+            <a:schemeClr val="accent1">
+              <a:shade val="50000"/>
+            </a:schemeClr>
+          </a:lnRef>
+          <a:fillRef idx="1">
+            <a:schemeClr val="accent1"/>
+          </a:fillRef>
+          <a:effectRef idx="0">
+            <a:schemeClr val="accent1"/>
+          </a:effectRef>
+          <a:fontRef idx="minor">
+            <a:schemeClr val="lt1"/>
+          </a:fontRef>
+        </p:style>
+        <p:txBody>
+          <a:bodyPr rtlCol="0" anchor="ctr"/>
+          <a:lstStyle/>
+          <a:p>
+            <a:pPr algn="ctr"/>
+            <a:r>
+              <a:rPr lang="en-US" dirty="0" smtClean="0">
+                <a:solidFill>
+                  <a:prstClr val="white"/>
+                </a:solidFill>
+              </a:rPr>
+              <a:t>Home &gt; </a:t>
+            </a:r>
+            <a:r>
+              <a:rPr lang="en-US" dirty="0" smtClean="0">
+                <a:solidFill>
+                  <a:prstClr val="black"/>
+                </a:solidFill>
+              </a:rPr>
+              <a:t>My Profile</a:t>
+            </a:r>
+            <a:endParaRPr lang="en-US" dirty="0">
+              <a:solidFill>
+                <a:prstClr val="black"/>
+              </a:solidFill>
+            </a:endParaRPr>
+          </a:p>
+        </p:txBody>
+      </p:sp>
+      <p:graphicFrame>
+        <p:nvGraphicFramePr>
+          <p:cNvPr id="6" name="Table 5"/>
+          <p:cNvGraphicFramePr>
+            <a:graphicFrameLocks noGrp="1"/>
+          </p:cNvGraphicFramePr>
+          <p:nvPr>
+            <p:extLst>
+              <p:ext uri="{D42A27DB-BD31-4B8C-83A1-F6EECF244321}">
+                <p14:modId xmlns:p14="http://schemas.microsoft.com/office/powerpoint/2010/main" val="2293311976"/>
+              </p:ext>
+            </p:extLst>
+          </p:nvPr>
+        </p:nvGraphicFramePr>
+        <p:xfrm>
+          <a:off x="2291683" y="3063335"/>
+          <a:ext cx="7425526" cy="2152720"/>
+        </p:xfrm>
+        <a:graphic>
+          <a:graphicData uri="http://schemas.openxmlformats.org/drawingml/2006/table">
+            <a:tbl>
+              <a:tblPr firstRow="1" bandRow="1">
+                <a:tableStyleId>{5C22544A-7EE6-4342-B048-85BDC9FD1C3A}</a:tableStyleId>
+              </a:tblPr>
+              <a:tblGrid>
+                <a:gridCol w="3712763"/>
+                <a:gridCol w="3712763"/>
+              </a:tblGrid>
+              <a:tr h="378160">
+                <a:tc>
+                  <a:txBody>
+                    <a:bodyPr/>
+                    <a:lstStyle/>
+                    <a:p>
+                      <a:pPr marL="0" marR="0" indent="0" algn="l" defTabSz="914400" rtl="0" eaLnBrk="1" fontAlgn="auto" latinLnBrk="0" hangingPunct="1">
+                        <a:lnSpc>
+                          <a:spcPct val="100000"/>
+                        </a:lnSpc>
+                        <a:spcBef>
+                          <a:spcPts val="0"/>
+                        </a:spcBef>
+                        <a:spcAft>
+                          <a:spcPts val="0"/>
+                        </a:spcAft>
+                        <a:buClrTx/>
+                        <a:buSzTx/>
+                        <a:buFontTx/>
+                        <a:buNone/>
+                        <a:tabLst/>
+                        <a:defRPr/>
+                      </a:pPr>
+                      <a:r>
+                        <a:rPr lang="en-US" b="1" dirty="0" smtClean="0"/>
+                        <a:t>Personal Info</a:t>
+                      </a:r>
+                    </a:p>
+                  </a:txBody>
+                  <a:tcPr/>
+                </a:tc>
+                <a:tc>
+                  <a:txBody>
+                    <a:bodyPr/>
+                    <a:lstStyle/>
+                    <a:p>
+                      <a:pPr marL="0" marR="0" indent="0" algn="l" defTabSz="914400" rtl="0" eaLnBrk="1" fontAlgn="auto" latinLnBrk="0" hangingPunct="1">
+                        <a:lnSpc>
+                          <a:spcPct val="100000"/>
+                        </a:lnSpc>
+                        <a:spcBef>
+                          <a:spcPts val="0"/>
+                        </a:spcBef>
+                        <a:spcAft>
+                          <a:spcPts val="0"/>
+                        </a:spcAft>
+                        <a:buClrTx/>
+                        <a:buSzTx/>
+                        <a:buFontTx/>
+                        <a:buNone/>
+                        <a:tabLst/>
+                        <a:defRPr/>
+                      </a:pPr>
+                      <a:endParaRPr lang="en-US" b="1" dirty="0" smtClean="0"/>
+                    </a:p>
+                  </a:txBody>
+                  <a:tcPr/>
+                </a:tc>
+              </a:tr>
+              <a:tr h="378160">
+                <a:tc>
+                  <a:txBody>
+                    <a:bodyPr/>
+                    <a:lstStyle/>
+                    <a:p>
+                      <a:r>
+                        <a:rPr lang="en-US" dirty="0" smtClean="0"/>
+                        <a:t>Name: </a:t>
+                      </a:r>
+                      <a:r>
+                        <a:rPr lang="en-US" baseline="0" dirty="0" smtClean="0"/>
+                        <a:t>  </a:t>
+                      </a:r>
+                      <a:r>
+                        <a:rPr lang="en-US" dirty="0" smtClean="0"/>
+                        <a:t>Chitto Ranjan Sarker </a:t>
+                      </a:r>
+                    </a:p>
+                  </a:txBody>
+                  <a:tcPr/>
+                </a:tc>
+                <a:tc>
+                  <a:txBody>
+                    <a:bodyPr/>
+                    <a:lstStyle/>
+                    <a:p>
+                      <a:r>
+                        <a:rPr lang="en-US" dirty="0" smtClean="0"/>
+                        <a:t>Department: BKIICT</a:t>
+                      </a:r>
+                    </a:p>
+                  </a:txBody>
+                  <a:tcPr/>
+                </a:tc>
+              </a:tr>
+              <a:tr h="378160">
+                <a:tc>
+                  <a:txBody>
+                    <a:bodyPr/>
+                    <a:lstStyle/>
+                    <a:p>
+                      <a:r>
+                        <a:rPr lang="en-US" dirty="0" smtClean="0"/>
+                        <a:t>Cell: </a:t>
+                      </a:r>
+                      <a:r>
+                        <a:rPr lang="en-US" baseline="0" dirty="0" smtClean="0"/>
+                        <a:t>      </a:t>
+                      </a:r>
+                      <a:r>
+                        <a:rPr lang="en-US" dirty="0" smtClean="0"/>
+                        <a:t>+8801714863917 </a:t>
+                      </a:r>
+                    </a:p>
+                  </a:txBody>
+                  <a:tcPr/>
+                </a:tc>
+                <a:tc>
+                  <a:txBody>
+                    <a:bodyPr/>
+                    <a:lstStyle/>
+                    <a:p>
+                      <a:r>
+                        <a:rPr lang="en-US" dirty="0" smtClean="0"/>
+                        <a:t>Address: Mohammadpur, Dhaka.</a:t>
+                      </a:r>
+                    </a:p>
+                  </a:txBody>
+                  <a:tcPr/>
+                </a:tc>
+              </a:tr>
+              <a:tr h="378160">
+                <a:tc>
+                  <a:txBody>
+                    <a:bodyPr/>
+                    <a:lstStyle/>
+                    <a:p>
+                      <a:r>
+                        <a:rPr lang="en-US" dirty="0" smtClean="0"/>
+                        <a:t>Email: </a:t>
+                      </a:r>
+                      <a:r>
+                        <a:rPr lang="en-US" baseline="0" dirty="0" smtClean="0"/>
+                        <a:t>   </a:t>
+                      </a:r>
+                      <a:r>
+                        <a:rPr lang="en-US" dirty="0" smtClean="0"/>
+                        <a:t>chittoranjan.sarker@gmail.com </a:t>
+                      </a:r>
+                    </a:p>
+                  </a:txBody>
+                  <a:tcPr/>
+                </a:tc>
+                <a:tc>
+                  <a:txBody>
+                    <a:bodyPr/>
+                    <a:lstStyle/>
+                    <a:p>
+                      <a:endParaRPr lang="en-US" dirty="0" smtClean="0"/>
+                    </a:p>
+                  </a:txBody>
+                  <a:tcPr/>
+                </a:tc>
+              </a:tr>
+              <a:tr h="378160">
+                <a:tc>
+                  <a:txBody>
+                    <a:bodyPr/>
+                    <a:lstStyle/>
+                    <a:p>
+                      <a:r>
+                        <a:rPr lang="en-US" dirty="0" smtClean="0"/>
+                        <a:t>Designation: Programmer </a:t>
+                      </a:r>
+                    </a:p>
+                  </a:txBody>
+                  <a:tcPr/>
+                </a:tc>
+                <a:tc>
+                  <a:txBody>
+                    <a:bodyPr/>
+                    <a:lstStyle/>
+                    <a:p>
+                      <a:endParaRPr lang="en-US" dirty="0" smtClean="0"/>
+                    </a:p>
+                  </a:txBody>
+                  <a:tcPr/>
+                </a:tc>
+              </a:tr>
+            </a:tbl>
+          </a:graphicData>
+        </a:graphic>
+      </p:graphicFrame>
+      <p:pic>
+        <p:nvPicPr>
+          <p:cNvPr id="7" name="Picture 6"/>
+          <p:cNvPicPr>
+            <a:picLocks noChangeAspect="1"/>
+          </p:cNvPicPr>
+          <p:nvPr/>
+        </p:nvPicPr>
+        <p:blipFill>
+          <a:blip r:embed="rId3" cstate="print">
+            <a:extLst>
+              <a:ext uri="{28A0092B-C50C-407E-A947-70E740481C1C}">
+                <a14:useLocalDpi xmlns:a14="http://schemas.microsoft.com/office/drawing/2010/main" val="0"/>
+              </a:ext>
+            </a:extLst>
+          </a:blip>
+          <a:stretch>
+            <a:fillRect/>
+          </a:stretch>
+        </p:blipFill>
+        <p:spPr>
+          <a:xfrm>
+            <a:off x="10202202" y="2528211"/>
+            <a:ext cx="988965" cy="914832"/>
+          </a:xfrm>
+          <a:prstGeom prst="rect">
+            <a:avLst/>
+          </a:prstGeom>
+        </p:spPr>
+      </p:pic>
+      <p:sp>
+        <p:nvSpPr>
+          <p:cNvPr id="15" name="Rounded Rectangle 14"/>
+          <p:cNvSpPr/>
+          <p:nvPr/>
+        </p:nvSpPr>
+        <p:spPr>
+          <a:xfrm>
+            <a:off x="2279177" y="5363571"/>
+            <a:ext cx="1290851" cy="393936"/>
+          </a:xfrm>
+          <a:prstGeom prst="roundRect">
+            <a:avLst/>
+          </a:prstGeom>
+        </p:spPr>
+        <p:style>
+          <a:lnRef idx="2">
+            <a:schemeClr val="accent1">
+              <a:shade val="50000"/>
+            </a:schemeClr>
+          </a:lnRef>
+          <a:fillRef idx="1">
+            <a:schemeClr val="accent1"/>
+          </a:fillRef>
+          <a:effectRef idx="0">
+            <a:schemeClr val="accent1"/>
+          </a:effectRef>
+          <a:fontRef idx="minor">
+            <a:schemeClr val="lt1"/>
+          </a:fontRef>
+        </p:style>
+        <p:txBody>
+          <a:bodyPr rtlCol="0" anchor="ctr"/>
+          <a:lstStyle/>
+          <a:p>
+            <a:pPr algn="ctr"/>
+            <a:r>
+              <a:rPr lang="en-US" dirty="0" smtClean="0">
+                <a:solidFill>
+                  <a:prstClr val="white"/>
+                </a:solidFill>
+              </a:rPr>
+              <a:t>Update</a:t>
+            </a:r>
+            <a:endParaRPr lang="en-US" dirty="0">
+              <a:solidFill>
+                <a:prstClr val="white"/>
               </a:solidFill>
             </a:endParaRPr>
           </a:p>
@@ -10725,7 +12124,7 @@
     </p:spTree>
     <p:extLst>
       <p:ext uri="{BB962C8B-B14F-4D97-AF65-F5344CB8AC3E}">
-        <p14:creationId xmlns:p14="http://schemas.microsoft.com/office/powerpoint/2010/main" val="3513687348"/>
+        <p14:creationId xmlns:p14="http://schemas.microsoft.com/office/powerpoint/2010/main" val="1146407012"/>
       </p:ext>
     </p:extLst>
   </p:cSld>
@@ -10815,7 +12214,7 @@
             <a:pPr algn="ctr"/>
             <a:r>
               <a:rPr lang="en-US" b="1" dirty="0" smtClean="0"/>
-              <a:t>Vehicle Controller Diagram</a:t>
+              <a:t>Employee View Diagram</a:t>
             </a:r>
             <a:endParaRPr lang="en-US" b="1" dirty="0"/>
           </a:p>
@@ -10823,7 +12222,7 @@
       </p:sp>
       <p:sp>
         <p:nvSpPr>
-          <p:cNvPr id="12" name="Flowchart: Internal Storage 11"/>
+          <p:cNvPr id="3" name="Flowchart: Internal Storage 2"/>
           <p:cNvSpPr/>
           <p:nvPr/>
         </p:nvSpPr>
@@ -10862,27 +12261,28 @@
           <a:lstStyle/>
           <a:p>
             <a:pPr algn="ctr"/>
-            <a:endParaRPr lang="en-US"/>
-          </a:p>
-        </p:txBody>
-      </p:sp>
-      <p:sp>
-        <p:nvSpPr>
-          <p:cNvPr id="13" name="Rounded Rectangle 12"/>
+            <a:endParaRPr lang="en-US">
+              <a:solidFill>
+                <a:prstClr val="white"/>
+              </a:solidFill>
+            </a:endParaRPr>
+          </a:p>
+        </p:txBody>
+      </p:sp>
+      <p:sp>
+        <p:nvSpPr>
+          <p:cNvPr id="5" name="Rounded Rectangle 4"/>
           <p:cNvSpPr/>
           <p:nvPr/>
         </p:nvSpPr>
         <p:spPr>
           <a:xfrm>
-            <a:off x="8529852" y="2485580"/>
-            <a:ext cx="2661315" cy="368489"/>
+            <a:off x="9717209" y="1943882"/>
+            <a:ext cx="1473958" cy="300251"/>
           </a:xfrm>
           <a:prstGeom prst="roundRect">
             <a:avLst/>
           </a:prstGeom>
-          <a:solidFill>
-            <a:schemeClr val="bg1"/>
-          </a:solidFill>
         </p:spPr>
         <p:style>
           <a:lnRef idx="2">
@@ -10904,17 +12304,18 @@
           <a:bodyPr rtlCol="0" anchor="ctr"/>
           <a:lstStyle/>
           <a:p>
-            <a:r>
-              <a:rPr lang="en-US" sz="1600" dirty="0" smtClean="0">
-                <a:solidFill>
-                  <a:schemeClr val="tx1"/>
+            <a:pPr algn="ctr"/>
+            <a:r>
+              <a:rPr lang="en-US" dirty="0" smtClean="0">
+                <a:solidFill>
+                  <a:prstClr val="white"/>
                 </a:solidFill>
               </a:rPr>
-              <a:t>Search</a:t>
-            </a:r>
-            <a:endParaRPr lang="en-US" sz="1600" dirty="0">
+              <a:t>Logout</a:t>
+            </a:r>
+            <a:endParaRPr lang="en-US" dirty="0">
               <a:solidFill>
-                <a:schemeClr val="tx1"/>
+                <a:prstClr val="white"/>
               </a:solidFill>
             </a:endParaRPr>
           </a:p>
@@ -10922,14 +12323,14 @@
       </p:sp>
       <p:sp>
         <p:nvSpPr>
-          <p:cNvPr id="14" name="Rounded Rectangle 13"/>
+          <p:cNvPr id="9" name="Rounded Rectangle 8"/>
           <p:cNvSpPr/>
           <p:nvPr/>
         </p:nvSpPr>
         <p:spPr>
           <a:xfrm>
-            <a:off x="9717209" y="1943882"/>
-            <a:ext cx="1473958" cy="300251"/>
+            <a:off x="6893262" y="1938986"/>
+            <a:ext cx="2661315" cy="298618"/>
           </a:xfrm>
           <a:prstGeom prst="roundRect">
             <a:avLst/>
@@ -10957,23 +12358,31 @@
           <a:p>
             <a:pPr algn="ctr"/>
             <a:r>
-              <a:rPr lang="en-US" dirty="0" smtClean="0"/>
-              <a:t>Logout</a:t>
-            </a:r>
-            <a:endParaRPr lang="en-US" dirty="0"/>
-          </a:p>
-        </p:txBody>
-      </p:sp>
-      <p:sp>
-        <p:nvSpPr>
-          <p:cNvPr id="15" name="Rounded Rectangle 14"/>
+              <a:rPr lang="en-US" dirty="0" smtClean="0">
+                <a:solidFill>
+                  <a:prstClr val="white"/>
+                </a:solidFill>
+              </a:rPr>
+              <a:t>Hi! user@mail.com</a:t>
+            </a:r>
+            <a:endParaRPr lang="en-US" dirty="0">
+              <a:solidFill>
+                <a:prstClr val="white"/>
+              </a:solidFill>
+            </a:endParaRPr>
+          </a:p>
+        </p:txBody>
+      </p:sp>
+      <p:sp>
+        <p:nvSpPr>
+          <p:cNvPr id="12" name="Rounded Rectangle 11"/>
           <p:cNvSpPr/>
           <p:nvPr/>
         </p:nvSpPr>
         <p:spPr>
           <a:xfrm>
-            <a:off x="6893262" y="1938986"/>
-            <a:ext cx="2661315" cy="298618"/>
+            <a:off x="838200" y="1897040"/>
+            <a:ext cx="1290851" cy="393936"/>
           </a:xfrm>
           <a:prstGeom prst="roundRect">
             <a:avLst/>
@@ -11001,27 +12410,38 @@
           <a:p>
             <a:pPr algn="ctr"/>
             <a:r>
-              <a:rPr lang="en-US" dirty="0" smtClean="0"/>
-              <a:t>Hi! user@mail.com</a:t>
-            </a:r>
-            <a:endParaRPr lang="en-US" dirty="0"/>
-          </a:p>
-        </p:txBody>
-      </p:sp>
-      <p:sp>
-        <p:nvSpPr>
-          <p:cNvPr id="16" name="Rounded Rectangle 15"/>
+              <a:rPr lang="en-US" dirty="0" smtClean="0">
+                <a:solidFill>
+                  <a:prstClr val="white"/>
+                </a:solidFill>
+              </a:rPr>
+              <a:t>Dash Board</a:t>
+            </a:r>
+            <a:endParaRPr lang="en-US" dirty="0">
+              <a:solidFill>
+                <a:prstClr val="white"/>
+              </a:solidFill>
+            </a:endParaRPr>
+          </a:p>
+        </p:txBody>
+      </p:sp>
+      <p:sp>
+        <p:nvSpPr>
+          <p:cNvPr id="13" name="Rounded Rectangle 12"/>
           <p:cNvSpPr/>
           <p:nvPr/>
         </p:nvSpPr>
         <p:spPr>
           <a:xfrm>
-            <a:off x="838200" y="1897040"/>
-            <a:ext cx="1290851" cy="393936"/>
+            <a:off x="838200" y="2528211"/>
+            <a:ext cx="1290851" cy="283229"/>
           </a:xfrm>
           <a:prstGeom prst="roundRect">
             <a:avLst/>
           </a:prstGeom>
+          <a:solidFill>
+            <a:schemeClr val="bg1"/>
+          </a:solidFill>
         </p:spPr>
         <p:style>
           <a:lnRef idx="2">
@@ -11045,10 +12465,18 @@
           <a:p>
             <a:pPr algn="ctr"/>
             <a:r>
-              <a:rPr lang="en-US" dirty="0" smtClean="0"/>
-              <a:t>Dash Board</a:t>
-            </a:r>
-            <a:endParaRPr lang="en-US" dirty="0"/>
+              <a:rPr lang="en-US" dirty="0" smtClean="0">
+                <a:solidFill>
+                  <a:prstClr val="black"/>
+                </a:solidFill>
+              </a:rPr>
+              <a:t>My Profile</a:t>
+            </a:r>
+            <a:endParaRPr lang="en-US" dirty="0">
+              <a:solidFill>
+                <a:prstClr val="black"/>
+              </a:solidFill>
+            </a:endParaRPr>
           </a:p>
         </p:txBody>
       </p:sp>
@@ -11060,8 +12488,8 @@
         </p:nvSpPr>
         <p:spPr>
           <a:xfrm>
-            <a:off x="838200" y="2528211"/>
-            <a:ext cx="1290851" cy="524439"/>
+            <a:off x="838200" y="2935904"/>
+            <a:ext cx="1290851" cy="283229"/>
           </a:xfrm>
           <a:prstGeom prst="roundRect">
             <a:avLst/>
@@ -11094,14 +12522,14 @@
             <a:r>
               <a:rPr lang="en-US" dirty="0" smtClean="0">
                 <a:solidFill>
-                  <a:schemeClr val="tx1"/>
+                  <a:prstClr val="black"/>
                 </a:solidFill>
               </a:rPr>
-              <a:t>Requisition List</a:t>
+              <a:t>Requisition</a:t>
             </a:r>
             <a:endParaRPr lang="en-US" dirty="0">
               <a:solidFill>
-                <a:schemeClr val="tx1"/>
+                <a:prstClr val="black"/>
               </a:solidFill>
             </a:endParaRPr>
           </a:p>
@@ -11115,7 +12543,7 @@
         </p:nvSpPr>
         <p:spPr>
           <a:xfrm>
-            <a:off x="838198" y="3189029"/>
+            <a:off x="838200" y="3391313"/>
             <a:ext cx="1290851" cy="283229"/>
           </a:xfrm>
           <a:prstGeom prst="roundRect">
@@ -11147,16 +12575,16 @@
           <a:p>
             <a:pPr algn="ctr"/>
             <a:r>
-              <a:rPr lang="en-US" dirty="0" smtClean="0">
-                <a:solidFill>
-                  <a:schemeClr val="tx1"/>
+              <a:rPr lang="en-US" sz="1600" dirty="0" smtClean="0">
+                <a:solidFill>
+                  <a:prstClr val="black"/>
                 </a:solidFill>
               </a:rPr>
-              <a:t>Driver List</a:t>
-            </a:r>
-            <a:endParaRPr lang="en-US" dirty="0">
+              <a:t>My Request</a:t>
+            </a:r>
+            <a:endParaRPr lang="en-US" sz="1600" dirty="0">
               <a:solidFill>
-                <a:schemeClr val="tx1"/>
+                <a:prstClr val="black"/>
               </a:solidFill>
             </a:endParaRPr>
           </a:p>
@@ -11170,8 +12598,8 @@
         </p:nvSpPr>
         <p:spPr>
           <a:xfrm>
-            <a:off x="838197" y="3560211"/>
-            <a:ext cx="1290851" cy="483219"/>
+            <a:off x="838199" y="3819421"/>
+            <a:ext cx="1290852" cy="506921"/>
           </a:xfrm>
           <a:prstGeom prst="roundRect">
             <a:avLst/>
@@ -11204,14 +12632,14 @@
             <a:r>
               <a:rPr lang="en-US" sz="1600" dirty="0" smtClean="0">
                 <a:solidFill>
-                  <a:schemeClr val="tx1"/>
+                  <a:prstClr val="black"/>
                 </a:solidFill>
               </a:rPr>
-              <a:t>Employee List</a:t>
+              <a:t>Vehicle Search</a:t>
             </a:r>
             <a:endParaRPr lang="en-US" sz="1600" dirty="0">
               <a:solidFill>
-                <a:schemeClr val="tx1"/>
+                <a:prstClr val="black"/>
               </a:solidFill>
             </a:endParaRPr>
           </a:p>
@@ -11219,21 +12647,18 @@
       </p:sp>
       <p:sp>
         <p:nvSpPr>
-          <p:cNvPr id="20" name="Rounded Rectangle 19"/>
+          <p:cNvPr id="14" name="Rounded Rectangle 13"/>
           <p:cNvSpPr/>
           <p:nvPr/>
         </p:nvSpPr>
         <p:spPr>
           <a:xfrm>
-            <a:off x="838197" y="4166261"/>
-            <a:ext cx="1290851" cy="283229"/>
+            <a:off x="2279177" y="2472856"/>
+            <a:ext cx="2169994" cy="393936"/>
           </a:xfrm>
           <a:prstGeom prst="roundRect">
             <a:avLst/>
           </a:prstGeom>
-          <a:solidFill>
-            <a:schemeClr val="bg1"/>
-          </a:solidFill>
         </p:spPr>
         <p:style>
           <a:lnRef idx="2">
@@ -11257,38 +12682,294 @@
           <a:p>
             <a:pPr algn="ctr"/>
             <a:r>
-              <a:rPr lang="en-US" sz="1600" dirty="0" smtClean="0">
-                <a:solidFill>
-                  <a:schemeClr val="tx1"/>
+              <a:rPr lang="en-US" dirty="0" smtClean="0">
+                <a:solidFill>
+                  <a:prstClr val="white"/>
                 </a:solidFill>
               </a:rPr>
-              <a:t>Check In</a:t>
-            </a:r>
-            <a:endParaRPr lang="en-US" sz="1600" dirty="0">
+              <a:t>Home &gt; </a:t>
+            </a:r>
+            <a:r>
+              <a:rPr lang="en-US" dirty="0" smtClean="0">
+                <a:solidFill>
+                  <a:prstClr val="black"/>
+                </a:solidFill>
+              </a:rPr>
+              <a:t>Update</a:t>
+            </a:r>
+            <a:endParaRPr lang="en-US" dirty="0">
               <a:solidFill>
-                <a:schemeClr val="tx1"/>
+                <a:prstClr val="black"/>
               </a:solidFill>
             </a:endParaRPr>
           </a:p>
         </p:txBody>
       </p:sp>
-      <p:sp>
-        <p:nvSpPr>
-          <p:cNvPr id="26" name="Rounded Rectangle 25"/>
+      <p:graphicFrame>
+        <p:nvGraphicFramePr>
+          <p:cNvPr id="6" name="Table 5"/>
+          <p:cNvGraphicFramePr>
+            <a:graphicFrameLocks noGrp="1"/>
+          </p:cNvGraphicFramePr>
+          <p:nvPr>
+            <p:extLst>
+              <p:ext uri="{D42A27DB-BD31-4B8C-83A1-F6EECF244321}">
+                <p14:modId xmlns:p14="http://schemas.microsoft.com/office/powerpoint/2010/main" val="1030720802"/>
+              </p:ext>
+            </p:extLst>
+          </p:nvPr>
+        </p:nvGraphicFramePr>
+        <p:xfrm>
+          <a:off x="2279177" y="3584264"/>
+          <a:ext cx="7425526" cy="2152720"/>
+        </p:xfrm>
+        <a:graphic>
+          <a:graphicData uri="http://schemas.openxmlformats.org/drawingml/2006/table">
+            <a:tbl>
+              <a:tblPr firstRow="1" bandRow="1">
+                <a:tableStyleId>{5C22544A-7EE6-4342-B048-85BDC9FD1C3A}</a:tableStyleId>
+              </a:tblPr>
+              <a:tblGrid>
+                <a:gridCol w="3712763"/>
+                <a:gridCol w="3712763"/>
+              </a:tblGrid>
+              <a:tr h="378160">
+                <a:tc>
+                  <a:txBody>
+                    <a:bodyPr/>
+                    <a:lstStyle/>
+                    <a:p>
+                      <a:pPr marL="0" marR="0" indent="0" algn="l" defTabSz="914400" rtl="0" eaLnBrk="1" fontAlgn="auto" latinLnBrk="0" hangingPunct="1">
+                        <a:lnSpc>
+                          <a:spcPct val="100000"/>
+                        </a:lnSpc>
+                        <a:spcBef>
+                          <a:spcPts val="0"/>
+                        </a:spcBef>
+                        <a:spcAft>
+                          <a:spcPts val="0"/>
+                        </a:spcAft>
+                        <a:buClrTx/>
+                        <a:buSzTx/>
+                        <a:buFontTx/>
+                        <a:buNone/>
+                        <a:tabLst/>
+                        <a:defRPr/>
+                      </a:pPr>
+                      <a:r>
+                        <a:rPr lang="en-US" b="1" dirty="0" smtClean="0"/>
+                        <a:t>Personal Info</a:t>
+                      </a:r>
+                    </a:p>
+                  </a:txBody>
+                  <a:tcPr/>
+                </a:tc>
+                <a:tc>
+                  <a:txBody>
+                    <a:bodyPr/>
+                    <a:lstStyle/>
+                    <a:p>
+                      <a:pPr marL="0" marR="0" indent="0" algn="l" defTabSz="914400" rtl="0" eaLnBrk="1" fontAlgn="auto" latinLnBrk="0" hangingPunct="1">
+                        <a:lnSpc>
+                          <a:spcPct val="100000"/>
+                        </a:lnSpc>
+                        <a:spcBef>
+                          <a:spcPts val="0"/>
+                        </a:spcBef>
+                        <a:spcAft>
+                          <a:spcPts val="0"/>
+                        </a:spcAft>
+                        <a:buClrTx/>
+                        <a:buSzTx/>
+                        <a:buFontTx/>
+                        <a:buNone/>
+                        <a:tabLst/>
+                        <a:defRPr/>
+                      </a:pPr>
+                      <a:endParaRPr lang="en-US" b="1" dirty="0" smtClean="0"/>
+                    </a:p>
+                  </a:txBody>
+                  <a:tcPr/>
+                </a:tc>
+              </a:tr>
+              <a:tr h="378160">
+                <a:tc>
+                  <a:txBody>
+                    <a:bodyPr/>
+                    <a:lstStyle/>
+                    <a:p>
+                      <a:r>
+                        <a:rPr lang="en-US" dirty="0" smtClean="0"/>
+                        <a:t>Name: </a:t>
+                      </a:r>
+                      <a:r>
+                        <a:rPr lang="en-US" baseline="0" dirty="0" smtClean="0"/>
+                        <a:t>  </a:t>
+                      </a:r>
+                      <a:r>
+                        <a:rPr lang="en-US" dirty="0" smtClean="0"/>
+                        <a:t>Chitto Ranjan Sarker </a:t>
+                      </a:r>
+                    </a:p>
+                  </a:txBody>
+                  <a:tcPr/>
+                </a:tc>
+                <a:tc>
+                  <a:txBody>
+                    <a:bodyPr/>
+                    <a:lstStyle/>
+                    <a:p>
+                      <a:r>
+                        <a:rPr lang="en-US" dirty="0" smtClean="0"/>
+                        <a:t>Department: BKIICT</a:t>
+                      </a:r>
+                    </a:p>
+                  </a:txBody>
+                  <a:tcPr/>
+                </a:tc>
+              </a:tr>
+              <a:tr h="378160">
+                <a:tc>
+                  <a:txBody>
+                    <a:bodyPr/>
+                    <a:lstStyle/>
+                    <a:p>
+                      <a:r>
+                        <a:rPr lang="en-US" dirty="0" smtClean="0"/>
+                        <a:t>Cell: </a:t>
+                      </a:r>
+                      <a:r>
+                        <a:rPr lang="en-US" baseline="0" dirty="0" smtClean="0"/>
+                        <a:t>      </a:t>
+                      </a:r>
+                      <a:r>
+                        <a:rPr lang="en-US" dirty="0" smtClean="0"/>
+                        <a:t>+8801714863917 </a:t>
+                      </a:r>
+                    </a:p>
+                  </a:txBody>
+                  <a:tcPr/>
+                </a:tc>
+                <a:tc>
+                  <a:txBody>
+                    <a:bodyPr/>
+                    <a:lstStyle/>
+                    <a:p>
+                      <a:r>
+                        <a:rPr lang="en-US" dirty="0" smtClean="0"/>
+                        <a:t>Address: Mohammadpur, Dhaka.</a:t>
+                      </a:r>
+                    </a:p>
+                  </a:txBody>
+                  <a:tcPr/>
+                </a:tc>
+              </a:tr>
+              <a:tr h="378160">
+                <a:tc>
+                  <a:txBody>
+                    <a:bodyPr/>
+                    <a:lstStyle/>
+                    <a:p>
+                      <a:r>
+                        <a:rPr lang="en-US" dirty="0" smtClean="0"/>
+                        <a:t>Email: </a:t>
+                      </a:r>
+                      <a:r>
+                        <a:rPr lang="en-US" baseline="0" dirty="0" smtClean="0"/>
+                        <a:t>   </a:t>
+                      </a:r>
+                      <a:r>
+                        <a:rPr lang="en-US" dirty="0" smtClean="0"/>
+                        <a:t>chittoranjan.sarker@gmail.com </a:t>
+                      </a:r>
+                    </a:p>
+                  </a:txBody>
+                  <a:tcPr/>
+                </a:tc>
+                <a:tc>
+                  <a:txBody>
+                    <a:bodyPr/>
+                    <a:lstStyle/>
+                    <a:p>
+                      <a:endParaRPr lang="en-US" dirty="0" smtClean="0"/>
+                    </a:p>
+                  </a:txBody>
+                  <a:tcPr/>
+                </a:tc>
+              </a:tr>
+              <a:tr h="378160">
+                <a:tc>
+                  <a:txBody>
+                    <a:bodyPr/>
+                    <a:lstStyle/>
+                    <a:p>
+                      <a:r>
+                        <a:rPr lang="en-US" dirty="0" smtClean="0"/>
+                        <a:t>Designation: Programmer </a:t>
+                      </a:r>
+                    </a:p>
+                  </a:txBody>
+                  <a:tcPr/>
+                </a:tc>
+                <a:tc>
+                  <a:txBody>
+                    <a:bodyPr/>
+                    <a:lstStyle/>
+                    <a:p>
+                      <a:endParaRPr lang="en-US" dirty="0" smtClean="0"/>
+                    </a:p>
+                  </a:txBody>
+                  <a:tcPr/>
+                </a:tc>
+              </a:tr>
+            </a:tbl>
+          </a:graphicData>
+        </a:graphic>
+      </p:graphicFrame>
+      <p:pic>
+        <p:nvPicPr>
+          <p:cNvPr id="7" name="Picture 6"/>
+          <p:cNvPicPr>
+            <a:picLocks noChangeAspect="1"/>
+          </p:cNvPicPr>
+          <p:nvPr/>
+        </p:nvPicPr>
+        <p:blipFill>
+          <a:blip r:embed="rId3" cstate="print">
+            <a:extLst>
+              <a:ext uri="{28A0092B-C50C-407E-A947-70E740481C1C}">
+                <a14:useLocalDpi xmlns:a14="http://schemas.microsoft.com/office/drawing/2010/main" val="0"/>
+              </a:ext>
+            </a:extLst>
+          </a:blip>
+          <a:stretch>
+            <a:fillRect/>
+          </a:stretch>
+        </p:blipFill>
+        <p:spPr>
+          <a:xfrm>
+            <a:off x="5257977" y="2472856"/>
+            <a:ext cx="988965" cy="914832"/>
+          </a:xfrm>
+          <a:prstGeom prst="rect">
+            <a:avLst/>
+          </a:prstGeom>
+        </p:spPr>
+      </p:pic>
+      <p:sp>
+        <p:nvSpPr>
+          <p:cNvPr id="15" name="Rounded Rectangle 14"/>
           <p:cNvSpPr/>
           <p:nvPr/>
         </p:nvSpPr>
         <p:spPr>
           <a:xfrm>
-            <a:off x="838198" y="4550991"/>
-            <a:ext cx="1290851" cy="283229"/>
+            <a:off x="2279177" y="5827595"/>
+            <a:ext cx="1290851" cy="393936"/>
           </a:xfrm>
           <a:prstGeom prst="roundRect">
             <a:avLst/>
           </a:prstGeom>
-          <a:solidFill>
-            <a:schemeClr val="bg1"/>
-          </a:solidFill>
         </p:spPr>
         <p:style>
           <a:lnRef idx="2">
@@ -11312,16 +12993,68 @@
           <a:p>
             <a:pPr algn="ctr"/>
             <a:r>
-              <a:rPr lang="en-US" sz="1600" dirty="0" smtClean="0">
-                <a:solidFill>
-                  <a:schemeClr val="tx1"/>
+              <a:rPr lang="en-US" dirty="0" smtClean="0">
+                <a:solidFill>
+                  <a:prstClr val="white"/>
                 </a:solidFill>
               </a:rPr>
-              <a:t>Check out</a:t>
-            </a:r>
-            <a:endParaRPr lang="en-US" sz="1600" dirty="0">
+              <a:t>Update</a:t>
+            </a:r>
+            <a:endParaRPr lang="en-US" dirty="0">
               <a:solidFill>
-                <a:schemeClr val="tx1"/>
+                <a:prstClr val="white"/>
+              </a:solidFill>
+            </a:endParaRPr>
+          </a:p>
+        </p:txBody>
+      </p:sp>
+      <p:sp>
+        <p:nvSpPr>
+          <p:cNvPr id="16" name="Rounded Rectangle 15"/>
+          <p:cNvSpPr/>
+          <p:nvPr/>
+        </p:nvSpPr>
+        <p:spPr>
+          <a:xfrm>
+            <a:off x="6410323" y="3022165"/>
+            <a:ext cx="1136890" cy="365523"/>
+          </a:xfrm>
+          <a:prstGeom prst="roundRect">
+            <a:avLst/>
+          </a:prstGeom>
+        </p:spPr>
+        <p:style>
+          <a:lnRef idx="2">
+            <a:schemeClr val="accent1">
+              <a:shade val="50000"/>
+            </a:schemeClr>
+          </a:lnRef>
+          <a:fillRef idx="1">
+            <a:schemeClr val="accent1"/>
+          </a:fillRef>
+          <a:effectRef idx="0">
+            <a:schemeClr val="accent1"/>
+          </a:effectRef>
+          <a:fontRef idx="minor">
+            <a:schemeClr val="lt1"/>
+          </a:fontRef>
+        </p:style>
+        <p:txBody>
+          <a:bodyPr rtlCol="0" anchor="ctr"/>
+          <a:lstStyle/>
+          <a:p>
+            <a:pPr algn="ctr"/>
+            <a:r>
+              <a:rPr lang="en-US" dirty="0" smtClean="0">
+                <a:solidFill>
+                  <a:prstClr val="white"/>
+                </a:solidFill>
+              </a:rPr>
+              <a:t>Browse</a:t>
+            </a:r>
+            <a:endParaRPr lang="en-US" dirty="0">
+              <a:solidFill>
+                <a:prstClr val="white"/>
               </a:solidFill>
             </a:endParaRPr>
           </a:p>
@@ -11330,7 +13063,7 @@
     </p:spTree>
     <p:extLst>
       <p:ext uri="{BB962C8B-B14F-4D97-AF65-F5344CB8AC3E}">
-        <p14:creationId xmlns:p14="http://schemas.microsoft.com/office/powerpoint/2010/main" val="1839810773"/>
+        <p14:creationId xmlns:p14="http://schemas.microsoft.com/office/powerpoint/2010/main" val="3508682327"/>
       </p:ext>
     </p:extLst>
   </p:cSld>
@@ -11420,6 +13153,2460 @@
             <a:pPr algn="ctr"/>
             <a:r>
               <a:rPr lang="en-US" b="1" dirty="0" smtClean="0"/>
+              <a:t>Employee View Diagram</a:t>
+            </a:r>
+            <a:endParaRPr lang="en-US" b="1" dirty="0"/>
+          </a:p>
+        </p:txBody>
+      </p:sp>
+      <p:sp>
+        <p:nvSpPr>
+          <p:cNvPr id="3" name="Flowchart: Internal Storage 2"/>
+          <p:cNvSpPr/>
+          <p:nvPr/>
+        </p:nvSpPr>
+        <p:spPr>
+          <a:xfrm>
+            <a:off x="838199" y="1813519"/>
+            <a:ext cx="10515600" cy="4519042"/>
+          </a:xfrm>
+          <a:prstGeom prst="flowChartInternalStorage">
+            <a:avLst/>
+          </a:prstGeom>
+          <a:solidFill>
+            <a:schemeClr val="bg1">
+              <a:lumMod val="85000"/>
+            </a:schemeClr>
+          </a:solidFill>
+        </p:spPr>
+        <p:style>
+          <a:lnRef idx="2">
+            <a:schemeClr val="accent1">
+              <a:shade val="50000"/>
+            </a:schemeClr>
+          </a:lnRef>
+          <a:fillRef idx="1">
+            <a:schemeClr val="accent1"/>
+          </a:fillRef>
+          <a:effectRef idx="0">
+            <a:schemeClr val="accent1"/>
+          </a:effectRef>
+          <a:fontRef idx="minor">
+            <a:schemeClr val="lt1"/>
+          </a:fontRef>
+        </p:style>
+        <p:txBody>
+          <a:bodyPr rtlCol="0" anchor="ctr"/>
+          <a:lstStyle/>
+          <a:p>
+            <a:pPr algn="ctr"/>
+            <a:endParaRPr lang="en-US">
+              <a:solidFill>
+                <a:prstClr val="white"/>
+              </a:solidFill>
+            </a:endParaRPr>
+          </a:p>
+        </p:txBody>
+      </p:sp>
+      <p:sp>
+        <p:nvSpPr>
+          <p:cNvPr id="5" name="Rounded Rectangle 4"/>
+          <p:cNvSpPr/>
+          <p:nvPr/>
+        </p:nvSpPr>
+        <p:spPr>
+          <a:xfrm>
+            <a:off x="9717209" y="1943882"/>
+            <a:ext cx="1473958" cy="300251"/>
+          </a:xfrm>
+          <a:prstGeom prst="roundRect">
+            <a:avLst/>
+          </a:prstGeom>
+        </p:spPr>
+        <p:style>
+          <a:lnRef idx="2">
+            <a:schemeClr val="accent1">
+              <a:shade val="50000"/>
+            </a:schemeClr>
+          </a:lnRef>
+          <a:fillRef idx="1">
+            <a:schemeClr val="accent1"/>
+          </a:fillRef>
+          <a:effectRef idx="0">
+            <a:schemeClr val="accent1"/>
+          </a:effectRef>
+          <a:fontRef idx="minor">
+            <a:schemeClr val="lt1"/>
+          </a:fontRef>
+        </p:style>
+        <p:txBody>
+          <a:bodyPr rtlCol="0" anchor="ctr"/>
+          <a:lstStyle/>
+          <a:p>
+            <a:pPr algn="ctr"/>
+            <a:r>
+              <a:rPr lang="en-US" dirty="0" smtClean="0">
+                <a:solidFill>
+                  <a:prstClr val="white"/>
+                </a:solidFill>
+              </a:rPr>
+              <a:t>Logout</a:t>
+            </a:r>
+            <a:endParaRPr lang="en-US" dirty="0">
+              <a:solidFill>
+                <a:prstClr val="white"/>
+              </a:solidFill>
+            </a:endParaRPr>
+          </a:p>
+        </p:txBody>
+      </p:sp>
+      <p:sp>
+        <p:nvSpPr>
+          <p:cNvPr id="9" name="Rounded Rectangle 8"/>
+          <p:cNvSpPr/>
+          <p:nvPr/>
+        </p:nvSpPr>
+        <p:spPr>
+          <a:xfrm>
+            <a:off x="6893262" y="1938986"/>
+            <a:ext cx="2661315" cy="298618"/>
+          </a:xfrm>
+          <a:prstGeom prst="roundRect">
+            <a:avLst/>
+          </a:prstGeom>
+        </p:spPr>
+        <p:style>
+          <a:lnRef idx="2">
+            <a:schemeClr val="accent1">
+              <a:shade val="50000"/>
+            </a:schemeClr>
+          </a:lnRef>
+          <a:fillRef idx="1">
+            <a:schemeClr val="accent1"/>
+          </a:fillRef>
+          <a:effectRef idx="0">
+            <a:schemeClr val="accent1"/>
+          </a:effectRef>
+          <a:fontRef idx="minor">
+            <a:schemeClr val="lt1"/>
+          </a:fontRef>
+        </p:style>
+        <p:txBody>
+          <a:bodyPr rtlCol="0" anchor="ctr"/>
+          <a:lstStyle/>
+          <a:p>
+            <a:pPr algn="ctr"/>
+            <a:r>
+              <a:rPr lang="en-US" dirty="0" smtClean="0">
+                <a:solidFill>
+                  <a:prstClr val="white"/>
+                </a:solidFill>
+              </a:rPr>
+              <a:t>Hi! user@mail.com</a:t>
+            </a:r>
+            <a:endParaRPr lang="en-US" dirty="0">
+              <a:solidFill>
+                <a:prstClr val="white"/>
+              </a:solidFill>
+            </a:endParaRPr>
+          </a:p>
+        </p:txBody>
+      </p:sp>
+      <p:sp>
+        <p:nvSpPr>
+          <p:cNvPr id="12" name="Rounded Rectangle 11"/>
+          <p:cNvSpPr/>
+          <p:nvPr/>
+        </p:nvSpPr>
+        <p:spPr>
+          <a:xfrm>
+            <a:off x="838200" y="1897040"/>
+            <a:ext cx="1290851" cy="393936"/>
+          </a:xfrm>
+          <a:prstGeom prst="roundRect">
+            <a:avLst/>
+          </a:prstGeom>
+        </p:spPr>
+        <p:style>
+          <a:lnRef idx="2">
+            <a:schemeClr val="accent1">
+              <a:shade val="50000"/>
+            </a:schemeClr>
+          </a:lnRef>
+          <a:fillRef idx="1">
+            <a:schemeClr val="accent1"/>
+          </a:fillRef>
+          <a:effectRef idx="0">
+            <a:schemeClr val="accent1"/>
+          </a:effectRef>
+          <a:fontRef idx="minor">
+            <a:schemeClr val="lt1"/>
+          </a:fontRef>
+        </p:style>
+        <p:txBody>
+          <a:bodyPr rtlCol="0" anchor="ctr"/>
+          <a:lstStyle/>
+          <a:p>
+            <a:pPr algn="ctr"/>
+            <a:r>
+              <a:rPr lang="en-US" dirty="0" smtClean="0">
+                <a:solidFill>
+                  <a:prstClr val="white"/>
+                </a:solidFill>
+              </a:rPr>
+              <a:t>Dash Board</a:t>
+            </a:r>
+            <a:endParaRPr lang="en-US" dirty="0">
+              <a:solidFill>
+                <a:prstClr val="white"/>
+              </a:solidFill>
+            </a:endParaRPr>
+          </a:p>
+        </p:txBody>
+      </p:sp>
+      <p:sp>
+        <p:nvSpPr>
+          <p:cNvPr id="13" name="Rounded Rectangle 12"/>
+          <p:cNvSpPr/>
+          <p:nvPr/>
+        </p:nvSpPr>
+        <p:spPr>
+          <a:xfrm>
+            <a:off x="838200" y="2528211"/>
+            <a:ext cx="1290851" cy="283229"/>
+          </a:xfrm>
+          <a:prstGeom prst="roundRect">
+            <a:avLst/>
+          </a:prstGeom>
+          <a:solidFill>
+            <a:schemeClr val="bg1"/>
+          </a:solidFill>
+        </p:spPr>
+        <p:style>
+          <a:lnRef idx="2">
+            <a:schemeClr val="accent1">
+              <a:shade val="50000"/>
+            </a:schemeClr>
+          </a:lnRef>
+          <a:fillRef idx="1">
+            <a:schemeClr val="accent1"/>
+          </a:fillRef>
+          <a:effectRef idx="0">
+            <a:schemeClr val="accent1"/>
+          </a:effectRef>
+          <a:fontRef idx="minor">
+            <a:schemeClr val="lt1"/>
+          </a:fontRef>
+        </p:style>
+        <p:txBody>
+          <a:bodyPr rtlCol="0" anchor="ctr"/>
+          <a:lstStyle/>
+          <a:p>
+            <a:pPr algn="ctr"/>
+            <a:r>
+              <a:rPr lang="en-US" dirty="0" smtClean="0">
+                <a:solidFill>
+                  <a:prstClr val="black"/>
+                </a:solidFill>
+              </a:rPr>
+              <a:t>My Profile</a:t>
+            </a:r>
+            <a:endParaRPr lang="en-US" dirty="0">
+              <a:solidFill>
+                <a:prstClr val="black"/>
+              </a:solidFill>
+            </a:endParaRPr>
+          </a:p>
+        </p:txBody>
+      </p:sp>
+      <p:sp>
+        <p:nvSpPr>
+          <p:cNvPr id="17" name="Rounded Rectangle 16"/>
+          <p:cNvSpPr/>
+          <p:nvPr/>
+        </p:nvSpPr>
+        <p:spPr>
+          <a:xfrm>
+            <a:off x="838200" y="2935904"/>
+            <a:ext cx="1290851" cy="283229"/>
+          </a:xfrm>
+          <a:prstGeom prst="roundRect">
+            <a:avLst/>
+          </a:prstGeom>
+          <a:solidFill>
+            <a:schemeClr val="bg1"/>
+          </a:solidFill>
+        </p:spPr>
+        <p:style>
+          <a:lnRef idx="2">
+            <a:schemeClr val="accent1">
+              <a:shade val="50000"/>
+            </a:schemeClr>
+          </a:lnRef>
+          <a:fillRef idx="1">
+            <a:schemeClr val="accent1"/>
+          </a:fillRef>
+          <a:effectRef idx="0">
+            <a:schemeClr val="accent1"/>
+          </a:effectRef>
+          <a:fontRef idx="minor">
+            <a:schemeClr val="lt1"/>
+          </a:fontRef>
+        </p:style>
+        <p:txBody>
+          <a:bodyPr rtlCol="0" anchor="ctr"/>
+          <a:lstStyle/>
+          <a:p>
+            <a:pPr algn="ctr"/>
+            <a:r>
+              <a:rPr lang="en-US" dirty="0" smtClean="0">
+                <a:solidFill>
+                  <a:prstClr val="black"/>
+                </a:solidFill>
+              </a:rPr>
+              <a:t>Requisition</a:t>
+            </a:r>
+            <a:endParaRPr lang="en-US" dirty="0">
+              <a:solidFill>
+                <a:prstClr val="black"/>
+              </a:solidFill>
+            </a:endParaRPr>
+          </a:p>
+        </p:txBody>
+      </p:sp>
+      <p:sp>
+        <p:nvSpPr>
+          <p:cNvPr id="18" name="Rounded Rectangle 17"/>
+          <p:cNvSpPr/>
+          <p:nvPr/>
+        </p:nvSpPr>
+        <p:spPr>
+          <a:xfrm>
+            <a:off x="838200" y="3391313"/>
+            <a:ext cx="1290851" cy="283229"/>
+          </a:xfrm>
+          <a:prstGeom prst="roundRect">
+            <a:avLst/>
+          </a:prstGeom>
+          <a:solidFill>
+            <a:schemeClr val="bg1"/>
+          </a:solidFill>
+        </p:spPr>
+        <p:style>
+          <a:lnRef idx="2">
+            <a:schemeClr val="accent1">
+              <a:shade val="50000"/>
+            </a:schemeClr>
+          </a:lnRef>
+          <a:fillRef idx="1">
+            <a:schemeClr val="accent1"/>
+          </a:fillRef>
+          <a:effectRef idx="0">
+            <a:schemeClr val="accent1"/>
+          </a:effectRef>
+          <a:fontRef idx="minor">
+            <a:schemeClr val="lt1"/>
+          </a:fontRef>
+        </p:style>
+        <p:txBody>
+          <a:bodyPr rtlCol="0" anchor="ctr"/>
+          <a:lstStyle/>
+          <a:p>
+            <a:pPr algn="ctr"/>
+            <a:r>
+              <a:rPr lang="en-US" sz="1600" dirty="0" smtClean="0">
+                <a:solidFill>
+                  <a:prstClr val="black"/>
+                </a:solidFill>
+              </a:rPr>
+              <a:t>My Request</a:t>
+            </a:r>
+            <a:endParaRPr lang="en-US" sz="1600" dirty="0">
+              <a:solidFill>
+                <a:prstClr val="black"/>
+              </a:solidFill>
+            </a:endParaRPr>
+          </a:p>
+        </p:txBody>
+      </p:sp>
+      <p:sp>
+        <p:nvSpPr>
+          <p:cNvPr id="19" name="Rounded Rectangle 18"/>
+          <p:cNvSpPr/>
+          <p:nvPr/>
+        </p:nvSpPr>
+        <p:spPr>
+          <a:xfrm>
+            <a:off x="838199" y="3819421"/>
+            <a:ext cx="1290852" cy="506921"/>
+          </a:xfrm>
+          <a:prstGeom prst="roundRect">
+            <a:avLst/>
+          </a:prstGeom>
+          <a:solidFill>
+            <a:schemeClr val="bg1"/>
+          </a:solidFill>
+        </p:spPr>
+        <p:style>
+          <a:lnRef idx="2">
+            <a:schemeClr val="accent1">
+              <a:shade val="50000"/>
+            </a:schemeClr>
+          </a:lnRef>
+          <a:fillRef idx="1">
+            <a:schemeClr val="accent1"/>
+          </a:fillRef>
+          <a:effectRef idx="0">
+            <a:schemeClr val="accent1"/>
+          </a:effectRef>
+          <a:fontRef idx="minor">
+            <a:schemeClr val="lt1"/>
+          </a:fontRef>
+        </p:style>
+        <p:txBody>
+          <a:bodyPr rtlCol="0" anchor="ctr"/>
+          <a:lstStyle/>
+          <a:p>
+            <a:pPr algn="ctr"/>
+            <a:r>
+              <a:rPr lang="en-US" sz="1600" dirty="0" smtClean="0">
+                <a:solidFill>
+                  <a:prstClr val="black"/>
+                </a:solidFill>
+              </a:rPr>
+              <a:t>Vehicle Search</a:t>
+            </a:r>
+            <a:endParaRPr lang="en-US" sz="1600" dirty="0">
+              <a:solidFill>
+                <a:prstClr val="black"/>
+              </a:solidFill>
+            </a:endParaRPr>
+          </a:p>
+        </p:txBody>
+      </p:sp>
+      <p:sp>
+        <p:nvSpPr>
+          <p:cNvPr id="14" name="Rounded Rectangle 13"/>
+          <p:cNvSpPr/>
+          <p:nvPr/>
+        </p:nvSpPr>
+        <p:spPr>
+          <a:xfrm>
+            <a:off x="2279177" y="2472856"/>
+            <a:ext cx="2169994" cy="393936"/>
+          </a:xfrm>
+          <a:prstGeom prst="roundRect">
+            <a:avLst/>
+          </a:prstGeom>
+        </p:spPr>
+        <p:style>
+          <a:lnRef idx="2">
+            <a:schemeClr val="accent1">
+              <a:shade val="50000"/>
+            </a:schemeClr>
+          </a:lnRef>
+          <a:fillRef idx="1">
+            <a:schemeClr val="accent1"/>
+          </a:fillRef>
+          <a:effectRef idx="0">
+            <a:schemeClr val="accent1"/>
+          </a:effectRef>
+          <a:fontRef idx="minor">
+            <a:schemeClr val="lt1"/>
+          </a:fontRef>
+        </p:style>
+        <p:txBody>
+          <a:bodyPr rtlCol="0" anchor="ctr"/>
+          <a:lstStyle/>
+          <a:p>
+            <a:pPr algn="ctr"/>
+            <a:r>
+              <a:rPr lang="en-US" dirty="0" smtClean="0">
+                <a:solidFill>
+                  <a:prstClr val="white"/>
+                </a:solidFill>
+              </a:rPr>
+              <a:t>Home &gt; </a:t>
+            </a:r>
+            <a:r>
+              <a:rPr lang="en-US" dirty="0" smtClean="0">
+                <a:solidFill>
+                  <a:prstClr val="black"/>
+                </a:solidFill>
+              </a:rPr>
+              <a:t>Requisition</a:t>
+            </a:r>
+            <a:endParaRPr lang="en-US" dirty="0">
+              <a:solidFill>
+                <a:prstClr val="black"/>
+              </a:solidFill>
+            </a:endParaRPr>
+          </a:p>
+        </p:txBody>
+      </p:sp>
+      <p:sp>
+        <p:nvSpPr>
+          <p:cNvPr id="15" name="Rounded Rectangle 14"/>
+          <p:cNvSpPr/>
+          <p:nvPr/>
+        </p:nvSpPr>
+        <p:spPr>
+          <a:xfrm>
+            <a:off x="2279177" y="5827595"/>
+            <a:ext cx="1290851" cy="393936"/>
+          </a:xfrm>
+          <a:prstGeom prst="roundRect">
+            <a:avLst/>
+          </a:prstGeom>
+        </p:spPr>
+        <p:style>
+          <a:lnRef idx="2">
+            <a:schemeClr val="accent1">
+              <a:shade val="50000"/>
+            </a:schemeClr>
+          </a:lnRef>
+          <a:fillRef idx="1">
+            <a:schemeClr val="accent1"/>
+          </a:fillRef>
+          <a:effectRef idx="0">
+            <a:schemeClr val="accent1"/>
+          </a:effectRef>
+          <a:fontRef idx="minor">
+            <a:schemeClr val="lt1"/>
+          </a:fontRef>
+        </p:style>
+        <p:txBody>
+          <a:bodyPr rtlCol="0" anchor="ctr"/>
+          <a:lstStyle/>
+          <a:p>
+            <a:pPr algn="ctr"/>
+            <a:r>
+              <a:rPr lang="en-US" dirty="0" smtClean="0">
+                <a:solidFill>
+                  <a:prstClr val="white"/>
+                </a:solidFill>
+              </a:rPr>
+              <a:t>Send</a:t>
+            </a:r>
+            <a:endParaRPr lang="en-US" dirty="0">
+              <a:solidFill>
+                <a:prstClr val="white"/>
+              </a:solidFill>
+            </a:endParaRPr>
+          </a:p>
+        </p:txBody>
+      </p:sp>
+      <p:graphicFrame>
+        <p:nvGraphicFramePr>
+          <p:cNvPr id="8" name="Table 7"/>
+          <p:cNvGraphicFramePr>
+            <a:graphicFrameLocks noGrp="1"/>
+          </p:cNvGraphicFramePr>
+          <p:nvPr>
+            <p:extLst>
+              <p:ext uri="{D42A27DB-BD31-4B8C-83A1-F6EECF244321}">
+                <p14:modId xmlns:p14="http://schemas.microsoft.com/office/powerpoint/2010/main" val="979866340"/>
+              </p:ext>
+            </p:extLst>
+          </p:nvPr>
+        </p:nvGraphicFramePr>
+        <p:xfrm>
+          <a:off x="2279177" y="2935904"/>
+          <a:ext cx="2881194" cy="365760"/>
+        </p:xfrm>
+        <a:graphic>
+          <a:graphicData uri="http://schemas.openxmlformats.org/drawingml/2006/table">
+            <a:tbl>
+              <a:tblPr firstRow="1" bandRow="1">
+                <a:tableStyleId>{5C22544A-7EE6-4342-B048-85BDC9FD1C3A}</a:tableStyleId>
+              </a:tblPr>
+              <a:tblGrid>
+                <a:gridCol w="2881194"/>
+              </a:tblGrid>
+              <a:tr h="358507">
+                <a:tc>
+                  <a:txBody>
+                    <a:bodyPr/>
+                    <a:lstStyle/>
+                    <a:p>
+                      <a:r>
+                        <a:rPr lang="en-US" dirty="0" smtClean="0"/>
+                        <a:t>Send</a:t>
+                      </a:r>
+                      <a:r>
+                        <a:rPr lang="en-US" baseline="0" dirty="0" smtClean="0"/>
+                        <a:t> Requisition</a:t>
+                      </a:r>
+                      <a:endParaRPr lang="en-US" dirty="0"/>
+                    </a:p>
+                  </a:txBody>
+                  <a:tcPr>
+                    <a:solidFill>
+                      <a:schemeClr val="bg1">
+                        <a:lumMod val="75000"/>
+                      </a:schemeClr>
+                    </a:solidFill>
+                  </a:tcPr>
+                </a:tc>
+              </a:tr>
+            </a:tbl>
+          </a:graphicData>
+        </a:graphic>
+      </p:graphicFrame>
+    </p:spTree>
+    <p:extLst>
+      <p:ext uri="{BB962C8B-B14F-4D97-AF65-F5344CB8AC3E}">
+        <p14:creationId xmlns:p14="http://schemas.microsoft.com/office/powerpoint/2010/main" val="1808752200"/>
+      </p:ext>
+    </p:extLst>
+  </p:cSld>
+  <p:clrMapOvr>
+    <a:masterClrMapping/>
+  </p:clrMapOvr>
+  <p:timing>
+    <p:tnLst>
+      <p:par>
+        <p:cTn id="1" dur="indefinite" restart="never" nodeType="tmRoot"/>
+      </p:par>
+    </p:tnLst>
+  </p:timing>
+</p:sld>
+</file>
+
+<file path=ppt/slides/slide25.xml><?xml version="1.0" encoding="utf-8"?>
+<p:sld xmlns:a="http://schemas.openxmlformats.org/drawingml/2006/main" xmlns:r="http://schemas.openxmlformats.org/officeDocument/2006/relationships" xmlns:p="http://schemas.openxmlformats.org/presentationml/2006/main">
+  <p:cSld>
+    <p:bg>
+      <p:bgPr>
+        <a:solidFill>
+          <a:schemeClr val="accent4">
+            <a:lumMod val="75000"/>
+          </a:schemeClr>
+        </a:solidFill>
+        <a:effectLst/>
+      </p:bgPr>
+    </p:bg>
+    <p:spTree>
+      <p:nvGrpSpPr>
+        <p:cNvPr id="1" name=""/>
+        <p:cNvGrpSpPr/>
+        <p:nvPr/>
+      </p:nvGrpSpPr>
+      <p:grpSpPr>
+        <a:xfrm>
+          <a:off x="0" y="0"/>
+          <a:ext cx="0" cy="0"/>
+          <a:chOff x="0" y="0"/>
+          <a:chExt cx="0" cy="0"/>
+        </a:xfrm>
+      </p:grpSpPr>
+      <p:sp>
+        <p:nvSpPr>
+          <p:cNvPr id="2" name="Title 1"/>
+          <p:cNvSpPr>
+            <a:spLocks noGrp="1"/>
+          </p:cNvSpPr>
+          <p:nvPr>
+            <p:ph type="title"/>
+          </p:nvPr>
+        </p:nvSpPr>
+        <p:spPr>
+          <a:gradFill>
+            <a:gsLst>
+              <a:gs pos="0">
+                <a:schemeClr val="accent4">
+                  <a:lumMod val="89000"/>
+                </a:schemeClr>
+              </a:gs>
+              <a:gs pos="23000">
+                <a:schemeClr val="accent4">
+                  <a:lumMod val="89000"/>
+                </a:schemeClr>
+              </a:gs>
+              <a:gs pos="69000">
+                <a:schemeClr val="accent4">
+                  <a:lumMod val="75000"/>
+                </a:schemeClr>
+              </a:gs>
+              <a:gs pos="97000">
+                <a:schemeClr val="accent4">
+                  <a:lumMod val="70000"/>
+                </a:schemeClr>
+              </a:gs>
+            </a:gsLst>
+            <a:path path="circle">
+              <a:fillToRect l="50000" t="50000" r="50000" b="50000"/>
+            </a:path>
+          </a:gradFill>
+        </p:spPr>
+        <p:txBody>
+          <a:bodyPr/>
+          <a:lstStyle/>
+          <a:p>
+            <a:pPr algn="ctr"/>
+            <a:r>
+              <a:rPr lang="en-US" b="1" dirty="0" smtClean="0"/>
+              <a:t>Employee View Diagram</a:t>
+            </a:r>
+            <a:endParaRPr lang="en-US" b="1" dirty="0"/>
+          </a:p>
+        </p:txBody>
+      </p:sp>
+      <p:sp>
+        <p:nvSpPr>
+          <p:cNvPr id="3" name="Flowchart: Internal Storage 2"/>
+          <p:cNvSpPr/>
+          <p:nvPr/>
+        </p:nvSpPr>
+        <p:spPr>
+          <a:xfrm>
+            <a:off x="838199" y="1813519"/>
+            <a:ext cx="10515600" cy="4519042"/>
+          </a:xfrm>
+          <a:prstGeom prst="flowChartInternalStorage">
+            <a:avLst/>
+          </a:prstGeom>
+          <a:solidFill>
+            <a:schemeClr val="bg1">
+              <a:lumMod val="85000"/>
+            </a:schemeClr>
+          </a:solidFill>
+        </p:spPr>
+        <p:style>
+          <a:lnRef idx="2">
+            <a:schemeClr val="accent1">
+              <a:shade val="50000"/>
+            </a:schemeClr>
+          </a:lnRef>
+          <a:fillRef idx="1">
+            <a:schemeClr val="accent1"/>
+          </a:fillRef>
+          <a:effectRef idx="0">
+            <a:schemeClr val="accent1"/>
+          </a:effectRef>
+          <a:fontRef idx="minor">
+            <a:schemeClr val="lt1"/>
+          </a:fontRef>
+        </p:style>
+        <p:txBody>
+          <a:bodyPr rtlCol="0" anchor="ctr"/>
+          <a:lstStyle/>
+          <a:p>
+            <a:pPr algn="ctr"/>
+            <a:endParaRPr lang="en-US">
+              <a:solidFill>
+                <a:prstClr val="white"/>
+              </a:solidFill>
+            </a:endParaRPr>
+          </a:p>
+        </p:txBody>
+      </p:sp>
+      <p:sp>
+        <p:nvSpPr>
+          <p:cNvPr id="5" name="Rounded Rectangle 4"/>
+          <p:cNvSpPr/>
+          <p:nvPr/>
+        </p:nvSpPr>
+        <p:spPr>
+          <a:xfrm>
+            <a:off x="9717209" y="1943882"/>
+            <a:ext cx="1473958" cy="300251"/>
+          </a:xfrm>
+          <a:prstGeom prst="roundRect">
+            <a:avLst/>
+          </a:prstGeom>
+        </p:spPr>
+        <p:style>
+          <a:lnRef idx="2">
+            <a:schemeClr val="accent1">
+              <a:shade val="50000"/>
+            </a:schemeClr>
+          </a:lnRef>
+          <a:fillRef idx="1">
+            <a:schemeClr val="accent1"/>
+          </a:fillRef>
+          <a:effectRef idx="0">
+            <a:schemeClr val="accent1"/>
+          </a:effectRef>
+          <a:fontRef idx="minor">
+            <a:schemeClr val="lt1"/>
+          </a:fontRef>
+        </p:style>
+        <p:txBody>
+          <a:bodyPr rtlCol="0" anchor="ctr"/>
+          <a:lstStyle/>
+          <a:p>
+            <a:pPr algn="ctr"/>
+            <a:r>
+              <a:rPr lang="en-US" dirty="0" smtClean="0">
+                <a:solidFill>
+                  <a:prstClr val="white"/>
+                </a:solidFill>
+              </a:rPr>
+              <a:t>Logout</a:t>
+            </a:r>
+            <a:endParaRPr lang="en-US" dirty="0">
+              <a:solidFill>
+                <a:prstClr val="white"/>
+              </a:solidFill>
+            </a:endParaRPr>
+          </a:p>
+        </p:txBody>
+      </p:sp>
+      <p:sp>
+        <p:nvSpPr>
+          <p:cNvPr id="9" name="Rounded Rectangle 8"/>
+          <p:cNvSpPr/>
+          <p:nvPr/>
+        </p:nvSpPr>
+        <p:spPr>
+          <a:xfrm>
+            <a:off x="6893262" y="1938986"/>
+            <a:ext cx="2661315" cy="298618"/>
+          </a:xfrm>
+          <a:prstGeom prst="roundRect">
+            <a:avLst/>
+          </a:prstGeom>
+        </p:spPr>
+        <p:style>
+          <a:lnRef idx="2">
+            <a:schemeClr val="accent1">
+              <a:shade val="50000"/>
+            </a:schemeClr>
+          </a:lnRef>
+          <a:fillRef idx="1">
+            <a:schemeClr val="accent1"/>
+          </a:fillRef>
+          <a:effectRef idx="0">
+            <a:schemeClr val="accent1"/>
+          </a:effectRef>
+          <a:fontRef idx="minor">
+            <a:schemeClr val="lt1"/>
+          </a:fontRef>
+        </p:style>
+        <p:txBody>
+          <a:bodyPr rtlCol="0" anchor="ctr"/>
+          <a:lstStyle/>
+          <a:p>
+            <a:pPr algn="ctr"/>
+            <a:r>
+              <a:rPr lang="en-US" dirty="0" smtClean="0">
+                <a:solidFill>
+                  <a:prstClr val="white"/>
+                </a:solidFill>
+              </a:rPr>
+              <a:t>Hi! user@mail.com</a:t>
+            </a:r>
+            <a:endParaRPr lang="en-US" dirty="0">
+              <a:solidFill>
+                <a:prstClr val="white"/>
+              </a:solidFill>
+            </a:endParaRPr>
+          </a:p>
+        </p:txBody>
+      </p:sp>
+      <p:sp>
+        <p:nvSpPr>
+          <p:cNvPr id="12" name="Rounded Rectangle 11"/>
+          <p:cNvSpPr/>
+          <p:nvPr/>
+        </p:nvSpPr>
+        <p:spPr>
+          <a:xfrm>
+            <a:off x="838200" y="1897040"/>
+            <a:ext cx="1290851" cy="393936"/>
+          </a:xfrm>
+          <a:prstGeom prst="roundRect">
+            <a:avLst/>
+          </a:prstGeom>
+        </p:spPr>
+        <p:style>
+          <a:lnRef idx="2">
+            <a:schemeClr val="accent1">
+              <a:shade val="50000"/>
+            </a:schemeClr>
+          </a:lnRef>
+          <a:fillRef idx="1">
+            <a:schemeClr val="accent1"/>
+          </a:fillRef>
+          <a:effectRef idx="0">
+            <a:schemeClr val="accent1"/>
+          </a:effectRef>
+          <a:fontRef idx="minor">
+            <a:schemeClr val="lt1"/>
+          </a:fontRef>
+        </p:style>
+        <p:txBody>
+          <a:bodyPr rtlCol="0" anchor="ctr"/>
+          <a:lstStyle/>
+          <a:p>
+            <a:pPr algn="ctr"/>
+            <a:r>
+              <a:rPr lang="en-US" dirty="0" smtClean="0">
+                <a:solidFill>
+                  <a:prstClr val="white"/>
+                </a:solidFill>
+              </a:rPr>
+              <a:t>Dash Board</a:t>
+            </a:r>
+            <a:endParaRPr lang="en-US" dirty="0">
+              <a:solidFill>
+                <a:prstClr val="white"/>
+              </a:solidFill>
+            </a:endParaRPr>
+          </a:p>
+        </p:txBody>
+      </p:sp>
+      <p:sp>
+        <p:nvSpPr>
+          <p:cNvPr id="13" name="Rounded Rectangle 12"/>
+          <p:cNvSpPr/>
+          <p:nvPr/>
+        </p:nvSpPr>
+        <p:spPr>
+          <a:xfrm>
+            <a:off x="838200" y="2528211"/>
+            <a:ext cx="1290851" cy="283229"/>
+          </a:xfrm>
+          <a:prstGeom prst="roundRect">
+            <a:avLst/>
+          </a:prstGeom>
+          <a:solidFill>
+            <a:schemeClr val="bg1"/>
+          </a:solidFill>
+        </p:spPr>
+        <p:style>
+          <a:lnRef idx="2">
+            <a:schemeClr val="accent1">
+              <a:shade val="50000"/>
+            </a:schemeClr>
+          </a:lnRef>
+          <a:fillRef idx="1">
+            <a:schemeClr val="accent1"/>
+          </a:fillRef>
+          <a:effectRef idx="0">
+            <a:schemeClr val="accent1"/>
+          </a:effectRef>
+          <a:fontRef idx="minor">
+            <a:schemeClr val="lt1"/>
+          </a:fontRef>
+        </p:style>
+        <p:txBody>
+          <a:bodyPr rtlCol="0" anchor="ctr"/>
+          <a:lstStyle/>
+          <a:p>
+            <a:pPr algn="ctr"/>
+            <a:r>
+              <a:rPr lang="en-US" dirty="0" smtClean="0">
+                <a:solidFill>
+                  <a:prstClr val="black"/>
+                </a:solidFill>
+              </a:rPr>
+              <a:t>My Profile</a:t>
+            </a:r>
+            <a:endParaRPr lang="en-US" dirty="0">
+              <a:solidFill>
+                <a:prstClr val="black"/>
+              </a:solidFill>
+            </a:endParaRPr>
+          </a:p>
+        </p:txBody>
+      </p:sp>
+      <p:sp>
+        <p:nvSpPr>
+          <p:cNvPr id="17" name="Rounded Rectangle 16"/>
+          <p:cNvSpPr/>
+          <p:nvPr/>
+        </p:nvSpPr>
+        <p:spPr>
+          <a:xfrm>
+            <a:off x="838200" y="2935904"/>
+            <a:ext cx="1290851" cy="283229"/>
+          </a:xfrm>
+          <a:prstGeom prst="roundRect">
+            <a:avLst/>
+          </a:prstGeom>
+          <a:solidFill>
+            <a:schemeClr val="bg1"/>
+          </a:solidFill>
+        </p:spPr>
+        <p:style>
+          <a:lnRef idx="2">
+            <a:schemeClr val="accent1">
+              <a:shade val="50000"/>
+            </a:schemeClr>
+          </a:lnRef>
+          <a:fillRef idx="1">
+            <a:schemeClr val="accent1"/>
+          </a:fillRef>
+          <a:effectRef idx="0">
+            <a:schemeClr val="accent1"/>
+          </a:effectRef>
+          <a:fontRef idx="minor">
+            <a:schemeClr val="lt1"/>
+          </a:fontRef>
+        </p:style>
+        <p:txBody>
+          <a:bodyPr rtlCol="0" anchor="ctr"/>
+          <a:lstStyle/>
+          <a:p>
+            <a:pPr algn="ctr"/>
+            <a:r>
+              <a:rPr lang="en-US" dirty="0" smtClean="0">
+                <a:solidFill>
+                  <a:prstClr val="black"/>
+                </a:solidFill>
+              </a:rPr>
+              <a:t>Requisition</a:t>
+            </a:r>
+            <a:endParaRPr lang="en-US" dirty="0">
+              <a:solidFill>
+                <a:prstClr val="black"/>
+              </a:solidFill>
+            </a:endParaRPr>
+          </a:p>
+        </p:txBody>
+      </p:sp>
+      <p:sp>
+        <p:nvSpPr>
+          <p:cNvPr id="18" name="Rounded Rectangle 17"/>
+          <p:cNvSpPr/>
+          <p:nvPr/>
+        </p:nvSpPr>
+        <p:spPr>
+          <a:xfrm>
+            <a:off x="838200" y="3391313"/>
+            <a:ext cx="1290851" cy="283229"/>
+          </a:xfrm>
+          <a:prstGeom prst="roundRect">
+            <a:avLst/>
+          </a:prstGeom>
+          <a:solidFill>
+            <a:schemeClr val="bg1"/>
+          </a:solidFill>
+        </p:spPr>
+        <p:style>
+          <a:lnRef idx="2">
+            <a:schemeClr val="accent1">
+              <a:shade val="50000"/>
+            </a:schemeClr>
+          </a:lnRef>
+          <a:fillRef idx="1">
+            <a:schemeClr val="accent1"/>
+          </a:fillRef>
+          <a:effectRef idx="0">
+            <a:schemeClr val="accent1"/>
+          </a:effectRef>
+          <a:fontRef idx="minor">
+            <a:schemeClr val="lt1"/>
+          </a:fontRef>
+        </p:style>
+        <p:txBody>
+          <a:bodyPr rtlCol="0" anchor="ctr"/>
+          <a:lstStyle/>
+          <a:p>
+            <a:pPr algn="ctr"/>
+            <a:r>
+              <a:rPr lang="en-US" sz="1600" dirty="0" smtClean="0">
+                <a:solidFill>
+                  <a:prstClr val="black"/>
+                </a:solidFill>
+              </a:rPr>
+              <a:t>My Request</a:t>
+            </a:r>
+            <a:endParaRPr lang="en-US" sz="1600" dirty="0">
+              <a:solidFill>
+                <a:prstClr val="black"/>
+              </a:solidFill>
+            </a:endParaRPr>
+          </a:p>
+        </p:txBody>
+      </p:sp>
+      <p:sp>
+        <p:nvSpPr>
+          <p:cNvPr id="19" name="Rounded Rectangle 18"/>
+          <p:cNvSpPr/>
+          <p:nvPr/>
+        </p:nvSpPr>
+        <p:spPr>
+          <a:xfrm>
+            <a:off x="838199" y="3819421"/>
+            <a:ext cx="1290852" cy="506921"/>
+          </a:xfrm>
+          <a:prstGeom prst="roundRect">
+            <a:avLst/>
+          </a:prstGeom>
+          <a:solidFill>
+            <a:schemeClr val="bg1"/>
+          </a:solidFill>
+        </p:spPr>
+        <p:style>
+          <a:lnRef idx="2">
+            <a:schemeClr val="accent1">
+              <a:shade val="50000"/>
+            </a:schemeClr>
+          </a:lnRef>
+          <a:fillRef idx="1">
+            <a:schemeClr val="accent1"/>
+          </a:fillRef>
+          <a:effectRef idx="0">
+            <a:schemeClr val="accent1"/>
+          </a:effectRef>
+          <a:fontRef idx="minor">
+            <a:schemeClr val="lt1"/>
+          </a:fontRef>
+        </p:style>
+        <p:txBody>
+          <a:bodyPr rtlCol="0" anchor="ctr"/>
+          <a:lstStyle/>
+          <a:p>
+            <a:pPr algn="ctr"/>
+            <a:r>
+              <a:rPr lang="en-US" sz="1600" dirty="0" smtClean="0">
+                <a:solidFill>
+                  <a:prstClr val="black"/>
+                </a:solidFill>
+              </a:rPr>
+              <a:t>Vehicle Search</a:t>
+            </a:r>
+            <a:endParaRPr lang="en-US" sz="1600" dirty="0">
+              <a:solidFill>
+                <a:prstClr val="black"/>
+              </a:solidFill>
+            </a:endParaRPr>
+          </a:p>
+        </p:txBody>
+      </p:sp>
+      <p:sp>
+        <p:nvSpPr>
+          <p:cNvPr id="14" name="Rounded Rectangle 13"/>
+          <p:cNvSpPr/>
+          <p:nvPr/>
+        </p:nvSpPr>
+        <p:spPr>
+          <a:xfrm>
+            <a:off x="2279176" y="2472856"/>
+            <a:ext cx="2429301" cy="393936"/>
+          </a:xfrm>
+          <a:prstGeom prst="roundRect">
+            <a:avLst/>
+          </a:prstGeom>
+        </p:spPr>
+        <p:style>
+          <a:lnRef idx="2">
+            <a:schemeClr val="accent1">
+              <a:shade val="50000"/>
+            </a:schemeClr>
+          </a:lnRef>
+          <a:fillRef idx="1">
+            <a:schemeClr val="accent1"/>
+          </a:fillRef>
+          <a:effectRef idx="0">
+            <a:schemeClr val="accent1"/>
+          </a:effectRef>
+          <a:fontRef idx="minor">
+            <a:schemeClr val="lt1"/>
+          </a:fontRef>
+        </p:style>
+        <p:txBody>
+          <a:bodyPr rtlCol="0" anchor="ctr"/>
+          <a:lstStyle/>
+          <a:p>
+            <a:pPr algn="ctr"/>
+            <a:r>
+              <a:rPr lang="en-US" dirty="0" smtClean="0">
+                <a:solidFill>
+                  <a:prstClr val="white"/>
+                </a:solidFill>
+              </a:rPr>
+              <a:t>Home </a:t>
+            </a:r>
+            <a:r>
+              <a:rPr lang="en-US" dirty="0" smtClean="0">
+                <a:solidFill>
+                  <a:prstClr val="white"/>
+                </a:solidFill>
+              </a:rPr>
+              <a:t>&gt;</a:t>
+            </a:r>
+            <a:r>
+              <a:rPr lang="en-US" dirty="0" smtClean="0">
+                <a:solidFill>
+                  <a:schemeClr val="tx1"/>
+                </a:solidFill>
+              </a:rPr>
+              <a:t>My</a:t>
+            </a:r>
+            <a:r>
+              <a:rPr lang="en-US" dirty="0" smtClean="0">
+                <a:solidFill>
+                  <a:prstClr val="white"/>
+                </a:solidFill>
+              </a:rPr>
+              <a:t> </a:t>
+            </a:r>
+            <a:r>
+              <a:rPr lang="en-US" dirty="0" smtClean="0">
+                <a:solidFill>
+                  <a:prstClr val="black"/>
+                </a:solidFill>
+              </a:rPr>
+              <a:t>Requisition</a:t>
+            </a:r>
+            <a:endParaRPr lang="en-US" dirty="0">
+              <a:solidFill>
+                <a:prstClr val="black"/>
+              </a:solidFill>
+            </a:endParaRPr>
+          </a:p>
+        </p:txBody>
+      </p:sp>
+      <p:graphicFrame>
+        <p:nvGraphicFramePr>
+          <p:cNvPr id="8" name="Table 7"/>
+          <p:cNvGraphicFramePr>
+            <a:graphicFrameLocks noGrp="1"/>
+          </p:cNvGraphicFramePr>
+          <p:nvPr>
+            <p:extLst>
+              <p:ext uri="{D42A27DB-BD31-4B8C-83A1-F6EECF244321}">
+                <p14:modId xmlns:p14="http://schemas.microsoft.com/office/powerpoint/2010/main" val="4171748141"/>
+              </p:ext>
+            </p:extLst>
+          </p:nvPr>
+        </p:nvGraphicFramePr>
+        <p:xfrm>
+          <a:off x="2279177" y="2935904"/>
+          <a:ext cx="2881194" cy="365760"/>
+        </p:xfrm>
+        <a:graphic>
+          <a:graphicData uri="http://schemas.openxmlformats.org/drawingml/2006/table">
+            <a:tbl>
+              <a:tblPr firstRow="1" bandRow="1">
+                <a:tableStyleId>{5C22544A-7EE6-4342-B048-85BDC9FD1C3A}</a:tableStyleId>
+              </a:tblPr>
+              <a:tblGrid>
+                <a:gridCol w="2881194"/>
+              </a:tblGrid>
+              <a:tr h="358507">
+                <a:tc>
+                  <a:txBody>
+                    <a:bodyPr/>
+                    <a:lstStyle/>
+                    <a:p>
+                      <a:r>
+                        <a:rPr lang="en-US" baseline="0" dirty="0" smtClean="0"/>
+                        <a:t>Requisition List</a:t>
+                      </a:r>
+                      <a:endParaRPr lang="en-US" dirty="0"/>
+                    </a:p>
+                  </a:txBody>
+                  <a:tcPr>
+                    <a:solidFill>
+                      <a:schemeClr val="bg1">
+                        <a:lumMod val="75000"/>
+                      </a:schemeClr>
+                    </a:solidFill>
+                  </a:tcPr>
+                </a:tc>
+              </a:tr>
+            </a:tbl>
+          </a:graphicData>
+        </a:graphic>
+      </p:graphicFrame>
+    </p:spTree>
+    <p:extLst>
+      <p:ext uri="{BB962C8B-B14F-4D97-AF65-F5344CB8AC3E}">
+        <p14:creationId xmlns:p14="http://schemas.microsoft.com/office/powerpoint/2010/main" val="722558889"/>
+      </p:ext>
+    </p:extLst>
+  </p:cSld>
+  <p:clrMapOvr>
+    <a:masterClrMapping/>
+  </p:clrMapOvr>
+  <p:timing>
+    <p:tnLst>
+      <p:par>
+        <p:cTn id="1" dur="indefinite" restart="never" nodeType="tmRoot"/>
+      </p:par>
+    </p:tnLst>
+  </p:timing>
+</p:sld>
+</file>
+
+<file path=ppt/slides/slide26.xml><?xml version="1.0" encoding="utf-8"?>
+<p:sld xmlns:a="http://schemas.openxmlformats.org/drawingml/2006/main" xmlns:r="http://schemas.openxmlformats.org/officeDocument/2006/relationships" xmlns:p="http://schemas.openxmlformats.org/presentationml/2006/main">
+  <p:cSld>
+    <p:bg>
+      <p:bgPr>
+        <a:solidFill>
+          <a:schemeClr val="accent4">
+            <a:lumMod val="75000"/>
+          </a:schemeClr>
+        </a:solidFill>
+        <a:effectLst/>
+      </p:bgPr>
+    </p:bg>
+    <p:spTree>
+      <p:nvGrpSpPr>
+        <p:cNvPr id="1" name=""/>
+        <p:cNvGrpSpPr/>
+        <p:nvPr/>
+      </p:nvGrpSpPr>
+      <p:grpSpPr>
+        <a:xfrm>
+          <a:off x="0" y="0"/>
+          <a:ext cx="0" cy="0"/>
+          <a:chOff x="0" y="0"/>
+          <a:chExt cx="0" cy="0"/>
+        </a:xfrm>
+      </p:grpSpPr>
+      <p:sp>
+        <p:nvSpPr>
+          <p:cNvPr id="2" name="Title 1"/>
+          <p:cNvSpPr>
+            <a:spLocks noGrp="1"/>
+          </p:cNvSpPr>
+          <p:nvPr>
+            <p:ph type="title"/>
+          </p:nvPr>
+        </p:nvSpPr>
+        <p:spPr>
+          <a:gradFill>
+            <a:gsLst>
+              <a:gs pos="0">
+                <a:schemeClr val="accent4">
+                  <a:lumMod val="89000"/>
+                </a:schemeClr>
+              </a:gs>
+              <a:gs pos="23000">
+                <a:schemeClr val="accent4">
+                  <a:lumMod val="89000"/>
+                </a:schemeClr>
+              </a:gs>
+              <a:gs pos="69000">
+                <a:schemeClr val="accent4">
+                  <a:lumMod val="75000"/>
+                </a:schemeClr>
+              </a:gs>
+              <a:gs pos="97000">
+                <a:schemeClr val="accent4">
+                  <a:lumMod val="70000"/>
+                </a:schemeClr>
+              </a:gs>
+            </a:gsLst>
+            <a:path path="circle">
+              <a:fillToRect l="50000" t="50000" r="50000" b="50000"/>
+            </a:path>
+          </a:gradFill>
+        </p:spPr>
+        <p:txBody>
+          <a:bodyPr/>
+          <a:lstStyle/>
+          <a:p>
+            <a:pPr algn="ctr"/>
+            <a:r>
+              <a:rPr lang="en-US" b="1" dirty="0" smtClean="0"/>
+              <a:t>System Controller Diagram</a:t>
+            </a:r>
+            <a:endParaRPr lang="en-US" b="1" dirty="0"/>
+          </a:p>
+        </p:txBody>
+      </p:sp>
+      <p:sp>
+        <p:nvSpPr>
+          <p:cNvPr id="4" name="Flowchart: Internal Storage 3"/>
+          <p:cNvSpPr/>
+          <p:nvPr/>
+        </p:nvSpPr>
+        <p:spPr>
+          <a:xfrm>
+            <a:off x="838199" y="1813519"/>
+            <a:ext cx="10515600" cy="4519042"/>
+          </a:xfrm>
+          <a:prstGeom prst="flowChartInternalStorage">
+            <a:avLst/>
+          </a:prstGeom>
+          <a:solidFill>
+            <a:schemeClr val="bg1">
+              <a:lumMod val="85000"/>
+            </a:schemeClr>
+          </a:solidFill>
+        </p:spPr>
+        <p:style>
+          <a:lnRef idx="2">
+            <a:schemeClr val="accent1">
+              <a:shade val="50000"/>
+            </a:schemeClr>
+          </a:lnRef>
+          <a:fillRef idx="1">
+            <a:schemeClr val="accent1"/>
+          </a:fillRef>
+          <a:effectRef idx="0">
+            <a:schemeClr val="accent1"/>
+          </a:effectRef>
+          <a:fontRef idx="minor">
+            <a:schemeClr val="lt1"/>
+          </a:fontRef>
+        </p:style>
+        <p:txBody>
+          <a:bodyPr rtlCol="0" anchor="ctr"/>
+          <a:lstStyle/>
+          <a:p>
+            <a:pPr algn="ctr"/>
+            <a:endParaRPr lang="en-US"/>
+          </a:p>
+        </p:txBody>
+      </p:sp>
+      <p:sp>
+        <p:nvSpPr>
+          <p:cNvPr id="5" name="Rounded Rectangle 4"/>
+          <p:cNvSpPr/>
+          <p:nvPr/>
+        </p:nvSpPr>
+        <p:spPr>
+          <a:xfrm>
+            <a:off x="8529852" y="2485580"/>
+            <a:ext cx="2661315" cy="368489"/>
+          </a:xfrm>
+          <a:prstGeom prst="roundRect">
+            <a:avLst/>
+          </a:prstGeom>
+          <a:solidFill>
+            <a:schemeClr val="bg1"/>
+          </a:solidFill>
+        </p:spPr>
+        <p:style>
+          <a:lnRef idx="2">
+            <a:schemeClr val="accent1">
+              <a:shade val="50000"/>
+            </a:schemeClr>
+          </a:lnRef>
+          <a:fillRef idx="1">
+            <a:schemeClr val="accent1"/>
+          </a:fillRef>
+          <a:effectRef idx="0">
+            <a:schemeClr val="accent1"/>
+          </a:effectRef>
+          <a:fontRef idx="minor">
+            <a:schemeClr val="lt1"/>
+          </a:fontRef>
+        </p:style>
+        <p:txBody>
+          <a:bodyPr rtlCol="0" anchor="ctr"/>
+          <a:lstStyle/>
+          <a:p>
+            <a:r>
+              <a:rPr lang="en-US" sz="1600" dirty="0" smtClean="0">
+                <a:solidFill>
+                  <a:schemeClr val="tx1"/>
+                </a:solidFill>
+              </a:rPr>
+              <a:t>Search</a:t>
+            </a:r>
+            <a:endParaRPr lang="en-US" sz="1600" dirty="0">
+              <a:solidFill>
+                <a:schemeClr val="tx1"/>
+              </a:solidFill>
+            </a:endParaRPr>
+          </a:p>
+        </p:txBody>
+      </p:sp>
+      <p:sp>
+        <p:nvSpPr>
+          <p:cNvPr id="6" name="Rounded Rectangle 5"/>
+          <p:cNvSpPr/>
+          <p:nvPr/>
+        </p:nvSpPr>
+        <p:spPr>
+          <a:xfrm>
+            <a:off x="9717209" y="1943882"/>
+            <a:ext cx="1473958" cy="300251"/>
+          </a:xfrm>
+          <a:prstGeom prst="roundRect">
+            <a:avLst/>
+          </a:prstGeom>
+        </p:spPr>
+        <p:style>
+          <a:lnRef idx="2">
+            <a:schemeClr val="accent1">
+              <a:shade val="50000"/>
+            </a:schemeClr>
+          </a:lnRef>
+          <a:fillRef idx="1">
+            <a:schemeClr val="accent1"/>
+          </a:fillRef>
+          <a:effectRef idx="0">
+            <a:schemeClr val="accent1"/>
+          </a:effectRef>
+          <a:fontRef idx="minor">
+            <a:schemeClr val="lt1"/>
+          </a:fontRef>
+        </p:style>
+        <p:txBody>
+          <a:bodyPr rtlCol="0" anchor="ctr"/>
+          <a:lstStyle/>
+          <a:p>
+            <a:pPr algn="ctr"/>
+            <a:r>
+              <a:rPr lang="en-US" dirty="0" smtClean="0"/>
+              <a:t>Logout</a:t>
+            </a:r>
+            <a:endParaRPr lang="en-US" dirty="0"/>
+          </a:p>
+        </p:txBody>
+      </p:sp>
+      <p:sp>
+        <p:nvSpPr>
+          <p:cNvPr id="7" name="Rounded Rectangle 6"/>
+          <p:cNvSpPr/>
+          <p:nvPr/>
+        </p:nvSpPr>
+        <p:spPr>
+          <a:xfrm>
+            <a:off x="6893262" y="1938986"/>
+            <a:ext cx="2661315" cy="298618"/>
+          </a:xfrm>
+          <a:prstGeom prst="roundRect">
+            <a:avLst/>
+          </a:prstGeom>
+        </p:spPr>
+        <p:style>
+          <a:lnRef idx="2">
+            <a:schemeClr val="accent1">
+              <a:shade val="50000"/>
+            </a:schemeClr>
+          </a:lnRef>
+          <a:fillRef idx="1">
+            <a:schemeClr val="accent1"/>
+          </a:fillRef>
+          <a:effectRef idx="0">
+            <a:schemeClr val="accent1"/>
+          </a:effectRef>
+          <a:fontRef idx="minor">
+            <a:schemeClr val="lt1"/>
+          </a:fontRef>
+        </p:style>
+        <p:txBody>
+          <a:bodyPr rtlCol="0" anchor="ctr"/>
+          <a:lstStyle/>
+          <a:p>
+            <a:pPr algn="ctr"/>
+            <a:r>
+              <a:rPr lang="en-US" dirty="0" smtClean="0"/>
+              <a:t>Hi! user@mail.com</a:t>
+            </a:r>
+            <a:endParaRPr lang="en-US" dirty="0"/>
+          </a:p>
+        </p:txBody>
+      </p:sp>
+      <p:sp>
+        <p:nvSpPr>
+          <p:cNvPr id="8" name="Rounded Rectangle 7"/>
+          <p:cNvSpPr/>
+          <p:nvPr/>
+        </p:nvSpPr>
+        <p:spPr>
+          <a:xfrm>
+            <a:off x="838200" y="1897040"/>
+            <a:ext cx="1290851" cy="393936"/>
+          </a:xfrm>
+          <a:prstGeom prst="roundRect">
+            <a:avLst/>
+          </a:prstGeom>
+        </p:spPr>
+        <p:style>
+          <a:lnRef idx="2">
+            <a:schemeClr val="accent1">
+              <a:shade val="50000"/>
+            </a:schemeClr>
+          </a:lnRef>
+          <a:fillRef idx="1">
+            <a:schemeClr val="accent1"/>
+          </a:fillRef>
+          <a:effectRef idx="0">
+            <a:schemeClr val="accent1"/>
+          </a:effectRef>
+          <a:fontRef idx="minor">
+            <a:schemeClr val="lt1"/>
+          </a:fontRef>
+        </p:style>
+        <p:txBody>
+          <a:bodyPr rtlCol="0" anchor="ctr"/>
+          <a:lstStyle/>
+          <a:p>
+            <a:pPr algn="ctr"/>
+            <a:r>
+              <a:rPr lang="en-US" dirty="0" smtClean="0"/>
+              <a:t>Dash Board</a:t>
+            </a:r>
+            <a:endParaRPr lang="en-US" dirty="0"/>
+          </a:p>
+        </p:txBody>
+      </p:sp>
+      <p:sp>
+        <p:nvSpPr>
+          <p:cNvPr id="9" name="Rounded Rectangle 8"/>
+          <p:cNvSpPr/>
+          <p:nvPr/>
+        </p:nvSpPr>
+        <p:spPr>
+          <a:xfrm>
+            <a:off x="838200" y="2528211"/>
+            <a:ext cx="1290851" cy="283229"/>
+          </a:xfrm>
+          <a:prstGeom prst="roundRect">
+            <a:avLst/>
+          </a:prstGeom>
+          <a:solidFill>
+            <a:schemeClr val="bg1"/>
+          </a:solidFill>
+        </p:spPr>
+        <p:style>
+          <a:lnRef idx="2">
+            <a:schemeClr val="accent1">
+              <a:shade val="50000"/>
+            </a:schemeClr>
+          </a:lnRef>
+          <a:fillRef idx="1">
+            <a:schemeClr val="accent1"/>
+          </a:fillRef>
+          <a:effectRef idx="0">
+            <a:schemeClr val="accent1"/>
+          </a:effectRef>
+          <a:fontRef idx="minor">
+            <a:schemeClr val="lt1"/>
+          </a:fontRef>
+        </p:style>
+        <p:txBody>
+          <a:bodyPr rtlCol="0" anchor="ctr"/>
+          <a:lstStyle/>
+          <a:p>
+            <a:pPr algn="ctr"/>
+            <a:r>
+              <a:rPr lang="en-US" sz="1600" dirty="0" smtClean="0">
+                <a:solidFill>
+                  <a:schemeClr val="tx1"/>
+                </a:solidFill>
+              </a:rPr>
+              <a:t>Add Vehicle</a:t>
+            </a:r>
+            <a:endParaRPr lang="en-US" sz="1600" dirty="0">
+              <a:solidFill>
+                <a:schemeClr val="tx1"/>
+              </a:solidFill>
+            </a:endParaRPr>
+          </a:p>
+        </p:txBody>
+      </p:sp>
+      <p:sp>
+        <p:nvSpPr>
+          <p:cNvPr id="10" name="Rounded Rectangle 9"/>
+          <p:cNvSpPr/>
+          <p:nvPr/>
+        </p:nvSpPr>
+        <p:spPr>
+          <a:xfrm>
+            <a:off x="838200" y="2935904"/>
+            <a:ext cx="1290851" cy="283229"/>
+          </a:xfrm>
+          <a:prstGeom prst="roundRect">
+            <a:avLst/>
+          </a:prstGeom>
+          <a:solidFill>
+            <a:schemeClr val="bg1"/>
+          </a:solidFill>
+        </p:spPr>
+        <p:style>
+          <a:lnRef idx="2">
+            <a:schemeClr val="accent1">
+              <a:shade val="50000"/>
+            </a:schemeClr>
+          </a:lnRef>
+          <a:fillRef idx="1">
+            <a:schemeClr val="accent1"/>
+          </a:fillRef>
+          <a:effectRef idx="0">
+            <a:schemeClr val="accent1"/>
+          </a:effectRef>
+          <a:fontRef idx="minor">
+            <a:schemeClr val="lt1"/>
+          </a:fontRef>
+        </p:style>
+        <p:txBody>
+          <a:bodyPr rtlCol="0" anchor="ctr"/>
+          <a:lstStyle/>
+          <a:p>
+            <a:pPr algn="ctr"/>
+            <a:r>
+              <a:rPr lang="en-US" sz="1600" dirty="0" smtClean="0">
+                <a:solidFill>
+                  <a:schemeClr val="tx1"/>
+                </a:solidFill>
+              </a:rPr>
+              <a:t>ADD Driver</a:t>
+            </a:r>
+            <a:endParaRPr lang="en-US" sz="1600" dirty="0">
+              <a:solidFill>
+                <a:schemeClr val="tx1"/>
+              </a:solidFill>
+            </a:endParaRPr>
+          </a:p>
+        </p:txBody>
+      </p:sp>
+      <p:sp>
+        <p:nvSpPr>
+          <p:cNvPr id="12" name="Rounded Rectangle 11"/>
+          <p:cNvSpPr/>
+          <p:nvPr/>
+        </p:nvSpPr>
+        <p:spPr>
+          <a:xfrm>
+            <a:off x="838200" y="3391313"/>
+            <a:ext cx="1290851" cy="511947"/>
+          </a:xfrm>
+          <a:prstGeom prst="roundRect">
+            <a:avLst/>
+          </a:prstGeom>
+          <a:solidFill>
+            <a:schemeClr val="bg1"/>
+          </a:solidFill>
+        </p:spPr>
+        <p:style>
+          <a:lnRef idx="2">
+            <a:schemeClr val="accent1">
+              <a:shade val="50000"/>
+            </a:schemeClr>
+          </a:lnRef>
+          <a:fillRef idx="1">
+            <a:schemeClr val="accent1"/>
+          </a:fillRef>
+          <a:effectRef idx="0">
+            <a:schemeClr val="accent1"/>
+          </a:effectRef>
+          <a:fontRef idx="minor">
+            <a:schemeClr val="lt1"/>
+          </a:fontRef>
+        </p:style>
+        <p:txBody>
+          <a:bodyPr rtlCol="0" anchor="ctr"/>
+          <a:lstStyle/>
+          <a:p>
+            <a:pPr algn="ctr"/>
+            <a:r>
+              <a:rPr lang="en-US" sz="1600" dirty="0" smtClean="0">
+                <a:solidFill>
+                  <a:schemeClr val="tx1"/>
+                </a:solidFill>
+              </a:rPr>
+              <a:t>Add Employee</a:t>
+            </a:r>
+            <a:endParaRPr lang="en-US" sz="1600" dirty="0">
+              <a:solidFill>
+                <a:schemeClr val="tx1"/>
+              </a:solidFill>
+            </a:endParaRPr>
+          </a:p>
+        </p:txBody>
+      </p:sp>
+    </p:spTree>
+    <p:extLst>
+      <p:ext uri="{BB962C8B-B14F-4D97-AF65-F5344CB8AC3E}">
+        <p14:creationId xmlns:p14="http://schemas.microsoft.com/office/powerpoint/2010/main" val="3513687348"/>
+      </p:ext>
+    </p:extLst>
+  </p:cSld>
+  <p:clrMapOvr>
+    <a:masterClrMapping/>
+  </p:clrMapOvr>
+  <p:timing>
+    <p:tnLst>
+      <p:par>
+        <p:cTn id="1" dur="indefinite" restart="never" nodeType="tmRoot"/>
+      </p:par>
+    </p:tnLst>
+  </p:timing>
+</p:sld>
+</file>
+
+<file path=ppt/slides/slide27.xml><?xml version="1.0" encoding="utf-8"?>
+<p:sld xmlns:a="http://schemas.openxmlformats.org/drawingml/2006/main" xmlns:r="http://schemas.openxmlformats.org/officeDocument/2006/relationships" xmlns:p="http://schemas.openxmlformats.org/presentationml/2006/main">
+  <p:cSld>
+    <p:bg>
+      <p:bgPr>
+        <a:solidFill>
+          <a:schemeClr val="accent4">
+            <a:lumMod val="75000"/>
+          </a:schemeClr>
+        </a:solidFill>
+        <a:effectLst/>
+      </p:bgPr>
+    </p:bg>
+    <p:spTree>
+      <p:nvGrpSpPr>
+        <p:cNvPr id="1" name=""/>
+        <p:cNvGrpSpPr/>
+        <p:nvPr/>
+      </p:nvGrpSpPr>
+      <p:grpSpPr>
+        <a:xfrm>
+          <a:off x="0" y="0"/>
+          <a:ext cx="0" cy="0"/>
+          <a:chOff x="0" y="0"/>
+          <a:chExt cx="0" cy="0"/>
+        </a:xfrm>
+      </p:grpSpPr>
+      <p:sp>
+        <p:nvSpPr>
+          <p:cNvPr id="2" name="Title 1"/>
+          <p:cNvSpPr>
+            <a:spLocks noGrp="1"/>
+          </p:cNvSpPr>
+          <p:nvPr>
+            <p:ph type="title"/>
+          </p:nvPr>
+        </p:nvSpPr>
+        <p:spPr>
+          <a:gradFill>
+            <a:gsLst>
+              <a:gs pos="0">
+                <a:schemeClr val="accent4">
+                  <a:lumMod val="89000"/>
+                </a:schemeClr>
+              </a:gs>
+              <a:gs pos="23000">
+                <a:schemeClr val="accent4">
+                  <a:lumMod val="89000"/>
+                </a:schemeClr>
+              </a:gs>
+              <a:gs pos="69000">
+                <a:schemeClr val="accent4">
+                  <a:lumMod val="75000"/>
+                </a:schemeClr>
+              </a:gs>
+              <a:gs pos="97000">
+                <a:schemeClr val="accent4">
+                  <a:lumMod val="70000"/>
+                </a:schemeClr>
+              </a:gs>
+            </a:gsLst>
+            <a:path path="circle">
+              <a:fillToRect l="50000" t="50000" r="50000" b="50000"/>
+            </a:path>
+          </a:gradFill>
+        </p:spPr>
+        <p:txBody>
+          <a:bodyPr/>
+          <a:lstStyle/>
+          <a:p>
+            <a:pPr algn="ctr"/>
+            <a:r>
+              <a:rPr lang="en-US" b="1" dirty="0" smtClean="0"/>
+              <a:t>Vehicle Controller Diagram</a:t>
+            </a:r>
+            <a:endParaRPr lang="en-US" b="1" dirty="0"/>
+          </a:p>
+        </p:txBody>
+      </p:sp>
+      <p:sp>
+        <p:nvSpPr>
+          <p:cNvPr id="12" name="Flowchart: Internal Storage 11"/>
+          <p:cNvSpPr/>
+          <p:nvPr/>
+        </p:nvSpPr>
+        <p:spPr>
+          <a:xfrm>
+            <a:off x="838199" y="1813519"/>
+            <a:ext cx="10515600" cy="4519042"/>
+          </a:xfrm>
+          <a:prstGeom prst="flowChartInternalStorage">
+            <a:avLst/>
+          </a:prstGeom>
+          <a:solidFill>
+            <a:schemeClr val="bg1">
+              <a:lumMod val="85000"/>
+            </a:schemeClr>
+          </a:solidFill>
+        </p:spPr>
+        <p:style>
+          <a:lnRef idx="2">
+            <a:schemeClr val="accent1">
+              <a:shade val="50000"/>
+            </a:schemeClr>
+          </a:lnRef>
+          <a:fillRef idx="1">
+            <a:schemeClr val="accent1"/>
+          </a:fillRef>
+          <a:effectRef idx="0">
+            <a:schemeClr val="accent1"/>
+          </a:effectRef>
+          <a:fontRef idx="minor">
+            <a:schemeClr val="lt1"/>
+          </a:fontRef>
+        </p:style>
+        <p:txBody>
+          <a:bodyPr rtlCol="0" anchor="ctr"/>
+          <a:lstStyle/>
+          <a:p>
+            <a:pPr algn="ctr"/>
+            <a:endParaRPr lang="en-US"/>
+          </a:p>
+        </p:txBody>
+      </p:sp>
+      <p:sp>
+        <p:nvSpPr>
+          <p:cNvPr id="13" name="Rounded Rectangle 12"/>
+          <p:cNvSpPr/>
+          <p:nvPr/>
+        </p:nvSpPr>
+        <p:spPr>
+          <a:xfrm>
+            <a:off x="8529852" y="2485580"/>
+            <a:ext cx="2661315" cy="368489"/>
+          </a:xfrm>
+          <a:prstGeom prst="roundRect">
+            <a:avLst/>
+          </a:prstGeom>
+          <a:solidFill>
+            <a:schemeClr val="bg1"/>
+          </a:solidFill>
+        </p:spPr>
+        <p:style>
+          <a:lnRef idx="2">
+            <a:schemeClr val="accent1">
+              <a:shade val="50000"/>
+            </a:schemeClr>
+          </a:lnRef>
+          <a:fillRef idx="1">
+            <a:schemeClr val="accent1"/>
+          </a:fillRef>
+          <a:effectRef idx="0">
+            <a:schemeClr val="accent1"/>
+          </a:effectRef>
+          <a:fontRef idx="minor">
+            <a:schemeClr val="lt1"/>
+          </a:fontRef>
+        </p:style>
+        <p:txBody>
+          <a:bodyPr rtlCol="0" anchor="ctr"/>
+          <a:lstStyle/>
+          <a:p>
+            <a:r>
+              <a:rPr lang="en-US" sz="1600" dirty="0" smtClean="0">
+                <a:solidFill>
+                  <a:schemeClr val="tx1"/>
+                </a:solidFill>
+              </a:rPr>
+              <a:t>Search</a:t>
+            </a:r>
+            <a:endParaRPr lang="en-US" sz="1600" dirty="0">
+              <a:solidFill>
+                <a:schemeClr val="tx1"/>
+              </a:solidFill>
+            </a:endParaRPr>
+          </a:p>
+        </p:txBody>
+      </p:sp>
+      <p:sp>
+        <p:nvSpPr>
+          <p:cNvPr id="14" name="Rounded Rectangle 13"/>
+          <p:cNvSpPr/>
+          <p:nvPr/>
+        </p:nvSpPr>
+        <p:spPr>
+          <a:xfrm>
+            <a:off x="9717209" y="1943882"/>
+            <a:ext cx="1473958" cy="300251"/>
+          </a:xfrm>
+          <a:prstGeom prst="roundRect">
+            <a:avLst/>
+          </a:prstGeom>
+        </p:spPr>
+        <p:style>
+          <a:lnRef idx="2">
+            <a:schemeClr val="accent1">
+              <a:shade val="50000"/>
+            </a:schemeClr>
+          </a:lnRef>
+          <a:fillRef idx="1">
+            <a:schemeClr val="accent1"/>
+          </a:fillRef>
+          <a:effectRef idx="0">
+            <a:schemeClr val="accent1"/>
+          </a:effectRef>
+          <a:fontRef idx="minor">
+            <a:schemeClr val="lt1"/>
+          </a:fontRef>
+        </p:style>
+        <p:txBody>
+          <a:bodyPr rtlCol="0" anchor="ctr"/>
+          <a:lstStyle/>
+          <a:p>
+            <a:pPr algn="ctr"/>
+            <a:r>
+              <a:rPr lang="en-US" dirty="0" smtClean="0"/>
+              <a:t>Logout</a:t>
+            </a:r>
+            <a:endParaRPr lang="en-US" dirty="0"/>
+          </a:p>
+        </p:txBody>
+      </p:sp>
+      <p:sp>
+        <p:nvSpPr>
+          <p:cNvPr id="15" name="Rounded Rectangle 14"/>
+          <p:cNvSpPr/>
+          <p:nvPr/>
+        </p:nvSpPr>
+        <p:spPr>
+          <a:xfrm>
+            <a:off x="6893262" y="1938986"/>
+            <a:ext cx="2661315" cy="298618"/>
+          </a:xfrm>
+          <a:prstGeom prst="roundRect">
+            <a:avLst/>
+          </a:prstGeom>
+        </p:spPr>
+        <p:style>
+          <a:lnRef idx="2">
+            <a:schemeClr val="accent1">
+              <a:shade val="50000"/>
+            </a:schemeClr>
+          </a:lnRef>
+          <a:fillRef idx="1">
+            <a:schemeClr val="accent1"/>
+          </a:fillRef>
+          <a:effectRef idx="0">
+            <a:schemeClr val="accent1"/>
+          </a:effectRef>
+          <a:fontRef idx="minor">
+            <a:schemeClr val="lt1"/>
+          </a:fontRef>
+        </p:style>
+        <p:txBody>
+          <a:bodyPr rtlCol="0" anchor="ctr"/>
+          <a:lstStyle/>
+          <a:p>
+            <a:pPr algn="ctr"/>
+            <a:r>
+              <a:rPr lang="en-US" dirty="0" smtClean="0"/>
+              <a:t>Hi! user@mail.com</a:t>
+            </a:r>
+            <a:endParaRPr lang="en-US" dirty="0"/>
+          </a:p>
+        </p:txBody>
+      </p:sp>
+      <p:sp>
+        <p:nvSpPr>
+          <p:cNvPr id="16" name="Rounded Rectangle 15"/>
+          <p:cNvSpPr/>
+          <p:nvPr/>
+        </p:nvSpPr>
+        <p:spPr>
+          <a:xfrm>
+            <a:off x="838200" y="1897040"/>
+            <a:ext cx="1290851" cy="393936"/>
+          </a:xfrm>
+          <a:prstGeom prst="roundRect">
+            <a:avLst/>
+          </a:prstGeom>
+        </p:spPr>
+        <p:style>
+          <a:lnRef idx="2">
+            <a:schemeClr val="accent1">
+              <a:shade val="50000"/>
+            </a:schemeClr>
+          </a:lnRef>
+          <a:fillRef idx="1">
+            <a:schemeClr val="accent1"/>
+          </a:fillRef>
+          <a:effectRef idx="0">
+            <a:schemeClr val="accent1"/>
+          </a:effectRef>
+          <a:fontRef idx="minor">
+            <a:schemeClr val="lt1"/>
+          </a:fontRef>
+        </p:style>
+        <p:txBody>
+          <a:bodyPr rtlCol="0" anchor="ctr"/>
+          <a:lstStyle/>
+          <a:p>
+            <a:pPr algn="ctr"/>
+            <a:r>
+              <a:rPr lang="en-US" dirty="0" smtClean="0"/>
+              <a:t>Dash Board</a:t>
+            </a:r>
+            <a:endParaRPr lang="en-US" dirty="0"/>
+          </a:p>
+        </p:txBody>
+      </p:sp>
+      <p:sp>
+        <p:nvSpPr>
+          <p:cNvPr id="17" name="Rounded Rectangle 16"/>
+          <p:cNvSpPr/>
+          <p:nvPr/>
+        </p:nvSpPr>
+        <p:spPr>
+          <a:xfrm>
+            <a:off x="838200" y="2528211"/>
+            <a:ext cx="1290851" cy="524439"/>
+          </a:xfrm>
+          <a:prstGeom prst="roundRect">
+            <a:avLst/>
+          </a:prstGeom>
+          <a:solidFill>
+            <a:schemeClr val="bg1"/>
+          </a:solidFill>
+        </p:spPr>
+        <p:style>
+          <a:lnRef idx="2">
+            <a:schemeClr val="accent1">
+              <a:shade val="50000"/>
+            </a:schemeClr>
+          </a:lnRef>
+          <a:fillRef idx="1">
+            <a:schemeClr val="accent1"/>
+          </a:fillRef>
+          <a:effectRef idx="0">
+            <a:schemeClr val="accent1"/>
+          </a:effectRef>
+          <a:fontRef idx="minor">
+            <a:schemeClr val="lt1"/>
+          </a:fontRef>
+        </p:style>
+        <p:txBody>
+          <a:bodyPr rtlCol="0" anchor="ctr"/>
+          <a:lstStyle/>
+          <a:p>
+            <a:pPr algn="ctr"/>
+            <a:r>
+              <a:rPr lang="en-US" dirty="0" smtClean="0">
+                <a:solidFill>
+                  <a:schemeClr val="tx1"/>
+                </a:solidFill>
+              </a:rPr>
+              <a:t>Requisition List</a:t>
+            </a:r>
+            <a:endParaRPr lang="en-US" dirty="0">
+              <a:solidFill>
+                <a:schemeClr val="tx1"/>
+              </a:solidFill>
+            </a:endParaRPr>
+          </a:p>
+        </p:txBody>
+      </p:sp>
+      <p:sp>
+        <p:nvSpPr>
+          <p:cNvPr id="18" name="Rounded Rectangle 17"/>
+          <p:cNvSpPr/>
+          <p:nvPr/>
+        </p:nvSpPr>
+        <p:spPr>
+          <a:xfrm>
+            <a:off x="838198" y="3189029"/>
+            <a:ext cx="1290851" cy="283229"/>
+          </a:xfrm>
+          <a:prstGeom prst="roundRect">
+            <a:avLst/>
+          </a:prstGeom>
+          <a:solidFill>
+            <a:schemeClr val="bg1"/>
+          </a:solidFill>
+        </p:spPr>
+        <p:style>
+          <a:lnRef idx="2">
+            <a:schemeClr val="accent1">
+              <a:shade val="50000"/>
+            </a:schemeClr>
+          </a:lnRef>
+          <a:fillRef idx="1">
+            <a:schemeClr val="accent1"/>
+          </a:fillRef>
+          <a:effectRef idx="0">
+            <a:schemeClr val="accent1"/>
+          </a:effectRef>
+          <a:fontRef idx="minor">
+            <a:schemeClr val="lt1"/>
+          </a:fontRef>
+        </p:style>
+        <p:txBody>
+          <a:bodyPr rtlCol="0" anchor="ctr"/>
+          <a:lstStyle/>
+          <a:p>
+            <a:pPr algn="ctr"/>
+            <a:r>
+              <a:rPr lang="en-US" dirty="0" smtClean="0">
+                <a:solidFill>
+                  <a:schemeClr val="tx1"/>
+                </a:solidFill>
+              </a:rPr>
+              <a:t>Driver List</a:t>
+            </a:r>
+            <a:endParaRPr lang="en-US" dirty="0">
+              <a:solidFill>
+                <a:schemeClr val="tx1"/>
+              </a:solidFill>
+            </a:endParaRPr>
+          </a:p>
+        </p:txBody>
+      </p:sp>
+      <p:sp>
+        <p:nvSpPr>
+          <p:cNvPr id="19" name="Rounded Rectangle 18"/>
+          <p:cNvSpPr/>
+          <p:nvPr/>
+        </p:nvSpPr>
+        <p:spPr>
+          <a:xfrm>
+            <a:off x="838197" y="3560211"/>
+            <a:ext cx="1290851" cy="483219"/>
+          </a:xfrm>
+          <a:prstGeom prst="roundRect">
+            <a:avLst/>
+          </a:prstGeom>
+          <a:solidFill>
+            <a:schemeClr val="bg1"/>
+          </a:solidFill>
+        </p:spPr>
+        <p:style>
+          <a:lnRef idx="2">
+            <a:schemeClr val="accent1">
+              <a:shade val="50000"/>
+            </a:schemeClr>
+          </a:lnRef>
+          <a:fillRef idx="1">
+            <a:schemeClr val="accent1"/>
+          </a:fillRef>
+          <a:effectRef idx="0">
+            <a:schemeClr val="accent1"/>
+          </a:effectRef>
+          <a:fontRef idx="minor">
+            <a:schemeClr val="lt1"/>
+          </a:fontRef>
+        </p:style>
+        <p:txBody>
+          <a:bodyPr rtlCol="0" anchor="ctr"/>
+          <a:lstStyle/>
+          <a:p>
+            <a:pPr algn="ctr"/>
+            <a:r>
+              <a:rPr lang="en-US" sz="1600" dirty="0" smtClean="0">
+                <a:solidFill>
+                  <a:schemeClr val="tx1"/>
+                </a:solidFill>
+              </a:rPr>
+              <a:t>Employee List</a:t>
+            </a:r>
+            <a:endParaRPr lang="en-US" sz="1600" dirty="0">
+              <a:solidFill>
+                <a:schemeClr val="tx1"/>
+              </a:solidFill>
+            </a:endParaRPr>
+          </a:p>
+        </p:txBody>
+      </p:sp>
+      <p:sp>
+        <p:nvSpPr>
+          <p:cNvPr id="20" name="Rounded Rectangle 19"/>
+          <p:cNvSpPr/>
+          <p:nvPr/>
+        </p:nvSpPr>
+        <p:spPr>
+          <a:xfrm>
+            <a:off x="838197" y="4166261"/>
+            <a:ext cx="1290851" cy="283229"/>
+          </a:xfrm>
+          <a:prstGeom prst="roundRect">
+            <a:avLst/>
+          </a:prstGeom>
+          <a:solidFill>
+            <a:schemeClr val="bg1"/>
+          </a:solidFill>
+        </p:spPr>
+        <p:style>
+          <a:lnRef idx="2">
+            <a:schemeClr val="accent1">
+              <a:shade val="50000"/>
+            </a:schemeClr>
+          </a:lnRef>
+          <a:fillRef idx="1">
+            <a:schemeClr val="accent1"/>
+          </a:fillRef>
+          <a:effectRef idx="0">
+            <a:schemeClr val="accent1"/>
+          </a:effectRef>
+          <a:fontRef idx="minor">
+            <a:schemeClr val="lt1"/>
+          </a:fontRef>
+        </p:style>
+        <p:txBody>
+          <a:bodyPr rtlCol="0" anchor="ctr"/>
+          <a:lstStyle/>
+          <a:p>
+            <a:pPr algn="ctr"/>
+            <a:r>
+              <a:rPr lang="en-US" sz="1600" dirty="0" smtClean="0">
+                <a:solidFill>
+                  <a:schemeClr val="tx1"/>
+                </a:solidFill>
+              </a:rPr>
+              <a:t>Check In</a:t>
+            </a:r>
+            <a:endParaRPr lang="en-US" sz="1600" dirty="0">
+              <a:solidFill>
+                <a:schemeClr val="tx1"/>
+              </a:solidFill>
+            </a:endParaRPr>
+          </a:p>
+        </p:txBody>
+      </p:sp>
+      <p:sp>
+        <p:nvSpPr>
+          <p:cNvPr id="26" name="Rounded Rectangle 25"/>
+          <p:cNvSpPr/>
+          <p:nvPr/>
+        </p:nvSpPr>
+        <p:spPr>
+          <a:xfrm>
+            <a:off x="838198" y="4550991"/>
+            <a:ext cx="1290851" cy="283229"/>
+          </a:xfrm>
+          <a:prstGeom prst="roundRect">
+            <a:avLst/>
+          </a:prstGeom>
+          <a:solidFill>
+            <a:schemeClr val="bg1"/>
+          </a:solidFill>
+        </p:spPr>
+        <p:style>
+          <a:lnRef idx="2">
+            <a:schemeClr val="accent1">
+              <a:shade val="50000"/>
+            </a:schemeClr>
+          </a:lnRef>
+          <a:fillRef idx="1">
+            <a:schemeClr val="accent1"/>
+          </a:fillRef>
+          <a:effectRef idx="0">
+            <a:schemeClr val="accent1"/>
+          </a:effectRef>
+          <a:fontRef idx="minor">
+            <a:schemeClr val="lt1"/>
+          </a:fontRef>
+        </p:style>
+        <p:txBody>
+          <a:bodyPr rtlCol="0" anchor="ctr"/>
+          <a:lstStyle/>
+          <a:p>
+            <a:pPr algn="ctr"/>
+            <a:r>
+              <a:rPr lang="en-US" sz="1600" dirty="0" smtClean="0">
+                <a:solidFill>
+                  <a:schemeClr val="tx1"/>
+                </a:solidFill>
+              </a:rPr>
+              <a:t>Check out</a:t>
+            </a:r>
+            <a:endParaRPr lang="en-US" sz="1600" dirty="0">
+              <a:solidFill>
+                <a:schemeClr val="tx1"/>
+              </a:solidFill>
+            </a:endParaRPr>
+          </a:p>
+        </p:txBody>
+      </p:sp>
+    </p:spTree>
+    <p:extLst>
+      <p:ext uri="{BB962C8B-B14F-4D97-AF65-F5344CB8AC3E}">
+        <p14:creationId xmlns:p14="http://schemas.microsoft.com/office/powerpoint/2010/main" val="1839810773"/>
+      </p:ext>
+    </p:extLst>
+  </p:cSld>
+  <p:clrMapOvr>
+    <a:masterClrMapping/>
+  </p:clrMapOvr>
+  <p:timing>
+    <p:tnLst>
+      <p:par>
+        <p:cTn id="1" dur="indefinite" restart="never" nodeType="tmRoot"/>
+      </p:par>
+    </p:tnLst>
+  </p:timing>
+</p:sld>
+</file>
+
+<file path=ppt/slides/slide28.xml><?xml version="1.0" encoding="utf-8"?>
+<p:sld xmlns:a="http://schemas.openxmlformats.org/drawingml/2006/main" xmlns:r="http://schemas.openxmlformats.org/officeDocument/2006/relationships" xmlns:p="http://schemas.openxmlformats.org/presentationml/2006/main">
+  <p:cSld>
+    <p:bg>
+      <p:bgPr>
+        <a:solidFill>
+          <a:schemeClr val="accent4">
+            <a:lumMod val="75000"/>
+          </a:schemeClr>
+        </a:solidFill>
+        <a:effectLst/>
+      </p:bgPr>
+    </p:bg>
+    <p:spTree>
+      <p:nvGrpSpPr>
+        <p:cNvPr id="1" name=""/>
+        <p:cNvGrpSpPr/>
+        <p:nvPr/>
+      </p:nvGrpSpPr>
+      <p:grpSpPr>
+        <a:xfrm>
+          <a:off x="0" y="0"/>
+          <a:ext cx="0" cy="0"/>
+          <a:chOff x="0" y="0"/>
+          <a:chExt cx="0" cy="0"/>
+        </a:xfrm>
+      </p:grpSpPr>
+      <p:sp>
+        <p:nvSpPr>
+          <p:cNvPr id="2" name="Title 1"/>
+          <p:cNvSpPr>
+            <a:spLocks noGrp="1"/>
+          </p:cNvSpPr>
+          <p:nvPr>
+            <p:ph type="title"/>
+          </p:nvPr>
+        </p:nvSpPr>
+        <p:spPr>
+          <a:gradFill>
+            <a:gsLst>
+              <a:gs pos="0">
+                <a:schemeClr val="accent4">
+                  <a:lumMod val="89000"/>
+                </a:schemeClr>
+              </a:gs>
+              <a:gs pos="23000">
+                <a:schemeClr val="accent4">
+                  <a:lumMod val="89000"/>
+                </a:schemeClr>
+              </a:gs>
+              <a:gs pos="69000">
+                <a:schemeClr val="accent4">
+                  <a:lumMod val="75000"/>
+                </a:schemeClr>
+              </a:gs>
+              <a:gs pos="97000">
+                <a:schemeClr val="accent4">
+                  <a:lumMod val="70000"/>
+                </a:schemeClr>
+              </a:gs>
+            </a:gsLst>
+            <a:path path="circle">
+              <a:fillToRect l="50000" t="50000" r="50000" b="50000"/>
+            </a:path>
+          </a:gradFill>
+        </p:spPr>
+        <p:txBody>
+          <a:bodyPr/>
+          <a:lstStyle/>
+          <a:p>
+            <a:pPr algn="ctr"/>
+            <a:r>
+              <a:rPr lang="en-US" b="1" dirty="0" smtClean="0"/>
               <a:t>System Developer</a:t>
             </a:r>
             <a:endParaRPr lang="en-US" b="1" dirty="0"/>
@@ -11755,7 +15942,7 @@
 </p:sld>
 </file>
 
-<file path=ppt/slides/slide25.xml><?xml version="1.0" encoding="utf-8"?>
+<file path=ppt/slides/slide29.xml><?xml version="1.0" encoding="utf-8"?>
 <p:sld xmlns:a="http://schemas.openxmlformats.org/drawingml/2006/main" xmlns:r="http://schemas.openxmlformats.org/officeDocument/2006/relationships" xmlns:p="http://schemas.openxmlformats.org/presentationml/2006/main">
   <p:cSld>
     <p:bg>
@@ -13428,4 +17615,265 @@
     </a:ext>
   </a:extLst>
 </a:theme>
+</file>
+
+<file path=ppt/theme/theme2.xml><?xml version="1.0" encoding="utf-8"?>
+<a:theme xmlns:a="http://schemas.openxmlformats.org/drawingml/2006/main" name="Office Theme">
+  <a:themeElements>
+    <a:clrScheme name="Office">
+      <a:dk1>
+        <a:sysClr val="windowText" lastClr="000000"/>
+      </a:dk1>
+      <a:lt1>
+        <a:sysClr val="window" lastClr="FFFFFF"/>
+      </a:lt1>
+      <a:dk2>
+        <a:srgbClr val="44546A"/>
+      </a:dk2>
+      <a:lt2>
+        <a:srgbClr val="E7E6E6"/>
+      </a:lt2>
+      <a:accent1>
+        <a:srgbClr val="5B9BD5"/>
+      </a:accent1>
+      <a:accent2>
+        <a:srgbClr val="ED7D31"/>
+      </a:accent2>
+      <a:accent3>
+        <a:srgbClr val="A5A5A5"/>
+      </a:accent3>
+      <a:accent4>
+        <a:srgbClr val="FFC000"/>
+      </a:accent4>
+      <a:accent5>
+        <a:srgbClr val="4472C4"/>
+      </a:accent5>
+      <a:accent6>
+        <a:srgbClr val="70AD47"/>
+      </a:accent6>
+      <a:hlink>
+        <a:srgbClr val="0563C1"/>
+      </a:hlink>
+      <a:folHlink>
+        <a:srgbClr val="954F72"/>
+      </a:folHlink>
+    </a:clrScheme>
+    <a:fontScheme name="Office">
+      <a:majorFont>
+        <a:latin typeface="Calibri Light" panose="020F0302020204030204"/>
+        <a:ea typeface=""/>
+        <a:cs typeface=""/>
+        <a:font script="Jpan" typeface="ＭＳ Ｐゴシック"/>
+        <a:font script="Hang" typeface="맑은 고딕"/>
+        <a:font script="Hans" typeface="宋体"/>
+        <a:font script="Hant" typeface="新細明體"/>
+        <a:font script="Arab" typeface="Times New Roman"/>
+        <a:font script="Hebr" typeface="Times New Roman"/>
+        <a:font script="Thai" typeface="Angsana New"/>
+        <a:font script="Ethi" typeface="Nyala"/>
+        <a:font script="Beng" typeface="Vrinda"/>
+        <a:font script="Gujr" typeface="Shruti"/>
+        <a:font script="Khmr" typeface="MoolBoran"/>
+        <a:font script="Knda" typeface="Tunga"/>
+        <a:font script="Guru" typeface="Raavi"/>
+        <a:font script="Cans" typeface="Euphemia"/>
+        <a:font script="Cher" typeface="Plantagenet Cherokee"/>
+        <a:font script="Yiii" typeface="Microsoft Yi Baiti"/>
+        <a:font script="Tibt" typeface="Microsoft Himalaya"/>
+        <a:font script="Thaa" typeface="MV Boli"/>
+        <a:font script="Deva" typeface="Mangal"/>
+        <a:font script="Telu" typeface="Gautami"/>
+        <a:font script="Taml" typeface="Latha"/>
+        <a:font script="Syrc" typeface="Estrangelo Edessa"/>
+        <a:font script="Orya" typeface="Kalinga"/>
+        <a:font script="Mlym" typeface="Kartika"/>
+        <a:font script="Laoo" typeface="DokChampa"/>
+        <a:font script="Sinh" typeface="Iskoola Pota"/>
+        <a:font script="Mong" typeface="Mongolian Baiti"/>
+        <a:font script="Viet" typeface="Times New Roman"/>
+        <a:font script="Uigh" typeface="Microsoft Uighur"/>
+        <a:font script="Geor" typeface="Sylfaen"/>
+      </a:majorFont>
+      <a:minorFont>
+        <a:latin typeface="Calibri" panose="020F0502020204030204"/>
+        <a:ea typeface=""/>
+        <a:cs typeface=""/>
+        <a:font script="Jpan" typeface="ＭＳ Ｐゴシック"/>
+        <a:font script="Hang" typeface="맑은 고딕"/>
+        <a:font script="Hans" typeface="宋体"/>
+        <a:font script="Hant" typeface="新細明體"/>
+        <a:font script="Arab" typeface="Arial"/>
+        <a:font script="Hebr" typeface="Arial"/>
+        <a:font script="Thai" typeface="Cordia New"/>
+        <a:font script="Ethi" typeface="Nyala"/>
+        <a:font script="Beng" typeface="Vrinda"/>
+        <a:font script="Gujr" typeface="Shruti"/>
+        <a:font script="Khmr" typeface="DaunPenh"/>
+        <a:font script="Knda" typeface="Tunga"/>
+        <a:font script="Guru" typeface="Raavi"/>
+        <a:font script="Cans" typeface="Euphemia"/>
+        <a:font script="Cher" typeface="Plantagenet Cherokee"/>
+        <a:font script="Yiii" typeface="Microsoft Yi Baiti"/>
+        <a:font script="Tibt" typeface="Microsoft Himalaya"/>
+        <a:font script="Thaa" typeface="MV Boli"/>
+        <a:font script="Deva" typeface="Mangal"/>
+        <a:font script="Telu" typeface="Gautami"/>
+        <a:font script="Taml" typeface="Latha"/>
+        <a:font script="Syrc" typeface="Estrangelo Edessa"/>
+        <a:font script="Orya" typeface="Kalinga"/>
+        <a:font script="Mlym" typeface="Kartika"/>
+        <a:font script="Laoo" typeface="DokChampa"/>
+        <a:font script="Sinh" typeface="Iskoola Pota"/>
+        <a:font script="Mong" typeface="Mongolian Baiti"/>
+        <a:font script="Viet" typeface="Arial"/>
+        <a:font script="Uigh" typeface="Microsoft Uighur"/>
+        <a:font script="Geor" typeface="Sylfaen"/>
+      </a:minorFont>
+    </a:fontScheme>
+    <a:fmtScheme name="Office">
+      <a:fillStyleLst>
+        <a:solidFill>
+          <a:schemeClr val="phClr"/>
+        </a:solidFill>
+        <a:gradFill rotWithShape="1">
+          <a:gsLst>
+            <a:gs pos="0">
+              <a:schemeClr val="phClr">
+                <a:lumMod val="110000"/>
+                <a:satMod val="105000"/>
+                <a:tint val="67000"/>
+              </a:schemeClr>
+            </a:gs>
+            <a:gs pos="50000">
+              <a:schemeClr val="phClr">
+                <a:lumMod val="105000"/>
+                <a:satMod val="103000"/>
+                <a:tint val="73000"/>
+              </a:schemeClr>
+            </a:gs>
+            <a:gs pos="100000">
+              <a:schemeClr val="phClr">
+                <a:lumMod val="105000"/>
+                <a:satMod val="109000"/>
+                <a:tint val="81000"/>
+              </a:schemeClr>
+            </a:gs>
+          </a:gsLst>
+          <a:lin ang="5400000" scaled="0"/>
+        </a:gradFill>
+        <a:gradFill rotWithShape="1">
+          <a:gsLst>
+            <a:gs pos="0">
+              <a:schemeClr val="phClr">
+                <a:satMod val="103000"/>
+                <a:lumMod val="102000"/>
+                <a:tint val="94000"/>
+              </a:schemeClr>
+            </a:gs>
+            <a:gs pos="50000">
+              <a:schemeClr val="phClr">
+                <a:satMod val="110000"/>
+                <a:lumMod val="100000"/>
+                <a:shade val="100000"/>
+              </a:schemeClr>
+            </a:gs>
+            <a:gs pos="100000">
+              <a:schemeClr val="phClr">
+                <a:lumMod val="99000"/>
+                <a:satMod val="120000"/>
+                <a:shade val="78000"/>
+              </a:schemeClr>
+            </a:gs>
+          </a:gsLst>
+          <a:lin ang="5400000" scaled="0"/>
+        </a:gradFill>
+      </a:fillStyleLst>
+      <a:lnStyleLst>
+        <a:ln w="6350" cap="flat" cmpd="sng" algn="ctr">
+          <a:solidFill>
+            <a:schemeClr val="phClr"/>
+          </a:solidFill>
+          <a:prstDash val="solid"/>
+          <a:miter lim="800000"/>
+        </a:ln>
+        <a:ln w="12700" cap="flat" cmpd="sng" algn="ctr">
+          <a:solidFill>
+            <a:schemeClr val="phClr"/>
+          </a:solidFill>
+          <a:prstDash val="solid"/>
+          <a:miter lim="800000"/>
+        </a:ln>
+        <a:ln w="19050" cap="flat" cmpd="sng" algn="ctr">
+          <a:solidFill>
+            <a:schemeClr val="phClr"/>
+          </a:solidFill>
+          <a:prstDash val="solid"/>
+          <a:miter lim="800000"/>
+        </a:ln>
+      </a:lnStyleLst>
+      <a:effectStyleLst>
+        <a:effectStyle>
+          <a:effectLst/>
+        </a:effectStyle>
+        <a:effectStyle>
+          <a:effectLst/>
+        </a:effectStyle>
+        <a:effectStyle>
+          <a:effectLst>
+            <a:outerShdw blurRad="57150" dist="19050" dir="5400000" algn="ctr" rotWithShape="0">
+              <a:srgbClr val="000000">
+                <a:alpha val="63000"/>
+              </a:srgbClr>
+            </a:outerShdw>
+          </a:effectLst>
+        </a:effectStyle>
+      </a:effectStyleLst>
+      <a:bgFillStyleLst>
+        <a:solidFill>
+          <a:schemeClr val="phClr"/>
+        </a:solidFill>
+        <a:solidFill>
+          <a:schemeClr val="phClr">
+            <a:tint val="95000"/>
+            <a:satMod val="170000"/>
+          </a:schemeClr>
+        </a:solidFill>
+        <a:gradFill rotWithShape="1">
+          <a:gsLst>
+            <a:gs pos="0">
+              <a:schemeClr val="phClr">
+                <a:tint val="93000"/>
+                <a:satMod val="150000"/>
+                <a:shade val="98000"/>
+                <a:lumMod val="102000"/>
+              </a:schemeClr>
+            </a:gs>
+            <a:gs pos="50000">
+              <a:schemeClr val="phClr">
+                <a:tint val="98000"/>
+                <a:satMod val="130000"/>
+                <a:shade val="90000"/>
+                <a:lumMod val="103000"/>
+              </a:schemeClr>
+            </a:gs>
+            <a:gs pos="100000">
+              <a:schemeClr val="phClr">
+                <a:shade val="63000"/>
+                <a:satMod val="120000"/>
+              </a:schemeClr>
+            </a:gs>
+          </a:gsLst>
+          <a:lin ang="5400000" scaled="0"/>
+        </a:gradFill>
+      </a:bgFillStyleLst>
+    </a:fmtScheme>
+  </a:themeElements>
+  <a:objectDefaults/>
+  <a:extraClrSchemeLst/>
+  <a:extLst>
+    <a:ext uri="{05A4C25C-085E-4340-85A3-A5531E510DB2}">
+      <thm15:themeFamily xmlns:thm15="http://schemas.microsoft.com/office/thememl/2012/main" name="Office Theme" id="{62F939B6-93AF-4DB8-9C6B-D6C7DFDC589F}" vid="{4A3C46E8-61CC-4603-A589-7422A47A8E4A}"/>
+    </a:ext>
+  </a:extLst>
+</a:theme>
 </file>